--- a/U1_Introduccion_a_la_programacion/Unidad_01_Introduccion_a_la_programacion_2.pptx
+++ b/U1_Introduccion_a_la_programacion/Unidad_01_Introduccion_a_la_programacion_2.pptx
@@ -5076,7 +5076,7 @@
       </p:grpSpPr>
       <p:sp>
         <p:nvSpPr>
-          <p:cNvPr id="157" name="PlaceHolder 1"/>
+          <p:cNvPr id="154" name="PlaceHolder 1"/>
           <p:cNvSpPr>
             <a:spLocks noGrp="1"/>
           </p:cNvSpPr>
@@ -5107,7 +5107,7 @@
       </p:sp>
       <p:sp>
         <p:nvSpPr>
-          <p:cNvPr id="158" name="PlaceHolder 2"/>
+          <p:cNvPr id="155" name="PlaceHolder 2"/>
           <p:cNvSpPr>
             <a:spLocks noGrp="1"/>
           </p:cNvSpPr>
@@ -5160,7 +5160,7 @@
       </p:grpSpPr>
       <p:sp>
         <p:nvSpPr>
-          <p:cNvPr id="159" name="PlaceHolder 1"/>
+          <p:cNvPr id="156" name="PlaceHolder 1"/>
           <p:cNvSpPr>
             <a:spLocks noGrp="1"/>
           </p:cNvSpPr>
@@ -5191,7 +5191,7 @@
       </p:sp>
       <p:sp>
         <p:nvSpPr>
-          <p:cNvPr id="160" name="PlaceHolder 2"/>
+          <p:cNvPr id="157" name="PlaceHolder 2"/>
           <p:cNvSpPr>
             <a:spLocks noGrp="1"/>
           </p:cNvSpPr>
@@ -5243,7 +5243,7 @@
       </p:grpSpPr>
       <p:sp>
         <p:nvSpPr>
-          <p:cNvPr id="161" name="PlaceHolder 1"/>
+          <p:cNvPr id="158" name="PlaceHolder 1"/>
           <p:cNvSpPr>
             <a:spLocks noGrp="1"/>
           </p:cNvSpPr>
@@ -5274,7 +5274,7 @@
       </p:sp>
       <p:sp>
         <p:nvSpPr>
-          <p:cNvPr id="162" name="PlaceHolder 2"/>
+          <p:cNvPr id="159" name="PlaceHolder 2"/>
           <p:cNvSpPr>
             <a:spLocks noGrp="1"/>
           </p:cNvSpPr>
@@ -5304,7 +5304,7 @@
       </p:sp>
       <p:sp>
         <p:nvSpPr>
-          <p:cNvPr id="163" name="PlaceHolder 3"/>
+          <p:cNvPr id="160" name="PlaceHolder 3"/>
           <p:cNvSpPr>
             <a:spLocks noGrp="1"/>
           </p:cNvSpPr>
@@ -5356,7 +5356,7 @@
       </p:grpSpPr>
       <p:sp>
         <p:nvSpPr>
-          <p:cNvPr id="164" name="PlaceHolder 1"/>
+          <p:cNvPr id="161" name="PlaceHolder 1"/>
           <p:cNvSpPr>
             <a:spLocks noGrp="1"/>
           </p:cNvSpPr>
@@ -5409,7 +5409,7 @@
       </p:grpSpPr>
       <p:sp>
         <p:nvSpPr>
-          <p:cNvPr id="165" name="PlaceHolder 1"/>
+          <p:cNvPr id="162" name="PlaceHolder 1"/>
           <p:cNvSpPr>
             <a:spLocks noGrp="1"/>
           </p:cNvSpPr>
@@ -5462,7 +5462,7 @@
       </p:grpSpPr>
       <p:sp>
         <p:nvSpPr>
-          <p:cNvPr id="166" name="PlaceHolder 1"/>
+          <p:cNvPr id="163" name="PlaceHolder 1"/>
           <p:cNvSpPr>
             <a:spLocks noGrp="1"/>
           </p:cNvSpPr>
@@ -5493,7 +5493,7 @@
       </p:sp>
       <p:sp>
         <p:nvSpPr>
-          <p:cNvPr id="167" name="PlaceHolder 2"/>
+          <p:cNvPr id="164" name="PlaceHolder 2"/>
           <p:cNvSpPr>
             <a:spLocks noGrp="1"/>
           </p:cNvSpPr>
@@ -5523,7 +5523,7 @@
       </p:sp>
       <p:sp>
         <p:nvSpPr>
-          <p:cNvPr id="168" name="PlaceHolder 3"/>
+          <p:cNvPr id="165" name="PlaceHolder 3"/>
           <p:cNvSpPr>
             <a:spLocks noGrp="1"/>
           </p:cNvSpPr>
@@ -5553,7 +5553,7 @@
       </p:sp>
       <p:sp>
         <p:nvSpPr>
-          <p:cNvPr id="169" name="PlaceHolder 4"/>
+          <p:cNvPr id="166" name="PlaceHolder 4"/>
           <p:cNvSpPr>
             <a:spLocks noGrp="1"/>
           </p:cNvSpPr>
@@ -5605,7 +5605,7 @@
       </p:grpSpPr>
       <p:sp>
         <p:nvSpPr>
-          <p:cNvPr id="170" name="PlaceHolder 1"/>
+          <p:cNvPr id="167" name="PlaceHolder 1"/>
           <p:cNvSpPr>
             <a:spLocks noGrp="1"/>
           </p:cNvSpPr>
@@ -5636,7 +5636,7 @@
       </p:sp>
       <p:sp>
         <p:nvSpPr>
-          <p:cNvPr id="171" name="PlaceHolder 2"/>
+          <p:cNvPr id="168" name="PlaceHolder 2"/>
           <p:cNvSpPr>
             <a:spLocks noGrp="1"/>
           </p:cNvSpPr>
@@ -5666,7 +5666,7 @@
       </p:sp>
       <p:sp>
         <p:nvSpPr>
-          <p:cNvPr id="172" name="PlaceHolder 3"/>
+          <p:cNvPr id="169" name="PlaceHolder 3"/>
           <p:cNvSpPr>
             <a:spLocks noGrp="1"/>
           </p:cNvSpPr>
@@ -5696,7 +5696,7 @@
       </p:sp>
       <p:sp>
         <p:nvSpPr>
-          <p:cNvPr id="173" name="PlaceHolder 4"/>
+          <p:cNvPr id="170" name="PlaceHolder 4"/>
           <p:cNvSpPr>
             <a:spLocks noGrp="1"/>
           </p:cNvSpPr>
@@ -5748,7 +5748,7 @@
       </p:grpSpPr>
       <p:sp>
         <p:nvSpPr>
-          <p:cNvPr id="174" name="PlaceHolder 1"/>
+          <p:cNvPr id="171" name="PlaceHolder 1"/>
           <p:cNvSpPr>
             <a:spLocks noGrp="1"/>
           </p:cNvSpPr>
@@ -5779,7 +5779,7 @@
       </p:sp>
       <p:sp>
         <p:nvSpPr>
-          <p:cNvPr id="175" name="PlaceHolder 2"/>
+          <p:cNvPr id="172" name="PlaceHolder 2"/>
           <p:cNvSpPr>
             <a:spLocks noGrp="1"/>
           </p:cNvSpPr>
@@ -5809,7 +5809,7 @@
       </p:sp>
       <p:sp>
         <p:nvSpPr>
-          <p:cNvPr id="176" name="PlaceHolder 3"/>
+          <p:cNvPr id="173" name="PlaceHolder 3"/>
           <p:cNvSpPr>
             <a:spLocks noGrp="1"/>
           </p:cNvSpPr>
@@ -5839,7 +5839,7 @@
       </p:sp>
       <p:sp>
         <p:nvSpPr>
-          <p:cNvPr id="177" name="PlaceHolder 4"/>
+          <p:cNvPr id="174" name="PlaceHolder 4"/>
           <p:cNvSpPr>
             <a:spLocks noGrp="1"/>
           </p:cNvSpPr>
@@ -5891,7 +5891,7 @@
       </p:grpSpPr>
       <p:sp>
         <p:nvSpPr>
-          <p:cNvPr id="178" name="PlaceHolder 1"/>
+          <p:cNvPr id="175" name="PlaceHolder 1"/>
           <p:cNvSpPr>
             <a:spLocks noGrp="1"/>
           </p:cNvSpPr>
@@ -5922,7 +5922,7 @@
       </p:sp>
       <p:sp>
         <p:nvSpPr>
-          <p:cNvPr id="179" name="PlaceHolder 2"/>
+          <p:cNvPr id="176" name="PlaceHolder 2"/>
           <p:cNvSpPr>
             <a:spLocks noGrp="1"/>
           </p:cNvSpPr>
@@ -5952,7 +5952,7 @@
       </p:sp>
       <p:sp>
         <p:nvSpPr>
-          <p:cNvPr id="180" name="PlaceHolder 3"/>
+          <p:cNvPr id="177" name="PlaceHolder 3"/>
           <p:cNvSpPr>
             <a:spLocks noGrp="1"/>
           </p:cNvSpPr>
@@ -6004,7 +6004,7 @@
       </p:grpSpPr>
       <p:sp>
         <p:nvSpPr>
-          <p:cNvPr id="181" name="PlaceHolder 1"/>
+          <p:cNvPr id="178" name="PlaceHolder 1"/>
           <p:cNvSpPr>
             <a:spLocks noGrp="1"/>
           </p:cNvSpPr>
@@ -6035,7 +6035,7 @@
       </p:sp>
       <p:sp>
         <p:nvSpPr>
-          <p:cNvPr id="182" name="PlaceHolder 2"/>
+          <p:cNvPr id="179" name="PlaceHolder 2"/>
           <p:cNvSpPr>
             <a:spLocks noGrp="1"/>
           </p:cNvSpPr>
@@ -6065,7 +6065,7 @@
       </p:sp>
       <p:sp>
         <p:nvSpPr>
-          <p:cNvPr id="183" name="PlaceHolder 3"/>
+          <p:cNvPr id="180" name="PlaceHolder 3"/>
           <p:cNvSpPr>
             <a:spLocks noGrp="1"/>
           </p:cNvSpPr>
@@ -6095,7 +6095,7 @@
       </p:sp>
       <p:sp>
         <p:nvSpPr>
-          <p:cNvPr id="184" name="PlaceHolder 4"/>
+          <p:cNvPr id="181" name="PlaceHolder 4"/>
           <p:cNvSpPr>
             <a:spLocks noGrp="1"/>
           </p:cNvSpPr>
@@ -6125,7 +6125,7 @@
       </p:sp>
       <p:sp>
         <p:nvSpPr>
-          <p:cNvPr id="185" name="PlaceHolder 5"/>
+          <p:cNvPr id="182" name="PlaceHolder 5"/>
           <p:cNvSpPr>
             <a:spLocks noGrp="1"/>
           </p:cNvSpPr>
@@ -6230,7 +6230,7 @@
       </p:grpSpPr>
       <p:sp>
         <p:nvSpPr>
-          <p:cNvPr id="186" name="PlaceHolder 1"/>
+          <p:cNvPr id="183" name="PlaceHolder 1"/>
           <p:cNvSpPr>
             <a:spLocks noGrp="1"/>
           </p:cNvSpPr>
@@ -6261,7 +6261,7 @@
       </p:sp>
       <p:sp>
         <p:nvSpPr>
-          <p:cNvPr id="187" name="PlaceHolder 2"/>
+          <p:cNvPr id="184" name="PlaceHolder 2"/>
           <p:cNvSpPr>
             <a:spLocks noGrp="1"/>
           </p:cNvSpPr>
@@ -6291,7 +6291,7 @@
       </p:sp>
       <p:sp>
         <p:nvSpPr>
-          <p:cNvPr id="188" name="PlaceHolder 3"/>
+          <p:cNvPr id="185" name="PlaceHolder 3"/>
           <p:cNvSpPr>
             <a:spLocks noGrp="1"/>
           </p:cNvSpPr>
@@ -6321,7 +6321,7 @@
       </p:sp>
       <p:sp>
         <p:nvSpPr>
-          <p:cNvPr id="189" name="PlaceHolder 4"/>
+          <p:cNvPr id="186" name="PlaceHolder 4"/>
           <p:cNvSpPr>
             <a:spLocks noGrp="1"/>
           </p:cNvSpPr>
@@ -6351,7 +6351,7 @@
       </p:sp>
       <p:sp>
         <p:nvSpPr>
-          <p:cNvPr id="190" name="PlaceHolder 5"/>
+          <p:cNvPr id="187" name="PlaceHolder 5"/>
           <p:cNvSpPr>
             <a:spLocks noGrp="1"/>
           </p:cNvSpPr>
@@ -6381,7 +6381,7 @@
       </p:sp>
       <p:sp>
         <p:nvSpPr>
-          <p:cNvPr id="191" name="PlaceHolder 6"/>
+          <p:cNvPr id="188" name="PlaceHolder 6"/>
           <p:cNvSpPr>
             <a:spLocks noGrp="1"/>
           </p:cNvSpPr>
@@ -6411,7 +6411,7 @@
       </p:sp>
       <p:sp>
         <p:nvSpPr>
-          <p:cNvPr id="192" name="PlaceHolder 7"/>
+          <p:cNvPr id="189" name="PlaceHolder 7"/>
           <p:cNvSpPr>
             <a:spLocks noGrp="1"/>
           </p:cNvSpPr>
@@ -6909,8 +6909,8 @@
         </p:nvSpPr>
         <p:spPr>
           <a:xfrm>
-            <a:off x="838080" y="365040"/>
-            <a:ext cx="10514880" cy="1324800"/>
+            <a:off x="609480" y="273600"/>
+            <a:ext cx="10972080" cy="1144440"/>
           </a:xfrm>
           <a:prstGeom prst="rect">
             <a:avLst/>
@@ -6946,7 +6946,7 @@
         <p:spPr>
           <a:xfrm>
             <a:off x="609480" y="1604520"/>
-            <a:ext cx="10972440" cy="3977280"/>
+            <a:ext cx="10972080" cy="3976920"/>
           </a:xfrm>
           <a:prstGeom prst="rect">
             <a:avLst/>
@@ -6969,12 +6969,12 @@
               <a:buChar char=""/>
             </a:pPr>
             <a:r>
-              <a:rPr b="0" lang="es-MX" sz="3200" spc="-1" strike="noStrike">
+              <a:rPr b="0" lang="es-MX" sz="1800" spc="-1" strike="noStrike">
                 <a:latin typeface="Arial"/>
               </a:rPr>
               <a:t>Pulse para editar el formato de texto del esquema</a:t>
             </a:r>
-            <a:endParaRPr b="0" lang="es-MX" sz="3200" spc="-1" strike="noStrike">
+            <a:endParaRPr b="0" lang="es-MX" sz="1800" spc="-1" strike="noStrike">
               <a:latin typeface="Arial"/>
             </a:endParaRPr>
           </a:p>
@@ -6991,12 +6991,12 @@
               <a:buChar char=""/>
             </a:pPr>
             <a:r>
-              <a:rPr b="0" lang="es-MX" sz="2800" spc="-1" strike="noStrike">
+              <a:rPr b="0" lang="es-MX" sz="1800" spc="-1" strike="noStrike">
                 <a:latin typeface="Arial"/>
               </a:rPr>
               <a:t>Segundo nivel del esquema</a:t>
             </a:r>
-            <a:endParaRPr b="0" lang="es-MX" sz="2800" spc="-1" strike="noStrike">
+            <a:endParaRPr b="0" lang="es-MX" sz="1800" spc="-1" strike="noStrike">
               <a:latin typeface="Arial"/>
             </a:endParaRPr>
           </a:p>
@@ -7013,12 +7013,12 @@
               <a:buChar char=""/>
             </a:pPr>
             <a:r>
-              <a:rPr b="0" lang="es-MX" sz="2400" spc="-1" strike="noStrike">
+              <a:rPr b="0" lang="es-MX" sz="1800" spc="-1" strike="noStrike">
                 <a:latin typeface="Arial"/>
               </a:rPr>
               <a:t>Tercer nivel del esquema</a:t>
             </a:r>
-            <a:endParaRPr b="0" lang="es-MX" sz="2400" spc="-1" strike="noStrike">
+            <a:endParaRPr b="0" lang="es-MX" sz="1800" spc="-1" strike="noStrike">
               <a:latin typeface="Arial"/>
             </a:endParaRPr>
           </a:p>
@@ -7035,12 +7035,12 @@
               <a:buChar char=""/>
             </a:pPr>
             <a:r>
-              <a:rPr b="0" lang="es-MX" sz="2000" spc="-1" strike="noStrike">
+              <a:rPr b="0" lang="es-MX" sz="1800" spc="-1" strike="noStrike">
                 <a:latin typeface="Arial"/>
               </a:rPr>
               <a:t>Cuarto nivel del esquema</a:t>
             </a:r>
-            <a:endParaRPr b="0" lang="es-MX" sz="2000" spc="-1" strike="noStrike">
+            <a:endParaRPr b="0" lang="es-MX" sz="1800" spc="-1" strike="noStrike">
               <a:latin typeface="Arial"/>
             </a:endParaRPr>
           </a:p>
@@ -7057,12 +7057,12 @@
               <a:buChar char=""/>
             </a:pPr>
             <a:r>
-              <a:rPr b="0" lang="es-MX" sz="2000" spc="-1" strike="noStrike">
+              <a:rPr b="0" lang="es-MX" sz="1800" spc="-1" strike="noStrike">
                 <a:latin typeface="Arial"/>
               </a:rPr>
               <a:t>Quinto nivel del esquema</a:t>
             </a:r>
-            <a:endParaRPr b="0" lang="es-MX" sz="2000" spc="-1" strike="noStrike">
+            <a:endParaRPr b="0" lang="es-MX" sz="1800" spc="-1" strike="noStrike">
               <a:latin typeface="Arial"/>
             </a:endParaRPr>
           </a:p>
@@ -7079,12 +7079,12 @@
               <a:buChar char=""/>
             </a:pPr>
             <a:r>
-              <a:rPr b="0" lang="es-MX" sz="2000" spc="-1" strike="noStrike">
+              <a:rPr b="0" lang="es-MX" sz="1800" spc="-1" strike="noStrike">
                 <a:latin typeface="Arial"/>
               </a:rPr>
               <a:t>Sexto nivel del esquema</a:t>
             </a:r>
-            <a:endParaRPr b="0" lang="es-MX" sz="2000" spc="-1" strike="noStrike">
+            <a:endParaRPr b="0" lang="es-MX" sz="1800" spc="-1" strike="noStrike">
               <a:latin typeface="Arial"/>
             </a:endParaRPr>
           </a:p>
@@ -7101,12 +7101,12 @@
               <a:buChar char=""/>
             </a:pPr>
             <a:r>
-              <a:rPr b="0" lang="es-MX" sz="2000" spc="-1" strike="noStrike">
+              <a:rPr b="0" lang="es-MX" sz="1800" spc="-1" strike="noStrike">
                 <a:latin typeface="Arial"/>
               </a:rPr>
               <a:t>Séptimo nivel del esquema</a:t>
             </a:r>
-            <a:endParaRPr b="0" lang="es-MX" sz="2000" spc="-1" strike="noStrike">
+            <a:endParaRPr b="0" lang="es-MX" sz="1800" spc="-1" strike="noStrike">
               <a:latin typeface="Arial"/>
             </a:endParaRPr>
           </a:p>
@@ -7434,8 +7434,8 @@
         </p:nvSpPr>
         <p:spPr>
           <a:xfrm>
-            <a:off x="838080" y="365040"/>
-            <a:ext cx="10514880" cy="1324800"/>
+            <a:off x="609480" y="273600"/>
+            <a:ext cx="10972440" cy="1144800"/>
           </a:xfrm>
           <a:prstGeom prst="rect">
             <a:avLst/>
@@ -7446,13 +7446,20 @@
             <a:noAutofit/>
           </a:bodyPr>
           <a:p>
-            <a:r>
-              <a:rPr b="0" lang="es-MX" sz="1800" spc="-1" strike="noStrike">
+            <a:pPr algn="ctr"/>
+            <a:r>
+              <a:rPr b="0" lang="es-MX" sz="4400" spc="-1" strike="noStrike">
                 <a:latin typeface="Arial"/>
               </a:rPr>
-              <a:t>Pulse para editar el formato del texto de título</a:t>
-            </a:r>
-            <a:endParaRPr b="0" lang="es-MX" sz="1800" spc="-1" strike="noStrike">
+              <a:t>Pulse para editar el formato del texto de </a:t>
+            </a:r>
+            <a:r>
+              <a:rPr b="0" lang="es-MX" sz="4400" spc="-1" strike="noStrike">
+                <a:latin typeface="Arial"/>
+              </a:rPr>
+              <a:t>título</a:t>
+            </a:r>
+            <a:endParaRPr b="0" lang="es-MX" sz="4400" spc="-1" strike="noStrike">
               <a:latin typeface="Arial"/>
             </a:endParaRPr>
           </a:p>
@@ -7694,7 +7701,7 @@
         <p:spPr>
           <a:xfrm>
             <a:off x="609480" y="273600"/>
-            <a:ext cx="10972440" cy="1144800"/>
+            <a:ext cx="10972080" cy="1144440"/>
           </a:xfrm>
           <a:prstGeom prst="rect">
             <a:avLst/>
@@ -7705,20 +7712,13 @@
             <a:noAutofit/>
           </a:bodyPr>
           <a:p>
-            <a:pPr algn="ctr"/>
-            <a:r>
-              <a:rPr b="0" lang="es-MX" sz="4400" spc="-1" strike="noStrike">
+            <a:r>
+              <a:rPr b="0" lang="es-MX" sz="1800" spc="-1" strike="noStrike">
                 <a:latin typeface="Arial"/>
               </a:rPr>
-              <a:t>Pulse para editar el formato del texto de </a:t>
-            </a:r>
-            <a:r>
-              <a:rPr b="0" lang="es-MX" sz="4400" spc="-1" strike="noStrike">
-                <a:latin typeface="Arial"/>
-              </a:rPr>
-              <a:t>título</a:t>
-            </a:r>
-            <a:endParaRPr b="0" lang="es-MX" sz="4400" spc="-1" strike="noStrike">
+              <a:t>Pulse para editar el formato del texto de título</a:t>
+            </a:r>
+            <a:endParaRPr b="0" lang="es-MX" sz="1800" spc="-1" strike="noStrike">
               <a:latin typeface="Arial"/>
             </a:endParaRPr>
           </a:p>
@@ -7959,37 +7959,33 @@
         </p:nvSpPr>
         <p:spPr>
           <a:xfrm>
-            <a:off x="838080" y="365040"/>
-            <a:ext cx="10515240" cy="1325160"/>
-          </a:xfrm>
-          <a:prstGeom prst="rect">
-            <a:avLst/>
-          </a:prstGeom>
-        </p:spPr>
-        <p:txBody>
-          <a:bodyPr anchor="ctr">
+            <a:off x="609480" y="273600"/>
+            <a:ext cx="10972440" cy="1144800"/>
+          </a:xfrm>
+          <a:prstGeom prst="rect">
+            <a:avLst/>
+          </a:prstGeom>
+        </p:spPr>
+        <p:txBody>
+          <a:bodyPr lIns="0" rIns="0" tIns="0" bIns="0" anchor="ctr">
             <a:noAutofit/>
           </a:bodyPr>
           <a:p>
-            <a:pPr>
-              <a:lnSpc>
-                <a:spcPct val="90000"/>
-              </a:lnSpc>
-            </a:pPr>
-            <a:r>
-              <a:rPr b="0" lang="es-ES" sz="4400" spc="-1" strike="noStrike">
-                <a:solidFill>
-                  <a:srgbClr val="000000"/>
-                </a:solidFill>
-                <a:latin typeface="Calibri Light"/>
-              </a:rPr>
-              <a:t>Haga clic para modificar el estilo de título del patrón</a:t>
+            <a:pPr algn="ctr"/>
+            <a:r>
+              <a:rPr b="0" lang="es-MX" sz="4400" spc="-1" strike="noStrike">
+                <a:latin typeface="Arial"/>
+              </a:rPr>
+              <a:t>Pulse para editar el formato del texto de </a:t>
+            </a:r>
+            <a:r>
+              <a:rPr b="0" lang="es-MX" sz="4400" spc="-1" strike="noStrike">
+                <a:latin typeface="Arial"/>
+              </a:rPr>
+              <a:t>título</a:t>
             </a:r>
             <a:endParaRPr b="0" lang="es-MX" sz="4400" spc="-1" strike="noStrike">
-              <a:solidFill>
-                <a:srgbClr val="000000"/>
-              </a:solidFill>
-              <a:latin typeface="Calibri"/>
+              <a:latin typeface="Arial"/>
             </a:endParaRPr>
           </a:p>
         </p:txBody>
@@ -8006,283 +8002,169 @@
         </p:nvSpPr>
         <p:spPr>
           <a:xfrm>
-            <a:off x="838080" y="1825560"/>
-            <a:ext cx="10515240" cy="4350960"/>
-          </a:xfrm>
-          <a:prstGeom prst="rect">
-            <a:avLst/>
-          </a:prstGeom>
-        </p:spPr>
-        <p:txBody>
-          <a:bodyPr>
-            <a:noAutofit/>
-          </a:bodyPr>
-          <a:p>
-            <a:pPr marL="228600" indent="-228240">
-              <a:lnSpc>
-                <a:spcPct val="90000"/>
-              </a:lnSpc>
+            <a:off x="609480" y="1604520"/>
+            <a:ext cx="10972440" cy="3977280"/>
+          </a:xfrm>
+          <a:prstGeom prst="rect">
+            <a:avLst/>
+          </a:prstGeom>
+        </p:spPr>
+        <p:txBody>
+          <a:bodyPr lIns="0" rIns="0" tIns="0" bIns="0">
+            <a:normAutofit/>
+          </a:bodyPr>
+          <a:p>
+            <a:pPr marL="432000" indent="-324000">
               <a:spcBef>
-                <a:spcPts val="1001"/>
+                <a:spcPts val="1417"/>
               </a:spcBef>
               <a:buClr>
                 <a:srgbClr val="000000"/>
               </a:buClr>
-              <a:buFont typeface="Arial"/>
-              <a:buChar char="•"/>
-            </a:pPr>
-            <a:r>
-              <a:rPr b="0" lang="es-ES" sz="2800" spc="-1" strike="noStrike">
-                <a:solidFill>
-                  <a:srgbClr val="000000"/>
-                </a:solidFill>
-                <a:latin typeface="Calibri"/>
-              </a:rPr>
-              <a:t>Editar el estilo de texto del patrón</a:t>
-            </a:r>
-            <a:endParaRPr b="0" lang="es-MX" sz="2800" spc="-1" strike="noStrike">
-              <a:solidFill>
-                <a:srgbClr val="000000"/>
-              </a:solidFill>
-              <a:latin typeface="Calibri"/>
-            </a:endParaRPr>
-          </a:p>
-          <a:p>
-            <a:pPr lvl="1" marL="685800" indent="-228240">
-              <a:lnSpc>
-                <a:spcPct val="90000"/>
-              </a:lnSpc>
+              <a:buSzPct val="45000"/>
+              <a:buFont typeface="Wingdings" charset="2"/>
+              <a:buChar char=""/>
+            </a:pPr>
+            <a:r>
+              <a:rPr b="0" lang="es-MX" sz="3200" spc="-1" strike="noStrike">
+                <a:latin typeface="Arial"/>
+              </a:rPr>
+              <a:t>Pulse para editar el formato de texto del esquema</a:t>
+            </a:r>
+            <a:endParaRPr b="0" lang="es-MX" sz="3200" spc="-1" strike="noStrike">
+              <a:latin typeface="Arial"/>
+            </a:endParaRPr>
+          </a:p>
+          <a:p>
+            <a:pPr lvl="1" marL="864000" indent="-324000">
               <a:spcBef>
-                <a:spcPts val="499"/>
+                <a:spcPts val="1134"/>
               </a:spcBef>
               <a:buClr>
                 <a:srgbClr val="000000"/>
               </a:buClr>
-              <a:buFont typeface="Arial"/>
-              <a:buChar char="•"/>
-            </a:pPr>
-            <a:r>
-              <a:rPr b="0" lang="es-ES" sz="2400" spc="-1" strike="noStrike">
-                <a:solidFill>
-                  <a:srgbClr val="000000"/>
-                </a:solidFill>
-                <a:latin typeface="Calibri"/>
-              </a:rPr>
-              <a:t>Segundo nivel</a:t>
-            </a:r>
-            <a:endParaRPr b="0" lang="es-MX" sz="2400" spc="-1" strike="noStrike">
-              <a:solidFill>
-                <a:srgbClr val="000000"/>
-              </a:solidFill>
-              <a:latin typeface="Calibri"/>
-            </a:endParaRPr>
-          </a:p>
-          <a:p>
-            <a:pPr lvl="2" marL="1143000" indent="-228240">
-              <a:lnSpc>
-                <a:spcPct val="90000"/>
-              </a:lnSpc>
+              <a:buSzPct val="75000"/>
+              <a:buFont typeface="Symbol" charset="2"/>
+              <a:buChar char=""/>
+            </a:pPr>
+            <a:r>
+              <a:rPr b="0" lang="es-MX" sz="2800" spc="-1" strike="noStrike">
+                <a:latin typeface="Arial"/>
+              </a:rPr>
+              <a:t>Segundo nivel del esquema</a:t>
+            </a:r>
+            <a:endParaRPr b="0" lang="es-MX" sz="2800" spc="-1" strike="noStrike">
+              <a:latin typeface="Arial"/>
+            </a:endParaRPr>
+          </a:p>
+          <a:p>
+            <a:pPr lvl="2" marL="1296000" indent="-288000">
               <a:spcBef>
-                <a:spcPts val="499"/>
+                <a:spcPts val="850"/>
               </a:spcBef>
               <a:buClr>
                 <a:srgbClr val="000000"/>
               </a:buClr>
-              <a:buFont typeface="Arial"/>
-              <a:buChar char="•"/>
-            </a:pPr>
-            <a:r>
-              <a:rPr b="0" lang="es-ES" sz="2000" spc="-1" strike="noStrike">
-                <a:solidFill>
-                  <a:srgbClr val="000000"/>
-                </a:solidFill>
-                <a:latin typeface="Calibri"/>
-              </a:rPr>
-              <a:t>Tercer nivel</a:t>
-            </a:r>
-            <a:endParaRPr b="0" lang="es-MX" sz="2000" spc="-1" strike="noStrike">
-              <a:solidFill>
-                <a:srgbClr val="000000"/>
-              </a:solidFill>
-              <a:latin typeface="Calibri"/>
-            </a:endParaRPr>
-          </a:p>
-          <a:p>
-            <a:pPr lvl="3" marL="1600200" indent="-228240">
-              <a:lnSpc>
-                <a:spcPct val="90000"/>
-              </a:lnSpc>
+              <a:buSzPct val="45000"/>
+              <a:buFont typeface="Wingdings" charset="2"/>
+              <a:buChar char=""/>
+            </a:pPr>
+            <a:r>
+              <a:rPr b="0" lang="es-MX" sz="2400" spc="-1" strike="noStrike">
+                <a:latin typeface="Arial"/>
+              </a:rPr>
+              <a:t>Tercer nivel del esquema</a:t>
+            </a:r>
+            <a:endParaRPr b="0" lang="es-MX" sz="2400" spc="-1" strike="noStrike">
+              <a:latin typeface="Arial"/>
+            </a:endParaRPr>
+          </a:p>
+          <a:p>
+            <a:pPr lvl="3" marL="1728000" indent="-216000">
               <a:spcBef>
-                <a:spcPts val="499"/>
+                <a:spcPts val="567"/>
               </a:spcBef>
               <a:buClr>
                 <a:srgbClr val="000000"/>
               </a:buClr>
-              <a:buFont typeface="Arial"/>
-              <a:buChar char="•"/>
-            </a:pPr>
-            <a:r>
-              <a:rPr b="0" lang="es-ES" sz="1800" spc="-1" strike="noStrike">
-                <a:solidFill>
-                  <a:srgbClr val="000000"/>
-                </a:solidFill>
-                <a:latin typeface="Calibri"/>
-              </a:rPr>
-              <a:t>Cuarto nivel</a:t>
-            </a:r>
-            <a:endParaRPr b="0" lang="es-MX" sz="1800" spc="-1" strike="noStrike">
-              <a:solidFill>
-                <a:srgbClr val="000000"/>
-              </a:solidFill>
-              <a:latin typeface="Calibri"/>
-            </a:endParaRPr>
-          </a:p>
-          <a:p>
-            <a:pPr lvl="4" marL="2057400" indent="-228240">
-              <a:lnSpc>
-                <a:spcPct val="90000"/>
-              </a:lnSpc>
+              <a:buSzPct val="75000"/>
+              <a:buFont typeface="Symbol" charset="2"/>
+              <a:buChar char=""/>
+            </a:pPr>
+            <a:r>
+              <a:rPr b="0" lang="es-MX" sz="2000" spc="-1" strike="noStrike">
+                <a:latin typeface="Arial"/>
+              </a:rPr>
+              <a:t>Cuarto nivel del esquema</a:t>
+            </a:r>
+            <a:endParaRPr b="0" lang="es-MX" sz="2000" spc="-1" strike="noStrike">
+              <a:latin typeface="Arial"/>
+            </a:endParaRPr>
+          </a:p>
+          <a:p>
+            <a:pPr lvl="4" marL="2160000" indent="-216000">
               <a:spcBef>
-                <a:spcPts val="499"/>
+                <a:spcPts val="283"/>
               </a:spcBef>
               <a:buClr>
                 <a:srgbClr val="000000"/>
               </a:buClr>
-              <a:buFont typeface="Arial"/>
-              <a:buChar char="•"/>
-            </a:pPr>
-            <a:r>
-              <a:rPr b="0" lang="es-ES" sz="1800" spc="-1" strike="noStrike">
-                <a:solidFill>
-                  <a:srgbClr val="000000"/>
-                </a:solidFill>
-                <a:latin typeface="Calibri"/>
-              </a:rPr>
-              <a:t>Quinto nivel</a:t>
-            </a:r>
-            <a:endParaRPr b="0" lang="es-MX" sz="1800" spc="-1" strike="noStrike">
-              <a:solidFill>
+              <a:buSzPct val="45000"/>
+              <a:buFont typeface="Wingdings" charset="2"/>
+              <a:buChar char=""/>
+            </a:pPr>
+            <a:r>
+              <a:rPr b="0" lang="es-MX" sz="2000" spc="-1" strike="noStrike">
+                <a:latin typeface="Arial"/>
+              </a:rPr>
+              <a:t>Quinto nivel del esquema</a:t>
+            </a:r>
+            <a:endParaRPr b="0" lang="es-MX" sz="2000" spc="-1" strike="noStrike">
+              <a:latin typeface="Arial"/>
+            </a:endParaRPr>
+          </a:p>
+          <a:p>
+            <a:pPr lvl="5" marL="2592000" indent="-216000">
+              <a:spcBef>
+                <a:spcPts val="283"/>
+              </a:spcBef>
+              <a:buClr>
                 <a:srgbClr val="000000"/>
-              </a:solidFill>
-              <a:latin typeface="Calibri"/>
-            </a:endParaRPr>
-          </a:p>
-        </p:txBody>
-      </p:sp>
-      <p:sp>
-        <p:nvSpPr>
-          <p:cNvPr id="154" name="PlaceHolder 3"/>
-          <p:cNvSpPr>
-            <a:spLocks noGrp="1"/>
-          </p:cNvSpPr>
-          <p:nvPr>
-            <p:ph type="dt"/>
-          </p:nvPr>
-        </p:nvSpPr>
-        <p:spPr>
-          <a:xfrm>
-            <a:off x="838080" y="6356520"/>
-            <a:ext cx="2742840" cy="364680"/>
-          </a:xfrm>
-          <a:prstGeom prst="rect">
-            <a:avLst/>
-          </a:prstGeom>
-        </p:spPr>
-        <p:txBody>
-          <a:bodyPr anchor="ctr">
-            <a:noAutofit/>
-          </a:bodyPr>
-          <a:p>
-            <a:pPr>
-              <a:lnSpc>
-                <a:spcPct val="100000"/>
-              </a:lnSpc>
-            </a:pPr>
-            <a:fld id="{AAFB7FAA-746B-4A2D-B82E-523141EFD624}" type="datetime">
-              <a:rPr b="0" lang="es-MX" sz="1200" spc="-1" strike="noStrike">
-                <a:solidFill>
-                  <a:srgbClr val="8b8b8b"/>
-                </a:solidFill>
-                <a:latin typeface="Calibri"/>
-              </a:rPr>
-              <a:t>10/02/22</a:t>
-            </a:fld>
-            <a:endParaRPr b="0" lang="es-MX" sz="1200" spc="-1" strike="noStrike">
-              <a:latin typeface="Times New Roman"/>
-            </a:endParaRPr>
-          </a:p>
-        </p:txBody>
-      </p:sp>
-      <p:sp>
-        <p:nvSpPr>
-          <p:cNvPr id="155" name="PlaceHolder 4"/>
-          <p:cNvSpPr>
-            <a:spLocks noGrp="1"/>
-          </p:cNvSpPr>
-          <p:nvPr>
-            <p:ph type="ftr"/>
-          </p:nvPr>
-        </p:nvSpPr>
-        <p:spPr>
-          <a:xfrm>
-            <a:off x="4038480" y="6356520"/>
-            <a:ext cx="4114440" cy="364680"/>
-          </a:xfrm>
-          <a:prstGeom prst="rect">
-            <a:avLst/>
-          </a:prstGeom>
-        </p:spPr>
-        <p:txBody>
-          <a:bodyPr anchor="ctr">
-            <a:noAutofit/>
-          </a:bodyPr>
-          <a:p>
-            <a:endParaRPr b="0" lang="es-MX" sz="2400" spc="-1" strike="noStrike">
-              <a:latin typeface="Times New Roman"/>
-            </a:endParaRPr>
-          </a:p>
-        </p:txBody>
-      </p:sp>
-      <p:sp>
-        <p:nvSpPr>
-          <p:cNvPr id="156" name="PlaceHolder 5"/>
-          <p:cNvSpPr>
-            <a:spLocks noGrp="1"/>
-          </p:cNvSpPr>
-          <p:nvPr>
-            <p:ph type="sldNum"/>
-          </p:nvPr>
-        </p:nvSpPr>
-        <p:spPr>
-          <a:xfrm>
-            <a:off x="8610480" y="6356520"/>
-            <a:ext cx="2742840" cy="364680"/>
-          </a:xfrm>
-          <a:prstGeom prst="rect">
-            <a:avLst/>
-          </a:prstGeom>
-        </p:spPr>
-        <p:txBody>
-          <a:bodyPr anchor="ctr">
-            <a:noAutofit/>
-          </a:bodyPr>
-          <a:p>
-            <a:pPr algn="r">
-              <a:lnSpc>
-                <a:spcPct val="100000"/>
-              </a:lnSpc>
-            </a:pPr>
-            <a:fld id="{A48F23D5-DE67-4D69-9E05-96EF01C13968}" type="slidenum">
-              <a:rPr b="0" lang="es-MX" sz="1200" spc="-1" strike="noStrike">
-                <a:solidFill>
-                  <a:srgbClr val="8b8b8b"/>
-                </a:solidFill>
-                <a:latin typeface="Calibri"/>
-              </a:rPr>
-              <a:t>&lt;número&gt;</a:t>
-            </a:fld>
-            <a:endParaRPr b="0" lang="es-MX" sz="1200" spc="-1" strike="noStrike">
-              <a:latin typeface="Times New Roman"/>
+              </a:buClr>
+              <a:buSzPct val="45000"/>
+              <a:buFont typeface="Wingdings" charset="2"/>
+              <a:buChar char=""/>
+            </a:pPr>
+            <a:r>
+              <a:rPr b="0" lang="es-MX" sz="2000" spc="-1" strike="noStrike">
+                <a:latin typeface="Arial"/>
+              </a:rPr>
+              <a:t>Sexto nivel del esquema</a:t>
+            </a:r>
+            <a:endParaRPr b="0" lang="es-MX" sz="2000" spc="-1" strike="noStrike">
+              <a:latin typeface="Arial"/>
+            </a:endParaRPr>
+          </a:p>
+          <a:p>
+            <a:pPr lvl="6" marL="3024000" indent="-216000">
+              <a:spcBef>
+                <a:spcPts val="283"/>
+              </a:spcBef>
+              <a:buClr>
+                <a:srgbClr val="000000"/>
+              </a:buClr>
+              <a:buSzPct val="45000"/>
+              <a:buFont typeface="Wingdings" charset="2"/>
+              <a:buChar char=""/>
+            </a:pPr>
+            <a:r>
+              <a:rPr b="0" lang="es-MX" sz="2000" spc="-1" strike="noStrike">
+                <a:latin typeface="Arial"/>
+              </a:rPr>
+              <a:t>Séptimo nivel del esquema</a:t>
+            </a:r>
+            <a:endParaRPr b="0" lang="es-MX" sz="2000" spc="-1" strike="noStrike">
+              <a:latin typeface="Arial"/>
             </a:endParaRPr>
           </a:p>
         </p:txBody>
@@ -8326,14 +8208,14 @@
       </p:grpSpPr>
       <p:sp>
         <p:nvSpPr>
-          <p:cNvPr id="193" name="CustomShape 1"/>
+          <p:cNvPr id="190" name="CustomShape 1"/>
           <p:cNvSpPr/>
           <p:nvPr/>
         </p:nvSpPr>
         <p:spPr>
           <a:xfrm>
             <a:off x="1523880" y="1122480"/>
-            <a:ext cx="9143280" cy="2386800"/>
+            <a:ext cx="9142920" cy="2386440"/>
           </a:xfrm>
           <a:prstGeom prst="rect">
             <a:avLst/>
@@ -8365,6 +8247,7 @@
                   <a:srgbClr val="000000"/>
                 </a:solidFill>
                 <a:latin typeface="Calibri Light"/>
+                <a:ea typeface="DejaVu Sans"/>
               </a:rPr>
               <a:t>Unidad 01 Introducción a la programación</a:t>
             </a:r>
@@ -8376,14 +8259,14 @@
       </p:sp>
       <p:sp>
         <p:nvSpPr>
-          <p:cNvPr id="194" name="CustomShape 2"/>
+          <p:cNvPr id="191" name="CustomShape 2"/>
           <p:cNvSpPr/>
           <p:nvPr/>
         </p:nvSpPr>
         <p:spPr>
           <a:xfrm>
             <a:off x="1523880" y="3602160"/>
-            <a:ext cx="9143280" cy="1654920"/>
+            <a:ext cx="9142920" cy="1654560"/>
           </a:xfrm>
           <a:prstGeom prst="rect">
             <a:avLst/>
@@ -8421,6 +8304,7 @@
                   <a:srgbClr val="000000"/>
                 </a:solidFill>
                 <a:latin typeface="Calibri"/>
+                <a:ea typeface="DejaVu Sans"/>
               </a:rPr>
               <a:t>COMPETENCIA ESPECÍFICA</a:t>
             </a:r>
@@ -8446,6 +8330,7 @@
                   <a:srgbClr val="000000"/>
                 </a:solidFill>
                 <a:latin typeface="Calibri"/>
+                <a:ea typeface="DejaVu Sans"/>
               </a:rPr>
               <a:t>Establecer los conceptos básicos para construcción de un programa en lenguaje C</a:t>
             </a:r>
@@ -8487,14 +8372,14 @@
       </p:grpSpPr>
       <p:sp>
         <p:nvSpPr>
-          <p:cNvPr id="230" name="CustomShape 1"/>
+          <p:cNvPr id="228" name="CustomShape 1"/>
           <p:cNvSpPr/>
           <p:nvPr/>
         </p:nvSpPr>
         <p:spPr>
           <a:xfrm>
             <a:off x="838080" y="365040"/>
-            <a:ext cx="10514880" cy="1324800"/>
+            <a:ext cx="10514520" cy="1324440"/>
           </a:xfrm>
           <a:prstGeom prst="rect">
             <a:avLst/>
@@ -8526,6 +8411,7 @@
                   <a:srgbClr val="000000"/>
                 </a:solidFill>
                 <a:latin typeface="Calibri Light"/>
+                <a:ea typeface="DejaVu Sans"/>
               </a:rPr>
               <a:t>1.2 Uso de variables y constantes</a:t>
             </a:r>
@@ -8536,6 +8422,7 @@
                   <a:srgbClr val="000000"/>
                 </a:solidFill>
                 <a:latin typeface="Calibri Light"/>
+                <a:ea typeface="DejaVu Sans"/>
               </a:rPr>
               <a:t>1.2.1 Nombres de variables</a:t>
             </a:r>
@@ -8547,7 +8434,7 @@
       </p:sp>
       <p:pic>
         <p:nvPicPr>
-          <p:cNvPr id="231" name="Imagen 4" descr=""/>
+          <p:cNvPr id="229" name="Imagen 4" descr=""/>
           <p:cNvPicPr/>
           <p:nvPr/>
         </p:nvPicPr>
@@ -8558,7 +8445,7 @@
         <p:spPr>
           <a:xfrm>
             <a:off x="618120" y="2234520"/>
-            <a:ext cx="10955160" cy="2793960"/>
+            <a:ext cx="10954800" cy="2793600"/>
           </a:xfrm>
           <a:prstGeom prst="rect">
             <a:avLst/>
@@ -8600,14 +8487,14 @@
       </p:grpSpPr>
       <p:sp>
         <p:nvSpPr>
-          <p:cNvPr id="232" name="CustomShape 1"/>
+          <p:cNvPr id="230" name="CustomShape 1"/>
           <p:cNvSpPr/>
           <p:nvPr/>
         </p:nvSpPr>
         <p:spPr>
           <a:xfrm>
-            <a:off x="838080" y="365040"/>
-            <a:ext cx="10514880" cy="1324800"/>
+            <a:off x="645480" y="360000"/>
+            <a:ext cx="10514520" cy="1324440"/>
           </a:xfrm>
           <a:prstGeom prst="rect">
             <a:avLst/>
@@ -8634,15 +8521,16 @@
               </a:lnSpc>
             </a:pPr>
             <a:r>
-              <a:rPr b="0" lang="es-MX" sz="4400" spc="-1" strike="noStrike">
+              <a:rPr b="0" lang="es-MX" sz="4000" spc="-1" strike="noStrike">
                 <a:solidFill>
                   <a:srgbClr val="000000"/>
                 </a:solidFill>
                 <a:latin typeface="Calibri Light"/>
+                <a:ea typeface="DejaVu Sans"/>
               </a:rPr>
               <a:t>Ejemplo 2</a:t>
             </a:r>
-            <a:endParaRPr b="0" lang="es-MX" sz="4400" spc="-1" strike="noStrike">
+            <a:endParaRPr b="0" lang="es-MX" sz="4000" spc="-1" strike="noStrike">
               <a:latin typeface="Arial"/>
             </a:endParaRPr>
           </a:p>
@@ -8650,7 +8538,7 @@
       </p:sp>
       <p:pic>
         <p:nvPicPr>
-          <p:cNvPr id="233" name="Imagen 3" descr=""/>
+          <p:cNvPr id="231" name="Imagen 3" descr=""/>
           <p:cNvPicPr/>
           <p:nvPr/>
         </p:nvPicPr>
@@ -8661,7 +8549,7 @@
         <p:spPr>
           <a:xfrm>
             <a:off x="3337560" y="178560"/>
-            <a:ext cx="8597520" cy="6503040"/>
+            <a:ext cx="8597160" cy="6502680"/>
           </a:xfrm>
           <a:prstGeom prst="rect">
             <a:avLst/>
@@ -8703,14 +8591,14 @@
       </p:grpSpPr>
       <p:sp>
         <p:nvSpPr>
-          <p:cNvPr id="234" name="CustomShape 1"/>
+          <p:cNvPr id="232" name="CustomShape 1"/>
           <p:cNvSpPr/>
           <p:nvPr/>
         </p:nvSpPr>
         <p:spPr>
           <a:xfrm>
-            <a:off x="838080" y="365040"/>
-            <a:ext cx="10514880" cy="1324800"/>
+            <a:off x="757800" y="29520"/>
+            <a:ext cx="10514520" cy="1324440"/>
           </a:xfrm>
           <a:prstGeom prst="rect">
             <a:avLst/>
@@ -8742,6 +8630,7 @@
                   <a:srgbClr val="000000"/>
                 </a:solidFill>
                 <a:latin typeface="Calibri Light"/>
+                <a:ea typeface="DejaVu Sans"/>
               </a:rPr>
               <a:t>Tipos de datos, modificadores de tipo y modificadores de acceso</a:t>
             </a:r>
@@ -8753,18 +8642,19 @@
       </p:sp>
       <p:pic>
         <p:nvPicPr>
-          <p:cNvPr id="235" name="Imagen 3" descr=""/>
+          <p:cNvPr id="233" name="Imagen 3" descr=""/>
           <p:cNvPicPr/>
           <p:nvPr/>
         </p:nvPicPr>
         <p:blipFill>
           <a:blip r:embed="rId1"/>
+          <a:srcRect l="0" t="17292" r="0" b="0"/>
           <a:stretch/>
         </p:blipFill>
         <p:spPr>
           <a:xfrm>
-            <a:off x="745200" y="1690560"/>
-            <a:ext cx="10700640" cy="4762080"/>
+            <a:off x="900000" y="2244600"/>
+            <a:ext cx="10700280" cy="3937680"/>
           </a:xfrm>
           <a:prstGeom prst="rect">
             <a:avLst/>
@@ -8774,6 +8664,49 @@
           </a:ln>
         </p:spPr>
       </p:pic>
+      <p:sp>
+        <p:nvSpPr>
+          <p:cNvPr id="234" name="TextShape 2"/>
+          <p:cNvSpPr txBox="1"/>
+          <p:nvPr/>
+        </p:nvSpPr>
+        <p:spPr>
+          <a:xfrm>
+            <a:off x="685440" y="1480320"/>
+            <a:ext cx="10440000" cy="657000"/>
+          </a:xfrm>
+          <a:prstGeom prst="rect">
+            <a:avLst/>
+          </a:prstGeom>
+          <a:noFill/>
+          <a:ln w="0">
+            <a:noFill/>
+          </a:ln>
+        </p:spPr>
+        <p:txBody>
+          <a:bodyPr lIns="90000" rIns="90000" tIns="45000" bIns="45000">
+            <a:noAutofit/>
+          </a:bodyPr>
+          <a:p>
+            <a:pPr algn="just"/>
+            <a:r>
+              <a:rPr b="0" lang="es-MX" sz="2000" spc="-1" strike="noStrike">
+                <a:latin typeface="Arial"/>
+              </a:rPr>
+              <a:t>En C, toda variable, antes de poder ser usada, debe ser declarada, especificando con </a:t>
+            </a:r>
+            <a:r>
+              <a:rPr b="0" lang="es-MX" sz="2000" spc="-1" strike="noStrike">
+                <a:latin typeface="Arial"/>
+              </a:rPr>
+              <a:t>ello el tipo de dato que almacenará. Toda variable en C se declara de la forma:</a:t>
+            </a:r>
+            <a:endParaRPr b="0" lang="es-MX" sz="2000" spc="-1" strike="noStrike">
+              <a:latin typeface="Arial"/>
+            </a:endParaRPr>
+          </a:p>
+        </p:txBody>
+      </p:sp>
     </p:spTree>
   </p:cSld>
   <mc:AlternateContent>
@@ -8806,14 +8739,14 @@
       </p:grpSpPr>
       <p:sp>
         <p:nvSpPr>
-          <p:cNvPr id="236" name="CustomShape 1"/>
+          <p:cNvPr id="235" name="CustomShape 1"/>
           <p:cNvSpPr/>
           <p:nvPr/>
         </p:nvSpPr>
         <p:spPr>
           <a:xfrm>
             <a:off x="838080" y="0"/>
-            <a:ext cx="10514880" cy="1324800"/>
+            <a:ext cx="10514520" cy="1324440"/>
           </a:xfrm>
           <a:prstGeom prst="rect">
             <a:avLst/>
@@ -8845,6 +8778,7 @@
                   <a:srgbClr val="000000"/>
                 </a:solidFill>
                 <a:latin typeface="Calibri Light"/>
+                <a:ea typeface="DejaVu Sans"/>
               </a:rPr>
               <a:t>Tipos de datos</a:t>
             </a:r>
@@ -8856,7 +8790,7 @@
       </p:sp>
       <p:pic>
         <p:nvPicPr>
-          <p:cNvPr id="237" name="Imagen 3" descr=""/>
+          <p:cNvPr id="236" name="Imagen 3" descr=""/>
           <p:cNvPicPr/>
           <p:nvPr/>
         </p:nvPicPr>
@@ -8868,7 +8802,7 @@
         <p:spPr>
           <a:xfrm>
             <a:off x="838080" y="970200"/>
-            <a:ext cx="10396800" cy="1913040"/>
+            <a:ext cx="10396440" cy="1912680"/>
           </a:xfrm>
           <a:prstGeom prst="rect">
             <a:avLst/>
@@ -8910,14 +8844,14 @@
       </p:grpSpPr>
       <p:sp>
         <p:nvSpPr>
-          <p:cNvPr id="238" name="CustomShape 1"/>
+          <p:cNvPr id="237" name="CustomShape 1"/>
           <p:cNvSpPr/>
           <p:nvPr/>
         </p:nvSpPr>
         <p:spPr>
           <a:xfrm>
             <a:off x="838080" y="0"/>
-            <a:ext cx="10514880" cy="1324800"/>
+            <a:ext cx="10514520" cy="1324440"/>
           </a:xfrm>
           <a:prstGeom prst="rect">
             <a:avLst/>
@@ -8949,6 +8883,7 @@
                   <a:srgbClr val="000000"/>
                 </a:solidFill>
                 <a:latin typeface="Calibri Light"/>
+                <a:ea typeface="DejaVu Sans"/>
               </a:rPr>
               <a:t>Modificadores de tipo</a:t>
             </a:r>
@@ -8960,7 +8895,7 @@
       </p:sp>
       <p:pic>
         <p:nvPicPr>
-          <p:cNvPr id="239" name="Imagen 3" descr=""/>
+          <p:cNvPr id="238" name="Imagen 3" descr=""/>
           <p:cNvPicPr/>
           <p:nvPr/>
         </p:nvPicPr>
@@ -8972,7 +8907,7 @@
         <p:spPr>
           <a:xfrm>
             <a:off x="892080" y="998640"/>
-            <a:ext cx="10406880" cy="3396600"/>
+            <a:ext cx="10406520" cy="3396240"/>
           </a:xfrm>
           <a:prstGeom prst="rect">
             <a:avLst/>
@@ -8984,19 +8919,19 @@
       </p:pic>
       <p:pic>
         <p:nvPicPr>
-          <p:cNvPr id="240" name="Imagen 4" descr=""/>
+          <p:cNvPr id="239" name="Imagen 4" descr=""/>
           <p:cNvPicPr/>
           <p:nvPr/>
         </p:nvPicPr>
         <p:blipFill>
           <a:blip r:embed="rId2"/>
-          <a:srcRect l="-337" t="73066" r="337" b="-308"/>
+          <a:srcRect l="-337" t="73074" r="337" b="-308"/>
           <a:stretch/>
         </p:blipFill>
         <p:spPr>
           <a:xfrm>
             <a:off x="1040040" y="4638600"/>
-            <a:ext cx="10406880" cy="1511640"/>
+            <a:ext cx="10406520" cy="1511280"/>
           </a:xfrm>
           <a:prstGeom prst="rect">
             <a:avLst/>
@@ -9038,14 +8973,14 @@
       </p:grpSpPr>
       <p:sp>
         <p:nvSpPr>
-          <p:cNvPr id="241" name="CustomShape 1"/>
+          <p:cNvPr id="240" name="CustomShape 1"/>
           <p:cNvSpPr/>
           <p:nvPr/>
         </p:nvSpPr>
         <p:spPr>
           <a:xfrm>
             <a:off x="838080" y="0"/>
-            <a:ext cx="10514880" cy="1324800"/>
+            <a:ext cx="10514520" cy="1324440"/>
           </a:xfrm>
           <a:prstGeom prst="rect">
             <a:avLst/>
@@ -9077,6 +9012,7 @@
                   <a:srgbClr val="000000"/>
                 </a:solidFill>
                 <a:latin typeface="Calibri Light"/>
+                <a:ea typeface="DejaVu Sans"/>
               </a:rPr>
               <a:t>Modificadores de tipo</a:t>
             </a:r>
@@ -9088,7 +9024,7 @@
       </p:sp>
       <p:pic>
         <p:nvPicPr>
-          <p:cNvPr id="242" name="Imagen 3" descr=""/>
+          <p:cNvPr id="241" name="Imagen 3" descr=""/>
           <p:cNvPicPr/>
           <p:nvPr/>
         </p:nvPicPr>
@@ -9099,7 +9035,7 @@
         <p:spPr>
           <a:xfrm>
             <a:off x="434160" y="1085040"/>
-            <a:ext cx="11323080" cy="1112400"/>
+            <a:ext cx="11322720" cy="1112040"/>
           </a:xfrm>
           <a:prstGeom prst="rect">
             <a:avLst/>
@@ -9111,7 +9047,7 @@
       </p:pic>
       <p:pic>
         <p:nvPicPr>
-          <p:cNvPr id="243" name="Imagen 4" descr=""/>
+          <p:cNvPr id="242" name="Imagen 4" descr=""/>
           <p:cNvPicPr/>
           <p:nvPr/>
         </p:nvPicPr>
@@ -9122,7 +9058,7 @@
         <p:spPr>
           <a:xfrm>
             <a:off x="1571400" y="2198160"/>
-            <a:ext cx="9042480" cy="4536000"/>
+            <a:ext cx="9042120" cy="4535640"/>
           </a:xfrm>
           <a:prstGeom prst="rect">
             <a:avLst/>
@@ -9164,14 +9100,14 @@
       </p:grpSpPr>
       <p:sp>
         <p:nvSpPr>
-          <p:cNvPr id="244" name="CustomShape 1"/>
+          <p:cNvPr id="243" name="CustomShape 1"/>
           <p:cNvSpPr/>
           <p:nvPr/>
         </p:nvSpPr>
         <p:spPr>
           <a:xfrm>
             <a:off x="838080" y="0"/>
-            <a:ext cx="10514880" cy="1324800"/>
+            <a:ext cx="10514520" cy="1324440"/>
           </a:xfrm>
           <a:prstGeom prst="rect">
             <a:avLst/>
@@ -9203,6 +9139,7 @@
                   <a:srgbClr val="000000"/>
                 </a:solidFill>
                 <a:latin typeface="Calibri Light"/>
+                <a:ea typeface="DejaVu Sans"/>
               </a:rPr>
               <a:t>Modificadores de acceso</a:t>
             </a:r>
@@ -9214,7 +9151,7 @@
       </p:sp>
       <p:pic>
         <p:nvPicPr>
-          <p:cNvPr id="245" name="Imagen 3" descr=""/>
+          <p:cNvPr id="244" name="Imagen 3" descr=""/>
           <p:cNvPicPr/>
           <p:nvPr/>
         </p:nvPicPr>
@@ -9225,7 +9162,7 @@
         <p:spPr>
           <a:xfrm>
             <a:off x="477720" y="1124280"/>
-            <a:ext cx="11235960" cy="1424880"/>
+            <a:ext cx="11235600" cy="1424520"/>
           </a:xfrm>
           <a:prstGeom prst="rect">
             <a:avLst/>
@@ -9237,7 +9174,7 @@
       </p:pic>
       <p:pic>
         <p:nvPicPr>
-          <p:cNvPr id="246" name="Imagen 4" descr=""/>
+          <p:cNvPr id="245" name="Imagen 4" descr=""/>
           <p:cNvPicPr/>
           <p:nvPr/>
         </p:nvPicPr>
@@ -9249,7 +9186,7 @@
         <p:spPr>
           <a:xfrm>
             <a:off x="1231920" y="2549880"/>
-            <a:ext cx="9727200" cy="1352160"/>
+            <a:ext cx="9726840" cy="1351800"/>
           </a:xfrm>
           <a:prstGeom prst="rect">
             <a:avLst/>
@@ -9261,7 +9198,7 @@
       </p:pic>
       <p:pic>
         <p:nvPicPr>
-          <p:cNvPr id="247" name="Imagen 5" descr=""/>
+          <p:cNvPr id="246" name="Imagen 5" descr=""/>
           <p:cNvPicPr/>
           <p:nvPr/>
         </p:nvPicPr>
@@ -9272,7 +9209,7 @@
         <p:spPr>
           <a:xfrm>
             <a:off x="477720" y="3902760"/>
-            <a:ext cx="11149200" cy="2796480"/>
+            <a:ext cx="11148840" cy="2796120"/>
           </a:xfrm>
           <a:prstGeom prst="rect">
             <a:avLst/>
@@ -9314,14 +9251,14 @@
       </p:grpSpPr>
       <p:sp>
         <p:nvSpPr>
-          <p:cNvPr id="248" name="CustomShape 1"/>
+          <p:cNvPr id="247" name="CustomShape 1"/>
           <p:cNvSpPr/>
           <p:nvPr/>
         </p:nvSpPr>
         <p:spPr>
           <a:xfrm>
             <a:off x="838080" y="0"/>
-            <a:ext cx="10514880" cy="1324800"/>
+            <a:ext cx="10514520" cy="1324440"/>
           </a:xfrm>
           <a:prstGeom prst="rect">
             <a:avLst/>
@@ -9353,6 +9290,7 @@
                   <a:srgbClr val="000000"/>
                 </a:solidFill>
                 <a:latin typeface="Calibri Light"/>
+                <a:ea typeface="DejaVu Sans"/>
               </a:rPr>
               <a:t>Modificadores de acceso</a:t>
             </a:r>
@@ -9364,7 +9302,7 @@
       </p:sp>
       <p:pic>
         <p:nvPicPr>
-          <p:cNvPr id="249" name="Imagen 3" descr=""/>
+          <p:cNvPr id="248" name="Imagen 3" descr=""/>
           <p:cNvPicPr/>
           <p:nvPr/>
         </p:nvPicPr>
@@ -9375,7 +9313,7 @@
         <p:spPr>
           <a:xfrm>
             <a:off x="714240" y="1325520"/>
-            <a:ext cx="10762920" cy="1725840"/>
+            <a:ext cx="10762560" cy="1725480"/>
           </a:xfrm>
           <a:prstGeom prst="rect">
             <a:avLst/>
@@ -9387,18 +9325,19 @@
       </p:pic>
       <p:pic>
         <p:nvPicPr>
-          <p:cNvPr id="250" name="Imagen 4" descr=""/>
+          <p:cNvPr id="249" name="Imagen 4" descr=""/>
           <p:cNvPicPr/>
           <p:nvPr/>
         </p:nvPicPr>
         <p:blipFill>
           <a:blip r:embed="rId2"/>
+          <a:srcRect l="0" t="69584" r="0" b="0"/>
           <a:stretch/>
         </p:blipFill>
         <p:spPr>
           <a:xfrm>
-            <a:off x="838080" y="3342960"/>
-            <a:ext cx="10672920" cy="2068560"/>
+            <a:off x="623520" y="4505760"/>
+            <a:ext cx="10672560" cy="492840"/>
           </a:xfrm>
           <a:prstGeom prst="rect">
             <a:avLst/>
@@ -9408,6 +9347,61 @@
           </a:ln>
         </p:spPr>
       </p:pic>
+      <p:sp>
+        <p:nvSpPr>
+          <p:cNvPr id="250" name="TextShape 2"/>
+          <p:cNvSpPr txBox="1"/>
+          <p:nvPr/>
+        </p:nvSpPr>
+        <p:spPr>
+          <a:xfrm>
+            <a:off x="612720" y="3240000"/>
+            <a:ext cx="10907280" cy="1223640"/>
+          </a:xfrm>
+          <a:prstGeom prst="rect">
+            <a:avLst/>
+          </a:prstGeom>
+          <a:noFill/>
+          <a:ln w="0">
+            <a:noFill/>
+          </a:ln>
+        </p:spPr>
+        <p:txBody>
+          <a:bodyPr lIns="90000" rIns="90000" tIns="45000" bIns="45000">
+            <a:noAutofit/>
+          </a:bodyPr>
+          <a:p>
+            <a:pPr algn="just"/>
+            <a:r>
+              <a:rPr b="0" lang="es-MX" sz="2000" spc="-1" strike="noStrike">
+                <a:latin typeface="Arial"/>
+              </a:rPr>
+              <a:t>Los modificadores const y volatile pueden usarse de forma conjunta en ciertos casos, </a:t>
+            </a:r>
+            <a:r>
+              <a:rPr b="0" lang="es-MX" sz="2000" spc="-1" strike="noStrike">
+                <a:latin typeface="Arial"/>
+              </a:rPr>
+              <a:t>por lo cual no son excluyentes el uno del otro. Ello es posible si se declara una variable </a:t>
+            </a:r>
+            <a:r>
+              <a:rPr b="0" lang="es-MX" sz="2000" spc="-1" strike="noStrike">
+                <a:latin typeface="Arial"/>
+              </a:rPr>
+              <a:t>que actualizará el reloj del sistema, (proceso externo al programa), y que no queremos </a:t>
+            </a:r>
+            <a:r>
+              <a:rPr b="0" lang="es-MX" sz="2000" spc="-1" strike="noStrike">
+                <a:latin typeface="Arial"/>
+              </a:rPr>
+              <a:t>pueda modificarse en el interior del programa. Por ello, podremos declarar:</a:t>
+            </a:r>
+            <a:endParaRPr b="0" lang="es-MX" sz="2000" spc="-1" strike="noStrike">
+              <a:latin typeface="Arial"/>
+            </a:endParaRPr>
+          </a:p>
+        </p:txBody>
+      </p:sp>
     </p:spTree>
   </p:cSld>
   <mc:AlternateContent>
@@ -9447,7 +9441,7 @@
         <p:spPr>
           <a:xfrm>
             <a:off x="838080" y="365040"/>
-            <a:ext cx="10514880" cy="1324800"/>
+            <a:ext cx="10514520" cy="1324440"/>
           </a:xfrm>
           <a:prstGeom prst="rect">
             <a:avLst/>
@@ -9479,6 +9473,7 @@
                   <a:srgbClr val="000000"/>
                 </a:solidFill>
                 <a:latin typeface="Calibri Light"/>
+                <a:ea typeface="DejaVu Sans"/>
               </a:rPr>
               <a:t>1.2.2 Variables numéricas</a:t>
             </a:r>
@@ -9497,7 +9492,7 @@
         <p:spPr>
           <a:xfrm>
             <a:off x="696240" y="1374120"/>
-            <a:ext cx="11414160" cy="1003680"/>
+            <a:ext cx="11413800" cy="1003320"/>
           </a:xfrm>
           <a:prstGeom prst="rect">
             <a:avLst/>
@@ -9598,7 +9593,7 @@
         <p:spPr>
           <a:xfrm>
             <a:off x="838080" y="0"/>
-            <a:ext cx="10514880" cy="1324800"/>
+            <a:ext cx="10514520" cy="1324440"/>
           </a:xfrm>
           <a:prstGeom prst="rect">
             <a:avLst/>
@@ -9630,6 +9625,7 @@
                   <a:srgbClr val="000000"/>
                 </a:solidFill>
                 <a:latin typeface="Calibri Light"/>
+                <a:ea typeface="DejaVu Sans"/>
               </a:rPr>
               <a:t>Tipos de datos enteros</a:t>
             </a:r>
@@ -9652,7 +9648,7 @@
         <p:spPr>
           <a:xfrm>
             <a:off x="2218320" y="838440"/>
-            <a:ext cx="7754400" cy="5805000"/>
+            <a:ext cx="7754040" cy="5804640"/>
           </a:xfrm>
           <a:prstGeom prst="rect">
             <a:avLst/>
@@ -9694,61 +9690,14 @@
       </p:grpSpPr>
       <p:sp>
         <p:nvSpPr>
-          <p:cNvPr id="195" name="TextShape 1"/>
-          <p:cNvSpPr txBox="1"/>
-          <p:nvPr/>
-        </p:nvSpPr>
-        <p:spPr>
-          <a:xfrm>
-            <a:off x="180000" y="180000"/>
-            <a:ext cx="10515240" cy="730440"/>
-          </a:xfrm>
-          <a:prstGeom prst="rect">
-            <a:avLst/>
-          </a:prstGeom>
-          <a:noFill/>
-          <a:ln w="0">
-            <a:noFill/>
-          </a:ln>
-        </p:spPr>
-        <p:txBody>
-          <a:bodyPr anchor="ctr">
-            <a:noAutofit/>
-          </a:bodyPr>
-          <a:p>
-            <a:pPr>
-              <a:lnSpc>
-                <a:spcPct val="90000"/>
-              </a:lnSpc>
-            </a:pPr>
-            <a:r>
-              <a:rPr b="0" lang="es-MX" sz="4400" spc="-1" strike="noStrike">
-                <a:solidFill>
-                  <a:srgbClr val="000000"/>
-                </a:solidFill>
-                <a:latin typeface="Calibri Light"/>
-              </a:rPr>
-              <a:t>1.1 Estructura de un programa en C</a:t>
-            </a:r>
-            <a:endParaRPr b="0" lang="es-MX" sz="4400" spc="-1" strike="noStrike">
-              <a:solidFill>
-                <a:srgbClr val="000000"/>
-              </a:solidFill>
-              <a:latin typeface="Calibri"/>
-            </a:endParaRPr>
-          </a:p>
-        </p:txBody>
-      </p:sp>
-      <p:sp>
-        <p:nvSpPr>
-          <p:cNvPr id="196" name="CustomShape 2"/>
+          <p:cNvPr id="192" name="CustomShape 1"/>
           <p:cNvSpPr/>
           <p:nvPr/>
         </p:nvSpPr>
         <p:spPr>
           <a:xfrm>
-            <a:off x="282240" y="1268640"/>
-            <a:ext cx="12016440" cy="1064520"/>
+            <a:off x="180000" y="180000"/>
+            <a:ext cx="10514880" cy="730080"/>
           </a:xfrm>
           <a:prstGeom prst="rect">
             <a:avLst/>
@@ -9765,59 +9714,40 @@
           <a:fontRef idx="minor"/>
         </p:style>
         <p:txBody>
-          <a:bodyPr wrap="none" lIns="90000" rIns="90000" tIns="45000" bIns="45000">
-            <a:spAutoFit/>
-          </a:bodyPr>
-          <a:p>
-            <a:pPr>
-              <a:lnSpc>
-                <a:spcPct val="100000"/>
-              </a:lnSpc>
-            </a:pPr>
-            <a:r>
-              <a:rPr b="0" lang="es-MX" sz="3200" spc="-1" strike="noStrike">
-                <a:solidFill>
-                  <a:srgbClr val="000000"/>
-                </a:solidFill>
-                <a:latin typeface="Calibri"/>
-              </a:rPr>
-              <a:t>Un programa en lenguaje C se crea a partir de un archivo </a:t>
-            </a:r>
-            <a:endParaRPr b="0" lang="es-MX" sz="3200" spc="-1" strike="noStrike">
-              <a:latin typeface="Arial"/>
-            </a:endParaRPr>
-          </a:p>
-          <a:p>
-            <a:pPr>
-              <a:lnSpc>
-                <a:spcPct val="100000"/>
-              </a:lnSpc>
-            </a:pPr>
-            <a:r>
-              <a:rPr b="0" lang="es-MX" sz="3200" spc="-1" strike="noStrike">
-                <a:solidFill>
-                  <a:srgbClr val="000000"/>
-                </a:solidFill>
-                <a:latin typeface="Calibri"/>
-              </a:rPr>
-              <a:t>de texto cuyo nombre se guarda con la extensión .c</a:t>
-            </a:r>
-            <a:endParaRPr b="0" lang="es-MX" sz="3200" spc="-1" strike="noStrike">
-              <a:latin typeface="Arial"/>
-            </a:endParaRPr>
-          </a:p>
-        </p:txBody>
-      </p:sp>
-      <p:sp>
-        <p:nvSpPr>
-          <p:cNvPr id="197" name="CustomShape 3"/>
+          <a:bodyPr lIns="90000" rIns="90000" tIns="45000" bIns="45000" anchor="ctr">
+            <a:noAutofit/>
+          </a:bodyPr>
+          <a:p>
+            <a:pPr>
+              <a:lnSpc>
+                <a:spcPct val="90000"/>
+              </a:lnSpc>
+            </a:pPr>
+            <a:r>
+              <a:rPr b="0" lang="es-MX" sz="4400" spc="-1" strike="noStrike">
+                <a:solidFill>
+                  <a:srgbClr val="000000"/>
+                </a:solidFill>
+                <a:latin typeface="Calibri Light"/>
+              </a:rPr>
+              <a:t>1.1 Estructura de un programa en C</a:t>
+            </a:r>
+            <a:endParaRPr b="0" lang="es-MX" sz="4400" spc="-1" strike="noStrike">
+              <a:latin typeface="Arial"/>
+            </a:endParaRPr>
+          </a:p>
+        </p:txBody>
+      </p:sp>
+      <p:sp>
+        <p:nvSpPr>
+          <p:cNvPr id="193" name="CustomShape 2"/>
           <p:cNvSpPr/>
           <p:nvPr/>
         </p:nvSpPr>
         <p:spPr>
           <a:xfrm>
-            <a:off x="343080" y="2594160"/>
-            <a:ext cx="11851920" cy="3074400"/>
+            <a:off x="271440" y="1268640"/>
+            <a:ext cx="12038040" cy="1064520"/>
           </a:xfrm>
           <a:prstGeom prst="rect">
             <a:avLst/>
@@ -9849,6 +9779,78 @@
                   <a:srgbClr val="000000"/>
                 </a:solidFill>
                 <a:latin typeface="Calibri"/>
+                <a:ea typeface="DejaVu Sans"/>
+              </a:rPr>
+              <a:t>Un programa en lenguaje C se crea a partir de un archivo </a:t>
+            </a:r>
+            <a:endParaRPr b="0" lang="es-MX" sz="3200" spc="-1" strike="noStrike">
+              <a:latin typeface="Arial"/>
+            </a:endParaRPr>
+          </a:p>
+          <a:p>
+            <a:pPr>
+              <a:lnSpc>
+                <a:spcPct val="100000"/>
+              </a:lnSpc>
+            </a:pPr>
+            <a:r>
+              <a:rPr b="0" lang="es-MX" sz="3200" spc="-1" strike="noStrike">
+                <a:solidFill>
+                  <a:srgbClr val="000000"/>
+                </a:solidFill>
+                <a:latin typeface="Calibri"/>
+                <a:ea typeface="DejaVu Sans"/>
+              </a:rPr>
+              <a:t>de texto cuyo nombre se guarda con la extensión .c</a:t>
+            </a:r>
+            <a:endParaRPr b="0" lang="es-MX" sz="3200" spc="-1" strike="noStrike">
+              <a:latin typeface="Arial"/>
+            </a:endParaRPr>
+          </a:p>
+        </p:txBody>
+      </p:sp>
+      <p:sp>
+        <p:nvSpPr>
+          <p:cNvPr id="194" name="CustomShape 3"/>
+          <p:cNvSpPr/>
+          <p:nvPr/>
+        </p:nvSpPr>
+        <p:spPr>
+          <a:xfrm>
+            <a:off x="332280" y="2594160"/>
+            <a:ext cx="11873160" cy="3075480"/>
+          </a:xfrm>
+          <a:prstGeom prst="rect">
+            <a:avLst/>
+          </a:prstGeom>
+          <a:noFill/>
+          <a:ln w="0">
+            <a:noFill/>
+          </a:ln>
+        </p:spPr>
+        <p:style>
+          <a:lnRef idx="0"/>
+          <a:fillRef idx="0"/>
+          <a:effectRef idx="0"/>
+          <a:fontRef idx="minor"/>
+        </p:style>
+        <p:txBody>
+          <a:bodyPr wrap="none" lIns="90000" rIns="90000" tIns="45000" bIns="45000">
+            <a:spAutoFit/>
+          </a:bodyPr>
+          <a:p>
+            <a:pPr>
+              <a:lnSpc>
+                <a:spcPct val="100000"/>
+              </a:lnSpc>
+            </a:pPr>
+            <a:r>
+              <a:rPr b="0" lang="es-MX" sz="3200" spc="-1" strike="noStrike">
+                <a:solidFill>
+                  <a:srgbClr val="000000"/>
+                </a:solidFill>
+                <a:latin typeface="Calibri"/>
+                <a:ea typeface="DejaVu Sans"/>
               </a:rPr>
               <a:t>En muchas ocasiones, los programas deben realizar </a:t>
             </a:r>
@@ -9868,6 +9870,7 @@
                   <a:srgbClr val="000000"/>
                 </a:solidFill>
                 <a:latin typeface="Calibri"/>
+                <a:ea typeface="DejaVu Sans"/>
               </a:rPr>
               <a:t>operaciones de entrada y de salida durante su ejecución.</a:t>
             </a:r>
@@ -9887,6 +9890,7 @@
                   <a:srgbClr val="000000"/>
                 </a:solidFill>
                 <a:latin typeface="Calibri"/>
+                <a:ea typeface="DejaVu Sans"/>
               </a:rPr>
               <a:t> </a:t>
             </a:r>
@@ -9906,6 +9910,7 @@
                   <a:srgbClr val="000000"/>
                 </a:solidFill>
                 <a:latin typeface="Calibri"/>
+                <a:ea typeface="DejaVu Sans"/>
               </a:rPr>
               <a:t>En los programas de lenguaje C, la entrada y la salida </a:t>
             </a:r>
@@ -9925,6 +9930,7 @@
                   <a:srgbClr val="000000"/>
                 </a:solidFill>
                 <a:latin typeface="Calibri"/>
+                <a:ea typeface="DejaVu Sans"/>
               </a:rPr>
               <a:t>se realiza utilizando operaciones especificadas en el </a:t>
             </a:r>
@@ -9944,6 +9950,7 @@
                   <a:srgbClr val="000000"/>
                 </a:solidFill>
                 <a:latin typeface="Calibri"/>
+                <a:ea typeface="DejaVu Sans"/>
               </a:rPr>
               <a:t>archivo de cabecera stdio.h</a:t>
             </a:r>
@@ -9992,7 +9999,7 @@
         <p:spPr>
           <a:xfrm>
             <a:off x="838080" y="365040"/>
-            <a:ext cx="10514880" cy="1324800"/>
+            <a:ext cx="10514520" cy="1324440"/>
           </a:xfrm>
           <a:prstGeom prst="rect">
             <a:avLst/>
@@ -10019,15 +10026,16 @@
               </a:lnSpc>
             </a:pPr>
             <a:r>
-              <a:rPr b="0" lang="es-MX" sz="4400" spc="-1" strike="noStrike">
+              <a:rPr b="0" lang="es-MX" sz="4000" spc="-1" strike="noStrike">
                 <a:solidFill>
                   <a:srgbClr val="000000"/>
                 </a:solidFill>
                 <a:latin typeface="Calibri Light"/>
+                <a:ea typeface="DejaVu Sans"/>
               </a:rPr>
               <a:t>Ejemplo 3</a:t>
             </a:r>
-            <a:endParaRPr b="0" lang="es-MX" sz="4400" spc="-1" strike="noStrike">
+            <a:endParaRPr b="0" lang="es-MX" sz="4000" spc="-1" strike="noStrike">
               <a:latin typeface="Arial"/>
             </a:endParaRPr>
           </a:p>
@@ -10046,7 +10054,7 @@
         <p:spPr>
           <a:xfrm>
             <a:off x="3458880" y="224280"/>
-            <a:ext cx="8449920" cy="6298560"/>
+            <a:ext cx="8449560" cy="6298200"/>
           </a:xfrm>
           <a:prstGeom prst="rect">
             <a:avLst/>
@@ -10094,8 +10102,8 @@
         </p:nvSpPr>
         <p:spPr>
           <a:xfrm>
-            <a:off x="838080" y="365040"/>
-            <a:ext cx="10514880" cy="1324800"/>
+            <a:off x="438120" y="365040"/>
+            <a:ext cx="10632600" cy="1324440"/>
           </a:xfrm>
           <a:prstGeom prst="rect">
             <a:avLst/>
@@ -10122,15 +10130,16 @@
               </a:lnSpc>
             </a:pPr>
             <a:r>
-              <a:rPr b="0" lang="es-MX" sz="4400" spc="-1" strike="noStrike">
+              <a:rPr b="0" lang="es-MX" sz="4000" spc="-1" strike="noStrike">
                 <a:solidFill>
                   <a:srgbClr val="000000"/>
                 </a:solidFill>
                 <a:latin typeface="Calibri Light"/>
+                <a:ea typeface="DejaVu Sans"/>
               </a:rPr>
               <a:t>Ejemplo 4</a:t>
             </a:r>
-            <a:endParaRPr b="0" lang="es-MX" sz="4400" spc="-1" strike="noStrike">
+            <a:endParaRPr b="0" lang="es-MX" sz="4000" spc="-1" strike="noStrike">
               <a:latin typeface="Arial"/>
             </a:endParaRPr>
           </a:p>
@@ -10149,7 +10158,7 @@
         <p:spPr>
           <a:xfrm>
             <a:off x="3238560" y="140760"/>
-            <a:ext cx="8692920" cy="6487920"/>
+            <a:ext cx="8692560" cy="6487560"/>
           </a:xfrm>
           <a:prstGeom prst="rect">
             <a:avLst/>
@@ -10197,8 +10206,8 @@
         </p:nvSpPr>
         <p:spPr>
           <a:xfrm>
-            <a:off x="820440" y="280800"/>
-            <a:ext cx="10514880" cy="1324800"/>
+            <a:off x="578880" y="267480"/>
+            <a:ext cx="10514520" cy="1324440"/>
           </a:xfrm>
           <a:prstGeom prst="rect">
             <a:avLst/>
@@ -10225,15 +10234,16 @@
               </a:lnSpc>
             </a:pPr>
             <a:r>
-              <a:rPr b="0" lang="es-MX" sz="4400" spc="-1" strike="noStrike">
+              <a:rPr b="0" lang="es-MX" sz="4000" spc="-1" strike="noStrike">
                 <a:solidFill>
                   <a:srgbClr val="000000"/>
                 </a:solidFill>
                 <a:latin typeface="Calibri Light"/>
+                <a:ea typeface="DejaVu Sans"/>
               </a:rPr>
               <a:t>Ejemplo 5</a:t>
             </a:r>
-            <a:endParaRPr b="0" lang="es-MX" sz="4400" spc="-1" strike="noStrike">
+            <a:endParaRPr b="0" lang="es-MX" sz="4000" spc="-1" strike="noStrike">
               <a:latin typeface="Arial"/>
             </a:endParaRPr>
           </a:p>
@@ -10252,7 +10262,7 @@
         <p:spPr>
           <a:xfrm>
             <a:off x="3318480" y="315720"/>
-            <a:ext cx="8445240" cy="6295320"/>
+            <a:ext cx="8444880" cy="6294960"/>
           </a:xfrm>
           <a:prstGeom prst="rect">
             <a:avLst/>
@@ -10301,7 +10311,7 @@
         <p:spPr>
           <a:xfrm>
             <a:off x="820440" y="0"/>
-            <a:ext cx="10514880" cy="1324800"/>
+            <a:ext cx="10514520" cy="1324440"/>
           </a:xfrm>
           <a:prstGeom prst="rect">
             <a:avLst/>
@@ -10333,6 +10343,7 @@
                   <a:srgbClr val="000000"/>
                 </a:solidFill>
                 <a:latin typeface="Calibri Light"/>
+                <a:ea typeface="DejaVu Sans"/>
               </a:rPr>
               <a:t>Tipos de datos reales</a:t>
             </a:r>
@@ -10355,7 +10366,7 @@
         <p:spPr>
           <a:xfrm>
             <a:off x="2637720" y="819720"/>
-            <a:ext cx="8002080" cy="6037560"/>
+            <a:ext cx="8001720" cy="6037200"/>
           </a:xfrm>
           <a:prstGeom prst="rect">
             <a:avLst/>
@@ -10403,8 +10414,8 @@
         </p:nvSpPr>
         <p:spPr>
           <a:xfrm>
-            <a:off x="838080" y="365040"/>
-            <a:ext cx="10514880" cy="1324800"/>
+            <a:off x="540000" y="360000"/>
+            <a:ext cx="10514520" cy="1324440"/>
           </a:xfrm>
           <a:prstGeom prst="rect">
             <a:avLst/>
@@ -10431,15 +10442,16 @@
               </a:lnSpc>
             </a:pPr>
             <a:r>
-              <a:rPr b="0" lang="es-MX" sz="4400" spc="-1" strike="noStrike">
+              <a:rPr b="0" lang="es-MX" sz="4000" spc="-1" strike="noStrike">
                 <a:solidFill>
                   <a:srgbClr val="000000"/>
                 </a:solidFill>
                 <a:latin typeface="Calibri Light"/>
+                <a:ea typeface="DejaVu Sans"/>
               </a:rPr>
               <a:t>Ejemplo 6</a:t>
             </a:r>
-            <a:endParaRPr b="0" lang="es-MX" sz="4400" spc="-1" strike="noStrike">
+            <a:endParaRPr b="0" lang="es-MX" sz="4000" spc="-1" strike="noStrike">
               <a:latin typeface="Arial"/>
             </a:endParaRPr>
           </a:p>
@@ -10458,7 +10470,7 @@
         <p:spPr>
           <a:xfrm>
             <a:off x="3345480" y="228600"/>
-            <a:ext cx="8523360" cy="6400080"/>
+            <a:ext cx="8523000" cy="6399720"/>
           </a:xfrm>
           <a:prstGeom prst="rect">
             <a:avLst/>
@@ -10507,7 +10519,7 @@
         <p:spPr>
           <a:xfrm>
             <a:off x="838080" y="0"/>
-            <a:ext cx="10514880" cy="1324800"/>
+            <a:ext cx="10514520" cy="1324440"/>
           </a:xfrm>
           <a:prstGeom prst="rect">
             <a:avLst/>
@@ -10539,6 +10551,7 @@
                   <a:srgbClr val="000000"/>
                 </a:solidFill>
                 <a:latin typeface="Calibri Light"/>
+                <a:ea typeface="DejaVu Sans"/>
               </a:rPr>
               <a:t>1.2.3 Variables globales</a:t>
             </a:r>
@@ -10549,6 +10562,7 @@
                   <a:srgbClr val="000000"/>
                 </a:solidFill>
                 <a:latin typeface="Calibri Light"/>
+                <a:ea typeface="DejaVu Sans"/>
               </a:rPr>
               <a:t>Declaración de variables y alcance</a:t>
             </a:r>
@@ -10571,7 +10585,7 @@
         <p:spPr>
           <a:xfrm>
             <a:off x="1125360" y="1325520"/>
-            <a:ext cx="9647280" cy="5522040"/>
+            <a:ext cx="9646920" cy="5521680"/>
           </a:xfrm>
           <a:prstGeom prst="rect">
             <a:avLst/>
@@ -10620,7 +10634,7 @@
         <p:spPr>
           <a:xfrm>
             <a:off x="838080" y="13320"/>
-            <a:ext cx="10514880" cy="1324800"/>
+            <a:ext cx="10514520" cy="1324440"/>
           </a:xfrm>
           <a:prstGeom prst="rect">
             <a:avLst/>
@@ -10652,6 +10666,7 @@
                   <a:srgbClr val="000000"/>
                 </a:solidFill>
                 <a:latin typeface="Calibri Light"/>
+                <a:ea typeface="DejaVu Sans"/>
               </a:rPr>
               <a:t>Programa de ejemplo que muestra declaraciones de variables:</a:t>
             </a:r>
@@ -10670,7 +10685,7 @@
         <p:spPr>
           <a:xfrm>
             <a:off x="900000" y="1338480"/>
-            <a:ext cx="5619960" cy="5204520"/>
+            <a:ext cx="5619600" cy="5204520"/>
           </a:xfrm>
           <a:prstGeom prst="rect">
             <a:avLst/>
@@ -11291,7 +11306,7 @@
         <p:spPr>
           <a:xfrm>
             <a:off x="753840" y="696600"/>
-            <a:ext cx="10478520" cy="2434680"/>
+            <a:ext cx="10478160" cy="2434320"/>
           </a:xfrm>
           <a:prstGeom prst="rect">
             <a:avLst/>
@@ -11632,7 +11647,7 @@
         <p:spPr>
           <a:xfrm>
             <a:off x="838080" y="207000"/>
-            <a:ext cx="10514880" cy="1324800"/>
+            <a:ext cx="10514520" cy="1324440"/>
           </a:xfrm>
           <a:prstGeom prst="rect">
             <a:avLst/>
@@ -11664,6 +11679,7 @@
                   <a:srgbClr val="000000"/>
                 </a:solidFill>
                 <a:latin typeface="Calibri Light"/>
+                <a:ea typeface="DejaVu Sans"/>
               </a:rPr>
               <a:t>1.2.4 Variables locales estáticas</a:t>
             </a:r>
@@ -11674,6 +11690,7 @@
                   <a:srgbClr val="000000"/>
                 </a:solidFill>
                 <a:latin typeface="Calibri Light"/>
+                <a:ea typeface="DejaVu Sans"/>
               </a:rPr>
               <a:t>Especificadores de almacenamiento de los tipos </a:t>
             </a:r>
@@ -11684,6 +11701,7 @@
                   <a:srgbClr val="000000"/>
                 </a:solidFill>
                 <a:latin typeface="Calibri Light"/>
+                <a:ea typeface="DejaVu Sans"/>
               </a:rPr>
               <a:t>de datos</a:t>
             </a:r>
@@ -11706,7 +11724,7 @@
         <p:spPr>
           <a:xfrm>
             <a:off x="344520" y="1655640"/>
-            <a:ext cx="11502000" cy="2250000"/>
+            <a:ext cx="11501640" cy="2249640"/>
           </a:xfrm>
           <a:prstGeom prst="rect">
             <a:avLst/>
@@ -11729,7 +11747,7 @@
         <p:spPr>
           <a:xfrm>
             <a:off x="1008360" y="3906360"/>
-            <a:ext cx="10174320" cy="2476080"/>
+            <a:ext cx="10173960" cy="2475720"/>
           </a:xfrm>
           <a:prstGeom prst="rect">
             <a:avLst/>
@@ -11778,7 +11796,7 @@
         <p:spPr>
           <a:xfrm>
             <a:off x="838080" y="365040"/>
-            <a:ext cx="10514880" cy="1324800"/>
+            <a:ext cx="10514520" cy="1324440"/>
           </a:xfrm>
           <a:prstGeom prst="rect">
             <a:avLst/>
@@ -11810,6 +11828,7 @@
                   <a:srgbClr val="000000"/>
                 </a:solidFill>
                 <a:latin typeface="Calibri Light"/>
+                <a:ea typeface="DejaVu Sans"/>
               </a:rPr>
               <a:t>Especificadores de almacenamiento</a:t>
             </a:r>
@@ -11832,7 +11851,7 @@
         <p:spPr>
           <a:xfrm>
             <a:off x="544680" y="1690560"/>
-            <a:ext cx="11334960" cy="3548880"/>
+            <a:ext cx="11334600" cy="3548520"/>
           </a:xfrm>
           <a:prstGeom prst="rect">
             <a:avLst/>
@@ -11874,85 +11893,14 @@
       </p:grpSpPr>
       <p:sp>
         <p:nvSpPr>
-          <p:cNvPr id="198" name="TextShape 1"/>
-          <p:cNvSpPr txBox="1"/>
-          <p:nvPr/>
-        </p:nvSpPr>
-        <p:spPr>
-          <a:xfrm>
-            <a:off x="832320" y="0"/>
-            <a:ext cx="10515240" cy="1127520"/>
-          </a:xfrm>
-          <a:prstGeom prst="rect">
-            <a:avLst/>
-          </a:prstGeom>
-          <a:noFill/>
-          <a:ln w="0">
-            <a:noFill/>
-          </a:ln>
-        </p:spPr>
-        <p:txBody>
-          <a:bodyPr anchor="ctr">
-            <a:noAutofit/>
-          </a:bodyPr>
-          <a:p>
-            <a:pPr>
-              <a:lnSpc>
-                <a:spcPct val="90000"/>
-              </a:lnSpc>
-            </a:pPr>
-            <a:r>
-              <a:rPr b="0" lang="es-MX" sz="4000" spc="-1" strike="noStrike">
-                <a:solidFill>
-                  <a:srgbClr val="000000"/>
-                </a:solidFill>
-                <a:latin typeface="Calibri Light"/>
-              </a:rPr>
-              <a:t>1.1.1 Declaración de entrada / salida</a:t>
-            </a:r>
-            <a:endParaRPr b="0" lang="es-MX" sz="4000" spc="-1" strike="noStrike">
-              <a:solidFill>
-                <a:srgbClr val="000000"/>
-              </a:solidFill>
-              <a:latin typeface="Calibri"/>
-            </a:endParaRPr>
-          </a:p>
-        </p:txBody>
-      </p:sp>
-      <p:pic>
-        <p:nvPicPr>
-          <p:cNvPr id="199" name="Imagen 3_1" descr=""/>
-          <p:cNvPicPr/>
-          <p:nvPr/>
-        </p:nvPicPr>
-        <p:blipFill>
-          <a:blip r:embed="rId1"/>
-          <a:srcRect l="0" t="0" r="0" b="55390"/>
-          <a:stretch/>
-        </p:blipFill>
-        <p:spPr>
-          <a:xfrm>
-            <a:off x="832320" y="1043640"/>
-            <a:ext cx="10274760" cy="1983960"/>
-          </a:xfrm>
-          <a:prstGeom prst="rect">
-            <a:avLst/>
-          </a:prstGeom>
-          <a:ln w="0">
-            <a:noFill/>
-          </a:ln>
-        </p:spPr>
-      </p:pic>
-      <p:sp>
-        <p:nvSpPr>
-          <p:cNvPr id="200" name="CustomShape 2"/>
+          <p:cNvPr id="195" name="CustomShape 1"/>
           <p:cNvSpPr/>
           <p:nvPr/>
         </p:nvSpPr>
         <p:spPr>
           <a:xfrm>
-            <a:off x="805320" y="3982320"/>
-            <a:ext cx="1829880" cy="1004040"/>
+            <a:off x="832320" y="0"/>
+            <a:ext cx="10514880" cy="1127160"/>
           </a:xfrm>
           <a:prstGeom prst="rect">
             <a:avLst/>
@@ -11969,87 +11917,64 @@
           <a:fontRef idx="minor"/>
         </p:style>
         <p:txBody>
-          <a:bodyPr wrap="none" lIns="90000" rIns="90000" tIns="45000" bIns="45000">
-            <a:spAutoFit/>
-          </a:bodyPr>
-          <a:p>
-            <a:pPr>
-              <a:lnSpc>
-                <a:spcPct val="100000"/>
-              </a:lnSpc>
-            </a:pPr>
-            <a:r>
-              <a:rPr b="0" lang="es-MX" sz="2000" spc="-1" strike="noStrike">
-                <a:solidFill>
-                  <a:srgbClr val="000000"/>
-                </a:solidFill>
-                <a:latin typeface="Calibri"/>
-              </a:rPr>
-              <a:t>int main ( ) {</a:t>
-            </a:r>
-            <a:endParaRPr b="0" lang="es-MX" sz="2000" spc="-1" strike="noStrike">
-              <a:latin typeface="Arial"/>
-            </a:endParaRPr>
-          </a:p>
-          <a:p>
-            <a:pPr>
-              <a:lnSpc>
-                <a:spcPct val="100000"/>
-              </a:lnSpc>
-            </a:pPr>
-            <a:r>
-              <a:rPr b="0" lang="es-MX" sz="2000" spc="-1" strike="noStrike">
-                <a:solidFill>
-                  <a:srgbClr val="000000"/>
-                </a:solidFill>
-                <a:latin typeface="Calibri"/>
-              </a:rPr>
-              <a:t>   </a:t>
-            </a:r>
-            <a:r>
-              <a:rPr b="0" lang="es-MX" sz="2000" spc="-1" strike="noStrike">
-                <a:solidFill>
-                  <a:srgbClr val="000000"/>
-                </a:solidFill>
-                <a:latin typeface="Calibri"/>
-              </a:rPr>
-              <a:t>// . . .</a:t>
-            </a:r>
-            <a:endParaRPr b="0" lang="es-MX" sz="2000" spc="-1" strike="noStrike">
-              <a:latin typeface="Arial"/>
-            </a:endParaRPr>
-          </a:p>
-          <a:p>
-            <a:pPr>
-              <a:lnSpc>
-                <a:spcPct val="100000"/>
-              </a:lnSpc>
-            </a:pPr>
-            <a:r>
-              <a:rPr b="0" lang="es-MX" sz="2000" spc="-1" strike="noStrike">
-                <a:solidFill>
-                  <a:srgbClr val="000000"/>
-                </a:solidFill>
-                <a:latin typeface="Calibri"/>
-              </a:rPr>
-              <a:t>}</a:t>
-            </a:r>
-            <a:endParaRPr b="0" lang="es-MX" sz="2000" spc="-1" strike="noStrike">
-              <a:latin typeface="Arial"/>
-            </a:endParaRPr>
-          </a:p>
-        </p:txBody>
-      </p:sp>
-      <p:sp>
-        <p:nvSpPr>
-          <p:cNvPr id="201" name="CustomShape 3"/>
+          <a:bodyPr lIns="90000" rIns="90000" tIns="45000" bIns="45000" anchor="ctr">
+            <a:noAutofit/>
+          </a:bodyPr>
+          <a:p>
+            <a:pPr>
+              <a:lnSpc>
+                <a:spcPct val="90000"/>
+              </a:lnSpc>
+            </a:pPr>
+            <a:r>
+              <a:rPr b="0" lang="es-MX" sz="4000" spc="-1" strike="noStrike">
+                <a:solidFill>
+                  <a:srgbClr val="000000"/>
+                </a:solidFill>
+                <a:latin typeface="Calibri Light"/>
+              </a:rPr>
+              <a:t>1.1.1 Declaración de entrada / salida</a:t>
+            </a:r>
+            <a:endParaRPr b="0" lang="es-MX" sz="4000" spc="-1" strike="noStrike">
+              <a:latin typeface="Arial"/>
+            </a:endParaRPr>
+          </a:p>
+        </p:txBody>
+      </p:sp>
+      <p:pic>
+        <p:nvPicPr>
+          <p:cNvPr id="196" name="Imagen 3_1" descr=""/>
+          <p:cNvPicPr/>
+          <p:nvPr/>
+        </p:nvPicPr>
+        <p:blipFill>
+          <a:blip r:embed="rId1"/>
+          <a:srcRect l="0" t="0" r="0" b="55402"/>
+          <a:stretch/>
+        </p:blipFill>
+        <p:spPr>
+          <a:xfrm>
+            <a:off x="832320" y="1043640"/>
+            <a:ext cx="10274400" cy="1983600"/>
+          </a:xfrm>
+          <a:prstGeom prst="rect">
+            <a:avLst/>
+          </a:prstGeom>
+          <a:ln w="0">
+            <a:noFill/>
+          </a:ln>
+        </p:spPr>
+      </p:pic>
+      <p:sp>
+        <p:nvSpPr>
+          <p:cNvPr id="197" name="CustomShape 2"/>
           <p:cNvSpPr/>
           <p:nvPr/>
         </p:nvSpPr>
         <p:spPr>
           <a:xfrm>
-            <a:off x="708480" y="3223080"/>
-            <a:ext cx="10538280" cy="699480"/>
+            <a:off x="805320" y="3982320"/>
+            <a:ext cx="1829520" cy="1004400"/>
           </a:xfrm>
           <a:prstGeom prst="rect">
             <a:avLst/>
@@ -12081,8 +12006,9 @@
                   <a:srgbClr val="000000"/>
                 </a:solidFill>
                 <a:latin typeface="Calibri"/>
-              </a:rPr>
-              <a:t>La función principal de un programa es la función main, la cual tiene un valor de </a:t>
+                <a:ea typeface="DejaVu Sans"/>
+              </a:rPr>
+              <a:t>int main ( ) {</a:t>
             </a:r>
             <a:endParaRPr b="0" lang="es-MX" sz="2000" spc="-1" strike="noStrike">
               <a:latin typeface="Arial"/>
@@ -12100,25 +12026,56 @@
                   <a:srgbClr val="000000"/>
                 </a:solidFill>
                 <a:latin typeface="Calibri"/>
-              </a:rPr>
-              <a:t>retorno int. Las acciones que realiza el programa van dentro de las llaves.</a:t>
+                <a:ea typeface="DejaVu Sans"/>
+              </a:rPr>
+              <a:t>   </a:t>
+            </a:r>
+            <a:r>
+              <a:rPr b="0" lang="es-MX" sz="2000" spc="-1" strike="noStrike">
+                <a:solidFill>
+                  <a:srgbClr val="000000"/>
+                </a:solidFill>
+                <a:latin typeface="Calibri"/>
+                <a:ea typeface="DejaVu Sans"/>
+              </a:rPr>
+              <a:t>// . . .</a:t>
             </a:r>
             <a:endParaRPr b="0" lang="es-MX" sz="2000" spc="-1" strike="noStrike">
               <a:latin typeface="Arial"/>
             </a:endParaRPr>
           </a:p>
-        </p:txBody>
-      </p:sp>
-      <p:sp>
-        <p:nvSpPr>
-          <p:cNvPr id="202" name="CustomShape 4"/>
+          <a:p>
+            <a:pPr>
+              <a:lnSpc>
+                <a:spcPct val="100000"/>
+              </a:lnSpc>
+            </a:pPr>
+            <a:r>
+              <a:rPr b="0" lang="es-MX" sz="2000" spc="-1" strike="noStrike">
+                <a:solidFill>
+                  <a:srgbClr val="000000"/>
+                </a:solidFill>
+                <a:latin typeface="Calibri"/>
+                <a:ea typeface="DejaVu Sans"/>
+              </a:rPr>
+              <a:t>}</a:t>
+            </a:r>
+            <a:endParaRPr b="0" lang="es-MX" sz="2000" spc="-1" strike="noStrike">
+              <a:latin typeface="Arial"/>
+            </a:endParaRPr>
+          </a:p>
+        </p:txBody>
+      </p:sp>
+      <p:sp>
+        <p:nvSpPr>
+          <p:cNvPr id="198" name="CustomShape 3"/>
           <p:cNvSpPr/>
           <p:nvPr/>
         </p:nvSpPr>
         <p:spPr>
           <a:xfrm>
-            <a:off x="720000" y="4880520"/>
-            <a:ext cx="10440000" cy="699480"/>
+            <a:off x="708480" y="3223080"/>
+            <a:ext cx="10537920" cy="699480"/>
           </a:xfrm>
           <a:prstGeom prst="rect">
             <a:avLst/>
@@ -12135,7 +12092,7 @@
           <a:fontRef idx="minor"/>
         </p:style>
         <p:txBody>
-          <a:bodyPr lIns="90000" rIns="90000" tIns="45000" bIns="45000">
+          <a:bodyPr wrap="none" lIns="90000" rIns="90000" tIns="45000" bIns="45000">
             <a:spAutoFit/>
           </a:bodyPr>
           <a:p>
@@ -12150,25 +12107,46 @@
                   <a:srgbClr val="000000"/>
                 </a:solidFill>
                 <a:latin typeface="Calibri"/>
-              </a:rPr>
-              <a:t>En algunas ocasiones, la función main recibe argumentos, los cuales se indican entre los paréntesis</a:t>
+                <a:ea typeface="DejaVu Sans"/>
+              </a:rPr>
+              <a:t>La función principal de un programa es la función main, la cual tiene un valor de </a:t>
             </a:r>
             <a:endParaRPr b="0" lang="es-MX" sz="2000" spc="-1" strike="noStrike">
               <a:latin typeface="Arial"/>
             </a:endParaRPr>
           </a:p>
-        </p:txBody>
-      </p:sp>
-      <p:sp>
-        <p:nvSpPr>
-          <p:cNvPr id="203" name="CustomShape 5"/>
+          <a:p>
+            <a:pPr>
+              <a:lnSpc>
+                <a:spcPct val="100000"/>
+              </a:lnSpc>
+            </a:pPr>
+            <a:r>
+              <a:rPr b="0" lang="es-MX" sz="2000" spc="-1" strike="noStrike">
+                <a:solidFill>
+                  <a:srgbClr val="000000"/>
+                </a:solidFill>
+                <a:latin typeface="Calibri"/>
+                <a:ea typeface="DejaVu Sans"/>
+              </a:rPr>
+              <a:t>retorno int. Las acciones que realiza el programa van dentro de las llaves.</a:t>
+            </a:r>
+            <a:endParaRPr b="0" lang="es-MX" sz="2000" spc="-1" strike="noStrike">
+              <a:latin typeface="Arial"/>
+            </a:endParaRPr>
+          </a:p>
+        </p:txBody>
+      </p:sp>
+      <p:sp>
+        <p:nvSpPr>
+          <p:cNvPr id="199" name="CustomShape 4"/>
           <p:cNvSpPr/>
           <p:nvPr/>
         </p:nvSpPr>
         <p:spPr>
           <a:xfrm>
-            <a:off x="875160" y="5603040"/>
-            <a:ext cx="4417920" cy="1004040"/>
+            <a:off x="720000" y="4880520"/>
+            <a:ext cx="10439640" cy="699480"/>
           </a:xfrm>
           <a:prstGeom prst="rect">
             <a:avLst/>
@@ -12185,6 +12163,57 @@
           <a:fontRef idx="minor"/>
         </p:style>
         <p:txBody>
+          <a:bodyPr lIns="90000" rIns="90000" tIns="45000" bIns="45000">
+            <a:spAutoFit/>
+          </a:bodyPr>
+          <a:p>
+            <a:pPr>
+              <a:lnSpc>
+                <a:spcPct val="100000"/>
+              </a:lnSpc>
+            </a:pPr>
+            <a:r>
+              <a:rPr b="0" lang="es-MX" sz="2000" spc="-1" strike="noStrike">
+                <a:solidFill>
+                  <a:srgbClr val="000000"/>
+                </a:solidFill>
+                <a:latin typeface="Calibri"/>
+                <a:ea typeface="DejaVu Sans"/>
+              </a:rPr>
+              <a:t>En algunas ocasiones, la función main recibe argumentos, los cuales se indican entre los paréntesis</a:t>
+            </a:r>
+            <a:endParaRPr b="0" lang="es-MX" sz="2000" spc="-1" strike="noStrike">
+              <a:latin typeface="Arial"/>
+            </a:endParaRPr>
+          </a:p>
+        </p:txBody>
+      </p:sp>
+      <p:sp>
+        <p:nvSpPr>
+          <p:cNvPr id="200" name="CustomShape 5"/>
+          <p:cNvSpPr/>
+          <p:nvPr/>
+        </p:nvSpPr>
+        <p:spPr>
+          <a:xfrm>
+            <a:off x="875160" y="5603040"/>
+            <a:ext cx="4417560" cy="1004400"/>
+          </a:xfrm>
+          <a:prstGeom prst="rect">
+            <a:avLst/>
+          </a:prstGeom>
+          <a:noFill/>
+          <a:ln w="0">
+            <a:noFill/>
+          </a:ln>
+        </p:spPr>
+        <p:style>
+          <a:lnRef idx="0"/>
+          <a:fillRef idx="0"/>
+          <a:effectRef idx="0"/>
+          <a:fontRef idx="minor"/>
+        </p:style>
+        <p:txBody>
           <a:bodyPr wrap="none" lIns="90000" rIns="90000" tIns="45000" bIns="45000">
             <a:spAutoFit/>
           </a:bodyPr>
@@ -12200,6 +12229,7 @@
                   <a:srgbClr val="000000"/>
                 </a:solidFill>
                 <a:latin typeface="Calibri"/>
+                <a:ea typeface="DejaVu Sans"/>
               </a:rPr>
               <a:t>int main (int argc,char *argv[ ]) {</a:t>
             </a:r>
@@ -12219,6 +12249,7 @@
                   <a:srgbClr val="000000"/>
                 </a:solidFill>
                 <a:latin typeface="Calibri"/>
+                <a:ea typeface="DejaVu Sans"/>
               </a:rPr>
               <a:t>   </a:t>
             </a:r>
@@ -12228,6 +12259,7 @@
                   <a:srgbClr val="000000"/>
                 </a:solidFill>
                 <a:latin typeface="Calibri"/>
+                <a:ea typeface="DejaVu Sans"/>
               </a:rPr>
               <a:t>// . . .</a:t>
             </a:r>
@@ -12247,6 +12279,7 @@
                   <a:srgbClr val="000000"/>
                 </a:solidFill>
                 <a:latin typeface="Calibri"/>
+                <a:ea typeface="DejaVu Sans"/>
               </a:rPr>
               <a:t>}</a:t>
             </a:r>
@@ -12295,7 +12328,7 @@
         <p:spPr>
           <a:xfrm>
             <a:off x="838080" y="365040"/>
-            <a:ext cx="10514880" cy="1324800"/>
+            <a:ext cx="10514520" cy="1324440"/>
           </a:xfrm>
           <a:prstGeom prst="rect">
             <a:avLst/>
@@ -12327,6 +12360,7 @@
                   <a:srgbClr val="000000"/>
                 </a:solidFill>
                 <a:latin typeface="Calibri Light"/>
+                <a:ea typeface="DejaVu Sans"/>
               </a:rPr>
               <a:t>Especificadores de almacenamiento</a:t>
             </a:r>
@@ -12349,7 +12383,7 @@
         <p:spPr>
           <a:xfrm>
             <a:off x="0" y="1494720"/>
-            <a:ext cx="11865960" cy="4606560"/>
+            <a:ext cx="11865600" cy="4606200"/>
           </a:xfrm>
           <a:prstGeom prst="rect">
             <a:avLst/>
@@ -12398,7 +12432,7 @@
         <p:spPr>
           <a:xfrm>
             <a:off x="838080" y="-175680"/>
-            <a:ext cx="10514880" cy="1324800"/>
+            <a:ext cx="10514520" cy="1324440"/>
           </a:xfrm>
           <a:prstGeom prst="rect">
             <a:avLst/>
@@ -12430,6 +12464,7 @@
                   <a:srgbClr val="000000"/>
                 </a:solidFill>
                 <a:latin typeface="Calibri Light"/>
+                <a:ea typeface="DejaVu Sans"/>
               </a:rPr>
               <a:t>Especificadores de almacenamiento</a:t>
             </a:r>
@@ -12452,7 +12487,7 @@
         <p:spPr>
           <a:xfrm>
             <a:off x="446040" y="984600"/>
-            <a:ext cx="11299320" cy="4799880"/>
+            <a:ext cx="11298960" cy="4799520"/>
           </a:xfrm>
           <a:prstGeom prst="rect">
             <a:avLst/>
@@ -12501,7 +12536,7 @@
         <p:spPr>
           <a:xfrm>
             <a:off x="820440" y="0"/>
-            <a:ext cx="10514880" cy="1324800"/>
+            <a:ext cx="10514520" cy="1324440"/>
           </a:xfrm>
           <a:prstGeom prst="rect">
             <a:avLst/>
@@ -12533,6 +12568,7 @@
                   <a:srgbClr val="000000"/>
                 </a:solidFill>
                 <a:latin typeface="Calibri Light"/>
+                <a:ea typeface="DejaVu Sans"/>
               </a:rPr>
               <a:t>1.2.5 Definición de constantes</a:t>
             </a:r>
@@ -12555,7 +12591,7 @@
         <p:spPr>
           <a:xfrm>
             <a:off x="486360" y="1022400"/>
-            <a:ext cx="11183760" cy="2968200"/>
+            <a:ext cx="11183400" cy="2967840"/>
           </a:xfrm>
           <a:prstGeom prst="rect">
             <a:avLst/>
@@ -12579,7 +12615,7 @@
         <p:spPr>
           <a:xfrm>
             <a:off x="486360" y="3787920"/>
-            <a:ext cx="11013840" cy="1152720"/>
+            <a:ext cx="11013480" cy="1152360"/>
           </a:xfrm>
           <a:prstGeom prst="rect">
             <a:avLst/>
@@ -12628,7 +12664,7 @@
         <p:spPr>
           <a:xfrm>
             <a:off x="838080" y="0"/>
-            <a:ext cx="10514880" cy="1324800"/>
+            <a:ext cx="10514520" cy="1324440"/>
           </a:xfrm>
           <a:prstGeom prst="rect">
             <a:avLst/>
@@ -12660,6 +12696,7 @@
                   <a:srgbClr val="000000"/>
                 </a:solidFill>
                 <a:latin typeface="Calibri Light"/>
+                <a:ea typeface="DejaVu Sans"/>
               </a:rPr>
               <a:t>Constantes</a:t>
             </a:r>
@@ -12682,7 +12719,7 @@
         <p:spPr>
           <a:xfrm>
             <a:off x="2751480" y="914400"/>
-            <a:ext cx="7781040" cy="5850000"/>
+            <a:ext cx="7780680" cy="5849640"/>
           </a:xfrm>
           <a:prstGeom prst="rect">
             <a:avLst/>
@@ -12731,7 +12768,7 @@
         <p:spPr>
           <a:xfrm>
             <a:off x="878040" y="0"/>
-            <a:ext cx="10514880" cy="1324800"/>
+            <a:ext cx="10514520" cy="1324440"/>
           </a:xfrm>
           <a:prstGeom prst="rect">
             <a:avLst/>
@@ -12763,6 +12800,7 @@
                   <a:srgbClr val="000000"/>
                 </a:solidFill>
                 <a:latin typeface="Calibri Light"/>
+                <a:ea typeface="DejaVu Sans"/>
               </a:rPr>
               <a:t>Constantes</a:t>
             </a:r>
@@ -12785,7 +12823,7 @@
         <p:spPr>
           <a:xfrm>
             <a:off x="986760" y="1178280"/>
-            <a:ext cx="10297440" cy="4536000"/>
+            <a:ext cx="10297080" cy="4535640"/>
           </a:xfrm>
           <a:prstGeom prst="rect">
             <a:avLst/>
@@ -12834,7 +12872,7 @@
         <p:spPr>
           <a:xfrm>
             <a:off x="820440" y="-355680"/>
-            <a:ext cx="10514880" cy="1324800"/>
+            <a:ext cx="10514520" cy="1324440"/>
           </a:xfrm>
           <a:prstGeom prst="rect">
             <a:avLst/>
@@ -12866,6 +12904,7 @@
                   <a:srgbClr val="000000"/>
                 </a:solidFill>
                 <a:latin typeface="Calibri Light"/>
+                <a:ea typeface="DejaVu Sans"/>
               </a:rPr>
               <a:t>Constantes</a:t>
             </a:r>
@@ -12888,7 +12927,7 @@
         <p:spPr>
           <a:xfrm>
             <a:off x="518760" y="492480"/>
-            <a:ext cx="11118960" cy="1850400"/>
+            <a:ext cx="11118600" cy="1850040"/>
           </a:xfrm>
           <a:prstGeom prst="rect">
             <a:avLst/>
@@ -12911,7 +12950,7 @@
         <p:spPr>
           <a:xfrm>
             <a:off x="4402080" y="2343600"/>
-            <a:ext cx="3351960" cy="4133160"/>
+            <a:ext cx="3351600" cy="4132800"/>
           </a:xfrm>
           <a:prstGeom prst="rect">
             <a:avLst/>
@@ -12960,7 +12999,7 @@
         <p:spPr>
           <a:xfrm>
             <a:off x="838080" y="-285480"/>
-            <a:ext cx="10514880" cy="1324800"/>
+            <a:ext cx="10514520" cy="1324440"/>
           </a:xfrm>
           <a:prstGeom prst="rect">
             <a:avLst/>
@@ -12992,6 +13031,7 @@
                   <a:srgbClr val="000000"/>
                 </a:solidFill>
                 <a:latin typeface="Calibri Light"/>
+                <a:ea typeface="DejaVu Sans"/>
               </a:rPr>
               <a:t>Constantes</a:t>
             </a:r>
@@ -13014,7 +13054,7 @@
         <p:spPr>
           <a:xfrm>
             <a:off x="594360" y="615600"/>
-            <a:ext cx="11002320" cy="2162160"/>
+            <a:ext cx="11001960" cy="2161800"/>
           </a:xfrm>
           <a:prstGeom prst="rect">
             <a:avLst/>
@@ -13033,7 +13073,7 @@
         <p:spPr>
           <a:xfrm>
             <a:off x="331200" y="3059640"/>
-            <a:ext cx="11596680" cy="1614240"/>
+            <a:ext cx="11596320" cy="1614240"/>
           </a:xfrm>
           <a:prstGeom prst="rect">
             <a:avLst/>
@@ -13214,7 +13254,7 @@
         <p:spPr>
           <a:xfrm>
             <a:off x="838080" y="-250200"/>
-            <a:ext cx="10514880" cy="1324800"/>
+            <a:ext cx="10514520" cy="1324440"/>
           </a:xfrm>
           <a:prstGeom prst="rect">
             <a:avLst/>
@@ -13246,6 +13286,7 @@
                   <a:srgbClr val="000000"/>
                 </a:solidFill>
                 <a:latin typeface="Calibri Light"/>
+                <a:ea typeface="DejaVu Sans"/>
               </a:rPr>
               <a:t>Constantes</a:t>
             </a:r>
@@ -13268,7 +13309,7 @@
         <p:spPr>
           <a:xfrm>
             <a:off x="1137600" y="756000"/>
-            <a:ext cx="8673480" cy="4360320"/>
+            <a:ext cx="8673120" cy="4359960"/>
           </a:xfrm>
           <a:prstGeom prst="rect">
             <a:avLst/>
@@ -13316,8 +13357,8 @@
         </p:nvSpPr>
         <p:spPr>
           <a:xfrm>
-            <a:off x="838080" y="365040"/>
-            <a:ext cx="10514880" cy="1324800"/>
+            <a:off x="636840" y="365040"/>
+            <a:ext cx="10514520" cy="1324440"/>
           </a:xfrm>
           <a:prstGeom prst="rect">
             <a:avLst/>
@@ -13344,15 +13385,16 @@
               </a:lnSpc>
             </a:pPr>
             <a:r>
-              <a:rPr b="0" lang="es-MX" sz="4400" spc="-1" strike="noStrike">
+              <a:rPr b="0" lang="es-MX" sz="4000" spc="-1" strike="noStrike">
                 <a:solidFill>
                   <a:srgbClr val="000000"/>
                 </a:solidFill>
                 <a:latin typeface="Calibri Light"/>
+                <a:ea typeface="DejaVu Sans"/>
               </a:rPr>
               <a:t>Ejemplo 7</a:t>
             </a:r>
-            <a:endParaRPr b="0" lang="es-MX" sz="4400" spc="-1" strike="noStrike">
+            <a:endParaRPr b="0" lang="es-MX" sz="4000" spc="-1" strike="noStrike">
               <a:latin typeface="Arial"/>
             </a:endParaRPr>
           </a:p>
@@ -13371,7 +13413,7 @@
         <p:spPr>
           <a:xfrm>
             <a:off x="3361320" y="240840"/>
-            <a:ext cx="8542800" cy="6372000"/>
+            <a:ext cx="8542440" cy="6371640"/>
           </a:xfrm>
           <a:prstGeom prst="rect">
             <a:avLst/>
@@ -13420,7 +13462,7 @@
         <p:spPr>
           <a:xfrm>
             <a:off x="838080" y="-2520"/>
-            <a:ext cx="9421560" cy="1082520"/>
+            <a:ext cx="9421200" cy="1082160"/>
           </a:xfrm>
           <a:prstGeom prst="rect">
             <a:avLst/>
@@ -13452,6 +13494,7 @@
                   <a:srgbClr val="000000"/>
                 </a:solidFill>
                 <a:latin typeface="Calibri Light"/>
+                <a:ea typeface="DejaVu Sans"/>
               </a:rPr>
               <a:t>Para lograr el efecto del ejemplo 7 se usó:</a:t>
             </a:r>
@@ -13461,6 +13504,7 @@
                   <a:srgbClr val="000000"/>
                 </a:solidFill>
                 <a:latin typeface="Calibri Light"/>
+                <a:ea typeface="DejaVu Sans"/>
               </a:rPr>
               <a:t> </a:t>
             </a:r>
@@ -13479,7 +13523,7 @@
         <p:spPr>
           <a:xfrm>
             <a:off x="838080" y="1825560"/>
-            <a:ext cx="10514880" cy="4350600"/>
+            <a:ext cx="10514520" cy="4350240"/>
           </a:xfrm>
           <a:prstGeom prst="rect">
             <a:avLst/>
@@ -13509,7 +13553,7 @@
         <p:spPr>
           <a:xfrm>
             <a:off x="600120" y="3856320"/>
-            <a:ext cx="9255960" cy="2774880"/>
+            <a:ext cx="9255600" cy="2774520"/>
           </a:xfrm>
           <a:prstGeom prst="rect">
             <a:avLst/>
@@ -13532,7 +13576,7 @@
         <p:spPr>
           <a:xfrm>
             <a:off x="600120" y="763920"/>
-            <a:ext cx="8841600" cy="3091680"/>
+            <a:ext cx="8841240" cy="3091320"/>
           </a:xfrm>
           <a:prstGeom prst="rect">
             <a:avLst/>
@@ -13555,7 +13599,7 @@
         <p:spPr>
           <a:xfrm>
             <a:off x="5976360" y="4601160"/>
-            <a:ext cx="5614920" cy="2165040"/>
+            <a:ext cx="5614560" cy="2164680"/>
           </a:xfrm>
           <a:prstGeom prst="rect">
             <a:avLst/>
@@ -13597,61 +13641,14 @@
       </p:grpSpPr>
       <p:sp>
         <p:nvSpPr>
-          <p:cNvPr id="204" name="TextShape 1"/>
-          <p:cNvSpPr txBox="1"/>
-          <p:nvPr/>
-        </p:nvSpPr>
-        <p:spPr>
-          <a:xfrm>
-            <a:off x="392400" y="-13320"/>
-            <a:ext cx="10515240" cy="1080000"/>
-          </a:xfrm>
-          <a:prstGeom prst="rect">
-            <a:avLst/>
-          </a:prstGeom>
-          <a:noFill/>
-          <a:ln w="0">
-            <a:noFill/>
-          </a:ln>
-        </p:spPr>
-        <p:txBody>
-          <a:bodyPr anchor="ctr">
-            <a:noAutofit/>
-          </a:bodyPr>
-          <a:p>
-            <a:pPr>
-              <a:lnSpc>
-                <a:spcPct val="90000"/>
-              </a:lnSpc>
-            </a:pPr>
-            <a:r>
-              <a:rPr b="0" lang="es-MX" sz="4400" spc="-1" strike="noStrike">
-                <a:solidFill>
-                  <a:srgbClr val="000000"/>
-                </a:solidFill>
-                <a:latin typeface="Calibri Light"/>
-              </a:rPr>
-              <a:t>Los tipos de datos</a:t>
-            </a:r>
-            <a:endParaRPr b="0" lang="es-MX" sz="4400" spc="-1" strike="noStrike">
-              <a:solidFill>
-                <a:srgbClr val="000000"/>
-              </a:solidFill>
-              <a:latin typeface="Calibri"/>
-            </a:endParaRPr>
-          </a:p>
-        </p:txBody>
-      </p:sp>
-      <p:sp>
-        <p:nvSpPr>
-          <p:cNvPr id="205" name="CustomShape 2"/>
+          <p:cNvPr id="201" name="CustomShape 1"/>
           <p:cNvSpPr/>
           <p:nvPr/>
         </p:nvSpPr>
         <p:spPr>
           <a:xfrm>
-            <a:off x="312120" y="1229040"/>
-            <a:ext cx="2400120" cy="456120"/>
+            <a:off x="392400" y="-13320"/>
+            <a:ext cx="10514880" cy="1079640"/>
           </a:xfrm>
           <a:prstGeom prst="rect">
             <a:avLst/>
@@ -13668,6 +13665,56 @@
           <a:fontRef idx="minor"/>
         </p:style>
         <p:txBody>
+          <a:bodyPr lIns="90000" rIns="90000" tIns="45000" bIns="45000" anchor="ctr">
+            <a:noAutofit/>
+          </a:bodyPr>
+          <a:p>
+            <a:pPr>
+              <a:lnSpc>
+                <a:spcPct val="90000"/>
+              </a:lnSpc>
+            </a:pPr>
+            <a:r>
+              <a:rPr b="0" lang="es-MX" sz="4400" spc="-1" strike="noStrike">
+                <a:solidFill>
+                  <a:srgbClr val="000000"/>
+                </a:solidFill>
+                <a:latin typeface="Calibri Light"/>
+              </a:rPr>
+              <a:t>Los tipos de datos</a:t>
+            </a:r>
+            <a:endParaRPr b="0" lang="es-MX" sz="4400" spc="-1" strike="noStrike">
+              <a:latin typeface="Arial"/>
+            </a:endParaRPr>
+          </a:p>
+        </p:txBody>
+      </p:sp>
+      <p:sp>
+        <p:nvSpPr>
+          <p:cNvPr id="202" name="CustomShape 2"/>
+          <p:cNvSpPr/>
+          <p:nvPr/>
+        </p:nvSpPr>
+        <p:spPr>
+          <a:xfrm>
+            <a:off x="312120" y="1229040"/>
+            <a:ext cx="2400120" cy="455760"/>
+          </a:xfrm>
+          <a:prstGeom prst="rect">
+            <a:avLst/>
+          </a:prstGeom>
+          <a:noFill/>
+          <a:ln w="0">
+            <a:noFill/>
+          </a:ln>
+        </p:spPr>
+        <p:style>
+          <a:lnRef idx="0"/>
+          <a:fillRef idx="0"/>
+          <a:effectRef idx="0"/>
+          <a:fontRef idx="minor"/>
+        </p:style>
+        <p:txBody>
           <a:bodyPr wrap="none" lIns="90000" rIns="90000" tIns="45000" bIns="45000">
             <a:spAutoFit/>
           </a:bodyPr>
@@ -13683,6 +13730,7 @@
                   <a:srgbClr val="000000"/>
                 </a:solidFill>
                 <a:latin typeface="Calibri"/>
+                <a:ea typeface="DejaVu Sans"/>
               </a:rPr>
               <a:t>Tipos de datos</a:t>
             </a:r>
@@ -13694,7 +13742,7 @@
       </p:sp>
       <p:pic>
         <p:nvPicPr>
-          <p:cNvPr id="206" name="Imagen 4_1" descr=""/>
+          <p:cNvPr id="203" name="Imagen 4_1" descr=""/>
           <p:cNvPicPr/>
           <p:nvPr/>
         </p:nvPicPr>
@@ -13705,7 +13753,7 @@
         <p:spPr>
           <a:xfrm>
             <a:off x="360000" y="1743120"/>
-            <a:ext cx="9958320" cy="1316880"/>
+            <a:ext cx="9957960" cy="1316520"/>
           </a:xfrm>
           <a:prstGeom prst="rect">
             <a:avLst/>
@@ -13717,14 +13765,14 @@
       </p:pic>
       <p:sp>
         <p:nvSpPr>
-          <p:cNvPr id="207" name="CustomShape 3"/>
+          <p:cNvPr id="204" name="CustomShape 3"/>
           <p:cNvSpPr/>
           <p:nvPr/>
         </p:nvSpPr>
         <p:spPr>
           <a:xfrm>
             <a:off x="452160" y="3298320"/>
-            <a:ext cx="11399400" cy="2221560"/>
+            <a:ext cx="11399040" cy="2224080"/>
           </a:xfrm>
           <a:prstGeom prst="rect">
             <a:avLst/>
@@ -13756,6 +13804,7 @@
                   <a:srgbClr val="000000"/>
                 </a:solidFill>
                 <a:latin typeface="Calibri"/>
+                <a:ea typeface="DejaVu Sans"/>
               </a:rPr>
               <a:t>Los </a:t>
             </a:r>
@@ -13765,6 +13814,7 @@
                   <a:srgbClr val="000000"/>
                 </a:solidFill>
                 <a:latin typeface="Calibri"/>
+                <a:ea typeface="DejaVu Sans"/>
               </a:rPr>
               <a:t>datos simples</a:t>
             </a:r>
@@ -13774,6 +13824,7 @@
                   <a:srgbClr val="000000"/>
                 </a:solidFill>
                 <a:latin typeface="Calibri"/>
+                <a:ea typeface="DejaVu Sans"/>
               </a:rPr>
               <a:t> corresponden a valores:  enteros, reales, caracteres, booleanos.</a:t>
             </a:r>
@@ -13793,6 +13844,7 @@
                   <a:srgbClr val="000000"/>
                 </a:solidFill>
                 <a:latin typeface="Calibri"/>
+                <a:ea typeface="DejaVu Sans"/>
               </a:rPr>
               <a:t> </a:t>
             </a:r>
@@ -13812,6 +13864,7 @@
                   <a:srgbClr val="000000"/>
                 </a:solidFill>
                 <a:latin typeface="Calibri"/>
+                <a:ea typeface="DejaVu Sans"/>
               </a:rPr>
               <a:t>Los </a:t>
             </a:r>
@@ -13821,6 +13874,7 @@
                   <a:srgbClr val="000000"/>
                 </a:solidFill>
                 <a:latin typeface="Calibri"/>
+                <a:ea typeface="DejaVu Sans"/>
               </a:rPr>
               <a:t>datos estructurados</a:t>
             </a:r>
@@ -13830,6 +13884,7 @@
                   <a:srgbClr val="000000"/>
                 </a:solidFill>
                 <a:latin typeface="Calibri"/>
+                <a:ea typeface="DejaVu Sans"/>
               </a:rPr>
               <a:t> se caracterizan por el hecho de que con un nombre se hace </a:t>
             </a:r>
@@ -13849,6 +13904,7 @@
                   <a:srgbClr val="000000"/>
                 </a:solidFill>
                 <a:latin typeface="Calibri"/>
+                <a:ea typeface="DejaVu Sans"/>
               </a:rPr>
               <a:t>referencia a un conjunto de más de un dato simple. Es decir, un dato estructurado </a:t>
             </a:r>
@@ -13868,6 +13924,7 @@
                   <a:srgbClr val="000000"/>
                 </a:solidFill>
                 <a:latin typeface="Calibri"/>
+                <a:ea typeface="DejaVu Sans"/>
               </a:rPr>
               <a:t>tiene varios componentes. Cada uno de los componentes puede ser a su vez un dato </a:t>
             </a:r>
@@ -13887,6 +13944,7 @@
                   <a:srgbClr val="000000"/>
                 </a:solidFill>
                 <a:latin typeface="Calibri"/>
+                <a:ea typeface="DejaVu Sans"/>
               </a:rPr>
               <a:t>simple o estructurado. Dentro de este grupo de datos se encuentran: arreglos, cadena </a:t>
             </a:r>
@@ -13906,6 +13964,7 @@
                   <a:srgbClr val="000000"/>
                 </a:solidFill>
                 <a:latin typeface="Calibri"/>
+                <a:ea typeface="DejaVu Sans"/>
               </a:rPr>
               <a:t>de caracteres, estructuras, uniones.</a:t>
             </a:r>
@@ -13953,8 +14012,8 @@
         </p:nvSpPr>
         <p:spPr>
           <a:xfrm>
-            <a:off x="838080" y="365040"/>
-            <a:ext cx="10514880" cy="1324800"/>
+            <a:off x="376920" y="378360"/>
+            <a:ext cx="10514520" cy="1324440"/>
           </a:xfrm>
           <a:prstGeom prst="rect">
             <a:avLst/>
@@ -13981,15 +14040,16 @@
               </a:lnSpc>
             </a:pPr>
             <a:r>
-              <a:rPr b="0" lang="es-MX" sz="4400" spc="-1" strike="noStrike">
+              <a:rPr b="0" lang="es-MX" sz="4000" spc="-1" strike="noStrike">
                 <a:solidFill>
                   <a:srgbClr val="000000"/>
                 </a:solidFill>
                 <a:latin typeface="Calibri Light"/>
+                <a:ea typeface="DejaVu Sans"/>
               </a:rPr>
               <a:t>Ejemplo 8</a:t>
             </a:r>
-            <a:endParaRPr b="0" lang="es-MX" sz="4400" spc="-1" strike="noStrike">
+            <a:endParaRPr b="0" lang="es-MX" sz="4000" spc="-1" strike="noStrike">
               <a:latin typeface="Arial"/>
             </a:endParaRPr>
           </a:p>
@@ -14008,7 +14068,7 @@
         <p:spPr>
           <a:xfrm>
             <a:off x="3197160" y="175680"/>
-            <a:ext cx="8795520" cy="6505560"/>
+            <a:ext cx="8795160" cy="6505200"/>
           </a:xfrm>
           <a:prstGeom prst="rect">
             <a:avLst/>
@@ -14057,7 +14117,7 @@
         <p:spPr>
           <a:xfrm>
             <a:off x="838080" y="0"/>
-            <a:ext cx="10514880" cy="1324800"/>
+            <a:ext cx="10514520" cy="1324440"/>
           </a:xfrm>
           <a:prstGeom prst="rect">
             <a:avLst/>
@@ -14089,6 +14149,7 @@
                   <a:srgbClr val="000000"/>
                 </a:solidFill>
                 <a:latin typeface="Calibri Light"/>
+                <a:ea typeface="DejaVu Sans"/>
               </a:rPr>
               <a:t>Constantes simbólicas</a:t>
             </a:r>
@@ -14111,7 +14172,7 @@
         <p:spPr>
           <a:xfrm>
             <a:off x="2637720" y="874440"/>
-            <a:ext cx="7930080" cy="5857200"/>
+            <a:ext cx="7929720" cy="5856840"/>
           </a:xfrm>
           <a:prstGeom prst="rect">
             <a:avLst/>
@@ -14159,8 +14220,8 @@
         </p:nvSpPr>
         <p:spPr>
           <a:xfrm>
-            <a:off x="838080" y="365040"/>
-            <a:ext cx="10514880" cy="1324800"/>
+            <a:off x="540000" y="365040"/>
+            <a:ext cx="10514520" cy="1324440"/>
           </a:xfrm>
           <a:prstGeom prst="rect">
             <a:avLst/>
@@ -14187,15 +14248,16 @@
               </a:lnSpc>
             </a:pPr>
             <a:r>
-              <a:rPr b="0" lang="es-MX" sz="4400" spc="-1" strike="noStrike">
+              <a:rPr b="0" lang="es-MX" sz="4000" spc="-1" strike="noStrike">
                 <a:solidFill>
                   <a:srgbClr val="000000"/>
                 </a:solidFill>
                 <a:latin typeface="Calibri Light"/>
+                <a:ea typeface="DejaVu Sans"/>
               </a:rPr>
               <a:t>Ejemplo 9</a:t>
             </a:r>
-            <a:endParaRPr b="0" lang="es-MX" sz="4400" spc="-1" strike="noStrike">
+            <a:endParaRPr b="0" lang="es-MX" sz="4000" spc="-1" strike="noStrike">
               <a:latin typeface="Arial"/>
             </a:endParaRPr>
           </a:p>
@@ -14214,7 +14276,7 @@
         <p:spPr>
           <a:xfrm>
             <a:off x="3395160" y="207000"/>
-            <a:ext cx="8640000" cy="6386760"/>
+            <a:ext cx="8639640" cy="6386400"/>
           </a:xfrm>
           <a:prstGeom prst="rect">
             <a:avLst/>
@@ -14263,7 +14325,7 @@
         <p:spPr>
           <a:xfrm>
             <a:off x="838080" y="0"/>
-            <a:ext cx="10514880" cy="1324800"/>
+            <a:ext cx="10514520" cy="1324440"/>
           </a:xfrm>
           <a:prstGeom prst="rect">
             <a:avLst/>
@@ -14295,6 +14357,7 @@
                   <a:srgbClr val="000000"/>
                 </a:solidFill>
                 <a:latin typeface="Calibri Light"/>
+                <a:ea typeface="DejaVu Sans"/>
               </a:rPr>
               <a:t>Ejercicios</a:t>
             </a:r>
@@ -14317,7 +14380,7 @@
         <p:spPr>
           <a:xfrm>
             <a:off x="838080" y="1325520"/>
-            <a:ext cx="10514880" cy="4948920"/>
+            <a:ext cx="10514520" cy="4948560"/>
           </a:xfrm>
           <a:prstGeom prst="rect">
             <a:avLst/>
@@ -14366,7 +14429,7 @@
         <p:spPr>
           <a:xfrm>
             <a:off x="838080" y="0"/>
-            <a:ext cx="10514880" cy="1324800"/>
+            <a:ext cx="10514520" cy="1324440"/>
           </a:xfrm>
           <a:prstGeom prst="rect">
             <a:avLst/>
@@ -14398,6 +14461,7 @@
                   <a:srgbClr val="000000"/>
                 </a:solidFill>
                 <a:latin typeface="Calibri Light"/>
+                <a:ea typeface="DejaVu Sans"/>
               </a:rPr>
               <a:t>1.3 Creación de código fuente, objeto y ejecutable</a:t>
             </a:r>
@@ -14416,7 +14480,7 @@
         <p:spPr>
           <a:xfrm>
             <a:off x="789480" y="1325520"/>
-            <a:ext cx="10340280" cy="943200"/>
+            <a:ext cx="10340280" cy="942840"/>
           </a:xfrm>
           <a:prstGeom prst="rect">
             <a:avLst/>
@@ -14491,7 +14555,7 @@
         <p:spPr>
           <a:xfrm>
             <a:off x="3325320" y="2279520"/>
-            <a:ext cx="5541120" cy="4460040"/>
+            <a:ext cx="5540760" cy="4459680"/>
           </a:xfrm>
           <a:prstGeom prst="rect">
             <a:avLst/>
@@ -14540,7 +14604,7 @@
         <p:spPr>
           <a:xfrm>
             <a:off x="253440" y="1143000"/>
-            <a:ext cx="11266200" cy="4113720"/>
+            <a:ext cx="11265840" cy="4113360"/>
           </a:xfrm>
           <a:prstGeom prst="rect">
             <a:avLst/>
@@ -14795,7 +14859,7 @@
         <p:spPr>
           <a:xfrm>
             <a:off x="4340520" y="5838120"/>
-            <a:ext cx="3700440" cy="632160"/>
+            <a:ext cx="3700080" cy="631800"/>
           </a:xfrm>
           <a:prstGeom prst="rect">
             <a:avLst/>
@@ -14814,7 +14878,7 @@
         <p:spPr>
           <a:xfrm>
             <a:off x="201960" y="448920"/>
-            <a:ext cx="7110720" cy="516600"/>
+            <a:ext cx="7110720" cy="516240"/>
           </a:xfrm>
           <a:prstGeom prst="rect">
             <a:avLst/>
@@ -14895,7 +14959,7 @@
         <p:spPr>
           <a:xfrm>
             <a:off x="820440" y="0"/>
-            <a:ext cx="10514880" cy="1324800"/>
+            <a:ext cx="10514520" cy="1324440"/>
           </a:xfrm>
           <a:prstGeom prst="rect">
             <a:avLst/>
@@ -14927,6 +14991,7 @@
                   <a:srgbClr val="000000"/>
                 </a:solidFill>
                 <a:latin typeface="Calibri Light"/>
+                <a:ea typeface="DejaVu Sans"/>
               </a:rPr>
               <a:t>Programa en ejecución</a:t>
             </a:r>
@@ -14945,7 +15010,7 @@
         <p:spPr>
           <a:xfrm>
             <a:off x="521280" y="1063800"/>
-            <a:ext cx="9890280" cy="455400"/>
+            <a:ext cx="9889920" cy="455400"/>
           </a:xfrm>
           <a:prstGeom prst="rect">
             <a:avLst/>
@@ -15000,7 +15065,7 @@
         <p:spPr>
           <a:xfrm>
             <a:off x="965160" y="1587240"/>
-            <a:ext cx="5514120" cy="1828080"/>
+            <a:ext cx="5513760" cy="1827720"/>
           </a:xfrm>
           <a:prstGeom prst="rect">
             <a:avLst/>
@@ -15019,7 +15084,7 @@
         <p:spPr>
           <a:xfrm>
             <a:off x="470160" y="3416040"/>
-            <a:ext cx="11647440" cy="2284200"/>
+            <a:ext cx="11647080" cy="2284200"/>
           </a:xfrm>
           <a:prstGeom prst="rect">
             <a:avLst/>
@@ -15174,7 +15239,7 @@
         <p:spPr>
           <a:xfrm>
             <a:off x="3722760" y="6093720"/>
-            <a:ext cx="5112360" cy="592200"/>
+            <a:ext cx="5112000" cy="591840"/>
           </a:xfrm>
           <a:prstGeom prst="rect">
             <a:avLst/>
@@ -15197,7 +15262,7 @@
         <p:spPr>
           <a:xfrm>
             <a:off x="8550000" y="2297160"/>
-            <a:ext cx="2212200" cy="856440"/>
+            <a:ext cx="2211840" cy="856080"/>
           </a:xfrm>
           <a:prstGeom prst="rect">
             <a:avLst/>
@@ -15245,8 +15310,8 @@
         </p:nvSpPr>
         <p:spPr>
           <a:xfrm>
-            <a:off x="1002240" y="-351720"/>
-            <a:ext cx="10514880" cy="1324800"/>
+            <a:off x="360000" y="-244440"/>
+            <a:ext cx="10514520" cy="1324440"/>
           </a:xfrm>
           <a:prstGeom prst="rect">
             <a:avLst/>
@@ -15278,6 +15343,7 @@
                   <a:srgbClr val="000000"/>
                 </a:solidFill>
                 <a:latin typeface="Calibri Light"/>
+                <a:ea typeface="DejaVu Sans"/>
               </a:rPr>
               <a:t>1.3.2 Depuración</a:t>
             </a:r>
@@ -15296,7 +15362,7 @@
         <p:spPr>
           <a:xfrm>
             <a:off x="360000" y="579240"/>
-            <a:ext cx="11657880" cy="1918440"/>
+            <a:ext cx="11657520" cy="1918440"/>
           </a:xfrm>
           <a:prstGeom prst="rect">
             <a:avLst/>
@@ -15431,7 +15497,7 @@
         <p:spPr>
           <a:xfrm>
             <a:off x="3982680" y="2763360"/>
-            <a:ext cx="5093640" cy="3831120"/>
+            <a:ext cx="5093280" cy="3830760"/>
           </a:xfrm>
           <a:prstGeom prst="rect">
             <a:avLst/>
@@ -15480,7 +15546,7 @@
         <p:spPr>
           <a:xfrm>
             <a:off x="714960" y="-303120"/>
-            <a:ext cx="10514880" cy="1324800"/>
+            <a:ext cx="10514520" cy="1324440"/>
           </a:xfrm>
           <a:prstGeom prst="rect">
             <a:avLst/>
@@ -15512,6 +15578,7 @@
                   <a:srgbClr val="000000"/>
                 </a:solidFill>
                 <a:latin typeface="Calibri Light"/>
+                <a:ea typeface="DejaVu Sans"/>
               </a:rPr>
               <a:t>Target Debug y punto de ruptura</a:t>
             </a:r>
@@ -15530,7 +15597,7 @@
         <p:spPr>
           <a:xfrm>
             <a:off x="629640" y="545400"/>
-            <a:ext cx="10685520" cy="821160"/>
+            <a:ext cx="10685160" cy="821160"/>
           </a:xfrm>
           <a:prstGeom prst="rect">
             <a:avLst/>
@@ -15605,7 +15672,7 @@
         <p:spPr>
           <a:xfrm>
             <a:off x="8946360" y="4632840"/>
-            <a:ext cx="1751760" cy="1971000"/>
+            <a:ext cx="1751400" cy="1970640"/>
           </a:xfrm>
           <a:prstGeom prst="rect">
             <a:avLst/>
@@ -15628,7 +15695,7 @@
         <p:spPr>
           <a:xfrm>
             <a:off x="1124640" y="1499400"/>
-            <a:ext cx="6436080" cy="4815000"/>
+            <a:ext cx="6435720" cy="4814640"/>
           </a:xfrm>
           <a:prstGeom prst="rect">
             <a:avLst/>
@@ -15647,7 +15714,7 @@
         <p:spPr>
           <a:xfrm>
             <a:off x="7615440" y="1524240"/>
-            <a:ext cx="4414320" cy="2649960"/>
+            <a:ext cx="4413960" cy="2649960"/>
           </a:xfrm>
           <a:prstGeom prst="rect">
             <a:avLst/>
@@ -15847,8 +15914,8 @@
         </p:nvSpPr>
         <p:spPr>
           <a:xfrm>
-            <a:off x="820440" y="-285480"/>
-            <a:ext cx="10514880" cy="1324800"/>
+            <a:off x="337320" y="-312120"/>
+            <a:ext cx="10514520" cy="1324440"/>
           </a:xfrm>
           <a:prstGeom prst="rect">
             <a:avLst/>
@@ -15880,6 +15947,7 @@
                   <a:srgbClr val="000000"/>
                 </a:solidFill>
                 <a:latin typeface="Calibri Light"/>
+                <a:ea typeface="DejaVu Sans"/>
               </a:rPr>
               <a:t>Se ejecuta el programa usando GDB </a:t>
             </a:r>
@@ -15898,7 +15966,7 @@
         <p:spPr>
           <a:xfrm>
             <a:off x="312840" y="516960"/>
-            <a:ext cx="11147400" cy="440280"/>
+            <a:ext cx="11147040" cy="439920"/>
           </a:xfrm>
           <a:prstGeom prst="rect">
             <a:avLst/>
@@ -15953,7 +16021,7 @@
         <p:spPr>
           <a:xfrm>
             <a:off x="3092760" y="1040040"/>
-            <a:ext cx="5470200" cy="664920"/>
+            <a:ext cx="5469840" cy="664560"/>
           </a:xfrm>
           <a:prstGeom prst="rect">
             <a:avLst/>
@@ -15972,7 +16040,7 @@
         <p:spPr>
           <a:xfrm>
             <a:off x="186120" y="1880280"/>
-            <a:ext cx="14000400" cy="2268000"/>
+            <a:ext cx="14000040" cy="2267640"/>
           </a:xfrm>
           <a:prstGeom prst="rect">
             <a:avLst/>
@@ -16137,7 +16205,7 @@
         <p:spPr>
           <a:xfrm>
             <a:off x="3405600" y="4522680"/>
-            <a:ext cx="5519520" cy="601560"/>
+            <a:ext cx="5519160" cy="601200"/>
           </a:xfrm>
           <a:prstGeom prst="rect">
             <a:avLst/>
@@ -16179,14 +16247,14 @@
       </p:grpSpPr>
       <p:sp>
         <p:nvSpPr>
-          <p:cNvPr id="208" name="TextShape 1"/>
-          <p:cNvSpPr txBox="1"/>
+          <p:cNvPr id="205" name="CustomShape 1"/>
+          <p:cNvSpPr/>
           <p:nvPr/>
         </p:nvSpPr>
         <p:spPr>
           <a:xfrm>
             <a:off x="360000" y="0"/>
-            <a:ext cx="11700000" cy="1325160"/>
+            <a:ext cx="11699640" cy="1324800"/>
           </a:xfrm>
           <a:prstGeom prst="rect">
             <a:avLst/>
@@ -16196,8 +16264,14 @@
             <a:noFill/>
           </a:ln>
         </p:spPr>
-        <p:txBody>
-          <a:bodyPr anchor="ctr">
+        <p:style>
+          <a:lnRef idx="0"/>
+          <a:fillRef idx="0"/>
+          <a:effectRef idx="0"/>
+          <a:fontRef idx="minor"/>
+        </p:style>
+        <p:txBody>
+          <a:bodyPr lIns="90000" rIns="90000" tIns="45000" bIns="45000" anchor="ctr">
             <a:noAutofit/>
           </a:bodyPr>
           <a:p>
@@ -16213,29 +16287,17 @@
                 </a:solidFill>
                 <a:latin typeface="Calibri Light"/>
               </a:rPr>
-              <a:t>1.1.2 Uso de identificadores. Palabras </a:t>
-            </a:r>
-            <a:r>
-              <a:rPr b="0" lang="es-MX" sz="3600" spc="-1" strike="noStrike">
-                <a:solidFill>
-                  <a:srgbClr val="000000"/>
-                </a:solidFill>
-                <a:latin typeface="Calibri Light"/>
-              </a:rPr>
-              <a:t>reservadas</a:t>
+              <a:t>1.1.2 Uso de identificadores. Palabras reservadas</a:t>
             </a:r>
             <a:endParaRPr b="0" lang="es-MX" sz="3600" spc="-1" strike="noStrike">
-              <a:solidFill>
-                <a:srgbClr val="000000"/>
-              </a:solidFill>
-              <a:latin typeface="Calibri"/>
+              <a:latin typeface="Arial"/>
             </a:endParaRPr>
           </a:p>
         </p:txBody>
       </p:sp>
       <p:pic>
         <p:nvPicPr>
-          <p:cNvPr id="209" name="Imagen 6_1" descr=""/>
+          <p:cNvPr id="206" name="Imagen 6_1" descr=""/>
           <p:cNvPicPr/>
           <p:nvPr/>
         </p:nvPicPr>
@@ -16246,7 +16308,7 @@
         <p:spPr>
           <a:xfrm>
             <a:off x="348120" y="1268280"/>
-            <a:ext cx="11351880" cy="1976040"/>
+            <a:ext cx="11351520" cy="1975680"/>
           </a:xfrm>
           <a:prstGeom prst="rect">
             <a:avLst/>
@@ -16258,14 +16320,14 @@
       </p:pic>
       <p:sp>
         <p:nvSpPr>
-          <p:cNvPr id="210" name="CustomShape 2"/>
+          <p:cNvPr id="207" name="CustomShape 2"/>
           <p:cNvSpPr/>
           <p:nvPr/>
         </p:nvSpPr>
         <p:spPr>
           <a:xfrm>
             <a:off x="271440" y="3451680"/>
-            <a:ext cx="11304720" cy="1308600"/>
+            <a:ext cx="11304360" cy="1309320"/>
           </a:xfrm>
           <a:prstGeom prst="rect">
             <a:avLst/>
@@ -16297,6 +16359,7 @@
                   <a:srgbClr val="000000"/>
                 </a:solidFill>
                 <a:latin typeface="Calibri"/>
+                <a:ea typeface="DejaVu Sans"/>
               </a:rPr>
               <a:t>Se le llama </a:t>
             </a:r>
@@ -16306,6 +16369,7 @@
                   <a:srgbClr val="000000"/>
                 </a:solidFill>
                 <a:latin typeface="Calibri"/>
+                <a:ea typeface="DejaVu Sans"/>
               </a:rPr>
               <a:t>identificador</a:t>
             </a:r>
@@ -16315,6 +16379,7 @@
                   <a:srgbClr val="000000"/>
                 </a:solidFill>
                 <a:latin typeface="Calibri"/>
+                <a:ea typeface="DejaVu Sans"/>
               </a:rPr>
               <a:t> al nombre que se les da a las casillas de memoria en donde </a:t>
             </a:r>
@@ -16334,6 +16399,7 @@
                   <a:srgbClr val="000000"/>
                 </a:solidFill>
                 <a:latin typeface="Calibri"/>
+                <a:ea typeface="DejaVu Sans"/>
               </a:rPr>
               <a:t>se tienen almacenados los valores de los datos (simples o estructurados). Un identifi - </a:t>
             </a:r>
@@ -16353,6 +16419,7 @@
                   <a:srgbClr val="000000"/>
                 </a:solidFill>
                 <a:latin typeface="Calibri"/>
+                <a:ea typeface="DejaVu Sans"/>
               </a:rPr>
               <a:t>cador se forma de acuerdo a ciertas reglas que pueden tener alguna variante depen -</a:t>
             </a:r>
@@ -16372,6 +16439,7 @@
                   <a:srgbClr val="000000"/>
                 </a:solidFill>
                 <a:latin typeface="Calibri"/>
+                <a:ea typeface="DejaVu Sans"/>
               </a:rPr>
               <a:t>diendo del lenguaje de programación utilizado.</a:t>
             </a:r>
@@ -16423,8 +16491,8 @@
         </p:blipFill>
         <p:spPr>
           <a:xfrm>
-            <a:off x="1853640" y="217080"/>
-            <a:ext cx="8498880" cy="6258240"/>
+            <a:off x="1800000" y="360000"/>
+            <a:ext cx="8498520" cy="6257880"/>
           </a:xfrm>
           <a:prstGeom prst="rect">
             <a:avLst/>
@@ -16473,7 +16541,7 @@
         <p:spPr>
           <a:xfrm>
             <a:off x="396360" y="492480"/>
-            <a:ext cx="11694600" cy="1918440"/>
+            <a:ext cx="11694240" cy="1918440"/>
           </a:xfrm>
           <a:prstGeom prst="rect">
             <a:avLst/>
@@ -16608,7 +16676,7 @@
         <p:spPr>
           <a:xfrm>
             <a:off x="3586320" y="2739240"/>
-            <a:ext cx="5868720" cy="478080"/>
+            <a:ext cx="5868360" cy="477720"/>
           </a:xfrm>
           <a:prstGeom prst="rect">
             <a:avLst/>
@@ -16631,7 +16699,7 @@
         <p:spPr>
           <a:xfrm>
             <a:off x="3587760" y="3741120"/>
-            <a:ext cx="5502960" cy="464040"/>
+            <a:ext cx="5502600" cy="463680"/>
           </a:xfrm>
           <a:prstGeom prst="rect">
             <a:avLst/>
@@ -16650,7 +16718,7 @@
         <p:spPr>
           <a:xfrm>
             <a:off x="773640" y="3218040"/>
-            <a:ext cx="755280" cy="455400"/>
+            <a:ext cx="754920" cy="455400"/>
           </a:xfrm>
           <a:prstGeom prst="rect">
             <a:avLst/>
@@ -16701,7 +16769,7 @@
         <p:spPr>
           <a:xfrm>
             <a:off x="434880" y="4536720"/>
-            <a:ext cx="11522160" cy="1552680"/>
+            <a:ext cx="11521800" cy="1552680"/>
           </a:xfrm>
           <a:prstGeom prst="rect">
             <a:avLst/>
@@ -16846,7 +16914,7 @@
         <p:spPr>
           <a:xfrm>
             <a:off x="1949760" y="196560"/>
-            <a:ext cx="8537760" cy="6449400"/>
+            <a:ext cx="8537400" cy="6449040"/>
           </a:xfrm>
           <a:prstGeom prst="rect">
             <a:avLst/>
@@ -16895,7 +16963,7 @@
         <p:spPr>
           <a:xfrm>
             <a:off x="363600" y="721080"/>
-            <a:ext cx="11071080" cy="821160"/>
+            <a:ext cx="11070720" cy="821160"/>
           </a:xfrm>
           <a:prstGeom prst="rect">
             <a:avLst/>
@@ -16995,8 +17063,8 @@
         </p:nvSpPr>
         <p:spPr>
           <a:xfrm>
-            <a:off x="838080" y="365040"/>
-            <a:ext cx="10514880" cy="1324800"/>
+            <a:off x="502560" y="351360"/>
+            <a:ext cx="10514520" cy="1324440"/>
           </a:xfrm>
           <a:prstGeom prst="rect">
             <a:avLst/>
@@ -17028,6 +17096,7 @@
                   <a:srgbClr val="000000"/>
                 </a:solidFill>
                 <a:latin typeface="Calibri Light"/>
+                <a:ea typeface="DejaVu Sans"/>
               </a:rPr>
               <a:t>1.4 Operadores</a:t>
             </a:r>
@@ -17046,7 +17115,7 @@
         <p:spPr>
           <a:xfrm>
             <a:off x="559080" y="1828800"/>
-            <a:ext cx="10933920" cy="1552680"/>
+            <a:ext cx="10933560" cy="1552680"/>
           </a:xfrm>
           <a:prstGeom prst="rect">
             <a:avLst/>
@@ -17187,7 +17256,7 @@
         <p:spPr>
           <a:xfrm>
             <a:off x="820440" y="0"/>
-            <a:ext cx="10514880" cy="1324800"/>
+            <a:ext cx="10514520" cy="1324440"/>
           </a:xfrm>
           <a:prstGeom prst="rect">
             <a:avLst/>
@@ -17219,6 +17288,7 @@
                   <a:srgbClr val="000000"/>
                 </a:solidFill>
                 <a:latin typeface="Calibri Light"/>
+                <a:ea typeface="DejaVu Sans"/>
               </a:rPr>
               <a:t>Operadores</a:t>
             </a:r>
@@ -17241,7 +17311,7 @@
         <p:spPr>
           <a:xfrm>
             <a:off x="2201040" y="880920"/>
-            <a:ext cx="7754040" cy="5817960"/>
+            <a:ext cx="7753680" cy="5817600"/>
           </a:xfrm>
           <a:prstGeom prst="rect">
             <a:avLst/>
@@ -17290,7 +17360,7 @@
         <p:spPr>
           <a:xfrm>
             <a:off x="873360" y="0"/>
-            <a:ext cx="10514880" cy="1324800"/>
+            <a:ext cx="10514520" cy="1324440"/>
           </a:xfrm>
           <a:prstGeom prst="rect">
             <a:avLst/>
@@ -17322,6 +17392,7 @@
                   <a:srgbClr val="000000"/>
                 </a:solidFill>
                 <a:latin typeface="Calibri Light"/>
+                <a:ea typeface="DejaVu Sans"/>
               </a:rPr>
               <a:t>Operadores aritméticos</a:t>
             </a:r>
@@ -17344,7 +17415,7 @@
         <p:spPr>
           <a:xfrm>
             <a:off x="2273040" y="908280"/>
-            <a:ext cx="7715520" cy="5816520"/>
+            <a:ext cx="7715160" cy="5816160"/>
           </a:xfrm>
           <a:prstGeom prst="rect">
             <a:avLst/>
@@ -17392,8 +17463,8 @@
         </p:nvSpPr>
         <p:spPr>
           <a:xfrm>
-            <a:off x="838080" y="365040"/>
-            <a:ext cx="10514880" cy="1324800"/>
+            <a:off x="645480" y="360000"/>
+            <a:ext cx="10514520" cy="1324440"/>
           </a:xfrm>
           <a:prstGeom prst="rect">
             <a:avLst/>
@@ -17420,15 +17491,16 @@
               </a:lnSpc>
             </a:pPr>
             <a:r>
-              <a:rPr b="0" lang="es-MX" sz="4400" spc="-1" strike="noStrike">
+              <a:rPr b="0" lang="es-MX" sz="4000" spc="-1" strike="noStrike">
                 <a:solidFill>
                   <a:srgbClr val="000000"/>
                 </a:solidFill>
                 <a:latin typeface="Calibri Light"/>
+                <a:ea typeface="DejaVu Sans"/>
               </a:rPr>
               <a:t>Ejemplo 10</a:t>
             </a:r>
-            <a:endParaRPr b="0" lang="es-MX" sz="4400" spc="-1" strike="noStrike">
+            <a:endParaRPr b="0" lang="es-MX" sz="4000" spc="-1" strike="noStrike">
               <a:latin typeface="Arial"/>
             </a:endParaRPr>
           </a:p>
@@ -17447,7 +17519,7 @@
         <p:spPr>
           <a:xfrm>
             <a:off x="3707640" y="365040"/>
-            <a:ext cx="8323560" cy="6251400"/>
+            <a:ext cx="8323200" cy="6251040"/>
           </a:xfrm>
           <a:prstGeom prst="rect">
             <a:avLst/>
@@ -17495,8 +17567,8 @@
         </p:nvSpPr>
         <p:spPr>
           <a:xfrm>
-            <a:off x="838080" y="365040"/>
-            <a:ext cx="10514880" cy="1324800"/>
+            <a:off x="677160" y="351720"/>
+            <a:ext cx="10514520" cy="1324440"/>
           </a:xfrm>
           <a:prstGeom prst="rect">
             <a:avLst/>
@@ -17523,15 +17595,16 @@
               </a:lnSpc>
             </a:pPr>
             <a:r>
-              <a:rPr b="0" lang="es-MX" sz="4400" spc="-1" strike="noStrike">
+              <a:rPr b="0" lang="es-MX" sz="4000" spc="-1" strike="noStrike">
                 <a:solidFill>
                   <a:srgbClr val="000000"/>
                 </a:solidFill>
                 <a:latin typeface="Calibri Light"/>
+                <a:ea typeface="DejaVu Sans"/>
               </a:rPr>
               <a:t>Ejemplo 11</a:t>
             </a:r>
-            <a:endParaRPr b="0" lang="es-MX" sz="4400" spc="-1" strike="noStrike">
+            <a:endParaRPr b="0" lang="es-MX" sz="4000" spc="-1" strike="noStrike">
               <a:latin typeface="Arial"/>
             </a:endParaRPr>
           </a:p>
@@ -17550,7 +17623,7 @@
         <p:spPr>
           <a:xfrm>
             <a:off x="3632400" y="365040"/>
-            <a:ext cx="8434800" cy="6246000"/>
+            <a:ext cx="8434440" cy="6245640"/>
           </a:xfrm>
           <a:prstGeom prst="rect">
             <a:avLst/>
@@ -17599,7 +17672,7 @@
         <p:spPr>
           <a:xfrm>
             <a:off x="838080" y="0"/>
-            <a:ext cx="10514880" cy="1324800"/>
+            <a:ext cx="10514520" cy="1324440"/>
           </a:xfrm>
           <a:prstGeom prst="rect">
             <a:avLst/>
@@ -17631,6 +17704,7 @@
                   <a:srgbClr val="000000"/>
                 </a:solidFill>
                 <a:latin typeface="Calibri Light"/>
+                <a:ea typeface="DejaVu Sans"/>
               </a:rPr>
               <a:t>Operadores unarios</a:t>
             </a:r>
@@ -17653,7 +17727,7 @@
         <p:spPr>
           <a:xfrm>
             <a:off x="2176200" y="873000"/>
-            <a:ext cx="7839360" cy="5843520"/>
+            <a:ext cx="7839000" cy="5843160"/>
           </a:xfrm>
           <a:prstGeom prst="rect">
             <a:avLst/>
@@ -17695,61 +17769,14 @@
       </p:grpSpPr>
       <p:sp>
         <p:nvSpPr>
-          <p:cNvPr id="211" name="TextShape 1"/>
-          <p:cNvSpPr txBox="1"/>
-          <p:nvPr/>
-        </p:nvSpPr>
-        <p:spPr>
-          <a:xfrm>
-            <a:off x="838080" y="0"/>
-            <a:ext cx="10515240" cy="1325160"/>
-          </a:xfrm>
-          <a:prstGeom prst="rect">
-            <a:avLst/>
-          </a:prstGeom>
-          <a:noFill/>
-          <a:ln w="0">
-            <a:noFill/>
-          </a:ln>
-        </p:spPr>
-        <p:txBody>
-          <a:bodyPr anchor="ctr">
-            <a:noAutofit/>
-          </a:bodyPr>
-          <a:p>
-            <a:pPr>
-              <a:lnSpc>
-                <a:spcPct val="90000"/>
-              </a:lnSpc>
-            </a:pPr>
-            <a:r>
-              <a:rPr b="0" lang="es-MX" sz="3200" spc="-1" strike="noStrike">
-                <a:solidFill>
-                  <a:srgbClr val="000000"/>
-                </a:solidFill>
-                <a:latin typeface="Calibri Light"/>
-              </a:rPr>
-              <a:t>1.1.2 Uso de identificadores. Palabras reservadas</a:t>
-            </a:r>
-            <a:endParaRPr b="0" lang="es-MX" sz="3200" spc="-1" strike="noStrike">
-              <a:solidFill>
-                <a:srgbClr val="000000"/>
-              </a:solidFill>
-              <a:latin typeface="Calibri"/>
-            </a:endParaRPr>
-          </a:p>
-        </p:txBody>
-      </p:sp>
-      <p:sp>
-        <p:nvSpPr>
-          <p:cNvPr id="212" name="CustomShape 2"/>
+          <p:cNvPr id="208" name="CustomShape 1"/>
           <p:cNvSpPr/>
           <p:nvPr/>
         </p:nvSpPr>
         <p:spPr>
           <a:xfrm>
-            <a:off x="803880" y="1385280"/>
-            <a:ext cx="10199880" cy="699480"/>
+            <a:off x="838080" y="0"/>
+            <a:ext cx="10514880" cy="1324800"/>
           </a:xfrm>
           <a:prstGeom prst="rect">
             <a:avLst/>
@@ -17766,59 +17793,40 @@
           <a:fontRef idx="minor"/>
         </p:style>
         <p:txBody>
-          <a:bodyPr wrap="none" lIns="90000" rIns="90000" tIns="45000" bIns="45000">
-            <a:spAutoFit/>
-          </a:bodyPr>
-          <a:p>
-            <a:pPr>
-              <a:lnSpc>
-                <a:spcPct val="100000"/>
-              </a:lnSpc>
-            </a:pPr>
-            <a:r>
-              <a:rPr b="0" lang="es-MX" sz="2000" spc="-1" strike="noStrike">
-                <a:solidFill>
-                  <a:srgbClr val="000000"/>
-                </a:solidFill>
-                <a:latin typeface="Calibri"/>
-              </a:rPr>
-              <a:t>En cada lenguaje de programación existe un conjunto de palabras reservadas </a:t>
-            </a:r>
-            <a:endParaRPr b="0" lang="es-MX" sz="2000" spc="-1" strike="noStrike">
-              <a:latin typeface="Arial"/>
-            </a:endParaRPr>
-          </a:p>
-          <a:p>
-            <a:pPr>
-              <a:lnSpc>
-                <a:spcPct val="100000"/>
-              </a:lnSpc>
-            </a:pPr>
-            <a:r>
-              <a:rPr b="0" lang="es-MX" sz="2000" spc="-1" strike="noStrike">
-                <a:solidFill>
-                  <a:srgbClr val="000000"/>
-                </a:solidFill>
-                <a:latin typeface="Calibri"/>
-              </a:rPr>
-              <a:t>que no pueden ser utilizadas como identificadores.</a:t>
-            </a:r>
-            <a:endParaRPr b="0" lang="es-MX" sz="2000" spc="-1" strike="noStrike">
-              <a:latin typeface="Arial"/>
-            </a:endParaRPr>
-          </a:p>
-        </p:txBody>
-      </p:sp>
-      <p:sp>
-        <p:nvSpPr>
-          <p:cNvPr id="213" name="CustomShape 3"/>
+          <a:bodyPr lIns="90000" rIns="90000" tIns="45000" bIns="45000" anchor="ctr">
+            <a:noAutofit/>
+          </a:bodyPr>
+          <a:p>
+            <a:pPr>
+              <a:lnSpc>
+                <a:spcPct val="90000"/>
+              </a:lnSpc>
+            </a:pPr>
+            <a:r>
+              <a:rPr b="0" lang="es-MX" sz="3200" spc="-1" strike="noStrike">
+                <a:solidFill>
+                  <a:srgbClr val="000000"/>
+                </a:solidFill>
+                <a:latin typeface="Calibri Light"/>
+              </a:rPr>
+              <a:t>1.1.2 Uso de identificadores. Palabras reservadas</a:t>
+            </a:r>
+            <a:endParaRPr b="0" lang="es-MX" sz="3200" spc="-1" strike="noStrike">
+              <a:latin typeface="Arial"/>
+            </a:endParaRPr>
+          </a:p>
+        </p:txBody>
+      </p:sp>
+      <p:sp>
+        <p:nvSpPr>
+          <p:cNvPr id="209" name="CustomShape 2"/>
           <p:cNvSpPr/>
           <p:nvPr/>
         </p:nvSpPr>
         <p:spPr>
           <a:xfrm>
-            <a:off x="3509640" y="5063760"/>
-            <a:ext cx="4649400" cy="394920"/>
+            <a:off x="803880" y="1385280"/>
+            <a:ext cx="10199520" cy="699480"/>
           </a:xfrm>
           <a:prstGeom prst="rect">
             <a:avLst/>
@@ -17850,6 +17858,78 @@
                   <a:srgbClr val="000000"/>
                 </a:solidFill>
                 <a:latin typeface="Calibri"/>
+                <a:ea typeface="DejaVu Sans"/>
+              </a:rPr>
+              <a:t>En cada lenguaje de programación existe un conjunto de palabras reservadas </a:t>
+            </a:r>
+            <a:endParaRPr b="0" lang="es-MX" sz="2000" spc="-1" strike="noStrike">
+              <a:latin typeface="Arial"/>
+            </a:endParaRPr>
+          </a:p>
+          <a:p>
+            <a:pPr>
+              <a:lnSpc>
+                <a:spcPct val="100000"/>
+              </a:lnSpc>
+            </a:pPr>
+            <a:r>
+              <a:rPr b="0" lang="es-MX" sz="2000" spc="-1" strike="noStrike">
+                <a:solidFill>
+                  <a:srgbClr val="000000"/>
+                </a:solidFill>
+                <a:latin typeface="Calibri"/>
+                <a:ea typeface="DejaVu Sans"/>
+              </a:rPr>
+              <a:t>que no pueden ser utilizadas como identificadores.</a:t>
+            </a:r>
+            <a:endParaRPr b="0" lang="es-MX" sz="2000" spc="-1" strike="noStrike">
+              <a:latin typeface="Arial"/>
+            </a:endParaRPr>
+          </a:p>
+        </p:txBody>
+      </p:sp>
+      <p:sp>
+        <p:nvSpPr>
+          <p:cNvPr id="210" name="CustomShape 3"/>
+          <p:cNvSpPr/>
+          <p:nvPr/>
+        </p:nvSpPr>
+        <p:spPr>
+          <a:xfrm>
+            <a:off x="3509640" y="5063760"/>
+            <a:ext cx="4649040" cy="394560"/>
+          </a:xfrm>
+          <a:prstGeom prst="rect">
+            <a:avLst/>
+          </a:prstGeom>
+          <a:noFill/>
+          <a:ln w="0">
+            <a:noFill/>
+          </a:ln>
+        </p:spPr>
+        <p:style>
+          <a:lnRef idx="0"/>
+          <a:fillRef idx="0"/>
+          <a:effectRef idx="0"/>
+          <a:fontRef idx="minor"/>
+        </p:style>
+        <p:txBody>
+          <a:bodyPr wrap="none" lIns="90000" rIns="90000" tIns="45000" bIns="45000">
+            <a:spAutoFit/>
+          </a:bodyPr>
+          <a:p>
+            <a:pPr>
+              <a:lnSpc>
+                <a:spcPct val="100000"/>
+              </a:lnSpc>
+            </a:pPr>
+            <a:r>
+              <a:rPr b="0" lang="es-MX" sz="2000" spc="-1" strike="noStrike">
+                <a:solidFill>
+                  <a:srgbClr val="000000"/>
+                </a:solidFill>
+                <a:latin typeface="Calibri"/>
+                <a:ea typeface="DejaVu Sans"/>
               </a:rPr>
               <a:t>Palabras reservadas del lenguaje C</a:t>
             </a:r>
@@ -17861,7 +17941,7 @@
       </p:sp>
       <p:pic>
         <p:nvPicPr>
-          <p:cNvPr id="214" name="Imagen 2_1" descr=""/>
+          <p:cNvPr id="211" name="Imagen 2_1" descr=""/>
           <p:cNvPicPr/>
           <p:nvPr/>
         </p:nvPicPr>
@@ -17872,7 +17952,7 @@
         <p:spPr>
           <a:xfrm>
             <a:off x="1133640" y="3408840"/>
-            <a:ext cx="9924120" cy="954360"/>
+            <a:ext cx="9923760" cy="954000"/>
           </a:xfrm>
           <a:prstGeom prst="rect">
             <a:avLst/>
@@ -17884,7 +17964,7 @@
       </p:pic>
       <p:pic>
         <p:nvPicPr>
-          <p:cNvPr id="215" name="Imagen 6_2" descr=""/>
+          <p:cNvPr id="212" name="Imagen 6_2" descr=""/>
           <p:cNvPicPr/>
           <p:nvPr/>
         </p:nvPicPr>
@@ -17896,7 +17976,7 @@
         <p:spPr>
           <a:xfrm>
             <a:off x="1133640" y="4278600"/>
-            <a:ext cx="9924120" cy="651600"/>
+            <a:ext cx="9923760" cy="651240"/>
           </a:xfrm>
           <a:prstGeom prst="rect">
             <a:avLst/>
@@ -17908,7 +17988,7 @@
       </p:pic>
       <p:pic>
         <p:nvPicPr>
-          <p:cNvPr id="216" name="Imagen 4_2" descr=""/>
+          <p:cNvPr id="213" name="Imagen 4_2" descr=""/>
           <p:cNvPicPr/>
           <p:nvPr/>
         </p:nvPicPr>
@@ -17919,7 +17999,7 @@
         <p:spPr>
           <a:xfrm>
             <a:off x="849600" y="2160720"/>
-            <a:ext cx="10130400" cy="1032120"/>
+            <a:ext cx="10130040" cy="1031760"/>
           </a:xfrm>
           <a:prstGeom prst="rect">
             <a:avLst/>
@@ -17967,8 +18047,8 @@
         </p:nvSpPr>
         <p:spPr>
           <a:xfrm>
-            <a:off x="838080" y="365040"/>
-            <a:ext cx="10514880" cy="1324800"/>
+            <a:off x="650160" y="378360"/>
+            <a:ext cx="10514520" cy="1324440"/>
           </a:xfrm>
           <a:prstGeom prst="rect">
             <a:avLst/>
@@ -17995,15 +18075,16 @@
               </a:lnSpc>
             </a:pPr>
             <a:r>
-              <a:rPr b="0" lang="es-MX" sz="4400" spc="-1" strike="noStrike">
+              <a:rPr b="0" lang="es-MX" sz="4000" spc="-1" strike="noStrike">
                 <a:solidFill>
                   <a:srgbClr val="000000"/>
                 </a:solidFill>
                 <a:latin typeface="Calibri Light"/>
+                <a:ea typeface="DejaVu Sans"/>
               </a:rPr>
               <a:t>Ejemplo 12</a:t>
             </a:r>
-            <a:endParaRPr b="0" lang="es-MX" sz="4400" spc="-1" strike="noStrike">
+            <a:endParaRPr b="0" lang="es-MX" sz="4000" spc="-1" strike="noStrike">
               <a:latin typeface="Arial"/>
             </a:endParaRPr>
           </a:p>
@@ -18022,7 +18103,7 @@
         <p:spPr>
           <a:xfrm>
             <a:off x="3638520" y="365040"/>
-            <a:ext cx="8266320" cy="6176160"/>
+            <a:ext cx="8265960" cy="6175800"/>
           </a:xfrm>
           <a:prstGeom prst="rect">
             <a:avLst/>
@@ -18071,7 +18152,7 @@
         <p:spPr>
           <a:xfrm>
             <a:off x="838080" y="0"/>
-            <a:ext cx="10514880" cy="1324800"/>
+            <a:ext cx="10514520" cy="1324440"/>
           </a:xfrm>
           <a:prstGeom prst="rect">
             <a:avLst/>
@@ -18103,6 +18184,7 @@
                   <a:srgbClr val="000000"/>
                 </a:solidFill>
                 <a:latin typeface="Calibri Light"/>
+                <a:ea typeface="DejaVu Sans"/>
               </a:rPr>
               <a:t>Lo que C considera verdadero</a:t>
             </a:r>
@@ -18125,7 +18207,7 @@
         <p:spPr>
           <a:xfrm>
             <a:off x="2190600" y="903240"/>
-            <a:ext cx="7810200" cy="5760360"/>
+            <a:ext cx="7809840" cy="5760000"/>
           </a:xfrm>
           <a:prstGeom prst="rect">
             <a:avLst/>
@@ -18174,7 +18256,7 @@
         <p:spPr>
           <a:xfrm>
             <a:off x="873360" y="0"/>
-            <a:ext cx="10514880" cy="1324800"/>
+            <a:ext cx="10514520" cy="1324440"/>
           </a:xfrm>
           <a:prstGeom prst="rect">
             <a:avLst/>
@@ -18206,6 +18288,7 @@
                   <a:srgbClr val="000000"/>
                 </a:solidFill>
                 <a:latin typeface="Calibri Light"/>
+                <a:ea typeface="DejaVu Sans"/>
               </a:rPr>
               <a:t>Operadores de comparación</a:t>
             </a:r>
@@ -18228,7 +18311,7 @@
         <p:spPr>
           <a:xfrm>
             <a:off x="2236320" y="898560"/>
-            <a:ext cx="7788960" cy="5828040"/>
+            <a:ext cx="7788600" cy="5827680"/>
           </a:xfrm>
           <a:prstGeom prst="rect">
             <a:avLst/>
@@ -18277,7 +18360,7 @@
         <p:spPr>
           <a:xfrm>
             <a:off x="838080" y="0"/>
-            <a:ext cx="10514880" cy="1324800"/>
+            <a:ext cx="10514520" cy="1324440"/>
           </a:xfrm>
           <a:prstGeom prst="rect">
             <a:avLst/>
@@ -18309,6 +18392,7 @@
                   <a:srgbClr val="000000"/>
                 </a:solidFill>
                 <a:latin typeface="Calibri Light"/>
+                <a:ea typeface="DejaVu Sans"/>
               </a:rPr>
               <a:t>Operadores lógicos</a:t>
             </a:r>
@@ -18331,7 +18415,7 @@
         <p:spPr>
           <a:xfrm>
             <a:off x="2210040" y="890640"/>
-            <a:ext cx="7771320" cy="5793120"/>
+            <a:ext cx="7770960" cy="5792760"/>
           </a:xfrm>
           <a:prstGeom prst="rect">
             <a:avLst/>
@@ -18380,7 +18464,7 @@
         <p:spPr>
           <a:xfrm>
             <a:off x="838080" y="0"/>
-            <a:ext cx="10514880" cy="1324800"/>
+            <a:ext cx="10514520" cy="1324440"/>
           </a:xfrm>
           <a:prstGeom prst="rect">
             <a:avLst/>
@@ -18412,6 +18496,7 @@
                   <a:srgbClr val="000000"/>
                 </a:solidFill>
                 <a:latin typeface="Calibri Light"/>
+                <a:ea typeface="DejaVu Sans"/>
               </a:rPr>
               <a:t>C garantiza acerca de operadores lógicos</a:t>
             </a:r>
@@ -18434,7 +18519,7 @@
         <p:spPr>
           <a:xfrm>
             <a:off x="2268360" y="927360"/>
-            <a:ext cx="7654320" cy="5718960"/>
+            <a:ext cx="7653960" cy="5718600"/>
           </a:xfrm>
           <a:prstGeom prst="rect">
             <a:avLst/>
@@ -18483,7 +18568,7 @@
         <p:spPr>
           <a:xfrm>
             <a:off x="838080" y="0"/>
-            <a:ext cx="10514880" cy="1324800"/>
+            <a:ext cx="10514520" cy="1324440"/>
           </a:xfrm>
           <a:prstGeom prst="rect">
             <a:avLst/>
@@ -18515,6 +18600,7 @@
                   <a:srgbClr val="000000"/>
                 </a:solidFill>
                 <a:latin typeface="Calibri Light"/>
+                <a:ea typeface="DejaVu Sans"/>
               </a:rPr>
               <a:t>¡Advertencia!</a:t>
             </a:r>
@@ -18537,7 +18623,7 @@
         <p:spPr>
           <a:xfrm>
             <a:off x="2273760" y="927360"/>
-            <a:ext cx="7643520" cy="5662800"/>
+            <a:ext cx="7643160" cy="5662440"/>
           </a:xfrm>
           <a:prstGeom prst="rect">
             <a:avLst/>
@@ -18586,7 +18672,7 @@
         <p:spPr>
           <a:xfrm>
             <a:off x="803160" y="0"/>
-            <a:ext cx="10514880" cy="1324800"/>
+            <a:ext cx="10514520" cy="1324440"/>
           </a:xfrm>
           <a:prstGeom prst="rect">
             <a:avLst/>
@@ -18618,6 +18704,7 @@
                   <a:srgbClr val="000000"/>
                 </a:solidFill>
                 <a:latin typeface="Calibri Light"/>
+                <a:ea typeface="DejaVu Sans"/>
               </a:rPr>
               <a:t>Operadores a nivel de bits</a:t>
             </a:r>
@@ -18640,7 +18727,7 @@
         <p:spPr>
           <a:xfrm>
             <a:off x="2189880" y="880920"/>
-            <a:ext cx="7741080" cy="5783760"/>
+            <a:ext cx="7740720" cy="5783400"/>
           </a:xfrm>
           <a:prstGeom prst="rect">
             <a:avLst/>
@@ -18689,7 +18776,7 @@
         <p:spPr>
           <a:xfrm>
             <a:off x="855720" y="0"/>
-            <a:ext cx="10514880" cy="1324800"/>
+            <a:ext cx="10514520" cy="1324440"/>
           </a:xfrm>
           <a:prstGeom prst="rect">
             <a:avLst/>
@@ -18721,6 +18808,7 @@
                   <a:srgbClr val="000000"/>
                 </a:solidFill>
                 <a:latin typeface="Calibri Light"/>
+                <a:ea typeface="DejaVu Sans"/>
               </a:rPr>
               <a:t>Ejemplo 13</a:t>
             </a:r>
@@ -18743,7 +18831,7 @@
         <p:spPr>
           <a:xfrm>
             <a:off x="2265120" y="895320"/>
-            <a:ext cx="7696080" cy="5734080"/>
+            <a:ext cx="7695720" cy="5733720"/>
           </a:xfrm>
           <a:prstGeom prst="rect">
             <a:avLst/>
@@ -18792,7 +18880,7 @@
         <p:spPr>
           <a:xfrm>
             <a:off x="838080" y="0"/>
-            <a:ext cx="10514880" cy="1324800"/>
+            <a:ext cx="10514520" cy="1324440"/>
           </a:xfrm>
           <a:prstGeom prst="rect">
             <a:avLst/>
@@ -18824,6 +18912,7 @@
                   <a:srgbClr val="000000"/>
                 </a:solidFill>
                 <a:latin typeface="Calibri Light"/>
+                <a:ea typeface="DejaVu Sans"/>
               </a:rPr>
               <a:t>Operador de asignación</a:t>
             </a:r>
@@ -18846,7 +18935,7 @@
         <p:spPr>
           <a:xfrm>
             <a:off x="2145240" y="900000"/>
-            <a:ext cx="7900560" cy="5826600"/>
+            <a:ext cx="7900200" cy="5826240"/>
           </a:xfrm>
           <a:prstGeom prst="rect">
             <a:avLst/>
@@ -18895,7 +18984,7 @@
         <p:spPr>
           <a:xfrm>
             <a:off x="855720" y="0"/>
-            <a:ext cx="10514880" cy="1324800"/>
+            <a:ext cx="10514520" cy="1324440"/>
           </a:xfrm>
           <a:prstGeom prst="rect">
             <a:avLst/>
@@ -18927,6 +19016,7 @@
                   <a:srgbClr val="000000"/>
                 </a:solidFill>
                 <a:latin typeface="Calibri Light"/>
+                <a:ea typeface="DejaVu Sans"/>
               </a:rPr>
               <a:t>Advertencia</a:t>
             </a:r>
@@ -18949,7 +19039,7 @@
         <p:spPr>
           <a:xfrm>
             <a:off x="2187720" y="909720"/>
-            <a:ext cx="7850880" cy="5824440"/>
+            <a:ext cx="7850520" cy="5824080"/>
           </a:xfrm>
           <a:prstGeom prst="rect">
             <a:avLst/>
@@ -18991,14 +19081,14 @@
       </p:grpSpPr>
       <p:sp>
         <p:nvSpPr>
-          <p:cNvPr id="217" name="TextShape 1"/>
-          <p:cNvSpPr txBox="1"/>
+          <p:cNvPr id="214" name="CustomShape 1"/>
+          <p:cNvSpPr/>
           <p:nvPr/>
         </p:nvSpPr>
         <p:spPr>
           <a:xfrm>
             <a:off x="838080" y="0"/>
-            <a:ext cx="10515240" cy="1325160"/>
+            <a:ext cx="10514880" cy="1324800"/>
           </a:xfrm>
           <a:prstGeom prst="rect">
             <a:avLst/>
@@ -19008,8 +19098,14 @@
             <a:noFill/>
           </a:ln>
         </p:spPr>
-        <p:txBody>
-          <a:bodyPr anchor="ctr">
+        <p:style>
+          <a:lnRef idx="0"/>
+          <a:fillRef idx="0"/>
+          <a:effectRef idx="0"/>
+          <a:fontRef idx="minor"/>
+        </p:style>
+        <p:txBody>
+          <a:bodyPr lIns="90000" rIns="90000" tIns="45000" bIns="45000" anchor="ctr">
             <a:noAutofit/>
           </a:bodyPr>
           <a:p>
@@ -19028,17 +19124,14 @@
               <a:t>1.1.3 Construcción de un programa en C</a:t>
             </a:r>
             <a:endParaRPr b="0" lang="es-MX" sz="4000" spc="-1" strike="noStrike">
-              <a:solidFill>
-                <a:srgbClr val="000000"/>
-              </a:solidFill>
-              <a:latin typeface="Calibri"/>
+              <a:latin typeface="Arial"/>
             </a:endParaRPr>
           </a:p>
         </p:txBody>
       </p:sp>
       <p:pic>
         <p:nvPicPr>
-          <p:cNvPr id="218" name="Imagen 3_2" descr=""/>
+          <p:cNvPr id="215" name="Imagen 3_2" descr=""/>
           <p:cNvPicPr/>
           <p:nvPr/>
         </p:nvPicPr>
@@ -19049,7 +19142,7 @@
         <p:spPr>
           <a:xfrm>
             <a:off x="682200" y="1137600"/>
-            <a:ext cx="10907640" cy="2529360"/>
+            <a:ext cx="10907280" cy="2529000"/>
           </a:xfrm>
           <a:prstGeom prst="rect">
             <a:avLst/>
@@ -19061,14 +19154,14 @@
       </p:pic>
       <p:sp>
         <p:nvSpPr>
-          <p:cNvPr id="219" name="CustomShape 2"/>
+          <p:cNvPr id="216" name="CustomShape 2"/>
           <p:cNvSpPr/>
           <p:nvPr/>
         </p:nvSpPr>
         <p:spPr>
           <a:xfrm>
             <a:off x="577440" y="3855240"/>
-            <a:ext cx="11158560" cy="1613160"/>
+            <a:ext cx="11158200" cy="1614240"/>
           </a:xfrm>
           <a:prstGeom prst="rect">
             <a:avLst/>
@@ -19100,6 +19193,7 @@
                   <a:srgbClr val="000000"/>
                 </a:solidFill>
                 <a:latin typeface="Calibri"/>
+                <a:ea typeface="DejaVu Sans"/>
               </a:rPr>
               <a:t>La forma en que se realizan los pasos indicados en esta figura depende del entorno </a:t>
             </a:r>
@@ -19119,6 +19213,7 @@
                   <a:srgbClr val="000000"/>
                 </a:solidFill>
                 <a:latin typeface="Calibri"/>
+                <a:ea typeface="DejaVu Sans"/>
               </a:rPr>
               <a:t>de desarrollo utilizado. En muchas ocasiones se utilzan entornos de desarrollo </a:t>
             </a:r>
@@ -19138,6 +19233,7 @@
                   <a:srgbClr val="000000"/>
                 </a:solidFill>
                 <a:latin typeface="Calibri"/>
+                <a:ea typeface="DejaVu Sans"/>
               </a:rPr>
               <a:t>Integrados o IDEs (Integrated Development Environment). Algunos ejemplos de IDEs  </a:t>
             </a:r>
@@ -19157,6 +19253,7 @@
                   <a:srgbClr val="000000"/>
                 </a:solidFill>
                 <a:latin typeface="Calibri"/>
+                <a:ea typeface="DejaVu Sans"/>
               </a:rPr>
               <a:t>son: DevCpp, CodeBlocks, Visual Studio Code. Aunque también se pueden utilizar las </a:t>
             </a:r>
@@ -19176,6 +19273,7 @@
                   <a:srgbClr val="000000"/>
                 </a:solidFill>
                 <a:latin typeface="Calibri"/>
+                <a:ea typeface="DejaVu Sans"/>
               </a:rPr>
               <a:t>herramientas de desarrollo directamente en un entorno de línea de comandos.</a:t>
             </a:r>
@@ -19224,7 +19322,7 @@
         <p:spPr>
           <a:xfrm>
             <a:off x="838080" y="0"/>
-            <a:ext cx="10514880" cy="1324800"/>
+            <a:ext cx="10514520" cy="1324440"/>
           </a:xfrm>
           <a:prstGeom prst="rect">
             <a:avLst/>
@@ -19256,6 +19354,7 @@
                   <a:srgbClr val="000000"/>
                 </a:solidFill>
                 <a:latin typeface="Calibri Light"/>
+                <a:ea typeface="DejaVu Sans"/>
               </a:rPr>
               <a:t>Otros operadores de asignación</a:t>
             </a:r>
@@ -19278,7 +19377,7 @@
         <p:spPr>
           <a:xfrm>
             <a:off x="2221920" y="905040"/>
-            <a:ext cx="7747560" cy="5758920"/>
+            <a:ext cx="7747200" cy="5758560"/>
           </a:xfrm>
           <a:prstGeom prst="rect">
             <a:avLst/>
@@ -19327,7 +19426,7 @@
         <p:spPr>
           <a:xfrm>
             <a:off x="803160" y="0"/>
-            <a:ext cx="10514880" cy="1324800"/>
+            <a:ext cx="10514520" cy="1324440"/>
           </a:xfrm>
           <a:prstGeom prst="rect">
             <a:avLst/>
@@ -19359,6 +19458,7 @@
                   <a:srgbClr val="000000"/>
                 </a:solidFill>
                 <a:latin typeface="Calibri Light"/>
+                <a:ea typeface="DejaVu Sans"/>
               </a:rPr>
               <a:t>Operador sizeof</a:t>
             </a:r>
@@ -19369,6 +19469,7 @@
                   <a:srgbClr val="000000"/>
                 </a:solidFill>
                 <a:latin typeface="Calibri Light"/>
+                <a:ea typeface="DejaVu Sans"/>
               </a:rPr>
               <a:t>Ejemplo 14</a:t>
             </a:r>
@@ -19391,7 +19492,7 @@
         <p:spPr>
           <a:xfrm>
             <a:off x="3884400" y="580320"/>
-            <a:ext cx="8067960" cy="6030720"/>
+            <a:ext cx="8067600" cy="6030360"/>
           </a:xfrm>
           <a:prstGeom prst="rect">
             <a:avLst/>
@@ -19440,7 +19541,7 @@
         <p:spPr>
           <a:xfrm>
             <a:off x="855720" y="0"/>
-            <a:ext cx="10514880" cy="1324800"/>
+            <a:ext cx="10514520" cy="1324440"/>
           </a:xfrm>
           <a:prstGeom prst="rect">
             <a:avLst/>
@@ -19472,6 +19573,7 @@
                   <a:srgbClr val="000000"/>
                 </a:solidFill>
                 <a:latin typeface="Calibri Light"/>
+                <a:ea typeface="DejaVu Sans"/>
               </a:rPr>
               <a:t>Operador de expresión condicional</a:t>
             </a:r>
@@ -19494,7 +19596,7 @@
         <p:spPr>
           <a:xfrm>
             <a:off x="2278800" y="992880"/>
-            <a:ext cx="7547760" cy="5618160"/>
+            <a:ext cx="7547400" cy="5617800"/>
           </a:xfrm>
           <a:prstGeom prst="rect">
             <a:avLst/>
@@ -19543,7 +19645,7 @@
         <p:spPr>
           <a:xfrm>
             <a:off x="838080" y="0"/>
-            <a:ext cx="10514880" cy="1324800"/>
+            <a:ext cx="10514520" cy="1324440"/>
           </a:xfrm>
           <a:prstGeom prst="rect">
             <a:avLst/>
@@ -19575,6 +19677,7 @@
                   <a:srgbClr val="000000"/>
                 </a:solidFill>
                 <a:latin typeface="Calibri Light"/>
+                <a:ea typeface="DejaVu Sans"/>
               </a:rPr>
               <a:t>Precedencia de operadores</a:t>
             </a:r>
@@ -19597,7 +19700,7 @@
         <p:spPr>
           <a:xfrm>
             <a:off x="2226600" y="927360"/>
-            <a:ext cx="7737840" cy="5781600"/>
+            <a:ext cx="7737480" cy="5781240"/>
           </a:xfrm>
           <a:prstGeom prst="rect">
             <a:avLst/>
@@ -19646,7 +19749,7 @@
         <p:spPr>
           <a:xfrm>
             <a:off x="855720" y="0"/>
-            <a:ext cx="10514880" cy="1324800"/>
+            <a:ext cx="10514520" cy="1324440"/>
           </a:xfrm>
           <a:prstGeom prst="rect">
             <a:avLst/>
@@ -19678,6 +19781,7 @@
                   <a:srgbClr val="000000"/>
                 </a:solidFill>
                 <a:latin typeface="Calibri Light"/>
+                <a:ea typeface="DejaVu Sans"/>
               </a:rPr>
               <a:t>Asociatividad de operadores</a:t>
             </a:r>
@@ -19700,7 +19804,7 @@
         <p:spPr>
           <a:xfrm>
             <a:off x="2261160" y="935280"/>
-            <a:ext cx="7704360" cy="5745600"/>
+            <a:ext cx="7704000" cy="5745240"/>
           </a:xfrm>
           <a:prstGeom prst="rect">
             <a:avLst/>
@@ -19749,7 +19853,7 @@
         <p:spPr>
           <a:xfrm>
             <a:off x="803160" y="0"/>
-            <a:ext cx="10514880" cy="1324800"/>
+            <a:ext cx="10514520" cy="1324440"/>
           </a:xfrm>
           <a:prstGeom prst="rect">
             <a:avLst/>
@@ -19781,6 +19885,7 @@
                   <a:srgbClr val="000000"/>
                 </a:solidFill>
                 <a:latin typeface="Calibri Light"/>
+                <a:ea typeface="DejaVu Sans"/>
               </a:rPr>
               <a:t>Tabla de precedencia/asociatividad</a:t>
             </a:r>
@@ -19803,7 +19908,7 @@
         <p:spPr>
           <a:xfrm>
             <a:off x="2172600" y="871560"/>
-            <a:ext cx="7775640" cy="5743440"/>
+            <a:ext cx="7775280" cy="5743080"/>
           </a:xfrm>
           <a:prstGeom prst="rect">
             <a:avLst/>
@@ -19852,7 +19957,7 @@
         <p:spPr>
           <a:xfrm>
             <a:off x="464760" y="0"/>
-            <a:ext cx="10514880" cy="1324800"/>
+            <a:ext cx="10514520" cy="1324440"/>
           </a:xfrm>
           <a:prstGeom prst="rect">
             <a:avLst/>
@@ -19884,6 +19989,7 @@
                   <a:srgbClr val="000000"/>
                 </a:solidFill>
                 <a:latin typeface="Calibri Light"/>
+                <a:ea typeface="DejaVu Sans"/>
               </a:rPr>
               <a:t>Repaso</a:t>
             </a:r>
@@ -19894,6 +20000,7 @@
                   <a:srgbClr val="000000"/>
                 </a:solidFill>
                 <a:latin typeface="Calibri Light"/>
+                <a:ea typeface="DejaVu Sans"/>
               </a:rPr>
               <a:t>Ejemplo 15</a:t>
             </a:r>
@@ -19916,7 +20023,7 @@
         <p:spPr>
           <a:xfrm>
             <a:off x="3473280" y="228600"/>
-            <a:ext cx="8538840" cy="6347160"/>
+            <a:ext cx="8538480" cy="6346800"/>
           </a:xfrm>
           <a:prstGeom prst="rect">
             <a:avLst/>
@@ -19965,7 +20072,7 @@
         <p:spPr>
           <a:xfrm>
             <a:off x="803160" y="-162360"/>
-            <a:ext cx="10514880" cy="1324800"/>
+            <a:ext cx="10514520" cy="1324440"/>
           </a:xfrm>
           <a:prstGeom prst="rect">
             <a:avLst/>
@@ -19997,6 +20104,7 @@
                   <a:srgbClr val="000000"/>
                 </a:solidFill>
                 <a:latin typeface="Calibri Light"/>
+                <a:ea typeface="DejaVu Sans"/>
               </a:rPr>
               <a:t>1.5 Expresiones simples y complejas</a:t>
             </a:r>
@@ -20014,8 +20122,8 @@
         </p:nvSpPr>
         <p:spPr>
           <a:xfrm>
-            <a:off x="855000" y="793800"/>
-            <a:ext cx="11136600" cy="3740760"/>
+            <a:off x="823320" y="793800"/>
+            <a:ext cx="11199600" cy="4210920"/>
           </a:xfrm>
           <a:prstGeom prst="rect">
             <a:avLst/>
@@ -20042,16 +20150,16 @@
               </a:lnSpc>
             </a:pPr>
             <a:r>
-              <a:rPr b="0" lang="es-MX" sz="1600" spc="-1" strike="noStrike">
+              <a:rPr b="0" lang="es-MX" sz="1700" spc="-1" strike="noStrike">
                 <a:solidFill>
                   <a:srgbClr val="000000"/>
                 </a:solidFill>
                 <a:latin typeface="Calibri"/>
                 <a:ea typeface="DejaVu Sans"/>
               </a:rPr>
-              <a:t>Las expresiones (Joyanes Aguilar Luis) son combinaciones de constantes, </a:t>
-            </a:r>
-            <a:endParaRPr b="0" lang="es-MX" sz="1600" spc="-1" strike="noStrike">
+              <a:t>Las expresiones (Joyanes Aguilar Luis) son combinaciones de constantes, variables, símbolos de </a:t>
+            </a:r>
+            <a:endParaRPr b="0" lang="es-MX" sz="1700" spc="-1" strike="noStrike">
               <a:latin typeface="Arial"/>
             </a:endParaRPr>
           </a:p>
@@ -20062,16 +20170,16 @@
               </a:lnSpc>
             </a:pPr>
             <a:r>
-              <a:rPr b="0" lang="es-MX" sz="1600" spc="-1" strike="noStrike">
+              <a:rPr b="0" lang="es-MX" sz="1700" spc="-1" strike="noStrike">
                 <a:solidFill>
                   <a:srgbClr val="000000"/>
                 </a:solidFill>
                 <a:latin typeface="Calibri"/>
                 <a:ea typeface="DejaVu Sans"/>
               </a:rPr>
-              <a:t>variables, símbolos de operación, paréntesis y nombres de funciones </a:t>
-            </a:r>
-            <a:endParaRPr b="0" lang="es-MX" sz="1600" spc="-1" strike="noStrike">
+              <a:t>operación, paréntesis y nombres de funciones especiales.</a:t>
+            </a:r>
+            <a:endParaRPr b="0" lang="es-MX" sz="1700" spc="-1" strike="noStrike">
               <a:latin typeface="Arial"/>
             </a:endParaRPr>
           </a:p>
@@ -20081,17 +20189,27 @@
                 <a:spcPct val="100000"/>
               </a:lnSpc>
             </a:pPr>
-            <a:r>
-              <a:rPr b="0" lang="es-MX" sz="1600" spc="-1" strike="noStrike">
+            <a:endParaRPr b="0" lang="es-MX" sz="1700" spc="-1" strike="noStrike">
+              <a:latin typeface="Arial"/>
+            </a:endParaRPr>
+          </a:p>
+          <a:p>
+            <a:pPr>
+              <a:lnSpc>
+                <a:spcPct val="100000"/>
+              </a:lnSpc>
+            </a:pPr>
+            <a:r>
+              <a:rPr b="0" lang="es-MX" sz="1700" spc="-1" strike="noStrike">
                 <a:solidFill>
                   <a:srgbClr val="000000"/>
                 </a:solidFill>
                 <a:latin typeface="Calibri"/>
                 <a:ea typeface="DejaVu Sans"/>
               </a:rPr>
-              <a:t>especiales.</a:t>
-            </a:r>
-            <a:endParaRPr b="0" lang="es-MX" sz="1600" spc="-1" strike="noStrike">
+              <a:t>En la bibliografía del curso no aparecen los términos ‘expresiones simples’ y ‘expresiones complejas’. </a:t>
+            </a:r>
+            <a:endParaRPr b="0" lang="es-MX" sz="1700" spc="-1" strike="noStrike">
               <a:latin typeface="Arial"/>
             </a:endParaRPr>
           </a:p>
@@ -20102,16 +20220,16 @@
               </a:lnSpc>
             </a:pPr>
             <a:r>
-              <a:rPr b="0" lang="es-MX" sz="1600" spc="-1" strike="noStrike">
+              <a:rPr b="0" lang="es-MX" sz="1700" spc="-1" strike="noStrike">
                 <a:solidFill>
                   <a:srgbClr val="000000"/>
                 </a:solidFill>
                 <a:latin typeface="Calibri"/>
                 <a:ea typeface="DejaVu Sans"/>
               </a:rPr>
-              <a:t>En la bibliografía del curso no aparecen los términos ‘expresiones simples’ </a:t>
-            </a:r>
-            <a:endParaRPr b="0" lang="es-MX" sz="1600" spc="-1" strike="noStrike">
+              <a:t>Tales términos solo me ha sido posible encontrarlos en dos páginas web:</a:t>
+            </a:r>
+            <a:endParaRPr b="0" lang="es-MX" sz="1700" spc="-1" strike="noStrike">
               <a:latin typeface="Arial"/>
             </a:endParaRPr>
           </a:p>
@@ -20121,17 +20239,7 @@
                 <a:spcPct val="100000"/>
               </a:lnSpc>
             </a:pPr>
-            <a:r>
-              <a:rPr b="0" lang="es-MX" sz="1600" spc="-1" strike="noStrike">
-                <a:solidFill>
-                  <a:srgbClr val="000000"/>
-                </a:solidFill>
-                <a:latin typeface="Calibri"/>
-                <a:ea typeface="DejaVu Sans"/>
-              </a:rPr>
-              <a:t>y ‘expresiones complejas’. Tales términos solo me ha sido posible encontrar-</a:t>
-            </a:r>
-            <a:endParaRPr b="0" lang="es-MX" sz="1600" spc="-1" strike="noStrike">
+            <a:endParaRPr b="0" lang="es-MX" sz="1700" spc="-1" strike="noStrike">
               <a:latin typeface="Arial"/>
             </a:endParaRPr>
           </a:p>
@@ -20142,27 +20250,7 @@
               </a:lnSpc>
             </a:pPr>
             <a:r>
-              <a:rPr b="0" lang="es-MX" sz="1600" spc="-1" strike="noStrike">
-                <a:solidFill>
-                  <a:srgbClr val="000000"/>
-                </a:solidFill>
-                <a:latin typeface="Calibri"/>
-                <a:ea typeface="DejaVu Sans"/>
-              </a:rPr>
-              <a:t>los en dos páginas web:</a:t>
-            </a:r>
-            <a:endParaRPr b="0" lang="es-MX" sz="1600" spc="-1" strike="noStrike">
-              <a:latin typeface="Arial"/>
-            </a:endParaRPr>
-          </a:p>
-          <a:p>
-            <a:pPr>
-              <a:lnSpc>
-                <a:spcPct val="100000"/>
-              </a:lnSpc>
-            </a:pPr>
-            <a:r>
-              <a:rPr b="0" lang="es-MX" sz="1600" spc="-1" strike="noStrike" u="sng">
+              <a:rPr b="0" lang="es-MX" sz="1700" spc="-1" strike="noStrike" u="sng">
                 <a:solidFill>
                   <a:srgbClr val="0563c1"/>
                 </a:solidFill>
@@ -20174,7 +20262,7 @@
               <a:t>https://newsandstory.com/story/s7mszmn/Expressions-and-its-uses-in-C-program-module-11-</a:t>
             </a:r>
             <a:r>
-              <a:rPr b="0" lang="es-MX" sz="1600" spc="-1" strike="noStrike" u="sng">
+              <a:rPr b="0" lang="es-MX" sz="1700" spc="-1" strike="noStrike" u="sng">
                 <a:solidFill>
                   <a:srgbClr val="0563c1"/>
                 </a:solidFill>
@@ -20185,7 +20273,7 @@
               </a:rPr>
               <a:t>/</a:t>
             </a:r>
-            <a:endParaRPr b="0" lang="es-MX" sz="1600" spc="-1" strike="noStrike">
+            <a:endParaRPr b="0" lang="es-MX" sz="1700" spc="-1" strike="noStrike">
               <a:latin typeface="Arial"/>
             </a:endParaRPr>
           </a:p>
@@ -20196,7 +20284,7 @@
               </a:lnSpc>
             </a:pPr>
             <a:r>
-              <a:rPr b="0" lang="es-MX" sz="1600" spc="-1" strike="noStrike">
+              <a:rPr b="0" lang="es-MX" sz="1700" spc="-1" strike="noStrike">
                 <a:solidFill>
                   <a:srgbClr val="000000"/>
                 </a:solidFill>
@@ -20206,16 +20294,16 @@
               <a:t>“</a:t>
             </a:r>
             <a:r>
-              <a:rPr b="0" lang="es-MX" sz="1600" spc="-1" strike="noStrike">
+              <a:rPr b="0" lang="es-MX" sz="1700" spc="-1" strike="noStrike">
                 <a:solidFill>
                   <a:srgbClr val="000000"/>
                 </a:solidFill>
                 <a:latin typeface="Calibri"/>
                 <a:ea typeface="DejaVu Sans"/>
               </a:rPr>
-              <a:t>An expression is a sequence of operators and operands that reduces to a single value. Expressions can be </a:t>
-            </a:r>
-            <a:endParaRPr b="0" lang="es-MX" sz="1600" spc="-1" strike="noStrike">
+              <a:t>An expression is a sequence of operators and operands that reduces to a single value. Expressions </a:t>
+            </a:r>
+            <a:endParaRPr b="0" lang="es-MX" sz="1700" spc="-1" strike="noStrike">
               <a:latin typeface="Arial"/>
             </a:endParaRPr>
           </a:p>
@@ -20226,16 +20314,16 @@
               </a:lnSpc>
             </a:pPr>
             <a:r>
-              <a:rPr b="0" lang="es-MX" sz="1600" spc="-1" strike="noStrike">
+              <a:rPr b="0" lang="es-MX" sz="1700" spc="-1" strike="noStrike">
                 <a:solidFill>
                   <a:srgbClr val="000000"/>
                 </a:solidFill>
                 <a:latin typeface="Calibri"/>
                 <a:ea typeface="DejaVu Sans"/>
               </a:rPr>
-              <a:t>simple or complex. A operator is a syntactical token that requires an action be taken.  An operand is an </a:t>
-            </a:r>
-            <a:endParaRPr b="0" lang="es-MX" sz="1600" spc="-1" strike="noStrike">
+              <a:t>can be simple or complex. An operator is a syntactical token that requires an action be taken.  An </a:t>
+            </a:r>
+            <a:endParaRPr b="0" lang="es-MX" sz="1700" spc="-1" strike="noStrike">
               <a:latin typeface="Arial"/>
             </a:endParaRPr>
           </a:p>
@@ -20246,16 +20334,16 @@
               </a:lnSpc>
             </a:pPr>
             <a:r>
-              <a:rPr b="0" lang="es-MX" sz="1600" spc="-1" strike="noStrike">
+              <a:rPr b="0" lang="es-MX" sz="1700" spc="-1" strike="noStrike">
                 <a:solidFill>
                   <a:srgbClr val="000000"/>
                 </a:solidFill>
                 <a:latin typeface="Calibri"/>
                 <a:ea typeface="DejaVu Sans"/>
               </a:rPr>
-              <a:t>object on which an opertion is performed. A simple expression contains only one operator. Eg. 2+3 is a </a:t>
-            </a:r>
-            <a:endParaRPr b="0" lang="es-MX" sz="1600" spc="-1" strike="noStrike">
+              <a:t>operand is an object on which an operation is performed. A simple expression contains only one </a:t>
+            </a:r>
+            <a:endParaRPr b="0" lang="es-MX" sz="1700" spc="-1" strike="noStrike">
               <a:latin typeface="Arial"/>
             </a:endParaRPr>
           </a:p>
@@ -20266,16 +20354,16 @@
               </a:lnSpc>
             </a:pPr>
             <a:r>
-              <a:rPr b="0" lang="es-MX" sz="1600" spc="-1" strike="noStrike">
+              <a:rPr b="0" lang="es-MX" sz="1700" spc="-1" strike="noStrike">
                 <a:solidFill>
                   <a:srgbClr val="000000"/>
                 </a:solidFill>
                 <a:latin typeface="Calibri"/>
                 <a:ea typeface="DejaVu Sans"/>
               </a:rPr>
-              <a:t>simple expression whose value is 5.”</a:t>
-            </a:r>
-            <a:endParaRPr b="0" lang="es-MX" sz="1600" spc="-1" strike="noStrike">
+              <a:t>operator. Eg. 2+3 is a simple expression whose value is 5.”</a:t>
+            </a:r>
+            <a:endParaRPr b="0" lang="es-MX" sz="1700" spc="-1" strike="noStrike">
               <a:latin typeface="Arial"/>
             </a:endParaRPr>
           </a:p>
@@ -20285,8 +20373,18 @@
                 <a:spcPct val="100000"/>
               </a:lnSpc>
             </a:pPr>
-            <a:r>
-              <a:rPr b="0" lang="es-MX" sz="1600" spc="-1" strike="noStrike" u="sng">
+            <a:endParaRPr b="0" lang="es-MX" sz="1700" spc="-1" strike="noStrike">
+              <a:latin typeface="Arial"/>
+            </a:endParaRPr>
+          </a:p>
+          <a:p>
+            <a:pPr>
+              <a:lnSpc>
+                <a:spcPct val="100000"/>
+              </a:lnSpc>
+            </a:pPr>
+            <a:r>
+              <a:rPr b="0" lang="es-MX" sz="1700" spc="-1" strike="noStrike" u="sng">
                 <a:solidFill>
                   <a:srgbClr val="0563c1"/>
                 </a:solidFill>
@@ -20298,7 +20396,7 @@
               <a:t>https://quizlet.com/188164793/computer-science-chapter-3-flash-cards</a:t>
             </a:r>
             <a:r>
-              <a:rPr b="0" lang="es-MX" sz="1600" spc="-1" strike="noStrike" u="sng">
+              <a:rPr b="0" lang="es-MX" sz="1700" spc="-1" strike="noStrike" u="sng">
                 <a:solidFill>
                   <a:srgbClr val="0563c1"/>
                 </a:solidFill>
@@ -20309,7 +20407,7 @@
               </a:rPr>
               <a:t>/</a:t>
             </a:r>
-            <a:endParaRPr b="0" lang="es-MX" sz="1600" spc="-1" strike="noStrike">
+            <a:endParaRPr b="0" lang="es-MX" sz="1700" spc="-1" strike="noStrike">
               <a:latin typeface="Arial"/>
             </a:endParaRPr>
           </a:p>
@@ -20320,7 +20418,7 @@
               </a:lnSpc>
             </a:pPr>
             <a:r>
-              <a:rPr b="0" lang="es-MX" sz="1600" spc="-1" strike="noStrike">
+              <a:rPr b="0" lang="es-MX" sz="1700" spc="-1" strike="noStrike">
                 <a:solidFill>
                   <a:srgbClr val="000000"/>
                 </a:solidFill>
@@ -20330,16 +20428,16 @@
               <a:t>“</a:t>
             </a:r>
             <a:r>
-              <a:rPr b="0" lang="es-MX" sz="1600" spc="-1" strike="noStrike">
+              <a:rPr b="0" lang="es-MX" sz="1700" spc="-1" strike="noStrike">
                 <a:solidFill>
                   <a:srgbClr val="000000"/>
                 </a:solidFill>
                 <a:latin typeface="Calibri"/>
                 <a:ea typeface="DejaVu Sans"/>
               </a:rPr>
-              <a:t>Simple Expression. contains only one operator. Complex Expression. contains more </a:t>
-            </a:r>
-            <a:endParaRPr b="0" lang="es-MX" sz="1600" spc="-1" strike="noStrike">
+              <a:t>Simple Expression. contains only one operator. Complex Expression. contains more than one </a:t>
+            </a:r>
+            <a:endParaRPr b="0" lang="es-MX" sz="1700" spc="-1" strike="noStrike">
               <a:latin typeface="Arial"/>
             </a:endParaRPr>
           </a:p>
@@ -20350,16 +20448,16 @@
               </a:lnSpc>
             </a:pPr>
             <a:r>
-              <a:rPr b="0" lang="es-MX" sz="1600" spc="-1" strike="noStrike">
+              <a:rPr b="0" lang="es-MX" sz="1700" spc="-1" strike="noStrike">
                 <a:solidFill>
                   <a:srgbClr val="000000"/>
                 </a:solidFill>
                 <a:latin typeface="Calibri"/>
                 <a:ea typeface="DejaVu Sans"/>
               </a:rPr>
-              <a:t>tan one operator”</a:t>
-            </a:r>
-            <a:endParaRPr b="0" lang="es-MX" sz="1600" spc="-1" strike="noStrike">
+              <a:t>operator”</a:t>
+            </a:r>
+            <a:endParaRPr b="0" lang="es-MX" sz="1700" spc="-1" strike="noStrike">
               <a:latin typeface="Arial"/>
             </a:endParaRPr>
           </a:p>
@@ -20369,7 +20467,7 @@
                 <a:spcPct val="100000"/>
               </a:lnSpc>
             </a:pPr>
-            <a:endParaRPr b="0" lang="es-MX" sz="1600" spc="-1" strike="noStrike">
+            <a:endParaRPr b="0" lang="es-MX" sz="1700" spc="-1" strike="noStrike">
               <a:latin typeface="Arial"/>
             </a:endParaRPr>
           </a:p>
@@ -20414,7 +20512,7 @@
         <p:spPr>
           <a:xfrm>
             <a:off x="838080" y="365040"/>
-            <a:ext cx="10514880" cy="1324800"/>
+            <a:ext cx="10514520" cy="1324440"/>
           </a:xfrm>
           <a:prstGeom prst="rect">
             <a:avLst/>
@@ -20446,6 +20544,7 @@
                   <a:srgbClr val="000000"/>
                 </a:solidFill>
                 <a:latin typeface="Calibri Light"/>
+                <a:ea typeface="DejaVu Sans"/>
               </a:rPr>
               <a:t>REFERENCIAS</a:t>
             </a:r>
@@ -20464,7 +20563,7 @@
         <p:spPr>
           <a:xfrm>
             <a:off x="838080" y="1825560"/>
-            <a:ext cx="10514880" cy="4350600"/>
+            <a:ext cx="10514520" cy="4350240"/>
           </a:xfrm>
           <a:prstGeom prst="rect">
             <a:avLst/>
@@ -20485,7 +20584,7 @@
             <a:noAutofit/>
           </a:bodyPr>
           <a:p>
-            <a:pPr marL="228600" indent="-227880">
+            <a:pPr marL="228600" indent="-227520">
               <a:lnSpc>
                 <a:spcPct val="90000"/>
               </a:lnSpc>
@@ -20504,6 +20603,7 @@
                   <a:srgbClr val="000000"/>
                 </a:solidFill>
                 <a:latin typeface="Calibri"/>
+                <a:ea typeface="DejaVu Sans"/>
               </a:rPr>
               <a:t>Bonet Esteban, E. V., Lenguaje C, </a:t>
             </a:r>
@@ -20514,6 +20614,7 @@
                 </a:solidFill>
                 <a:uFillTx/>
                 <a:latin typeface="Calibri"/>
+                <a:ea typeface="DejaVu Sans"/>
                 <a:hlinkClick r:id="rId1"/>
               </a:rPr>
               <a:t>https://</a:t>
@@ -20525,6 +20626,7 @@
                 </a:solidFill>
                 <a:uFillTx/>
                 <a:latin typeface="Calibri"/>
+                <a:ea typeface="DejaVu Sans"/>
                 <a:hlinkClick r:id="rId2"/>
               </a:rPr>
               <a:t>informatica.uv.es/estguia/ATD/apuntes/laboratorio/Lenguaje-C.pdf</a:t>
@@ -20535,6 +20637,7 @@
                   <a:srgbClr val="000000"/>
                 </a:solidFill>
                 <a:latin typeface="Calibri"/>
+                <a:ea typeface="DejaVu Sans"/>
               </a:rPr>
               <a:t>, (consultado: Febrero de 2021).</a:t>
             </a:r>
@@ -20543,7 +20646,7 @@
             </a:endParaRPr>
           </a:p>
           <a:p>
-            <a:pPr marL="228600" indent="-227880">
+            <a:pPr marL="228600" indent="-227520">
               <a:lnSpc>
                 <a:spcPct val="90000"/>
               </a:lnSpc>
@@ -20562,6 +20665,7 @@
                   <a:srgbClr val="000000"/>
                 </a:solidFill>
                 <a:latin typeface="Calibri"/>
+                <a:ea typeface="DejaVu Sans"/>
               </a:rPr>
               <a:t>Cheltenham Computer Training, C Programming, 1998.</a:t>
             </a:r>
@@ -20570,7 +20674,7 @@
             </a:endParaRPr>
           </a:p>
           <a:p>
-            <a:pPr marL="228600" indent="-227880">
+            <a:pPr marL="228600" indent="-227520">
               <a:lnSpc>
                 <a:spcPct val="90000"/>
               </a:lnSpc>
@@ -20589,6 +20693,7 @@
                   <a:srgbClr val="000000"/>
                 </a:solidFill>
                 <a:latin typeface="Calibri"/>
+                <a:ea typeface="DejaVu Sans"/>
               </a:rPr>
               <a:t>Joyanes Aguilar Luis, Fundamentos de Programación, Algoritmos, Estructura de datos y Objetos, Ed. Mc Graw Hill</a:t>
             </a:r>
@@ -20597,7 +20702,7 @@
             </a:endParaRPr>
           </a:p>
           <a:p>
-            <a:pPr marL="228600" indent="-227880">
+            <a:pPr marL="228600" indent="-227520">
               <a:lnSpc>
                 <a:spcPct val="90000"/>
               </a:lnSpc>
@@ -20616,6 +20721,7 @@
                   <a:srgbClr val="000000"/>
                 </a:solidFill>
                 <a:latin typeface="Calibri"/>
+                <a:ea typeface="DejaVu Sans"/>
               </a:rPr>
               <a:t>Zirkhov, Igor, Low Level Programming, C, Assembly, and Program Execution, Apress, 2017.</a:t>
             </a:r>
@@ -20657,14 +20763,14 @@
       </p:grpSpPr>
       <p:sp>
         <p:nvSpPr>
-          <p:cNvPr id="220" name="CustomShape 1"/>
+          <p:cNvPr id="217" name="CustomShape 1"/>
           <p:cNvSpPr/>
           <p:nvPr/>
         </p:nvSpPr>
         <p:spPr>
           <a:xfrm>
             <a:off x="714960" y="0"/>
-            <a:ext cx="10514880" cy="1324800"/>
+            <a:ext cx="10514520" cy="1324440"/>
           </a:xfrm>
           <a:prstGeom prst="rect">
             <a:avLst/>
@@ -20696,6 +20802,7 @@
                   <a:srgbClr val="000000"/>
                 </a:solidFill>
                 <a:latin typeface="Calibri Light"/>
+                <a:ea typeface="DejaVu Sans"/>
               </a:rPr>
               <a:t>Un programa “Hola Mundo”</a:t>
             </a:r>
@@ -20707,7 +20814,7 @@
       </p:sp>
       <p:pic>
         <p:nvPicPr>
-          <p:cNvPr id="221" name="Imagen 3" descr=""/>
+          <p:cNvPr id="218" name="Imagen 3" descr=""/>
           <p:cNvPicPr/>
           <p:nvPr/>
         </p:nvPicPr>
@@ -20717,8 +20824,8 @@
         </p:blipFill>
         <p:spPr>
           <a:xfrm>
-            <a:off x="1972080" y="994320"/>
-            <a:ext cx="7747920" cy="5685480"/>
+            <a:off x="3772440" y="936720"/>
+            <a:ext cx="7747560" cy="5685120"/>
           </a:xfrm>
           <a:prstGeom prst="rect">
             <a:avLst/>
@@ -20728,6 +20835,57 @@
           </a:ln>
         </p:spPr>
       </p:pic>
+      <p:sp>
+        <p:nvSpPr>
+          <p:cNvPr id="219" name="CustomShape 2"/>
+          <p:cNvSpPr/>
+          <p:nvPr/>
+        </p:nvSpPr>
+        <p:spPr>
+          <a:xfrm>
+            <a:off x="685800" y="936720"/>
+            <a:ext cx="10514520" cy="1324440"/>
+          </a:xfrm>
+          <a:prstGeom prst="rect">
+            <a:avLst/>
+          </a:prstGeom>
+          <a:noFill/>
+          <a:ln w="0">
+            <a:noFill/>
+          </a:ln>
+        </p:spPr>
+        <p:style>
+          <a:lnRef idx="0"/>
+          <a:fillRef idx="0"/>
+          <a:effectRef idx="0"/>
+          <a:fontRef idx="minor"/>
+        </p:style>
+        <p:txBody>
+          <a:bodyPr lIns="90000" rIns="90000" tIns="45000" bIns="45000" anchor="ctr">
+            <a:noAutofit/>
+          </a:bodyPr>
+          <a:p>
+            <a:pPr>
+              <a:lnSpc>
+                <a:spcPct val="90000"/>
+              </a:lnSpc>
+            </a:pPr>
+            <a:r>
+              <a:rPr b="0" lang="es-MX" sz="4000" spc="-1" strike="noStrike">
+                <a:solidFill>
+                  <a:srgbClr val="000000"/>
+                </a:solidFill>
+                <a:latin typeface="Calibri Light"/>
+                <a:ea typeface="DejaVu Sans"/>
+              </a:rPr>
+              <a:t>Ejemplo 1</a:t>
+            </a:r>
+            <a:endParaRPr b="0" lang="es-MX" sz="4000" spc="-1" strike="noStrike">
+              <a:latin typeface="Arial"/>
+            </a:endParaRPr>
+          </a:p>
+        </p:txBody>
+      </p:sp>
     </p:spTree>
   </p:cSld>
   <mc:AlternateContent>
@@ -20760,14 +20918,14 @@
       </p:grpSpPr>
       <p:sp>
         <p:nvSpPr>
-          <p:cNvPr id="222" name="TextShape 1"/>
-          <p:cNvSpPr txBox="1"/>
+          <p:cNvPr id="220" name="CustomShape 1"/>
+          <p:cNvSpPr/>
           <p:nvPr/>
         </p:nvSpPr>
         <p:spPr>
           <a:xfrm>
             <a:off x="838440" y="360"/>
-            <a:ext cx="10515240" cy="899640"/>
+            <a:ext cx="10514880" cy="899280"/>
           </a:xfrm>
           <a:prstGeom prst="rect">
             <a:avLst/>
@@ -20777,8 +20935,14 @@
             <a:noFill/>
           </a:ln>
         </p:spPr>
-        <p:txBody>
-          <a:bodyPr anchor="ctr">
+        <p:style>
+          <a:lnRef idx="0"/>
+          <a:fillRef idx="0"/>
+          <a:effectRef idx="0"/>
+          <a:fontRef idx="minor"/>
+        </p:style>
+        <p:txBody>
+          <a:bodyPr lIns="90000" rIns="90000" tIns="45000" bIns="45000" anchor="ctr">
             <a:noAutofit/>
           </a:bodyPr>
           <a:p>
@@ -20804,18 +20968,65 @@
       </p:sp>
       <p:pic>
         <p:nvPicPr>
-          <p:cNvPr id="223" name="Imagen 3_0" descr=""/>
+          <p:cNvPr id="221" name="Imagen 3_0" descr=""/>
           <p:cNvPicPr/>
           <p:nvPr/>
         </p:nvPicPr>
         <p:blipFill>
           <a:blip r:embed="rId1"/>
+          <a:srcRect l="0" t="4526" r="0" b="0"/>
           <a:stretch/>
         </p:blipFill>
         <p:spPr>
           <a:xfrm>
-            <a:off x="1762560" y="661320"/>
-            <a:ext cx="8677440" cy="2012040"/>
+            <a:off x="1816200" y="779040"/>
+            <a:ext cx="8677080" cy="1920600"/>
+          </a:xfrm>
+          <a:prstGeom prst="rect">
+            <a:avLst/>
+          </a:prstGeom>
+          <a:ln w="0">
+            <a:noFill/>
+          </a:ln>
+        </p:spPr>
+      </p:pic>
+      <p:pic>
+        <p:nvPicPr>
+          <p:cNvPr id="222" name="" descr=""/>
+          <p:cNvPicPr/>
+          <p:nvPr/>
+        </p:nvPicPr>
+        <p:blipFill>
+          <a:blip r:embed="rId2"/>
+          <a:stretch/>
+        </p:blipFill>
+        <p:spPr>
+          <a:xfrm>
+            <a:off x="1615680" y="2160000"/>
+            <a:ext cx="3063960" cy="399600"/>
+          </a:xfrm>
+          <a:prstGeom prst="rect">
+            <a:avLst/>
+          </a:prstGeom>
+          <a:ln w="0">
+            <a:noFill/>
+          </a:ln>
+        </p:spPr>
+      </p:pic>
+      <p:pic>
+        <p:nvPicPr>
+          <p:cNvPr id="223" name="" descr=""/>
+          <p:cNvPicPr/>
+          <p:nvPr/>
+        </p:nvPicPr>
+        <p:blipFill>
+          <a:blip r:embed="rId3"/>
+          <a:stretch/>
+        </p:blipFill>
+        <p:spPr>
+          <a:xfrm>
+            <a:off x="720000" y="2749680"/>
+            <a:ext cx="10773360" cy="864360"/>
           </a:xfrm>
           <a:prstGeom prst="rect">
             <a:avLst/>
@@ -20832,13 +21043,13 @@
           <p:nvPr/>
         </p:nvPicPr>
         <p:blipFill>
-          <a:blip r:embed="rId2"/>
+          <a:blip r:embed="rId4"/>
           <a:stretch/>
         </p:blipFill>
         <p:spPr>
           <a:xfrm>
-            <a:off x="1615680" y="2160000"/>
-            <a:ext cx="3064320" cy="399960"/>
+            <a:off x="720000" y="4695840"/>
+            <a:ext cx="3156120" cy="883800"/>
           </a:xfrm>
           <a:prstGeom prst="rect">
             <a:avLst/>
@@ -20855,13 +21066,13 @@
           <p:nvPr/>
         </p:nvPicPr>
         <p:blipFill>
-          <a:blip r:embed="rId3"/>
+          <a:blip r:embed="rId5"/>
           <a:stretch/>
         </p:blipFill>
         <p:spPr>
           <a:xfrm>
-            <a:off x="720000" y="2749680"/>
-            <a:ext cx="10773720" cy="864720"/>
+            <a:off x="720000" y="3646080"/>
+            <a:ext cx="2339640" cy="317160"/>
           </a:xfrm>
           <a:prstGeom prst="rect">
             <a:avLst/>
@@ -20878,13 +21089,13 @@
           <p:nvPr/>
         </p:nvPicPr>
         <p:blipFill>
-          <a:blip r:embed="rId4"/>
+          <a:blip r:embed="rId6"/>
           <a:stretch/>
         </p:blipFill>
         <p:spPr>
           <a:xfrm>
-            <a:off x="720000" y="4695840"/>
-            <a:ext cx="3156480" cy="884160"/>
+            <a:off x="720000" y="3986280"/>
+            <a:ext cx="10799640" cy="658800"/>
           </a:xfrm>
           <a:prstGeom prst="rect">
             <a:avLst/>
@@ -20894,62 +21105,16 @@
           </a:ln>
         </p:spPr>
       </p:pic>
-      <p:pic>
-        <p:nvPicPr>
-          <p:cNvPr id="227" name="" descr=""/>
-          <p:cNvPicPr/>
+      <p:sp>
+        <p:nvSpPr>
+          <p:cNvPr id="227" name="CustomShape 2"/>
+          <p:cNvSpPr/>
           <p:nvPr/>
-        </p:nvPicPr>
-        <p:blipFill>
-          <a:blip r:embed="rId5"/>
-          <a:stretch/>
-        </p:blipFill>
-        <p:spPr>
-          <a:xfrm>
-            <a:off x="720000" y="3646080"/>
-            <a:ext cx="2340000" cy="317520"/>
-          </a:xfrm>
-          <a:prstGeom prst="rect">
-            <a:avLst/>
-          </a:prstGeom>
-          <a:ln w="0">
-            <a:noFill/>
-          </a:ln>
-        </p:spPr>
-      </p:pic>
-      <p:pic>
-        <p:nvPicPr>
-          <p:cNvPr id="228" name="" descr=""/>
-          <p:cNvPicPr/>
-          <p:nvPr/>
-        </p:nvPicPr>
-        <p:blipFill>
-          <a:blip r:embed="rId6"/>
-          <a:stretch/>
-        </p:blipFill>
-        <p:spPr>
-          <a:xfrm>
-            <a:off x="720000" y="3986280"/>
-            <a:ext cx="10800000" cy="659160"/>
-          </a:xfrm>
-          <a:prstGeom prst="rect">
-            <a:avLst/>
-          </a:prstGeom>
-          <a:ln w="0">
-            <a:noFill/>
-          </a:ln>
-        </p:spPr>
-      </p:pic>
-      <p:sp>
-        <p:nvSpPr>
-          <p:cNvPr id="229" name="TextShape 2"/>
-          <p:cNvSpPr txBox="1"/>
-          <p:nvPr/>
         </p:nvSpPr>
         <p:spPr>
           <a:xfrm>
             <a:off x="4140000" y="4680000"/>
-            <a:ext cx="7380000" cy="1626120"/>
+            <a:ext cx="7379640" cy="1625760"/>
           </a:xfrm>
           <a:prstGeom prst="rect">
             <a:avLst/>
@@ -20959,11 +21124,22 @@
             <a:noFill/>
           </a:ln>
         </p:spPr>
+        <p:style>
+          <a:lnRef idx="0"/>
+          <a:fillRef idx="0"/>
+          <a:effectRef idx="0"/>
+          <a:fontRef idx="minor"/>
+        </p:style>
         <p:txBody>
           <a:bodyPr lIns="90000" rIns="90000" tIns="45000" bIns="45000">
             <a:noAutofit/>
           </a:bodyPr>
           <a:p>
+            <a:pPr>
+              <a:lnSpc>
+                <a:spcPct val="100000"/>
+              </a:lnSpc>
+            </a:pPr>
             <a:r>
               <a:rPr b="0" lang="es-MX" sz="1800" spc="-1" strike="noStrike">
                 <a:latin typeface="Arial"/>
@@ -20975,6 +21151,11 @@
             </a:endParaRPr>
           </a:p>
           <a:p>
+            <a:pPr>
+              <a:lnSpc>
+                <a:spcPct val="100000"/>
+              </a:lnSpc>
+            </a:pPr>
             <a:r>
               <a:rPr b="0" lang="es-MX" sz="1800" spc="-1" strike="noStrike">
                 <a:latin typeface="Arial"/>
@@ -20986,6 +21167,11 @@
             </a:endParaRPr>
           </a:p>
           <a:p>
+            <a:pPr>
+              <a:lnSpc>
+                <a:spcPct val="100000"/>
+              </a:lnSpc>
+            </a:pPr>
             <a:r>
               <a:rPr b="0" lang="es-MX" sz="1800" spc="-1" strike="noStrike">
                 <a:latin typeface="Arial"/>
@@ -20997,6 +21183,11 @@
             </a:endParaRPr>
           </a:p>
           <a:p>
+            <a:pPr>
+              <a:lnSpc>
+                <a:spcPct val="100000"/>
+              </a:lnSpc>
+            </a:pPr>
             <a:r>
               <a:rPr b="0" lang="es-MX" sz="1800" spc="-1" strike="noStrike">
                 <a:latin typeface="Arial"/>
@@ -21008,6 +21199,11 @@
             </a:endParaRPr>
           </a:p>
           <a:p>
+            <a:pPr>
+              <a:lnSpc>
+                <a:spcPct val="100000"/>
+              </a:lnSpc>
+            </a:pPr>
             <a:r>
               <a:rPr b="0" lang="es-MX" sz="1800" spc="-1" strike="noStrike">
                 <a:latin typeface="Arial"/>
@@ -21019,6 +21215,11 @@
             </a:endParaRPr>
           </a:p>
           <a:p>
+            <a:pPr>
+              <a:lnSpc>
+                <a:spcPct val="100000"/>
+              </a:lnSpc>
+            </a:pPr>
             <a:r>
               <a:rPr b="0" lang="es-MX" sz="1800" spc="-1" strike="noStrike">
                 <a:latin typeface="Arial"/>

--- a/U1_Introduccion_a_la_programacion/Unidad_01_Introduccion_a_la_programacion_2.pptx
+++ b/U1_Introduccion_a_la_programacion/Unidad_01_Introduccion_a_la_programacion_2.pptx
@@ -87,6 +87,7 @@
     <p:sldId id="331" r:id="rId82"/>
     <p:sldId id="332" r:id="rId83"/>
     <p:sldId id="333" r:id="rId84"/>
+    <p:sldId id="334" r:id="rId85"/>
   </p:sldIdLst>
   <p:sldSz cx="12192000" cy="6858000"/>
   <p:notesSz cx="7772400" cy="10058400"/>
@@ -6910,7 +6911,7 @@
         <p:spPr>
           <a:xfrm>
             <a:off x="609480" y="273600"/>
-            <a:ext cx="10972080" cy="1144440"/>
+            <a:ext cx="10972440" cy="1144800"/>
           </a:xfrm>
           <a:prstGeom prst="rect">
             <a:avLst/>
@@ -6921,13 +6922,14 @@
             <a:noAutofit/>
           </a:bodyPr>
           <a:p>
-            <a:r>
-              <a:rPr b="0" lang="es-MX" sz="1800" spc="-1" strike="noStrike">
+            <a:pPr algn="ctr"/>
+            <a:r>
+              <a:rPr b="0" lang="es-MX" sz="4400" spc="-1" strike="noStrike">
                 <a:latin typeface="Arial"/>
               </a:rPr>
               <a:t>Pulse para editar el formato del texto de título</a:t>
             </a:r>
-            <a:endParaRPr b="0" lang="es-MX" sz="1800" spc="-1" strike="noStrike">
+            <a:endParaRPr b="0" lang="es-MX" sz="4400" spc="-1" strike="noStrike">
               <a:latin typeface="Arial"/>
             </a:endParaRPr>
           </a:p>
@@ -6946,7 +6948,7 @@
         <p:spPr>
           <a:xfrm>
             <a:off x="609480" y="1604520"/>
-            <a:ext cx="10972080" cy="3976920"/>
+            <a:ext cx="10972440" cy="3977280"/>
           </a:xfrm>
           <a:prstGeom prst="rect">
             <a:avLst/>
@@ -6969,12 +6971,12 @@
               <a:buChar char=""/>
             </a:pPr>
             <a:r>
-              <a:rPr b="0" lang="es-MX" sz="1800" spc="-1" strike="noStrike">
+              <a:rPr b="0" lang="es-MX" sz="3200" spc="-1" strike="noStrike">
                 <a:latin typeface="Arial"/>
               </a:rPr>
               <a:t>Pulse para editar el formato de texto del esquema</a:t>
             </a:r>
-            <a:endParaRPr b="0" lang="es-MX" sz="1800" spc="-1" strike="noStrike">
+            <a:endParaRPr b="0" lang="es-MX" sz="3200" spc="-1" strike="noStrike">
               <a:latin typeface="Arial"/>
             </a:endParaRPr>
           </a:p>
@@ -6991,12 +6993,12 @@
               <a:buChar char=""/>
             </a:pPr>
             <a:r>
-              <a:rPr b="0" lang="es-MX" sz="1800" spc="-1" strike="noStrike">
+              <a:rPr b="0" lang="es-MX" sz="2800" spc="-1" strike="noStrike">
                 <a:latin typeface="Arial"/>
               </a:rPr>
               <a:t>Segundo nivel del esquema</a:t>
             </a:r>
-            <a:endParaRPr b="0" lang="es-MX" sz="1800" spc="-1" strike="noStrike">
+            <a:endParaRPr b="0" lang="es-MX" sz="2800" spc="-1" strike="noStrike">
               <a:latin typeface="Arial"/>
             </a:endParaRPr>
           </a:p>
@@ -7013,12 +7015,12 @@
               <a:buChar char=""/>
             </a:pPr>
             <a:r>
-              <a:rPr b="0" lang="es-MX" sz="1800" spc="-1" strike="noStrike">
+              <a:rPr b="0" lang="es-MX" sz="2400" spc="-1" strike="noStrike">
                 <a:latin typeface="Arial"/>
               </a:rPr>
               <a:t>Tercer nivel del esquema</a:t>
             </a:r>
-            <a:endParaRPr b="0" lang="es-MX" sz="1800" spc="-1" strike="noStrike">
+            <a:endParaRPr b="0" lang="es-MX" sz="2400" spc="-1" strike="noStrike">
               <a:latin typeface="Arial"/>
             </a:endParaRPr>
           </a:p>
@@ -7035,12 +7037,12 @@
               <a:buChar char=""/>
             </a:pPr>
             <a:r>
-              <a:rPr b="0" lang="es-MX" sz="1800" spc="-1" strike="noStrike">
+              <a:rPr b="0" lang="es-MX" sz="2000" spc="-1" strike="noStrike">
                 <a:latin typeface="Arial"/>
               </a:rPr>
               <a:t>Cuarto nivel del esquema</a:t>
             </a:r>
-            <a:endParaRPr b="0" lang="es-MX" sz="1800" spc="-1" strike="noStrike">
+            <a:endParaRPr b="0" lang="es-MX" sz="2000" spc="-1" strike="noStrike">
               <a:latin typeface="Arial"/>
             </a:endParaRPr>
           </a:p>
@@ -7057,12 +7059,12 @@
               <a:buChar char=""/>
             </a:pPr>
             <a:r>
-              <a:rPr b="0" lang="es-MX" sz="1800" spc="-1" strike="noStrike">
+              <a:rPr b="0" lang="es-MX" sz="2000" spc="-1" strike="noStrike">
                 <a:latin typeface="Arial"/>
               </a:rPr>
               <a:t>Quinto nivel del esquema</a:t>
             </a:r>
-            <a:endParaRPr b="0" lang="es-MX" sz="1800" spc="-1" strike="noStrike">
+            <a:endParaRPr b="0" lang="es-MX" sz="2000" spc="-1" strike="noStrike">
               <a:latin typeface="Arial"/>
             </a:endParaRPr>
           </a:p>
@@ -7079,12 +7081,12 @@
               <a:buChar char=""/>
             </a:pPr>
             <a:r>
-              <a:rPr b="0" lang="es-MX" sz="1800" spc="-1" strike="noStrike">
+              <a:rPr b="0" lang="es-MX" sz="2000" spc="-1" strike="noStrike">
                 <a:latin typeface="Arial"/>
               </a:rPr>
               <a:t>Sexto nivel del esquema</a:t>
             </a:r>
-            <a:endParaRPr b="0" lang="es-MX" sz="1800" spc="-1" strike="noStrike">
+            <a:endParaRPr b="0" lang="es-MX" sz="2000" spc="-1" strike="noStrike">
               <a:latin typeface="Arial"/>
             </a:endParaRPr>
           </a:p>
@@ -7101,12 +7103,12 @@
               <a:buChar char=""/>
             </a:pPr>
             <a:r>
-              <a:rPr b="0" lang="es-MX" sz="1800" spc="-1" strike="noStrike">
+              <a:rPr b="0" lang="es-MX" sz="2000" spc="-1" strike="noStrike">
                 <a:latin typeface="Arial"/>
               </a:rPr>
               <a:t>Séptimo nivel del esquema</a:t>
             </a:r>
-            <a:endParaRPr b="0" lang="es-MX" sz="1800" spc="-1" strike="noStrike">
+            <a:endParaRPr b="0" lang="es-MX" sz="2000" spc="-1" strike="noStrike">
               <a:latin typeface="Arial"/>
             </a:endParaRPr>
           </a:p>
@@ -7185,13 +7187,7 @@
               <a:rPr b="0" lang="es-MX" sz="4400" spc="-1" strike="noStrike">
                 <a:latin typeface="Arial"/>
               </a:rPr>
-              <a:t>Pulse para editar el formato del texto de </a:t>
-            </a:r>
-            <a:r>
-              <a:rPr b="0" lang="es-MX" sz="4400" spc="-1" strike="noStrike">
-                <a:latin typeface="Arial"/>
-              </a:rPr>
-              <a:t>título</a:t>
+              <a:t>Pulse para editar el formato del texto de título</a:t>
             </a:r>
             <a:endParaRPr b="0" lang="es-MX" sz="4400" spc="-1" strike="noStrike">
               <a:latin typeface="Arial"/>
@@ -7451,13 +7447,7 @@
               <a:rPr b="0" lang="es-MX" sz="4400" spc="-1" strike="noStrike">
                 <a:latin typeface="Arial"/>
               </a:rPr>
-              <a:t>Pulse para editar el formato del texto de </a:t>
-            </a:r>
-            <a:r>
-              <a:rPr b="0" lang="es-MX" sz="4400" spc="-1" strike="noStrike">
-                <a:latin typeface="Arial"/>
-              </a:rPr>
-              <a:t>título</a:t>
+              <a:t>Pulse para editar el formato del texto de título</a:t>
             </a:r>
             <a:endParaRPr b="0" lang="es-MX" sz="4400" spc="-1" strike="noStrike">
               <a:latin typeface="Arial"/>
@@ -7976,13 +7966,7 @@
               <a:rPr b="0" lang="es-MX" sz="4400" spc="-1" strike="noStrike">
                 <a:latin typeface="Arial"/>
               </a:rPr>
-              <a:t>Pulse para editar el formato del texto de </a:t>
-            </a:r>
-            <a:r>
-              <a:rPr b="0" lang="es-MX" sz="4400" spc="-1" strike="noStrike">
-                <a:latin typeface="Arial"/>
-              </a:rPr>
-              <a:t>título</a:t>
+              <a:t>Pulse para editar el formato del texto de título</a:t>
             </a:r>
             <a:endParaRPr b="0" lang="es-MX" sz="4400" spc="-1" strike="noStrike">
               <a:latin typeface="Arial"/>
@@ -8215,7 +8199,7 @@
         <p:spPr>
           <a:xfrm>
             <a:off x="1523880" y="1122480"/>
-            <a:ext cx="9142920" cy="2386440"/>
+            <a:ext cx="9142560" cy="2386080"/>
           </a:xfrm>
           <a:prstGeom prst="rect">
             <a:avLst/>
@@ -8266,7 +8250,7 @@
         <p:spPr>
           <a:xfrm>
             <a:off x="1523880" y="3602160"/>
-            <a:ext cx="9142920" cy="1654560"/>
+            <a:ext cx="9142560" cy="1654200"/>
           </a:xfrm>
           <a:prstGeom prst="rect">
             <a:avLst/>
@@ -8379,7 +8363,7 @@
         <p:spPr>
           <a:xfrm>
             <a:off x="838080" y="365040"/>
-            <a:ext cx="10514520" cy="1324440"/>
+            <a:ext cx="10514160" cy="1324080"/>
           </a:xfrm>
           <a:prstGeom prst="rect">
             <a:avLst/>
@@ -8445,7 +8429,7 @@
         <p:spPr>
           <a:xfrm>
             <a:off x="618120" y="2234520"/>
-            <a:ext cx="10954800" cy="2793600"/>
+            <a:ext cx="10954440" cy="2793240"/>
           </a:xfrm>
           <a:prstGeom prst="rect">
             <a:avLst/>
@@ -8494,7 +8478,7 @@
         <p:spPr>
           <a:xfrm>
             <a:off x="645480" y="360000"/>
-            <a:ext cx="10514520" cy="1324440"/>
+            <a:ext cx="10514160" cy="1324080"/>
           </a:xfrm>
           <a:prstGeom prst="rect">
             <a:avLst/>
@@ -8549,7 +8533,7 @@
         <p:spPr>
           <a:xfrm>
             <a:off x="3337560" y="178560"/>
-            <a:ext cx="8597160" cy="6502680"/>
+            <a:ext cx="8596800" cy="6502320"/>
           </a:xfrm>
           <a:prstGeom prst="rect">
             <a:avLst/>
@@ -8598,7 +8582,7 @@
         <p:spPr>
           <a:xfrm>
             <a:off x="757800" y="29520"/>
-            <a:ext cx="10514520" cy="1324440"/>
+            <a:ext cx="10514160" cy="1324080"/>
           </a:xfrm>
           <a:prstGeom prst="rect">
             <a:avLst/>
@@ -8654,7 +8638,7 @@
         <p:spPr>
           <a:xfrm>
             <a:off x="900000" y="2244600"/>
-            <a:ext cx="10700280" cy="3937680"/>
+            <a:ext cx="10699920" cy="3937320"/>
           </a:xfrm>
           <a:prstGeom prst="rect">
             <a:avLst/>
@@ -8666,14 +8650,14 @@
       </p:pic>
       <p:sp>
         <p:nvSpPr>
-          <p:cNvPr id="234" name="TextShape 2"/>
-          <p:cNvSpPr txBox="1"/>
+          <p:cNvPr id="234" name="CustomShape 2"/>
+          <p:cNvSpPr/>
           <p:nvPr/>
         </p:nvSpPr>
         <p:spPr>
           <a:xfrm>
             <a:off x="685440" y="1480320"/>
-            <a:ext cx="10440000" cy="657000"/>
+            <a:ext cx="10439640" cy="656640"/>
           </a:xfrm>
           <a:prstGeom prst="rect">
             <a:avLst/>
@@ -8683,23 +8667,27 @@
             <a:noFill/>
           </a:ln>
         </p:spPr>
+        <p:style>
+          <a:lnRef idx="0"/>
+          <a:fillRef idx="0"/>
+          <a:effectRef idx="0"/>
+          <a:fontRef idx="minor"/>
+        </p:style>
         <p:txBody>
           <a:bodyPr lIns="90000" rIns="90000" tIns="45000" bIns="45000">
             <a:noAutofit/>
           </a:bodyPr>
           <a:p>
-            <a:pPr algn="just"/>
+            <a:pPr algn="just">
+              <a:lnSpc>
+                <a:spcPct val="100000"/>
+              </a:lnSpc>
+            </a:pPr>
             <a:r>
               <a:rPr b="0" lang="es-MX" sz="2000" spc="-1" strike="noStrike">
                 <a:latin typeface="Arial"/>
               </a:rPr>
-              <a:t>En C, toda variable, antes de poder ser usada, debe ser declarada, especificando con </a:t>
-            </a:r>
-            <a:r>
-              <a:rPr b="0" lang="es-MX" sz="2000" spc="-1" strike="noStrike">
-                <a:latin typeface="Arial"/>
-              </a:rPr>
-              <a:t>ello el tipo de dato que almacenará. Toda variable en C se declara de la forma:</a:t>
+              <a:t>En C, toda variable, antes de poder ser usada, debe ser declarada, especificando con ello el tipo de dato que almacenará. Toda variable en C se declara de la forma:</a:t>
             </a:r>
             <a:endParaRPr b="0" lang="es-MX" sz="2000" spc="-1" strike="noStrike">
               <a:latin typeface="Arial"/>
@@ -8746,7 +8734,7 @@
         <p:spPr>
           <a:xfrm>
             <a:off x="838080" y="0"/>
-            <a:ext cx="10514520" cy="1324440"/>
+            <a:ext cx="10514160" cy="1324080"/>
           </a:xfrm>
           <a:prstGeom prst="rect">
             <a:avLst/>
@@ -8802,7 +8790,7 @@
         <p:spPr>
           <a:xfrm>
             <a:off x="838080" y="970200"/>
-            <a:ext cx="10396440" cy="1912680"/>
+            <a:ext cx="10396080" cy="1912320"/>
           </a:xfrm>
           <a:prstGeom prst="rect">
             <a:avLst/>
@@ -8851,7 +8839,7 @@
         <p:spPr>
           <a:xfrm>
             <a:off x="838080" y="0"/>
-            <a:ext cx="10514520" cy="1324440"/>
+            <a:ext cx="10514160" cy="1324080"/>
           </a:xfrm>
           <a:prstGeom prst="rect">
             <a:avLst/>
@@ -8901,13 +8889,13 @@
         </p:nvPicPr>
         <p:blipFill>
           <a:blip r:embed="rId1"/>
-          <a:srcRect l="0" t="0" r="0" b="38775"/>
+          <a:srcRect l="0" t="0" r="0" b="38767"/>
           <a:stretch/>
         </p:blipFill>
         <p:spPr>
           <a:xfrm>
             <a:off x="892080" y="998640"/>
-            <a:ext cx="10406520" cy="3396240"/>
+            <a:ext cx="10406160" cy="3395880"/>
           </a:xfrm>
           <a:prstGeom prst="rect">
             <a:avLst/>
@@ -8925,13 +8913,13 @@
         </p:nvPicPr>
         <p:blipFill>
           <a:blip r:embed="rId2"/>
-          <a:srcRect l="-337" t="73074" r="337" b="-308"/>
+          <a:srcRect l="-337" t="73066" r="337" b="-308"/>
           <a:stretch/>
         </p:blipFill>
         <p:spPr>
           <a:xfrm>
             <a:off x="1040040" y="4638600"/>
-            <a:ext cx="10406520" cy="1511280"/>
+            <a:ext cx="10406160" cy="1510920"/>
           </a:xfrm>
           <a:prstGeom prst="rect">
             <a:avLst/>
@@ -8980,7 +8968,7 @@
         <p:spPr>
           <a:xfrm>
             <a:off x="838080" y="0"/>
-            <a:ext cx="10514520" cy="1324440"/>
+            <a:ext cx="10514160" cy="1324080"/>
           </a:xfrm>
           <a:prstGeom prst="rect">
             <a:avLst/>
@@ -9035,7 +9023,7 @@
         <p:spPr>
           <a:xfrm>
             <a:off x="434160" y="1085040"/>
-            <a:ext cx="11322720" cy="1112040"/>
+            <a:ext cx="11322360" cy="1111680"/>
           </a:xfrm>
           <a:prstGeom prst="rect">
             <a:avLst/>
@@ -9058,7 +9046,7 @@
         <p:spPr>
           <a:xfrm>
             <a:off x="1571400" y="2198160"/>
-            <a:ext cx="9042120" cy="4535640"/>
+            <a:ext cx="9041760" cy="4535280"/>
           </a:xfrm>
           <a:prstGeom prst="rect">
             <a:avLst/>
@@ -9107,7 +9095,7 @@
         <p:spPr>
           <a:xfrm>
             <a:off x="838080" y="0"/>
-            <a:ext cx="10514520" cy="1324440"/>
+            <a:ext cx="10514160" cy="1324080"/>
           </a:xfrm>
           <a:prstGeom prst="rect">
             <a:avLst/>
@@ -9162,7 +9150,7 @@
         <p:spPr>
           <a:xfrm>
             <a:off x="477720" y="1124280"/>
-            <a:ext cx="11235600" cy="1424520"/>
+            <a:ext cx="11235240" cy="1424160"/>
           </a:xfrm>
           <a:prstGeom prst="rect">
             <a:avLst/>
@@ -9186,7 +9174,7 @@
         <p:spPr>
           <a:xfrm>
             <a:off x="1231920" y="2549880"/>
-            <a:ext cx="9726840" cy="1351800"/>
+            <a:ext cx="9726480" cy="1351440"/>
           </a:xfrm>
           <a:prstGeom prst="rect">
             <a:avLst/>
@@ -9209,7 +9197,7 @@
         <p:spPr>
           <a:xfrm>
             <a:off x="477720" y="3902760"/>
-            <a:ext cx="11148840" cy="2796120"/>
+            <a:ext cx="11148480" cy="2795760"/>
           </a:xfrm>
           <a:prstGeom prst="rect">
             <a:avLst/>
@@ -9258,7 +9246,7 @@
         <p:spPr>
           <a:xfrm>
             <a:off x="838080" y="0"/>
-            <a:ext cx="10514520" cy="1324440"/>
+            <a:ext cx="10514160" cy="1324080"/>
           </a:xfrm>
           <a:prstGeom prst="rect">
             <a:avLst/>
@@ -9313,7 +9301,7 @@
         <p:spPr>
           <a:xfrm>
             <a:off x="714240" y="1325520"/>
-            <a:ext cx="10762560" cy="1725480"/>
+            <a:ext cx="10762200" cy="1725120"/>
           </a:xfrm>
           <a:prstGeom prst="rect">
             <a:avLst/>
@@ -9337,7 +9325,7 @@
         <p:spPr>
           <a:xfrm>
             <a:off x="623520" y="4505760"/>
-            <a:ext cx="10672560" cy="492840"/>
+            <a:ext cx="10672200" cy="492480"/>
           </a:xfrm>
           <a:prstGeom prst="rect">
             <a:avLst/>
@@ -9349,14 +9337,14 @@
       </p:pic>
       <p:sp>
         <p:nvSpPr>
-          <p:cNvPr id="250" name="TextShape 2"/>
-          <p:cNvSpPr txBox="1"/>
+          <p:cNvPr id="250" name="CustomShape 2"/>
+          <p:cNvSpPr/>
           <p:nvPr/>
         </p:nvSpPr>
         <p:spPr>
           <a:xfrm>
             <a:off x="612720" y="3240000"/>
-            <a:ext cx="10907280" cy="1223640"/>
+            <a:ext cx="10906920" cy="1223280"/>
           </a:xfrm>
           <a:prstGeom prst="rect">
             <a:avLst/>
@@ -9366,35 +9354,27 @@
             <a:noFill/>
           </a:ln>
         </p:spPr>
+        <p:style>
+          <a:lnRef idx="0"/>
+          <a:fillRef idx="0"/>
+          <a:effectRef idx="0"/>
+          <a:fontRef idx="minor"/>
+        </p:style>
         <p:txBody>
           <a:bodyPr lIns="90000" rIns="90000" tIns="45000" bIns="45000">
             <a:noAutofit/>
           </a:bodyPr>
           <a:p>
-            <a:pPr algn="just"/>
+            <a:pPr algn="just">
+              <a:lnSpc>
+                <a:spcPct val="100000"/>
+              </a:lnSpc>
+            </a:pPr>
             <a:r>
               <a:rPr b="0" lang="es-MX" sz="2000" spc="-1" strike="noStrike">
                 <a:latin typeface="Arial"/>
               </a:rPr>
-              <a:t>Los modificadores const y volatile pueden usarse de forma conjunta en ciertos casos, </a:t>
-            </a:r>
-            <a:r>
-              <a:rPr b="0" lang="es-MX" sz="2000" spc="-1" strike="noStrike">
-                <a:latin typeface="Arial"/>
-              </a:rPr>
-              <a:t>por lo cual no son excluyentes el uno del otro. Ello es posible si se declara una variable </a:t>
-            </a:r>
-            <a:r>
-              <a:rPr b="0" lang="es-MX" sz="2000" spc="-1" strike="noStrike">
-                <a:latin typeface="Arial"/>
-              </a:rPr>
-              <a:t>que actualizará el reloj del sistema, (proceso externo al programa), y que no queremos </a:t>
-            </a:r>
-            <a:r>
-              <a:rPr b="0" lang="es-MX" sz="2000" spc="-1" strike="noStrike">
-                <a:latin typeface="Arial"/>
-              </a:rPr>
-              <a:t>pueda modificarse en el interior del programa. Por ello, podremos declarar:</a:t>
+              <a:t>Los modificadores const y volatile pueden usarse de forma conjunta en ciertos casos, por lo cual no son excluyentes el uno del otro. Ello es posible si se declara una variable que actualizará el reloj del sistema, (proceso externo al programa), y que no queremos pueda modificarse en el interior del programa. Por ello, podremos declarar:</a:t>
             </a:r>
             <a:endParaRPr b="0" lang="es-MX" sz="2000" spc="-1" strike="noStrike">
               <a:latin typeface="Arial"/>
@@ -9441,7 +9421,7 @@
         <p:spPr>
           <a:xfrm>
             <a:off x="838080" y="365040"/>
-            <a:ext cx="10514520" cy="1324440"/>
+            <a:ext cx="10514160" cy="1324080"/>
           </a:xfrm>
           <a:prstGeom prst="rect">
             <a:avLst/>
@@ -9492,7 +9472,7 @@
         <p:spPr>
           <a:xfrm>
             <a:off x="696240" y="1374120"/>
-            <a:ext cx="11413800" cy="1003320"/>
+            <a:ext cx="11413440" cy="1003320"/>
           </a:xfrm>
           <a:prstGeom prst="rect">
             <a:avLst/>
@@ -9593,7 +9573,7 @@
         <p:spPr>
           <a:xfrm>
             <a:off x="838080" y="0"/>
-            <a:ext cx="10514520" cy="1324440"/>
+            <a:ext cx="10514160" cy="1324080"/>
           </a:xfrm>
           <a:prstGeom prst="rect">
             <a:avLst/>
@@ -9648,7 +9628,7 @@
         <p:spPr>
           <a:xfrm>
             <a:off x="2218320" y="838440"/>
-            <a:ext cx="7754040" cy="5804640"/>
+            <a:ext cx="7753680" cy="5804280"/>
           </a:xfrm>
           <a:prstGeom prst="rect">
             <a:avLst/>
@@ -9697,7 +9677,7 @@
         <p:spPr>
           <a:xfrm>
             <a:off x="180000" y="180000"/>
-            <a:ext cx="10514880" cy="730080"/>
+            <a:ext cx="10514520" cy="729720"/>
           </a:xfrm>
           <a:prstGeom prst="rect">
             <a:avLst/>
@@ -9729,6 +9709,7 @@
                   <a:srgbClr val="000000"/>
                 </a:solidFill>
                 <a:latin typeface="Calibri Light"/>
+                <a:ea typeface="DejaVu Sans"/>
               </a:rPr>
               <a:t>1.1 Estructura de un programa en C</a:t>
             </a:r>
@@ -9999,7 +9980,7 @@
         <p:spPr>
           <a:xfrm>
             <a:off x="838080" y="365040"/>
-            <a:ext cx="10514520" cy="1324440"/>
+            <a:ext cx="10514160" cy="1324080"/>
           </a:xfrm>
           <a:prstGeom prst="rect">
             <a:avLst/>
@@ -10054,7 +10035,7 @@
         <p:spPr>
           <a:xfrm>
             <a:off x="3458880" y="224280"/>
-            <a:ext cx="8449560" cy="6298200"/>
+            <a:ext cx="8449200" cy="6297840"/>
           </a:xfrm>
           <a:prstGeom prst="rect">
             <a:avLst/>
@@ -10103,7 +10084,7 @@
         <p:spPr>
           <a:xfrm>
             <a:off x="438120" y="365040"/>
-            <a:ext cx="10632600" cy="1324440"/>
+            <a:ext cx="10632240" cy="1324080"/>
           </a:xfrm>
           <a:prstGeom prst="rect">
             <a:avLst/>
@@ -10158,7 +10139,7 @@
         <p:spPr>
           <a:xfrm>
             <a:off x="3238560" y="140760"/>
-            <a:ext cx="8692560" cy="6487560"/>
+            <a:ext cx="8692200" cy="6487200"/>
           </a:xfrm>
           <a:prstGeom prst="rect">
             <a:avLst/>
@@ -10207,7 +10188,7 @@
         <p:spPr>
           <a:xfrm>
             <a:off x="578880" y="267480"/>
-            <a:ext cx="10514520" cy="1324440"/>
+            <a:ext cx="10514160" cy="1324080"/>
           </a:xfrm>
           <a:prstGeom prst="rect">
             <a:avLst/>
@@ -10262,7 +10243,7 @@
         <p:spPr>
           <a:xfrm>
             <a:off x="3318480" y="315720"/>
-            <a:ext cx="8444880" cy="6294960"/>
+            <a:ext cx="8444520" cy="6294600"/>
           </a:xfrm>
           <a:prstGeom prst="rect">
             <a:avLst/>
@@ -10311,7 +10292,7 @@
         <p:spPr>
           <a:xfrm>
             <a:off x="820440" y="0"/>
-            <a:ext cx="10514520" cy="1324440"/>
+            <a:ext cx="10514160" cy="1324080"/>
           </a:xfrm>
           <a:prstGeom prst="rect">
             <a:avLst/>
@@ -10366,7 +10347,7 @@
         <p:spPr>
           <a:xfrm>
             <a:off x="2637720" y="819720"/>
-            <a:ext cx="8001720" cy="6037200"/>
+            <a:ext cx="8001360" cy="6036840"/>
           </a:xfrm>
           <a:prstGeom prst="rect">
             <a:avLst/>
@@ -10415,7 +10396,7 @@
         <p:spPr>
           <a:xfrm>
             <a:off x="540000" y="360000"/>
-            <a:ext cx="10514520" cy="1324440"/>
+            <a:ext cx="10514160" cy="1324080"/>
           </a:xfrm>
           <a:prstGeom prst="rect">
             <a:avLst/>
@@ -10470,7 +10451,7 @@
         <p:spPr>
           <a:xfrm>
             <a:off x="3345480" y="228600"/>
-            <a:ext cx="8523000" cy="6399720"/>
+            <a:ext cx="8522640" cy="6399360"/>
           </a:xfrm>
           <a:prstGeom prst="rect">
             <a:avLst/>
@@ -10519,7 +10500,7 @@
         <p:spPr>
           <a:xfrm>
             <a:off x="838080" y="0"/>
-            <a:ext cx="10514520" cy="1324440"/>
+            <a:ext cx="10514160" cy="1324080"/>
           </a:xfrm>
           <a:prstGeom prst="rect">
             <a:avLst/>
@@ -10585,7 +10566,7 @@
         <p:spPr>
           <a:xfrm>
             <a:off x="1125360" y="1325520"/>
-            <a:ext cx="9646920" cy="5521680"/>
+            <a:ext cx="9646560" cy="5521320"/>
           </a:xfrm>
           <a:prstGeom prst="rect">
             <a:avLst/>
@@ -10634,7 +10615,7 @@
         <p:spPr>
           <a:xfrm>
             <a:off x="838080" y="13320"/>
-            <a:ext cx="10514520" cy="1324440"/>
+            <a:ext cx="10514160" cy="1324080"/>
           </a:xfrm>
           <a:prstGeom prst="rect">
             <a:avLst/>
@@ -10685,7 +10666,7 @@
         <p:spPr>
           <a:xfrm>
             <a:off x="900000" y="1338480"/>
-            <a:ext cx="5619600" cy="5204520"/>
+            <a:ext cx="5619240" cy="5204520"/>
           </a:xfrm>
           <a:prstGeom prst="rect">
             <a:avLst/>
@@ -11306,7 +11287,7 @@
         <p:spPr>
           <a:xfrm>
             <a:off x="753840" y="696600"/>
-            <a:ext cx="10478160" cy="2434320"/>
+            <a:ext cx="10477800" cy="2433960"/>
           </a:xfrm>
           <a:prstGeom prst="rect">
             <a:avLst/>
@@ -11647,7 +11628,7 @@
         <p:spPr>
           <a:xfrm>
             <a:off x="838080" y="207000"/>
-            <a:ext cx="10514520" cy="1324440"/>
+            <a:ext cx="10514160" cy="1324080"/>
           </a:xfrm>
           <a:prstGeom prst="rect">
             <a:avLst/>
@@ -11724,7 +11705,7 @@
         <p:spPr>
           <a:xfrm>
             <a:off x="344520" y="1655640"/>
-            <a:ext cx="11501640" cy="2249640"/>
+            <a:ext cx="11501280" cy="2249280"/>
           </a:xfrm>
           <a:prstGeom prst="rect">
             <a:avLst/>
@@ -11747,7 +11728,7 @@
         <p:spPr>
           <a:xfrm>
             <a:off x="1008360" y="3906360"/>
-            <a:ext cx="10173960" cy="2475720"/>
+            <a:ext cx="10173600" cy="2475360"/>
           </a:xfrm>
           <a:prstGeom prst="rect">
             <a:avLst/>
@@ -11796,7 +11777,7 @@
         <p:spPr>
           <a:xfrm>
             <a:off x="838080" y="365040"/>
-            <a:ext cx="10514520" cy="1324440"/>
+            <a:ext cx="10514160" cy="1324080"/>
           </a:xfrm>
           <a:prstGeom prst="rect">
             <a:avLst/>
@@ -11851,7 +11832,7 @@
         <p:spPr>
           <a:xfrm>
             <a:off x="544680" y="1690560"/>
-            <a:ext cx="11334600" cy="3548520"/>
+            <a:ext cx="11334240" cy="3548160"/>
           </a:xfrm>
           <a:prstGeom prst="rect">
             <a:avLst/>
@@ -11900,7 +11881,7 @@
         <p:spPr>
           <a:xfrm>
             <a:off x="832320" y="0"/>
-            <a:ext cx="10514880" cy="1127160"/>
+            <a:ext cx="10514520" cy="1126800"/>
           </a:xfrm>
           <a:prstGeom prst="rect">
             <a:avLst/>
@@ -11932,6 +11913,7 @@
                   <a:srgbClr val="000000"/>
                 </a:solidFill>
                 <a:latin typeface="Calibri Light"/>
+                <a:ea typeface="DejaVu Sans"/>
               </a:rPr>
               <a:t>1.1.1 Declaración de entrada / salida</a:t>
             </a:r>
@@ -11949,13 +11931,13 @@
         </p:nvPicPr>
         <p:blipFill>
           <a:blip r:embed="rId1"/>
-          <a:srcRect l="0" t="0" r="0" b="55402"/>
+          <a:srcRect l="0" t="0" r="0" b="55390"/>
           <a:stretch/>
         </p:blipFill>
         <p:spPr>
           <a:xfrm>
             <a:off x="832320" y="1043640"/>
-            <a:ext cx="10274400" cy="1983600"/>
+            <a:ext cx="10274040" cy="1983240"/>
           </a:xfrm>
           <a:prstGeom prst="rect">
             <a:avLst/>
@@ -11974,7 +11956,7 @@
         <p:spPr>
           <a:xfrm>
             <a:off x="805320" y="3982320"/>
-            <a:ext cx="1829520" cy="1004400"/>
+            <a:ext cx="1829160" cy="1004400"/>
           </a:xfrm>
           <a:prstGeom prst="rect">
             <a:avLst/>
@@ -12075,7 +12057,7 @@
         <p:spPr>
           <a:xfrm>
             <a:off x="708480" y="3223080"/>
-            <a:ext cx="10537920" cy="699480"/>
+            <a:ext cx="10537560" cy="699480"/>
           </a:xfrm>
           <a:prstGeom prst="rect">
             <a:avLst/>
@@ -12146,7 +12128,7 @@
         <p:spPr>
           <a:xfrm>
             <a:off x="720000" y="4880520"/>
-            <a:ext cx="10439640" cy="699480"/>
+            <a:ext cx="10439280" cy="699480"/>
           </a:xfrm>
           <a:prstGeom prst="rect">
             <a:avLst/>
@@ -12197,7 +12179,7 @@
         <p:spPr>
           <a:xfrm>
             <a:off x="875160" y="5603040"/>
-            <a:ext cx="4417560" cy="1004400"/>
+            <a:ext cx="4417200" cy="1004400"/>
           </a:xfrm>
           <a:prstGeom prst="rect">
             <a:avLst/>
@@ -12319,80 +12301,6 @@
           <a:chExt cx="0" cy="0"/>
         </a:xfrm>
       </p:grpSpPr>
-      <p:sp>
-        <p:nvSpPr>
-          <p:cNvPr id="275" name="CustomShape 1"/>
-          <p:cNvSpPr/>
-          <p:nvPr/>
-        </p:nvSpPr>
-        <p:spPr>
-          <a:xfrm>
-            <a:off x="838080" y="365040"/>
-            <a:ext cx="10514520" cy="1324440"/>
-          </a:xfrm>
-          <a:prstGeom prst="rect">
-            <a:avLst/>
-          </a:prstGeom>
-          <a:noFill/>
-          <a:ln w="0">
-            <a:noFill/>
-          </a:ln>
-        </p:spPr>
-        <p:style>
-          <a:lnRef idx="0"/>
-          <a:fillRef idx="0"/>
-          <a:effectRef idx="0"/>
-          <a:fontRef idx="minor"/>
-        </p:style>
-        <p:txBody>
-          <a:bodyPr lIns="90000" rIns="90000" tIns="45000" bIns="45000" anchor="ctr">
-            <a:noAutofit/>
-          </a:bodyPr>
-          <a:p>
-            <a:pPr>
-              <a:lnSpc>
-                <a:spcPct val="90000"/>
-              </a:lnSpc>
-            </a:pPr>
-            <a:r>
-              <a:rPr b="0" lang="es-MX" sz="4400" spc="-1" strike="noStrike">
-                <a:solidFill>
-                  <a:srgbClr val="000000"/>
-                </a:solidFill>
-                <a:latin typeface="Calibri Light"/>
-                <a:ea typeface="DejaVu Sans"/>
-              </a:rPr>
-              <a:t>Especificadores de almacenamiento</a:t>
-            </a:r>
-            <a:endParaRPr b="0" lang="es-MX" sz="4400" spc="-1" strike="noStrike">
-              <a:latin typeface="Arial"/>
-            </a:endParaRPr>
-          </a:p>
-        </p:txBody>
-      </p:sp>
-      <p:pic>
-        <p:nvPicPr>
-          <p:cNvPr id="276" name="Imagen 3" descr=""/>
-          <p:cNvPicPr/>
-          <p:nvPr/>
-        </p:nvPicPr>
-        <p:blipFill>
-          <a:blip r:embed="rId1"/>
-          <a:stretch/>
-        </p:blipFill>
-        <p:spPr>
-          <a:xfrm>
-            <a:off x="0" y="1494720"/>
-            <a:ext cx="11865600" cy="4606200"/>
-          </a:xfrm>
-          <a:prstGeom prst="rect">
-            <a:avLst/>
-          </a:prstGeom>
-          <a:ln w="0">
-            <a:noFill/>
-          </a:ln>
-        </p:spPr>
-      </p:pic>
     </p:spTree>
   </p:cSld>
   <mc:AlternateContent>
@@ -12425,14 +12333,14 @@
       </p:grpSpPr>
       <p:sp>
         <p:nvSpPr>
-          <p:cNvPr id="277" name="CustomShape 1"/>
+          <p:cNvPr id="275" name="CustomShape 1"/>
           <p:cNvSpPr/>
           <p:nvPr/>
         </p:nvSpPr>
         <p:spPr>
           <a:xfrm>
-            <a:off x="838080" y="-175680"/>
-            <a:ext cx="10514520" cy="1324440"/>
+            <a:off x="838080" y="365040"/>
+            <a:ext cx="10514160" cy="1324080"/>
           </a:xfrm>
           <a:prstGeom prst="rect">
             <a:avLst/>
@@ -12476,7 +12384,7 @@
       </p:sp>
       <p:pic>
         <p:nvPicPr>
-          <p:cNvPr id="278" name="Imagen 3" descr=""/>
+          <p:cNvPr id="276" name="Imagen 3" descr=""/>
           <p:cNvPicPr/>
           <p:nvPr/>
         </p:nvPicPr>
@@ -12486,8 +12394,8 @@
         </p:blipFill>
         <p:spPr>
           <a:xfrm>
-            <a:off x="446040" y="984600"/>
-            <a:ext cx="11298960" cy="4799520"/>
+            <a:off x="0" y="1494720"/>
+            <a:ext cx="11865240" cy="4605840"/>
           </a:xfrm>
           <a:prstGeom prst="rect">
             <a:avLst/>
@@ -12529,14 +12437,14 @@
       </p:grpSpPr>
       <p:sp>
         <p:nvSpPr>
-          <p:cNvPr id="279" name="CustomShape 1"/>
+          <p:cNvPr id="277" name="CustomShape 1"/>
           <p:cNvSpPr/>
           <p:nvPr/>
         </p:nvSpPr>
         <p:spPr>
           <a:xfrm>
-            <a:off x="820440" y="0"/>
-            <a:ext cx="10514520" cy="1324440"/>
+            <a:off x="838080" y="-175680"/>
+            <a:ext cx="10514160" cy="1324080"/>
           </a:xfrm>
           <a:prstGeom prst="rect">
             <a:avLst/>
@@ -12570,7 +12478,7 @@
                 <a:latin typeface="Calibri Light"/>
                 <a:ea typeface="DejaVu Sans"/>
               </a:rPr>
-              <a:t>1.2.5 Definición de constantes</a:t>
+              <a:t>Especificadores de almacenamiento</a:t>
             </a:r>
             <a:endParaRPr b="0" lang="es-MX" sz="4400" spc="-1" strike="noStrike">
               <a:latin typeface="Arial"/>
@@ -12580,7 +12488,7 @@
       </p:sp>
       <p:pic>
         <p:nvPicPr>
-          <p:cNvPr id="280" name="Imagen 3" descr=""/>
+          <p:cNvPr id="278" name="Imagen 3" descr=""/>
           <p:cNvPicPr/>
           <p:nvPr/>
         </p:nvPicPr>
@@ -12590,32 +12498,8 @@
         </p:blipFill>
         <p:spPr>
           <a:xfrm>
-            <a:off x="486360" y="1022400"/>
-            <a:ext cx="11183400" cy="2967840"/>
-          </a:xfrm>
-          <a:prstGeom prst="rect">
-            <a:avLst/>
-          </a:prstGeom>
-          <a:ln w="0">
-            <a:noFill/>
-          </a:ln>
-        </p:spPr>
-      </p:pic>
-      <p:pic>
-        <p:nvPicPr>
-          <p:cNvPr id="281" name="Imagen 4" descr=""/>
-          <p:cNvPicPr/>
-          <p:nvPr/>
-        </p:nvPicPr>
-        <p:blipFill>
-          <a:blip r:embed="rId2"/>
-          <a:srcRect l="0" t="0" r="0" b="5967"/>
-          <a:stretch/>
-        </p:blipFill>
-        <p:spPr>
-          <a:xfrm>
-            <a:off x="486360" y="3787920"/>
-            <a:ext cx="11013480" cy="1152360"/>
+            <a:off x="446040" y="984600"/>
+            <a:ext cx="11298600" cy="4799160"/>
           </a:xfrm>
           <a:prstGeom prst="rect">
             <a:avLst/>
@@ -12657,14 +12541,14 @@
       </p:grpSpPr>
       <p:sp>
         <p:nvSpPr>
-          <p:cNvPr id="282" name="CustomShape 1"/>
+          <p:cNvPr id="279" name="CustomShape 1"/>
           <p:cNvSpPr/>
           <p:nvPr/>
         </p:nvSpPr>
         <p:spPr>
           <a:xfrm>
-            <a:off x="838080" y="0"/>
-            <a:ext cx="10514520" cy="1324440"/>
+            <a:off x="820440" y="0"/>
+            <a:ext cx="10514160" cy="1324080"/>
           </a:xfrm>
           <a:prstGeom prst="rect">
             <a:avLst/>
@@ -12698,7 +12582,7 @@
                 <a:latin typeface="Calibri Light"/>
                 <a:ea typeface="DejaVu Sans"/>
               </a:rPr>
-              <a:t>Constantes</a:t>
+              <a:t>1.2.5 Definición de constantes</a:t>
             </a:r>
             <a:endParaRPr b="0" lang="es-MX" sz="4400" spc="-1" strike="noStrike">
               <a:latin typeface="Arial"/>
@@ -12708,7 +12592,7 @@
       </p:sp>
       <p:pic>
         <p:nvPicPr>
-          <p:cNvPr id="283" name="Imagen 3" descr=""/>
+          <p:cNvPr id="280" name="Imagen 3" descr=""/>
           <p:cNvPicPr/>
           <p:nvPr/>
         </p:nvPicPr>
@@ -12718,8 +12602,32 @@
         </p:blipFill>
         <p:spPr>
           <a:xfrm>
-            <a:off x="2751480" y="914400"/>
-            <a:ext cx="7780680" cy="5849640"/>
+            <a:off x="486360" y="1022400"/>
+            <a:ext cx="11183040" cy="2967480"/>
+          </a:xfrm>
+          <a:prstGeom prst="rect">
+            <a:avLst/>
+          </a:prstGeom>
+          <a:ln w="0">
+            <a:noFill/>
+          </a:ln>
+        </p:spPr>
+      </p:pic>
+      <p:pic>
+        <p:nvPicPr>
+          <p:cNvPr id="281" name="Imagen 4" descr=""/>
+          <p:cNvPicPr/>
+          <p:nvPr/>
+        </p:nvPicPr>
+        <p:blipFill>
+          <a:blip r:embed="rId2"/>
+          <a:srcRect l="0" t="0" r="0" b="5967"/>
+          <a:stretch/>
+        </p:blipFill>
+        <p:spPr>
+          <a:xfrm>
+            <a:off x="486360" y="3787920"/>
+            <a:ext cx="11013120" cy="1152000"/>
           </a:xfrm>
           <a:prstGeom prst="rect">
             <a:avLst/>
@@ -12761,14 +12669,14 @@
       </p:grpSpPr>
       <p:sp>
         <p:nvSpPr>
-          <p:cNvPr id="284" name="CustomShape 1"/>
+          <p:cNvPr id="282" name="CustomShape 1"/>
           <p:cNvSpPr/>
           <p:nvPr/>
         </p:nvSpPr>
         <p:spPr>
           <a:xfrm>
-            <a:off x="878040" y="0"/>
-            <a:ext cx="10514520" cy="1324440"/>
+            <a:off x="838080" y="0"/>
+            <a:ext cx="10514160" cy="1324080"/>
           </a:xfrm>
           <a:prstGeom prst="rect">
             <a:avLst/>
@@ -12812,7 +12720,7 @@
       </p:sp>
       <p:pic>
         <p:nvPicPr>
-          <p:cNvPr id="285" name="Imagen 3" descr=""/>
+          <p:cNvPr id="283" name="Imagen 3" descr=""/>
           <p:cNvPicPr/>
           <p:nvPr/>
         </p:nvPicPr>
@@ -12822,8 +12730,8 @@
         </p:blipFill>
         <p:spPr>
           <a:xfrm>
-            <a:off x="986760" y="1178280"/>
-            <a:ext cx="10297080" cy="4535640"/>
+            <a:off x="2751480" y="914400"/>
+            <a:ext cx="7780320" cy="5849280"/>
           </a:xfrm>
           <a:prstGeom prst="rect">
             <a:avLst/>
@@ -12865,14 +12773,14 @@
       </p:grpSpPr>
       <p:sp>
         <p:nvSpPr>
-          <p:cNvPr id="286" name="CustomShape 1"/>
+          <p:cNvPr id="284" name="CustomShape 1"/>
           <p:cNvSpPr/>
           <p:nvPr/>
         </p:nvSpPr>
         <p:spPr>
           <a:xfrm>
-            <a:off x="820440" y="-355680"/>
-            <a:ext cx="10514520" cy="1324440"/>
+            <a:off x="878040" y="0"/>
+            <a:ext cx="10514160" cy="1324080"/>
           </a:xfrm>
           <a:prstGeom prst="rect">
             <a:avLst/>
@@ -12916,7 +12824,7 @@
       </p:sp>
       <p:pic>
         <p:nvPicPr>
-          <p:cNvPr id="287" name="Imagen 3" descr=""/>
+          <p:cNvPr id="285" name="Imagen 3" descr=""/>
           <p:cNvPicPr/>
           <p:nvPr/>
         </p:nvPicPr>
@@ -12926,31 +12834,8 @@
         </p:blipFill>
         <p:spPr>
           <a:xfrm>
-            <a:off x="518760" y="492480"/>
-            <a:ext cx="11118600" cy="1850040"/>
-          </a:xfrm>
-          <a:prstGeom prst="rect">
-            <a:avLst/>
-          </a:prstGeom>
-          <a:ln w="0">
-            <a:noFill/>
-          </a:ln>
-        </p:spPr>
-      </p:pic>
-      <p:pic>
-        <p:nvPicPr>
-          <p:cNvPr id="288" name="Imagen 4" descr=""/>
-          <p:cNvPicPr/>
-          <p:nvPr/>
-        </p:nvPicPr>
-        <p:blipFill>
-          <a:blip r:embed="rId2"/>
-          <a:stretch/>
-        </p:blipFill>
-        <p:spPr>
-          <a:xfrm>
-            <a:off x="4402080" y="2343600"/>
-            <a:ext cx="3351600" cy="4132800"/>
+            <a:off x="986760" y="1178280"/>
+            <a:ext cx="10296720" cy="4535280"/>
           </a:xfrm>
           <a:prstGeom prst="rect">
             <a:avLst/>
@@ -12992,14 +12877,14 @@
       </p:grpSpPr>
       <p:sp>
         <p:nvSpPr>
-          <p:cNvPr id="289" name="CustomShape 1"/>
+          <p:cNvPr id="286" name="CustomShape 1"/>
           <p:cNvSpPr/>
           <p:nvPr/>
         </p:nvSpPr>
         <p:spPr>
           <a:xfrm>
-            <a:off x="838080" y="-285480"/>
-            <a:ext cx="10514520" cy="1324440"/>
+            <a:off x="820440" y="-355680"/>
+            <a:ext cx="10514160" cy="1324080"/>
           </a:xfrm>
           <a:prstGeom prst="rect">
             <a:avLst/>
@@ -13043,7 +12928,7 @@
       </p:sp>
       <p:pic>
         <p:nvPicPr>
-          <p:cNvPr id="290" name="Imagen 3" descr=""/>
+          <p:cNvPr id="287" name="Imagen 3" descr=""/>
           <p:cNvPicPr/>
           <p:nvPr/>
         </p:nvPicPr>
@@ -13053,8 +12938,8 @@
         </p:blipFill>
         <p:spPr>
           <a:xfrm>
-            <a:off x="594360" y="615600"/>
-            <a:ext cx="11001960" cy="2161800"/>
+            <a:off x="518760" y="492480"/>
+            <a:ext cx="11118240" cy="1849680"/>
           </a:xfrm>
           <a:prstGeom prst="rect">
             <a:avLst/>
@@ -13064,157 +12949,29 @@
           </a:ln>
         </p:spPr>
       </p:pic>
-      <p:sp>
-        <p:nvSpPr>
-          <p:cNvPr id="291" name="CustomShape 2"/>
-          <p:cNvSpPr/>
+      <p:pic>
+        <p:nvPicPr>
+          <p:cNvPr id="288" name="Imagen 4" descr=""/>
+          <p:cNvPicPr/>
           <p:nvPr/>
-        </p:nvSpPr>
-        <p:spPr>
-          <a:xfrm>
-            <a:off x="331200" y="3059640"/>
-            <a:ext cx="11596320" cy="1614240"/>
-          </a:xfrm>
-          <a:prstGeom prst="rect">
-            <a:avLst/>
-          </a:prstGeom>
-          <a:noFill/>
+        </p:nvPicPr>
+        <p:blipFill>
+          <a:blip r:embed="rId2"/>
+          <a:stretch/>
+        </p:blipFill>
+        <p:spPr>
+          <a:xfrm>
+            <a:off x="4402080" y="2343600"/>
+            <a:ext cx="3351240" cy="4132440"/>
+          </a:xfrm>
+          <a:prstGeom prst="rect">
+            <a:avLst/>
+          </a:prstGeom>
           <a:ln w="0">
             <a:noFill/>
           </a:ln>
         </p:spPr>
-        <p:style>
-          <a:lnRef idx="0"/>
-          <a:fillRef idx="0"/>
-          <a:effectRef idx="0"/>
-          <a:fontRef idx="minor"/>
-        </p:style>
-        <p:txBody>
-          <a:bodyPr wrap="none" lIns="90000" rIns="90000" tIns="45000" bIns="45000">
-            <a:spAutoFit/>
-          </a:bodyPr>
-          <a:p>
-            <a:pPr>
-              <a:lnSpc>
-                <a:spcPct val="100000"/>
-              </a:lnSpc>
-            </a:pPr>
-            <a:r>
-              <a:rPr b="0" lang="es-MX" sz="2000" spc="-1" strike="noStrike">
-                <a:solidFill>
-                  <a:srgbClr val="000000"/>
-                </a:solidFill>
-                <a:latin typeface="Calibri"/>
-                <a:ea typeface="DejaVu Sans"/>
-              </a:rPr>
-              <a:t>Para cada tipo de dato T también podemos usar un tipo T const (o, equivalentemente, </a:t>
-            </a:r>
-            <a:endParaRPr b="0" lang="es-MX" sz="2000" spc="-1" strike="noStrike">
-              <a:latin typeface="Arial"/>
-            </a:endParaRPr>
-          </a:p>
-          <a:p>
-            <a:pPr>
-              <a:lnSpc>
-                <a:spcPct val="100000"/>
-              </a:lnSpc>
-            </a:pPr>
-            <a:r>
-              <a:rPr b="0" lang="es-MX" sz="2000" spc="-1" strike="noStrike">
-                <a:solidFill>
-                  <a:srgbClr val="000000"/>
-                </a:solidFill>
-                <a:latin typeface="Calibri"/>
-                <a:ea typeface="DejaVu Sans"/>
-              </a:rPr>
-              <a:t>const T). Tales variables no pueden ser cambiadas directamente (son </a:t>
-            </a:r>
-            <a:r>
-              <a:rPr b="1" lang="es-MX" sz="2000" spc="-1" strike="noStrike">
-                <a:solidFill>
-                  <a:srgbClr val="000000"/>
-                </a:solidFill>
-                <a:latin typeface="Calibri"/>
-                <a:ea typeface="DejaVu Sans"/>
-              </a:rPr>
-              <a:t>inmutables</a:t>
-            </a:r>
-            <a:r>
-              <a:rPr b="0" lang="es-MX" sz="2000" spc="-1" strike="noStrike">
-                <a:solidFill>
-                  <a:srgbClr val="000000"/>
-                </a:solidFill>
-                <a:latin typeface="Calibri"/>
-                <a:ea typeface="DejaVu Sans"/>
-              </a:rPr>
-              <a:t>). Esto </a:t>
-            </a:r>
-            <a:endParaRPr b="0" lang="es-MX" sz="2000" spc="-1" strike="noStrike">
-              <a:latin typeface="Arial"/>
-            </a:endParaRPr>
-          </a:p>
-          <a:p>
-            <a:pPr>
-              <a:lnSpc>
-                <a:spcPct val="100000"/>
-              </a:lnSpc>
-            </a:pPr>
-            <a:r>
-              <a:rPr b="0" lang="es-MX" sz="2000" spc="-1" strike="noStrike">
-                <a:solidFill>
-                  <a:srgbClr val="000000"/>
-                </a:solidFill>
-                <a:latin typeface="Calibri"/>
-                <a:ea typeface="DejaVu Sans"/>
-              </a:rPr>
-              <a:t>significa que tales datos deben ser inicializados simultáneamente con una declaración. </a:t>
-            </a:r>
-            <a:endParaRPr b="0" lang="es-MX" sz="2000" spc="-1" strike="noStrike">
-              <a:latin typeface="Arial"/>
-            </a:endParaRPr>
-          </a:p>
-          <a:p>
-            <a:pPr>
-              <a:lnSpc>
-                <a:spcPct val="100000"/>
-              </a:lnSpc>
-            </a:pPr>
-            <a:r>
-              <a:rPr b="0" lang="es-MX" sz="2000" spc="-1" strike="noStrike">
-                <a:solidFill>
-                  <a:srgbClr val="000000"/>
-                </a:solidFill>
-                <a:latin typeface="Calibri"/>
-                <a:ea typeface="DejaVu Sans"/>
-              </a:rPr>
-              <a:t>En la siguiente diapositiva se muestran algunas sentencias que incluyen el uso de la </a:t>
-            </a:r>
-            <a:endParaRPr b="0" lang="es-MX" sz="2000" spc="-1" strike="noStrike">
-              <a:latin typeface="Arial"/>
-            </a:endParaRPr>
-          </a:p>
-          <a:p>
-            <a:pPr>
-              <a:lnSpc>
-                <a:spcPct val="100000"/>
-              </a:lnSpc>
-            </a:pPr>
-            <a:r>
-              <a:rPr b="0" lang="es-MX" sz="2000" spc="-1" strike="noStrike">
-                <a:solidFill>
-                  <a:srgbClr val="000000"/>
-                </a:solidFill>
-                <a:latin typeface="Calibri"/>
-                <a:ea typeface="DejaVu Sans"/>
-              </a:rPr>
-              <a:t>palabra reservada const, algunas correctas y algunas incorrectas.</a:t>
-            </a:r>
-            <a:endParaRPr b="0" lang="es-MX" sz="2000" spc="-1" strike="noStrike">
-              <a:latin typeface="Arial"/>
-            </a:endParaRPr>
-          </a:p>
-        </p:txBody>
-      </p:sp>
+      </p:pic>
     </p:spTree>
   </p:cSld>
   <mc:AlternateContent>
@@ -13247,14 +13004,14 @@
       </p:grpSpPr>
       <p:sp>
         <p:nvSpPr>
-          <p:cNvPr id="292" name="CustomShape 1"/>
+          <p:cNvPr id="289" name="CustomShape 1"/>
           <p:cNvSpPr/>
           <p:nvPr/>
         </p:nvSpPr>
         <p:spPr>
           <a:xfrm>
-            <a:off x="838080" y="-250200"/>
-            <a:ext cx="10514520" cy="1324440"/>
+            <a:off x="838080" y="-285480"/>
+            <a:ext cx="10514160" cy="1324080"/>
           </a:xfrm>
           <a:prstGeom prst="rect">
             <a:avLst/>
@@ -13298,7 +13055,7 @@
       </p:sp>
       <p:pic>
         <p:nvPicPr>
-          <p:cNvPr id="293" name="Imagen 3" descr=""/>
+          <p:cNvPr id="290" name="Imagen 3" descr=""/>
           <p:cNvPicPr/>
           <p:nvPr/>
         </p:nvPicPr>
@@ -13308,8 +13065,8 @@
         </p:blipFill>
         <p:spPr>
           <a:xfrm>
-            <a:off x="1137600" y="756000"/>
-            <a:ext cx="8673120" cy="4359960"/>
+            <a:off x="594360" y="615600"/>
+            <a:ext cx="11001600" cy="2161440"/>
           </a:xfrm>
           <a:prstGeom prst="rect">
             <a:avLst/>
@@ -13319,6 +13076,157 @@
           </a:ln>
         </p:spPr>
       </p:pic>
+      <p:sp>
+        <p:nvSpPr>
+          <p:cNvPr id="291" name="CustomShape 2"/>
+          <p:cNvSpPr/>
+          <p:nvPr/>
+        </p:nvSpPr>
+        <p:spPr>
+          <a:xfrm>
+            <a:off x="331200" y="3059640"/>
+            <a:ext cx="11595960" cy="1614240"/>
+          </a:xfrm>
+          <a:prstGeom prst="rect">
+            <a:avLst/>
+          </a:prstGeom>
+          <a:noFill/>
+          <a:ln w="0">
+            <a:noFill/>
+          </a:ln>
+        </p:spPr>
+        <p:style>
+          <a:lnRef idx="0"/>
+          <a:fillRef idx="0"/>
+          <a:effectRef idx="0"/>
+          <a:fontRef idx="minor"/>
+        </p:style>
+        <p:txBody>
+          <a:bodyPr wrap="none" lIns="90000" rIns="90000" tIns="45000" bIns="45000">
+            <a:spAutoFit/>
+          </a:bodyPr>
+          <a:p>
+            <a:pPr>
+              <a:lnSpc>
+                <a:spcPct val="100000"/>
+              </a:lnSpc>
+            </a:pPr>
+            <a:r>
+              <a:rPr b="0" lang="es-MX" sz="2000" spc="-1" strike="noStrike">
+                <a:solidFill>
+                  <a:srgbClr val="000000"/>
+                </a:solidFill>
+                <a:latin typeface="Calibri"/>
+                <a:ea typeface="DejaVu Sans"/>
+              </a:rPr>
+              <a:t>Para cada tipo de dato T también podemos usar un tipo T const (o, equivalentemente, </a:t>
+            </a:r>
+            <a:endParaRPr b="0" lang="es-MX" sz="2000" spc="-1" strike="noStrike">
+              <a:latin typeface="Arial"/>
+            </a:endParaRPr>
+          </a:p>
+          <a:p>
+            <a:pPr>
+              <a:lnSpc>
+                <a:spcPct val="100000"/>
+              </a:lnSpc>
+            </a:pPr>
+            <a:r>
+              <a:rPr b="0" lang="es-MX" sz="2000" spc="-1" strike="noStrike">
+                <a:solidFill>
+                  <a:srgbClr val="000000"/>
+                </a:solidFill>
+                <a:latin typeface="Calibri"/>
+                <a:ea typeface="DejaVu Sans"/>
+              </a:rPr>
+              <a:t>const T). Tales variables no pueden ser cambiadas directamente (son </a:t>
+            </a:r>
+            <a:r>
+              <a:rPr b="1" lang="es-MX" sz="2000" spc="-1" strike="noStrike">
+                <a:solidFill>
+                  <a:srgbClr val="000000"/>
+                </a:solidFill>
+                <a:latin typeface="Calibri"/>
+                <a:ea typeface="DejaVu Sans"/>
+              </a:rPr>
+              <a:t>inmutables</a:t>
+            </a:r>
+            <a:r>
+              <a:rPr b="0" lang="es-MX" sz="2000" spc="-1" strike="noStrike">
+                <a:solidFill>
+                  <a:srgbClr val="000000"/>
+                </a:solidFill>
+                <a:latin typeface="Calibri"/>
+                <a:ea typeface="DejaVu Sans"/>
+              </a:rPr>
+              <a:t>). Esto </a:t>
+            </a:r>
+            <a:endParaRPr b="0" lang="es-MX" sz="2000" spc="-1" strike="noStrike">
+              <a:latin typeface="Arial"/>
+            </a:endParaRPr>
+          </a:p>
+          <a:p>
+            <a:pPr>
+              <a:lnSpc>
+                <a:spcPct val="100000"/>
+              </a:lnSpc>
+            </a:pPr>
+            <a:r>
+              <a:rPr b="0" lang="es-MX" sz="2000" spc="-1" strike="noStrike">
+                <a:solidFill>
+                  <a:srgbClr val="000000"/>
+                </a:solidFill>
+                <a:latin typeface="Calibri"/>
+                <a:ea typeface="DejaVu Sans"/>
+              </a:rPr>
+              <a:t>significa que tales datos deben ser inicializados simultáneamente con una declaración. </a:t>
+            </a:r>
+            <a:endParaRPr b="0" lang="es-MX" sz="2000" spc="-1" strike="noStrike">
+              <a:latin typeface="Arial"/>
+            </a:endParaRPr>
+          </a:p>
+          <a:p>
+            <a:pPr>
+              <a:lnSpc>
+                <a:spcPct val="100000"/>
+              </a:lnSpc>
+            </a:pPr>
+            <a:r>
+              <a:rPr b="0" lang="es-MX" sz="2000" spc="-1" strike="noStrike">
+                <a:solidFill>
+                  <a:srgbClr val="000000"/>
+                </a:solidFill>
+                <a:latin typeface="Calibri"/>
+                <a:ea typeface="DejaVu Sans"/>
+              </a:rPr>
+              <a:t>En la siguiente diapositiva se muestran algunas sentencias que incluyen el uso de la </a:t>
+            </a:r>
+            <a:endParaRPr b="0" lang="es-MX" sz="2000" spc="-1" strike="noStrike">
+              <a:latin typeface="Arial"/>
+            </a:endParaRPr>
+          </a:p>
+          <a:p>
+            <a:pPr>
+              <a:lnSpc>
+                <a:spcPct val="100000"/>
+              </a:lnSpc>
+            </a:pPr>
+            <a:r>
+              <a:rPr b="0" lang="es-MX" sz="2000" spc="-1" strike="noStrike">
+                <a:solidFill>
+                  <a:srgbClr val="000000"/>
+                </a:solidFill>
+                <a:latin typeface="Calibri"/>
+                <a:ea typeface="DejaVu Sans"/>
+              </a:rPr>
+              <a:t>palabra reservada const, algunas correctas y algunas incorrectas.</a:t>
+            </a:r>
+            <a:endParaRPr b="0" lang="es-MX" sz="2000" spc="-1" strike="noStrike">
+              <a:latin typeface="Arial"/>
+            </a:endParaRPr>
+          </a:p>
+        </p:txBody>
+      </p:sp>
     </p:spTree>
   </p:cSld>
   <mc:AlternateContent>
@@ -13351,14 +13259,14 @@
       </p:grpSpPr>
       <p:sp>
         <p:nvSpPr>
-          <p:cNvPr id="294" name="CustomShape 1"/>
+          <p:cNvPr id="292" name="CustomShape 1"/>
           <p:cNvSpPr/>
           <p:nvPr/>
         </p:nvSpPr>
         <p:spPr>
           <a:xfrm>
-            <a:off x="636840" y="365040"/>
-            <a:ext cx="10514520" cy="1324440"/>
+            <a:off x="838080" y="-250200"/>
+            <a:ext cx="10514160" cy="1324080"/>
           </a:xfrm>
           <a:prstGeom prst="rect">
             <a:avLst/>
@@ -13385,16 +13293,16 @@
               </a:lnSpc>
             </a:pPr>
             <a:r>
-              <a:rPr b="0" lang="es-MX" sz="4000" spc="-1" strike="noStrike">
+              <a:rPr b="0" lang="es-MX" sz="4400" spc="-1" strike="noStrike">
                 <a:solidFill>
                   <a:srgbClr val="000000"/>
                 </a:solidFill>
                 <a:latin typeface="Calibri Light"/>
                 <a:ea typeface="DejaVu Sans"/>
               </a:rPr>
-              <a:t>Ejemplo 7</a:t>
-            </a:r>
-            <a:endParaRPr b="0" lang="es-MX" sz="4000" spc="-1" strike="noStrike">
+              <a:t>Constantes</a:t>
+            </a:r>
+            <a:endParaRPr b="0" lang="es-MX" sz="4400" spc="-1" strike="noStrike">
               <a:latin typeface="Arial"/>
             </a:endParaRPr>
           </a:p>
@@ -13402,7 +13310,7 @@
       </p:sp>
       <p:pic>
         <p:nvPicPr>
-          <p:cNvPr id="295" name="Imagen 3" descr=""/>
+          <p:cNvPr id="293" name="Imagen 3" descr=""/>
           <p:cNvPicPr/>
           <p:nvPr/>
         </p:nvPicPr>
@@ -13412,8 +13320,8 @@
         </p:blipFill>
         <p:spPr>
           <a:xfrm>
-            <a:off x="3361320" y="240840"/>
-            <a:ext cx="8542440" cy="6371640"/>
+            <a:off x="1137600" y="756000"/>
+            <a:ext cx="8672760" cy="4359600"/>
           </a:xfrm>
           <a:prstGeom prst="rect">
             <a:avLst/>
@@ -13455,14 +13363,14 @@
       </p:grpSpPr>
       <p:sp>
         <p:nvSpPr>
-          <p:cNvPr id="296" name="CustomShape 1"/>
+          <p:cNvPr id="294" name="CustomShape 1"/>
           <p:cNvSpPr/>
           <p:nvPr/>
         </p:nvSpPr>
         <p:spPr>
           <a:xfrm>
-            <a:off x="838080" y="-2520"/>
-            <a:ext cx="9421200" cy="1082160"/>
+            <a:off x="636840" y="365040"/>
+            <a:ext cx="10514160" cy="1324080"/>
           </a:xfrm>
           <a:prstGeom prst="rect">
             <a:avLst/>
@@ -13480,7 +13388,7 @@
         </p:style>
         <p:txBody>
           <a:bodyPr lIns="90000" rIns="90000" tIns="45000" bIns="45000" anchor="ctr">
-            <a:normAutofit fontScale="88000"/>
+            <a:noAutofit/>
           </a:bodyPr>
           <a:p>
             <a:pPr>
@@ -13489,60 +13397,24 @@
               </a:lnSpc>
             </a:pPr>
             <a:r>
-              <a:rPr b="0" lang="es-MX" sz="3600" spc="-1" strike="noStrike">
+              <a:rPr b="0" lang="es-MX" sz="4000" spc="-1" strike="noStrike">
                 <a:solidFill>
                   <a:srgbClr val="000000"/>
                 </a:solidFill>
                 <a:latin typeface="Calibri Light"/>
                 <a:ea typeface="DejaVu Sans"/>
               </a:rPr>
-              <a:t>Para lograr el efecto del ejemplo 7 se usó:</a:t>
-            </a:r>
-            <a:r>
-              <a:rPr b="0" lang="es-MX" sz="4400" spc="-1" strike="noStrike">
-                <a:solidFill>
-                  <a:srgbClr val="000000"/>
-                </a:solidFill>
-                <a:latin typeface="Calibri Light"/>
-                <a:ea typeface="DejaVu Sans"/>
-              </a:rPr>
-              <a:t> </a:t>
-            </a:r>
-            <a:endParaRPr b="0" lang="es-MX" sz="4400" spc="-1" strike="noStrike">
-              <a:latin typeface="Arial"/>
-            </a:endParaRPr>
-          </a:p>
-        </p:txBody>
-      </p:sp>
-      <p:sp>
-        <p:nvSpPr>
-          <p:cNvPr id="297" name="CustomShape 2"/>
-          <p:cNvSpPr/>
-          <p:nvPr/>
-        </p:nvSpPr>
-        <p:spPr>
-          <a:xfrm>
-            <a:off x="838080" y="1825560"/>
-            <a:ext cx="10514520" cy="4350240"/>
-          </a:xfrm>
-          <a:prstGeom prst="rect">
-            <a:avLst/>
-          </a:prstGeom>
-          <a:noFill/>
-          <a:ln w="0">
-            <a:noFill/>
-          </a:ln>
-        </p:spPr>
-        <p:style>
-          <a:lnRef idx="0"/>
-          <a:fillRef idx="0"/>
-          <a:effectRef idx="0"/>
-          <a:fontRef idx="minor"/>
-        </p:style>
+              <a:t>Ejemplo 7</a:t>
+            </a:r>
+            <a:endParaRPr b="0" lang="es-MX" sz="4000" spc="-1" strike="noStrike">
+              <a:latin typeface="Arial"/>
+            </a:endParaRPr>
+          </a:p>
+        </p:txBody>
       </p:sp>
       <p:pic>
         <p:nvPicPr>
-          <p:cNvPr id="298" name="Imagen 4" descr=""/>
+          <p:cNvPr id="295" name="Imagen 3" descr=""/>
           <p:cNvPicPr/>
           <p:nvPr/>
         </p:nvPicPr>
@@ -13552,54 +13424,8 @@
         </p:blipFill>
         <p:spPr>
           <a:xfrm>
-            <a:off x="600120" y="3856320"/>
-            <a:ext cx="9255600" cy="2774520"/>
-          </a:xfrm>
-          <a:prstGeom prst="rect">
-            <a:avLst/>
-          </a:prstGeom>
-          <a:ln w="0">
-            <a:noFill/>
-          </a:ln>
-        </p:spPr>
-      </p:pic>
-      <p:pic>
-        <p:nvPicPr>
-          <p:cNvPr id="299" name="Imagen 5" descr=""/>
-          <p:cNvPicPr/>
-          <p:nvPr/>
-        </p:nvPicPr>
-        <p:blipFill>
-          <a:blip r:embed="rId2"/>
-          <a:stretch/>
-        </p:blipFill>
-        <p:spPr>
-          <a:xfrm>
-            <a:off x="600120" y="763920"/>
-            <a:ext cx="8841240" cy="3091320"/>
-          </a:xfrm>
-          <a:prstGeom prst="rect">
-            <a:avLst/>
-          </a:prstGeom>
-          <a:ln w="0">
-            <a:noFill/>
-          </a:ln>
-        </p:spPr>
-      </p:pic>
-      <p:pic>
-        <p:nvPicPr>
-          <p:cNvPr id="300" name="Imagen 6" descr=""/>
-          <p:cNvPicPr/>
-          <p:nvPr/>
-        </p:nvPicPr>
-        <p:blipFill>
-          <a:blip r:embed="rId3"/>
-          <a:stretch/>
-        </p:blipFill>
-        <p:spPr>
-          <a:xfrm>
-            <a:off x="5976360" y="4601160"/>
-            <a:ext cx="5614560" cy="2164680"/>
+            <a:off x="3361320" y="240840"/>
+            <a:ext cx="8542080" cy="6371280"/>
           </a:xfrm>
           <a:prstGeom prst="rect">
             <a:avLst/>
@@ -13648,7 +13474,7 @@
         <p:spPr>
           <a:xfrm>
             <a:off x="392400" y="-13320"/>
-            <a:ext cx="10514880" cy="1079640"/>
+            <a:ext cx="10514520" cy="1079280"/>
           </a:xfrm>
           <a:prstGeom prst="rect">
             <a:avLst/>
@@ -13680,6 +13506,7 @@
                   <a:srgbClr val="000000"/>
                 </a:solidFill>
                 <a:latin typeface="Calibri Light"/>
+                <a:ea typeface="DejaVu Sans"/>
               </a:rPr>
               <a:t>Los tipos de datos</a:t>
             </a:r>
@@ -13698,7 +13525,7 @@
         <p:spPr>
           <a:xfrm>
             <a:off x="312120" y="1229040"/>
-            <a:ext cx="2400120" cy="455760"/>
+            <a:ext cx="2400120" cy="455400"/>
           </a:xfrm>
           <a:prstGeom prst="rect">
             <a:avLst/>
@@ -13753,7 +13580,7 @@
         <p:spPr>
           <a:xfrm>
             <a:off x="360000" y="1743120"/>
-            <a:ext cx="9957960" cy="1316520"/>
+            <a:ext cx="9957600" cy="1316160"/>
           </a:xfrm>
           <a:prstGeom prst="rect">
             <a:avLst/>
@@ -13772,7 +13599,7 @@
         <p:spPr>
           <a:xfrm>
             <a:off x="452160" y="3298320"/>
-            <a:ext cx="11399040" cy="2224080"/>
+            <a:ext cx="11398680" cy="2224080"/>
           </a:xfrm>
           <a:prstGeom prst="rect">
             <a:avLst/>
@@ -14006,14 +13833,14 @@
       </p:grpSpPr>
       <p:sp>
         <p:nvSpPr>
-          <p:cNvPr id="301" name="CustomShape 1"/>
+          <p:cNvPr id="296" name="CustomShape 1"/>
           <p:cNvSpPr/>
           <p:nvPr/>
         </p:nvSpPr>
         <p:spPr>
           <a:xfrm>
-            <a:off x="376920" y="378360"/>
-            <a:ext cx="10514520" cy="1324440"/>
+            <a:off x="838080" y="-2520"/>
+            <a:ext cx="9420840" cy="1081800"/>
           </a:xfrm>
           <a:prstGeom prst="rect">
             <a:avLst/>
@@ -14031,7 +13858,7 @@
         </p:style>
         <p:txBody>
           <a:bodyPr lIns="90000" rIns="90000" tIns="45000" bIns="45000" anchor="ctr">
-            <a:noAutofit/>
+            <a:normAutofit fontScale="88000"/>
           </a:bodyPr>
           <a:p>
             <a:pPr>
@@ -14040,24 +13867,60 @@
               </a:lnSpc>
             </a:pPr>
             <a:r>
-              <a:rPr b="0" lang="es-MX" sz="4000" spc="-1" strike="noStrike">
+              <a:rPr b="0" lang="es-MX" sz="3600" spc="-1" strike="noStrike">
                 <a:solidFill>
                   <a:srgbClr val="000000"/>
                 </a:solidFill>
                 <a:latin typeface="Calibri Light"/>
                 <a:ea typeface="DejaVu Sans"/>
               </a:rPr>
-              <a:t>Ejemplo 8</a:t>
-            </a:r>
-            <a:endParaRPr b="0" lang="es-MX" sz="4000" spc="-1" strike="noStrike">
-              <a:latin typeface="Arial"/>
-            </a:endParaRPr>
-          </a:p>
-        </p:txBody>
+              <a:t>Para lograr el efecto del ejemplo 7 se usó:</a:t>
+            </a:r>
+            <a:r>
+              <a:rPr b="0" lang="es-MX" sz="4400" spc="-1" strike="noStrike">
+                <a:solidFill>
+                  <a:srgbClr val="000000"/>
+                </a:solidFill>
+                <a:latin typeface="Calibri Light"/>
+                <a:ea typeface="DejaVu Sans"/>
+              </a:rPr>
+              <a:t> </a:t>
+            </a:r>
+            <a:endParaRPr b="0" lang="es-MX" sz="4400" spc="-1" strike="noStrike">
+              <a:latin typeface="Arial"/>
+            </a:endParaRPr>
+          </a:p>
+        </p:txBody>
+      </p:sp>
+      <p:sp>
+        <p:nvSpPr>
+          <p:cNvPr id="297" name="CustomShape 2"/>
+          <p:cNvSpPr/>
+          <p:nvPr/>
+        </p:nvSpPr>
+        <p:spPr>
+          <a:xfrm>
+            <a:off x="838080" y="1825560"/>
+            <a:ext cx="10514160" cy="4349880"/>
+          </a:xfrm>
+          <a:prstGeom prst="rect">
+            <a:avLst/>
+          </a:prstGeom>
+          <a:noFill/>
+          <a:ln w="0">
+            <a:noFill/>
+          </a:ln>
+        </p:spPr>
+        <p:style>
+          <a:lnRef idx="0"/>
+          <a:fillRef idx="0"/>
+          <a:effectRef idx="0"/>
+          <a:fontRef idx="minor"/>
+        </p:style>
       </p:sp>
       <p:pic>
         <p:nvPicPr>
-          <p:cNvPr id="302" name="Imagen 3" descr=""/>
+          <p:cNvPr id="298" name="Imagen 4" descr=""/>
           <p:cNvPicPr/>
           <p:nvPr/>
         </p:nvPicPr>
@@ -14067,8 +13930,54 @@
         </p:blipFill>
         <p:spPr>
           <a:xfrm>
-            <a:off x="3197160" y="175680"/>
-            <a:ext cx="8795160" cy="6505200"/>
+            <a:off x="600120" y="3856320"/>
+            <a:ext cx="9255240" cy="2774160"/>
+          </a:xfrm>
+          <a:prstGeom prst="rect">
+            <a:avLst/>
+          </a:prstGeom>
+          <a:ln w="0">
+            <a:noFill/>
+          </a:ln>
+        </p:spPr>
+      </p:pic>
+      <p:pic>
+        <p:nvPicPr>
+          <p:cNvPr id="299" name="Imagen 5" descr=""/>
+          <p:cNvPicPr/>
+          <p:nvPr/>
+        </p:nvPicPr>
+        <p:blipFill>
+          <a:blip r:embed="rId2"/>
+          <a:stretch/>
+        </p:blipFill>
+        <p:spPr>
+          <a:xfrm>
+            <a:off x="600120" y="763920"/>
+            <a:ext cx="8840880" cy="3090960"/>
+          </a:xfrm>
+          <a:prstGeom prst="rect">
+            <a:avLst/>
+          </a:prstGeom>
+          <a:ln w="0">
+            <a:noFill/>
+          </a:ln>
+        </p:spPr>
+      </p:pic>
+      <p:pic>
+        <p:nvPicPr>
+          <p:cNvPr id="300" name="Imagen 6" descr=""/>
+          <p:cNvPicPr/>
+          <p:nvPr/>
+        </p:nvPicPr>
+        <p:blipFill>
+          <a:blip r:embed="rId3"/>
+          <a:stretch/>
+        </p:blipFill>
+        <p:spPr>
+          <a:xfrm>
+            <a:off x="5976360" y="4601160"/>
+            <a:ext cx="5614200" cy="2164320"/>
           </a:xfrm>
           <a:prstGeom prst="rect">
             <a:avLst/>
@@ -14110,14 +14019,14 @@
       </p:grpSpPr>
       <p:sp>
         <p:nvSpPr>
-          <p:cNvPr id="303" name="CustomShape 1"/>
+          <p:cNvPr id="301" name="CustomShape 1"/>
           <p:cNvSpPr/>
           <p:nvPr/>
         </p:nvSpPr>
         <p:spPr>
           <a:xfrm>
-            <a:off x="838080" y="0"/>
-            <a:ext cx="10514520" cy="1324440"/>
+            <a:off x="376920" y="378360"/>
+            <a:ext cx="10514160" cy="1324080"/>
           </a:xfrm>
           <a:prstGeom prst="rect">
             <a:avLst/>
@@ -14144,16 +14053,16 @@
               </a:lnSpc>
             </a:pPr>
             <a:r>
-              <a:rPr b="0" lang="es-MX" sz="4400" spc="-1" strike="noStrike">
+              <a:rPr b="0" lang="es-MX" sz="4000" spc="-1" strike="noStrike">
                 <a:solidFill>
                   <a:srgbClr val="000000"/>
                 </a:solidFill>
                 <a:latin typeface="Calibri Light"/>
                 <a:ea typeface="DejaVu Sans"/>
               </a:rPr>
-              <a:t>Constantes simbólicas</a:t>
-            </a:r>
-            <a:endParaRPr b="0" lang="es-MX" sz="4400" spc="-1" strike="noStrike">
+              <a:t>Ejemplo 8</a:t>
+            </a:r>
+            <a:endParaRPr b="0" lang="es-MX" sz="4000" spc="-1" strike="noStrike">
               <a:latin typeface="Arial"/>
             </a:endParaRPr>
           </a:p>
@@ -14161,7 +14070,7 @@
       </p:sp>
       <p:pic>
         <p:nvPicPr>
-          <p:cNvPr id="304" name="Imagen 3" descr=""/>
+          <p:cNvPr id="302" name="Imagen 3" descr=""/>
           <p:cNvPicPr/>
           <p:nvPr/>
         </p:nvPicPr>
@@ -14171,8 +14080,8 @@
         </p:blipFill>
         <p:spPr>
           <a:xfrm>
-            <a:off x="2637720" y="874440"/>
-            <a:ext cx="7929720" cy="5856840"/>
+            <a:off x="3197160" y="175680"/>
+            <a:ext cx="8794800" cy="6504840"/>
           </a:xfrm>
           <a:prstGeom prst="rect">
             <a:avLst/>
@@ -14214,14 +14123,14 @@
       </p:grpSpPr>
       <p:sp>
         <p:nvSpPr>
-          <p:cNvPr id="305" name="CustomShape 1"/>
+          <p:cNvPr id="303" name="CustomShape 1"/>
           <p:cNvSpPr/>
           <p:nvPr/>
         </p:nvSpPr>
         <p:spPr>
           <a:xfrm>
-            <a:off x="540000" y="365040"/>
-            <a:ext cx="10514520" cy="1324440"/>
+            <a:off x="838080" y="0"/>
+            <a:ext cx="10514160" cy="1324080"/>
           </a:xfrm>
           <a:prstGeom prst="rect">
             <a:avLst/>
@@ -14248,16 +14157,16 @@
               </a:lnSpc>
             </a:pPr>
             <a:r>
-              <a:rPr b="0" lang="es-MX" sz="4000" spc="-1" strike="noStrike">
+              <a:rPr b="0" lang="es-MX" sz="4400" spc="-1" strike="noStrike">
                 <a:solidFill>
                   <a:srgbClr val="000000"/>
                 </a:solidFill>
                 <a:latin typeface="Calibri Light"/>
                 <a:ea typeface="DejaVu Sans"/>
               </a:rPr>
-              <a:t>Ejemplo 9</a:t>
-            </a:r>
-            <a:endParaRPr b="0" lang="es-MX" sz="4000" spc="-1" strike="noStrike">
+              <a:t>Constantes simbólicas</a:t>
+            </a:r>
+            <a:endParaRPr b="0" lang="es-MX" sz="4400" spc="-1" strike="noStrike">
               <a:latin typeface="Arial"/>
             </a:endParaRPr>
           </a:p>
@@ -14265,7 +14174,7 @@
       </p:sp>
       <p:pic>
         <p:nvPicPr>
-          <p:cNvPr id="306" name="Imagen 3" descr=""/>
+          <p:cNvPr id="304" name="Imagen 3" descr=""/>
           <p:cNvPicPr/>
           <p:nvPr/>
         </p:nvPicPr>
@@ -14275,8 +14184,8 @@
         </p:blipFill>
         <p:spPr>
           <a:xfrm>
-            <a:off x="3395160" y="207000"/>
-            <a:ext cx="8639640" cy="6386400"/>
+            <a:off x="2637720" y="874440"/>
+            <a:ext cx="7929360" cy="5856480"/>
           </a:xfrm>
           <a:prstGeom prst="rect">
             <a:avLst/>
@@ -14318,14 +14227,14 @@
       </p:grpSpPr>
       <p:sp>
         <p:nvSpPr>
-          <p:cNvPr id="307" name="CustomShape 1"/>
+          <p:cNvPr id="305" name="CustomShape 1"/>
           <p:cNvSpPr/>
           <p:nvPr/>
         </p:nvSpPr>
         <p:spPr>
           <a:xfrm>
-            <a:off x="838080" y="0"/>
-            <a:ext cx="10514520" cy="1324440"/>
+            <a:off x="540000" y="365040"/>
+            <a:ext cx="10514160" cy="1324080"/>
           </a:xfrm>
           <a:prstGeom prst="rect">
             <a:avLst/>
@@ -14352,16 +14261,16 @@
               </a:lnSpc>
             </a:pPr>
             <a:r>
-              <a:rPr b="0" lang="es-MX" sz="4400" spc="-1" strike="noStrike">
+              <a:rPr b="0" lang="es-MX" sz="4000" spc="-1" strike="noStrike">
                 <a:solidFill>
                   <a:srgbClr val="000000"/>
                 </a:solidFill>
                 <a:latin typeface="Calibri Light"/>
                 <a:ea typeface="DejaVu Sans"/>
               </a:rPr>
-              <a:t>Ejercicios</a:t>
-            </a:r>
-            <a:endParaRPr b="0" lang="es-MX" sz="4400" spc="-1" strike="noStrike">
+              <a:t>Ejemplo 9</a:t>
+            </a:r>
+            <a:endParaRPr b="0" lang="es-MX" sz="4000" spc="-1" strike="noStrike">
               <a:latin typeface="Arial"/>
             </a:endParaRPr>
           </a:p>
@@ -14369,7 +14278,7 @@
       </p:sp>
       <p:pic>
         <p:nvPicPr>
-          <p:cNvPr id="308" name="Imagen 3" descr=""/>
+          <p:cNvPr id="306" name="Imagen 3" descr=""/>
           <p:cNvPicPr/>
           <p:nvPr/>
         </p:nvPicPr>
@@ -14379,8 +14288,8 @@
         </p:blipFill>
         <p:spPr>
           <a:xfrm>
-            <a:off x="838080" y="1325520"/>
-            <a:ext cx="10514520" cy="4948560"/>
+            <a:off x="3395160" y="207000"/>
+            <a:ext cx="8639280" cy="6386040"/>
           </a:xfrm>
           <a:prstGeom prst="rect">
             <a:avLst/>
@@ -14422,14 +14331,14 @@
       </p:grpSpPr>
       <p:sp>
         <p:nvSpPr>
-          <p:cNvPr id="309" name="CustomShape 1"/>
+          <p:cNvPr id="307" name="CustomShape 1"/>
           <p:cNvSpPr/>
           <p:nvPr/>
         </p:nvSpPr>
         <p:spPr>
           <a:xfrm>
             <a:off x="838080" y="0"/>
-            <a:ext cx="10514520" cy="1324440"/>
+            <a:ext cx="10514160" cy="1324080"/>
           </a:xfrm>
           <a:prstGeom prst="rect">
             <a:avLst/>
@@ -14463,80 +14372,9 @@
                 <a:latin typeface="Calibri Light"/>
                 <a:ea typeface="DejaVu Sans"/>
               </a:rPr>
-              <a:t>1.3 Creación de código fuente, objeto y ejecutable</a:t>
+              <a:t>Ejercicios</a:t>
             </a:r>
             <a:endParaRPr b="0" lang="es-MX" sz="4400" spc="-1" strike="noStrike">
-              <a:latin typeface="Arial"/>
-            </a:endParaRPr>
-          </a:p>
-        </p:txBody>
-      </p:sp>
-      <p:sp>
-        <p:nvSpPr>
-          <p:cNvPr id="310" name="CustomShape 2"/>
-          <p:cNvSpPr/>
-          <p:nvPr/>
-        </p:nvSpPr>
-        <p:spPr>
-          <a:xfrm>
-            <a:off x="789480" y="1325520"/>
-            <a:ext cx="10340280" cy="942840"/>
-          </a:xfrm>
-          <a:prstGeom prst="rect">
-            <a:avLst/>
-          </a:prstGeom>
-          <a:noFill/>
-          <a:ln w="0">
-            <a:noFill/>
-          </a:ln>
-        </p:spPr>
-        <p:style>
-          <a:lnRef idx="0"/>
-          <a:fillRef idx="0"/>
-          <a:effectRef idx="0"/>
-          <a:fontRef idx="minor"/>
-        </p:style>
-        <p:txBody>
-          <a:bodyPr wrap="none" lIns="90000" rIns="90000" tIns="45000" bIns="45000">
-            <a:spAutoFit/>
-          </a:bodyPr>
-          <a:p>
-            <a:pPr>
-              <a:lnSpc>
-                <a:spcPct val="100000"/>
-              </a:lnSpc>
-            </a:pPr>
-            <a:r>
-              <a:rPr b="0" lang="es-MX" sz="2800" spc="-1" strike="noStrike">
-                <a:solidFill>
-                  <a:srgbClr val="000000"/>
-                </a:solidFill>
-                <a:latin typeface="Calibri"/>
-                <a:ea typeface="DejaVu Sans"/>
-              </a:rPr>
-              <a:t>1.3.1 Ejecución de un programa</a:t>
-            </a:r>
-            <a:endParaRPr b="0" lang="es-MX" sz="2800" spc="-1" strike="noStrike">
-              <a:latin typeface="Arial"/>
-            </a:endParaRPr>
-          </a:p>
-          <a:p>
-            <a:pPr>
-              <a:lnSpc>
-                <a:spcPct val="100000"/>
-              </a:lnSpc>
-            </a:pPr>
-            <a:r>
-              <a:rPr b="0" lang="es-MX" sz="2800" spc="-1" strike="noStrike">
-                <a:solidFill>
-                  <a:srgbClr val="000000"/>
-                </a:solidFill>
-                <a:latin typeface="Calibri"/>
-                <a:ea typeface="DejaVu Sans"/>
-              </a:rPr>
-              <a:t>Después de crear el código fuente con un editor de texto</a:t>
-            </a:r>
-            <a:endParaRPr b="0" lang="es-MX" sz="2800" spc="-1" strike="noStrike">
               <a:latin typeface="Arial"/>
             </a:endParaRPr>
           </a:p>
@@ -14544,7 +14382,7 @@
       </p:sp>
       <p:pic>
         <p:nvPicPr>
-          <p:cNvPr id="311" name="Imagen 3" descr=""/>
+          <p:cNvPr id="308" name="Imagen 3" descr=""/>
           <p:cNvPicPr/>
           <p:nvPr/>
         </p:nvPicPr>
@@ -14554,8 +14392,8 @@
         </p:blipFill>
         <p:spPr>
           <a:xfrm>
-            <a:off x="3325320" y="2279520"/>
-            <a:ext cx="5540760" cy="4459680"/>
+            <a:off x="838080" y="1325520"/>
+            <a:ext cx="10514160" cy="4948200"/>
           </a:xfrm>
           <a:prstGeom prst="rect">
             <a:avLst/>
@@ -14597,14 +14435,14 @@
       </p:grpSpPr>
       <p:sp>
         <p:nvSpPr>
-          <p:cNvPr id="312" name="CustomShape 1"/>
+          <p:cNvPr id="309" name="CustomShape 1"/>
           <p:cNvSpPr/>
           <p:nvPr/>
         </p:nvSpPr>
         <p:spPr>
           <a:xfrm>
-            <a:off x="253440" y="1143000"/>
-            <a:ext cx="11265840" cy="4113360"/>
+            <a:off x="838080" y="0"/>
+            <a:ext cx="10514160" cy="1324080"/>
           </a:xfrm>
           <a:prstGeom prst="rect">
             <a:avLst/>
@@ -14621,6 +14459,57 @@
           <a:fontRef idx="minor"/>
         </p:style>
         <p:txBody>
+          <a:bodyPr lIns="90000" rIns="90000" tIns="45000" bIns="45000" anchor="ctr">
+            <a:noAutofit/>
+          </a:bodyPr>
+          <a:p>
+            <a:pPr>
+              <a:lnSpc>
+                <a:spcPct val="90000"/>
+              </a:lnSpc>
+            </a:pPr>
+            <a:r>
+              <a:rPr b="0" lang="es-MX" sz="4400" spc="-1" strike="noStrike">
+                <a:solidFill>
+                  <a:srgbClr val="000000"/>
+                </a:solidFill>
+                <a:latin typeface="Calibri Light"/>
+                <a:ea typeface="DejaVu Sans"/>
+              </a:rPr>
+              <a:t>1.3 Creación de código fuente, objeto y ejecutable</a:t>
+            </a:r>
+            <a:endParaRPr b="0" lang="es-MX" sz="4400" spc="-1" strike="noStrike">
+              <a:latin typeface="Arial"/>
+            </a:endParaRPr>
+          </a:p>
+        </p:txBody>
+      </p:sp>
+      <p:sp>
+        <p:nvSpPr>
+          <p:cNvPr id="310" name="CustomShape 2"/>
+          <p:cNvSpPr/>
+          <p:nvPr/>
+        </p:nvSpPr>
+        <p:spPr>
+          <a:xfrm>
+            <a:off x="789480" y="1325520"/>
+            <a:ext cx="10340280" cy="942840"/>
+          </a:xfrm>
+          <a:prstGeom prst="rect">
+            <a:avLst/>
+          </a:prstGeom>
+          <a:noFill/>
+          <a:ln w="0">
+            <a:noFill/>
+          </a:ln>
+        </p:spPr>
+        <p:style>
+          <a:lnRef idx="0"/>
+          <a:fillRef idx="0"/>
+          <a:effectRef idx="0"/>
+          <a:fontRef idx="minor"/>
+        </p:style>
+        <p:txBody>
           <a:bodyPr wrap="none" lIns="90000" rIns="90000" tIns="45000" bIns="45000">
             <a:spAutoFit/>
           </a:bodyPr>
@@ -14631,16 +14520,16 @@
               </a:lnSpc>
             </a:pPr>
             <a:r>
-              <a:rPr b="0" lang="es-MX" sz="2400" spc="-1" strike="noStrike">
+              <a:rPr b="0" lang="es-MX" sz="2800" spc="-1" strike="noStrike">
                 <a:solidFill>
                   <a:srgbClr val="000000"/>
                 </a:solidFill>
                 <a:latin typeface="Calibri"/>
                 <a:ea typeface="DejaVu Sans"/>
               </a:rPr>
-              <a:t>El archivo objeto correspondiente se crea, en el caso del compilador  </a:t>
-            </a:r>
-            <a:endParaRPr b="0" lang="es-MX" sz="2400" spc="-1" strike="noStrike">
+              <a:t>1.3.1 Ejecución de un programa</a:t>
+            </a:r>
+            <a:endParaRPr b="0" lang="es-MX" sz="2800" spc="-1" strike="noStrike">
               <a:latin typeface="Arial"/>
             </a:endParaRPr>
           </a:p>
@@ -14651,196 +14540,16 @@
               </a:lnSpc>
             </a:pPr>
             <a:r>
-              <a:rPr b="0" lang="es-MX" sz="2400" spc="-1" strike="noStrike">
+              <a:rPr b="0" lang="es-MX" sz="2800" spc="-1" strike="noStrike">
                 <a:solidFill>
                   <a:srgbClr val="000000"/>
                 </a:solidFill>
                 <a:latin typeface="Calibri"/>
                 <a:ea typeface="DejaVu Sans"/>
               </a:rPr>
-              <a:t>mingw32-gcc.exe, con el comando:</a:t>
-            </a:r>
-            <a:endParaRPr b="0" lang="es-MX" sz="2400" spc="-1" strike="noStrike">
-              <a:latin typeface="Arial"/>
-            </a:endParaRPr>
-          </a:p>
-          <a:p>
-            <a:pPr>
-              <a:lnSpc>
-                <a:spcPct val="100000"/>
-              </a:lnSpc>
-            </a:pPr>
-            <a:r>
-              <a:rPr b="0" lang="es-MX" sz="1800" spc="-1" strike="noStrike">
-                <a:solidFill>
-                  <a:srgbClr val="000000"/>
-                </a:solidFill>
-                <a:latin typeface="Calibri"/>
-                <a:ea typeface="DejaVu Sans"/>
-              </a:rPr>
-              <a:t>mingw32-gcc.exe -Wall -O2  -c C:\Users\LMC\2021\ProjectDebugme\debugme.c -o </a:t>
-            </a:r>
-            <a:endParaRPr b="0" lang="es-MX" sz="1800" spc="-1" strike="noStrike">
-              <a:latin typeface="Arial"/>
-            </a:endParaRPr>
-          </a:p>
-          <a:p>
-            <a:pPr>
-              <a:lnSpc>
-                <a:spcPct val="100000"/>
-              </a:lnSpc>
-            </a:pPr>
-            <a:r>
-              <a:rPr b="0" lang="es-MX" sz="1800" spc="-1" strike="noStrike">
-                <a:solidFill>
-                  <a:srgbClr val="000000"/>
-                </a:solidFill>
-                <a:latin typeface="Calibri"/>
-                <a:ea typeface="DejaVu Sans"/>
-              </a:rPr>
-              <a:t>obj\09_Debugme\debugme.o</a:t>
-            </a:r>
-            <a:endParaRPr b="0" lang="es-MX" sz="1800" spc="-1" strike="noStrike">
-              <a:latin typeface="Arial"/>
-            </a:endParaRPr>
-          </a:p>
-          <a:p>
-            <a:pPr>
-              <a:lnSpc>
-                <a:spcPct val="100000"/>
-              </a:lnSpc>
-            </a:pPr>
-            <a:r>
-              <a:rPr b="0" lang="es-MX" sz="2400" spc="-1" strike="noStrike">
-                <a:solidFill>
-                  <a:srgbClr val="000000"/>
-                </a:solidFill>
-                <a:latin typeface="Calibri"/>
-                <a:ea typeface="DejaVu Sans"/>
-              </a:rPr>
-              <a:t>que el IDE Codeblocks ejecuta por nosotros.</a:t>
-            </a:r>
-            <a:endParaRPr b="0" lang="es-MX" sz="2400" spc="-1" strike="noStrike">
-              <a:latin typeface="Arial"/>
-            </a:endParaRPr>
-          </a:p>
-          <a:p>
-            <a:pPr>
-              <a:lnSpc>
-                <a:spcPct val="100000"/>
-              </a:lnSpc>
-            </a:pPr>
-            <a:endParaRPr b="0" lang="es-MX" sz="2400" spc="-1" strike="noStrike">
-              <a:latin typeface="Arial"/>
-            </a:endParaRPr>
-          </a:p>
-          <a:p>
-            <a:pPr>
-              <a:lnSpc>
-                <a:spcPct val="100000"/>
-              </a:lnSpc>
-            </a:pPr>
-            <a:r>
-              <a:rPr b="0" lang="es-MX" sz="2400" spc="-1" strike="noStrike">
-                <a:solidFill>
-                  <a:srgbClr val="000000"/>
-                </a:solidFill>
-                <a:latin typeface="Calibri"/>
-                <a:ea typeface="DejaVu Sans"/>
-              </a:rPr>
-              <a:t>Después del comando anterior, el entorno de desarrollo crea un archivo </a:t>
-            </a:r>
-            <a:endParaRPr b="0" lang="es-MX" sz="2400" spc="-1" strike="noStrike">
-              <a:latin typeface="Arial"/>
-            </a:endParaRPr>
-          </a:p>
-          <a:p>
-            <a:pPr>
-              <a:lnSpc>
-                <a:spcPct val="100000"/>
-              </a:lnSpc>
-            </a:pPr>
-            <a:r>
-              <a:rPr b="0" lang="es-MX" sz="2400" spc="-1" strike="noStrike">
-                <a:solidFill>
-                  <a:srgbClr val="000000"/>
-                </a:solidFill>
-                <a:latin typeface="Calibri"/>
-                <a:ea typeface="DejaVu Sans"/>
-              </a:rPr>
-              <a:t>ejecutable, ejecutando por nosotros el siguiente comando:</a:t>
-            </a:r>
-            <a:endParaRPr b="0" lang="es-MX" sz="2400" spc="-1" strike="noStrike">
-              <a:latin typeface="Arial"/>
-            </a:endParaRPr>
-          </a:p>
-          <a:p>
-            <a:pPr>
-              <a:lnSpc>
-                <a:spcPct val="100000"/>
-              </a:lnSpc>
-            </a:pPr>
-            <a:r>
-              <a:rPr b="0" lang="es-MX" sz="1800" spc="-1" strike="noStrike">
-                <a:solidFill>
-                  <a:srgbClr val="000000"/>
-                </a:solidFill>
-                <a:latin typeface="Calibri"/>
-                <a:ea typeface="DejaVu Sans"/>
-              </a:rPr>
-              <a:t>mingw32-g++.exe  -o bin\Release\ProjectDebugme.exe obj\09_Debugme\debugme.o  -s</a:t>
-            </a:r>
-            <a:endParaRPr b="0" lang="es-MX" sz="1800" spc="-1" strike="noStrike">
-              <a:latin typeface="Arial"/>
-            </a:endParaRPr>
-          </a:p>
-          <a:p>
-            <a:pPr>
-              <a:lnSpc>
-                <a:spcPct val="100000"/>
-              </a:lnSpc>
-            </a:pPr>
-            <a:endParaRPr b="0" lang="es-MX" sz="1800" spc="-1" strike="noStrike">
-              <a:latin typeface="Arial"/>
-            </a:endParaRPr>
-          </a:p>
-          <a:p>
-            <a:pPr>
-              <a:lnSpc>
-                <a:spcPct val="100000"/>
-              </a:lnSpc>
-            </a:pPr>
-            <a:r>
-              <a:rPr b="0" lang="es-MX" sz="2400" spc="-1" strike="noStrike">
-                <a:solidFill>
-                  <a:srgbClr val="000000"/>
-                </a:solidFill>
-                <a:latin typeface="Calibri"/>
-                <a:ea typeface="DejaVu Sans"/>
-              </a:rPr>
-              <a:t>En el entorno Codeblocks, la ejecución se realiza dando clic en el botón </a:t>
-            </a:r>
-            <a:endParaRPr b="0" lang="es-MX" sz="2400" spc="-1" strike="noStrike">
-              <a:latin typeface="Arial"/>
-            </a:endParaRPr>
-          </a:p>
-          <a:p>
-            <a:pPr>
-              <a:lnSpc>
-                <a:spcPct val="100000"/>
-              </a:lnSpc>
-            </a:pPr>
-            <a:r>
-              <a:rPr b="0" lang="es-MX" sz="2400" spc="-1" strike="noStrike">
-                <a:solidFill>
-                  <a:srgbClr val="000000"/>
-                </a:solidFill>
-                <a:latin typeface="Calibri"/>
-                <a:ea typeface="DejaVu Sans"/>
-              </a:rPr>
-              <a:t>de play (icono de triángulo verde) que se muestra a continuación.</a:t>
-            </a:r>
-            <a:endParaRPr b="0" lang="es-MX" sz="2400" spc="-1" strike="noStrike">
+              <a:t>Después de crear el código fuente con un editor de texto</a:t>
+            </a:r>
+            <a:endParaRPr b="0" lang="es-MX" sz="2800" spc="-1" strike="noStrike">
               <a:latin typeface="Arial"/>
             </a:endParaRPr>
           </a:p>
@@ -14848,7 +14557,7 @@
       </p:sp>
       <p:pic>
         <p:nvPicPr>
-          <p:cNvPr id="313" name="Imagen 2" descr=""/>
+          <p:cNvPr id="311" name="Imagen 3" descr=""/>
           <p:cNvPicPr/>
           <p:nvPr/>
         </p:nvPicPr>
@@ -14858,8 +14567,8 @@
         </p:blipFill>
         <p:spPr>
           <a:xfrm>
-            <a:off x="4340520" y="5838120"/>
-            <a:ext cx="3700080" cy="631800"/>
+            <a:off x="3325320" y="2279520"/>
+            <a:ext cx="5540400" cy="4459320"/>
           </a:xfrm>
           <a:prstGeom prst="rect">
             <a:avLst/>
@@ -14869,57 +14578,6 @@
           </a:ln>
         </p:spPr>
       </p:pic>
-      <p:sp>
-        <p:nvSpPr>
-          <p:cNvPr id="314" name="CustomShape 2"/>
-          <p:cNvSpPr/>
-          <p:nvPr/>
-        </p:nvSpPr>
-        <p:spPr>
-          <a:xfrm>
-            <a:off x="201960" y="448920"/>
-            <a:ext cx="7110720" cy="516240"/>
-          </a:xfrm>
-          <a:prstGeom prst="rect">
-            <a:avLst/>
-          </a:prstGeom>
-          <a:noFill/>
-          <a:ln w="0">
-            <a:noFill/>
-          </a:ln>
-        </p:spPr>
-        <p:style>
-          <a:lnRef idx="0"/>
-          <a:fillRef idx="0"/>
-          <a:effectRef idx="0"/>
-          <a:fontRef idx="minor"/>
-        </p:style>
-        <p:txBody>
-          <a:bodyPr wrap="none" lIns="90000" rIns="90000" tIns="45000" bIns="45000">
-            <a:spAutoFit/>
-          </a:bodyPr>
-          <a:p>
-            <a:pPr>
-              <a:lnSpc>
-                <a:spcPct val="100000"/>
-              </a:lnSpc>
-            </a:pPr>
-            <a:r>
-              <a:rPr b="0" lang="es-MX" sz="2800" spc="-1" strike="noStrike">
-                <a:solidFill>
-                  <a:srgbClr val="000000"/>
-                </a:solidFill>
-                <a:latin typeface="Calibri"/>
-                <a:ea typeface="DejaVu Sans"/>
-              </a:rPr>
-              <a:t>Creación de código objeto y ejecutable</a:t>
-            </a:r>
-            <a:endParaRPr b="0" lang="es-MX" sz="2800" spc="-1" strike="noStrike">
-              <a:latin typeface="Arial"/>
-            </a:endParaRPr>
-          </a:p>
-        </p:txBody>
-      </p:sp>
     </p:spTree>
   </p:cSld>
   <mc:AlternateContent>
@@ -14952,14 +14610,14 @@
       </p:grpSpPr>
       <p:sp>
         <p:nvSpPr>
-          <p:cNvPr id="315" name="CustomShape 1"/>
+          <p:cNvPr id="312" name="CustomShape 1"/>
           <p:cNvSpPr/>
           <p:nvPr/>
         </p:nvSpPr>
         <p:spPr>
           <a:xfrm>
-            <a:off x="820440" y="0"/>
-            <a:ext cx="10514520" cy="1324440"/>
+            <a:off x="253440" y="1143000"/>
+            <a:ext cx="11265480" cy="4113000"/>
           </a:xfrm>
           <a:prstGeom prst="rect">
             <a:avLst/>
@@ -14976,57 +14634,6 @@
           <a:fontRef idx="minor"/>
         </p:style>
         <p:txBody>
-          <a:bodyPr lIns="90000" rIns="90000" tIns="45000" bIns="45000" anchor="ctr">
-            <a:noAutofit/>
-          </a:bodyPr>
-          <a:p>
-            <a:pPr>
-              <a:lnSpc>
-                <a:spcPct val="90000"/>
-              </a:lnSpc>
-            </a:pPr>
-            <a:r>
-              <a:rPr b="0" lang="es-MX" sz="4400" spc="-1" strike="noStrike">
-                <a:solidFill>
-                  <a:srgbClr val="000000"/>
-                </a:solidFill>
-                <a:latin typeface="Calibri Light"/>
-                <a:ea typeface="DejaVu Sans"/>
-              </a:rPr>
-              <a:t>Programa en ejecución</a:t>
-            </a:r>
-            <a:endParaRPr b="0" lang="es-MX" sz="4400" spc="-1" strike="noStrike">
-              <a:latin typeface="Arial"/>
-            </a:endParaRPr>
-          </a:p>
-        </p:txBody>
-      </p:sp>
-      <p:sp>
-        <p:nvSpPr>
-          <p:cNvPr id="316" name="CustomShape 2"/>
-          <p:cNvSpPr/>
-          <p:nvPr/>
-        </p:nvSpPr>
-        <p:spPr>
-          <a:xfrm>
-            <a:off x="521280" y="1063800"/>
-            <a:ext cx="9889920" cy="455400"/>
-          </a:xfrm>
-          <a:prstGeom prst="rect">
-            <a:avLst/>
-          </a:prstGeom>
-          <a:noFill/>
-          <a:ln w="0">
-            <a:noFill/>
-          </a:ln>
-        </p:spPr>
-        <p:style>
-          <a:lnRef idx="0"/>
-          <a:fillRef idx="0"/>
-          <a:effectRef idx="0"/>
-          <a:fontRef idx="minor"/>
-        </p:style>
-        <p:txBody>
           <a:bodyPr wrap="none" lIns="90000" rIns="90000" tIns="45000" bIns="45000">
             <a:spAutoFit/>
           </a:bodyPr>
@@ -15044,7 +14651,207 @@
                 <a:latin typeface="Calibri"/>
                 <a:ea typeface="DejaVu Sans"/>
               </a:rPr>
-              <a:t>Durante su ejecución, el programa usa las siguiente bibliotecas</a:t>
+              <a:t>El archivo objeto correspondiente se crea, en el caso del compilador  </a:t>
+            </a:r>
+            <a:endParaRPr b="0" lang="es-MX" sz="2400" spc="-1" strike="noStrike">
+              <a:latin typeface="Arial"/>
+            </a:endParaRPr>
+          </a:p>
+          <a:p>
+            <a:pPr>
+              <a:lnSpc>
+                <a:spcPct val="100000"/>
+              </a:lnSpc>
+            </a:pPr>
+            <a:r>
+              <a:rPr b="0" lang="es-MX" sz="2400" spc="-1" strike="noStrike">
+                <a:solidFill>
+                  <a:srgbClr val="000000"/>
+                </a:solidFill>
+                <a:latin typeface="Calibri"/>
+                <a:ea typeface="DejaVu Sans"/>
+              </a:rPr>
+              <a:t>mingw32-gcc.exe, con el comando:</a:t>
+            </a:r>
+            <a:endParaRPr b="0" lang="es-MX" sz="2400" spc="-1" strike="noStrike">
+              <a:latin typeface="Arial"/>
+            </a:endParaRPr>
+          </a:p>
+          <a:p>
+            <a:pPr>
+              <a:lnSpc>
+                <a:spcPct val="100000"/>
+              </a:lnSpc>
+            </a:pPr>
+            <a:r>
+              <a:rPr b="0" lang="es-MX" sz="1800" spc="-1" strike="noStrike">
+                <a:solidFill>
+                  <a:srgbClr val="000000"/>
+                </a:solidFill>
+                <a:latin typeface="Calibri"/>
+                <a:ea typeface="DejaVu Sans"/>
+              </a:rPr>
+              <a:t>mingw32-gcc.exe -Wall -O2  -c C:\Users\LMC\2021\ProjectDebugme\debugme.c -o </a:t>
+            </a:r>
+            <a:endParaRPr b="0" lang="es-MX" sz="1800" spc="-1" strike="noStrike">
+              <a:latin typeface="Arial"/>
+            </a:endParaRPr>
+          </a:p>
+          <a:p>
+            <a:pPr>
+              <a:lnSpc>
+                <a:spcPct val="100000"/>
+              </a:lnSpc>
+            </a:pPr>
+            <a:r>
+              <a:rPr b="0" lang="es-MX" sz="1800" spc="-1" strike="noStrike">
+                <a:solidFill>
+                  <a:srgbClr val="000000"/>
+                </a:solidFill>
+                <a:latin typeface="Calibri"/>
+                <a:ea typeface="DejaVu Sans"/>
+              </a:rPr>
+              <a:t>obj\09_Debugme\debugme.o</a:t>
+            </a:r>
+            <a:endParaRPr b="0" lang="es-MX" sz="1800" spc="-1" strike="noStrike">
+              <a:latin typeface="Arial"/>
+            </a:endParaRPr>
+          </a:p>
+          <a:p>
+            <a:pPr>
+              <a:lnSpc>
+                <a:spcPct val="100000"/>
+              </a:lnSpc>
+            </a:pPr>
+            <a:r>
+              <a:rPr b="0" lang="es-MX" sz="2400" spc="-1" strike="noStrike">
+                <a:solidFill>
+                  <a:srgbClr val="000000"/>
+                </a:solidFill>
+                <a:latin typeface="Calibri"/>
+                <a:ea typeface="DejaVu Sans"/>
+              </a:rPr>
+              <a:t>que el IDE Codeblocks ejecuta por nosotros.</a:t>
+            </a:r>
+            <a:endParaRPr b="0" lang="es-MX" sz="2400" spc="-1" strike="noStrike">
+              <a:latin typeface="Arial"/>
+            </a:endParaRPr>
+          </a:p>
+          <a:p>
+            <a:pPr>
+              <a:lnSpc>
+                <a:spcPct val="100000"/>
+              </a:lnSpc>
+            </a:pPr>
+            <a:endParaRPr b="0" lang="es-MX" sz="2400" spc="-1" strike="noStrike">
+              <a:latin typeface="Arial"/>
+            </a:endParaRPr>
+          </a:p>
+          <a:p>
+            <a:pPr>
+              <a:lnSpc>
+                <a:spcPct val="100000"/>
+              </a:lnSpc>
+            </a:pPr>
+            <a:r>
+              <a:rPr b="0" lang="es-MX" sz="2400" spc="-1" strike="noStrike">
+                <a:solidFill>
+                  <a:srgbClr val="000000"/>
+                </a:solidFill>
+                <a:latin typeface="Calibri"/>
+                <a:ea typeface="DejaVu Sans"/>
+              </a:rPr>
+              <a:t>Después del comando anterior, el entorno de desarrollo crea un archivo </a:t>
+            </a:r>
+            <a:endParaRPr b="0" lang="es-MX" sz="2400" spc="-1" strike="noStrike">
+              <a:latin typeface="Arial"/>
+            </a:endParaRPr>
+          </a:p>
+          <a:p>
+            <a:pPr>
+              <a:lnSpc>
+                <a:spcPct val="100000"/>
+              </a:lnSpc>
+            </a:pPr>
+            <a:r>
+              <a:rPr b="0" lang="es-MX" sz="2400" spc="-1" strike="noStrike">
+                <a:solidFill>
+                  <a:srgbClr val="000000"/>
+                </a:solidFill>
+                <a:latin typeface="Calibri"/>
+                <a:ea typeface="DejaVu Sans"/>
+              </a:rPr>
+              <a:t>ejecutable, ejecutando por nosotros el siguiente comando:</a:t>
+            </a:r>
+            <a:endParaRPr b="0" lang="es-MX" sz="2400" spc="-1" strike="noStrike">
+              <a:latin typeface="Arial"/>
+            </a:endParaRPr>
+          </a:p>
+          <a:p>
+            <a:pPr>
+              <a:lnSpc>
+                <a:spcPct val="100000"/>
+              </a:lnSpc>
+            </a:pPr>
+            <a:r>
+              <a:rPr b="0" lang="es-MX" sz="1800" spc="-1" strike="noStrike">
+                <a:solidFill>
+                  <a:srgbClr val="000000"/>
+                </a:solidFill>
+                <a:latin typeface="Calibri"/>
+                <a:ea typeface="DejaVu Sans"/>
+              </a:rPr>
+              <a:t>mingw32-g++.exe  -o bin\Release\ProjectDebugme.exe obj\09_Debugme\debugme.o  -s</a:t>
+            </a:r>
+            <a:endParaRPr b="0" lang="es-MX" sz="1800" spc="-1" strike="noStrike">
+              <a:latin typeface="Arial"/>
+            </a:endParaRPr>
+          </a:p>
+          <a:p>
+            <a:pPr>
+              <a:lnSpc>
+                <a:spcPct val="100000"/>
+              </a:lnSpc>
+            </a:pPr>
+            <a:endParaRPr b="0" lang="es-MX" sz="1800" spc="-1" strike="noStrike">
+              <a:latin typeface="Arial"/>
+            </a:endParaRPr>
+          </a:p>
+          <a:p>
+            <a:pPr>
+              <a:lnSpc>
+                <a:spcPct val="100000"/>
+              </a:lnSpc>
+            </a:pPr>
+            <a:r>
+              <a:rPr b="0" lang="es-MX" sz="2400" spc="-1" strike="noStrike">
+                <a:solidFill>
+                  <a:srgbClr val="000000"/>
+                </a:solidFill>
+                <a:latin typeface="Calibri"/>
+                <a:ea typeface="DejaVu Sans"/>
+              </a:rPr>
+              <a:t>En el entorno Codeblocks, la ejecución se realiza dando clic en el botón </a:t>
+            </a:r>
+            <a:endParaRPr b="0" lang="es-MX" sz="2400" spc="-1" strike="noStrike">
+              <a:latin typeface="Arial"/>
+            </a:endParaRPr>
+          </a:p>
+          <a:p>
+            <a:pPr>
+              <a:lnSpc>
+                <a:spcPct val="100000"/>
+              </a:lnSpc>
+            </a:pPr>
+            <a:r>
+              <a:rPr b="0" lang="es-MX" sz="2400" spc="-1" strike="noStrike">
+                <a:solidFill>
+                  <a:srgbClr val="000000"/>
+                </a:solidFill>
+                <a:latin typeface="Calibri"/>
+                <a:ea typeface="DejaVu Sans"/>
+              </a:rPr>
+              <a:t>de play (icono de triángulo verde) que se muestra a continuación.</a:t>
             </a:r>
             <a:endParaRPr b="0" lang="es-MX" sz="2400" spc="-1" strike="noStrike">
               <a:latin typeface="Arial"/>
@@ -15054,7 +14861,7 @@
       </p:sp>
       <p:pic>
         <p:nvPicPr>
-          <p:cNvPr id="317" name="Imagen 3" descr=""/>
+          <p:cNvPr id="313" name="Imagen 2" descr=""/>
           <p:cNvPicPr/>
           <p:nvPr/>
         </p:nvPicPr>
@@ -15064,8 +14871,8 @@
         </p:blipFill>
         <p:spPr>
           <a:xfrm>
-            <a:off x="965160" y="1587240"/>
-            <a:ext cx="5513760" cy="1827720"/>
+            <a:off x="4340520" y="5838120"/>
+            <a:ext cx="3699720" cy="631440"/>
           </a:xfrm>
           <a:prstGeom prst="rect">
             <a:avLst/>
@@ -15077,14 +14884,14 @@
       </p:pic>
       <p:sp>
         <p:nvSpPr>
-          <p:cNvPr id="318" name="CustomShape 3"/>
+          <p:cNvPr id="314" name="CustomShape 2"/>
           <p:cNvSpPr/>
           <p:nvPr/>
         </p:nvSpPr>
         <p:spPr>
           <a:xfrm>
-            <a:off x="470160" y="3416040"/>
-            <a:ext cx="11647080" cy="2284200"/>
+            <a:off x="201960" y="448920"/>
+            <a:ext cx="7110720" cy="516240"/>
           </a:xfrm>
           <a:prstGeom prst="rect">
             <a:avLst/>
@@ -15111,167 +14918,21 @@
               </a:lnSpc>
             </a:pPr>
             <a:r>
-              <a:rPr b="0" lang="es-MX" sz="2400" spc="-1" strike="noStrike">
+              <a:rPr b="0" lang="es-MX" sz="2800" spc="-1" strike="noStrike">
                 <a:solidFill>
                   <a:srgbClr val="000000"/>
                 </a:solidFill>
                 <a:latin typeface="Calibri"/>
                 <a:ea typeface="DejaVu Sans"/>
               </a:rPr>
-              <a:t>Para obtener esta información se seleccionó el target Debug, se colocó </a:t>
-            </a:r>
-            <a:endParaRPr b="0" lang="es-MX" sz="2400" spc="-1" strike="noStrike">
-              <a:latin typeface="Arial"/>
-            </a:endParaRPr>
-          </a:p>
-          <a:p>
-            <a:pPr>
-              <a:lnSpc>
-                <a:spcPct val="100000"/>
-              </a:lnSpc>
-            </a:pPr>
-            <a:r>
-              <a:rPr b="0" lang="es-MX" sz="2400" spc="-1" strike="noStrike">
-                <a:solidFill>
-                  <a:srgbClr val="000000"/>
-                </a:solidFill>
-                <a:latin typeface="Calibri"/>
-                <a:ea typeface="DejaVu Sans"/>
-              </a:rPr>
-              <a:t>un punto de ruptura en la línea donde está la función main del archivo </a:t>
-            </a:r>
-            <a:endParaRPr b="0" lang="es-MX" sz="2400" spc="-1" strike="noStrike">
-              <a:latin typeface="Arial"/>
-            </a:endParaRPr>
-          </a:p>
-          <a:p>
-            <a:pPr>
-              <a:lnSpc>
-                <a:spcPct val="100000"/>
-              </a:lnSpc>
-            </a:pPr>
-            <a:r>
-              <a:rPr b="0" lang="es-MX" sz="2400" spc="-1" strike="noStrike">
-                <a:solidFill>
-                  <a:srgbClr val="000000"/>
-                </a:solidFill>
-                <a:latin typeface="Calibri"/>
-                <a:ea typeface="DejaVu Sans"/>
-              </a:rPr>
-              <a:t>de código fuente. Se dio clic en el botón play de color rojo. Cuando la </a:t>
-            </a:r>
-            <a:endParaRPr b="0" lang="es-MX" sz="2400" spc="-1" strike="noStrike">
-              <a:latin typeface="Arial"/>
-            </a:endParaRPr>
-          </a:p>
-          <a:p>
-            <a:pPr>
-              <a:lnSpc>
-                <a:spcPct val="100000"/>
-              </a:lnSpc>
-            </a:pPr>
-            <a:r>
-              <a:rPr b="0" lang="es-MX" sz="2400" spc="-1" strike="noStrike">
-                <a:solidFill>
-                  <a:srgbClr val="000000"/>
-                </a:solidFill>
-                <a:latin typeface="Calibri"/>
-                <a:ea typeface="DejaVu Sans"/>
-              </a:rPr>
-              <a:t>ejecución del programa se detuvo al ingresar a la función main, se dio clic </a:t>
-            </a:r>
-            <a:endParaRPr b="0" lang="es-MX" sz="2400" spc="-1" strike="noStrike">
-              <a:latin typeface="Arial"/>
-            </a:endParaRPr>
-          </a:p>
-          <a:p>
-            <a:pPr>
-              <a:lnSpc>
-                <a:spcPct val="100000"/>
-              </a:lnSpc>
-            </a:pPr>
-            <a:r>
-              <a:rPr b="0" lang="es-MX" sz="2400" spc="-1" strike="noStrike">
-                <a:solidFill>
-                  <a:srgbClr val="000000"/>
-                </a:solidFill>
-                <a:latin typeface="Calibri"/>
-                <a:ea typeface="DejaVu Sans"/>
-              </a:rPr>
-              <a:t>en el botón Various info (el que tiene la letra i), y se seleccionó la opción </a:t>
-            </a:r>
-            <a:endParaRPr b="0" lang="es-MX" sz="2400" spc="-1" strike="noStrike">
-              <a:latin typeface="Arial"/>
-            </a:endParaRPr>
-          </a:p>
-          <a:p>
-            <a:pPr>
-              <a:lnSpc>
-                <a:spcPct val="100000"/>
-              </a:lnSpc>
-            </a:pPr>
-            <a:r>
-              <a:rPr b="0" lang="es-MX" sz="2400" spc="-1" strike="noStrike">
-                <a:solidFill>
-                  <a:srgbClr val="000000"/>
-                </a:solidFill>
-                <a:latin typeface="Calibri"/>
-                <a:ea typeface="DejaVu Sans"/>
-              </a:rPr>
-              <a:t>Loaded libraries.</a:t>
-            </a:r>
-            <a:endParaRPr b="0" lang="es-MX" sz="2400" spc="-1" strike="noStrike">
-              <a:latin typeface="Arial"/>
-            </a:endParaRPr>
-          </a:p>
-        </p:txBody>
-      </p:sp>
-      <p:pic>
-        <p:nvPicPr>
-          <p:cNvPr id="319" name="Imagen 5" descr=""/>
-          <p:cNvPicPr/>
-          <p:nvPr/>
-        </p:nvPicPr>
-        <p:blipFill>
-          <a:blip r:embed="rId2"/>
-          <a:stretch/>
-        </p:blipFill>
-        <p:spPr>
-          <a:xfrm>
-            <a:off x="3722760" y="6093720"/>
-            <a:ext cx="5112000" cy="591840"/>
-          </a:xfrm>
-          <a:prstGeom prst="rect">
-            <a:avLst/>
-          </a:prstGeom>
-          <a:ln w="0">
-            <a:noFill/>
-          </a:ln>
-        </p:spPr>
-      </p:pic>
-      <p:pic>
-        <p:nvPicPr>
-          <p:cNvPr id="320" name="Imagen 6" descr=""/>
-          <p:cNvPicPr/>
-          <p:nvPr/>
-        </p:nvPicPr>
-        <p:blipFill>
-          <a:blip r:embed="rId3"/>
-          <a:stretch/>
-        </p:blipFill>
-        <p:spPr>
-          <a:xfrm>
-            <a:off x="8550000" y="2297160"/>
-            <a:ext cx="2211840" cy="856080"/>
-          </a:xfrm>
-          <a:prstGeom prst="rect">
-            <a:avLst/>
-          </a:prstGeom>
-          <a:ln w="0">
-            <a:noFill/>
-          </a:ln>
-        </p:spPr>
-      </p:pic>
+              <a:t>Creación de código objeto y ejecutable</a:t>
+            </a:r>
+            <a:endParaRPr b="0" lang="es-MX" sz="2800" spc="-1" strike="noStrike">
+              <a:latin typeface="Arial"/>
+            </a:endParaRPr>
+          </a:p>
+        </p:txBody>
+      </p:sp>
     </p:spTree>
   </p:cSld>
   <mc:AlternateContent>
@@ -15304,14 +14965,14 @@
       </p:grpSpPr>
       <p:sp>
         <p:nvSpPr>
-          <p:cNvPr id="321" name="CustomShape 1"/>
+          <p:cNvPr id="315" name="CustomShape 1"/>
           <p:cNvSpPr/>
           <p:nvPr/>
         </p:nvSpPr>
         <p:spPr>
           <a:xfrm>
-            <a:off x="360000" y="-244440"/>
-            <a:ext cx="10514520" cy="1324440"/>
+            <a:off x="820440" y="0"/>
+            <a:ext cx="10514160" cy="1324080"/>
           </a:xfrm>
           <a:prstGeom prst="rect">
             <a:avLst/>
@@ -15345,7 +15006,7 @@
                 <a:latin typeface="Calibri Light"/>
                 <a:ea typeface="DejaVu Sans"/>
               </a:rPr>
-              <a:t>1.3.2 Depuración</a:t>
+              <a:t>Programa en ejecución</a:t>
             </a:r>
             <a:endParaRPr b="0" lang="es-MX" sz="4400" spc="-1" strike="noStrike">
               <a:latin typeface="Arial"/>
@@ -15355,14 +15016,14 @@
       </p:sp>
       <p:sp>
         <p:nvSpPr>
-          <p:cNvPr id="322" name="CustomShape 2"/>
+          <p:cNvPr id="316" name="CustomShape 2"/>
           <p:cNvSpPr/>
           <p:nvPr/>
         </p:nvSpPr>
         <p:spPr>
           <a:xfrm>
-            <a:off x="360000" y="579240"/>
-            <a:ext cx="11657520" cy="1918440"/>
+            <a:off x="521280" y="1063800"/>
+            <a:ext cx="9889560" cy="455400"/>
           </a:xfrm>
           <a:prstGeom prst="rect">
             <a:avLst/>
@@ -15396,87 +15057,7 @@
                 <a:latin typeface="Calibri"/>
                 <a:ea typeface="DejaVu Sans"/>
               </a:rPr>
-              <a:t>Véase el documento anexo a esta presentación depuracion.docx para </a:t>
-            </a:r>
-            <a:endParaRPr b="0" lang="es-MX" sz="2400" spc="-1" strike="noStrike">
-              <a:latin typeface="Arial"/>
-            </a:endParaRPr>
-          </a:p>
-          <a:p>
-            <a:pPr>
-              <a:lnSpc>
-                <a:spcPct val="100000"/>
-              </a:lnSpc>
-            </a:pPr>
-            <a:r>
-              <a:rPr b="0" lang="es-MX" sz="2400" spc="-1" strike="noStrike">
-                <a:solidFill>
-                  <a:srgbClr val="000000"/>
-                </a:solidFill>
-                <a:latin typeface="Calibri"/>
-                <a:ea typeface="DejaVu Sans"/>
-              </a:rPr>
-              <a:t>una descripción del uso de los comandos básicos del programa GDB para </a:t>
-            </a:r>
-            <a:endParaRPr b="0" lang="es-MX" sz="2400" spc="-1" strike="noStrike">
-              <a:latin typeface="Arial"/>
-            </a:endParaRPr>
-          </a:p>
-          <a:p>
-            <a:pPr>
-              <a:lnSpc>
-                <a:spcPct val="100000"/>
-              </a:lnSpc>
-            </a:pPr>
-            <a:r>
-              <a:rPr b="0" lang="es-MX" sz="2400" spc="-1" strike="noStrike">
-                <a:solidFill>
-                  <a:srgbClr val="000000"/>
-                </a:solidFill>
-                <a:latin typeface="Calibri"/>
-                <a:ea typeface="DejaVu Sans"/>
-              </a:rPr>
-              <a:t>hacer depuración desde la línea de comandos de un sistema operativo </a:t>
-            </a:r>
-            <a:endParaRPr b="0" lang="es-MX" sz="2400" spc="-1" strike="noStrike">
-              <a:latin typeface="Arial"/>
-            </a:endParaRPr>
-          </a:p>
-          <a:p>
-            <a:pPr>
-              <a:lnSpc>
-                <a:spcPct val="100000"/>
-              </a:lnSpc>
-            </a:pPr>
-            <a:r>
-              <a:rPr b="0" lang="es-MX" sz="2400" spc="-1" strike="noStrike">
-                <a:solidFill>
-                  <a:srgbClr val="000000"/>
-                </a:solidFill>
-                <a:latin typeface="Calibri"/>
-                <a:ea typeface="DejaVu Sans"/>
-              </a:rPr>
-              <a:t>GNU-Linux. Por otra parte, en el IDE Codeblocks se muestra a continuación</a:t>
-            </a:r>
-            <a:endParaRPr b="0" lang="es-MX" sz="2400" spc="-1" strike="noStrike">
-              <a:latin typeface="Arial"/>
-            </a:endParaRPr>
-          </a:p>
-          <a:p>
-            <a:pPr>
-              <a:lnSpc>
-                <a:spcPct val="100000"/>
-              </a:lnSpc>
-            </a:pPr>
-            <a:r>
-              <a:rPr b="0" lang="es-MX" sz="2400" spc="-1" strike="noStrike">
-                <a:solidFill>
-                  <a:srgbClr val="000000"/>
-                </a:solidFill>
-                <a:latin typeface="Calibri"/>
-                <a:ea typeface="DejaVu Sans"/>
-              </a:rPr>
-              <a:t>una sesión de depuración para el programa:</a:t>
+              <a:t>Durante su ejecución, el programa usa las siguiente bibliotecas</a:t>
             </a:r>
             <a:endParaRPr b="0" lang="es-MX" sz="2400" spc="-1" strike="noStrike">
               <a:latin typeface="Arial"/>
@@ -15486,7 +15067,7 @@
       </p:sp>
       <p:pic>
         <p:nvPicPr>
-          <p:cNvPr id="323" name="Imagen 4" descr=""/>
+          <p:cNvPr id="317" name="Imagen 3" descr=""/>
           <p:cNvPicPr/>
           <p:nvPr/>
         </p:nvPicPr>
@@ -15496,8 +15077,205 @@
         </p:blipFill>
         <p:spPr>
           <a:xfrm>
-            <a:off x="3982680" y="2763360"/>
-            <a:ext cx="5093280" cy="3830760"/>
+            <a:off x="965160" y="1587240"/>
+            <a:ext cx="5513400" cy="1827360"/>
+          </a:xfrm>
+          <a:prstGeom prst="rect">
+            <a:avLst/>
+          </a:prstGeom>
+          <a:ln w="0">
+            <a:noFill/>
+          </a:ln>
+        </p:spPr>
+      </p:pic>
+      <p:sp>
+        <p:nvSpPr>
+          <p:cNvPr id="318" name="CustomShape 3"/>
+          <p:cNvSpPr/>
+          <p:nvPr/>
+        </p:nvSpPr>
+        <p:spPr>
+          <a:xfrm>
+            <a:off x="470160" y="3416040"/>
+            <a:ext cx="11646720" cy="2284200"/>
+          </a:xfrm>
+          <a:prstGeom prst="rect">
+            <a:avLst/>
+          </a:prstGeom>
+          <a:noFill/>
+          <a:ln w="0">
+            <a:noFill/>
+          </a:ln>
+        </p:spPr>
+        <p:style>
+          <a:lnRef idx="0"/>
+          <a:fillRef idx="0"/>
+          <a:effectRef idx="0"/>
+          <a:fontRef idx="minor"/>
+        </p:style>
+        <p:txBody>
+          <a:bodyPr wrap="none" lIns="90000" rIns="90000" tIns="45000" bIns="45000">
+            <a:spAutoFit/>
+          </a:bodyPr>
+          <a:p>
+            <a:pPr>
+              <a:lnSpc>
+                <a:spcPct val="100000"/>
+              </a:lnSpc>
+            </a:pPr>
+            <a:r>
+              <a:rPr b="0" lang="es-MX" sz="2400" spc="-1" strike="noStrike">
+                <a:solidFill>
+                  <a:srgbClr val="000000"/>
+                </a:solidFill>
+                <a:latin typeface="Calibri"/>
+                <a:ea typeface="DejaVu Sans"/>
+              </a:rPr>
+              <a:t>Para obtener esta información se seleccionó el target Debug, se colocó </a:t>
+            </a:r>
+            <a:endParaRPr b="0" lang="es-MX" sz="2400" spc="-1" strike="noStrike">
+              <a:latin typeface="Arial"/>
+            </a:endParaRPr>
+          </a:p>
+          <a:p>
+            <a:pPr>
+              <a:lnSpc>
+                <a:spcPct val="100000"/>
+              </a:lnSpc>
+            </a:pPr>
+            <a:r>
+              <a:rPr b="0" lang="es-MX" sz="2400" spc="-1" strike="noStrike">
+                <a:solidFill>
+                  <a:srgbClr val="000000"/>
+                </a:solidFill>
+                <a:latin typeface="Calibri"/>
+                <a:ea typeface="DejaVu Sans"/>
+              </a:rPr>
+              <a:t>un punto de ruptura en la línea donde está la función main del archivo </a:t>
+            </a:r>
+            <a:endParaRPr b="0" lang="es-MX" sz="2400" spc="-1" strike="noStrike">
+              <a:latin typeface="Arial"/>
+            </a:endParaRPr>
+          </a:p>
+          <a:p>
+            <a:pPr>
+              <a:lnSpc>
+                <a:spcPct val="100000"/>
+              </a:lnSpc>
+            </a:pPr>
+            <a:r>
+              <a:rPr b="0" lang="es-MX" sz="2400" spc="-1" strike="noStrike">
+                <a:solidFill>
+                  <a:srgbClr val="000000"/>
+                </a:solidFill>
+                <a:latin typeface="Calibri"/>
+                <a:ea typeface="DejaVu Sans"/>
+              </a:rPr>
+              <a:t>de código fuente. Se dio clic en el botón play de color rojo. Cuando la </a:t>
+            </a:r>
+            <a:endParaRPr b="0" lang="es-MX" sz="2400" spc="-1" strike="noStrike">
+              <a:latin typeface="Arial"/>
+            </a:endParaRPr>
+          </a:p>
+          <a:p>
+            <a:pPr>
+              <a:lnSpc>
+                <a:spcPct val="100000"/>
+              </a:lnSpc>
+            </a:pPr>
+            <a:r>
+              <a:rPr b="0" lang="es-MX" sz="2400" spc="-1" strike="noStrike">
+                <a:solidFill>
+                  <a:srgbClr val="000000"/>
+                </a:solidFill>
+                <a:latin typeface="Calibri"/>
+                <a:ea typeface="DejaVu Sans"/>
+              </a:rPr>
+              <a:t>ejecución del programa se detuvo al ingresar a la función main, se dio clic </a:t>
+            </a:r>
+            <a:endParaRPr b="0" lang="es-MX" sz="2400" spc="-1" strike="noStrike">
+              <a:latin typeface="Arial"/>
+            </a:endParaRPr>
+          </a:p>
+          <a:p>
+            <a:pPr>
+              <a:lnSpc>
+                <a:spcPct val="100000"/>
+              </a:lnSpc>
+            </a:pPr>
+            <a:r>
+              <a:rPr b="0" lang="es-MX" sz="2400" spc="-1" strike="noStrike">
+                <a:solidFill>
+                  <a:srgbClr val="000000"/>
+                </a:solidFill>
+                <a:latin typeface="Calibri"/>
+                <a:ea typeface="DejaVu Sans"/>
+              </a:rPr>
+              <a:t>en el botón Various info (el que tiene la letra i), y se seleccionó la opción </a:t>
+            </a:r>
+            <a:endParaRPr b="0" lang="es-MX" sz="2400" spc="-1" strike="noStrike">
+              <a:latin typeface="Arial"/>
+            </a:endParaRPr>
+          </a:p>
+          <a:p>
+            <a:pPr>
+              <a:lnSpc>
+                <a:spcPct val="100000"/>
+              </a:lnSpc>
+            </a:pPr>
+            <a:r>
+              <a:rPr b="0" lang="es-MX" sz="2400" spc="-1" strike="noStrike">
+                <a:solidFill>
+                  <a:srgbClr val="000000"/>
+                </a:solidFill>
+                <a:latin typeface="Calibri"/>
+                <a:ea typeface="DejaVu Sans"/>
+              </a:rPr>
+              <a:t>Loaded libraries.</a:t>
+            </a:r>
+            <a:endParaRPr b="0" lang="es-MX" sz="2400" spc="-1" strike="noStrike">
+              <a:latin typeface="Arial"/>
+            </a:endParaRPr>
+          </a:p>
+        </p:txBody>
+      </p:sp>
+      <p:pic>
+        <p:nvPicPr>
+          <p:cNvPr id="319" name="Imagen 5" descr=""/>
+          <p:cNvPicPr/>
+          <p:nvPr/>
+        </p:nvPicPr>
+        <p:blipFill>
+          <a:blip r:embed="rId2"/>
+          <a:stretch/>
+        </p:blipFill>
+        <p:spPr>
+          <a:xfrm>
+            <a:off x="3722760" y="6093720"/>
+            <a:ext cx="5111640" cy="591480"/>
+          </a:xfrm>
+          <a:prstGeom prst="rect">
+            <a:avLst/>
+          </a:prstGeom>
+          <a:ln w="0">
+            <a:noFill/>
+          </a:ln>
+        </p:spPr>
+      </p:pic>
+      <p:pic>
+        <p:nvPicPr>
+          <p:cNvPr id="320" name="Imagen 6" descr=""/>
+          <p:cNvPicPr/>
+          <p:nvPr/>
+        </p:nvPicPr>
+        <p:blipFill>
+          <a:blip r:embed="rId3"/>
+          <a:stretch/>
+        </p:blipFill>
+        <p:spPr>
+          <a:xfrm>
+            <a:off x="8550000" y="2297160"/>
+            <a:ext cx="2211480" cy="855720"/>
           </a:xfrm>
           <a:prstGeom prst="rect">
             <a:avLst/>
@@ -15539,14 +15317,14 @@
       </p:grpSpPr>
       <p:sp>
         <p:nvSpPr>
-          <p:cNvPr id="324" name="CustomShape 1"/>
+          <p:cNvPr id="321" name="CustomShape 1"/>
           <p:cNvSpPr/>
           <p:nvPr/>
         </p:nvSpPr>
         <p:spPr>
           <a:xfrm>
-            <a:off x="714960" y="-303120"/>
-            <a:ext cx="10514520" cy="1324440"/>
+            <a:off x="360000" y="-244440"/>
+            <a:ext cx="10514160" cy="1324080"/>
           </a:xfrm>
           <a:prstGeom prst="rect">
             <a:avLst/>
@@ -15580,7 +15358,7 @@
                 <a:latin typeface="Calibri Light"/>
                 <a:ea typeface="DejaVu Sans"/>
               </a:rPr>
-              <a:t>Target Debug y punto de ruptura</a:t>
+              <a:t>1.3.2 Depuración</a:t>
             </a:r>
             <a:endParaRPr b="0" lang="es-MX" sz="4400" spc="-1" strike="noStrike">
               <a:latin typeface="Arial"/>
@@ -15590,14 +15368,14 @@
       </p:sp>
       <p:sp>
         <p:nvSpPr>
-          <p:cNvPr id="325" name="CustomShape 2"/>
+          <p:cNvPr id="322" name="CustomShape 2"/>
           <p:cNvSpPr/>
           <p:nvPr/>
         </p:nvSpPr>
         <p:spPr>
           <a:xfrm>
-            <a:off x="629640" y="545400"/>
-            <a:ext cx="10685160" cy="821160"/>
+            <a:off x="360000" y="579240"/>
+            <a:ext cx="11657160" cy="1918440"/>
           </a:xfrm>
           <a:prstGeom prst="rect">
             <a:avLst/>
@@ -15631,7 +15409,7 @@
                 <a:latin typeface="Calibri"/>
                 <a:ea typeface="DejaVu Sans"/>
               </a:rPr>
-              <a:t>Se selecciona el target Debug y se coloca un punto de ruptura en la </a:t>
+              <a:t>Véase el documento anexo a esta presentación depuracion.docx para </a:t>
             </a:r>
             <a:endParaRPr b="0" lang="es-MX" sz="2400" spc="-1" strike="noStrike">
               <a:latin typeface="Arial"/>
@@ -15651,7 +15429,67 @@
                 <a:latin typeface="Calibri"/>
                 <a:ea typeface="DejaVu Sans"/>
               </a:rPr>
-              <a:t>línea de código ary[i] = i, como se muestra en la siguiente figura:</a:t>
+              <a:t>una descripción del uso de los comandos básicos del programa GDB para </a:t>
+            </a:r>
+            <a:endParaRPr b="0" lang="es-MX" sz="2400" spc="-1" strike="noStrike">
+              <a:latin typeface="Arial"/>
+            </a:endParaRPr>
+          </a:p>
+          <a:p>
+            <a:pPr>
+              <a:lnSpc>
+                <a:spcPct val="100000"/>
+              </a:lnSpc>
+            </a:pPr>
+            <a:r>
+              <a:rPr b="0" lang="es-MX" sz="2400" spc="-1" strike="noStrike">
+                <a:solidFill>
+                  <a:srgbClr val="000000"/>
+                </a:solidFill>
+                <a:latin typeface="Calibri"/>
+                <a:ea typeface="DejaVu Sans"/>
+              </a:rPr>
+              <a:t>hacer depuración desde la línea de comandos de un sistema operativo </a:t>
+            </a:r>
+            <a:endParaRPr b="0" lang="es-MX" sz="2400" spc="-1" strike="noStrike">
+              <a:latin typeface="Arial"/>
+            </a:endParaRPr>
+          </a:p>
+          <a:p>
+            <a:pPr>
+              <a:lnSpc>
+                <a:spcPct val="100000"/>
+              </a:lnSpc>
+            </a:pPr>
+            <a:r>
+              <a:rPr b="0" lang="es-MX" sz="2400" spc="-1" strike="noStrike">
+                <a:solidFill>
+                  <a:srgbClr val="000000"/>
+                </a:solidFill>
+                <a:latin typeface="Calibri"/>
+                <a:ea typeface="DejaVu Sans"/>
+              </a:rPr>
+              <a:t>GNU-Linux. Por otra parte, en el IDE Codeblocks se muestra a continuación</a:t>
+            </a:r>
+            <a:endParaRPr b="0" lang="es-MX" sz="2400" spc="-1" strike="noStrike">
+              <a:latin typeface="Arial"/>
+            </a:endParaRPr>
+          </a:p>
+          <a:p>
+            <a:pPr>
+              <a:lnSpc>
+                <a:spcPct val="100000"/>
+              </a:lnSpc>
+            </a:pPr>
+            <a:r>
+              <a:rPr b="0" lang="es-MX" sz="2400" spc="-1" strike="noStrike">
+                <a:solidFill>
+                  <a:srgbClr val="000000"/>
+                </a:solidFill>
+                <a:latin typeface="Calibri"/>
+                <a:ea typeface="DejaVu Sans"/>
+              </a:rPr>
+              <a:t>una sesión de depuración para el programa:</a:t>
             </a:r>
             <a:endParaRPr b="0" lang="es-MX" sz="2400" spc="-1" strike="noStrike">
               <a:latin typeface="Arial"/>
@@ -15661,7 +15499,7 @@
       </p:sp>
       <p:pic>
         <p:nvPicPr>
-          <p:cNvPr id="326" name="Imagen 3" descr=""/>
+          <p:cNvPr id="323" name="Imagen 4" descr=""/>
           <p:cNvPicPr/>
           <p:nvPr/>
         </p:nvPicPr>
@@ -15671,8 +15509,8 @@
         </p:blipFill>
         <p:spPr>
           <a:xfrm>
-            <a:off x="8946360" y="4632840"/>
-            <a:ext cx="1751400" cy="1970640"/>
+            <a:off x="3982680" y="2763360"/>
+            <a:ext cx="5092920" cy="3830400"/>
           </a:xfrm>
           <a:prstGeom prst="rect">
             <a:avLst/>
@@ -15682,200 +15520,6 @@
           </a:ln>
         </p:spPr>
       </p:pic>
-      <p:pic>
-        <p:nvPicPr>
-          <p:cNvPr id="327" name="Imagen 4" descr=""/>
-          <p:cNvPicPr/>
-          <p:nvPr/>
-        </p:nvPicPr>
-        <p:blipFill>
-          <a:blip r:embed="rId2"/>
-          <a:stretch/>
-        </p:blipFill>
-        <p:spPr>
-          <a:xfrm>
-            <a:off x="1124640" y="1499400"/>
-            <a:ext cx="6435720" cy="4814640"/>
-          </a:xfrm>
-          <a:prstGeom prst="rect">
-            <a:avLst/>
-          </a:prstGeom>
-          <a:ln w="0">
-            <a:noFill/>
-          </a:ln>
-        </p:spPr>
-      </p:pic>
-      <p:sp>
-        <p:nvSpPr>
-          <p:cNvPr id="328" name="CustomShape 3"/>
-          <p:cNvSpPr/>
-          <p:nvPr/>
-        </p:nvSpPr>
-        <p:spPr>
-          <a:xfrm>
-            <a:off x="7615440" y="1524240"/>
-            <a:ext cx="4413960" cy="2649960"/>
-          </a:xfrm>
-          <a:prstGeom prst="rect">
-            <a:avLst/>
-          </a:prstGeom>
-          <a:noFill/>
-          <a:ln w="0">
-            <a:noFill/>
-          </a:ln>
-        </p:spPr>
-        <p:style>
-          <a:lnRef idx="0"/>
-          <a:fillRef idx="0"/>
-          <a:effectRef idx="0"/>
-          <a:fontRef idx="minor"/>
-        </p:style>
-        <p:txBody>
-          <a:bodyPr wrap="none" lIns="90000" rIns="90000" tIns="45000" bIns="45000">
-            <a:spAutoFit/>
-          </a:bodyPr>
-          <a:p>
-            <a:pPr>
-              <a:lnSpc>
-                <a:spcPct val="100000"/>
-              </a:lnSpc>
-            </a:pPr>
-            <a:r>
-              <a:rPr b="0" lang="es-MX" sz="2400" spc="-1" strike="noStrike">
-                <a:solidFill>
-                  <a:srgbClr val="000000"/>
-                </a:solidFill>
-                <a:latin typeface="Calibri"/>
-                <a:ea typeface="DejaVu Sans"/>
-              </a:rPr>
-              <a:t>Dado que el arreglo que se </a:t>
-            </a:r>
-            <a:endParaRPr b="0" lang="es-MX" sz="2400" spc="-1" strike="noStrike">
-              <a:latin typeface="Arial"/>
-            </a:endParaRPr>
-          </a:p>
-          <a:p>
-            <a:pPr>
-              <a:lnSpc>
-                <a:spcPct val="100000"/>
-              </a:lnSpc>
-            </a:pPr>
-            <a:r>
-              <a:rPr b="0" lang="es-MX" sz="2400" spc="-1" strike="noStrike">
-                <a:solidFill>
-                  <a:srgbClr val="000000"/>
-                </a:solidFill>
-                <a:latin typeface="Calibri"/>
-                <a:ea typeface="DejaVu Sans"/>
-              </a:rPr>
-              <a:t>pasa como argumento al  </a:t>
-            </a:r>
-            <a:endParaRPr b="0" lang="es-MX" sz="2400" spc="-1" strike="noStrike">
-              <a:latin typeface="Arial"/>
-            </a:endParaRPr>
-          </a:p>
-          <a:p>
-            <a:pPr>
-              <a:lnSpc>
-                <a:spcPct val="100000"/>
-              </a:lnSpc>
-            </a:pPr>
-            <a:r>
-              <a:rPr b="0" lang="es-MX" sz="2400" spc="-1" strike="noStrike">
-                <a:solidFill>
-                  <a:srgbClr val="000000"/>
-                </a:solidFill>
-                <a:latin typeface="Calibri"/>
-                <a:ea typeface="DejaVu Sans"/>
-              </a:rPr>
-              <a:t>llamar a la función </a:t>
-            </a:r>
-            <a:endParaRPr b="0" lang="es-MX" sz="2400" spc="-1" strike="noStrike">
-              <a:latin typeface="Arial"/>
-            </a:endParaRPr>
-          </a:p>
-          <a:p>
-            <a:pPr>
-              <a:lnSpc>
-                <a:spcPct val="100000"/>
-              </a:lnSpc>
-            </a:pPr>
-            <a:r>
-              <a:rPr b="0" lang="es-MX" sz="2400" spc="-1" strike="noStrike">
-                <a:solidFill>
-                  <a:srgbClr val="000000"/>
-                </a:solidFill>
-                <a:latin typeface="Calibri"/>
-                <a:ea typeface="DejaVu Sans"/>
-              </a:rPr>
-              <a:t>index_to_the_moon es de </a:t>
-            </a:r>
-            <a:endParaRPr b="0" lang="es-MX" sz="2400" spc="-1" strike="noStrike">
-              <a:latin typeface="Arial"/>
-            </a:endParaRPr>
-          </a:p>
-          <a:p>
-            <a:pPr>
-              <a:lnSpc>
-                <a:spcPct val="100000"/>
-              </a:lnSpc>
-            </a:pPr>
-            <a:r>
-              <a:rPr b="0" lang="es-MX" sz="2400" spc="-1" strike="noStrike">
-                <a:solidFill>
-                  <a:srgbClr val="000000"/>
-                </a:solidFill>
-                <a:latin typeface="Calibri"/>
-                <a:ea typeface="DejaVu Sans"/>
-              </a:rPr>
-              <a:t>tamaño 100, se usó un </a:t>
-            </a:r>
-            <a:endParaRPr b="0" lang="es-MX" sz="2400" spc="-1" strike="noStrike">
-              <a:latin typeface="Arial"/>
-            </a:endParaRPr>
-          </a:p>
-          <a:p>
-            <a:pPr>
-              <a:lnSpc>
-                <a:spcPct val="100000"/>
-              </a:lnSpc>
-            </a:pPr>
-            <a:r>
-              <a:rPr b="0" lang="es-MX" sz="2400" spc="-1" strike="noStrike">
-                <a:solidFill>
-                  <a:srgbClr val="000000"/>
-                </a:solidFill>
-                <a:latin typeface="Calibri"/>
-                <a:ea typeface="DejaVu Sans"/>
-              </a:rPr>
-              <a:t>breakpoint condicional con </a:t>
-            </a:r>
-            <a:endParaRPr b="0" lang="es-MX" sz="2400" spc="-1" strike="noStrike">
-              <a:latin typeface="Arial"/>
-            </a:endParaRPr>
-          </a:p>
-          <a:p>
-            <a:pPr>
-              <a:lnSpc>
-                <a:spcPct val="100000"/>
-              </a:lnSpc>
-            </a:pPr>
-            <a:r>
-              <a:rPr b="0" lang="es-MX" sz="2400" spc="-1" strike="noStrike">
-                <a:solidFill>
-                  <a:srgbClr val="000000"/>
-                </a:solidFill>
-                <a:latin typeface="Calibri"/>
-                <a:ea typeface="DejaVu Sans"/>
-              </a:rPr>
-              <a:t>expresión i  &gt;  99</a:t>
-            </a:r>
-            <a:endParaRPr b="0" lang="es-MX" sz="2400" spc="-1" strike="noStrike">
-              <a:latin typeface="Arial"/>
-            </a:endParaRPr>
-          </a:p>
-        </p:txBody>
-      </p:sp>
     </p:spTree>
   </p:cSld>
   <mc:AlternateContent>
@@ -15908,14 +15552,14 @@
       </p:grpSpPr>
       <p:sp>
         <p:nvSpPr>
-          <p:cNvPr id="329" name="CustomShape 1"/>
+          <p:cNvPr id="324" name="CustomShape 1"/>
           <p:cNvSpPr/>
           <p:nvPr/>
         </p:nvSpPr>
         <p:spPr>
           <a:xfrm>
-            <a:off x="337320" y="-312120"/>
-            <a:ext cx="10514520" cy="1324440"/>
+            <a:off x="714960" y="-303120"/>
+            <a:ext cx="10514160" cy="1324080"/>
           </a:xfrm>
           <a:prstGeom prst="rect">
             <a:avLst/>
@@ -15949,7 +15593,7 @@
                 <a:latin typeface="Calibri Light"/>
                 <a:ea typeface="DejaVu Sans"/>
               </a:rPr>
-              <a:t>Se ejecuta el programa usando GDB </a:t>
+              <a:t>Target Debug y punto de ruptura</a:t>
             </a:r>
             <a:endParaRPr b="0" lang="es-MX" sz="4400" spc="-1" strike="noStrike">
               <a:latin typeface="Arial"/>
@@ -15959,14 +15603,14 @@
       </p:sp>
       <p:sp>
         <p:nvSpPr>
-          <p:cNvPr id="330" name="CustomShape 2"/>
+          <p:cNvPr id="325" name="CustomShape 2"/>
           <p:cNvSpPr/>
           <p:nvPr/>
         </p:nvSpPr>
         <p:spPr>
           <a:xfrm>
-            <a:off x="312840" y="516960"/>
-            <a:ext cx="11147040" cy="439920"/>
+            <a:off x="629640" y="545400"/>
+            <a:ext cx="10684800" cy="821160"/>
           </a:xfrm>
           <a:prstGeom prst="rect">
             <a:avLst/>
@@ -15993,16 +15637,36 @@
               </a:lnSpc>
             </a:pPr>
             <a:r>
-              <a:rPr b="0" lang="es-MX" sz="2300" spc="-1" strike="noStrike">
+              <a:rPr b="0" lang="es-MX" sz="2400" spc="-1" strike="noStrike">
                 <a:solidFill>
                   <a:srgbClr val="000000"/>
                 </a:solidFill>
                 <a:latin typeface="Calibri"/>
                 <a:ea typeface="DejaVu Sans"/>
               </a:rPr>
-              <a:t>El programa se ejecuta en el depurador dando clic en el botón de play rojo</a:t>
-            </a:r>
-            <a:endParaRPr b="0" lang="es-MX" sz="2300" spc="-1" strike="noStrike">
+              <a:t>Se selecciona el target Debug y se coloca un punto de ruptura en la </a:t>
+            </a:r>
+            <a:endParaRPr b="0" lang="es-MX" sz="2400" spc="-1" strike="noStrike">
+              <a:latin typeface="Arial"/>
+            </a:endParaRPr>
+          </a:p>
+          <a:p>
+            <a:pPr>
+              <a:lnSpc>
+                <a:spcPct val="100000"/>
+              </a:lnSpc>
+            </a:pPr>
+            <a:r>
+              <a:rPr b="0" lang="es-MX" sz="2400" spc="-1" strike="noStrike">
+                <a:solidFill>
+                  <a:srgbClr val="000000"/>
+                </a:solidFill>
+                <a:latin typeface="Calibri"/>
+                <a:ea typeface="DejaVu Sans"/>
+              </a:rPr>
+              <a:t>línea de código ary[i] = i, como se muestra en la siguiente figura:</a:t>
+            </a:r>
+            <a:endParaRPr b="0" lang="es-MX" sz="2400" spc="-1" strike="noStrike">
               <a:latin typeface="Arial"/>
             </a:endParaRPr>
           </a:p>
@@ -16010,7 +15674,7 @@
       </p:sp>
       <p:pic>
         <p:nvPicPr>
-          <p:cNvPr id="331" name="Imagen 3" descr=""/>
+          <p:cNvPr id="326" name="Imagen 3" descr=""/>
           <p:cNvPicPr/>
           <p:nvPr/>
         </p:nvPicPr>
@@ -16020,8 +15684,8 @@
         </p:blipFill>
         <p:spPr>
           <a:xfrm>
-            <a:off x="3092760" y="1040040"/>
-            <a:ext cx="5469840" cy="664560"/>
+            <a:off x="8946360" y="4632840"/>
+            <a:ext cx="1751040" cy="1970280"/>
           </a:xfrm>
           <a:prstGeom prst="rect">
             <a:avLst/>
@@ -16031,170 +15695,9 @@
           </a:ln>
         </p:spPr>
       </p:pic>
-      <p:sp>
-        <p:nvSpPr>
-          <p:cNvPr id="332" name="CustomShape 3"/>
-          <p:cNvSpPr/>
-          <p:nvPr/>
-        </p:nvSpPr>
-        <p:spPr>
-          <a:xfrm>
-            <a:off x="186120" y="1880280"/>
-            <a:ext cx="14000040" cy="2267640"/>
-          </a:xfrm>
-          <a:prstGeom prst="rect">
-            <a:avLst/>
-          </a:prstGeom>
-          <a:noFill/>
-          <a:ln w="0">
-            <a:noFill/>
-          </a:ln>
-        </p:spPr>
-        <p:style>
-          <a:lnRef idx="0"/>
-          <a:fillRef idx="0"/>
-          <a:effectRef idx="0"/>
-          <a:fontRef idx="minor"/>
-        </p:style>
-        <p:txBody>
-          <a:bodyPr wrap="none" lIns="90000" rIns="90000" tIns="45000" bIns="45000">
-            <a:spAutoFit/>
-          </a:bodyPr>
-          <a:p>
-            <a:pPr>
-              <a:lnSpc>
-                <a:spcPct val="100000"/>
-              </a:lnSpc>
-            </a:pPr>
-            <a:r>
-              <a:rPr b="0" lang="es-MX" sz="2300" spc="-1" strike="noStrike">
-                <a:solidFill>
-                  <a:srgbClr val="000000"/>
-                </a:solidFill>
-                <a:latin typeface="Calibri"/>
-                <a:ea typeface="DejaVu Sans"/>
-              </a:rPr>
-              <a:t>Como el arreglo intary es de tamaño 100, y en la función index_to_moon se </a:t>
-            </a:r>
-            <a:endParaRPr b="0" lang="es-MX" sz="2300" spc="-1" strike="noStrike">
-              <a:latin typeface="Arial"/>
-            </a:endParaRPr>
-          </a:p>
-          <a:p>
-            <a:pPr>
-              <a:lnSpc>
-                <a:spcPct val="100000"/>
-              </a:lnSpc>
-            </a:pPr>
-            <a:r>
-              <a:rPr b="0" lang="es-MX" sz="2300" spc="-1" strike="noStrike">
-                <a:solidFill>
-                  <a:srgbClr val="000000"/>
-                </a:solidFill>
-                <a:latin typeface="Calibri"/>
-                <a:ea typeface="DejaVu Sans"/>
-              </a:rPr>
-              <a:t>colocó un breakpoint condicional con expresión i &gt; 99, si el programa se detie-</a:t>
-            </a:r>
-            <a:endParaRPr b="0" lang="es-MX" sz="2300" spc="-1" strike="noStrike">
-              <a:latin typeface="Arial"/>
-            </a:endParaRPr>
-          </a:p>
-          <a:p>
-            <a:pPr>
-              <a:lnSpc>
-                <a:spcPct val="100000"/>
-              </a:lnSpc>
-            </a:pPr>
-            <a:r>
-              <a:rPr b="0" lang="es-MX" sz="2300" spc="-1" strike="noStrike">
-                <a:solidFill>
-                  <a:srgbClr val="000000"/>
-                </a:solidFill>
-                <a:latin typeface="Calibri"/>
-                <a:ea typeface="DejaVu Sans"/>
-              </a:rPr>
-              <a:t>ne en ese punto de ruptura, significa que en la función se está tratando de </a:t>
-            </a:r>
-            <a:endParaRPr b="0" lang="es-MX" sz="2300" spc="-1" strike="noStrike">
-              <a:latin typeface="Arial"/>
-            </a:endParaRPr>
-          </a:p>
-          <a:p>
-            <a:pPr>
-              <a:lnSpc>
-                <a:spcPct val="100000"/>
-              </a:lnSpc>
-            </a:pPr>
-            <a:r>
-              <a:rPr b="0" lang="es-MX" sz="2300" spc="-1" strike="noStrike">
-                <a:solidFill>
-                  <a:srgbClr val="000000"/>
-                </a:solidFill>
-                <a:latin typeface="Calibri"/>
-                <a:ea typeface="DejaVu Sans"/>
-              </a:rPr>
-              <a:t>acceder a una localidad de memoría que ya no pertenece al arreglo que se </a:t>
-            </a:r>
-            <a:endParaRPr b="0" lang="es-MX" sz="2300" spc="-1" strike="noStrike">
-              <a:latin typeface="Arial"/>
-            </a:endParaRPr>
-          </a:p>
-          <a:p>
-            <a:pPr>
-              <a:lnSpc>
-                <a:spcPct val="100000"/>
-              </a:lnSpc>
-            </a:pPr>
-            <a:r>
-              <a:rPr b="0" lang="es-MX" sz="2300" spc="-1" strike="noStrike">
-                <a:solidFill>
-                  <a:srgbClr val="000000"/>
-                </a:solidFill>
-                <a:latin typeface="Calibri"/>
-                <a:ea typeface="DejaVu Sans"/>
-              </a:rPr>
-              <a:t>pasó como argumento. Después de eso, se detiene la ejecución del programa </a:t>
-            </a:r>
-            <a:endParaRPr b="0" lang="es-MX" sz="2300" spc="-1" strike="noStrike">
-              <a:latin typeface="Arial"/>
-            </a:endParaRPr>
-          </a:p>
-          <a:p>
-            <a:pPr>
-              <a:lnSpc>
-                <a:spcPct val="100000"/>
-              </a:lnSpc>
-            </a:pPr>
-            <a:r>
-              <a:rPr b="0" lang="es-MX" sz="2300" spc="-1" strike="noStrike">
-                <a:solidFill>
-                  <a:srgbClr val="000000"/>
-                </a:solidFill>
-                <a:latin typeface="Calibri"/>
-                <a:ea typeface="DejaVu Sans"/>
-              </a:rPr>
-              <a:t>(clic en el botón que tiene la equis blanca con fondo rojo).</a:t>
-            </a:r>
-            <a:r>
-              <a:rPr b="0" lang="es-MX" sz="2800" spc="-1" strike="noStrike">
-                <a:solidFill>
-                  <a:srgbClr val="000000"/>
-                </a:solidFill>
-                <a:latin typeface="Calibri"/>
-                <a:ea typeface="DejaVu Sans"/>
-              </a:rPr>
-              <a:t>                                             . </a:t>
-            </a:r>
-            <a:endParaRPr b="0" lang="es-MX" sz="2800" spc="-1" strike="noStrike">
-              <a:latin typeface="Arial"/>
-            </a:endParaRPr>
-          </a:p>
-        </p:txBody>
-      </p:sp>
       <p:pic>
         <p:nvPicPr>
-          <p:cNvPr id="333" name="Imagen 7" descr=""/>
+          <p:cNvPr id="327" name="Imagen 4" descr=""/>
           <p:cNvPicPr/>
           <p:nvPr/>
         </p:nvPicPr>
@@ -16204,8 +15707,8 @@
         </p:blipFill>
         <p:spPr>
           <a:xfrm>
-            <a:off x="3405600" y="4522680"/>
-            <a:ext cx="5519160" cy="601200"/>
+            <a:off x="1124640" y="1499400"/>
+            <a:ext cx="6435360" cy="4814280"/>
           </a:xfrm>
           <a:prstGeom prst="rect">
             <a:avLst/>
@@ -16215,6 +15718,177 @@
           </a:ln>
         </p:spPr>
       </p:pic>
+      <p:sp>
+        <p:nvSpPr>
+          <p:cNvPr id="328" name="CustomShape 3"/>
+          <p:cNvSpPr/>
+          <p:nvPr/>
+        </p:nvSpPr>
+        <p:spPr>
+          <a:xfrm>
+            <a:off x="7615440" y="1524240"/>
+            <a:ext cx="4413600" cy="2649960"/>
+          </a:xfrm>
+          <a:prstGeom prst="rect">
+            <a:avLst/>
+          </a:prstGeom>
+          <a:noFill/>
+          <a:ln w="0">
+            <a:noFill/>
+          </a:ln>
+        </p:spPr>
+        <p:style>
+          <a:lnRef idx="0"/>
+          <a:fillRef idx="0"/>
+          <a:effectRef idx="0"/>
+          <a:fontRef idx="minor"/>
+        </p:style>
+        <p:txBody>
+          <a:bodyPr wrap="none" lIns="90000" rIns="90000" tIns="45000" bIns="45000">
+            <a:spAutoFit/>
+          </a:bodyPr>
+          <a:p>
+            <a:pPr>
+              <a:lnSpc>
+                <a:spcPct val="100000"/>
+              </a:lnSpc>
+            </a:pPr>
+            <a:r>
+              <a:rPr b="0" lang="es-MX" sz="2400" spc="-1" strike="noStrike">
+                <a:solidFill>
+                  <a:srgbClr val="000000"/>
+                </a:solidFill>
+                <a:latin typeface="Calibri"/>
+                <a:ea typeface="DejaVu Sans"/>
+              </a:rPr>
+              <a:t>Dado que el arreglo que se </a:t>
+            </a:r>
+            <a:endParaRPr b="0" lang="es-MX" sz="2400" spc="-1" strike="noStrike">
+              <a:latin typeface="Arial"/>
+            </a:endParaRPr>
+          </a:p>
+          <a:p>
+            <a:pPr>
+              <a:lnSpc>
+                <a:spcPct val="100000"/>
+              </a:lnSpc>
+            </a:pPr>
+            <a:r>
+              <a:rPr b="0" lang="es-MX" sz="2400" spc="-1" strike="noStrike">
+                <a:solidFill>
+                  <a:srgbClr val="000000"/>
+                </a:solidFill>
+                <a:latin typeface="Calibri"/>
+                <a:ea typeface="DejaVu Sans"/>
+              </a:rPr>
+              <a:t>pasa como argumento al  </a:t>
+            </a:r>
+            <a:endParaRPr b="0" lang="es-MX" sz="2400" spc="-1" strike="noStrike">
+              <a:latin typeface="Arial"/>
+            </a:endParaRPr>
+          </a:p>
+          <a:p>
+            <a:pPr>
+              <a:lnSpc>
+                <a:spcPct val="100000"/>
+              </a:lnSpc>
+            </a:pPr>
+            <a:r>
+              <a:rPr b="0" lang="es-MX" sz="2400" spc="-1" strike="noStrike">
+                <a:solidFill>
+                  <a:srgbClr val="000000"/>
+                </a:solidFill>
+                <a:latin typeface="Calibri"/>
+                <a:ea typeface="DejaVu Sans"/>
+              </a:rPr>
+              <a:t>llamar a la función </a:t>
+            </a:r>
+            <a:endParaRPr b="0" lang="es-MX" sz="2400" spc="-1" strike="noStrike">
+              <a:latin typeface="Arial"/>
+            </a:endParaRPr>
+          </a:p>
+          <a:p>
+            <a:pPr>
+              <a:lnSpc>
+                <a:spcPct val="100000"/>
+              </a:lnSpc>
+            </a:pPr>
+            <a:r>
+              <a:rPr b="0" lang="es-MX" sz="2400" spc="-1" strike="noStrike">
+                <a:solidFill>
+                  <a:srgbClr val="000000"/>
+                </a:solidFill>
+                <a:latin typeface="Calibri"/>
+                <a:ea typeface="DejaVu Sans"/>
+              </a:rPr>
+              <a:t>index_to_the_moon es de </a:t>
+            </a:r>
+            <a:endParaRPr b="0" lang="es-MX" sz="2400" spc="-1" strike="noStrike">
+              <a:latin typeface="Arial"/>
+            </a:endParaRPr>
+          </a:p>
+          <a:p>
+            <a:pPr>
+              <a:lnSpc>
+                <a:spcPct val="100000"/>
+              </a:lnSpc>
+            </a:pPr>
+            <a:r>
+              <a:rPr b="0" lang="es-MX" sz="2400" spc="-1" strike="noStrike">
+                <a:solidFill>
+                  <a:srgbClr val="000000"/>
+                </a:solidFill>
+                <a:latin typeface="Calibri"/>
+                <a:ea typeface="DejaVu Sans"/>
+              </a:rPr>
+              <a:t>tamaño 100, se usó un </a:t>
+            </a:r>
+            <a:endParaRPr b="0" lang="es-MX" sz="2400" spc="-1" strike="noStrike">
+              <a:latin typeface="Arial"/>
+            </a:endParaRPr>
+          </a:p>
+          <a:p>
+            <a:pPr>
+              <a:lnSpc>
+                <a:spcPct val="100000"/>
+              </a:lnSpc>
+            </a:pPr>
+            <a:r>
+              <a:rPr b="0" lang="es-MX" sz="2400" spc="-1" strike="noStrike">
+                <a:solidFill>
+                  <a:srgbClr val="000000"/>
+                </a:solidFill>
+                <a:latin typeface="Calibri"/>
+                <a:ea typeface="DejaVu Sans"/>
+              </a:rPr>
+              <a:t>breakpoint condicional con </a:t>
+            </a:r>
+            <a:endParaRPr b="0" lang="es-MX" sz="2400" spc="-1" strike="noStrike">
+              <a:latin typeface="Arial"/>
+            </a:endParaRPr>
+          </a:p>
+          <a:p>
+            <a:pPr>
+              <a:lnSpc>
+                <a:spcPct val="100000"/>
+              </a:lnSpc>
+            </a:pPr>
+            <a:r>
+              <a:rPr b="0" lang="es-MX" sz="2400" spc="-1" strike="noStrike">
+                <a:solidFill>
+                  <a:srgbClr val="000000"/>
+                </a:solidFill>
+                <a:latin typeface="Calibri"/>
+                <a:ea typeface="DejaVu Sans"/>
+              </a:rPr>
+              <a:t>expresión i  &gt;  99</a:t>
+            </a:r>
+            <a:endParaRPr b="0" lang="es-MX" sz="2400" spc="-1" strike="noStrike">
+              <a:latin typeface="Arial"/>
+            </a:endParaRPr>
+          </a:p>
+        </p:txBody>
+      </p:sp>
     </p:spTree>
   </p:cSld>
   <mc:AlternateContent>
@@ -16254,7 +15928,7 @@
         <p:spPr>
           <a:xfrm>
             <a:off x="360000" y="0"/>
-            <a:ext cx="11699640" cy="1324800"/>
+            <a:ext cx="11699280" cy="1324440"/>
           </a:xfrm>
           <a:prstGeom prst="rect">
             <a:avLst/>
@@ -16286,6 +15960,7 @@
                   <a:srgbClr val="000000"/>
                 </a:solidFill>
                 <a:latin typeface="Calibri Light"/>
+                <a:ea typeface="DejaVu Sans"/>
               </a:rPr>
               <a:t>1.1.2 Uso de identificadores. Palabras reservadas</a:t>
             </a:r>
@@ -16308,7 +15983,7 @@
         <p:spPr>
           <a:xfrm>
             <a:off x="348120" y="1268280"/>
-            <a:ext cx="11351520" cy="1975680"/>
+            <a:ext cx="11351160" cy="1975320"/>
           </a:xfrm>
           <a:prstGeom prst="rect">
             <a:avLst/>
@@ -16327,7 +16002,7 @@
         <p:spPr>
           <a:xfrm>
             <a:off x="271440" y="3451680"/>
-            <a:ext cx="11304360" cy="1309320"/>
+            <a:ext cx="11304000" cy="1309320"/>
           </a:xfrm>
           <a:prstGeom prst="rect">
             <a:avLst/>
@@ -16479,9 +16154,111 @@
           <a:chExt cx="0" cy="0"/>
         </a:xfrm>
       </p:grpSpPr>
+      <p:sp>
+        <p:nvSpPr>
+          <p:cNvPr id="329" name="CustomShape 1"/>
+          <p:cNvSpPr/>
+          <p:nvPr/>
+        </p:nvSpPr>
+        <p:spPr>
+          <a:xfrm>
+            <a:off x="337320" y="-312120"/>
+            <a:ext cx="10514160" cy="1324080"/>
+          </a:xfrm>
+          <a:prstGeom prst="rect">
+            <a:avLst/>
+          </a:prstGeom>
+          <a:noFill/>
+          <a:ln w="0">
+            <a:noFill/>
+          </a:ln>
+        </p:spPr>
+        <p:style>
+          <a:lnRef idx="0"/>
+          <a:fillRef idx="0"/>
+          <a:effectRef idx="0"/>
+          <a:fontRef idx="minor"/>
+        </p:style>
+        <p:txBody>
+          <a:bodyPr lIns="90000" rIns="90000" tIns="45000" bIns="45000" anchor="ctr">
+            <a:noAutofit/>
+          </a:bodyPr>
+          <a:p>
+            <a:pPr>
+              <a:lnSpc>
+                <a:spcPct val="90000"/>
+              </a:lnSpc>
+            </a:pPr>
+            <a:r>
+              <a:rPr b="0" lang="es-MX" sz="4400" spc="-1" strike="noStrike">
+                <a:solidFill>
+                  <a:srgbClr val="000000"/>
+                </a:solidFill>
+                <a:latin typeface="Calibri Light"/>
+                <a:ea typeface="DejaVu Sans"/>
+              </a:rPr>
+              <a:t>Se ejecuta el programa usando GDB </a:t>
+            </a:r>
+            <a:endParaRPr b="0" lang="es-MX" sz="4400" spc="-1" strike="noStrike">
+              <a:latin typeface="Arial"/>
+            </a:endParaRPr>
+          </a:p>
+        </p:txBody>
+      </p:sp>
+      <p:sp>
+        <p:nvSpPr>
+          <p:cNvPr id="330" name="CustomShape 2"/>
+          <p:cNvSpPr/>
+          <p:nvPr/>
+        </p:nvSpPr>
+        <p:spPr>
+          <a:xfrm>
+            <a:off x="312840" y="516960"/>
+            <a:ext cx="11146680" cy="439920"/>
+          </a:xfrm>
+          <a:prstGeom prst="rect">
+            <a:avLst/>
+          </a:prstGeom>
+          <a:noFill/>
+          <a:ln w="0">
+            <a:noFill/>
+          </a:ln>
+        </p:spPr>
+        <p:style>
+          <a:lnRef idx="0"/>
+          <a:fillRef idx="0"/>
+          <a:effectRef idx="0"/>
+          <a:fontRef idx="minor"/>
+        </p:style>
+        <p:txBody>
+          <a:bodyPr wrap="none" lIns="90000" rIns="90000" tIns="45000" bIns="45000">
+            <a:spAutoFit/>
+          </a:bodyPr>
+          <a:p>
+            <a:pPr>
+              <a:lnSpc>
+                <a:spcPct val="100000"/>
+              </a:lnSpc>
+            </a:pPr>
+            <a:r>
+              <a:rPr b="0" lang="es-MX" sz="2300" spc="-1" strike="noStrike">
+                <a:solidFill>
+                  <a:srgbClr val="000000"/>
+                </a:solidFill>
+                <a:latin typeface="Calibri"/>
+                <a:ea typeface="DejaVu Sans"/>
+              </a:rPr>
+              <a:t>El programa se ejecuta en el depurador dando clic en el botón de play rojo</a:t>
+            </a:r>
+            <a:endParaRPr b="0" lang="es-MX" sz="2300" spc="-1" strike="noStrike">
+              <a:latin typeface="Arial"/>
+            </a:endParaRPr>
+          </a:p>
+        </p:txBody>
+      </p:sp>
       <p:pic>
         <p:nvPicPr>
-          <p:cNvPr id="334" name="Imagen 1" descr=""/>
+          <p:cNvPr id="331" name="Imagen 3" descr=""/>
           <p:cNvPicPr/>
           <p:nvPr/>
         </p:nvPicPr>
@@ -16491,8 +16268,192 @@
         </p:blipFill>
         <p:spPr>
           <a:xfrm>
-            <a:off x="1800000" y="360000"/>
-            <a:ext cx="8498520" cy="6257880"/>
+            <a:off x="3092760" y="1040040"/>
+            <a:ext cx="5469480" cy="664200"/>
+          </a:xfrm>
+          <a:prstGeom prst="rect">
+            <a:avLst/>
+          </a:prstGeom>
+          <a:ln w="0">
+            <a:noFill/>
+          </a:ln>
+        </p:spPr>
+      </p:pic>
+      <p:sp>
+        <p:nvSpPr>
+          <p:cNvPr id="332" name="CustomShape 3"/>
+          <p:cNvSpPr/>
+          <p:nvPr/>
+        </p:nvSpPr>
+        <p:spPr>
+          <a:xfrm>
+            <a:off x="186120" y="1880280"/>
+            <a:ext cx="13999680" cy="2267640"/>
+          </a:xfrm>
+          <a:prstGeom prst="rect">
+            <a:avLst/>
+          </a:prstGeom>
+          <a:noFill/>
+          <a:ln w="0">
+            <a:noFill/>
+          </a:ln>
+        </p:spPr>
+        <p:style>
+          <a:lnRef idx="0"/>
+          <a:fillRef idx="0"/>
+          <a:effectRef idx="0"/>
+          <a:fontRef idx="minor"/>
+        </p:style>
+        <p:txBody>
+          <a:bodyPr wrap="none" lIns="90000" rIns="90000" tIns="45000" bIns="45000">
+            <a:spAutoFit/>
+          </a:bodyPr>
+          <a:p>
+            <a:pPr>
+              <a:lnSpc>
+                <a:spcPct val="100000"/>
+              </a:lnSpc>
+            </a:pPr>
+            <a:r>
+              <a:rPr b="0" lang="es-MX" sz="2300" spc="-1" strike="noStrike">
+                <a:solidFill>
+                  <a:srgbClr val="000000"/>
+                </a:solidFill>
+                <a:latin typeface="Calibri"/>
+                <a:ea typeface="DejaVu Sans"/>
+              </a:rPr>
+              <a:t>Como el arreglo intary es de tamaño 100, y en la función index_to_moon se </a:t>
+            </a:r>
+            <a:endParaRPr b="0" lang="es-MX" sz="2300" spc="-1" strike="noStrike">
+              <a:latin typeface="Arial"/>
+            </a:endParaRPr>
+          </a:p>
+          <a:p>
+            <a:pPr>
+              <a:lnSpc>
+                <a:spcPct val="100000"/>
+              </a:lnSpc>
+            </a:pPr>
+            <a:r>
+              <a:rPr b="0" lang="es-MX" sz="2300" spc="-1" strike="noStrike">
+                <a:solidFill>
+                  <a:srgbClr val="000000"/>
+                </a:solidFill>
+                <a:latin typeface="Calibri"/>
+                <a:ea typeface="DejaVu Sans"/>
+              </a:rPr>
+              <a:t>colocó un breakpoint condicional con expresión i &gt; 99, si el programa se detie-</a:t>
+            </a:r>
+            <a:endParaRPr b="0" lang="es-MX" sz="2300" spc="-1" strike="noStrike">
+              <a:latin typeface="Arial"/>
+            </a:endParaRPr>
+          </a:p>
+          <a:p>
+            <a:pPr>
+              <a:lnSpc>
+                <a:spcPct val="100000"/>
+              </a:lnSpc>
+            </a:pPr>
+            <a:r>
+              <a:rPr b="0" lang="es-MX" sz="2300" spc="-1" strike="noStrike">
+                <a:solidFill>
+                  <a:srgbClr val="000000"/>
+                </a:solidFill>
+                <a:latin typeface="Calibri"/>
+                <a:ea typeface="DejaVu Sans"/>
+              </a:rPr>
+              <a:t>ne en ese punto de ruptura, significa que en la función se está tratando de </a:t>
+            </a:r>
+            <a:endParaRPr b="0" lang="es-MX" sz="2300" spc="-1" strike="noStrike">
+              <a:latin typeface="Arial"/>
+            </a:endParaRPr>
+          </a:p>
+          <a:p>
+            <a:pPr>
+              <a:lnSpc>
+                <a:spcPct val="100000"/>
+              </a:lnSpc>
+            </a:pPr>
+            <a:r>
+              <a:rPr b="0" lang="es-MX" sz="2300" spc="-1" strike="noStrike">
+                <a:solidFill>
+                  <a:srgbClr val="000000"/>
+                </a:solidFill>
+                <a:latin typeface="Calibri"/>
+                <a:ea typeface="DejaVu Sans"/>
+              </a:rPr>
+              <a:t>acceder a una localidad de memoría que ya no pertenece al arreglo que se </a:t>
+            </a:r>
+            <a:endParaRPr b="0" lang="es-MX" sz="2300" spc="-1" strike="noStrike">
+              <a:latin typeface="Arial"/>
+            </a:endParaRPr>
+          </a:p>
+          <a:p>
+            <a:pPr>
+              <a:lnSpc>
+                <a:spcPct val="100000"/>
+              </a:lnSpc>
+            </a:pPr>
+            <a:r>
+              <a:rPr b="0" lang="es-MX" sz="2300" spc="-1" strike="noStrike">
+                <a:solidFill>
+                  <a:srgbClr val="000000"/>
+                </a:solidFill>
+                <a:latin typeface="Calibri"/>
+                <a:ea typeface="DejaVu Sans"/>
+              </a:rPr>
+              <a:t>pasó como argumento. Después de eso, se detiene la ejecución del programa </a:t>
+            </a:r>
+            <a:endParaRPr b="0" lang="es-MX" sz="2300" spc="-1" strike="noStrike">
+              <a:latin typeface="Arial"/>
+            </a:endParaRPr>
+          </a:p>
+          <a:p>
+            <a:pPr>
+              <a:lnSpc>
+                <a:spcPct val="100000"/>
+              </a:lnSpc>
+            </a:pPr>
+            <a:r>
+              <a:rPr b="0" lang="es-MX" sz="2300" spc="-1" strike="noStrike">
+                <a:solidFill>
+                  <a:srgbClr val="000000"/>
+                </a:solidFill>
+                <a:latin typeface="Calibri"/>
+                <a:ea typeface="DejaVu Sans"/>
+              </a:rPr>
+              <a:t>(clic en el botón que tiene la equis blanca con fondo rojo).</a:t>
+            </a:r>
+            <a:r>
+              <a:rPr b="0" lang="es-MX" sz="2800" spc="-1" strike="noStrike">
+                <a:solidFill>
+                  <a:srgbClr val="000000"/>
+                </a:solidFill>
+                <a:latin typeface="Calibri"/>
+                <a:ea typeface="DejaVu Sans"/>
+              </a:rPr>
+              <a:t>                                             . </a:t>
+            </a:r>
+            <a:endParaRPr b="0" lang="es-MX" sz="2800" spc="-1" strike="noStrike">
+              <a:latin typeface="Arial"/>
+            </a:endParaRPr>
+          </a:p>
+        </p:txBody>
+      </p:sp>
+      <p:pic>
+        <p:nvPicPr>
+          <p:cNvPr id="333" name="Imagen 7" descr=""/>
+          <p:cNvPicPr/>
+          <p:nvPr/>
+        </p:nvPicPr>
+        <p:blipFill>
+          <a:blip r:embed="rId2"/>
+          <a:stretch/>
+        </p:blipFill>
+        <p:spPr>
+          <a:xfrm>
+            <a:off x="3405600" y="4522680"/>
+            <a:ext cx="5518800" cy="600840"/>
           </a:xfrm>
           <a:prstGeom prst="rect">
             <a:avLst/>
@@ -16532,140 +16493,9 @@
           <a:chExt cx="0" cy="0"/>
         </a:xfrm>
       </p:grpSpPr>
-      <p:sp>
-        <p:nvSpPr>
-          <p:cNvPr id="335" name="CustomShape 1"/>
-          <p:cNvSpPr/>
-          <p:nvPr/>
-        </p:nvSpPr>
-        <p:spPr>
-          <a:xfrm>
-            <a:off x="396360" y="492480"/>
-            <a:ext cx="11694240" cy="1918440"/>
-          </a:xfrm>
-          <a:prstGeom prst="rect">
-            <a:avLst/>
-          </a:prstGeom>
-          <a:noFill/>
-          <a:ln w="0">
-            <a:noFill/>
-          </a:ln>
-        </p:spPr>
-        <p:style>
-          <a:lnRef idx="0"/>
-          <a:fillRef idx="0"/>
-          <a:effectRef idx="0"/>
-          <a:fontRef idx="minor"/>
-        </p:style>
-        <p:txBody>
-          <a:bodyPr wrap="none" lIns="90000" rIns="90000" tIns="45000" bIns="45000">
-            <a:spAutoFit/>
-          </a:bodyPr>
-          <a:p>
-            <a:pPr>
-              <a:lnSpc>
-                <a:spcPct val="100000"/>
-              </a:lnSpc>
-            </a:pPr>
-            <a:r>
-              <a:rPr b="0" lang="es-MX" sz="2400" spc="-1" strike="noStrike">
-                <a:solidFill>
-                  <a:srgbClr val="000000"/>
-                </a:solidFill>
-                <a:latin typeface="Calibri"/>
-                <a:ea typeface="DejaVu Sans"/>
-              </a:rPr>
-              <a:t>Entonces el problema es uno de los dos siguientes: el arreglo debió ser </a:t>
-            </a:r>
-            <a:endParaRPr b="0" lang="es-MX" sz="2400" spc="-1" strike="noStrike">
-              <a:latin typeface="Arial"/>
-            </a:endParaRPr>
-          </a:p>
-          <a:p>
-            <a:pPr>
-              <a:lnSpc>
-                <a:spcPct val="100000"/>
-              </a:lnSpc>
-            </a:pPr>
-            <a:r>
-              <a:rPr b="0" lang="es-MX" sz="2400" spc="-1" strike="noStrike">
-                <a:solidFill>
-                  <a:srgbClr val="000000"/>
-                </a:solidFill>
-                <a:latin typeface="Calibri"/>
-                <a:ea typeface="DejaVu Sans"/>
-              </a:rPr>
-              <a:t>de un tamaño más grande, o en la función no se debe acceder a ese </a:t>
-            </a:r>
-            <a:endParaRPr b="0" lang="es-MX" sz="2400" spc="-1" strike="noStrike">
-              <a:latin typeface="Arial"/>
-            </a:endParaRPr>
-          </a:p>
-          <a:p>
-            <a:pPr>
-              <a:lnSpc>
-                <a:spcPct val="100000"/>
-              </a:lnSpc>
-            </a:pPr>
-            <a:r>
-              <a:rPr b="0" lang="es-MX" sz="2400" spc="-1" strike="noStrike">
-                <a:solidFill>
-                  <a:srgbClr val="000000"/>
-                </a:solidFill>
-                <a:latin typeface="Calibri"/>
-                <a:ea typeface="DejaVu Sans"/>
-              </a:rPr>
-              <a:t>índice tan elevado. En el segundo caso, la solución consiste en asegurarse </a:t>
-            </a:r>
-            <a:endParaRPr b="0" lang="es-MX" sz="2400" spc="-1" strike="noStrike">
-              <a:latin typeface="Arial"/>
-            </a:endParaRPr>
-          </a:p>
-          <a:p>
-            <a:pPr>
-              <a:lnSpc>
-                <a:spcPct val="100000"/>
-              </a:lnSpc>
-            </a:pPr>
-            <a:r>
-              <a:rPr b="0" lang="es-MX" sz="2400" spc="-1" strike="noStrike">
-                <a:solidFill>
-                  <a:srgbClr val="000000"/>
-                </a:solidFill>
-                <a:latin typeface="Calibri"/>
-                <a:ea typeface="DejaVu Sans"/>
-              </a:rPr>
-              <a:t>de que no se escriba en el arreglo con un índice mayor que el tamaño del </a:t>
-            </a:r>
-            <a:endParaRPr b="0" lang="es-MX" sz="2400" spc="-1" strike="noStrike">
-              <a:latin typeface="Arial"/>
-            </a:endParaRPr>
-          </a:p>
-          <a:p>
-            <a:pPr>
-              <a:lnSpc>
-                <a:spcPct val="100000"/>
-              </a:lnSpc>
-            </a:pPr>
-            <a:r>
-              <a:rPr b="0" lang="es-MX" sz="2400" spc="-1" strike="noStrike">
-                <a:solidFill>
-                  <a:srgbClr val="000000"/>
-                </a:solidFill>
-                <a:latin typeface="Calibri"/>
-                <a:ea typeface="DejaVu Sans"/>
-              </a:rPr>
-              <a:t>arreglo menos 1. Es decir, cambiando</a:t>
-            </a:r>
-            <a:endParaRPr b="0" lang="es-MX" sz="2400" spc="-1" strike="noStrike">
-              <a:latin typeface="Arial"/>
-            </a:endParaRPr>
-          </a:p>
-        </p:txBody>
-      </p:sp>
       <p:pic>
         <p:nvPicPr>
-          <p:cNvPr id="336" name="Imagen 6" descr=""/>
+          <p:cNvPr id="334" name="Imagen 1" descr=""/>
           <p:cNvPicPr/>
           <p:nvPr/>
         </p:nvPicPr>
@@ -16675,8 +16505,8 @@
         </p:blipFill>
         <p:spPr>
           <a:xfrm>
-            <a:off x="3586320" y="2739240"/>
-            <a:ext cx="5868360" cy="477720"/>
+            <a:off x="1800000" y="360000"/>
+            <a:ext cx="8498160" cy="6257520"/>
           </a:xfrm>
           <a:prstGeom prst="rect">
             <a:avLst/>
@@ -16686,191 +16516,6 @@
           </a:ln>
         </p:spPr>
       </p:pic>
-      <p:pic>
-        <p:nvPicPr>
-          <p:cNvPr id="337" name="Imagen 7" descr=""/>
-          <p:cNvPicPr/>
-          <p:nvPr/>
-        </p:nvPicPr>
-        <p:blipFill>
-          <a:blip r:embed="rId2"/>
-          <a:stretch/>
-        </p:blipFill>
-        <p:spPr>
-          <a:xfrm>
-            <a:off x="3587760" y="3741120"/>
-            <a:ext cx="5502600" cy="463680"/>
-          </a:xfrm>
-          <a:prstGeom prst="rect">
-            <a:avLst/>
-          </a:prstGeom>
-          <a:ln w="0">
-            <a:noFill/>
-          </a:ln>
-        </p:spPr>
-      </p:pic>
-      <p:sp>
-        <p:nvSpPr>
-          <p:cNvPr id="338" name="CustomShape 2"/>
-          <p:cNvSpPr/>
-          <p:nvPr/>
-        </p:nvSpPr>
-        <p:spPr>
-          <a:xfrm>
-            <a:off x="773640" y="3218040"/>
-            <a:ext cx="754920" cy="455400"/>
-          </a:xfrm>
-          <a:prstGeom prst="rect">
-            <a:avLst/>
-          </a:prstGeom>
-          <a:noFill/>
-          <a:ln w="0">
-            <a:noFill/>
-          </a:ln>
-        </p:spPr>
-        <p:style>
-          <a:lnRef idx="0"/>
-          <a:fillRef idx="0"/>
-          <a:effectRef idx="0"/>
-          <a:fontRef idx="minor"/>
-        </p:style>
-        <p:txBody>
-          <a:bodyPr lIns="90000" rIns="90000" tIns="45000" bIns="45000">
-            <a:spAutoFit/>
-          </a:bodyPr>
-          <a:p>
-            <a:pPr>
-              <a:lnSpc>
-                <a:spcPct val="100000"/>
-              </a:lnSpc>
-            </a:pPr>
-            <a:r>
-              <a:rPr b="0" lang="es-MX" sz="2400" spc="-1" strike="noStrike">
-                <a:solidFill>
-                  <a:srgbClr val="000000"/>
-                </a:solidFill>
-                <a:latin typeface="Calibri"/>
-                <a:ea typeface="DejaVu Sans"/>
-              </a:rPr>
-              <a:t>por</a:t>
-            </a:r>
-            <a:endParaRPr b="0" lang="es-MX" sz="2400" spc="-1" strike="noStrike">
-              <a:latin typeface="Arial"/>
-            </a:endParaRPr>
-          </a:p>
-        </p:txBody>
-      </p:sp>
-      <p:sp>
-        <p:nvSpPr>
-          <p:cNvPr id="339" name="CustomShape 3"/>
-          <p:cNvSpPr/>
-          <p:nvPr/>
-        </p:nvSpPr>
-        <p:spPr>
-          <a:xfrm>
-            <a:off x="434880" y="4536720"/>
-            <a:ext cx="11521800" cy="1552680"/>
-          </a:xfrm>
-          <a:prstGeom prst="rect">
-            <a:avLst/>
-          </a:prstGeom>
-          <a:noFill/>
-          <a:ln w="0">
-            <a:noFill/>
-          </a:ln>
-        </p:spPr>
-        <p:style>
-          <a:lnRef idx="0"/>
-          <a:fillRef idx="0"/>
-          <a:effectRef idx="0"/>
-          <a:fontRef idx="minor"/>
-        </p:style>
-        <p:txBody>
-          <a:bodyPr wrap="none" lIns="90000" rIns="90000" tIns="45000" bIns="45000">
-            <a:spAutoFit/>
-          </a:bodyPr>
-          <a:p>
-            <a:pPr>
-              <a:lnSpc>
-                <a:spcPct val="100000"/>
-              </a:lnSpc>
-            </a:pPr>
-            <a:r>
-              <a:rPr b="0" lang="es-MX" sz="2400" spc="-1" strike="noStrike">
-                <a:solidFill>
-                  <a:srgbClr val="000000"/>
-                </a:solidFill>
-                <a:latin typeface="Calibri"/>
-                <a:ea typeface="DejaVu Sans"/>
-              </a:rPr>
-              <a:t>Después de hacer este cambio se reconstruye el programa, se ejecuta </a:t>
-            </a:r>
-            <a:endParaRPr b="0" lang="es-MX" sz="2400" spc="-1" strike="noStrike">
-              <a:latin typeface="Arial"/>
-            </a:endParaRPr>
-          </a:p>
-          <a:p>
-            <a:pPr>
-              <a:lnSpc>
-                <a:spcPct val="100000"/>
-              </a:lnSpc>
-            </a:pPr>
-            <a:r>
-              <a:rPr b="0" lang="es-MX" sz="2400" spc="-1" strike="noStrike">
-                <a:solidFill>
-                  <a:srgbClr val="000000"/>
-                </a:solidFill>
-                <a:latin typeface="Calibri"/>
-                <a:ea typeface="DejaVu Sans"/>
-              </a:rPr>
-              <a:t>nuevamente para comprobar que esta vez el programa no se detiene en </a:t>
-            </a:r>
-            <a:endParaRPr b="0" lang="es-MX" sz="2400" spc="-1" strike="noStrike">
-              <a:latin typeface="Arial"/>
-            </a:endParaRPr>
-          </a:p>
-          <a:p>
-            <a:pPr>
-              <a:lnSpc>
-                <a:spcPct val="100000"/>
-              </a:lnSpc>
-            </a:pPr>
-            <a:r>
-              <a:rPr b="0" lang="es-MX" sz="2400" spc="-1" strike="noStrike">
-                <a:solidFill>
-                  <a:srgbClr val="000000"/>
-                </a:solidFill>
-                <a:latin typeface="Calibri"/>
-                <a:ea typeface="DejaVu Sans"/>
-              </a:rPr>
-              <a:t>el punto de ruptura en el que se detuvo antes. En la siguiente diapositiva </a:t>
-            </a:r>
-            <a:endParaRPr b="0" lang="es-MX" sz="2400" spc="-1" strike="noStrike">
-              <a:latin typeface="Arial"/>
-            </a:endParaRPr>
-          </a:p>
-          <a:p>
-            <a:pPr>
-              <a:lnSpc>
-                <a:spcPct val="100000"/>
-              </a:lnSpc>
-            </a:pPr>
-            <a:r>
-              <a:rPr b="0" lang="es-MX" sz="2400" spc="-1" strike="noStrike">
-                <a:solidFill>
-                  <a:srgbClr val="000000"/>
-                </a:solidFill>
-                <a:latin typeface="Calibri"/>
-                <a:ea typeface="DejaVu Sans"/>
-              </a:rPr>
-              <a:t>se muestra una ejecución en el debugger después cambio indicado.</a:t>
-            </a:r>
-            <a:endParaRPr b="0" lang="es-MX" sz="2400" spc="-1" strike="noStrike">
-              <a:latin typeface="Arial"/>
-            </a:endParaRPr>
-          </a:p>
-        </p:txBody>
-      </p:sp>
     </p:spTree>
   </p:cSld>
   <mc:AlternateContent>
@@ -16901,9 +16546,140 @@
           <a:chExt cx="0" cy="0"/>
         </a:xfrm>
       </p:grpSpPr>
+      <p:sp>
+        <p:nvSpPr>
+          <p:cNvPr id="335" name="CustomShape 1"/>
+          <p:cNvSpPr/>
+          <p:nvPr/>
+        </p:nvSpPr>
+        <p:spPr>
+          <a:xfrm>
+            <a:off x="396360" y="492480"/>
+            <a:ext cx="11693880" cy="1918440"/>
+          </a:xfrm>
+          <a:prstGeom prst="rect">
+            <a:avLst/>
+          </a:prstGeom>
+          <a:noFill/>
+          <a:ln w="0">
+            <a:noFill/>
+          </a:ln>
+        </p:spPr>
+        <p:style>
+          <a:lnRef idx="0"/>
+          <a:fillRef idx="0"/>
+          <a:effectRef idx="0"/>
+          <a:fontRef idx="minor"/>
+        </p:style>
+        <p:txBody>
+          <a:bodyPr wrap="none" lIns="90000" rIns="90000" tIns="45000" bIns="45000">
+            <a:spAutoFit/>
+          </a:bodyPr>
+          <a:p>
+            <a:pPr>
+              <a:lnSpc>
+                <a:spcPct val="100000"/>
+              </a:lnSpc>
+            </a:pPr>
+            <a:r>
+              <a:rPr b="0" lang="es-MX" sz="2400" spc="-1" strike="noStrike">
+                <a:solidFill>
+                  <a:srgbClr val="000000"/>
+                </a:solidFill>
+                <a:latin typeface="Calibri"/>
+                <a:ea typeface="DejaVu Sans"/>
+              </a:rPr>
+              <a:t>Entonces el problema es uno de los dos siguientes: el arreglo debió ser </a:t>
+            </a:r>
+            <a:endParaRPr b="0" lang="es-MX" sz="2400" spc="-1" strike="noStrike">
+              <a:latin typeface="Arial"/>
+            </a:endParaRPr>
+          </a:p>
+          <a:p>
+            <a:pPr>
+              <a:lnSpc>
+                <a:spcPct val="100000"/>
+              </a:lnSpc>
+            </a:pPr>
+            <a:r>
+              <a:rPr b="0" lang="es-MX" sz="2400" spc="-1" strike="noStrike">
+                <a:solidFill>
+                  <a:srgbClr val="000000"/>
+                </a:solidFill>
+                <a:latin typeface="Calibri"/>
+                <a:ea typeface="DejaVu Sans"/>
+              </a:rPr>
+              <a:t>de un tamaño más grande, o en la función no se debe acceder a ese </a:t>
+            </a:r>
+            <a:endParaRPr b="0" lang="es-MX" sz="2400" spc="-1" strike="noStrike">
+              <a:latin typeface="Arial"/>
+            </a:endParaRPr>
+          </a:p>
+          <a:p>
+            <a:pPr>
+              <a:lnSpc>
+                <a:spcPct val="100000"/>
+              </a:lnSpc>
+            </a:pPr>
+            <a:r>
+              <a:rPr b="0" lang="es-MX" sz="2400" spc="-1" strike="noStrike">
+                <a:solidFill>
+                  <a:srgbClr val="000000"/>
+                </a:solidFill>
+                <a:latin typeface="Calibri"/>
+                <a:ea typeface="DejaVu Sans"/>
+              </a:rPr>
+              <a:t>índice tan elevado. En el segundo caso, la solución consiste en asegurarse </a:t>
+            </a:r>
+            <a:endParaRPr b="0" lang="es-MX" sz="2400" spc="-1" strike="noStrike">
+              <a:latin typeface="Arial"/>
+            </a:endParaRPr>
+          </a:p>
+          <a:p>
+            <a:pPr>
+              <a:lnSpc>
+                <a:spcPct val="100000"/>
+              </a:lnSpc>
+            </a:pPr>
+            <a:r>
+              <a:rPr b="0" lang="es-MX" sz="2400" spc="-1" strike="noStrike">
+                <a:solidFill>
+                  <a:srgbClr val="000000"/>
+                </a:solidFill>
+                <a:latin typeface="Calibri"/>
+                <a:ea typeface="DejaVu Sans"/>
+              </a:rPr>
+              <a:t>de que no se escriba en el arreglo con un índice mayor que el tamaño del </a:t>
+            </a:r>
+            <a:endParaRPr b="0" lang="es-MX" sz="2400" spc="-1" strike="noStrike">
+              <a:latin typeface="Arial"/>
+            </a:endParaRPr>
+          </a:p>
+          <a:p>
+            <a:pPr>
+              <a:lnSpc>
+                <a:spcPct val="100000"/>
+              </a:lnSpc>
+            </a:pPr>
+            <a:r>
+              <a:rPr b="0" lang="es-MX" sz="2400" spc="-1" strike="noStrike">
+                <a:solidFill>
+                  <a:srgbClr val="000000"/>
+                </a:solidFill>
+                <a:latin typeface="Calibri"/>
+                <a:ea typeface="DejaVu Sans"/>
+              </a:rPr>
+              <a:t>arreglo menos 1. Es decir, cambiando</a:t>
+            </a:r>
+            <a:endParaRPr b="0" lang="es-MX" sz="2400" spc="-1" strike="noStrike">
+              <a:latin typeface="Arial"/>
+            </a:endParaRPr>
+          </a:p>
+        </p:txBody>
+      </p:sp>
       <p:pic>
         <p:nvPicPr>
-          <p:cNvPr id="340" name="Imagen 1" descr=""/>
+          <p:cNvPr id="336" name="Imagen 6" descr=""/>
           <p:cNvPicPr/>
           <p:nvPr/>
         </p:nvPicPr>
@@ -16913,8 +16689,8 @@
         </p:blipFill>
         <p:spPr>
           <a:xfrm>
-            <a:off x="1949760" y="196560"/>
-            <a:ext cx="8537400" cy="6449040"/>
+            <a:off x="3586320" y="2739240"/>
+            <a:ext cx="5868000" cy="477360"/>
           </a:xfrm>
           <a:prstGeom prst="rect">
             <a:avLst/>
@@ -16924,6 +16700,191 @@
           </a:ln>
         </p:spPr>
       </p:pic>
+      <p:pic>
+        <p:nvPicPr>
+          <p:cNvPr id="337" name="Imagen 7" descr=""/>
+          <p:cNvPicPr/>
+          <p:nvPr/>
+        </p:nvPicPr>
+        <p:blipFill>
+          <a:blip r:embed="rId2"/>
+          <a:stretch/>
+        </p:blipFill>
+        <p:spPr>
+          <a:xfrm>
+            <a:off x="3587760" y="3741120"/>
+            <a:ext cx="5502240" cy="463320"/>
+          </a:xfrm>
+          <a:prstGeom prst="rect">
+            <a:avLst/>
+          </a:prstGeom>
+          <a:ln w="0">
+            <a:noFill/>
+          </a:ln>
+        </p:spPr>
+      </p:pic>
+      <p:sp>
+        <p:nvSpPr>
+          <p:cNvPr id="338" name="CustomShape 2"/>
+          <p:cNvSpPr/>
+          <p:nvPr/>
+        </p:nvSpPr>
+        <p:spPr>
+          <a:xfrm>
+            <a:off x="773640" y="3218040"/>
+            <a:ext cx="754560" cy="455400"/>
+          </a:xfrm>
+          <a:prstGeom prst="rect">
+            <a:avLst/>
+          </a:prstGeom>
+          <a:noFill/>
+          <a:ln w="0">
+            <a:noFill/>
+          </a:ln>
+        </p:spPr>
+        <p:style>
+          <a:lnRef idx="0"/>
+          <a:fillRef idx="0"/>
+          <a:effectRef idx="0"/>
+          <a:fontRef idx="minor"/>
+        </p:style>
+        <p:txBody>
+          <a:bodyPr lIns="90000" rIns="90000" tIns="45000" bIns="45000">
+            <a:spAutoFit/>
+          </a:bodyPr>
+          <a:p>
+            <a:pPr>
+              <a:lnSpc>
+                <a:spcPct val="100000"/>
+              </a:lnSpc>
+            </a:pPr>
+            <a:r>
+              <a:rPr b="0" lang="es-MX" sz="2400" spc="-1" strike="noStrike">
+                <a:solidFill>
+                  <a:srgbClr val="000000"/>
+                </a:solidFill>
+                <a:latin typeface="Calibri"/>
+                <a:ea typeface="DejaVu Sans"/>
+              </a:rPr>
+              <a:t>por</a:t>
+            </a:r>
+            <a:endParaRPr b="0" lang="es-MX" sz="2400" spc="-1" strike="noStrike">
+              <a:latin typeface="Arial"/>
+            </a:endParaRPr>
+          </a:p>
+        </p:txBody>
+      </p:sp>
+      <p:sp>
+        <p:nvSpPr>
+          <p:cNvPr id="339" name="CustomShape 3"/>
+          <p:cNvSpPr/>
+          <p:nvPr/>
+        </p:nvSpPr>
+        <p:spPr>
+          <a:xfrm>
+            <a:off x="434880" y="4536720"/>
+            <a:ext cx="11521440" cy="1552680"/>
+          </a:xfrm>
+          <a:prstGeom prst="rect">
+            <a:avLst/>
+          </a:prstGeom>
+          <a:noFill/>
+          <a:ln w="0">
+            <a:noFill/>
+          </a:ln>
+        </p:spPr>
+        <p:style>
+          <a:lnRef idx="0"/>
+          <a:fillRef idx="0"/>
+          <a:effectRef idx="0"/>
+          <a:fontRef idx="minor"/>
+        </p:style>
+        <p:txBody>
+          <a:bodyPr wrap="none" lIns="90000" rIns="90000" tIns="45000" bIns="45000">
+            <a:spAutoFit/>
+          </a:bodyPr>
+          <a:p>
+            <a:pPr>
+              <a:lnSpc>
+                <a:spcPct val="100000"/>
+              </a:lnSpc>
+            </a:pPr>
+            <a:r>
+              <a:rPr b="0" lang="es-MX" sz="2400" spc="-1" strike="noStrike">
+                <a:solidFill>
+                  <a:srgbClr val="000000"/>
+                </a:solidFill>
+                <a:latin typeface="Calibri"/>
+                <a:ea typeface="DejaVu Sans"/>
+              </a:rPr>
+              <a:t>Después de hacer este cambio se reconstruye el programa, se ejecuta </a:t>
+            </a:r>
+            <a:endParaRPr b="0" lang="es-MX" sz="2400" spc="-1" strike="noStrike">
+              <a:latin typeface="Arial"/>
+            </a:endParaRPr>
+          </a:p>
+          <a:p>
+            <a:pPr>
+              <a:lnSpc>
+                <a:spcPct val="100000"/>
+              </a:lnSpc>
+            </a:pPr>
+            <a:r>
+              <a:rPr b="0" lang="es-MX" sz="2400" spc="-1" strike="noStrike">
+                <a:solidFill>
+                  <a:srgbClr val="000000"/>
+                </a:solidFill>
+                <a:latin typeface="Calibri"/>
+                <a:ea typeface="DejaVu Sans"/>
+              </a:rPr>
+              <a:t>nuevamente para comprobar que esta vez el programa no se detiene en </a:t>
+            </a:r>
+            <a:endParaRPr b="0" lang="es-MX" sz="2400" spc="-1" strike="noStrike">
+              <a:latin typeface="Arial"/>
+            </a:endParaRPr>
+          </a:p>
+          <a:p>
+            <a:pPr>
+              <a:lnSpc>
+                <a:spcPct val="100000"/>
+              </a:lnSpc>
+            </a:pPr>
+            <a:r>
+              <a:rPr b="0" lang="es-MX" sz="2400" spc="-1" strike="noStrike">
+                <a:solidFill>
+                  <a:srgbClr val="000000"/>
+                </a:solidFill>
+                <a:latin typeface="Calibri"/>
+                <a:ea typeface="DejaVu Sans"/>
+              </a:rPr>
+              <a:t>el punto de ruptura en el que se detuvo antes. En la siguiente diapositiva </a:t>
+            </a:r>
+            <a:endParaRPr b="0" lang="es-MX" sz="2400" spc="-1" strike="noStrike">
+              <a:latin typeface="Arial"/>
+            </a:endParaRPr>
+          </a:p>
+          <a:p>
+            <a:pPr>
+              <a:lnSpc>
+                <a:spcPct val="100000"/>
+              </a:lnSpc>
+            </a:pPr>
+            <a:r>
+              <a:rPr b="0" lang="es-MX" sz="2400" spc="-1" strike="noStrike">
+                <a:solidFill>
+                  <a:srgbClr val="000000"/>
+                </a:solidFill>
+                <a:latin typeface="Calibri"/>
+                <a:ea typeface="DejaVu Sans"/>
+              </a:rPr>
+              <a:t>se muestra una ejecución en el debugger después cambio indicado.</a:t>
+            </a:r>
+            <a:endParaRPr b="0" lang="es-MX" sz="2400" spc="-1" strike="noStrike">
+              <a:latin typeface="Arial"/>
+            </a:endParaRPr>
+          </a:p>
+        </p:txBody>
+      </p:sp>
     </p:spTree>
   </p:cSld>
   <mc:AlternateContent>
@@ -16954,77 +16915,29 @@
           <a:chExt cx="0" cy="0"/>
         </a:xfrm>
       </p:grpSpPr>
-      <p:sp>
-        <p:nvSpPr>
-          <p:cNvPr id="341" name="CustomShape 1"/>
-          <p:cNvSpPr/>
+      <p:pic>
+        <p:nvPicPr>
+          <p:cNvPr id="340" name="Imagen 1" descr=""/>
+          <p:cNvPicPr/>
           <p:nvPr/>
-        </p:nvSpPr>
-        <p:spPr>
-          <a:xfrm>
-            <a:off x="363600" y="721080"/>
-            <a:ext cx="11070720" cy="821160"/>
-          </a:xfrm>
-          <a:prstGeom prst="rect">
-            <a:avLst/>
-          </a:prstGeom>
-          <a:noFill/>
+        </p:nvPicPr>
+        <p:blipFill>
+          <a:blip r:embed="rId1"/>
+          <a:stretch/>
+        </p:blipFill>
+        <p:spPr>
+          <a:xfrm>
+            <a:off x="1949760" y="196560"/>
+            <a:ext cx="8537040" cy="6448680"/>
+          </a:xfrm>
+          <a:prstGeom prst="rect">
+            <a:avLst/>
+          </a:prstGeom>
           <a:ln w="0">
             <a:noFill/>
           </a:ln>
         </p:spPr>
-        <p:style>
-          <a:lnRef idx="0"/>
-          <a:fillRef idx="0"/>
-          <a:effectRef idx="0"/>
-          <a:fontRef idx="minor"/>
-        </p:style>
-        <p:txBody>
-          <a:bodyPr wrap="none" lIns="90000" rIns="90000" tIns="45000" bIns="45000">
-            <a:spAutoFit/>
-          </a:bodyPr>
-          <a:p>
-            <a:pPr>
-              <a:lnSpc>
-                <a:spcPct val="100000"/>
-              </a:lnSpc>
-            </a:pPr>
-            <a:r>
-              <a:rPr b="0" lang="es-MX" sz="2400" spc="-1" strike="noStrike">
-                <a:solidFill>
-                  <a:srgbClr val="000000"/>
-                </a:solidFill>
-                <a:latin typeface="Calibri"/>
-                <a:ea typeface="DejaVu Sans"/>
-              </a:rPr>
-              <a:t>Como el programa se detiene hasta el segundo punto de ruptura, esto </a:t>
-            </a:r>
-            <a:endParaRPr b="0" lang="es-MX" sz="2400" spc="-1" strike="noStrike">
-              <a:latin typeface="Arial"/>
-            </a:endParaRPr>
-          </a:p>
-          <a:p>
-            <a:pPr>
-              <a:lnSpc>
-                <a:spcPct val="100000"/>
-              </a:lnSpc>
-            </a:pPr>
-            <a:r>
-              <a:rPr b="0" lang="es-MX" sz="2400" spc="-1" strike="noStrike">
-                <a:solidFill>
-                  <a:srgbClr val="000000"/>
-                </a:solidFill>
-                <a:latin typeface="Calibri"/>
-                <a:ea typeface="DejaVu Sans"/>
-              </a:rPr>
-              <a:t>significa que el error que tenía el programa ha sido corregido.</a:t>
-            </a:r>
-            <a:endParaRPr b="0" lang="es-MX" sz="2400" spc="-1" strike="noStrike">
-              <a:latin typeface="Arial"/>
-            </a:endParaRPr>
-          </a:p>
-        </p:txBody>
-      </p:sp>
+      </p:pic>
     </p:spTree>
   </p:cSld>
   <mc:AlternateContent>
@@ -17057,14 +16970,14 @@
       </p:grpSpPr>
       <p:sp>
         <p:nvSpPr>
-          <p:cNvPr id="342" name="CustomShape 1"/>
+          <p:cNvPr id="341" name="CustomShape 1"/>
           <p:cNvSpPr/>
           <p:nvPr/>
         </p:nvSpPr>
         <p:spPr>
           <a:xfrm>
-            <a:off x="502560" y="351360"/>
-            <a:ext cx="10514520" cy="1324440"/>
+            <a:off x="363600" y="721080"/>
+            <a:ext cx="11070360" cy="821160"/>
           </a:xfrm>
           <a:prstGeom prst="rect">
             <a:avLst/>
@@ -17081,57 +16994,6 @@
           <a:fontRef idx="minor"/>
         </p:style>
         <p:txBody>
-          <a:bodyPr lIns="90000" rIns="90000" tIns="45000" bIns="45000" anchor="ctr">
-            <a:noAutofit/>
-          </a:bodyPr>
-          <a:p>
-            <a:pPr>
-              <a:lnSpc>
-                <a:spcPct val="90000"/>
-              </a:lnSpc>
-            </a:pPr>
-            <a:r>
-              <a:rPr b="0" lang="es-MX" sz="4400" spc="-1" strike="noStrike">
-                <a:solidFill>
-                  <a:srgbClr val="000000"/>
-                </a:solidFill>
-                <a:latin typeface="Calibri Light"/>
-                <a:ea typeface="DejaVu Sans"/>
-              </a:rPr>
-              <a:t>1.4 Operadores</a:t>
-            </a:r>
-            <a:endParaRPr b="0" lang="es-MX" sz="4400" spc="-1" strike="noStrike">
-              <a:latin typeface="Arial"/>
-            </a:endParaRPr>
-          </a:p>
-        </p:txBody>
-      </p:sp>
-      <p:sp>
-        <p:nvSpPr>
-          <p:cNvPr id="343" name="CustomShape 2"/>
-          <p:cNvSpPr/>
-          <p:nvPr/>
-        </p:nvSpPr>
-        <p:spPr>
-          <a:xfrm>
-            <a:off x="559080" y="1828800"/>
-            <a:ext cx="10933560" cy="1552680"/>
-          </a:xfrm>
-          <a:prstGeom prst="rect">
-            <a:avLst/>
-          </a:prstGeom>
-          <a:noFill/>
-          <a:ln w="0">
-            <a:noFill/>
-          </a:ln>
-        </p:spPr>
-        <p:style>
-          <a:lnRef idx="0"/>
-          <a:fillRef idx="0"/>
-          <a:effectRef idx="0"/>
-          <a:fontRef idx="minor"/>
-        </p:style>
-        <p:txBody>
           <a:bodyPr wrap="none" lIns="90000" rIns="90000" tIns="45000" bIns="45000">
             <a:spAutoFit/>
           </a:bodyPr>
@@ -17149,7 +17011,7 @@
                 <a:latin typeface="Calibri"/>
                 <a:ea typeface="DejaVu Sans"/>
               </a:rPr>
-              <a:t>Los operadores son caracteres que se utilizan en el lenguaje C para </a:t>
+              <a:t>Como el programa se detiene hasta el segundo punto de ruptura, esto </a:t>
             </a:r>
             <a:endParaRPr b="0" lang="es-MX" sz="2400" spc="-1" strike="noStrike">
               <a:latin typeface="Arial"/>
@@ -17169,47 +17031,7 @@
                 <a:latin typeface="Calibri"/>
                 <a:ea typeface="DejaVu Sans"/>
               </a:rPr>
-              <a:t>indicar que se deben realizar distintos tipos de operaciones con el </a:t>
-            </a:r>
-            <a:endParaRPr b="0" lang="es-MX" sz="2400" spc="-1" strike="noStrike">
-              <a:latin typeface="Arial"/>
-            </a:endParaRPr>
-          </a:p>
-          <a:p>
-            <a:pPr>
-              <a:lnSpc>
-                <a:spcPct val="100000"/>
-              </a:lnSpc>
-            </a:pPr>
-            <a:r>
-              <a:rPr b="0" lang="es-MX" sz="2400" spc="-1" strike="noStrike">
-                <a:solidFill>
-                  <a:srgbClr val="000000"/>
-                </a:solidFill>
-                <a:latin typeface="Calibri"/>
-                <a:ea typeface="DejaVu Sans"/>
-              </a:rPr>
-              <a:t>operando o los operandos que se requieren para realizar la operación </a:t>
-            </a:r>
-            <a:endParaRPr b="0" lang="es-MX" sz="2400" spc="-1" strike="noStrike">
-              <a:latin typeface="Arial"/>
-            </a:endParaRPr>
-          </a:p>
-          <a:p>
-            <a:pPr>
-              <a:lnSpc>
-                <a:spcPct val="100000"/>
-              </a:lnSpc>
-            </a:pPr>
-            <a:r>
-              <a:rPr b="0" lang="es-MX" sz="2400" spc="-1" strike="noStrike">
-                <a:solidFill>
-                  <a:srgbClr val="000000"/>
-                </a:solidFill>
-                <a:latin typeface="Calibri"/>
-                <a:ea typeface="DejaVu Sans"/>
-              </a:rPr>
-              <a:t>indicada por el caracter.</a:t>
+              <a:t>significa que el error que tenía el programa ha sido corregido.</a:t>
             </a:r>
             <a:endParaRPr b="0" lang="es-MX" sz="2400" spc="-1" strike="noStrike">
               <a:latin typeface="Arial"/>
@@ -17249,14 +17071,14 @@
       </p:grpSpPr>
       <p:sp>
         <p:nvSpPr>
-          <p:cNvPr id="344" name="CustomShape 1"/>
+          <p:cNvPr id="342" name="CustomShape 1"/>
           <p:cNvSpPr/>
           <p:nvPr/>
         </p:nvSpPr>
         <p:spPr>
           <a:xfrm>
-            <a:off x="820440" y="0"/>
-            <a:ext cx="10514520" cy="1324440"/>
+            <a:off x="502560" y="351360"/>
+            <a:ext cx="10514160" cy="1324080"/>
           </a:xfrm>
           <a:prstGeom prst="rect">
             <a:avLst/>
@@ -17290,7 +17112,7 @@
                 <a:latin typeface="Calibri Light"/>
                 <a:ea typeface="DejaVu Sans"/>
               </a:rPr>
-              <a:t>Operadores</a:t>
+              <a:t>1.4 Operadores</a:t>
             </a:r>
             <a:endParaRPr b="0" lang="es-MX" sz="4400" spc="-1" strike="noStrike">
               <a:latin typeface="Arial"/>
@@ -17298,29 +17120,117 @@
           </a:p>
         </p:txBody>
       </p:sp>
-      <p:pic>
-        <p:nvPicPr>
-          <p:cNvPr id="345" name="Imagen 3" descr=""/>
-          <p:cNvPicPr/>
+      <p:sp>
+        <p:nvSpPr>
+          <p:cNvPr id="343" name="CustomShape 2"/>
+          <p:cNvSpPr/>
           <p:nvPr/>
-        </p:nvPicPr>
-        <p:blipFill>
-          <a:blip r:embed="rId1"/>
-          <a:stretch/>
-        </p:blipFill>
-        <p:spPr>
-          <a:xfrm>
-            <a:off x="2201040" y="880920"/>
-            <a:ext cx="7753680" cy="5817600"/>
-          </a:xfrm>
-          <a:prstGeom prst="rect">
-            <a:avLst/>
-          </a:prstGeom>
+        </p:nvSpPr>
+        <p:spPr>
+          <a:xfrm>
+            <a:off x="559080" y="1828800"/>
+            <a:ext cx="10933200" cy="1552680"/>
+          </a:xfrm>
+          <a:prstGeom prst="rect">
+            <a:avLst/>
+          </a:prstGeom>
+          <a:noFill/>
           <a:ln w="0">
             <a:noFill/>
           </a:ln>
         </p:spPr>
-      </p:pic>
+        <p:style>
+          <a:lnRef idx="0"/>
+          <a:fillRef idx="0"/>
+          <a:effectRef idx="0"/>
+          <a:fontRef idx="minor"/>
+        </p:style>
+        <p:txBody>
+          <a:bodyPr wrap="none" lIns="90000" rIns="90000" tIns="45000" bIns="45000">
+            <a:spAutoFit/>
+          </a:bodyPr>
+          <a:p>
+            <a:pPr>
+              <a:lnSpc>
+                <a:spcPct val="100000"/>
+              </a:lnSpc>
+            </a:pPr>
+            <a:r>
+              <a:rPr b="0" lang="es-MX" sz="2400" spc="-1" strike="noStrike">
+                <a:solidFill>
+                  <a:srgbClr val="000000"/>
+                </a:solidFill>
+                <a:latin typeface="Calibri"/>
+                <a:ea typeface="DejaVu Sans"/>
+              </a:rPr>
+              <a:t>Los operadores son caracteres que se utilizan en el lenguaje C para </a:t>
+            </a:r>
+            <a:endParaRPr b="0" lang="es-MX" sz="2400" spc="-1" strike="noStrike">
+              <a:latin typeface="Arial"/>
+            </a:endParaRPr>
+          </a:p>
+          <a:p>
+            <a:pPr>
+              <a:lnSpc>
+                <a:spcPct val="100000"/>
+              </a:lnSpc>
+            </a:pPr>
+            <a:r>
+              <a:rPr b="0" lang="es-MX" sz="2400" spc="-1" strike="noStrike">
+                <a:solidFill>
+                  <a:srgbClr val="000000"/>
+                </a:solidFill>
+                <a:latin typeface="Calibri"/>
+                <a:ea typeface="DejaVu Sans"/>
+              </a:rPr>
+              <a:t>indicar que se deben realizar distintos tipos de operaciones con el </a:t>
+            </a:r>
+            <a:endParaRPr b="0" lang="es-MX" sz="2400" spc="-1" strike="noStrike">
+              <a:latin typeface="Arial"/>
+            </a:endParaRPr>
+          </a:p>
+          <a:p>
+            <a:pPr>
+              <a:lnSpc>
+                <a:spcPct val="100000"/>
+              </a:lnSpc>
+            </a:pPr>
+            <a:r>
+              <a:rPr b="0" lang="es-MX" sz="2400" spc="-1" strike="noStrike">
+                <a:solidFill>
+                  <a:srgbClr val="000000"/>
+                </a:solidFill>
+                <a:latin typeface="Calibri"/>
+                <a:ea typeface="DejaVu Sans"/>
+              </a:rPr>
+              <a:t>operando o los operandos que se requieren para realizar la operación </a:t>
+            </a:r>
+            <a:endParaRPr b="0" lang="es-MX" sz="2400" spc="-1" strike="noStrike">
+              <a:latin typeface="Arial"/>
+            </a:endParaRPr>
+          </a:p>
+          <a:p>
+            <a:pPr>
+              <a:lnSpc>
+                <a:spcPct val="100000"/>
+              </a:lnSpc>
+            </a:pPr>
+            <a:r>
+              <a:rPr b="0" lang="es-MX" sz="2400" spc="-1" strike="noStrike">
+                <a:solidFill>
+                  <a:srgbClr val="000000"/>
+                </a:solidFill>
+                <a:latin typeface="Calibri"/>
+                <a:ea typeface="DejaVu Sans"/>
+              </a:rPr>
+              <a:t>indicada por el caracter.</a:t>
+            </a:r>
+            <a:endParaRPr b="0" lang="es-MX" sz="2400" spc="-1" strike="noStrike">
+              <a:latin typeface="Arial"/>
+            </a:endParaRPr>
+          </a:p>
+        </p:txBody>
+      </p:sp>
     </p:spTree>
   </p:cSld>
   <mc:AlternateContent>
@@ -17353,14 +17263,14 @@
       </p:grpSpPr>
       <p:sp>
         <p:nvSpPr>
-          <p:cNvPr id="346" name="CustomShape 1"/>
+          <p:cNvPr id="344" name="CustomShape 1"/>
           <p:cNvSpPr/>
           <p:nvPr/>
         </p:nvSpPr>
         <p:spPr>
           <a:xfrm>
-            <a:off x="873360" y="0"/>
-            <a:ext cx="10514520" cy="1324440"/>
+            <a:off x="820440" y="0"/>
+            <a:ext cx="10514160" cy="1324080"/>
           </a:xfrm>
           <a:prstGeom prst="rect">
             <a:avLst/>
@@ -17394,7 +17304,7 @@
                 <a:latin typeface="Calibri Light"/>
                 <a:ea typeface="DejaVu Sans"/>
               </a:rPr>
-              <a:t>Operadores aritméticos</a:t>
+              <a:t>Operadores</a:t>
             </a:r>
             <a:endParaRPr b="0" lang="es-MX" sz="4400" spc="-1" strike="noStrike">
               <a:latin typeface="Arial"/>
@@ -17404,7 +17314,7 @@
       </p:sp>
       <p:pic>
         <p:nvPicPr>
-          <p:cNvPr id="347" name="Imagen 3" descr=""/>
+          <p:cNvPr id="345" name="Imagen 3" descr=""/>
           <p:cNvPicPr/>
           <p:nvPr/>
         </p:nvPicPr>
@@ -17414,8 +17324,8 @@
         </p:blipFill>
         <p:spPr>
           <a:xfrm>
-            <a:off x="2273040" y="908280"/>
-            <a:ext cx="7715160" cy="5816160"/>
+            <a:off x="2201040" y="880920"/>
+            <a:ext cx="7753320" cy="5817240"/>
           </a:xfrm>
           <a:prstGeom prst="rect">
             <a:avLst/>
@@ -17457,14 +17367,14 @@
       </p:grpSpPr>
       <p:sp>
         <p:nvSpPr>
-          <p:cNvPr id="348" name="CustomShape 1"/>
+          <p:cNvPr id="346" name="CustomShape 1"/>
           <p:cNvSpPr/>
           <p:nvPr/>
         </p:nvSpPr>
         <p:spPr>
           <a:xfrm>
-            <a:off x="645480" y="360000"/>
-            <a:ext cx="10514520" cy="1324440"/>
+            <a:off x="873360" y="0"/>
+            <a:ext cx="10514160" cy="1324080"/>
           </a:xfrm>
           <a:prstGeom prst="rect">
             <a:avLst/>
@@ -17491,16 +17401,16 @@
               </a:lnSpc>
             </a:pPr>
             <a:r>
-              <a:rPr b="0" lang="es-MX" sz="4000" spc="-1" strike="noStrike">
+              <a:rPr b="0" lang="es-MX" sz="4400" spc="-1" strike="noStrike">
                 <a:solidFill>
                   <a:srgbClr val="000000"/>
                 </a:solidFill>
                 <a:latin typeface="Calibri Light"/>
                 <a:ea typeface="DejaVu Sans"/>
               </a:rPr>
-              <a:t>Ejemplo 10</a:t>
-            </a:r>
-            <a:endParaRPr b="0" lang="es-MX" sz="4000" spc="-1" strike="noStrike">
+              <a:t>Operadores aritméticos</a:t>
+            </a:r>
+            <a:endParaRPr b="0" lang="es-MX" sz="4400" spc="-1" strike="noStrike">
               <a:latin typeface="Arial"/>
             </a:endParaRPr>
           </a:p>
@@ -17508,7 +17418,7 @@
       </p:sp>
       <p:pic>
         <p:nvPicPr>
-          <p:cNvPr id="349" name="Imagen 3" descr=""/>
+          <p:cNvPr id="347" name="Imagen 3" descr=""/>
           <p:cNvPicPr/>
           <p:nvPr/>
         </p:nvPicPr>
@@ -17518,8 +17428,8 @@
         </p:blipFill>
         <p:spPr>
           <a:xfrm>
-            <a:off x="3707640" y="365040"/>
-            <a:ext cx="8323200" cy="6251040"/>
+            <a:off x="2273040" y="908280"/>
+            <a:ext cx="7714800" cy="5815800"/>
           </a:xfrm>
           <a:prstGeom prst="rect">
             <a:avLst/>
@@ -17561,14 +17471,14 @@
       </p:grpSpPr>
       <p:sp>
         <p:nvSpPr>
-          <p:cNvPr id="350" name="CustomShape 1"/>
+          <p:cNvPr id="348" name="CustomShape 1"/>
           <p:cNvSpPr/>
           <p:nvPr/>
         </p:nvSpPr>
         <p:spPr>
           <a:xfrm>
-            <a:off x="677160" y="351720"/>
-            <a:ext cx="10514520" cy="1324440"/>
+            <a:off x="645480" y="360000"/>
+            <a:ext cx="10514160" cy="1324080"/>
           </a:xfrm>
           <a:prstGeom prst="rect">
             <a:avLst/>
@@ -17602,7 +17512,7 @@
                 <a:latin typeface="Calibri Light"/>
                 <a:ea typeface="DejaVu Sans"/>
               </a:rPr>
-              <a:t>Ejemplo 11</a:t>
+              <a:t>Ejemplo 10</a:t>
             </a:r>
             <a:endParaRPr b="0" lang="es-MX" sz="4000" spc="-1" strike="noStrike">
               <a:latin typeface="Arial"/>
@@ -17612,7 +17522,7 @@
       </p:sp>
       <p:pic>
         <p:nvPicPr>
-          <p:cNvPr id="351" name="Imagen 3" descr=""/>
+          <p:cNvPr id="349" name="Imagen 3" descr=""/>
           <p:cNvPicPr/>
           <p:nvPr/>
         </p:nvPicPr>
@@ -17622,8 +17532,8 @@
         </p:blipFill>
         <p:spPr>
           <a:xfrm>
-            <a:off x="3632400" y="365040"/>
-            <a:ext cx="8434440" cy="6245640"/>
+            <a:off x="3707640" y="365040"/>
+            <a:ext cx="8322840" cy="6250680"/>
           </a:xfrm>
           <a:prstGeom prst="rect">
             <a:avLst/>
@@ -17665,14 +17575,14 @@
       </p:grpSpPr>
       <p:sp>
         <p:nvSpPr>
-          <p:cNvPr id="352" name="CustomShape 1"/>
+          <p:cNvPr id="350" name="CustomShape 1"/>
           <p:cNvSpPr/>
           <p:nvPr/>
         </p:nvSpPr>
         <p:spPr>
           <a:xfrm>
-            <a:off x="838080" y="0"/>
-            <a:ext cx="10514520" cy="1324440"/>
+            <a:off x="677160" y="351720"/>
+            <a:ext cx="10514160" cy="1324080"/>
           </a:xfrm>
           <a:prstGeom prst="rect">
             <a:avLst/>
@@ -17699,16 +17609,16 @@
               </a:lnSpc>
             </a:pPr>
             <a:r>
-              <a:rPr b="0" lang="es-MX" sz="4400" spc="-1" strike="noStrike">
+              <a:rPr b="0" lang="es-MX" sz="4000" spc="-1" strike="noStrike">
                 <a:solidFill>
                   <a:srgbClr val="000000"/>
                 </a:solidFill>
                 <a:latin typeface="Calibri Light"/>
                 <a:ea typeface="DejaVu Sans"/>
               </a:rPr>
-              <a:t>Operadores unarios</a:t>
-            </a:r>
-            <a:endParaRPr b="0" lang="es-MX" sz="4400" spc="-1" strike="noStrike">
+              <a:t>Ejemplo 11</a:t>
+            </a:r>
+            <a:endParaRPr b="0" lang="es-MX" sz="4000" spc="-1" strike="noStrike">
               <a:latin typeface="Arial"/>
             </a:endParaRPr>
           </a:p>
@@ -17716,7 +17626,7 @@
       </p:sp>
       <p:pic>
         <p:nvPicPr>
-          <p:cNvPr id="353" name="Imagen 3" descr=""/>
+          <p:cNvPr id="351" name="Imagen 3" descr=""/>
           <p:cNvPicPr/>
           <p:nvPr/>
         </p:nvPicPr>
@@ -17726,8 +17636,8 @@
         </p:blipFill>
         <p:spPr>
           <a:xfrm>
-            <a:off x="2176200" y="873000"/>
-            <a:ext cx="7839000" cy="5843160"/>
+            <a:off x="3632400" y="365040"/>
+            <a:ext cx="8434080" cy="6245280"/>
           </a:xfrm>
           <a:prstGeom prst="rect">
             <a:avLst/>
@@ -17776,7 +17686,7 @@
         <p:spPr>
           <a:xfrm>
             <a:off x="838080" y="0"/>
-            <a:ext cx="10514880" cy="1324800"/>
+            <a:ext cx="10514520" cy="1324440"/>
           </a:xfrm>
           <a:prstGeom prst="rect">
             <a:avLst/>
@@ -17808,6 +17718,7 @@
                   <a:srgbClr val="000000"/>
                 </a:solidFill>
                 <a:latin typeface="Calibri Light"/>
+                <a:ea typeface="DejaVu Sans"/>
               </a:rPr>
               <a:t>1.1.2 Uso de identificadores. Palabras reservadas</a:t>
             </a:r>
@@ -17826,7 +17737,7 @@
         <p:spPr>
           <a:xfrm>
             <a:off x="803880" y="1385280"/>
-            <a:ext cx="10199520" cy="699480"/>
+            <a:ext cx="10199160" cy="699480"/>
           </a:xfrm>
           <a:prstGeom prst="rect">
             <a:avLst/>
@@ -17897,7 +17808,7 @@
         <p:spPr>
           <a:xfrm>
             <a:off x="3509640" y="5063760"/>
-            <a:ext cx="4649040" cy="394560"/>
+            <a:ext cx="4648680" cy="394560"/>
           </a:xfrm>
           <a:prstGeom prst="rect">
             <a:avLst/>
@@ -17952,7 +17863,7 @@
         <p:spPr>
           <a:xfrm>
             <a:off x="1133640" y="3408840"/>
-            <a:ext cx="9923760" cy="954000"/>
+            <a:ext cx="9923400" cy="953640"/>
           </a:xfrm>
           <a:prstGeom prst="rect">
             <a:avLst/>
@@ -17976,7 +17887,7 @@
         <p:spPr>
           <a:xfrm>
             <a:off x="1133640" y="4278600"/>
-            <a:ext cx="9923760" cy="651240"/>
+            <a:ext cx="9923400" cy="650880"/>
           </a:xfrm>
           <a:prstGeom prst="rect">
             <a:avLst/>
@@ -17999,7 +17910,7 @@
         <p:spPr>
           <a:xfrm>
             <a:off x="849600" y="2160720"/>
-            <a:ext cx="10130040" cy="1031760"/>
+            <a:ext cx="10129680" cy="1031400"/>
           </a:xfrm>
           <a:prstGeom prst="rect">
             <a:avLst/>
@@ -18041,14 +17952,14 @@
       </p:grpSpPr>
       <p:sp>
         <p:nvSpPr>
-          <p:cNvPr id="354" name="CustomShape 1"/>
+          <p:cNvPr id="352" name="CustomShape 1"/>
           <p:cNvSpPr/>
           <p:nvPr/>
         </p:nvSpPr>
         <p:spPr>
           <a:xfrm>
-            <a:off x="650160" y="378360"/>
-            <a:ext cx="10514520" cy="1324440"/>
+            <a:off x="838080" y="0"/>
+            <a:ext cx="10514160" cy="1324080"/>
           </a:xfrm>
           <a:prstGeom prst="rect">
             <a:avLst/>
@@ -18075,16 +17986,16 @@
               </a:lnSpc>
             </a:pPr>
             <a:r>
-              <a:rPr b="0" lang="es-MX" sz="4000" spc="-1" strike="noStrike">
+              <a:rPr b="0" lang="es-MX" sz="4400" spc="-1" strike="noStrike">
                 <a:solidFill>
                   <a:srgbClr val="000000"/>
                 </a:solidFill>
                 <a:latin typeface="Calibri Light"/>
                 <a:ea typeface="DejaVu Sans"/>
               </a:rPr>
-              <a:t>Ejemplo 12</a:t>
-            </a:r>
-            <a:endParaRPr b="0" lang="es-MX" sz="4000" spc="-1" strike="noStrike">
+              <a:t>Operadores unarios</a:t>
+            </a:r>
+            <a:endParaRPr b="0" lang="es-MX" sz="4400" spc="-1" strike="noStrike">
               <a:latin typeface="Arial"/>
             </a:endParaRPr>
           </a:p>
@@ -18092,7 +18003,7 @@
       </p:sp>
       <p:pic>
         <p:nvPicPr>
-          <p:cNvPr id="355" name="Imagen 3" descr=""/>
+          <p:cNvPr id="353" name="Imagen 3" descr=""/>
           <p:cNvPicPr/>
           <p:nvPr/>
         </p:nvPicPr>
@@ -18102,8 +18013,8 @@
         </p:blipFill>
         <p:spPr>
           <a:xfrm>
-            <a:off x="3638520" y="365040"/>
-            <a:ext cx="8265960" cy="6175800"/>
+            <a:off x="2176200" y="873000"/>
+            <a:ext cx="7838640" cy="5842800"/>
           </a:xfrm>
           <a:prstGeom prst="rect">
             <a:avLst/>
@@ -18145,14 +18056,14 @@
       </p:grpSpPr>
       <p:sp>
         <p:nvSpPr>
-          <p:cNvPr id="356" name="CustomShape 1"/>
+          <p:cNvPr id="354" name="CustomShape 1"/>
           <p:cNvSpPr/>
           <p:nvPr/>
         </p:nvSpPr>
         <p:spPr>
           <a:xfrm>
-            <a:off x="838080" y="0"/>
-            <a:ext cx="10514520" cy="1324440"/>
+            <a:off x="650160" y="378360"/>
+            <a:ext cx="10514160" cy="1324080"/>
           </a:xfrm>
           <a:prstGeom prst="rect">
             <a:avLst/>
@@ -18179,16 +18090,16 @@
               </a:lnSpc>
             </a:pPr>
             <a:r>
-              <a:rPr b="0" lang="es-MX" sz="4400" spc="-1" strike="noStrike">
+              <a:rPr b="0" lang="es-MX" sz="4000" spc="-1" strike="noStrike">
                 <a:solidFill>
                   <a:srgbClr val="000000"/>
                 </a:solidFill>
                 <a:latin typeface="Calibri Light"/>
                 <a:ea typeface="DejaVu Sans"/>
               </a:rPr>
-              <a:t>Lo que C considera verdadero</a:t>
-            </a:r>
-            <a:endParaRPr b="0" lang="es-MX" sz="4400" spc="-1" strike="noStrike">
+              <a:t>Ejemplo 12</a:t>
+            </a:r>
+            <a:endParaRPr b="0" lang="es-MX" sz="4000" spc="-1" strike="noStrike">
               <a:latin typeface="Arial"/>
             </a:endParaRPr>
           </a:p>
@@ -18196,7 +18107,7 @@
       </p:sp>
       <p:pic>
         <p:nvPicPr>
-          <p:cNvPr id="357" name="Imagen 3" descr=""/>
+          <p:cNvPr id="355" name="Imagen 3" descr=""/>
           <p:cNvPicPr/>
           <p:nvPr/>
         </p:nvPicPr>
@@ -18206,8 +18117,8 @@
         </p:blipFill>
         <p:spPr>
           <a:xfrm>
-            <a:off x="2190600" y="903240"/>
-            <a:ext cx="7809840" cy="5760000"/>
+            <a:off x="3638520" y="365040"/>
+            <a:ext cx="8265600" cy="6175440"/>
           </a:xfrm>
           <a:prstGeom prst="rect">
             <a:avLst/>
@@ -18249,14 +18160,14 @@
       </p:grpSpPr>
       <p:sp>
         <p:nvSpPr>
-          <p:cNvPr id="358" name="CustomShape 1"/>
+          <p:cNvPr id="356" name="CustomShape 1"/>
           <p:cNvSpPr/>
           <p:nvPr/>
         </p:nvSpPr>
         <p:spPr>
           <a:xfrm>
-            <a:off x="873360" y="0"/>
-            <a:ext cx="10514520" cy="1324440"/>
+            <a:off x="838080" y="0"/>
+            <a:ext cx="10514160" cy="1324080"/>
           </a:xfrm>
           <a:prstGeom prst="rect">
             <a:avLst/>
@@ -18290,7 +18201,7 @@
                 <a:latin typeface="Calibri Light"/>
                 <a:ea typeface="DejaVu Sans"/>
               </a:rPr>
-              <a:t>Operadores de comparación</a:t>
+              <a:t>Lo que C considera verdadero</a:t>
             </a:r>
             <a:endParaRPr b="0" lang="es-MX" sz="4400" spc="-1" strike="noStrike">
               <a:latin typeface="Arial"/>
@@ -18300,7 +18211,7 @@
       </p:sp>
       <p:pic>
         <p:nvPicPr>
-          <p:cNvPr id="359" name="Imagen 3" descr=""/>
+          <p:cNvPr id="357" name="Imagen 3" descr=""/>
           <p:cNvPicPr/>
           <p:nvPr/>
         </p:nvPicPr>
@@ -18310,8 +18221,8 @@
         </p:blipFill>
         <p:spPr>
           <a:xfrm>
-            <a:off x="2236320" y="898560"/>
-            <a:ext cx="7788600" cy="5827680"/>
+            <a:off x="2190600" y="903240"/>
+            <a:ext cx="7809480" cy="5759640"/>
           </a:xfrm>
           <a:prstGeom prst="rect">
             <a:avLst/>
@@ -18353,14 +18264,14 @@
       </p:grpSpPr>
       <p:sp>
         <p:nvSpPr>
-          <p:cNvPr id="360" name="CustomShape 1"/>
+          <p:cNvPr id="358" name="CustomShape 1"/>
           <p:cNvSpPr/>
           <p:nvPr/>
         </p:nvSpPr>
         <p:spPr>
           <a:xfrm>
-            <a:off x="838080" y="0"/>
-            <a:ext cx="10514520" cy="1324440"/>
+            <a:off x="873360" y="0"/>
+            <a:ext cx="10514160" cy="1324080"/>
           </a:xfrm>
           <a:prstGeom prst="rect">
             <a:avLst/>
@@ -18394,7 +18305,7 @@
                 <a:latin typeface="Calibri Light"/>
                 <a:ea typeface="DejaVu Sans"/>
               </a:rPr>
-              <a:t>Operadores lógicos</a:t>
+              <a:t>Operadores de comparación</a:t>
             </a:r>
             <a:endParaRPr b="0" lang="es-MX" sz="4400" spc="-1" strike="noStrike">
               <a:latin typeface="Arial"/>
@@ -18404,7 +18315,7 @@
       </p:sp>
       <p:pic>
         <p:nvPicPr>
-          <p:cNvPr id="361" name="Imagen 3" descr=""/>
+          <p:cNvPr id="359" name="Imagen 3" descr=""/>
           <p:cNvPicPr/>
           <p:nvPr/>
         </p:nvPicPr>
@@ -18414,8 +18325,8 @@
         </p:blipFill>
         <p:spPr>
           <a:xfrm>
-            <a:off x="2210040" y="890640"/>
-            <a:ext cx="7770960" cy="5792760"/>
+            <a:off x="2236320" y="898560"/>
+            <a:ext cx="7788240" cy="5827320"/>
           </a:xfrm>
           <a:prstGeom prst="rect">
             <a:avLst/>
@@ -18457,14 +18368,14 @@
       </p:grpSpPr>
       <p:sp>
         <p:nvSpPr>
-          <p:cNvPr id="362" name="CustomShape 1"/>
+          <p:cNvPr id="360" name="CustomShape 1"/>
           <p:cNvSpPr/>
           <p:nvPr/>
         </p:nvSpPr>
         <p:spPr>
           <a:xfrm>
             <a:off x="838080" y="0"/>
-            <a:ext cx="10514520" cy="1324440"/>
+            <a:ext cx="10514160" cy="1324080"/>
           </a:xfrm>
           <a:prstGeom prst="rect">
             <a:avLst/>
@@ -18491,16 +18402,16 @@
               </a:lnSpc>
             </a:pPr>
             <a:r>
-              <a:rPr b="0" lang="es-MX" sz="3200" spc="-1" strike="noStrike">
+              <a:rPr b="0" lang="es-MX" sz="4400" spc="-1" strike="noStrike">
                 <a:solidFill>
                   <a:srgbClr val="000000"/>
                 </a:solidFill>
                 <a:latin typeface="Calibri Light"/>
                 <a:ea typeface="DejaVu Sans"/>
               </a:rPr>
-              <a:t>C garantiza acerca de operadores lógicos</a:t>
-            </a:r>
-            <a:endParaRPr b="0" lang="es-MX" sz="3200" spc="-1" strike="noStrike">
+              <a:t>Operadores lógicos</a:t>
+            </a:r>
+            <a:endParaRPr b="0" lang="es-MX" sz="4400" spc="-1" strike="noStrike">
               <a:latin typeface="Arial"/>
             </a:endParaRPr>
           </a:p>
@@ -18508,7 +18419,7 @@
       </p:sp>
       <p:pic>
         <p:nvPicPr>
-          <p:cNvPr id="363" name="Imagen 3" descr=""/>
+          <p:cNvPr id="361" name="Imagen 3" descr=""/>
           <p:cNvPicPr/>
           <p:nvPr/>
         </p:nvPicPr>
@@ -18518,8 +18429,8 @@
         </p:blipFill>
         <p:spPr>
           <a:xfrm>
-            <a:off x="2268360" y="927360"/>
-            <a:ext cx="7653960" cy="5718600"/>
+            <a:off x="2210040" y="890640"/>
+            <a:ext cx="7770600" cy="5792400"/>
           </a:xfrm>
           <a:prstGeom prst="rect">
             <a:avLst/>
@@ -18561,14 +18472,14 @@
       </p:grpSpPr>
       <p:sp>
         <p:nvSpPr>
-          <p:cNvPr id="364" name="CustomShape 1"/>
+          <p:cNvPr id="362" name="CustomShape 1"/>
           <p:cNvSpPr/>
           <p:nvPr/>
         </p:nvSpPr>
         <p:spPr>
           <a:xfrm>
             <a:off x="838080" y="0"/>
-            <a:ext cx="10514520" cy="1324440"/>
+            <a:ext cx="10514160" cy="1324080"/>
           </a:xfrm>
           <a:prstGeom prst="rect">
             <a:avLst/>
@@ -18595,16 +18506,16 @@
               </a:lnSpc>
             </a:pPr>
             <a:r>
-              <a:rPr b="0" lang="es-MX" sz="4400" spc="-1" strike="noStrike">
+              <a:rPr b="0" lang="es-MX" sz="3200" spc="-1" strike="noStrike">
                 <a:solidFill>
                   <a:srgbClr val="000000"/>
                 </a:solidFill>
                 <a:latin typeface="Calibri Light"/>
                 <a:ea typeface="DejaVu Sans"/>
               </a:rPr>
-              <a:t>¡Advertencia!</a:t>
-            </a:r>
-            <a:endParaRPr b="0" lang="es-MX" sz="4400" spc="-1" strike="noStrike">
+              <a:t>C garantiza acerca de operadores lógicos</a:t>
+            </a:r>
+            <a:endParaRPr b="0" lang="es-MX" sz="3200" spc="-1" strike="noStrike">
               <a:latin typeface="Arial"/>
             </a:endParaRPr>
           </a:p>
@@ -18612,7 +18523,7 @@
       </p:sp>
       <p:pic>
         <p:nvPicPr>
-          <p:cNvPr id="365" name="Imagen 3" descr=""/>
+          <p:cNvPr id="363" name="Imagen 3" descr=""/>
           <p:cNvPicPr/>
           <p:nvPr/>
         </p:nvPicPr>
@@ -18622,8 +18533,8 @@
         </p:blipFill>
         <p:spPr>
           <a:xfrm>
-            <a:off x="2273760" y="927360"/>
-            <a:ext cx="7643160" cy="5662440"/>
+            <a:off x="2268360" y="927360"/>
+            <a:ext cx="7653600" cy="5718240"/>
           </a:xfrm>
           <a:prstGeom prst="rect">
             <a:avLst/>
@@ -18665,14 +18576,14 @@
       </p:grpSpPr>
       <p:sp>
         <p:nvSpPr>
-          <p:cNvPr id="366" name="CustomShape 1"/>
+          <p:cNvPr id="364" name="CustomShape 1"/>
           <p:cNvSpPr/>
           <p:nvPr/>
         </p:nvSpPr>
         <p:spPr>
           <a:xfrm>
-            <a:off x="803160" y="0"/>
-            <a:ext cx="10514520" cy="1324440"/>
+            <a:off x="838080" y="0"/>
+            <a:ext cx="10514160" cy="1324080"/>
           </a:xfrm>
           <a:prstGeom prst="rect">
             <a:avLst/>
@@ -18706,7 +18617,7 @@
                 <a:latin typeface="Calibri Light"/>
                 <a:ea typeface="DejaVu Sans"/>
               </a:rPr>
-              <a:t>Operadores a nivel de bits</a:t>
+              <a:t>¡Advertencia!</a:t>
             </a:r>
             <a:endParaRPr b="0" lang="es-MX" sz="4400" spc="-1" strike="noStrike">
               <a:latin typeface="Arial"/>
@@ -18716,7 +18627,7 @@
       </p:sp>
       <p:pic>
         <p:nvPicPr>
-          <p:cNvPr id="367" name="Imagen 3" descr=""/>
+          <p:cNvPr id="365" name="Imagen 3" descr=""/>
           <p:cNvPicPr/>
           <p:nvPr/>
         </p:nvPicPr>
@@ -18726,8 +18637,8 @@
         </p:blipFill>
         <p:spPr>
           <a:xfrm>
-            <a:off x="2189880" y="880920"/>
-            <a:ext cx="7740720" cy="5783400"/>
+            <a:off x="2273760" y="927360"/>
+            <a:ext cx="7642800" cy="5662080"/>
           </a:xfrm>
           <a:prstGeom prst="rect">
             <a:avLst/>
@@ -18769,14 +18680,14 @@
       </p:grpSpPr>
       <p:sp>
         <p:nvSpPr>
-          <p:cNvPr id="368" name="CustomShape 1"/>
+          <p:cNvPr id="366" name="CustomShape 1"/>
           <p:cNvSpPr/>
           <p:nvPr/>
         </p:nvSpPr>
         <p:spPr>
           <a:xfrm>
-            <a:off x="855720" y="0"/>
-            <a:ext cx="10514520" cy="1324440"/>
+            <a:off x="803160" y="0"/>
+            <a:ext cx="10514160" cy="1324080"/>
           </a:xfrm>
           <a:prstGeom prst="rect">
             <a:avLst/>
@@ -18810,7 +18721,7 @@
                 <a:latin typeface="Calibri Light"/>
                 <a:ea typeface="DejaVu Sans"/>
               </a:rPr>
-              <a:t>Ejemplo 13</a:t>
+              <a:t>Operadores a nivel de bits</a:t>
             </a:r>
             <a:endParaRPr b="0" lang="es-MX" sz="4400" spc="-1" strike="noStrike">
               <a:latin typeface="Arial"/>
@@ -18820,7 +18731,7 @@
       </p:sp>
       <p:pic>
         <p:nvPicPr>
-          <p:cNvPr id="369" name="Imagen 3" descr=""/>
+          <p:cNvPr id="367" name="Imagen 3" descr=""/>
           <p:cNvPicPr/>
           <p:nvPr/>
         </p:nvPicPr>
@@ -18830,8 +18741,8 @@
         </p:blipFill>
         <p:spPr>
           <a:xfrm>
-            <a:off x="2265120" y="895320"/>
-            <a:ext cx="7695720" cy="5733720"/>
+            <a:off x="2189880" y="880920"/>
+            <a:ext cx="7740360" cy="5783040"/>
           </a:xfrm>
           <a:prstGeom prst="rect">
             <a:avLst/>
@@ -18873,14 +18784,14 @@
       </p:grpSpPr>
       <p:sp>
         <p:nvSpPr>
-          <p:cNvPr id="370" name="CustomShape 1"/>
+          <p:cNvPr id="368" name="CustomShape 1"/>
           <p:cNvSpPr/>
           <p:nvPr/>
         </p:nvSpPr>
         <p:spPr>
           <a:xfrm>
-            <a:off x="838080" y="0"/>
-            <a:ext cx="10514520" cy="1324440"/>
+            <a:off x="855720" y="0"/>
+            <a:ext cx="10514160" cy="1324080"/>
           </a:xfrm>
           <a:prstGeom prst="rect">
             <a:avLst/>
@@ -18914,7 +18825,7 @@
                 <a:latin typeface="Calibri Light"/>
                 <a:ea typeface="DejaVu Sans"/>
               </a:rPr>
-              <a:t>Operador de asignación</a:t>
+              <a:t>Ejemplo 13</a:t>
             </a:r>
             <a:endParaRPr b="0" lang="es-MX" sz="4400" spc="-1" strike="noStrike">
               <a:latin typeface="Arial"/>
@@ -18924,7 +18835,7 @@
       </p:sp>
       <p:pic>
         <p:nvPicPr>
-          <p:cNvPr id="371" name="Imagen 3" descr=""/>
+          <p:cNvPr id="369" name="Imagen 3" descr=""/>
           <p:cNvPicPr/>
           <p:nvPr/>
         </p:nvPicPr>
@@ -18934,8 +18845,8 @@
         </p:blipFill>
         <p:spPr>
           <a:xfrm>
-            <a:off x="2145240" y="900000"/>
-            <a:ext cx="7900200" cy="5826240"/>
+            <a:off x="2265120" y="895320"/>
+            <a:ext cx="7695360" cy="5733360"/>
           </a:xfrm>
           <a:prstGeom prst="rect">
             <a:avLst/>
@@ -18977,14 +18888,14 @@
       </p:grpSpPr>
       <p:sp>
         <p:nvSpPr>
-          <p:cNvPr id="372" name="CustomShape 1"/>
+          <p:cNvPr id="370" name="CustomShape 1"/>
           <p:cNvSpPr/>
           <p:nvPr/>
         </p:nvSpPr>
         <p:spPr>
           <a:xfrm>
-            <a:off x="855720" y="0"/>
-            <a:ext cx="10514520" cy="1324440"/>
+            <a:off x="838080" y="0"/>
+            <a:ext cx="10514160" cy="1324080"/>
           </a:xfrm>
           <a:prstGeom prst="rect">
             <a:avLst/>
@@ -19018,7 +18929,7 @@
                 <a:latin typeface="Calibri Light"/>
                 <a:ea typeface="DejaVu Sans"/>
               </a:rPr>
-              <a:t>Advertencia</a:t>
+              <a:t>Operador de asignación</a:t>
             </a:r>
             <a:endParaRPr b="0" lang="es-MX" sz="4400" spc="-1" strike="noStrike">
               <a:latin typeface="Arial"/>
@@ -19028,7 +18939,7 @@
       </p:sp>
       <p:pic>
         <p:nvPicPr>
-          <p:cNvPr id="373" name="Imagen 3" descr=""/>
+          <p:cNvPr id="371" name="Imagen 3" descr=""/>
           <p:cNvPicPr/>
           <p:nvPr/>
         </p:nvPicPr>
@@ -19038,8 +18949,8 @@
         </p:blipFill>
         <p:spPr>
           <a:xfrm>
-            <a:off x="2187720" y="909720"/>
-            <a:ext cx="7850520" cy="5824080"/>
+            <a:off x="2145240" y="900000"/>
+            <a:ext cx="7899840" cy="5825880"/>
           </a:xfrm>
           <a:prstGeom prst="rect">
             <a:avLst/>
@@ -19088,7 +18999,7 @@
         <p:spPr>
           <a:xfrm>
             <a:off x="838080" y="0"/>
-            <a:ext cx="10514880" cy="1324800"/>
+            <a:ext cx="10514520" cy="1324440"/>
           </a:xfrm>
           <a:prstGeom prst="rect">
             <a:avLst/>
@@ -19120,6 +19031,7 @@
                   <a:srgbClr val="000000"/>
                 </a:solidFill>
                 <a:latin typeface="Calibri Light"/>
+                <a:ea typeface="DejaVu Sans"/>
               </a:rPr>
               <a:t>1.1.3 Construcción de un programa en C</a:t>
             </a:r>
@@ -19142,7 +19054,7 @@
         <p:spPr>
           <a:xfrm>
             <a:off x="682200" y="1137600"/>
-            <a:ext cx="10907280" cy="2529000"/>
+            <a:ext cx="10906920" cy="2528640"/>
           </a:xfrm>
           <a:prstGeom prst="rect">
             <a:avLst/>
@@ -19161,7 +19073,7 @@
         <p:spPr>
           <a:xfrm>
             <a:off x="577440" y="3855240"/>
-            <a:ext cx="11158200" cy="1614240"/>
+            <a:ext cx="11157840" cy="1614240"/>
           </a:xfrm>
           <a:prstGeom prst="rect">
             <a:avLst/>
@@ -19315,14 +19227,14 @@
       </p:grpSpPr>
       <p:sp>
         <p:nvSpPr>
-          <p:cNvPr id="374" name="CustomShape 1"/>
+          <p:cNvPr id="372" name="CustomShape 1"/>
           <p:cNvSpPr/>
           <p:nvPr/>
         </p:nvSpPr>
         <p:spPr>
           <a:xfrm>
-            <a:off x="838080" y="0"/>
-            <a:ext cx="10514520" cy="1324440"/>
+            <a:off x="855720" y="0"/>
+            <a:ext cx="10514160" cy="1324080"/>
           </a:xfrm>
           <a:prstGeom prst="rect">
             <a:avLst/>
@@ -19356,7 +19268,7 @@
                 <a:latin typeface="Calibri Light"/>
                 <a:ea typeface="DejaVu Sans"/>
               </a:rPr>
-              <a:t>Otros operadores de asignación</a:t>
+              <a:t>Advertencia</a:t>
             </a:r>
             <a:endParaRPr b="0" lang="es-MX" sz="4400" spc="-1" strike="noStrike">
               <a:latin typeface="Arial"/>
@@ -19366,7 +19278,7 @@
       </p:sp>
       <p:pic>
         <p:nvPicPr>
-          <p:cNvPr id="375" name="Imagen 3" descr=""/>
+          <p:cNvPr id="373" name="Imagen 3" descr=""/>
           <p:cNvPicPr/>
           <p:nvPr/>
         </p:nvPicPr>
@@ -19376,8 +19288,8 @@
         </p:blipFill>
         <p:spPr>
           <a:xfrm>
-            <a:off x="2221920" y="905040"/>
-            <a:ext cx="7747200" cy="5758560"/>
+            <a:off x="2187720" y="909720"/>
+            <a:ext cx="7850160" cy="5823720"/>
           </a:xfrm>
           <a:prstGeom prst="rect">
             <a:avLst/>
@@ -19419,14 +19331,14 @@
       </p:grpSpPr>
       <p:sp>
         <p:nvSpPr>
-          <p:cNvPr id="376" name="CustomShape 1"/>
+          <p:cNvPr id="374" name="CustomShape 1"/>
           <p:cNvSpPr/>
           <p:nvPr/>
         </p:nvSpPr>
         <p:spPr>
           <a:xfrm>
-            <a:off x="803160" y="0"/>
-            <a:ext cx="10514520" cy="1324440"/>
+            <a:off x="838080" y="0"/>
+            <a:ext cx="10514160" cy="1324080"/>
           </a:xfrm>
           <a:prstGeom prst="rect">
             <a:avLst/>
@@ -19453,27 +19365,16 @@
               </a:lnSpc>
             </a:pPr>
             <a:r>
-              <a:rPr b="0" lang="es-MX" sz="4000" spc="-1" strike="noStrike">
+              <a:rPr b="0" lang="es-MX" sz="4400" spc="-1" strike="noStrike">
                 <a:solidFill>
                   <a:srgbClr val="000000"/>
                 </a:solidFill>
                 <a:latin typeface="Calibri Light"/>
                 <a:ea typeface="DejaVu Sans"/>
               </a:rPr>
-              <a:t>Operador sizeof</a:t>
-            </a:r>
-            <a:br/>
-            <a:r>
-              <a:rPr b="0" lang="es-MX" sz="4000" spc="-1" strike="noStrike">
-                <a:solidFill>
-                  <a:srgbClr val="000000"/>
-                </a:solidFill>
-                <a:latin typeface="Calibri Light"/>
-                <a:ea typeface="DejaVu Sans"/>
-              </a:rPr>
-              <a:t>Ejemplo 14</a:t>
-            </a:r>
-            <a:endParaRPr b="0" lang="es-MX" sz="4000" spc="-1" strike="noStrike">
+              <a:t>Otros operadores de asignación</a:t>
+            </a:r>
+            <a:endParaRPr b="0" lang="es-MX" sz="4400" spc="-1" strike="noStrike">
               <a:latin typeface="Arial"/>
             </a:endParaRPr>
           </a:p>
@@ -19481,7 +19382,7 @@
       </p:sp>
       <p:pic>
         <p:nvPicPr>
-          <p:cNvPr id="377" name="Imagen 3" descr=""/>
+          <p:cNvPr id="375" name="Imagen 3" descr=""/>
           <p:cNvPicPr/>
           <p:nvPr/>
         </p:nvPicPr>
@@ -19491,8 +19392,8 @@
         </p:blipFill>
         <p:spPr>
           <a:xfrm>
-            <a:off x="3884400" y="580320"/>
-            <a:ext cx="8067600" cy="6030360"/>
+            <a:off x="2221920" y="905040"/>
+            <a:ext cx="7746840" cy="5758200"/>
           </a:xfrm>
           <a:prstGeom prst="rect">
             <a:avLst/>
@@ -19534,14 +19435,14 @@
       </p:grpSpPr>
       <p:sp>
         <p:nvSpPr>
-          <p:cNvPr id="378" name="CustomShape 1"/>
+          <p:cNvPr id="376" name="CustomShape 1"/>
           <p:cNvSpPr/>
           <p:nvPr/>
         </p:nvSpPr>
         <p:spPr>
           <a:xfrm>
-            <a:off x="855720" y="0"/>
-            <a:ext cx="10514520" cy="1324440"/>
+            <a:off x="803160" y="0"/>
+            <a:ext cx="10514160" cy="1324080"/>
           </a:xfrm>
           <a:prstGeom prst="rect">
             <a:avLst/>
@@ -19568,16 +19469,27 @@
               </a:lnSpc>
             </a:pPr>
             <a:r>
-              <a:rPr b="0" lang="es-MX" sz="4400" spc="-1" strike="noStrike">
+              <a:rPr b="0" lang="es-MX" sz="4000" spc="-1" strike="noStrike">
                 <a:solidFill>
                   <a:srgbClr val="000000"/>
                 </a:solidFill>
                 <a:latin typeface="Calibri Light"/>
                 <a:ea typeface="DejaVu Sans"/>
               </a:rPr>
-              <a:t>Operador de expresión condicional</a:t>
-            </a:r>
-            <a:endParaRPr b="0" lang="es-MX" sz="4400" spc="-1" strike="noStrike">
+              <a:t>Operador sizeof</a:t>
+            </a:r>
+            <a:br/>
+            <a:r>
+              <a:rPr b="0" lang="es-MX" sz="4000" spc="-1" strike="noStrike">
+                <a:solidFill>
+                  <a:srgbClr val="000000"/>
+                </a:solidFill>
+                <a:latin typeface="Calibri Light"/>
+                <a:ea typeface="DejaVu Sans"/>
+              </a:rPr>
+              <a:t>Ejemplo 14</a:t>
+            </a:r>
+            <a:endParaRPr b="0" lang="es-MX" sz="4000" spc="-1" strike="noStrike">
               <a:latin typeface="Arial"/>
             </a:endParaRPr>
           </a:p>
@@ -19585,7 +19497,7 @@
       </p:sp>
       <p:pic>
         <p:nvPicPr>
-          <p:cNvPr id="379" name="Imagen 3" descr=""/>
+          <p:cNvPr id="377" name="Imagen 3" descr=""/>
           <p:cNvPicPr/>
           <p:nvPr/>
         </p:nvPicPr>
@@ -19595,8 +19507,8 @@
         </p:blipFill>
         <p:spPr>
           <a:xfrm>
-            <a:off x="2278800" y="992880"/>
-            <a:ext cx="7547400" cy="5617800"/>
+            <a:off x="3884400" y="580320"/>
+            <a:ext cx="8067240" cy="6030000"/>
           </a:xfrm>
           <a:prstGeom prst="rect">
             <a:avLst/>
@@ -19638,14 +19550,14 @@
       </p:grpSpPr>
       <p:sp>
         <p:nvSpPr>
-          <p:cNvPr id="380" name="CustomShape 1"/>
+          <p:cNvPr id="378" name="CustomShape 1"/>
           <p:cNvSpPr/>
           <p:nvPr/>
         </p:nvSpPr>
         <p:spPr>
           <a:xfrm>
-            <a:off x="838080" y="0"/>
-            <a:ext cx="10514520" cy="1324440"/>
+            <a:off x="855720" y="0"/>
+            <a:ext cx="10514160" cy="1324080"/>
           </a:xfrm>
           <a:prstGeom prst="rect">
             <a:avLst/>
@@ -19679,7 +19591,7 @@
                 <a:latin typeface="Calibri Light"/>
                 <a:ea typeface="DejaVu Sans"/>
               </a:rPr>
-              <a:t>Precedencia de operadores</a:t>
+              <a:t>Operador de expresión condicional</a:t>
             </a:r>
             <a:endParaRPr b="0" lang="es-MX" sz="4400" spc="-1" strike="noStrike">
               <a:latin typeface="Arial"/>
@@ -19689,7 +19601,7 @@
       </p:sp>
       <p:pic>
         <p:nvPicPr>
-          <p:cNvPr id="381" name="Imagen 3" descr=""/>
+          <p:cNvPr id="379" name="Imagen 3" descr=""/>
           <p:cNvPicPr/>
           <p:nvPr/>
         </p:nvPicPr>
@@ -19699,8 +19611,8 @@
         </p:blipFill>
         <p:spPr>
           <a:xfrm>
-            <a:off x="2226600" y="927360"/>
-            <a:ext cx="7737480" cy="5781240"/>
+            <a:off x="2278800" y="992880"/>
+            <a:ext cx="7547040" cy="5617440"/>
           </a:xfrm>
           <a:prstGeom prst="rect">
             <a:avLst/>
@@ -19742,14 +19654,14 @@
       </p:grpSpPr>
       <p:sp>
         <p:nvSpPr>
-          <p:cNvPr id="382" name="CustomShape 1"/>
+          <p:cNvPr id="380" name="CustomShape 1"/>
           <p:cNvSpPr/>
           <p:nvPr/>
         </p:nvSpPr>
         <p:spPr>
           <a:xfrm>
-            <a:off x="855720" y="0"/>
-            <a:ext cx="10514520" cy="1324440"/>
+            <a:off x="838080" y="0"/>
+            <a:ext cx="10514160" cy="1324080"/>
           </a:xfrm>
           <a:prstGeom prst="rect">
             <a:avLst/>
@@ -19783,7 +19695,7 @@
                 <a:latin typeface="Calibri Light"/>
                 <a:ea typeface="DejaVu Sans"/>
               </a:rPr>
-              <a:t>Asociatividad de operadores</a:t>
+              <a:t>Precedencia de operadores</a:t>
             </a:r>
             <a:endParaRPr b="0" lang="es-MX" sz="4400" spc="-1" strike="noStrike">
               <a:latin typeface="Arial"/>
@@ -19793,7 +19705,7 @@
       </p:sp>
       <p:pic>
         <p:nvPicPr>
-          <p:cNvPr id="383" name="Imagen 3" descr=""/>
+          <p:cNvPr id="381" name="Imagen 3" descr=""/>
           <p:cNvPicPr/>
           <p:nvPr/>
         </p:nvPicPr>
@@ -19803,8 +19715,8 @@
         </p:blipFill>
         <p:spPr>
           <a:xfrm>
-            <a:off x="2261160" y="935280"/>
-            <a:ext cx="7704000" cy="5745240"/>
+            <a:off x="2226600" y="927360"/>
+            <a:ext cx="7737120" cy="5780880"/>
           </a:xfrm>
           <a:prstGeom prst="rect">
             <a:avLst/>
@@ -19846,14 +19758,14 @@
       </p:grpSpPr>
       <p:sp>
         <p:nvSpPr>
-          <p:cNvPr id="384" name="CustomShape 1"/>
+          <p:cNvPr id="382" name="CustomShape 1"/>
           <p:cNvSpPr/>
           <p:nvPr/>
         </p:nvSpPr>
         <p:spPr>
           <a:xfrm>
-            <a:off x="803160" y="0"/>
-            <a:ext cx="10514520" cy="1324440"/>
+            <a:off x="855720" y="0"/>
+            <a:ext cx="10514160" cy="1324080"/>
           </a:xfrm>
           <a:prstGeom prst="rect">
             <a:avLst/>
@@ -19887,7 +19799,7 @@
                 <a:latin typeface="Calibri Light"/>
                 <a:ea typeface="DejaVu Sans"/>
               </a:rPr>
-              <a:t>Tabla de precedencia/asociatividad</a:t>
+              <a:t>Asociatividad de operadores</a:t>
             </a:r>
             <a:endParaRPr b="0" lang="es-MX" sz="4400" spc="-1" strike="noStrike">
               <a:latin typeface="Arial"/>
@@ -19897,7 +19809,7 @@
       </p:sp>
       <p:pic>
         <p:nvPicPr>
-          <p:cNvPr id="385" name="Imagen 3" descr=""/>
+          <p:cNvPr id="383" name="Imagen 3" descr=""/>
           <p:cNvPicPr/>
           <p:nvPr/>
         </p:nvPicPr>
@@ -19907,8 +19819,8 @@
         </p:blipFill>
         <p:spPr>
           <a:xfrm>
-            <a:off x="2172600" y="871560"/>
-            <a:ext cx="7775280" cy="5743080"/>
+            <a:off x="2261160" y="935280"/>
+            <a:ext cx="7703640" cy="5744880"/>
           </a:xfrm>
           <a:prstGeom prst="rect">
             <a:avLst/>
@@ -19950,14 +19862,14 @@
       </p:grpSpPr>
       <p:sp>
         <p:nvSpPr>
-          <p:cNvPr id="386" name="CustomShape 1"/>
+          <p:cNvPr id="384" name="CustomShape 1"/>
           <p:cNvSpPr/>
           <p:nvPr/>
         </p:nvSpPr>
         <p:spPr>
           <a:xfrm>
-            <a:off x="464760" y="0"/>
-            <a:ext cx="10514520" cy="1324440"/>
+            <a:off x="803160" y="0"/>
+            <a:ext cx="10514160" cy="1324080"/>
           </a:xfrm>
           <a:prstGeom prst="rect">
             <a:avLst/>
@@ -19984,27 +19896,16 @@
               </a:lnSpc>
             </a:pPr>
             <a:r>
-              <a:rPr b="0" lang="es-MX" sz="4000" spc="-1" strike="noStrike">
+              <a:rPr b="0" lang="es-MX" sz="4400" spc="-1" strike="noStrike">
                 <a:solidFill>
                   <a:srgbClr val="000000"/>
                 </a:solidFill>
                 <a:latin typeface="Calibri Light"/>
                 <a:ea typeface="DejaVu Sans"/>
               </a:rPr>
-              <a:t>Repaso</a:t>
-            </a:r>
-            <a:br/>
-            <a:r>
-              <a:rPr b="0" lang="es-MX" sz="4000" spc="-1" strike="noStrike">
-                <a:solidFill>
-                  <a:srgbClr val="000000"/>
-                </a:solidFill>
-                <a:latin typeface="Calibri Light"/>
-                <a:ea typeface="DejaVu Sans"/>
-              </a:rPr>
-              <a:t>Ejemplo 15</a:t>
-            </a:r>
-            <a:endParaRPr b="0" lang="es-MX" sz="4000" spc="-1" strike="noStrike">
+              <a:t>Tabla de precedencia/asociatividad</a:t>
+            </a:r>
+            <a:endParaRPr b="0" lang="es-MX" sz="4400" spc="-1" strike="noStrike">
               <a:latin typeface="Arial"/>
             </a:endParaRPr>
           </a:p>
@@ -20012,7 +19913,7 @@
       </p:sp>
       <p:pic>
         <p:nvPicPr>
-          <p:cNvPr id="387" name="Imagen 3" descr=""/>
+          <p:cNvPr id="385" name="Imagen 3" descr=""/>
           <p:cNvPicPr/>
           <p:nvPr/>
         </p:nvPicPr>
@@ -20022,8 +19923,8 @@
         </p:blipFill>
         <p:spPr>
           <a:xfrm>
-            <a:off x="3473280" y="228600"/>
-            <a:ext cx="8538480" cy="6346800"/>
+            <a:off x="2172600" y="871560"/>
+            <a:ext cx="7774920" cy="5742720"/>
           </a:xfrm>
           <a:prstGeom prst="rect">
             <a:avLst/>
@@ -20065,14 +19966,14 @@
       </p:grpSpPr>
       <p:sp>
         <p:nvSpPr>
-          <p:cNvPr id="388" name="CustomShape 1"/>
+          <p:cNvPr id="386" name="CustomShape 1"/>
           <p:cNvSpPr/>
           <p:nvPr/>
         </p:nvSpPr>
         <p:spPr>
           <a:xfrm>
-            <a:off x="803160" y="-162360"/>
-            <a:ext cx="10514520" cy="1324440"/>
+            <a:off x="464760" y="0"/>
+            <a:ext cx="10514160" cy="1324080"/>
           </a:xfrm>
           <a:prstGeom prst="rect">
             <a:avLst/>
@@ -20099,380 +20000,55 @@
               </a:lnSpc>
             </a:pPr>
             <a:r>
-              <a:rPr b="0" lang="es-MX" sz="4400" spc="-1" strike="noStrike">
+              <a:rPr b="0" lang="es-MX" sz="4000" spc="-1" strike="noStrike">
                 <a:solidFill>
                   <a:srgbClr val="000000"/>
                 </a:solidFill>
                 <a:latin typeface="Calibri Light"/>
                 <a:ea typeface="DejaVu Sans"/>
               </a:rPr>
-              <a:t>1.5 Expresiones simples y complejas</a:t>
-            </a:r>
-            <a:endParaRPr b="0" lang="es-MX" sz="4400" spc="-1" strike="noStrike">
-              <a:latin typeface="Arial"/>
-            </a:endParaRPr>
-          </a:p>
-        </p:txBody>
-      </p:sp>
-      <p:sp>
-        <p:nvSpPr>
-          <p:cNvPr id="389" name="CustomShape 2"/>
-          <p:cNvSpPr/>
+              <a:t>Repaso</a:t>
+            </a:r>
+            <a:br/>
+            <a:r>
+              <a:rPr b="0" lang="es-MX" sz="4000" spc="-1" strike="noStrike">
+                <a:solidFill>
+                  <a:srgbClr val="000000"/>
+                </a:solidFill>
+                <a:latin typeface="Calibri Light"/>
+                <a:ea typeface="DejaVu Sans"/>
+              </a:rPr>
+              <a:t>Ejemplo 15</a:t>
+            </a:r>
+            <a:endParaRPr b="0" lang="es-MX" sz="4000" spc="-1" strike="noStrike">
+              <a:latin typeface="Arial"/>
+            </a:endParaRPr>
+          </a:p>
+        </p:txBody>
+      </p:sp>
+      <p:pic>
+        <p:nvPicPr>
+          <p:cNvPr id="387" name="Imagen 3" descr=""/>
+          <p:cNvPicPr/>
           <p:nvPr/>
-        </p:nvSpPr>
-        <p:spPr>
-          <a:xfrm>
-            <a:off x="823320" y="793800"/>
-            <a:ext cx="11199600" cy="4210920"/>
-          </a:xfrm>
-          <a:prstGeom prst="rect">
-            <a:avLst/>
-          </a:prstGeom>
-          <a:noFill/>
+        </p:nvPicPr>
+        <p:blipFill>
+          <a:blip r:embed="rId1"/>
+          <a:stretch/>
+        </p:blipFill>
+        <p:spPr>
+          <a:xfrm>
+            <a:off x="3473280" y="228600"/>
+            <a:ext cx="8538120" cy="6346440"/>
+          </a:xfrm>
+          <a:prstGeom prst="rect">
+            <a:avLst/>
+          </a:prstGeom>
           <a:ln w="0">
             <a:noFill/>
           </a:ln>
         </p:spPr>
-        <p:style>
-          <a:lnRef idx="0"/>
-          <a:fillRef idx="0"/>
-          <a:effectRef idx="0"/>
-          <a:fontRef idx="minor"/>
-        </p:style>
-        <p:txBody>
-          <a:bodyPr wrap="none" lIns="90000" rIns="90000" tIns="45000" bIns="45000">
-            <a:spAutoFit/>
-          </a:bodyPr>
-          <a:p>
-            <a:pPr>
-              <a:lnSpc>
-                <a:spcPct val="100000"/>
-              </a:lnSpc>
-            </a:pPr>
-            <a:r>
-              <a:rPr b="0" lang="es-MX" sz="1700" spc="-1" strike="noStrike">
-                <a:solidFill>
-                  <a:srgbClr val="000000"/>
-                </a:solidFill>
-                <a:latin typeface="Calibri"/>
-                <a:ea typeface="DejaVu Sans"/>
-              </a:rPr>
-              <a:t>Las expresiones (Joyanes Aguilar Luis) son combinaciones de constantes, variables, símbolos de </a:t>
-            </a:r>
-            <a:endParaRPr b="0" lang="es-MX" sz="1700" spc="-1" strike="noStrike">
-              <a:latin typeface="Arial"/>
-            </a:endParaRPr>
-          </a:p>
-          <a:p>
-            <a:pPr>
-              <a:lnSpc>
-                <a:spcPct val="100000"/>
-              </a:lnSpc>
-            </a:pPr>
-            <a:r>
-              <a:rPr b="0" lang="es-MX" sz="1700" spc="-1" strike="noStrike">
-                <a:solidFill>
-                  <a:srgbClr val="000000"/>
-                </a:solidFill>
-                <a:latin typeface="Calibri"/>
-                <a:ea typeface="DejaVu Sans"/>
-              </a:rPr>
-              <a:t>operación, paréntesis y nombres de funciones especiales.</a:t>
-            </a:r>
-            <a:endParaRPr b="0" lang="es-MX" sz="1700" spc="-1" strike="noStrike">
-              <a:latin typeface="Arial"/>
-            </a:endParaRPr>
-          </a:p>
-          <a:p>
-            <a:pPr>
-              <a:lnSpc>
-                <a:spcPct val="100000"/>
-              </a:lnSpc>
-            </a:pPr>
-            <a:endParaRPr b="0" lang="es-MX" sz="1700" spc="-1" strike="noStrike">
-              <a:latin typeface="Arial"/>
-            </a:endParaRPr>
-          </a:p>
-          <a:p>
-            <a:pPr>
-              <a:lnSpc>
-                <a:spcPct val="100000"/>
-              </a:lnSpc>
-            </a:pPr>
-            <a:r>
-              <a:rPr b="0" lang="es-MX" sz="1700" spc="-1" strike="noStrike">
-                <a:solidFill>
-                  <a:srgbClr val="000000"/>
-                </a:solidFill>
-                <a:latin typeface="Calibri"/>
-                <a:ea typeface="DejaVu Sans"/>
-              </a:rPr>
-              <a:t>En la bibliografía del curso no aparecen los términos ‘expresiones simples’ y ‘expresiones complejas’. </a:t>
-            </a:r>
-            <a:endParaRPr b="0" lang="es-MX" sz="1700" spc="-1" strike="noStrike">
-              <a:latin typeface="Arial"/>
-            </a:endParaRPr>
-          </a:p>
-          <a:p>
-            <a:pPr>
-              <a:lnSpc>
-                <a:spcPct val="100000"/>
-              </a:lnSpc>
-            </a:pPr>
-            <a:r>
-              <a:rPr b="0" lang="es-MX" sz="1700" spc="-1" strike="noStrike">
-                <a:solidFill>
-                  <a:srgbClr val="000000"/>
-                </a:solidFill>
-                <a:latin typeface="Calibri"/>
-                <a:ea typeface="DejaVu Sans"/>
-              </a:rPr>
-              <a:t>Tales términos solo me ha sido posible encontrarlos en dos páginas web:</a:t>
-            </a:r>
-            <a:endParaRPr b="0" lang="es-MX" sz="1700" spc="-1" strike="noStrike">
-              <a:latin typeface="Arial"/>
-            </a:endParaRPr>
-          </a:p>
-          <a:p>
-            <a:pPr>
-              <a:lnSpc>
-                <a:spcPct val="100000"/>
-              </a:lnSpc>
-            </a:pPr>
-            <a:endParaRPr b="0" lang="es-MX" sz="1700" spc="-1" strike="noStrike">
-              <a:latin typeface="Arial"/>
-            </a:endParaRPr>
-          </a:p>
-          <a:p>
-            <a:pPr>
-              <a:lnSpc>
-                <a:spcPct val="100000"/>
-              </a:lnSpc>
-            </a:pPr>
-            <a:r>
-              <a:rPr b="0" lang="es-MX" sz="1700" spc="-1" strike="noStrike" u="sng">
-                <a:solidFill>
-                  <a:srgbClr val="0563c1"/>
-                </a:solidFill>
-                <a:uFillTx/>
-                <a:latin typeface="Calibri"/>
-                <a:ea typeface="DejaVu Sans"/>
-                <a:hlinkClick r:id="rId1"/>
-              </a:rPr>
-              <a:t>https://newsandstory.com/story/s7mszmn/Expressions-and-its-uses-in-C-program-module-11-</a:t>
-            </a:r>
-            <a:r>
-              <a:rPr b="0" lang="es-MX" sz="1700" spc="-1" strike="noStrike" u="sng">
-                <a:solidFill>
-                  <a:srgbClr val="0563c1"/>
-                </a:solidFill>
-                <a:uFillTx/>
-                <a:latin typeface="Calibri"/>
-                <a:ea typeface="DejaVu Sans"/>
-                <a:hlinkClick r:id="rId2"/>
-              </a:rPr>
-              <a:t>/</a:t>
-            </a:r>
-            <a:endParaRPr b="0" lang="es-MX" sz="1700" spc="-1" strike="noStrike">
-              <a:latin typeface="Arial"/>
-            </a:endParaRPr>
-          </a:p>
-          <a:p>
-            <a:pPr>
-              <a:lnSpc>
-                <a:spcPct val="100000"/>
-              </a:lnSpc>
-            </a:pPr>
-            <a:r>
-              <a:rPr b="0" lang="es-MX" sz="1700" spc="-1" strike="noStrike">
-                <a:solidFill>
-                  <a:srgbClr val="000000"/>
-                </a:solidFill>
-                <a:latin typeface="Calibri"/>
-                <a:ea typeface="DejaVu Sans"/>
-              </a:rPr>
-              <a:t>“</a:t>
-            </a:r>
-            <a:r>
-              <a:rPr b="0" lang="es-MX" sz="1700" spc="-1" strike="noStrike">
-                <a:solidFill>
-                  <a:srgbClr val="000000"/>
-                </a:solidFill>
-                <a:latin typeface="Calibri"/>
-                <a:ea typeface="DejaVu Sans"/>
-              </a:rPr>
-              <a:t>An expression is a sequence of operators and operands that reduces to a single value. Expressions </a:t>
-            </a:r>
-            <a:endParaRPr b="0" lang="es-MX" sz="1700" spc="-1" strike="noStrike">
-              <a:latin typeface="Arial"/>
-            </a:endParaRPr>
-          </a:p>
-          <a:p>
-            <a:pPr>
-              <a:lnSpc>
-                <a:spcPct val="100000"/>
-              </a:lnSpc>
-            </a:pPr>
-            <a:r>
-              <a:rPr b="0" lang="es-MX" sz="1700" spc="-1" strike="noStrike">
-                <a:solidFill>
-                  <a:srgbClr val="000000"/>
-                </a:solidFill>
-                <a:latin typeface="Calibri"/>
-                <a:ea typeface="DejaVu Sans"/>
-              </a:rPr>
-              <a:t>can be simple or complex. An operator is a syntactical token that requires an action be taken.  An </a:t>
-            </a:r>
-            <a:endParaRPr b="0" lang="es-MX" sz="1700" spc="-1" strike="noStrike">
-              <a:latin typeface="Arial"/>
-            </a:endParaRPr>
-          </a:p>
-          <a:p>
-            <a:pPr>
-              <a:lnSpc>
-                <a:spcPct val="100000"/>
-              </a:lnSpc>
-            </a:pPr>
-            <a:r>
-              <a:rPr b="0" lang="es-MX" sz="1700" spc="-1" strike="noStrike">
-                <a:solidFill>
-                  <a:srgbClr val="000000"/>
-                </a:solidFill>
-                <a:latin typeface="Calibri"/>
-                <a:ea typeface="DejaVu Sans"/>
-              </a:rPr>
-              <a:t>operand is an object on which an operation is performed. A simple expression contains only one </a:t>
-            </a:r>
-            <a:endParaRPr b="0" lang="es-MX" sz="1700" spc="-1" strike="noStrike">
-              <a:latin typeface="Arial"/>
-            </a:endParaRPr>
-          </a:p>
-          <a:p>
-            <a:pPr>
-              <a:lnSpc>
-                <a:spcPct val="100000"/>
-              </a:lnSpc>
-            </a:pPr>
-            <a:r>
-              <a:rPr b="0" lang="es-MX" sz="1700" spc="-1" strike="noStrike">
-                <a:solidFill>
-                  <a:srgbClr val="000000"/>
-                </a:solidFill>
-                <a:latin typeface="Calibri"/>
-                <a:ea typeface="DejaVu Sans"/>
-              </a:rPr>
-              <a:t>operator. Eg. 2+3 is a simple expression whose value is 5.”</a:t>
-            </a:r>
-            <a:endParaRPr b="0" lang="es-MX" sz="1700" spc="-1" strike="noStrike">
-              <a:latin typeface="Arial"/>
-            </a:endParaRPr>
-          </a:p>
-          <a:p>
-            <a:pPr>
-              <a:lnSpc>
-                <a:spcPct val="100000"/>
-              </a:lnSpc>
-            </a:pPr>
-            <a:endParaRPr b="0" lang="es-MX" sz="1700" spc="-1" strike="noStrike">
-              <a:latin typeface="Arial"/>
-            </a:endParaRPr>
-          </a:p>
-          <a:p>
-            <a:pPr>
-              <a:lnSpc>
-                <a:spcPct val="100000"/>
-              </a:lnSpc>
-            </a:pPr>
-            <a:r>
-              <a:rPr b="0" lang="es-MX" sz="1700" spc="-1" strike="noStrike" u="sng">
-                <a:solidFill>
-                  <a:srgbClr val="0563c1"/>
-                </a:solidFill>
-                <a:uFillTx/>
-                <a:latin typeface="Calibri"/>
-                <a:ea typeface="DejaVu Sans"/>
-                <a:hlinkClick r:id="rId3"/>
-              </a:rPr>
-              <a:t>https://quizlet.com/188164793/computer-science-chapter-3-flash-cards</a:t>
-            </a:r>
-            <a:r>
-              <a:rPr b="0" lang="es-MX" sz="1700" spc="-1" strike="noStrike" u="sng">
-                <a:solidFill>
-                  <a:srgbClr val="0563c1"/>
-                </a:solidFill>
-                <a:uFillTx/>
-                <a:latin typeface="Calibri"/>
-                <a:ea typeface="DejaVu Sans"/>
-                <a:hlinkClick r:id="rId4"/>
-              </a:rPr>
-              <a:t>/</a:t>
-            </a:r>
-            <a:endParaRPr b="0" lang="es-MX" sz="1700" spc="-1" strike="noStrike">
-              <a:latin typeface="Arial"/>
-            </a:endParaRPr>
-          </a:p>
-          <a:p>
-            <a:pPr>
-              <a:lnSpc>
-                <a:spcPct val="100000"/>
-              </a:lnSpc>
-            </a:pPr>
-            <a:r>
-              <a:rPr b="0" lang="es-MX" sz="1700" spc="-1" strike="noStrike">
-                <a:solidFill>
-                  <a:srgbClr val="000000"/>
-                </a:solidFill>
-                <a:latin typeface="Calibri"/>
-                <a:ea typeface="DejaVu Sans"/>
-              </a:rPr>
-              <a:t>“</a:t>
-            </a:r>
-            <a:r>
-              <a:rPr b="0" lang="es-MX" sz="1700" spc="-1" strike="noStrike">
-                <a:solidFill>
-                  <a:srgbClr val="000000"/>
-                </a:solidFill>
-                <a:latin typeface="Calibri"/>
-                <a:ea typeface="DejaVu Sans"/>
-              </a:rPr>
-              <a:t>Simple Expression. contains only one operator. Complex Expression. contains more than one </a:t>
-            </a:r>
-            <a:endParaRPr b="0" lang="es-MX" sz="1700" spc="-1" strike="noStrike">
-              <a:latin typeface="Arial"/>
-            </a:endParaRPr>
-          </a:p>
-          <a:p>
-            <a:pPr>
-              <a:lnSpc>
-                <a:spcPct val="100000"/>
-              </a:lnSpc>
-            </a:pPr>
-            <a:r>
-              <a:rPr b="0" lang="es-MX" sz="1700" spc="-1" strike="noStrike">
-                <a:solidFill>
-                  <a:srgbClr val="000000"/>
-                </a:solidFill>
-                <a:latin typeface="Calibri"/>
-                <a:ea typeface="DejaVu Sans"/>
-              </a:rPr>
-              <a:t>operator”</a:t>
-            </a:r>
-            <a:endParaRPr b="0" lang="es-MX" sz="1700" spc="-1" strike="noStrike">
-              <a:latin typeface="Arial"/>
-            </a:endParaRPr>
-          </a:p>
-          <a:p>
-            <a:pPr>
-              <a:lnSpc>
-                <a:spcPct val="100000"/>
-              </a:lnSpc>
-            </a:pPr>
-            <a:endParaRPr b="0" lang="es-MX" sz="1700" spc="-1" strike="noStrike">
-              <a:latin typeface="Arial"/>
-            </a:endParaRPr>
-          </a:p>
-        </p:txBody>
-      </p:sp>
+      </p:pic>
     </p:spTree>
   </p:cSld>
   <mc:AlternateContent>
@@ -20505,14 +20081,14 @@
       </p:grpSpPr>
       <p:sp>
         <p:nvSpPr>
-          <p:cNvPr id="390" name="CustomShape 1"/>
+          <p:cNvPr id="388" name="CustomShape 1"/>
           <p:cNvSpPr/>
           <p:nvPr/>
         </p:nvSpPr>
         <p:spPr>
           <a:xfrm>
-            <a:off x="838080" y="365040"/>
-            <a:ext cx="10514520" cy="1324440"/>
+            <a:off x="803160" y="-162360"/>
+            <a:ext cx="10514160" cy="1324080"/>
           </a:xfrm>
           <a:prstGeom prst="rect">
             <a:avLst/>
@@ -20546,7 +20122,7 @@
                 <a:latin typeface="Calibri Light"/>
                 <a:ea typeface="DejaVu Sans"/>
               </a:rPr>
-              <a:t>REFERENCIAS</a:t>
+              <a:t>1.5 Expresiones simples y complejas</a:t>
             </a:r>
             <a:endParaRPr b="0" lang="es-MX" sz="4400" spc="-1" strike="noStrike">
               <a:latin typeface="Arial"/>
@@ -20556,14 +20132,14 @@
       </p:sp>
       <p:sp>
         <p:nvSpPr>
-          <p:cNvPr id="391" name="CustomShape 2"/>
+          <p:cNvPr id="389" name="CustomShape 2"/>
           <p:cNvSpPr/>
           <p:nvPr/>
         </p:nvSpPr>
         <p:spPr>
           <a:xfrm>
-            <a:off x="838080" y="1825560"/>
-            <a:ext cx="10514520" cy="4350240"/>
+            <a:off x="792000" y="793800"/>
+            <a:ext cx="11262240" cy="4236840"/>
           </a:xfrm>
           <a:prstGeom prst="rect">
             <a:avLst/>
@@ -20580,11 +20156,451 @@
           <a:fontRef idx="minor"/>
         </p:style>
         <p:txBody>
+          <a:bodyPr wrap="none" lIns="90000" rIns="90000" tIns="45000" bIns="45000">
+            <a:spAutoFit/>
+          </a:bodyPr>
+          <a:p>
+            <a:pPr>
+              <a:lnSpc>
+                <a:spcPct val="100000"/>
+              </a:lnSpc>
+            </a:pPr>
+            <a:r>
+              <a:rPr b="0" lang="es-MX" sz="1700" spc="-1" strike="noStrike">
+                <a:solidFill>
+                  <a:srgbClr val="000000"/>
+                </a:solidFill>
+                <a:latin typeface="Calibri"/>
+                <a:ea typeface="DejaVu Sans"/>
+              </a:rPr>
+              <a:t>Las expresiones (Joyanes Aguilar Luis) son combinaciones de constantes, variables, símbolos de </a:t>
+            </a:r>
+            <a:endParaRPr b="0" lang="es-MX" sz="1700" spc="-1" strike="noStrike">
+              <a:latin typeface="Arial"/>
+            </a:endParaRPr>
+          </a:p>
+          <a:p>
+            <a:pPr>
+              <a:lnSpc>
+                <a:spcPct val="100000"/>
+              </a:lnSpc>
+            </a:pPr>
+            <a:r>
+              <a:rPr b="0" lang="es-MX" sz="1700" spc="-1" strike="noStrike">
+                <a:solidFill>
+                  <a:srgbClr val="000000"/>
+                </a:solidFill>
+                <a:latin typeface="Calibri"/>
+                <a:ea typeface="DejaVu Sans"/>
+              </a:rPr>
+              <a:t>operación, paréntesis y nombres de funciones especiales.</a:t>
+            </a:r>
+            <a:endParaRPr b="0" lang="es-MX" sz="1700" spc="-1" strike="noStrike">
+              <a:latin typeface="Arial"/>
+            </a:endParaRPr>
+          </a:p>
+          <a:p>
+            <a:pPr>
+              <a:lnSpc>
+                <a:spcPct val="100000"/>
+              </a:lnSpc>
+            </a:pPr>
+            <a:endParaRPr b="0" lang="es-MX" sz="1700" spc="-1" strike="noStrike">
+              <a:latin typeface="Arial"/>
+            </a:endParaRPr>
+          </a:p>
+          <a:p>
+            <a:pPr>
+              <a:lnSpc>
+                <a:spcPct val="100000"/>
+              </a:lnSpc>
+            </a:pPr>
+            <a:r>
+              <a:rPr b="0" lang="es-MX" sz="1700" spc="-1" strike="noStrike">
+                <a:solidFill>
+                  <a:srgbClr val="000000"/>
+                </a:solidFill>
+                <a:latin typeface="Calibri"/>
+                <a:ea typeface="DejaVu Sans"/>
+              </a:rPr>
+              <a:t>En la bibliografía del curso no aparecen los términos ‘expresiones simples’ y ‘expresiones complejas’. </a:t>
+            </a:r>
+            <a:endParaRPr b="0" lang="es-MX" sz="1700" spc="-1" strike="noStrike">
+              <a:latin typeface="Arial"/>
+            </a:endParaRPr>
+          </a:p>
+          <a:p>
+            <a:pPr>
+              <a:lnSpc>
+                <a:spcPct val="100000"/>
+              </a:lnSpc>
+            </a:pPr>
+            <a:r>
+              <a:rPr b="0" lang="es-MX" sz="1700" spc="-1" strike="noStrike">
+                <a:solidFill>
+                  <a:srgbClr val="000000"/>
+                </a:solidFill>
+                <a:latin typeface="Calibri"/>
+                <a:ea typeface="DejaVu Sans"/>
+              </a:rPr>
+              <a:t>Tales términos solo me ha sido posible encontrarlos en dos páginas web:</a:t>
+            </a:r>
+            <a:endParaRPr b="0" lang="es-MX" sz="1700" spc="-1" strike="noStrike">
+              <a:latin typeface="Arial"/>
+            </a:endParaRPr>
+          </a:p>
+          <a:p>
+            <a:pPr>
+              <a:lnSpc>
+                <a:spcPct val="100000"/>
+              </a:lnSpc>
+            </a:pPr>
+            <a:endParaRPr b="0" lang="es-MX" sz="1700" spc="-1" strike="noStrike">
+              <a:latin typeface="Arial"/>
+            </a:endParaRPr>
+          </a:p>
+          <a:p>
+            <a:pPr>
+              <a:lnSpc>
+                <a:spcPct val="100000"/>
+              </a:lnSpc>
+            </a:pPr>
+            <a:r>
+              <a:rPr b="0" lang="es-MX" sz="1700" spc="-1" strike="noStrike" u="sng">
+                <a:solidFill>
+                  <a:srgbClr val="0563c1"/>
+                </a:solidFill>
+                <a:uFillTx/>
+                <a:latin typeface="Calibri"/>
+                <a:ea typeface="DejaVu Sans"/>
+                <a:hlinkClick r:id="rId1"/>
+              </a:rPr>
+              <a:t>https://newsandstory.com/story/s7mszmn/Expressions-and-its-uses-in-C-program-module-11-</a:t>
+            </a:r>
+            <a:r>
+              <a:rPr b="0" lang="es-MX" sz="1700" spc="-1" strike="noStrike" u="sng">
+                <a:solidFill>
+                  <a:srgbClr val="0563c1"/>
+                </a:solidFill>
+                <a:uFillTx/>
+                <a:latin typeface="Calibri"/>
+                <a:ea typeface="DejaVu Sans"/>
+                <a:hlinkClick r:id="rId2"/>
+              </a:rPr>
+              <a:t>/</a:t>
+            </a:r>
+            <a:endParaRPr b="0" lang="es-MX" sz="1700" spc="-1" strike="noStrike">
+              <a:latin typeface="Arial"/>
+            </a:endParaRPr>
+          </a:p>
+          <a:p>
+            <a:pPr>
+              <a:lnSpc>
+                <a:spcPct val="100000"/>
+              </a:lnSpc>
+            </a:pPr>
+            <a:r>
+              <a:rPr b="0" lang="es-MX" sz="1700" spc="-1" strike="noStrike">
+                <a:solidFill>
+                  <a:srgbClr val="000000"/>
+                </a:solidFill>
+                <a:latin typeface="Calibri"/>
+                <a:ea typeface="DejaVu Sans"/>
+              </a:rPr>
+              <a:t>“</a:t>
+            </a:r>
+            <a:r>
+              <a:rPr b="0" lang="es-MX" sz="1700" spc="-1" strike="noStrike">
+                <a:solidFill>
+                  <a:srgbClr val="000000"/>
+                </a:solidFill>
+                <a:latin typeface="Calibri"/>
+                <a:ea typeface="DejaVu Sans"/>
+              </a:rPr>
+              <a:t>An expression is a sequence of operators and operands that reduces to a single value. Expressions </a:t>
+            </a:r>
+            <a:endParaRPr b="0" lang="es-MX" sz="1700" spc="-1" strike="noStrike">
+              <a:latin typeface="Arial"/>
+            </a:endParaRPr>
+          </a:p>
+          <a:p>
+            <a:pPr>
+              <a:lnSpc>
+                <a:spcPct val="100000"/>
+              </a:lnSpc>
+            </a:pPr>
+            <a:r>
+              <a:rPr b="0" lang="es-MX" sz="1700" spc="-1" strike="noStrike">
+                <a:solidFill>
+                  <a:srgbClr val="000000"/>
+                </a:solidFill>
+                <a:latin typeface="Calibri"/>
+                <a:ea typeface="DejaVu Sans"/>
+              </a:rPr>
+              <a:t>can be simple or complex. An operator is a syntactical token that requires an action be taken.  An </a:t>
+            </a:r>
+            <a:endParaRPr b="0" lang="es-MX" sz="1700" spc="-1" strike="noStrike">
+              <a:latin typeface="Arial"/>
+            </a:endParaRPr>
+          </a:p>
+          <a:p>
+            <a:pPr>
+              <a:lnSpc>
+                <a:spcPct val="100000"/>
+              </a:lnSpc>
+            </a:pPr>
+            <a:r>
+              <a:rPr b="0" lang="es-MX" sz="1700" spc="-1" strike="noStrike">
+                <a:solidFill>
+                  <a:srgbClr val="000000"/>
+                </a:solidFill>
+                <a:latin typeface="Calibri"/>
+                <a:ea typeface="DejaVu Sans"/>
+              </a:rPr>
+              <a:t>operand is an object on which an operation is performed. A simple expression contains only one </a:t>
+            </a:r>
+            <a:endParaRPr b="0" lang="es-MX" sz="1700" spc="-1" strike="noStrike">
+              <a:latin typeface="Arial"/>
+            </a:endParaRPr>
+          </a:p>
+          <a:p>
+            <a:pPr>
+              <a:lnSpc>
+                <a:spcPct val="100000"/>
+              </a:lnSpc>
+            </a:pPr>
+            <a:r>
+              <a:rPr b="0" lang="es-MX" sz="1700" spc="-1" strike="noStrike">
+                <a:solidFill>
+                  <a:srgbClr val="000000"/>
+                </a:solidFill>
+                <a:latin typeface="Calibri"/>
+                <a:ea typeface="DejaVu Sans"/>
+              </a:rPr>
+              <a:t>operator. Eg. 2+3 is a simple expression whose value is 5.”</a:t>
+            </a:r>
+            <a:endParaRPr b="0" lang="es-MX" sz="1700" spc="-1" strike="noStrike">
+              <a:latin typeface="Arial"/>
+            </a:endParaRPr>
+          </a:p>
+          <a:p>
+            <a:pPr>
+              <a:lnSpc>
+                <a:spcPct val="100000"/>
+              </a:lnSpc>
+            </a:pPr>
+            <a:endParaRPr b="0" lang="es-MX" sz="1700" spc="-1" strike="noStrike">
+              <a:latin typeface="Arial"/>
+            </a:endParaRPr>
+          </a:p>
+          <a:p>
+            <a:pPr>
+              <a:lnSpc>
+                <a:spcPct val="100000"/>
+              </a:lnSpc>
+            </a:pPr>
+            <a:r>
+              <a:rPr b="0" lang="es-MX" sz="1700" spc="-1" strike="noStrike" u="sng">
+                <a:solidFill>
+                  <a:srgbClr val="0563c1"/>
+                </a:solidFill>
+                <a:uFillTx/>
+                <a:latin typeface="Calibri"/>
+                <a:ea typeface="DejaVu Sans"/>
+                <a:hlinkClick r:id="rId3"/>
+              </a:rPr>
+              <a:t>https://quizlet.com/188164793/computer-science-chapter-3-flash-cards</a:t>
+            </a:r>
+            <a:r>
+              <a:rPr b="0" lang="es-MX" sz="1700" spc="-1" strike="noStrike" u="sng">
+                <a:solidFill>
+                  <a:srgbClr val="0563c1"/>
+                </a:solidFill>
+                <a:uFillTx/>
+                <a:latin typeface="Calibri"/>
+                <a:ea typeface="DejaVu Sans"/>
+                <a:hlinkClick r:id="rId4"/>
+              </a:rPr>
+              <a:t>/</a:t>
+            </a:r>
+            <a:endParaRPr b="0" lang="es-MX" sz="1700" spc="-1" strike="noStrike">
+              <a:latin typeface="Arial"/>
+            </a:endParaRPr>
+          </a:p>
+          <a:p>
+            <a:pPr>
+              <a:lnSpc>
+                <a:spcPct val="100000"/>
+              </a:lnSpc>
+            </a:pPr>
+            <a:r>
+              <a:rPr b="0" lang="es-MX" sz="1700" spc="-1" strike="noStrike">
+                <a:solidFill>
+                  <a:srgbClr val="000000"/>
+                </a:solidFill>
+                <a:latin typeface="Calibri"/>
+                <a:ea typeface="DejaVu Sans"/>
+              </a:rPr>
+              <a:t>“</a:t>
+            </a:r>
+            <a:r>
+              <a:rPr b="0" lang="es-MX" sz="1700" spc="-1" strike="noStrike">
+                <a:solidFill>
+                  <a:srgbClr val="000000"/>
+                </a:solidFill>
+                <a:latin typeface="Calibri"/>
+                <a:ea typeface="DejaVu Sans"/>
+              </a:rPr>
+              <a:t>Simple Expression. contains only one operator. Complex Expression. contains more than one </a:t>
+            </a:r>
+            <a:endParaRPr b="0" lang="es-MX" sz="1700" spc="-1" strike="noStrike">
+              <a:latin typeface="Arial"/>
+            </a:endParaRPr>
+          </a:p>
+          <a:p>
+            <a:pPr>
+              <a:lnSpc>
+                <a:spcPct val="100000"/>
+              </a:lnSpc>
+            </a:pPr>
+            <a:r>
+              <a:rPr b="0" lang="es-MX" sz="1700" spc="-1" strike="noStrike">
+                <a:solidFill>
+                  <a:srgbClr val="000000"/>
+                </a:solidFill>
+                <a:latin typeface="Calibri"/>
+                <a:ea typeface="DejaVu Sans"/>
+              </a:rPr>
+              <a:t>operator”</a:t>
+            </a:r>
+            <a:endParaRPr b="0" lang="es-MX" sz="1700" spc="-1" strike="noStrike">
+              <a:latin typeface="Arial"/>
+            </a:endParaRPr>
+          </a:p>
+          <a:p>
+            <a:pPr>
+              <a:lnSpc>
+                <a:spcPct val="100000"/>
+              </a:lnSpc>
+            </a:pPr>
+            <a:endParaRPr b="0" lang="es-MX" sz="1700" spc="-1" strike="noStrike">
+              <a:latin typeface="Arial"/>
+            </a:endParaRPr>
+          </a:p>
+        </p:txBody>
+      </p:sp>
+    </p:spTree>
+  </p:cSld>
+  <mc:AlternateContent>
+    <mc:Choice Requires="p14">
+      <p:transition spd="slow" p14:dur="2000"/>
+    </mc:Choice>
+    <mc:Fallback>
+      <p:transition spd="slow"/>
+    </mc:Fallback>
+  </mc:AlternateContent>
+</p:sld>
+</file>
+
+<file path=ppt/slides/slide79.xml><?xml version="1.0" encoding="utf-8"?>
+<p:sld xmlns:a="http://schemas.openxmlformats.org/drawingml/2006/main" xmlns:p="http://schemas.openxmlformats.org/presentationml/2006/main" xmlns:r="http://schemas.openxmlformats.org/officeDocument/2006/relationships" xmlns:p14="http://schemas.microsoft.com/office/powerpoint/2010/main" xmlns:p15="http://schemas.microsoft.com/office/powerpoint/2012/main" xmlns:mc="http://schemas.openxmlformats.org/markup-compatibility/2006">
+  <p:cSld>
+    <p:spTree>
+      <p:nvGrpSpPr>
+        <p:cNvPr id="1" name=""/>
+        <p:cNvGrpSpPr/>
+        <p:nvPr/>
+      </p:nvGrpSpPr>
+      <p:grpSpPr>
+        <a:xfrm>
+          <a:off x="0" y="0"/>
+          <a:ext cx="0" cy="0"/>
+          <a:chOff x="0" y="0"/>
+          <a:chExt cx="0" cy="0"/>
+        </a:xfrm>
+      </p:grpSpPr>
+      <p:sp>
+        <p:nvSpPr>
+          <p:cNvPr id="390" name="CustomShape 1"/>
+          <p:cNvSpPr/>
+          <p:nvPr/>
+        </p:nvSpPr>
+        <p:spPr>
+          <a:xfrm>
+            <a:off x="838080" y="365040"/>
+            <a:ext cx="10514160" cy="1324080"/>
+          </a:xfrm>
+          <a:prstGeom prst="rect">
+            <a:avLst/>
+          </a:prstGeom>
+          <a:noFill/>
+          <a:ln w="0">
+            <a:noFill/>
+          </a:ln>
+        </p:spPr>
+        <p:style>
+          <a:lnRef idx="0"/>
+          <a:fillRef idx="0"/>
+          <a:effectRef idx="0"/>
+          <a:fontRef idx="minor"/>
+        </p:style>
+        <p:txBody>
+          <a:bodyPr lIns="90000" rIns="90000" tIns="45000" bIns="45000" anchor="ctr">
+            <a:noAutofit/>
+          </a:bodyPr>
+          <a:p>
+            <a:pPr>
+              <a:lnSpc>
+                <a:spcPct val="90000"/>
+              </a:lnSpc>
+            </a:pPr>
+            <a:r>
+              <a:rPr b="0" lang="es-MX" sz="4400" spc="-1" strike="noStrike">
+                <a:solidFill>
+                  <a:srgbClr val="000000"/>
+                </a:solidFill>
+                <a:latin typeface="Calibri Light"/>
+                <a:ea typeface="DejaVu Sans"/>
+              </a:rPr>
+              <a:t>REFERENCIAS</a:t>
+            </a:r>
+            <a:endParaRPr b="0" lang="es-MX" sz="4400" spc="-1" strike="noStrike">
+              <a:latin typeface="Arial"/>
+            </a:endParaRPr>
+          </a:p>
+        </p:txBody>
+      </p:sp>
+      <p:sp>
+        <p:nvSpPr>
+          <p:cNvPr id="391" name="CustomShape 2"/>
+          <p:cNvSpPr/>
+          <p:nvPr/>
+        </p:nvSpPr>
+        <p:spPr>
+          <a:xfrm>
+            <a:off x="838080" y="1825560"/>
+            <a:ext cx="10514160" cy="4349880"/>
+          </a:xfrm>
+          <a:prstGeom prst="rect">
+            <a:avLst/>
+          </a:prstGeom>
+          <a:noFill/>
+          <a:ln w="0">
+            <a:noFill/>
+          </a:ln>
+        </p:spPr>
+        <p:style>
+          <a:lnRef idx="0"/>
+          <a:fillRef idx="0"/>
+          <a:effectRef idx="0"/>
+          <a:fontRef idx="minor"/>
+        </p:style>
+        <p:txBody>
           <a:bodyPr lIns="90000" rIns="90000" tIns="45000" bIns="45000">
             <a:noAutofit/>
           </a:bodyPr>
           <a:p>
-            <a:pPr marL="228600" indent="-227520">
+            <a:pPr marL="228600" indent="-227160">
               <a:lnSpc>
                 <a:spcPct val="90000"/>
               </a:lnSpc>
@@ -20646,7 +20662,7 @@
             </a:endParaRPr>
           </a:p>
           <a:p>
-            <a:pPr marL="228600" indent="-227520">
+            <a:pPr marL="228600" indent="-227160">
               <a:lnSpc>
                 <a:spcPct val="90000"/>
               </a:lnSpc>
@@ -20674,7 +20690,7 @@
             </a:endParaRPr>
           </a:p>
           <a:p>
-            <a:pPr marL="228600" indent="-227520">
+            <a:pPr marL="228600" indent="-227160">
               <a:lnSpc>
                 <a:spcPct val="90000"/>
               </a:lnSpc>
@@ -20702,7 +20718,7 @@
             </a:endParaRPr>
           </a:p>
           <a:p>
-            <a:pPr marL="228600" indent="-227520">
+            <a:pPr marL="228600" indent="-227160">
               <a:lnSpc>
                 <a:spcPct val="90000"/>
               </a:lnSpc>
@@ -20770,7 +20786,7 @@
         <p:spPr>
           <a:xfrm>
             <a:off x="714960" y="0"/>
-            <a:ext cx="10514520" cy="1324440"/>
+            <a:ext cx="10514160" cy="1324080"/>
           </a:xfrm>
           <a:prstGeom prst="rect">
             <a:avLst/>
@@ -20825,7 +20841,7 @@
         <p:spPr>
           <a:xfrm>
             <a:off x="3772440" y="936720"/>
-            <a:ext cx="7747560" cy="5685120"/>
+            <a:ext cx="7747200" cy="5684760"/>
           </a:xfrm>
           <a:prstGeom prst="rect">
             <a:avLst/>
@@ -20844,7 +20860,7 @@
         <p:spPr>
           <a:xfrm>
             <a:off x="685800" y="936720"/>
-            <a:ext cx="10514520" cy="1324440"/>
+            <a:ext cx="10514160" cy="1324080"/>
           </a:xfrm>
           <a:prstGeom prst="rect">
             <a:avLst/>
@@ -20925,7 +20941,7 @@
         <p:spPr>
           <a:xfrm>
             <a:off x="838440" y="360"/>
-            <a:ext cx="10514880" cy="899280"/>
+            <a:ext cx="10514520" cy="898920"/>
           </a:xfrm>
           <a:prstGeom prst="rect">
             <a:avLst/>
@@ -20957,6 +20973,7 @@
                   <a:srgbClr val="000000"/>
                 </a:solidFill>
                 <a:latin typeface="Calibri Light"/>
+                <a:ea typeface="DejaVu Sans"/>
               </a:rPr>
               <a:t>1.1.3 Construcción de un programa en C</a:t>
             </a:r>
@@ -20980,7 +20997,7 @@
         <p:spPr>
           <a:xfrm>
             <a:off x="1816200" y="779040"/>
-            <a:ext cx="8677080" cy="1920600"/>
+            <a:ext cx="8676720" cy="1920240"/>
           </a:xfrm>
           <a:prstGeom prst="rect">
             <a:avLst/>
@@ -21003,7 +21020,7 @@
         <p:spPr>
           <a:xfrm>
             <a:off x="1615680" y="2160000"/>
-            <a:ext cx="3063960" cy="399600"/>
+            <a:ext cx="3063600" cy="399240"/>
           </a:xfrm>
           <a:prstGeom prst="rect">
             <a:avLst/>
@@ -21026,7 +21043,7 @@
         <p:spPr>
           <a:xfrm>
             <a:off x="720000" y="2749680"/>
-            <a:ext cx="10773360" cy="864360"/>
+            <a:ext cx="10773000" cy="864000"/>
           </a:xfrm>
           <a:prstGeom prst="rect">
             <a:avLst/>
@@ -21049,7 +21066,7 @@
         <p:spPr>
           <a:xfrm>
             <a:off x="720000" y="4695840"/>
-            <a:ext cx="3156120" cy="883800"/>
+            <a:ext cx="3155760" cy="883440"/>
           </a:xfrm>
           <a:prstGeom prst="rect">
             <a:avLst/>
@@ -21072,7 +21089,7 @@
         <p:spPr>
           <a:xfrm>
             <a:off x="720000" y="3646080"/>
-            <a:ext cx="2339640" cy="317160"/>
+            <a:ext cx="2339280" cy="316800"/>
           </a:xfrm>
           <a:prstGeom prst="rect">
             <a:avLst/>
@@ -21095,7 +21112,7 @@
         <p:spPr>
           <a:xfrm>
             <a:off x="720000" y="3986280"/>
-            <a:ext cx="10799640" cy="658800"/>
+            <a:ext cx="10799280" cy="658440"/>
           </a:xfrm>
           <a:prstGeom prst="rect">
             <a:avLst/>
@@ -21114,7 +21131,7 @@
         <p:spPr>
           <a:xfrm>
             <a:off x="4140000" y="4680000"/>
-            <a:ext cx="7379640" cy="1625760"/>
+            <a:ext cx="7379280" cy="1625400"/>
           </a:xfrm>
           <a:prstGeom prst="rect">
             <a:avLst/>
@@ -21142,7 +21159,11 @@
             </a:pPr>
             <a:r>
               <a:rPr b="0" lang="es-MX" sz="1800" spc="-1" strike="noStrike">
+                <a:solidFill>
+                  <a:srgbClr val="000000"/>
+                </a:solidFill>
                 <a:latin typeface="Arial"/>
+                <a:ea typeface="DejaVu Sans"/>
               </a:rPr>
               <a:t>Código fuente: hola.c</a:t>
             </a:r>
@@ -21158,7 +21179,11 @@
             </a:pPr>
             <a:r>
               <a:rPr b="0" lang="es-MX" sz="1800" spc="-1" strike="noStrike">
+                <a:solidFill>
+                  <a:srgbClr val="000000"/>
+                </a:solidFill>
                 <a:latin typeface="Arial"/>
+                <a:ea typeface="DejaVu Sans"/>
               </a:rPr>
               <a:t>Compilador: gcc</a:t>
             </a:r>
@@ -21174,7 +21199,11 @@
             </a:pPr>
             <a:r>
               <a:rPr b="0" lang="es-MX" sz="1800" spc="-1" strike="noStrike">
+                <a:solidFill>
+                  <a:srgbClr val="000000"/>
+                </a:solidFill>
                 <a:latin typeface="Arial"/>
+                <a:ea typeface="DejaVu Sans"/>
               </a:rPr>
               <a:t>Archivo objeto: hola.o</a:t>
             </a:r>
@@ -21190,7 +21219,11 @@
             </a:pPr>
             <a:r>
               <a:rPr b="0" lang="es-MX" sz="1800" spc="-1" strike="noStrike">
+                <a:solidFill>
+                  <a:srgbClr val="000000"/>
+                </a:solidFill>
                 <a:latin typeface="Arial"/>
+                <a:ea typeface="DejaVu Sans"/>
               </a:rPr>
               <a:t>Objetos externos: crt1.o, crti.o, crtn.o, libuClibc-1.0.39.so</a:t>
             </a:r>
@@ -21206,7 +21239,11 @@
             </a:pPr>
             <a:r>
               <a:rPr b="0" lang="es-MX" sz="1800" spc="-1" strike="noStrike">
+                <a:solidFill>
+                  <a:srgbClr val="000000"/>
+                </a:solidFill>
                 <a:latin typeface="Arial"/>
+                <a:ea typeface="DejaVu Sans"/>
               </a:rPr>
               <a:t>Enlazador: ld</a:t>
             </a:r>
@@ -21222,7 +21259,11 @@
             </a:pPr>
             <a:r>
               <a:rPr b="0" lang="es-MX" sz="1800" spc="-1" strike="noStrike">
+                <a:solidFill>
+                  <a:srgbClr val="000000"/>
+                </a:solidFill>
                 <a:latin typeface="Arial"/>
+                <a:ea typeface="DejaVu Sans"/>
               </a:rPr>
               <a:t>Programa ejecutable: holauclibc.xtn</a:t>
             </a:r>

--- a/U1_Introduccion_a_la_programacion/Unidad_01_Introduccion_a_la_programacion_2.pptx
+++ b/U1_Introduccion_a_la_programacion/Unidad_01_Introduccion_a_la_programacion_2.pptx
@@ -87,7 +87,6 @@
     <p:sldId id="331" r:id="rId82"/>
     <p:sldId id="332" r:id="rId83"/>
     <p:sldId id="333" r:id="rId84"/>
-    <p:sldId id="334" r:id="rId85"/>
   </p:sldIdLst>
   <p:sldSz cx="12192000" cy="6858000"/>
   <p:notesSz cx="7772400" cy="10058400"/>
@@ -6927,7 +6926,13 @@
               <a:rPr b="0" lang="es-MX" sz="4400" spc="-1" strike="noStrike">
                 <a:latin typeface="Arial"/>
               </a:rPr>
-              <a:t>Pulse para editar el formato del texto de título</a:t>
+              <a:t>Pulse para editar el formato del texto de </a:t>
+            </a:r>
+            <a:r>
+              <a:rPr b="0" lang="es-MX" sz="4400" spc="-1" strike="noStrike">
+                <a:latin typeface="Arial"/>
+              </a:rPr>
+              <a:t>título</a:t>
             </a:r>
             <a:endParaRPr b="0" lang="es-MX" sz="4400" spc="-1" strike="noStrike">
               <a:latin typeface="Arial"/>
@@ -7187,7 +7192,13 @@
               <a:rPr b="0" lang="es-MX" sz="4400" spc="-1" strike="noStrike">
                 <a:latin typeface="Arial"/>
               </a:rPr>
-              <a:t>Pulse para editar el formato del texto de título</a:t>
+              <a:t>Pulse para editar el formato del texto de </a:t>
+            </a:r>
+            <a:r>
+              <a:rPr b="0" lang="es-MX" sz="4400" spc="-1" strike="noStrike">
+                <a:latin typeface="Arial"/>
+              </a:rPr>
+              <a:t>título</a:t>
             </a:r>
             <a:endParaRPr b="0" lang="es-MX" sz="4400" spc="-1" strike="noStrike">
               <a:latin typeface="Arial"/>
@@ -7447,7 +7458,13 @@
               <a:rPr b="0" lang="es-MX" sz="4400" spc="-1" strike="noStrike">
                 <a:latin typeface="Arial"/>
               </a:rPr>
-              <a:t>Pulse para editar el formato del texto de título</a:t>
+              <a:t>Pulse para editar el formato del texto de </a:t>
+            </a:r>
+            <a:r>
+              <a:rPr b="0" lang="es-MX" sz="4400" spc="-1" strike="noStrike">
+                <a:latin typeface="Arial"/>
+              </a:rPr>
+              <a:t>título</a:t>
             </a:r>
             <a:endParaRPr b="0" lang="es-MX" sz="4400" spc="-1" strike="noStrike">
               <a:latin typeface="Arial"/>
@@ -8199,7 +8216,7 @@
         <p:spPr>
           <a:xfrm>
             <a:off x="1523880" y="1122480"/>
-            <a:ext cx="9142560" cy="2386080"/>
+            <a:ext cx="9142200" cy="2385720"/>
           </a:xfrm>
           <a:prstGeom prst="rect">
             <a:avLst/>
@@ -8250,7 +8267,7 @@
         <p:spPr>
           <a:xfrm>
             <a:off x="1523880" y="3602160"/>
-            <a:ext cx="9142560" cy="1654200"/>
+            <a:ext cx="9142200" cy="1653840"/>
           </a:xfrm>
           <a:prstGeom prst="rect">
             <a:avLst/>
@@ -8363,7 +8380,7 @@
         <p:spPr>
           <a:xfrm>
             <a:off x="838080" y="365040"/>
-            <a:ext cx="10514160" cy="1324080"/>
+            <a:ext cx="10513800" cy="1323720"/>
           </a:xfrm>
           <a:prstGeom prst="rect">
             <a:avLst/>
@@ -8429,7 +8446,7 @@
         <p:spPr>
           <a:xfrm>
             <a:off x="618120" y="2234520"/>
-            <a:ext cx="10954440" cy="2793240"/>
+            <a:ext cx="10954080" cy="2792880"/>
           </a:xfrm>
           <a:prstGeom prst="rect">
             <a:avLst/>
@@ -8478,7 +8495,7 @@
         <p:spPr>
           <a:xfrm>
             <a:off x="645480" y="360000"/>
-            <a:ext cx="10514160" cy="1324080"/>
+            <a:ext cx="10513800" cy="1323720"/>
           </a:xfrm>
           <a:prstGeom prst="rect">
             <a:avLst/>
@@ -8533,7 +8550,7 @@
         <p:spPr>
           <a:xfrm>
             <a:off x="3337560" y="178560"/>
-            <a:ext cx="8596800" cy="6502320"/>
+            <a:ext cx="8596440" cy="6501960"/>
           </a:xfrm>
           <a:prstGeom prst="rect">
             <a:avLst/>
@@ -8582,7 +8599,7 @@
         <p:spPr>
           <a:xfrm>
             <a:off x="757800" y="29520"/>
-            <a:ext cx="10514160" cy="1324080"/>
+            <a:ext cx="10513800" cy="1323720"/>
           </a:xfrm>
           <a:prstGeom prst="rect">
             <a:avLst/>
@@ -8638,7 +8655,7 @@
         <p:spPr>
           <a:xfrm>
             <a:off x="900000" y="2244600"/>
-            <a:ext cx="10699920" cy="3937320"/>
+            <a:ext cx="10699560" cy="3936960"/>
           </a:xfrm>
           <a:prstGeom prst="rect">
             <a:avLst/>
@@ -8657,7 +8674,7 @@
         <p:spPr>
           <a:xfrm>
             <a:off x="685440" y="1480320"/>
-            <a:ext cx="10439640" cy="656640"/>
+            <a:ext cx="10439280" cy="656280"/>
           </a:xfrm>
           <a:prstGeom prst="rect">
             <a:avLst/>
@@ -8685,7 +8702,11 @@
             </a:pPr>
             <a:r>
               <a:rPr b="0" lang="es-MX" sz="2000" spc="-1" strike="noStrike">
+                <a:solidFill>
+                  <a:srgbClr val="000000"/>
+                </a:solidFill>
                 <a:latin typeface="Arial"/>
+                <a:ea typeface="DejaVu Sans"/>
               </a:rPr>
               <a:t>En C, toda variable, antes de poder ser usada, debe ser declarada, especificando con ello el tipo de dato que almacenará. Toda variable en C se declara de la forma:</a:t>
             </a:r>
@@ -8734,7 +8755,7 @@
         <p:spPr>
           <a:xfrm>
             <a:off x="838080" y="0"/>
-            <a:ext cx="10514160" cy="1324080"/>
+            <a:ext cx="10513800" cy="1323720"/>
           </a:xfrm>
           <a:prstGeom prst="rect">
             <a:avLst/>
@@ -8790,7 +8811,7 @@
         <p:spPr>
           <a:xfrm>
             <a:off x="838080" y="970200"/>
-            <a:ext cx="10396080" cy="1912320"/>
+            <a:ext cx="10395720" cy="1911960"/>
           </a:xfrm>
           <a:prstGeom prst="rect">
             <a:avLst/>
@@ -8839,7 +8860,7 @@
         <p:spPr>
           <a:xfrm>
             <a:off x="838080" y="0"/>
-            <a:ext cx="10514160" cy="1324080"/>
+            <a:ext cx="10513800" cy="1323720"/>
           </a:xfrm>
           <a:prstGeom prst="rect">
             <a:avLst/>
@@ -8895,7 +8916,7 @@
         <p:spPr>
           <a:xfrm>
             <a:off x="892080" y="998640"/>
-            <a:ext cx="10406160" cy="3395880"/>
+            <a:ext cx="10405800" cy="3395520"/>
           </a:xfrm>
           <a:prstGeom prst="rect">
             <a:avLst/>
@@ -8913,13 +8934,13 @@
         </p:nvPicPr>
         <p:blipFill>
           <a:blip r:embed="rId2"/>
-          <a:srcRect l="-337" t="73066" r="337" b="-308"/>
+          <a:srcRect l="-337" t="73074" r="337" b="-308"/>
           <a:stretch/>
         </p:blipFill>
         <p:spPr>
           <a:xfrm>
             <a:off x="1040040" y="4638600"/>
-            <a:ext cx="10406160" cy="1510920"/>
+            <a:ext cx="10405800" cy="1510560"/>
           </a:xfrm>
           <a:prstGeom prst="rect">
             <a:avLst/>
@@ -8968,7 +8989,7 @@
         <p:spPr>
           <a:xfrm>
             <a:off x="838080" y="0"/>
-            <a:ext cx="10514160" cy="1324080"/>
+            <a:ext cx="10513800" cy="1323720"/>
           </a:xfrm>
           <a:prstGeom prst="rect">
             <a:avLst/>
@@ -9023,7 +9044,7 @@
         <p:spPr>
           <a:xfrm>
             <a:off x="434160" y="1085040"/>
-            <a:ext cx="11322360" cy="1111680"/>
+            <a:ext cx="11322000" cy="1111320"/>
           </a:xfrm>
           <a:prstGeom prst="rect">
             <a:avLst/>
@@ -9046,7 +9067,7 @@
         <p:spPr>
           <a:xfrm>
             <a:off x="1571400" y="2198160"/>
-            <a:ext cx="9041760" cy="4535280"/>
+            <a:ext cx="9041400" cy="4534920"/>
           </a:xfrm>
           <a:prstGeom prst="rect">
             <a:avLst/>
@@ -9095,7 +9116,7 @@
         <p:spPr>
           <a:xfrm>
             <a:off x="838080" y="0"/>
-            <a:ext cx="10514160" cy="1324080"/>
+            <a:ext cx="10513800" cy="1323720"/>
           </a:xfrm>
           <a:prstGeom prst="rect">
             <a:avLst/>
@@ -9150,7 +9171,7 @@
         <p:spPr>
           <a:xfrm>
             <a:off x="477720" y="1124280"/>
-            <a:ext cx="11235240" cy="1424160"/>
+            <a:ext cx="11234880" cy="1423800"/>
           </a:xfrm>
           <a:prstGeom prst="rect">
             <a:avLst/>
@@ -9174,7 +9195,7 @@
         <p:spPr>
           <a:xfrm>
             <a:off x="1231920" y="2549880"/>
-            <a:ext cx="9726480" cy="1351440"/>
+            <a:ext cx="9726120" cy="1351080"/>
           </a:xfrm>
           <a:prstGeom prst="rect">
             <a:avLst/>
@@ -9197,7 +9218,7 @@
         <p:spPr>
           <a:xfrm>
             <a:off x="477720" y="3902760"/>
-            <a:ext cx="11148480" cy="2795760"/>
+            <a:ext cx="11148120" cy="2795400"/>
           </a:xfrm>
           <a:prstGeom prst="rect">
             <a:avLst/>
@@ -9246,7 +9267,7 @@
         <p:spPr>
           <a:xfrm>
             <a:off x="838080" y="0"/>
-            <a:ext cx="10514160" cy="1324080"/>
+            <a:ext cx="10513800" cy="1323720"/>
           </a:xfrm>
           <a:prstGeom prst="rect">
             <a:avLst/>
@@ -9301,7 +9322,7 @@
         <p:spPr>
           <a:xfrm>
             <a:off x="714240" y="1325520"/>
-            <a:ext cx="10762200" cy="1725120"/>
+            <a:ext cx="10761840" cy="1724760"/>
           </a:xfrm>
           <a:prstGeom prst="rect">
             <a:avLst/>
@@ -9319,13 +9340,13 @@
         </p:nvPicPr>
         <p:blipFill>
           <a:blip r:embed="rId2"/>
-          <a:srcRect l="0" t="69584" r="0" b="0"/>
+          <a:srcRect l="0" t="69607" r="0" b="0"/>
           <a:stretch/>
         </p:blipFill>
         <p:spPr>
           <a:xfrm>
             <a:off x="623520" y="4505760"/>
-            <a:ext cx="10672200" cy="492480"/>
+            <a:ext cx="10671840" cy="492120"/>
           </a:xfrm>
           <a:prstGeom prst="rect">
             <a:avLst/>
@@ -9344,7 +9365,7 @@
         <p:spPr>
           <a:xfrm>
             <a:off x="612720" y="3240000"/>
-            <a:ext cx="10906920" cy="1223280"/>
+            <a:ext cx="10906560" cy="1222920"/>
           </a:xfrm>
           <a:prstGeom prst="rect">
             <a:avLst/>
@@ -9372,7 +9393,11 @@
             </a:pPr>
             <a:r>
               <a:rPr b="0" lang="es-MX" sz="2000" spc="-1" strike="noStrike">
+                <a:solidFill>
+                  <a:srgbClr val="000000"/>
+                </a:solidFill>
                 <a:latin typeface="Arial"/>
+                <a:ea typeface="DejaVu Sans"/>
               </a:rPr>
               <a:t>Los modificadores const y volatile pueden usarse de forma conjunta en ciertos casos, por lo cual no son excluyentes el uno del otro. Ello es posible si se declara una variable que actualizará el reloj del sistema, (proceso externo al programa), y que no queremos pueda modificarse en el interior del programa. Por ello, podremos declarar:</a:t>
             </a:r>
@@ -9421,7 +9446,7 @@
         <p:spPr>
           <a:xfrm>
             <a:off x="838080" y="365040"/>
-            <a:ext cx="10514160" cy="1324080"/>
+            <a:ext cx="10513800" cy="1323720"/>
           </a:xfrm>
           <a:prstGeom prst="rect">
             <a:avLst/>
@@ -9472,7 +9497,7 @@
         <p:spPr>
           <a:xfrm>
             <a:off x="696240" y="1374120"/>
-            <a:ext cx="11413440" cy="1003320"/>
+            <a:ext cx="11413080" cy="1003320"/>
           </a:xfrm>
           <a:prstGeom prst="rect">
             <a:avLst/>
@@ -9573,7 +9598,7 @@
         <p:spPr>
           <a:xfrm>
             <a:off x="838080" y="0"/>
-            <a:ext cx="10514160" cy="1324080"/>
+            <a:ext cx="10513800" cy="1323720"/>
           </a:xfrm>
           <a:prstGeom prst="rect">
             <a:avLst/>
@@ -9628,7 +9653,7 @@
         <p:spPr>
           <a:xfrm>
             <a:off x="2218320" y="838440"/>
-            <a:ext cx="7753680" cy="5804280"/>
+            <a:ext cx="7753320" cy="5803920"/>
           </a:xfrm>
           <a:prstGeom prst="rect">
             <a:avLst/>
@@ -9677,7 +9702,7 @@
         <p:spPr>
           <a:xfrm>
             <a:off x="180000" y="180000"/>
-            <a:ext cx="10514520" cy="729720"/>
+            <a:ext cx="10514160" cy="729360"/>
           </a:xfrm>
           <a:prstGeom prst="rect">
             <a:avLst/>
@@ -9980,7 +10005,7 @@
         <p:spPr>
           <a:xfrm>
             <a:off x="838080" y="365040"/>
-            <a:ext cx="10514160" cy="1324080"/>
+            <a:ext cx="10513800" cy="1323720"/>
           </a:xfrm>
           <a:prstGeom prst="rect">
             <a:avLst/>
@@ -10035,7 +10060,7 @@
         <p:spPr>
           <a:xfrm>
             <a:off x="3458880" y="224280"/>
-            <a:ext cx="8449200" cy="6297840"/>
+            <a:ext cx="8448840" cy="6297480"/>
           </a:xfrm>
           <a:prstGeom prst="rect">
             <a:avLst/>
@@ -10084,7 +10109,7 @@
         <p:spPr>
           <a:xfrm>
             <a:off x="438120" y="365040"/>
-            <a:ext cx="10632240" cy="1324080"/>
+            <a:ext cx="10631880" cy="1323720"/>
           </a:xfrm>
           <a:prstGeom prst="rect">
             <a:avLst/>
@@ -10139,7 +10164,7 @@
         <p:spPr>
           <a:xfrm>
             <a:off x="3238560" y="140760"/>
-            <a:ext cx="8692200" cy="6487200"/>
+            <a:ext cx="8691840" cy="6486840"/>
           </a:xfrm>
           <a:prstGeom prst="rect">
             <a:avLst/>
@@ -10188,7 +10213,7 @@
         <p:spPr>
           <a:xfrm>
             <a:off x="578880" y="267480"/>
-            <a:ext cx="10514160" cy="1324080"/>
+            <a:ext cx="10513800" cy="1323720"/>
           </a:xfrm>
           <a:prstGeom prst="rect">
             <a:avLst/>
@@ -10243,7 +10268,7 @@
         <p:spPr>
           <a:xfrm>
             <a:off x="3318480" y="315720"/>
-            <a:ext cx="8444520" cy="6294600"/>
+            <a:ext cx="8444160" cy="6294240"/>
           </a:xfrm>
           <a:prstGeom prst="rect">
             <a:avLst/>
@@ -10292,7 +10317,7 @@
         <p:spPr>
           <a:xfrm>
             <a:off x="820440" y="0"/>
-            <a:ext cx="10514160" cy="1324080"/>
+            <a:ext cx="10513800" cy="1323720"/>
           </a:xfrm>
           <a:prstGeom prst="rect">
             <a:avLst/>
@@ -10347,7 +10372,7 @@
         <p:spPr>
           <a:xfrm>
             <a:off x="2637720" y="819720"/>
-            <a:ext cx="8001360" cy="6036840"/>
+            <a:ext cx="8001000" cy="6036480"/>
           </a:xfrm>
           <a:prstGeom prst="rect">
             <a:avLst/>
@@ -10396,7 +10421,7 @@
         <p:spPr>
           <a:xfrm>
             <a:off x="540000" y="360000"/>
-            <a:ext cx="10514160" cy="1324080"/>
+            <a:ext cx="10513800" cy="1323720"/>
           </a:xfrm>
           <a:prstGeom prst="rect">
             <a:avLst/>
@@ -10451,7 +10476,7 @@
         <p:spPr>
           <a:xfrm>
             <a:off x="3345480" y="228600"/>
-            <a:ext cx="8522640" cy="6399360"/>
+            <a:ext cx="8522280" cy="6399000"/>
           </a:xfrm>
           <a:prstGeom prst="rect">
             <a:avLst/>
@@ -10500,7 +10525,7 @@
         <p:spPr>
           <a:xfrm>
             <a:off x="838080" y="0"/>
-            <a:ext cx="10514160" cy="1324080"/>
+            <a:ext cx="10513800" cy="1323720"/>
           </a:xfrm>
           <a:prstGeom prst="rect">
             <a:avLst/>
@@ -10566,7 +10591,7 @@
         <p:spPr>
           <a:xfrm>
             <a:off x="1125360" y="1325520"/>
-            <a:ext cx="9646560" cy="5521320"/>
+            <a:ext cx="9646200" cy="5520960"/>
           </a:xfrm>
           <a:prstGeom prst="rect">
             <a:avLst/>
@@ -10615,7 +10640,7 @@
         <p:spPr>
           <a:xfrm>
             <a:off x="838080" y="13320"/>
-            <a:ext cx="10514160" cy="1324080"/>
+            <a:ext cx="10513800" cy="1323720"/>
           </a:xfrm>
           <a:prstGeom prst="rect">
             <a:avLst/>
@@ -10649,7 +10674,7 @@
                 <a:latin typeface="Calibri Light"/>
                 <a:ea typeface="DejaVu Sans"/>
               </a:rPr>
-              <a:t>Programa de ejemplo que muestra declaraciones de variables:</a:t>
+              <a:t>Programa de ejemplo que muestra declaraciones de variables (Ejemplo 6a)</a:t>
             </a:r>
             <a:endParaRPr b="0" lang="es-MX" sz="4000" spc="-1" strike="noStrike">
               <a:latin typeface="Arial"/>
@@ -10666,7 +10691,7 @@
         <p:spPr>
           <a:xfrm>
             <a:off x="900000" y="1338480"/>
-            <a:ext cx="5619240" cy="5204520"/>
+            <a:ext cx="5618880" cy="5204520"/>
           </a:xfrm>
           <a:prstGeom prst="rect">
             <a:avLst/>
@@ -11287,7 +11312,7 @@
         <p:spPr>
           <a:xfrm>
             <a:off x="753840" y="696600"/>
-            <a:ext cx="10477800" cy="2433960"/>
+            <a:ext cx="10477440" cy="2433960"/>
           </a:xfrm>
           <a:prstGeom prst="rect">
             <a:avLst/>
@@ -11628,7 +11653,7 @@
         <p:spPr>
           <a:xfrm>
             <a:off x="838080" y="207000"/>
-            <a:ext cx="10514160" cy="1324080"/>
+            <a:ext cx="10513800" cy="1323720"/>
           </a:xfrm>
           <a:prstGeom prst="rect">
             <a:avLst/>
@@ -11705,7 +11730,7 @@
         <p:spPr>
           <a:xfrm>
             <a:off x="344520" y="1655640"/>
-            <a:ext cx="11501280" cy="2249280"/>
+            <a:ext cx="11500920" cy="2248920"/>
           </a:xfrm>
           <a:prstGeom prst="rect">
             <a:avLst/>
@@ -11728,7 +11753,7 @@
         <p:spPr>
           <a:xfrm>
             <a:off x="1008360" y="3906360"/>
-            <a:ext cx="10173600" cy="2475360"/>
+            <a:ext cx="10173240" cy="2475000"/>
           </a:xfrm>
           <a:prstGeom prst="rect">
             <a:avLst/>
@@ -11777,7 +11802,7 @@
         <p:spPr>
           <a:xfrm>
             <a:off x="838080" y="365040"/>
-            <a:ext cx="10514160" cy="1324080"/>
+            <a:ext cx="10513800" cy="1323720"/>
           </a:xfrm>
           <a:prstGeom prst="rect">
             <a:avLst/>
@@ -11832,7 +11857,7 @@
         <p:spPr>
           <a:xfrm>
             <a:off x="544680" y="1690560"/>
-            <a:ext cx="11334240" cy="3548160"/>
+            <a:ext cx="11333880" cy="3547800"/>
           </a:xfrm>
           <a:prstGeom prst="rect">
             <a:avLst/>
@@ -11881,7 +11906,7 @@
         <p:spPr>
           <a:xfrm>
             <a:off x="832320" y="0"/>
-            <a:ext cx="10514520" cy="1126800"/>
+            <a:ext cx="10514160" cy="1126440"/>
           </a:xfrm>
           <a:prstGeom prst="rect">
             <a:avLst/>
@@ -11931,13 +11956,13 @@
         </p:nvPicPr>
         <p:blipFill>
           <a:blip r:embed="rId1"/>
-          <a:srcRect l="0" t="0" r="0" b="55390"/>
+          <a:srcRect l="0" t="0" r="0" b="55402"/>
           <a:stretch/>
         </p:blipFill>
         <p:spPr>
           <a:xfrm>
             <a:off x="832320" y="1043640"/>
-            <a:ext cx="10274040" cy="1983240"/>
+            <a:ext cx="10273680" cy="1982880"/>
           </a:xfrm>
           <a:prstGeom prst="rect">
             <a:avLst/>
@@ -11956,7 +11981,7 @@
         <p:spPr>
           <a:xfrm>
             <a:off x="805320" y="3982320"/>
-            <a:ext cx="1829160" cy="1004400"/>
+            <a:ext cx="1828800" cy="1004400"/>
           </a:xfrm>
           <a:prstGeom prst="rect">
             <a:avLst/>
@@ -12057,7 +12082,7 @@
         <p:spPr>
           <a:xfrm>
             <a:off x="708480" y="3223080"/>
-            <a:ext cx="10537560" cy="699480"/>
+            <a:ext cx="10537200" cy="699480"/>
           </a:xfrm>
           <a:prstGeom prst="rect">
             <a:avLst/>
@@ -12128,7 +12153,7 @@
         <p:spPr>
           <a:xfrm>
             <a:off x="720000" y="4880520"/>
-            <a:ext cx="10439280" cy="699480"/>
+            <a:ext cx="10438920" cy="699480"/>
           </a:xfrm>
           <a:prstGeom prst="rect">
             <a:avLst/>
@@ -12179,7 +12204,7 @@
         <p:spPr>
           <a:xfrm>
             <a:off x="875160" y="5603040"/>
-            <a:ext cx="4417200" cy="1004400"/>
+            <a:ext cx="4416840" cy="1004400"/>
           </a:xfrm>
           <a:prstGeom prst="rect">
             <a:avLst/>
@@ -12301,6 +12326,80 @@
           <a:chExt cx="0" cy="0"/>
         </a:xfrm>
       </p:grpSpPr>
+      <p:sp>
+        <p:nvSpPr>
+          <p:cNvPr id="275" name="CustomShape 1"/>
+          <p:cNvSpPr/>
+          <p:nvPr/>
+        </p:nvSpPr>
+        <p:spPr>
+          <a:xfrm>
+            <a:off x="838080" y="365040"/>
+            <a:ext cx="10513800" cy="1323720"/>
+          </a:xfrm>
+          <a:prstGeom prst="rect">
+            <a:avLst/>
+          </a:prstGeom>
+          <a:noFill/>
+          <a:ln w="0">
+            <a:noFill/>
+          </a:ln>
+        </p:spPr>
+        <p:style>
+          <a:lnRef idx="0"/>
+          <a:fillRef idx="0"/>
+          <a:effectRef idx="0"/>
+          <a:fontRef idx="minor"/>
+        </p:style>
+        <p:txBody>
+          <a:bodyPr lIns="90000" rIns="90000" tIns="45000" bIns="45000" anchor="ctr">
+            <a:noAutofit/>
+          </a:bodyPr>
+          <a:p>
+            <a:pPr>
+              <a:lnSpc>
+                <a:spcPct val="90000"/>
+              </a:lnSpc>
+            </a:pPr>
+            <a:r>
+              <a:rPr b="0" lang="es-MX" sz="4400" spc="-1" strike="noStrike">
+                <a:solidFill>
+                  <a:srgbClr val="000000"/>
+                </a:solidFill>
+                <a:latin typeface="Calibri Light"/>
+                <a:ea typeface="DejaVu Sans"/>
+              </a:rPr>
+              <a:t>Especificadores de almacenamiento</a:t>
+            </a:r>
+            <a:endParaRPr b="0" lang="es-MX" sz="4400" spc="-1" strike="noStrike">
+              <a:latin typeface="Arial"/>
+            </a:endParaRPr>
+          </a:p>
+        </p:txBody>
+      </p:sp>
+      <p:pic>
+        <p:nvPicPr>
+          <p:cNvPr id="276" name="Imagen 3" descr=""/>
+          <p:cNvPicPr/>
+          <p:nvPr/>
+        </p:nvPicPr>
+        <p:blipFill>
+          <a:blip r:embed="rId1"/>
+          <a:stretch/>
+        </p:blipFill>
+        <p:spPr>
+          <a:xfrm>
+            <a:off x="0" y="1494720"/>
+            <a:ext cx="11864880" cy="4605480"/>
+          </a:xfrm>
+          <a:prstGeom prst="rect">
+            <a:avLst/>
+          </a:prstGeom>
+          <a:ln w="0">
+            <a:noFill/>
+          </a:ln>
+        </p:spPr>
+      </p:pic>
     </p:spTree>
   </p:cSld>
   <mc:AlternateContent>
@@ -12333,14 +12432,14 @@
       </p:grpSpPr>
       <p:sp>
         <p:nvSpPr>
-          <p:cNvPr id="275" name="CustomShape 1"/>
+          <p:cNvPr id="277" name="CustomShape 1"/>
           <p:cNvSpPr/>
           <p:nvPr/>
         </p:nvSpPr>
         <p:spPr>
           <a:xfrm>
-            <a:off x="838080" y="365040"/>
-            <a:ext cx="10514160" cy="1324080"/>
+            <a:off x="838080" y="-175680"/>
+            <a:ext cx="10513800" cy="1323720"/>
           </a:xfrm>
           <a:prstGeom prst="rect">
             <a:avLst/>
@@ -12384,7 +12483,7 @@
       </p:sp>
       <p:pic>
         <p:nvPicPr>
-          <p:cNvPr id="276" name="Imagen 3" descr=""/>
+          <p:cNvPr id="278" name="Imagen 3" descr=""/>
           <p:cNvPicPr/>
           <p:nvPr/>
         </p:nvPicPr>
@@ -12394,8 +12493,8 @@
         </p:blipFill>
         <p:spPr>
           <a:xfrm>
-            <a:off x="0" y="1494720"/>
-            <a:ext cx="11865240" cy="4605840"/>
+            <a:off x="446040" y="984600"/>
+            <a:ext cx="11298240" cy="4798800"/>
           </a:xfrm>
           <a:prstGeom prst="rect">
             <a:avLst/>
@@ -12437,14 +12536,14 @@
       </p:grpSpPr>
       <p:sp>
         <p:nvSpPr>
-          <p:cNvPr id="277" name="CustomShape 1"/>
+          <p:cNvPr id="279" name="CustomShape 1"/>
           <p:cNvSpPr/>
           <p:nvPr/>
         </p:nvSpPr>
         <p:spPr>
           <a:xfrm>
-            <a:off x="838080" y="-175680"/>
-            <a:ext cx="10514160" cy="1324080"/>
+            <a:off x="820440" y="0"/>
+            <a:ext cx="10513800" cy="1323720"/>
           </a:xfrm>
           <a:prstGeom prst="rect">
             <a:avLst/>
@@ -12478,7 +12577,7 @@
                 <a:latin typeface="Calibri Light"/>
                 <a:ea typeface="DejaVu Sans"/>
               </a:rPr>
-              <a:t>Especificadores de almacenamiento</a:t>
+              <a:t>1.2.5 Definición de constantes</a:t>
             </a:r>
             <a:endParaRPr b="0" lang="es-MX" sz="4400" spc="-1" strike="noStrike">
               <a:latin typeface="Arial"/>
@@ -12488,7 +12587,7 @@
       </p:sp>
       <p:pic>
         <p:nvPicPr>
-          <p:cNvPr id="278" name="Imagen 3" descr=""/>
+          <p:cNvPr id="280" name="Imagen 3" descr=""/>
           <p:cNvPicPr/>
           <p:nvPr/>
         </p:nvPicPr>
@@ -12498,8 +12597,32 @@
         </p:blipFill>
         <p:spPr>
           <a:xfrm>
-            <a:off x="446040" y="984600"/>
-            <a:ext cx="11298600" cy="4799160"/>
+            <a:off x="486360" y="1022400"/>
+            <a:ext cx="11182680" cy="2967120"/>
+          </a:xfrm>
+          <a:prstGeom prst="rect">
+            <a:avLst/>
+          </a:prstGeom>
+          <a:ln w="0">
+            <a:noFill/>
+          </a:ln>
+        </p:spPr>
+      </p:pic>
+      <p:pic>
+        <p:nvPicPr>
+          <p:cNvPr id="281" name="Imagen 4" descr=""/>
+          <p:cNvPicPr/>
+          <p:nvPr/>
+        </p:nvPicPr>
+        <p:blipFill>
+          <a:blip r:embed="rId2"/>
+          <a:srcRect l="0" t="0" r="0" b="5967"/>
+          <a:stretch/>
+        </p:blipFill>
+        <p:spPr>
+          <a:xfrm>
+            <a:off x="486360" y="3787920"/>
+            <a:ext cx="11012760" cy="1151640"/>
           </a:xfrm>
           <a:prstGeom prst="rect">
             <a:avLst/>
@@ -12541,14 +12664,14 @@
       </p:grpSpPr>
       <p:sp>
         <p:nvSpPr>
-          <p:cNvPr id="279" name="CustomShape 1"/>
+          <p:cNvPr id="282" name="CustomShape 1"/>
           <p:cNvSpPr/>
           <p:nvPr/>
         </p:nvSpPr>
         <p:spPr>
           <a:xfrm>
-            <a:off x="820440" y="0"/>
-            <a:ext cx="10514160" cy="1324080"/>
+            <a:off x="838080" y="0"/>
+            <a:ext cx="10513800" cy="1323720"/>
           </a:xfrm>
           <a:prstGeom prst="rect">
             <a:avLst/>
@@ -12582,7 +12705,7 @@
                 <a:latin typeface="Calibri Light"/>
                 <a:ea typeface="DejaVu Sans"/>
               </a:rPr>
-              <a:t>1.2.5 Definición de constantes</a:t>
+              <a:t>Constantes</a:t>
             </a:r>
             <a:endParaRPr b="0" lang="es-MX" sz="4400" spc="-1" strike="noStrike">
               <a:latin typeface="Arial"/>
@@ -12592,7 +12715,7 @@
       </p:sp>
       <p:pic>
         <p:nvPicPr>
-          <p:cNvPr id="280" name="Imagen 3" descr=""/>
+          <p:cNvPr id="283" name="Imagen 3" descr=""/>
           <p:cNvPicPr/>
           <p:nvPr/>
         </p:nvPicPr>
@@ -12602,32 +12725,8 @@
         </p:blipFill>
         <p:spPr>
           <a:xfrm>
-            <a:off x="486360" y="1022400"/>
-            <a:ext cx="11183040" cy="2967480"/>
-          </a:xfrm>
-          <a:prstGeom prst="rect">
-            <a:avLst/>
-          </a:prstGeom>
-          <a:ln w="0">
-            <a:noFill/>
-          </a:ln>
-        </p:spPr>
-      </p:pic>
-      <p:pic>
-        <p:nvPicPr>
-          <p:cNvPr id="281" name="Imagen 4" descr=""/>
-          <p:cNvPicPr/>
-          <p:nvPr/>
-        </p:nvPicPr>
-        <p:blipFill>
-          <a:blip r:embed="rId2"/>
-          <a:srcRect l="0" t="0" r="0" b="5967"/>
-          <a:stretch/>
-        </p:blipFill>
-        <p:spPr>
-          <a:xfrm>
-            <a:off x="486360" y="3787920"/>
-            <a:ext cx="11013120" cy="1152000"/>
+            <a:off x="2751480" y="914400"/>
+            <a:ext cx="7779960" cy="5848920"/>
           </a:xfrm>
           <a:prstGeom prst="rect">
             <a:avLst/>
@@ -12669,14 +12768,14 @@
       </p:grpSpPr>
       <p:sp>
         <p:nvSpPr>
-          <p:cNvPr id="282" name="CustomShape 1"/>
+          <p:cNvPr id="284" name="CustomShape 1"/>
           <p:cNvSpPr/>
           <p:nvPr/>
         </p:nvSpPr>
         <p:spPr>
           <a:xfrm>
-            <a:off x="838080" y="0"/>
-            <a:ext cx="10514160" cy="1324080"/>
+            <a:off x="878040" y="0"/>
+            <a:ext cx="10513800" cy="1323720"/>
           </a:xfrm>
           <a:prstGeom prst="rect">
             <a:avLst/>
@@ -12720,7 +12819,7 @@
       </p:sp>
       <p:pic>
         <p:nvPicPr>
-          <p:cNvPr id="283" name="Imagen 3" descr=""/>
+          <p:cNvPr id="285" name="Imagen 3" descr=""/>
           <p:cNvPicPr/>
           <p:nvPr/>
         </p:nvPicPr>
@@ -12730,8 +12829,8 @@
         </p:blipFill>
         <p:spPr>
           <a:xfrm>
-            <a:off x="2751480" y="914400"/>
-            <a:ext cx="7780320" cy="5849280"/>
+            <a:off x="986760" y="1178280"/>
+            <a:ext cx="10296360" cy="4534920"/>
           </a:xfrm>
           <a:prstGeom prst="rect">
             <a:avLst/>
@@ -12773,14 +12872,14 @@
       </p:grpSpPr>
       <p:sp>
         <p:nvSpPr>
-          <p:cNvPr id="284" name="CustomShape 1"/>
+          <p:cNvPr id="286" name="CustomShape 1"/>
           <p:cNvSpPr/>
           <p:nvPr/>
         </p:nvSpPr>
         <p:spPr>
           <a:xfrm>
-            <a:off x="878040" y="0"/>
-            <a:ext cx="10514160" cy="1324080"/>
+            <a:off x="820440" y="-355680"/>
+            <a:ext cx="10513800" cy="1323720"/>
           </a:xfrm>
           <a:prstGeom prst="rect">
             <a:avLst/>
@@ -12824,7 +12923,7 @@
       </p:sp>
       <p:pic>
         <p:nvPicPr>
-          <p:cNvPr id="285" name="Imagen 3" descr=""/>
+          <p:cNvPr id="287" name="Imagen 3" descr=""/>
           <p:cNvPicPr/>
           <p:nvPr/>
         </p:nvPicPr>
@@ -12834,8 +12933,31 @@
         </p:blipFill>
         <p:spPr>
           <a:xfrm>
-            <a:off x="986760" y="1178280"/>
-            <a:ext cx="10296720" cy="4535280"/>
+            <a:off x="518760" y="492480"/>
+            <a:ext cx="11117880" cy="1849320"/>
+          </a:xfrm>
+          <a:prstGeom prst="rect">
+            <a:avLst/>
+          </a:prstGeom>
+          <a:ln w="0">
+            <a:noFill/>
+          </a:ln>
+        </p:spPr>
+      </p:pic>
+      <p:pic>
+        <p:nvPicPr>
+          <p:cNvPr id="288" name="Imagen 4" descr=""/>
+          <p:cNvPicPr/>
+          <p:nvPr/>
+        </p:nvPicPr>
+        <p:blipFill>
+          <a:blip r:embed="rId2"/>
+          <a:stretch/>
+        </p:blipFill>
+        <p:spPr>
+          <a:xfrm>
+            <a:off x="4402080" y="2343600"/>
+            <a:ext cx="3350880" cy="4132080"/>
           </a:xfrm>
           <a:prstGeom prst="rect">
             <a:avLst/>
@@ -12877,14 +12999,14 @@
       </p:grpSpPr>
       <p:sp>
         <p:nvSpPr>
-          <p:cNvPr id="286" name="CustomShape 1"/>
+          <p:cNvPr id="289" name="CustomShape 1"/>
           <p:cNvSpPr/>
           <p:nvPr/>
         </p:nvSpPr>
         <p:spPr>
           <a:xfrm>
-            <a:off x="820440" y="-355680"/>
-            <a:ext cx="10514160" cy="1324080"/>
+            <a:off x="838080" y="-285480"/>
+            <a:ext cx="10513800" cy="1323720"/>
           </a:xfrm>
           <a:prstGeom prst="rect">
             <a:avLst/>
@@ -12928,7 +13050,7 @@
       </p:sp>
       <p:pic>
         <p:nvPicPr>
-          <p:cNvPr id="287" name="Imagen 3" descr=""/>
+          <p:cNvPr id="290" name="Imagen 3" descr=""/>
           <p:cNvPicPr/>
           <p:nvPr/>
         </p:nvPicPr>
@@ -12938,8 +13060,8 @@
         </p:blipFill>
         <p:spPr>
           <a:xfrm>
-            <a:off x="518760" y="492480"/>
-            <a:ext cx="11118240" cy="1849680"/>
+            <a:off x="594360" y="615600"/>
+            <a:ext cx="11001240" cy="2161080"/>
           </a:xfrm>
           <a:prstGeom prst="rect">
             <a:avLst/>
@@ -12949,29 +13071,157 @@
           </a:ln>
         </p:spPr>
       </p:pic>
-      <p:pic>
-        <p:nvPicPr>
-          <p:cNvPr id="288" name="Imagen 4" descr=""/>
-          <p:cNvPicPr/>
+      <p:sp>
+        <p:nvSpPr>
+          <p:cNvPr id="291" name="CustomShape 2"/>
+          <p:cNvSpPr/>
           <p:nvPr/>
-        </p:nvPicPr>
-        <p:blipFill>
-          <a:blip r:embed="rId2"/>
-          <a:stretch/>
-        </p:blipFill>
-        <p:spPr>
-          <a:xfrm>
-            <a:off x="4402080" y="2343600"/>
-            <a:ext cx="3351240" cy="4132440"/>
-          </a:xfrm>
-          <a:prstGeom prst="rect">
-            <a:avLst/>
-          </a:prstGeom>
+        </p:nvSpPr>
+        <p:spPr>
+          <a:xfrm>
+            <a:off x="331200" y="3059640"/>
+            <a:ext cx="11595600" cy="1614240"/>
+          </a:xfrm>
+          <a:prstGeom prst="rect">
+            <a:avLst/>
+          </a:prstGeom>
+          <a:noFill/>
           <a:ln w="0">
             <a:noFill/>
           </a:ln>
         </p:spPr>
-      </p:pic>
+        <p:style>
+          <a:lnRef idx="0"/>
+          <a:fillRef idx="0"/>
+          <a:effectRef idx="0"/>
+          <a:fontRef idx="minor"/>
+        </p:style>
+        <p:txBody>
+          <a:bodyPr wrap="none" lIns="90000" rIns="90000" tIns="45000" bIns="45000">
+            <a:spAutoFit/>
+          </a:bodyPr>
+          <a:p>
+            <a:pPr>
+              <a:lnSpc>
+                <a:spcPct val="100000"/>
+              </a:lnSpc>
+            </a:pPr>
+            <a:r>
+              <a:rPr b="0" lang="es-MX" sz="2000" spc="-1" strike="noStrike">
+                <a:solidFill>
+                  <a:srgbClr val="000000"/>
+                </a:solidFill>
+                <a:latin typeface="Calibri"/>
+                <a:ea typeface="DejaVu Sans"/>
+              </a:rPr>
+              <a:t>Para cada tipo de dato T también podemos usar un tipo T const (o, equivalentemente, </a:t>
+            </a:r>
+            <a:endParaRPr b="0" lang="es-MX" sz="2000" spc="-1" strike="noStrike">
+              <a:latin typeface="Arial"/>
+            </a:endParaRPr>
+          </a:p>
+          <a:p>
+            <a:pPr>
+              <a:lnSpc>
+                <a:spcPct val="100000"/>
+              </a:lnSpc>
+            </a:pPr>
+            <a:r>
+              <a:rPr b="0" lang="es-MX" sz="2000" spc="-1" strike="noStrike">
+                <a:solidFill>
+                  <a:srgbClr val="000000"/>
+                </a:solidFill>
+                <a:latin typeface="Calibri"/>
+                <a:ea typeface="DejaVu Sans"/>
+              </a:rPr>
+              <a:t>const T). Tales variables no pueden ser cambiadas directamente (son </a:t>
+            </a:r>
+            <a:r>
+              <a:rPr b="1" lang="es-MX" sz="2000" spc="-1" strike="noStrike">
+                <a:solidFill>
+                  <a:srgbClr val="000000"/>
+                </a:solidFill>
+                <a:latin typeface="Calibri"/>
+                <a:ea typeface="DejaVu Sans"/>
+              </a:rPr>
+              <a:t>inmutables</a:t>
+            </a:r>
+            <a:r>
+              <a:rPr b="0" lang="es-MX" sz="2000" spc="-1" strike="noStrike">
+                <a:solidFill>
+                  <a:srgbClr val="000000"/>
+                </a:solidFill>
+                <a:latin typeface="Calibri"/>
+                <a:ea typeface="DejaVu Sans"/>
+              </a:rPr>
+              <a:t>). Esto </a:t>
+            </a:r>
+            <a:endParaRPr b="0" lang="es-MX" sz="2000" spc="-1" strike="noStrike">
+              <a:latin typeface="Arial"/>
+            </a:endParaRPr>
+          </a:p>
+          <a:p>
+            <a:pPr>
+              <a:lnSpc>
+                <a:spcPct val="100000"/>
+              </a:lnSpc>
+            </a:pPr>
+            <a:r>
+              <a:rPr b="0" lang="es-MX" sz="2000" spc="-1" strike="noStrike">
+                <a:solidFill>
+                  <a:srgbClr val="000000"/>
+                </a:solidFill>
+                <a:latin typeface="Calibri"/>
+                <a:ea typeface="DejaVu Sans"/>
+              </a:rPr>
+              <a:t>significa que tales datos deben ser inicializados simultáneamente con una declaración. </a:t>
+            </a:r>
+            <a:endParaRPr b="0" lang="es-MX" sz="2000" spc="-1" strike="noStrike">
+              <a:latin typeface="Arial"/>
+            </a:endParaRPr>
+          </a:p>
+          <a:p>
+            <a:pPr>
+              <a:lnSpc>
+                <a:spcPct val="100000"/>
+              </a:lnSpc>
+            </a:pPr>
+            <a:r>
+              <a:rPr b="0" lang="es-MX" sz="2000" spc="-1" strike="noStrike">
+                <a:solidFill>
+                  <a:srgbClr val="000000"/>
+                </a:solidFill>
+                <a:latin typeface="Calibri"/>
+                <a:ea typeface="DejaVu Sans"/>
+              </a:rPr>
+              <a:t>En la siguiente diapositiva se muestran algunas sentencias que incluyen el uso de la </a:t>
+            </a:r>
+            <a:endParaRPr b="0" lang="es-MX" sz="2000" spc="-1" strike="noStrike">
+              <a:latin typeface="Arial"/>
+            </a:endParaRPr>
+          </a:p>
+          <a:p>
+            <a:pPr>
+              <a:lnSpc>
+                <a:spcPct val="100000"/>
+              </a:lnSpc>
+            </a:pPr>
+            <a:r>
+              <a:rPr b="0" lang="es-MX" sz="2000" spc="-1" strike="noStrike">
+                <a:solidFill>
+                  <a:srgbClr val="000000"/>
+                </a:solidFill>
+                <a:latin typeface="Calibri"/>
+                <a:ea typeface="DejaVu Sans"/>
+              </a:rPr>
+              <a:t>palabra reservada const, algunas correctas y algunas incorrectas.</a:t>
+            </a:r>
+            <a:endParaRPr b="0" lang="es-MX" sz="2000" spc="-1" strike="noStrike">
+              <a:latin typeface="Arial"/>
+            </a:endParaRPr>
+          </a:p>
+        </p:txBody>
+      </p:sp>
     </p:spTree>
   </p:cSld>
   <mc:AlternateContent>
@@ -13004,14 +13254,14 @@
       </p:grpSpPr>
       <p:sp>
         <p:nvSpPr>
-          <p:cNvPr id="289" name="CustomShape 1"/>
+          <p:cNvPr id="292" name="CustomShape 1"/>
           <p:cNvSpPr/>
           <p:nvPr/>
         </p:nvSpPr>
         <p:spPr>
           <a:xfrm>
-            <a:off x="838080" y="-285480"/>
-            <a:ext cx="10514160" cy="1324080"/>
+            <a:off x="838080" y="-250200"/>
+            <a:ext cx="10513800" cy="1323720"/>
           </a:xfrm>
           <a:prstGeom prst="rect">
             <a:avLst/>
@@ -13055,7 +13305,7 @@
       </p:sp>
       <p:pic>
         <p:nvPicPr>
-          <p:cNvPr id="290" name="Imagen 3" descr=""/>
+          <p:cNvPr id="293" name="Imagen 3" descr=""/>
           <p:cNvPicPr/>
           <p:nvPr/>
         </p:nvPicPr>
@@ -13065,8 +13315,8 @@
         </p:blipFill>
         <p:spPr>
           <a:xfrm>
-            <a:off x="594360" y="615600"/>
-            <a:ext cx="11001600" cy="2161440"/>
+            <a:off x="1137600" y="756000"/>
+            <a:ext cx="8672400" cy="4359240"/>
           </a:xfrm>
           <a:prstGeom prst="rect">
             <a:avLst/>
@@ -13076,157 +13326,6 @@
           </a:ln>
         </p:spPr>
       </p:pic>
-      <p:sp>
-        <p:nvSpPr>
-          <p:cNvPr id="291" name="CustomShape 2"/>
-          <p:cNvSpPr/>
-          <p:nvPr/>
-        </p:nvSpPr>
-        <p:spPr>
-          <a:xfrm>
-            <a:off x="331200" y="3059640"/>
-            <a:ext cx="11595960" cy="1614240"/>
-          </a:xfrm>
-          <a:prstGeom prst="rect">
-            <a:avLst/>
-          </a:prstGeom>
-          <a:noFill/>
-          <a:ln w="0">
-            <a:noFill/>
-          </a:ln>
-        </p:spPr>
-        <p:style>
-          <a:lnRef idx="0"/>
-          <a:fillRef idx="0"/>
-          <a:effectRef idx="0"/>
-          <a:fontRef idx="minor"/>
-        </p:style>
-        <p:txBody>
-          <a:bodyPr wrap="none" lIns="90000" rIns="90000" tIns="45000" bIns="45000">
-            <a:spAutoFit/>
-          </a:bodyPr>
-          <a:p>
-            <a:pPr>
-              <a:lnSpc>
-                <a:spcPct val="100000"/>
-              </a:lnSpc>
-            </a:pPr>
-            <a:r>
-              <a:rPr b="0" lang="es-MX" sz="2000" spc="-1" strike="noStrike">
-                <a:solidFill>
-                  <a:srgbClr val="000000"/>
-                </a:solidFill>
-                <a:latin typeface="Calibri"/>
-                <a:ea typeface="DejaVu Sans"/>
-              </a:rPr>
-              <a:t>Para cada tipo de dato T también podemos usar un tipo T const (o, equivalentemente, </a:t>
-            </a:r>
-            <a:endParaRPr b="0" lang="es-MX" sz="2000" spc="-1" strike="noStrike">
-              <a:latin typeface="Arial"/>
-            </a:endParaRPr>
-          </a:p>
-          <a:p>
-            <a:pPr>
-              <a:lnSpc>
-                <a:spcPct val="100000"/>
-              </a:lnSpc>
-            </a:pPr>
-            <a:r>
-              <a:rPr b="0" lang="es-MX" sz="2000" spc="-1" strike="noStrike">
-                <a:solidFill>
-                  <a:srgbClr val="000000"/>
-                </a:solidFill>
-                <a:latin typeface="Calibri"/>
-                <a:ea typeface="DejaVu Sans"/>
-              </a:rPr>
-              <a:t>const T). Tales variables no pueden ser cambiadas directamente (son </a:t>
-            </a:r>
-            <a:r>
-              <a:rPr b="1" lang="es-MX" sz="2000" spc="-1" strike="noStrike">
-                <a:solidFill>
-                  <a:srgbClr val="000000"/>
-                </a:solidFill>
-                <a:latin typeface="Calibri"/>
-                <a:ea typeface="DejaVu Sans"/>
-              </a:rPr>
-              <a:t>inmutables</a:t>
-            </a:r>
-            <a:r>
-              <a:rPr b="0" lang="es-MX" sz="2000" spc="-1" strike="noStrike">
-                <a:solidFill>
-                  <a:srgbClr val="000000"/>
-                </a:solidFill>
-                <a:latin typeface="Calibri"/>
-                <a:ea typeface="DejaVu Sans"/>
-              </a:rPr>
-              <a:t>). Esto </a:t>
-            </a:r>
-            <a:endParaRPr b="0" lang="es-MX" sz="2000" spc="-1" strike="noStrike">
-              <a:latin typeface="Arial"/>
-            </a:endParaRPr>
-          </a:p>
-          <a:p>
-            <a:pPr>
-              <a:lnSpc>
-                <a:spcPct val="100000"/>
-              </a:lnSpc>
-            </a:pPr>
-            <a:r>
-              <a:rPr b="0" lang="es-MX" sz="2000" spc="-1" strike="noStrike">
-                <a:solidFill>
-                  <a:srgbClr val="000000"/>
-                </a:solidFill>
-                <a:latin typeface="Calibri"/>
-                <a:ea typeface="DejaVu Sans"/>
-              </a:rPr>
-              <a:t>significa que tales datos deben ser inicializados simultáneamente con una declaración. </a:t>
-            </a:r>
-            <a:endParaRPr b="0" lang="es-MX" sz="2000" spc="-1" strike="noStrike">
-              <a:latin typeface="Arial"/>
-            </a:endParaRPr>
-          </a:p>
-          <a:p>
-            <a:pPr>
-              <a:lnSpc>
-                <a:spcPct val="100000"/>
-              </a:lnSpc>
-            </a:pPr>
-            <a:r>
-              <a:rPr b="0" lang="es-MX" sz="2000" spc="-1" strike="noStrike">
-                <a:solidFill>
-                  <a:srgbClr val="000000"/>
-                </a:solidFill>
-                <a:latin typeface="Calibri"/>
-                <a:ea typeface="DejaVu Sans"/>
-              </a:rPr>
-              <a:t>En la siguiente diapositiva se muestran algunas sentencias que incluyen el uso de la </a:t>
-            </a:r>
-            <a:endParaRPr b="0" lang="es-MX" sz="2000" spc="-1" strike="noStrike">
-              <a:latin typeface="Arial"/>
-            </a:endParaRPr>
-          </a:p>
-          <a:p>
-            <a:pPr>
-              <a:lnSpc>
-                <a:spcPct val="100000"/>
-              </a:lnSpc>
-            </a:pPr>
-            <a:r>
-              <a:rPr b="0" lang="es-MX" sz="2000" spc="-1" strike="noStrike">
-                <a:solidFill>
-                  <a:srgbClr val="000000"/>
-                </a:solidFill>
-                <a:latin typeface="Calibri"/>
-                <a:ea typeface="DejaVu Sans"/>
-              </a:rPr>
-              <a:t>palabra reservada const, algunas correctas y algunas incorrectas.</a:t>
-            </a:r>
-            <a:endParaRPr b="0" lang="es-MX" sz="2000" spc="-1" strike="noStrike">
-              <a:latin typeface="Arial"/>
-            </a:endParaRPr>
-          </a:p>
-        </p:txBody>
-      </p:sp>
     </p:spTree>
   </p:cSld>
   <mc:AlternateContent>
@@ -13259,14 +13358,14 @@
       </p:grpSpPr>
       <p:sp>
         <p:nvSpPr>
-          <p:cNvPr id="292" name="CustomShape 1"/>
+          <p:cNvPr id="294" name="CustomShape 1"/>
           <p:cNvSpPr/>
           <p:nvPr/>
         </p:nvSpPr>
         <p:spPr>
           <a:xfrm>
-            <a:off x="838080" y="-250200"/>
-            <a:ext cx="10514160" cy="1324080"/>
+            <a:off x="376920" y="378360"/>
+            <a:ext cx="10513800" cy="1323720"/>
           </a:xfrm>
           <a:prstGeom prst="rect">
             <a:avLst/>
@@ -13293,16 +13392,16 @@
               </a:lnSpc>
             </a:pPr>
             <a:r>
-              <a:rPr b="0" lang="es-MX" sz="4400" spc="-1" strike="noStrike">
+              <a:rPr b="0" lang="es-MX" sz="4000" spc="-1" strike="noStrike">
                 <a:solidFill>
                   <a:srgbClr val="000000"/>
                 </a:solidFill>
                 <a:latin typeface="Calibri Light"/>
                 <a:ea typeface="DejaVu Sans"/>
               </a:rPr>
-              <a:t>Constantes</a:t>
-            </a:r>
-            <a:endParaRPr b="0" lang="es-MX" sz="4400" spc="-1" strike="noStrike">
+              <a:t>Ejemplo 7</a:t>
+            </a:r>
+            <a:endParaRPr b="0" lang="es-MX" sz="4000" spc="-1" strike="noStrike">
               <a:latin typeface="Arial"/>
             </a:endParaRPr>
           </a:p>
@@ -13310,7 +13409,7 @@
       </p:sp>
       <p:pic>
         <p:nvPicPr>
-          <p:cNvPr id="293" name="Imagen 3" descr=""/>
+          <p:cNvPr id="295" name="Imagen 3_3" descr=""/>
           <p:cNvPicPr/>
           <p:nvPr/>
         </p:nvPicPr>
@@ -13320,8 +13419,8 @@
         </p:blipFill>
         <p:spPr>
           <a:xfrm>
-            <a:off x="1137600" y="756000"/>
-            <a:ext cx="8672760" cy="4359600"/>
+            <a:off x="3197160" y="175680"/>
+            <a:ext cx="8794440" cy="6504480"/>
           </a:xfrm>
           <a:prstGeom prst="rect">
             <a:avLst/>
@@ -13363,14 +13462,14 @@
       </p:grpSpPr>
       <p:sp>
         <p:nvSpPr>
-          <p:cNvPr id="294" name="CustomShape 1"/>
+          <p:cNvPr id="296" name="CustomShape 1"/>
           <p:cNvSpPr/>
           <p:nvPr/>
         </p:nvSpPr>
         <p:spPr>
           <a:xfrm>
             <a:off x="636840" y="365040"/>
-            <a:ext cx="10514160" cy="1324080"/>
+            <a:ext cx="10513800" cy="1323720"/>
           </a:xfrm>
           <a:prstGeom prst="rect">
             <a:avLst/>
@@ -13404,7 +13503,7 @@
                 <a:latin typeface="Calibri Light"/>
                 <a:ea typeface="DejaVu Sans"/>
               </a:rPr>
-              <a:t>Ejemplo 7</a:t>
+              <a:t>Ejemplo 8</a:t>
             </a:r>
             <a:endParaRPr b="0" lang="es-MX" sz="4000" spc="-1" strike="noStrike">
               <a:latin typeface="Arial"/>
@@ -13414,7 +13513,7 @@
       </p:sp>
       <p:pic>
         <p:nvPicPr>
-          <p:cNvPr id="295" name="Imagen 3" descr=""/>
+          <p:cNvPr id="297" name="Imagen 3" descr=""/>
           <p:cNvPicPr/>
           <p:nvPr/>
         </p:nvPicPr>
@@ -13425,7 +13524,7 @@
         <p:spPr>
           <a:xfrm>
             <a:off x="3361320" y="240840"/>
-            <a:ext cx="8542080" cy="6371280"/>
+            <a:ext cx="8541720" cy="6370920"/>
           </a:xfrm>
           <a:prstGeom prst="rect">
             <a:avLst/>
@@ -13474,7 +13573,7 @@
         <p:spPr>
           <a:xfrm>
             <a:off x="392400" y="-13320"/>
-            <a:ext cx="10514520" cy="1079280"/>
+            <a:ext cx="10514160" cy="1078920"/>
           </a:xfrm>
           <a:prstGeom prst="rect">
             <a:avLst/>
@@ -13580,7 +13679,7 @@
         <p:spPr>
           <a:xfrm>
             <a:off x="360000" y="1743120"/>
-            <a:ext cx="9957600" cy="1316160"/>
+            <a:ext cx="9957240" cy="1315800"/>
           </a:xfrm>
           <a:prstGeom prst="rect">
             <a:avLst/>
@@ -13599,7 +13698,7 @@
         <p:spPr>
           <a:xfrm>
             <a:off x="452160" y="3298320"/>
-            <a:ext cx="11398680" cy="2224080"/>
+            <a:ext cx="11398320" cy="2224080"/>
           </a:xfrm>
           <a:prstGeom prst="rect">
             <a:avLst/>
@@ -13833,14 +13932,14 @@
       </p:grpSpPr>
       <p:sp>
         <p:nvSpPr>
-          <p:cNvPr id="296" name="CustomShape 1"/>
+          <p:cNvPr id="298" name="CustomShape 1"/>
           <p:cNvSpPr/>
           <p:nvPr/>
         </p:nvSpPr>
         <p:spPr>
           <a:xfrm>
             <a:off x="838080" y="-2520"/>
-            <a:ext cx="9420840" cy="1081800"/>
+            <a:ext cx="9420480" cy="1081440"/>
           </a:xfrm>
           <a:prstGeom prst="rect">
             <a:avLst/>
@@ -13874,7 +13973,7 @@
                 <a:latin typeface="Calibri Light"/>
                 <a:ea typeface="DejaVu Sans"/>
               </a:rPr>
-              <a:t>Para lograr el efecto del ejemplo 7 se usó:</a:t>
+              <a:t>Para lograr el efecto del ejemplo 8 se usó:</a:t>
             </a:r>
             <a:r>
               <a:rPr b="0" lang="es-MX" sz="4400" spc="-1" strike="noStrike">
@@ -13894,14 +13993,14 @@
       </p:sp>
       <p:sp>
         <p:nvSpPr>
-          <p:cNvPr id="297" name="CustomShape 2"/>
+          <p:cNvPr id="299" name="CustomShape 2"/>
           <p:cNvSpPr/>
           <p:nvPr/>
         </p:nvSpPr>
         <p:spPr>
           <a:xfrm>
             <a:off x="838080" y="1825560"/>
-            <a:ext cx="10514160" cy="4349880"/>
+            <a:ext cx="10513800" cy="4349520"/>
           </a:xfrm>
           <a:prstGeom prst="rect">
             <a:avLst/>
@@ -13920,7 +14019,7 @@
       </p:sp>
       <p:pic>
         <p:nvPicPr>
-          <p:cNvPr id="298" name="Imagen 4" descr=""/>
+          <p:cNvPr id="300" name="Imagen 4" descr=""/>
           <p:cNvPicPr/>
           <p:nvPr/>
         </p:nvPicPr>
@@ -13931,7 +14030,7 @@
         <p:spPr>
           <a:xfrm>
             <a:off x="600120" y="3856320"/>
-            <a:ext cx="9255240" cy="2774160"/>
+            <a:ext cx="9254880" cy="2773800"/>
           </a:xfrm>
           <a:prstGeom prst="rect">
             <a:avLst/>
@@ -13943,18 +14042,19 @@
       </p:pic>
       <p:pic>
         <p:nvPicPr>
-          <p:cNvPr id="299" name="Imagen 5" descr=""/>
+          <p:cNvPr id="301" name="Imagen 5" descr=""/>
           <p:cNvPicPr/>
           <p:nvPr/>
         </p:nvPicPr>
         <p:blipFill>
           <a:blip r:embed="rId2"/>
+          <a:srcRect l="0" t="10218" r="0" b="0"/>
           <a:stretch/>
         </p:blipFill>
         <p:spPr>
           <a:xfrm>
-            <a:off x="600120" y="763920"/>
-            <a:ext cx="8840880" cy="3090960"/>
+            <a:off x="600120" y="1080000"/>
+            <a:ext cx="8840520" cy="2774520"/>
           </a:xfrm>
           <a:prstGeom prst="rect">
             <a:avLst/>
@@ -13966,7 +14066,7 @@
       </p:pic>
       <p:pic>
         <p:nvPicPr>
-          <p:cNvPr id="300" name="Imagen 6" descr=""/>
+          <p:cNvPr id="302" name="Imagen 6" descr=""/>
           <p:cNvPicPr/>
           <p:nvPr/>
         </p:nvPicPr>
@@ -13977,7 +14077,7 @@
         <p:spPr>
           <a:xfrm>
             <a:off x="5976360" y="4601160"/>
-            <a:ext cx="5614200" cy="2164320"/>
+            <a:ext cx="5613840" cy="2163960"/>
           </a:xfrm>
           <a:prstGeom prst="rect">
             <a:avLst/>
@@ -14019,14 +14119,14 @@
       </p:grpSpPr>
       <p:sp>
         <p:nvSpPr>
-          <p:cNvPr id="301" name="CustomShape 1"/>
+          <p:cNvPr id="303" name="CustomShape 1"/>
           <p:cNvSpPr/>
           <p:nvPr/>
         </p:nvSpPr>
         <p:spPr>
           <a:xfrm>
-            <a:off x="376920" y="378360"/>
-            <a:ext cx="10514160" cy="1324080"/>
+            <a:off x="838080" y="0"/>
+            <a:ext cx="10513800" cy="1323720"/>
           </a:xfrm>
           <a:prstGeom prst="rect">
             <a:avLst/>
@@ -14053,16 +14153,16 @@
               </a:lnSpc>
             </a:pPr>
             <a:r>
-              <a:rPr b="0" lang="es-MX" sz="4000" spc="-1" strike="noStrike">
+              <a:rPr b="0" lang="es-MX" sz="4400" spc="-1" strike="noStrike">
                 <a:solidFill>
                   <a:srgbClr val="000000"/>
                 </a:solidFill>
                 <a:latin typeface="Calibri Light"/>
                 <a:ea typeface="DejaVu Sans"/>
               </a:rPr>
-              <a:t>Ejemplo 8</a:t>
-            </a:r>
-            <a:endParaRPr b="0" lang="es-MX" sz="4000" spc="-1" strike="noStrike">
+              <a:t>Constantes simbólicas</a:t>
+            </a:r>
+            <a:endParaRPr b="0" lang="es-MX" sz="4400" spc="-1" strike="noStrike">
               <a:latin typeface="Arial"/>
             </a:endParaRPr>
           </a:p>
@@ -14070,7 +14170,7 @@
       </p:sp>
       <p:pic>
         <p:nvPicPr>
-          <p:cNvPr id="302" name="Imagen 3" descr=""/>
+          <p:cNvPr id="304" name="Imagen 3" descr=""/>
           <p:cNvPicPr/>
           <p:nvPr/>
         </p:nvPicPr>
@@ -14080,8 +14180,8 @@
         </p:blipFill>
         <p:spPr>
           <a:xfrm>
-            <a:off x="3197160" y="175680"/>
-            <a:ext cx="8794800" cy="6504840"/>
+            <a:off x="2637720" y="874440"/>
+            <a:ext cx="7929000" cy="5856120"/>
           </a:xfrm>
           <a:prstGeom prst="rect">
             <a:avLst/>
@@ -14123,14 +14223,14 @@
       </p:grpSpPr>
       <p:sp>
         <p:nvSpPr>
-          <p:cNvPr id="303" name="CustomShape 1"/>
+          <p:cNvPr id="305" name="CustomShape 1"/>
           <p:cNvSpPr/>
           <p:nvPr/>
         </p:nvSpPr>
         <p:spPr>
           <a:xfrm>
-            <a:off x="838080" y="0"/>
-            <a:ext cx="10514160" cy="1324080"/>
+            <a:off x="540000" y="365040"/>
+            <a:ext cx="10513800" cy="1323720"/>
           </a:xfrm>
           <a:prstGeom prst="rect">
             <a:avLst/>
@@ -14157,16 +14257,16 @@
               </a:lnSpc>
             </a:pPr>
             <a:r>
-              <a:rPr b="0" lang="es-MX" sz="4400" spc="-1" strike="noStrike">
+              <a:rPr b="0" lang="es-MX" sz="4000" spc="-1" strike="noStrike">
                 <a:solidFill>
                   <a:srgbClr val="000000"/>
                 </a:solidFill>
                 <a:latin typeface="Calibri Light"/>
                 <a:ea typeface="DejaVu Sans"/>
               </a:rPr>
-              <a:t>Constantes simbólicas</a:t>
-            </a:r>
-            <a:endParaRPr b="0" lang="es-MX" sz="4400" spc="-1" strike="noStrike">
+              <a:t>Ejemplo 9</a:t>
+            </a:r>
+            <a:endParaRPr b="0" lang="es-MX" sz="4000" spc="-1" strike="noStrike">
               <a:latin typeface="Arial"/>
             </a:endParaRPr>
           </a:p>
@@ -14174,7 +14274,7 @@
       </p:sp>
       <p:pic>
         <p:nvPicPr>
-          <p:cNvPr id="304" name="Imagen 3" descr=""/>
+          <p:cNvPr id="306" name="Imagen 3" descr=""/>
           <p:cNvPicPr/>
           <p:nvPr/>
         </p:nvPicPr>
@@ -14184,8 +14284,8 @@
         </p:blipFill>
         <p:spPr>
           <a:xfrm>
-            <a:off x="2637720" y="874440"/>
-            <a:ext cx="7929360" cy="5856480"/>
+            <a:off x="3395160" y="207000"/>
+            <a:ext cx="8638920" cy="6385680"/>
           </a:xfrm>
           <a:prstGeom prst="rect">
             <a:avLst/>
@@ -14227,14 +14327,14 @@
       </p:grpSpPr>
       <p:sp>
         <p:nvSpPr>
-          <p:cNvPr id="305" name="CustomShape 1"/>
+          <p:cNvPr id="307" name="CustomShape 1"/>
           <p:cNvSpPr/>
           <p:nvPr/>
         </p:nvSpPr>
         <p:spPr>
           <a:xfrm>
-            <a:off x="540000" y="365040"/>
-            <a:ext cx="10514160" cy="1324080"/>
+            <a:off x="838080" y="0"/>
+            <a:ext cx="10513800" cy="1323720"/>
           </a:xfrm>
           <a:prstGeom prst="rect">
             <a:avLst/>
@@ -14261,16 +14361,16 @@
               </a:lnSpc>
             </a:pPr>
             <a:r>
-              <a:rPr b="0" lang="es-MX" sz="4000" spc="-1" strike="noStrike">
+              <a:rPr b="0" lang="es-MX" sz="4400" spc="-1" strike="noStrike">
                 <a:solidFill>
                   <a:srgbClr val="000000"/>
                 </a:solidFill>
                 <a:latin typeface="Calibri Light"/>
                 <a:ea typeface="DejaVu Sans"/>
               </a:rPr>
-              <a:t>Ejemplo 9</a:t>
-            </a:r>
-            <a:endParaRPr b="0" lang="es-MX" sz="4000" spc="-1" strike="noStrike">
+              <a:t>Ejercicios</a:t>
+            </a:r>
+            <a:endParaRPr b="0" lang="es-MX" sz="4400" spc="-1" strike="noStrike">
               <a:latin typeface="Arial"/>
             </a:endParaRPr>
           </a:p>
@@ -14278,7 +14378,7 @@
       </p:sp>
       <p:pic>
         <p:nvPicPr>
-          <p:cNvPr id="306" name="Imagen 3" descr=""/>
+          <p:cNvPr id="308" name="Imagen 3" descr=""/>
           <p:cNvPicPr/>
           <p:nvPr/>
         </p:nvPicPr>
@@ -14288,8 +14388,8 @@
         </p:blipFill>
         <p:spPr>
           <a:xfrm>
-            <a:off x="3395160" y="207000"/>
-            <a:ext cx="8639280" cy="6386040"/>
+            <a:off x="838080" y="1325520"/>
+            <a:ext cx="10513800" cy="4947840"/>
           </a:xfrm>
           <a:prstGeom prst="rect">
             <a:avLst/>
@@ -14331,14 +14431,14 @@
       </p:grpSpPr>
       <p:sp>
         <p:nvSpPr>
-          <p:cNvPr id="307" name="CustomShape 1"/>
+          <p:cNvPr id="309" name="CustomShape 1"/>
           <p:cNvSpPr/>
           <p:nvPr/>
         </p:nvSpPr>
         <p:spPr>
           <a:xfrm>
             <a:off x="838080" y="0"/>
-            <a:ext cx="10514160" cy="1324080"/>
+            <a:ext cx="10513800" cy="1323720"/>
           </a:xfrm>
           <a:prstGeom prst="rect">
             <a:avLst/>
@@ -14372,9 +14472,80 @@
                 <a:latin typeface="Calibri Light"/>
                 <a:ea typeface="DejaVu Sans"/>
               </a:rPr>
-              <a:t>Ejercicios</a:t>
+              <a:t>1.3 Creación de código fuente, objeto y ejecutable</a:t>
             </a:r>
             <a:endParaRPr b="0" lang="es-MX" sz="4400" spc="-1" strike="noStrike">
+              <a:latin typeface="Arial"/>
+            </a:endParaRPr>
+          </a:p>
+        </p:txBody>
+      </p:sp>
+      <p:sp>
+        <p:nvSpPr>
+          <p:cNvPr id="310" name="CustomShape 2"/>
+          <p:cNvSpPr/>
+          <p:nvPr/>
+        </p:nvSpPr>
+        <p:spPr>
+          <a:xfrm>
+            <a:off x="789480" y="1325520"/>
+            <a:ext cx="10340280" cy="942840"/>
+          </a:xfrm>
+          <a:prstGeom prst="rect">
+            <a:avLst/>
+          </a:prstGeom>
+          <a:noFill/>
+          <a:ln w="0">
+            <a:noFill/>
+          </a:ln>
+        </p:spPr>
+        <p:style>
+          <a:lnRef idx="0"/>
+          <a:fillRef idx="0"/>
+          <a:effectRef idx="0"/>
+          <a:fontRef idx="minor"/>
+        </p:style>
+        <p:txBody>
+          <a:bodyPr wrap="none" lIns="90000" rIns="90000" tIns="45000" bIns="45000">
+            <a:spAutoFit/>
+          </a:bodyPr>
+          <a:p>
+            <a:pPr>
+              <a:lnSpc>
+                <a:spcPct val="100000"/>
+              </a:lnSpc>
+            </a:pPr>
+            <a:r>
+              <a:rPr b="0" lang="es-MX" sz="2800" spc="-1" strike="noStrike">
+                <a:solidFill>
+                  <a:srgbClr val="000000"/>
+                </a:solidFill>
+                <a:latin typeface="Calibri"/>
+                <a:ea typeface="DejaVu Sans"/>
+              </a:rPr>
+              <a:t>1.3.1 Ejecución de un programa</a:t>
+            </a:r>
+            <a:endParaRPr b="0" lang="es-MX" sz="2800" spc="-1" strike="noStrike">
+              <a:latin typeface="Arial"/>
+            </a:endParaRPr>
+          </a:p>
+          <a:p>
+            <a:pPr>
+              <a:lnSpc>
+                <a:spcPct val="100000"/>
+              </a:lnSpc>
+            </a:pPr>
+            <a:r>
+              <a:rPr b="0" lang="es-MX" sz="2800" spc="-1" strike="noStrike">
+                <a:solidFill>
+                  <a:srgbClr val="000000"/>
+                </a:solidFill>
+                <a:latin typeface="Calibri"/>
+                <a:ea typeface="DejaVu Sans"/>
+              </a:rPr>
+              <a:t>Después de crear el código fuente con un editor de texto</a:t>
+            </a:r>
+            <a:endParaRPr b="0" lang="es-MX" sz="2800" spc="-1" strike="noStrike">
               <a:latin typeface="Arial"/>
             </a:endParaRPr>
           </a:p>
@@ -14382,7 +14553,7 @@
       </p:sp>
       <p:pic>
         <p:nvPicPr>
-          <p:cNvPr id="308" name="Imagen 3" descr=""/>
+          <p:cNvPr id="311" name="Imagen 3" descr=""/>
           <p:cNvPicPr/>
           <p:nvPr/>
         </p:nvPicPr>
@@ -14392,8 +14563,8 @@
         </p:blipFill>
         <p:spPr>
           <a:xfrm>
-            <a:off x="838080" y="1325520"/>
-            <a:ext cx="10514160" cy="4948200"/>
+            <a:off x="3325320" y="2279520"/>
+            <a:ext cx="5540040" cy="4458960"/>
           </a:xfrm>
           <a:prstGeom prst="rect">
             <a:avLst/>
@@ -14435,14 +14606,14 @@
       </p:grpSpPr>
       <p:sp>
         <p:nvSpPr>
-          <p:cNvPr id="309" name="CustomShape 1"/>
+          <p:cNvPr id="312" name="CustomShape 1"/>
           <p:cNvSpPr/>
           <p:nvPr/>
         </p:nvSpPr>
         <p:spPr>
           <a:xfrm>
-            <a:off x="838080" y="0"/>
-            <a:ext cx="10514160" cy="1324080"/>
+            <a:off x="253440" y="1143000"/>
+            <a:ext cx="11265120" cy="4113000"/>
           </a:xfrm>
           <a:prstGeom prst="rect">
             <a:avLst/>
@@ -14459,57 +14630,6 @@
           <a:fontRef idx="minor"/>
         </p:style>
         <p:txBody>
-          <a:bodyPr lIns="90000" rIns="90000" tIns="45000" bIns="45000" anchor="ctr">
-            <a:noAutofit/>
-          </a:bodyPr>
-          <a:p>
-            <a:pPr>
-              <a:lnSpc>
-                <a:spcPct val="90000"/>
-              </a:lnSpc>
-            </a:pPr>
-            <a:r>
-              <a:rPr b="0" lang="es-MX" sz="4400" spc="-1" strike="noStrike">
-                <a:solidFill>
-                  <a:srgbClr val="000000"/>
-                </a:solidFill>
-                <a:latin typeface="Calibri Light"/>
-                <a:ea typeface="DejaVu Sans"/>
-              </a:rPr>
-              <a:t>1.3 Creación de código fuente, objeto y ejecutable</a:t>
-            </a:r>
-            <a:endParaRPr b="0" lang="es-MX" sz="4400" spc="-1" strike="noStrike">
-              <a:latin typeface="Arial"/>
-            </a:endParaRPr>
-          </a:p>
-        </p:txBody>
-      </p:sp>
-      <p:sp>
-        <p:nvSpPr>
-          <p:cNvPr id="310" name="CustomShape 2"/>
-          <p:cNvSpPr/>
-          <p:nvPr/>
-        </p:nvSpPr>
-        <p:spPr>
-          <a:xfrm>
-            <a:off x="789480" y="1325520"/>
-            <a:ext cx="10340280" cy="942840"/>
-          </a:xfrm>
-          <a:prstGeom prst="rect">
-            <a:avLst/>
-          </a:prstGeom>
-          <a:noFill/>
-          <a:ln w="0">
-            <a:noFill/>
-          </a:ln>
-        </p:spPr>
-        <p:style>
-          <a:lnRef idx="0"/>
-          <a:fillRef idx="0"/>
-          <a:effectRef idx="0"/>
-          <a:fontRef idx="minor"/>
-        </p:style>
-        <p:txBody>
           <a:bodyPr wrap="none" lIns="90000" rIns="90000" tIns="45000" bIns="45000">
             <a:spAutoFit/>
           </a:bodyPr>
@@ -14520,16 +14640,16 @@
               </a:lnSpc>
             </a:pPr>
             <a:r>
-              <a:rPr b="0" lang="es-MX" sz="2800" spc="-1" strike="noStrike">
+              <a:rPr b="0" lang="es-MX" sz="2400" spc="-1" strike="noStrike">
                 <a:solidFill>
                   <a:srgbClr val="000000"/>
                 </a:solidFill>
                 <a:latin typeface="Calibri"/>
                 <a:ea typeface="DejaVu Sans"/>
               </a:rPr>
-              <a:t>1.3.1 Ejecución de un programa</a:t>
-            </a:r>
-            <a:endParaRPr b="0" lang="es-MX" sz="2800" spc="-1" strike="noStrike">
+              <a:t>El archivo objeto correspondiente se crea, en el caso del compilador  </a:t>
+            </a:r>
+            <a:endParaRPr b="0" lang="es-MX" sz="2400" spc="-1" strike="noStrike">
               <a:latin typeface="Arial"/>
             </a:endParaRPr>
           </a:p>
@@ -14540,16 +14660,196 @@
               </a:lnSpc>
             </a:pPr>
             <a:r>
-              <a:rPr b="0" lang="es-MX" sz="2800" spc="-1" strike="noStrike">
+              <a:rPr b="0" lang="es-MX" sz="2400" spc="-1" strike="noStrike">
                 <a:solidFill>
                   <a:srgbClr val="000000"/>
                 </a:solidFill>
                 <a:latin typeface="Calibri"/>
                 <a:ea typeface="DejaVu Sans"/>
               </a:rPr>
-              <a:t>Después de crear el código fuente con un editor de texto</a:t>
-            </a:r>
-            <a:endParaRPr b="0" lang="es-MX" sz="2800" spc="-1" strike="noStrike">
+              <a:t>mingw32-gcc.exe, con el comando:</a:t>
+            </a:r>
+            <a:endParaRPr b="0" lang="es-MX" sz="2400" spc="-1" strike="noStrike">
+              <a:latin typeface="Arial"/>
+            </a:endParaRPr>
+          </a:p>
+          <a:p>
+            <a:pPr>
+              <a:lnSpc>
+                <a:spcPct val="100000"/>
+              </a:lnSpc>
+            </a:pPr>
+            <a:r>
+              <a:rPr b="0" lang="es-MX" sz="1800" spc="-1" strike="noStrike">
+                <a:solidFill>
+                  <a:srgbClr val="000000"/>
+                </a:solidFill>
+                <a:latin typeface="Calibri"/>
+                <a:ea typeface="DejaVu Sans"/>
+              </a:rPr>
+              <a:t>mingw32-gcc.exe -Wall -O2  -c C:\Users\LMC\2021\ProjectDebugme\debugme.c -o </a:t>
+            </a:r>
+            <a:endParaRPr b="0" lang="es-MX" sz="1800" spc="-1" strike="noStrike">
+              <a:latin typeface="Arial"/>
+            </a:endParaRPr>
+          </a:p>
+          <a:p>
+            <a:pPr>
+              <a:lnSpc>
+                <a:spcPct val="100000"/>
+              </a:lnSpc>
+            </a:pPr>
+            <a:r>
+              <a:rPr b="0" lang="es-MX" sz="1800" spc="-1" strike="noStrike">
+                <a:solidFill>
+                  <a:srgbClr val="000000"/>
+                </a:solidFill>
+                <a:latin typeface="Calibri"/>
+                <a:ea typeface="DejaVu Sans"/>
+              </a:rPr>
+              <a:t>obj\09_Debugme\debugme.o</a:t>
+            </a:r>
+            <a:endParaRPr b="0" lang="es-MX" sz="1800" spc="-1" strike="noStrike">
+              <a:latin typeface="Arial"/>
+            </a:endParaRPr>
+          </a:p>
+          <a:p>
+            <a:pPr>
+              <a:lnSpc>
+                <a:spcPct val="100000"/>
+              </a:lnSpc>
+            </a:pPr>
+            <a:r>
+              <a:rPr b="0" lang="es-MX" sz="2400" spc="-1" strike="noStrike">
+                <a:solidFill>
+                  <a:srgbClr val="000000"/>
+                </a:solidFill>
+                <a:latin typeface="Calibri"/>
+                <a:ea typeface="DejaVu Sans"/>
+              </a:rPr>
+              <a:t>que el IDE Codeblocks ejecuta por nosotros.</a:t>
+            </a:r>
+            <a:endParaRPr b="0" lang="es-MX" sz="2400" spc="-1" strike="noStrike">
+              <a:latin typeface="Arial"/>
+            </a:endParaRPr>
+          </a:p>
+          <a:p>
+            <a:pPr>
+              <a:lnSpc>
+                <a:spcPct val="100000"/>
+              </a:lnSpc>
+            </a:pPr>
+            <a:endParaRPr b="0" lang="es-MX" sz="2400" spc="-1" strike="noStrike">
+              <a:latin typeface="Arial"/>
+            </a:endParaRPr>
+          </a:p>
+          <a:p>
+            <a:pPr>
+              <a:lnSpc>
+                <a:spcPct val="100000"/>
+              </a:lnSpc>
+            </a:pPr>
+            <a:r>
+              <a:rPr b="0" lang="es-MX" sz="2400" spc="-1" strike="noStrike">
+                <a:solidFill>
+                  <a:srgbClr val="000000"/>
+                </a:solidFill>
+                <a:latin typeface="Calibri"/>
+                <a:ea typeface="DejaVu Sans"/>
+              </a:rPr>
+              <a:t>Después del comando anterior, el entorno de desarrollo crea un archivo </a:t>
+            </a:r>
+            <a:endParaRPr b="0" lang="es-MX" sz="2400" spc="-1" strike="noStrike">
+              <a:latin typeface="Arial"/>
+            </a:endParaRPr>
+          </a:p>
+          <a:p>
+            <a:pPr>
+              <a:lnSpc>
+                <a:spcPct val="100000"/>
+              </a:lnSpc>
+            </a:pPr>
+            <a:r>
+              <a:rPr b="0" lang="es-MX" sz="2400" spc="-1" strike="noStrike">
+                <a:solidFill>
+                  <a:srgbClr val="000000"/>
+                </a:solidFill>
+                <a:latin typeface="Calibri"/>
+                <a:ea typeface="DejaVu Sans"/>
+              </a:rPr>
+              <a:t>ejecutable, ejecutando por nosotros el siguiente comando:</a:t>
+            </a:r>
+            <a:endParaRPr b="0" lang="es-MX" sz="2400" spc="-1" strike="noStrike">
+              <a:latin typeface="Arial"/>
+            </a:endParaRPr>
+          </a:p>
+          <a:p>
+            <a:pPr>
+              <a:lnSpc>
+                <a:spcPct val="100000"/>
+              </a:lnSpc>
+            </a:pPr>
+            <a:r>
+              <a:rPr b="0" lang="es-MX" sz="1800" spc="-1" strike="noStrike">
+                <a:solidFill>
+                  <a:srgbClr val="000000"/>
+                </a:solidFill>
+                <a:latin typeface="Calibri"/>
+                <a:ea typeface="DejaVu Sans"/>
+              </a:rPr>
+              <a:t>mingw32-g++.exe  -o bin\Release\ProjectDebugme.exe obj\09_Debugme\debugme.o  -s</a:t>
+            </a:r>
+            <a:endParaRPr b="0" lang="es-MX" sz="1800" spc="-1" strike="noStrike">
+              <a:latin typeface="Arial"/>
+            </a:endParaRPr>
+          </a:p>
+          <a:p>
+            <a:pPr>
+              <a:lnSpc>
+                <a:spcPct val="100000"/>
+              </a:lnSpc>
+            </a:pPr>
+            <a:endParaRPr b="0" lang="es-MX" sz="1800" spc="-1" strike="noStrike">
+              <a:latin typeface="Arial"/>
+            </a:endParaRPr>
+          </a:p>
+          <a:p>
+            <a:pPr>
+              <a:lnSpc>
+                <a:spcPct val="100000"/>
+              </a:lnSpc>
+            </a:pPr>
+            <a:r>
+              <a:rPr b="0" lang="es-MX" sz="2400" spc="-1" strike="noStrike">
+                <a:solidFill>
+                  <a:srgbClr val="000000"/>
+                </a:solidFill>
+                <a:latin typeface="Calibri"/>
+                <a:ea typeface="DejaVu Sans"/>
+              </a:rPr>
+              <a:t>En el entorno Codeblocks, la ejecución se realiza dando clic en el botón </a:t>
+            </a:r>
+            <a:endParaRPr b="0" lang="es-MX" sz="2400" spc="-1" strike="noStrike">
+              <a:latin typeface="Arial"/>
+            </a:endParaRPr>
+          </a:p>
+          <a:p>
+            <a:pPr>
+              <a:lnSpc>
+                <a:spcPct val="100000"/>
+              </a:lnSpc>
+            </a:pPr>
+            <a:r>
+              <a:rPr b="0" lang="es-MX" sz="2400" spc="-1" strike="noStrike">
+                <a:solidFill>
+                  <a:srgbClr val="000000"/>
+                </a:solidFill>
+                <a:latin typeface="Calibri"/>
+                <a:ea typeface="DejaVu Sans"/>
+              </a:rPr>
+              <a:t>de play (icono de triángulo verde) que se muestra a continuación.</a:t>
+            </a:r>
+            <a:endParaRPr b="0" lang="es-MX" sz="2400" spc="-1" strike="noStrike">
               <a:latin typeface="Arial"/>
             </a:endParaRPr>
           </a:p>
@@ -14557,7 +14857,7 @@
       </p:sp>
       <p:pic>
         <p:nvPicPr>
-          <p:cNvPr id="311" name="Imagen 3" descr=""/>
+          <p:cNvPr id="313" name="Imagen 2" descr=""/>
           <p:cNvPicPr/>
           <p:nvPr/>
         </p:nvPicPr>
@@ -14567,8 +14867,8 @@
         </p:blipFill>
         <p:spPr>
           <a:xfrm>
-            <a:off x="3325320" y="2279520"/>
-            <a:ext cx="5540400" cy="4459320"/>
+            <a:off x="4340520" y="5838120"/>
+            <a:ext cx="3699360" cy="631080"/>
           </a:xfrm>
           <a:prstGeom prst="rect">
             <a:avLst/>
@@ -14578,6 +14878,57 @@
           </a:ln>
         </p:spPr>
       </p:pic>
+      <p:sp>
+        <p:nvSpPr>
+          <p:cNvPr id="314" name="CustomShape 2"/>
+          <p:cNvSpPr/>
+          <p:nvPr/>
+        </p:nvSpPr>
+        <p:spPr>
+          <a:xfrm>
+            <a:off x="201960" y="448920"/>
+            <a:ext cx="7110720" cy="516240"/>
+          </a:xfrm>
+          <a:prstGeom prst="rect">
+            <a:avLst/>
+          </a:prstGeom>
+          <a:noFill/>
+          <a:ln w="0">
+            <a:noFill/>
+          </a:ln>
+        </p:spPr>
+        <p:style>
+          <a:lnRef idx="0"/>
+          <a:fillRef idx="0"/>
+          <a:effectRef idx="0"/>
+          <a:fontRef idx="minor"/>
+        </p:style>
+        <p:txBody>
+          <a:bodyPr wrap="none" lIns="90000" rIns="90000" tIns="45000" bIns="45000">
+            <a:spAutoFit/>
+          </a:bodyPr>
+          <a:p>
+            <a:pPr>
+              <a:lnSpc>
+                <a:spcPct val="100000"/>
+              </a:lnSpc>
+            </a:pPr>
+            <a:r>
+              <a:rPr b="0" lang="es-MX" sz="2800" spc="-1" strike="noStrike">
+                <a:solidFill>
+                  <a:srgbClr val="000000"/>
+                </a:solidFill>
+                <a:latin typeface="Calibri"/>
+                <a:ea typeface="DejaVu Sans"/>
+              </a:rPr>
+              <a:t>Creación de código objeto y ejecutable</a:t>
+            </a:r>
+            <a:endParaRPr b="0" lang="es-MX" sz="2800" spc="-1" strike="noStrike">
+              <a:latin typeface="Arial"/>
+            </a:endParaRPr>
+          </a:p>
+        </p:txBody>
+      </p:sp>
     </p:spTree>
   </p:cSld>
   <mc:AlternateContent>
@@ -14610,14 +14961,14 @@
       </p:grpSpPr>
       <p:sp>
         <p:nvSpPr>
-          <p:cNvPr id="312" name="CustomShape 1"/>
+          <p:cNvPr id="315" name="CustomShape 1"/>
           <p:cNvSpPr/>
           <p:nvPr/>
         </p:nvSpPr>
         <p:spPr>
           <a:xfrm>
-            <a:off x="253440" y="1143000"/>
-            <a:ext cx="11265480" cy="4113000"/>
+            <a:off x="820440" y="0"/>
+            <a:ext cx="10513800" cy="1323720"/>
           </a:xfrm>
           <a:prstGeom prst="rect">
             <a:avLst/>
@@ -14634,6 +14985,57 @@
           <a:fontRef idx="minor"/>
         </p:style>
         <p:txBody>
+          <a:bodyPr lIns="90000" rIns="90000" tIns="45000" bIns="45000" anchor="ctr">
+            <a:noAutofit/>
+          </a:bodyPr>
+          <a:p>
+            <a:pPr>
+              <a:lnSpc>
+                <a:spcPct val="90000"/>
+              </a:lnSpc>
+            </a:pPr>
+            <a:r>
+              <a:rPr b="0" lang="es-MX" sz="4400" spc="-1" strike="noStrike">
+                <a:solidFill>
+                  <a:srgbClr val="000000"/>
+                </a:solidFill>
+                <a:latin typeface="Calibri Light"/>
+                <a:ea typeface="DejaVu Sans"/>
+              </a:rPr>
+              <a:t>Programa en ejecución</a:t>
+            </a:r>
+            <a:endParaRPr b="0" lang="es-MX" sz="4400" spc="-1" strike="noStrike">
+              <a:latin typeface="Arial"/>
+            </a:endParaRPr>
+          </a:p>
+        </p:txBody>
+      </p:sp>
+      <p:sp>
+        <p:nvSpPr>
+          <p:cNvPr id="316" name="CustomShape 2"/>
+          <p:cNvSpPr/>
+          <p:nvPr/>
+        </p:nvSpPr>
+        <p:spPr>
+          <a:xfrm>
+            <a:off x="521280" y="1063800"/>
+            <a:ext cx="9889200" cy="455400"/>
+          </a:xfrm>
+          <a:prstGeom prst="rect">
+            <a:avLst/>
+          </a:prstGeom>
+          <a:noFill/>
+          <a:ln w="0">
+            <a:noFill/>
+          </a:ln>
+        </p:spPr>
+        <p:style>
+          <a:lnRef idx="0"/>
+          <a:fillRef idx="0"/>
+          <a:effectRef idx="0"/>
+          <a:fontRef idx="minor"/>
+        </p:style>
+        <p:txBody>
           <a:bodyPr wrap="none" lIns="90000" rIns="90000" tIns="45000" bIns="45000">
             <a:spAutoFit/>
           </a:bodyPr>
@@ -14651,207 +15053,7 @@
                 <a:latin typeface="Calibri"/>
                 <a:ea typeface="DejaVu Sans"/>
               </a:rPr>
-              <a:t>El archivo objeto correspondiente se crea, en el caso del compilador  </a:t>
-            </a:r>
-            <a:endParaRPr b="0" lang="es-MX" sz="2400" spc="-1" strike="noStrike">
-              <a:latin typeface="Arial"/>
-            </a:endParaRPr>
-          </a:p>
-          <a:p>
-            <a:pPr>
-              <a:lnSpc>
-                <a:spcPct val="100000"/>
-              </a:lnSpc>
-            </a:pPr>
-            <a:r>
-              <a:rPr b="0" lang="es-MX" sz="2400" spc="-1" strike="noStrike">
-                <a:solidFill>
-                  <a:srgbClr val="000000"/>
-                </a:solidFill>
-                <a:latin typeface="Calibri"/>
-                <a:ea typeface="DejaVu Sans"/>
-              </a:rPr>
-              <a:t>mingw32-gcc.exe, con el comando:</a:t>
-            </a:r>
-            <a:endParaRPr b="0" lang="es-MX" sz="2400" spc="-1" strike="noStrike">
-              <a:latin typeface="Arial"/>
-            </a:endParaRPr>
-          </a:p>
-          <a:p>
-            <a:pPr>
-              <a:lnSpc>
-                <a:spcPct val="100000"/>
-              </a:lnSpc>
-            </a:pPr>
-            <a:r>
-              <a:rPr b="0" lang="es-MX" sz="1800" spc="-1" strike="noStrike">
-                <a:solidFill>
-                  <a:srgbClr val="000000"/>
-                </a:solidFill>
-                <a:latin typeface="Calibri"/>
-                <a:ea typeface="DejaVu Sans"/>
-              </a:rPr>
-              <a:t>mingw32-gcc.exe -Wall -O2  -c C:\Users\LMC\2021\ProjectDebugme\debugme.c -o </a:t>
-            </a:r>
-            <a:endParaRPr b="0" lang="es-MX" sz="1800" spc="-1" strike="noStrike">
-              <a:latin typeface="Arial"/>
-            </a:endParaRPr>
-          </a:p>
-          <a:p>
-            <a:pPr>
-              <a:lnSpc>
-                <a:spcPct val="100000"/>
-              </a:lnSpc>
-            </a:pPr>
-            <a:r>
-              <a:rPr b="0" lang="es-MX" sz="1800" spc="-1" strike="noStrike">
-                <a:solidFill>
-                  <a:srgbClr val="000000"/>
-                </a:solidFill>
-                <a:latin typeface="Calibri"/>
-                <a:ea typeface="DejaVu Sans"/>
-              </a:rPr>
-              <a:t>obj\09_Debugme\debugme.o</a:t>
-            </a:r>
-            <a:endParaRPr b="0" lang="es-MX" sz="1800" spc="-1" strike="noStrike">
-              <a:latin typeface="Arial"/>
-            </a:endParaRPr>
-          </a:p>
-          <a:p>
-            <a:pPr>
-              <a:lnSpc>
-                <a:spcPct val="100000"/>
-              </a:lnSpc>
-            </a:pPr>
-            <a:r>
-              <a:rPr b="0" lang="es-MX" sz="2400" spc="-1" strike="noStrike">
-                <a:solidFill>
-                  <a:srgbClr val="000000"/>
-                </a:solidFill>
-                <a:latin typeface="Calibri"/>
-                <a:ea typeface="DejaVu Sans"/>
-              </a:rPr>
-              <a:t>que el IDE Codeblocks ejecuta por nosotros.</a:t>
-            </a:r>
-            <a:endParaRPr b="0" lang="es-MX" sz="2400" spc="-1" strike="noStrike">
-              <a:latin typeface="Arial"/>
-            </a:endParaRPr>
-          </a:p>
-          <a:p>
-            <a:pPr>
-              <a:lnSpc>
-                <a:spcPct val="100000"/>
-              </a:lnSpc>
-            </a:pPr>
-            <a:endParaRPr b="0" lang="es-MX" sz="2400" spc="-1" strike="noStrike">
-              <a:latin typeface="Arial"/>
-            </a:endParaRPr>
-          </a:p>
-          <a:p>
-            <a:pPr>
-              <a:lnSpc>
-                <a:spcPct val="100000"/>
-              </a:lnSpc>
-            </a:pPr>
-            <a:r>
-              <a:rPr b="0" lang="es-MX" sz="2400" spc="-1" strike="noStrike">
-                <a:solidFill>
-                  <a:srgbClr val="000000"/>
-                </a:solidFill>
-                <a:latin typeface="Calibri"/>
-                <a:ea typeface="DejaVu Sans"/>
-              </a:rPr>
-              <a:t>Después del comando anterior, el entorno de desarrollo crea un archivo </a:t>
-            </a:r>
-            <a:endParaRPr b="0" lang="es-MX" sz="2400" spc="-1" strike="noStrike">
-              <a:latin typeface="Arial"/>
-            </a:endParaRPr>
-          </a:p>
-          <a:p>
-            <a:pPr>
-              <a:lnSpc>
-                <a:spcPct val="100000"/>
-              </a:lnSpc>
-            </a:pPr>
-            <a:r>
-              <a:rPr b="0" lang="es-MX" sz="2400" spc="-1" strike="noStrike">
-                <a:solidFill>
-                  <a:srgbClr val="000000"/>
-                </a:solidFill>
-                <a:latin typeface="Calibri"/>
-                <a:ea typeface="DejaVu Sans"/>
-              </a:rPr>
-              <a:t>ejecutable, ejecutando por nosotros el siguiente comando:</a:t>
-            </a:r>
-            <a:endParaRPr b="0" lang="es-MX" sz="2400" spc="-1" strike="noStrike">
-              <a:latin typeface="Arial"/>
-            </a:endParaRPr>
-          </a:p>
-          <a:p>
-            <a:pPr>
-              <a:lnSpc>
-                <a:spcPct val="100000"/>
-              </a:lnSpc>
-            </a:pPr>
-            <a:r>
-              <a:rPr b="0" lang="es-MX" sz="1800" spc="-1" strike="noStrike">
-                <a:solidFill>
-                  <a:srgbClr val="000000"/>
-                </a:solidFill>
-                <a:latin typeface="Calibri"/>
-                <a:ea typeface="DejaVu Sans"/>
-              </a:rPr>
-              <a:t>mingw32-g++.exe  -o bin\Release\ProjectDebugme.exe obj\09_Debugme\debugme.o  -s</a:t>
-            </a:r>
-            <a:endParaRPr b="0" lang="es-MX" sz="1800" spc="-1" strike="noStrike">
-              <a:latin typeface="Arial"/>
-            </a:endParaRPr>
-          </a:p>
-          <a:p>
-            <a:pPr>
-              <a:lnSpc>
-                <a:spcPct val="100000"/>
-              </a:lnSpc>
-            </a:pPr>
-            <a:endParaRPr b="0" lang="es-MX" sz="1800" spc="-1" strike="noStrike">
-              <a:latin typeface="Arial"/>
-            </a:endParaRPr>
-          </a:p>
-          <a:p>
-            <a:pPr>
-              <a:lnSpc>
-                <a:spcPct val="100000"/>
-              </a:lnSpc>
-            </a:pPr>
-            <a:r>
-              <a:rPr b="0" lang="es-MX" sz="2400" spc="-1" strike="noStrike">
-                <a:solidFill>
-                  <a:srgbClr val="000000"/>
-                </a:solidFill>
-                <a:latin typeface="Calibri"/>
-                <a:ea typeface="DejaVu Sans"/>
-              </a:rPr>
-              <a:t>En el entorno Codeblocks, la ejecución se realiza dando clic en el botón </a:t>
-            </a:r>
-            <a:endParaRPr b="0" lang="es-MX" sz="2400" spc="-1" strike="noStrike">
-              <a:latin typeface="Arial"/>
-            </a:endParaRPr>
-          </a:p>
-          <a:p>
-            <a:pPr>
-              <a:lnSpc>
-                <a:spcPct val="100000"/>
-              </a:lnSpc>
-            </a:pPr>
-            <a:r>
-              <a:rPr b="0" lang="es-MX" sz="2400" spc="-1" strike="noStrike">
-                <a:solidFill>
-                  <a:srgbClr val="000000"/>
-                </a:solidFill>
-                <a:latin typeface="Calibri"/>
-                <a:ea typeface="DejaVu Sans"/>
-              </a:rPr>
-              <a:t>de play (icono de triángulo verde) que se muestra a continuación.</a:t>
+              <a:t>Durante su ejecución, el programa usa las siguiente bibliotecas</a:t>
             </a:r>
             <a:endParaRPr b="0" lang="es-MX" sz="2400" spc="-1" strike="noStrike">
               <a:latin typeface="Arial"/>
@@ -14861,7 +15063,7 @@
       </p:sp>
       <p:pic>
         <p:nvPicPr>
-          <p:cNvPr id="313" name="Imagen 2" descr=""/>
+          <p:cNvPr id="317" name="Imagen 3" descr=""/>
           <p:cNvPicPr/>
           <p:nvPr/>
         </p:nvPicPr>
@@ -14871,8 +15073,8 @@
         </p:blipFill>
         <p:spPr>
           <a:xfrm>
-            <a:off x="4340520" y="5838120"/>
-            <a:ext cx="3699720" cy="631440"/>
+            <a:off x="965160" y="1587240"/>
+            <a:ext cx="5513040" cy="1827000"/>
           </a:xfrm>
           <a:prstGeom prst="rect">
             <a:avLst/>
@@ -14884,14 +15086,14 @@
       </p:pic>
       <p:sp>
         <p:nvSpPr>
-          <p:cNvPr id="314" name="CustomShape 2"/>
+          <p:cNvPr id="318" name="CustomShape 3"/>
           <p:cNvSpPr/>
           <p:nvPr/>
         </p:nvSpPr>
         <p:spPr>
           <a:xfrm>
-            <a:off x="201960" y="448920"/>
-            <a:ext cx="7110720" cy="516240"/>
+            <a:off x="470160" y="3416040"/>
+            <a:ext cx="11646360" cy="2284200"/>
           </a:xfrm>
           <a:prstGeom prst="rect">
             <a:avLst/>
@@ -14918,21 +15120,167 @@
               </a:lnSpc>
             </a:pPr>
             <a:r>
-              <a:rPr b="0" lang="es-MX" sz="2800" spc="-1" strike="noStrike">
+              <a:rPr b="0" lang="es-MX" sz="2400" spc="-1" strike="noStrike">
                 <a:solidFill>
                   <a:srgbClr val="000000"/>
                 </a:solidFill>
                 <a:latin typeface="Calibri"/>
                 <a:ea typeface="DejaVu Sans"/>
               </a:rPr>
-              <a:t>Creación de código objeto y ejecutable</a:t>
-            </a:r>
-            <a:endParaRPr b="0" lang="es-MX" sz="2800" spc="-1" strike="noStrike">
-              <a:latin typeface="Arial"/>
-            </a:endParaRPr>
-          </a:p>
-        </p:txBody>
-      </p:sp>
+              <a:t>Para obtener esta información se seleccionó el target Debug, se colocó </a:t>
+            </a:r>
+            <a:endParaRPr b="0" lang="es-MX" sz="2400" spc="-1" strike="noStrike">
+              <a:latin typeface="Arial"/>
+            </a:endParaRPr>
+          </a:p>
+          <a:p>
+            <a:pPr>
+              <a:lnSpc>
+                <a:spcPct val="100000"/>
+              </a:lnSpc>
+            </a:pPr>
+            <a:r>
+              <a:rPr b="0" lang="es-MX" sz="2400" spc="-1" strike="noStrike">
+                <a:solidFill>
+                  <a:srgbClr val="000000"/>
+                </a:solidFill>
+                <a:latin typeface="Calibri"/>
+                <a:ea typeface="DejaVu Sans"/>
+              </a:rPr>
+              <a:t>un punto de ruptura en la línea donde está la función main del archivo </a:t>
+            </a:r>
+            <a:endParaRPr b="0" lang="es-MX" sz="2400" spc="-1" strike="noStrike">
+              <a:latin typeface="Arial"/>
+            </a:endParaRPr>
+          </a:p>
+          <a:p>
+            <a:pPr>
+              <a:lnSpc>
+                <a:spcPct val="100000"/>
+              </a:lnSpc>
+            </a:pPr>
+            <a:r>
+              <a:rPr b="0" lang="es-MX" sz="2400" spc="-1" strike="noStrike">
+                <a:solidFill>
+                  <a:srgbClr val="000000"/>
+                </a:solidFill>
+                <a:latin typeface="Calibri"/>
+                <a:ea typeface="DejaVu Sans"/>
+              </a:rPr>
+              <a:t>de código fuente. Se dio clic en el botón play de color rojo. Cuando la </a:t>
+            </a:r>
+            <a:endParaRPr b="0" lang="es-MX" sz="2400" spc="-1" strike="noStrike">
+              <a:latin typeface="Arial"/>
+            </a:endParaRPr>
+          </a:p>
+          <a:p>
+            <a:pPr>
+              <a:lnSpc>
+                <a:spcPct val="100000"/>
+              </a:lnSpc>
+            </a:pPr>
+            <a:r>
+              <a:rPr b="0" lang="es-MX" sz="2400" spc="-1" strike="noStrike">
+                <a:solidFill>
+                  <a:srgbClr val="000000"/>
+                </a:solidFill>
+                <a:latin typeface="Calibri"/>
+                <a:ea typeface="DejaVu Sans"/>
+              </a:rPr>
+              <a:t>ejecución del programa se detuvo al ingresar a la función main, se dio clic </a:t>
+            </a:r>
+            <a:endParaRPr b="0" lang="es-MX" sz="2400" spc="-1" strike="noStrike">
+              <a:latin typeface="Arial"/>
+            </a:endParaRPr>
+          </a:p>
+          <a:p>
+            <a:pPr>
+              <a:lnSpc>
+                <a:spcPct val="100000"/>
+              </a:lnSpc>
+            </a:pPr>
+            <a:r>
+              <a:rPr b="0" lang="es-MX" sz="2400" spc="-1" strike="noStrike">
+                <a:solidFill>
+                  <a:srgbClr val="000000"/>
+                </a:solidFill>
+                <a:latin typeface="Calibri"/>
+                <a:ea typeface="DejaVu Sans"/>
+              </a:rPr>
+              <a:t>en el botón Various info (el que tiene la letra i), y se seleccionó la opción </a:t>
+            </a:r>
+            <a:endParaRPr b="0" lang="es-MX" sz="2400" spc="-1" strike="noStrike">
+              <a:latin typeface="Arial"/>
+            </a:endParaRPr>
+          </a:p>
+          <a:p>
+            <a:pPr>
+              <a:lnSpc>
+                <a:spcPct val="100000"/>
+              </a:lnSpc>
+            </a:pPr>
+            <a:r>
+              <a:rPr b="0" lang="es-MX" sz="2400" spc="-1" strike="noStrike">
+                <a:solidFill>
+                  <a:srgbClr val="000000"/>
+                </a:solidFill>
+                <a:latin typeface="Calibri"/>
+                <a:ea typeface="DejaVu Sans"/>
+              </a:rPr>
+              <a:t>Loaded libraries.</a:t>
+            </a:r>
+            <a:endParaRPr b="0" lang="es-MX" sz="2400" spc="-1" strike="noStrike">
+              <a:latin typeface="Arial"/>
+            </a:endParaRPr>
+          </a:p>
+        </p:txBody>
+      </p:sp>
+      <p:pic>
+        <p:nvPicPr>
+          <p:cNvPr id="319" name="Imagen 5" descr=""/>
+          <p:cNvPicPr/>
+          <p:nvPr/>
+        </p:nvPicPr>
+        <p:blipFill>
+          <a:blip r:embed="rId2"/>
+          <a:stretch/>
+        </p:blipFill>
+        <p:spPr>
+          <a:xfrm>
+            <a:off x="3722760" y="6093720"/>
+            <a:ext cx="5111280" cy="591120"/>
+          </a:xfrm>
+          <a:prstGeom prst="rect">
+            <a:avLst/>
+          </a:prstGeom>
+          <a:ln w="0">
+            <a:noFill/>
+          </a:ln>
+        </p:spPr>
+      </p:pic>
+      <p:pic>
+        <p:nvPicPr>
+          <p:cNvPr id="320" name="Imagen 6" descr=""/>
+          <p:cNvPicPr/>
+          <p:nvPr/>
+        </p:nvPicPr>
+        <p:blipFill>
+          <a:blip r:embed="rId3"/>
+          <a:stretch/>
+        </p:blipFill>
+        <p:spPr>
+          <a:xfrm>
+            <a:off x="8550000" y="2297160"/>
+            <a:ext cx="2211120" cy="855360"/>
+          </a:xfrm>
+          <a:prstGeom prst="rect">
+            <a:avLst/>
+          </a:prstGeom>
+          <a:ln w="0">
+            <a:noFill/>
+          </a:ln>
+        </p:spPr>
+      </p:pic>
     </p:spTree>
   </p:cSld>
   <mc:AlternateContent>
@@ -14965,14 +15313,14 @@
       </p:grpSpPr>
       <p:sp>
         <p:nvSpPr>
-          <p:cNvPr id="315" name="CustomShape 1"/>
+          <p:cNvPr id="321" name="CustomShape 1"/>
           <p:cNvSpPr/>
           <p:nvPr/>
         </p:nvSpPr>
         <p:spPr>
           <a:xfrm>
-            <a:off x="820440" y="0"/>
-            <a:ext cx="10514160" cy="1324080"/>
+            <a:off x="360000" y="-244440"/>
+            <a:ext cx="10513800" cy="1323720"/>
           </a:xfrm>
           <a:prstGeom prst="rect">
             <a:avLst/>
@@ -15006,7 +15354,7 @@
                 <a:latin typeface="Calibri Light"/>
                 <a:ea typeface="DejaVu Sans"/>
               </a:rPr>
-              <a:t>Programa en ejecución</a:t>
+              <a:t>1.3.2 Depuración</a:t>
             </a:r>
             <a:endParaRPr b="0" lang="es-MX" sz="4400" spc="-1" strike="noStrike">
               <a:latin typeface="Arial"/>
@@ -15016,14 +15364,14 @@
       </p:sp>
       <p:sp>
         <p:nvSpPr>
-          <p:cNvPr id="316" name="CustomShape 2"/>
+          <p:cNvPr id="322" name="CustomShape 2"/>
           <p:cNvSpPr/>
           <p:nvPr/>
         </p:nvSpPr>
         <p:spPr>
           <a:xfrm>
-            <a:off x="521280" y="1063800"/>
-            <a:ext cx="9889560" cy="455400"/>
+            <a:off x="360000" y="579240"/>
+            <a:ext cx="11656800" cy="1918440"/>
           </a:xfrm>
           <a:prstGeom prst="rect">
             <a:avLst/>
@@ -15057,7 +15405,87 @@
                 <a:latin typeface="Calibri"/>
                 <a:ea typeface="DejaVu Sans"/>
               </a:rPr>
-              <a:t>Durante su ejecución, el programa usa las siguiente bibliotecas</a:t>
+              <a:t>Véase el documento anexo a esta presentación depuracion.docx para </a:t>
+            </a:r>
+            <a:endParaRPr b="0" lang="es-MX" sz="2400" spc="-1" strike="noStrike">
+              <a:latin typeface="Arial"/>
+            </a:endParaRPr>
+          </a:p>
+          <a:p>
+            <a:pPr>
+              <a:lnSpc>
+                <a:spcPct val="100000"/>
+              </a:lnSpc>
+            </a:pPr>
+            <a:r>
+              <a:rPr b="0" lang="es-MX" sz="2400" spc="-1" strike="noStrike">
+                <a:solidFill>
+                  <a:srgbClr val="000000"/>
+                </a:solidFill>
+                <a:latin typeface="Calibri"/>
+                <a:ea typeface="DejaVu Sans"/>
+              </a:rPr>
+              <a:t>una descripción del uso de los comandos básicos del programa GDB para </a:t>
+            </a:r>
+            <a:endParaRPr b="0" lang="es-MX" sz="2400" spc="-1" strike="noStrike">
+              <a:latin typeface="Arial"/>
+            </a:endParaRPr>
+          </a:p>
+          <a:p>
+            <a:pPr>
+              <a:lnSpc>
+                <a:spcPct val="100000"/>
+              </a:lnSpc>
+            </a:pPr>
+            <a:r>
+              <a:rPr b="0" lang="es-MX" sz="2400" spc="-1" strike="noStrike">
+                <a:solidFill>
+                  <a:srgbClr val="000000"/>
+                </a:solidFill>
+                <a:latin typeface="Calibri"/>
+                <a:ea typeface="DejaVu Sans"/>
+              </a:rPr>
+              <a:t>hacer depuración desde la línea de comandos de un sistema operativo </a:t>
+            </a:r>
+            <a:endParaRPr b="0" lang="es-MX" sz="2400" spc="-1" strike="noStrike">
+              <a:latin typeface="Arial"/>
+            </a:endParaRPr>
+          </a:p>
+          <a:p>
+            <a:pPr>
+              <a:lnSpc>
+                <a:spcPct val="100000"/>
+              </a:lnSpc>
+            </a:pPr>
+            <a:r>
+              <a:rPr b="0" lang="es-MX" sz="2400" spc="-1" strike="noStrike">
+                <a:solidFill>
+                  <a:srgbClr val="000000"/>
+                </a:solidFill>
+                <a:latin typeface="Calibri"/>
+                <a:ea typeface="DejaVu Sans"/>
+              </a:rPr>
+              <a:t>GNU-Linux. Por otra parte, en el IDE Codeblocks se muestra a continuación</a:t>
+            </a:r>
+            <a:endParaRPr b="0" lang="es-MX" sz="2400" spc="-1" strike="noStrike">
+              <a:latin typeface="Arial"/>
+            </a:endParaRPr>
+          </a:p>
+          <a:p>
+            <a:pPr>
+              <a:lnSpc>
+                <a:spcPct val="100000"/>
+              </a:lnSpc>
+            </a:pPr>
+            <a:r>
+              <a:rPr b="0" lang="es-MX" sz="2400" spc="-1" strike="noStrike">
+                <a:solidFill>
+                  <a:srgbClr val="000000"/>
+                </a:solidFill>
+                <a:latin typeface="Calibri"/>
+                <a:ea typeface="DejaVu Sans"/>
+              </a:rPr>
+              <a:t>una sesión de depuración para el programa:</a:t>
             </a:r>
             <a:endParaRPr b="0" lang="es-MX" sz="2400" spc="-1" strike="noStrike">
               <a:latin typeface="Arial"/>
@@ -15067,7 +15495,7 @@
       </p:sp>
       <p:pic>
         <p:nvPicPr>
-          <p:cNvPr id="317" name="Imagen 3" descr=""/>
+          <p:cNvPr id="323" name="Imagen 4" descr=""/>
           <p:cNvPicPr/>
           <p:nvPr/>
         </p:nvPicPr>
@@ -15077,205 +15505,8 @@
         </p:blipFill>
         <p:spPr>
           <a:xfrm>
-            <a:off x="965160" y="1587240"/>
-            <a:ext cx="5513400" cy="1827360"/>
-          </a:xfrm>
-          <a:prstGeom prst="rect">
-            <a:avLst/>
-          </a:prstGeom>
-          <a:ln w="0">
-            <a:noFill/>
-          </a:ln>
-        </p:spPr>
-      </p:pic>
-      <p:sp>
-        <p:nvSpPr>
-          <p:cNvPr id="318" name="CustomShape 3"/>
-          <p:cNvSpPr/>
-          <p:nvPr/>
-        </p:nvSpPr>
-        <p:spPr>
-          <a:xfrm>
-            <a:off x="470160" y="3416040"/>
-            <a:ext cx="11646720" cy="2284200"/>
-          </a:xfrm>
-          <a:prstGeom prst="rect">
-            <a:avLst/>
-          </a:prstGeom>
-          <a:noFill/>
-          <a:ln w="0">
-            <a:noFill/>
-          </a:ln>
-        </p:spPr>
-        <p:style>
-          <a:lnRef idx="0"/>
-          <a:fillRef idx="0"/>
-          <a:effectRef idx="0"/>
-          <a:fontRef idx="minor"/>
-        </p:style>
-        <p:txBody>
-          <a:bodyPr wrap="none" lIns="90000" rIns="90000" tIns="45000" bIns="45000">
-            <a:spAutoFit/>
-          </a:bodyPr>
-          <a:p>
-            <a:pPr>
-              <a:lnSpc>
-                <a:spcPct val="100000"/>
-              </a:lnSpc>
-            </a:pPr>
-            <a:r>
-              <a:rPr b="0" lang="es-MX" sz="2400" spc="-1" strike="noStrike">
-                <a:solidFill>
-                  <a:srgbClr val="000000"/>
-                </a:solidFill>
-                <a:latin typeface="Calibri"/>
-                <a:ea typeface="DejaVu Sans"/>
-              </a:rPr>
-              <a:t>Para obtener esta información se seleccionó el target Debug, se colocó </a:t>
-            </a:r>
-            <a:endParaRPr b="0" lang="es-MX" sz="2400" spc="-1" strike="noStrike">
-              <a:latin typeface="Arial"/>
-            </a:endParaRPr>
-          </a:p>
-          <a:p>
-            <a:pPr>
-              <a:lnSpc>
-                <a:spcPct val="100000"/>
-              </a:lnSpc>
-            </a:pPr>
-            <a:r>
-              <a:rPr b="0" lang="es-MX" sz="2400" spc="-1" strike="noStrike">
-                <a:solidFill>
-                  <a:srgbClr val="000000"/>
-                </a:solidFill>
-                <a:latin typeface="Calibri"/>
-                <a:ea typeface="DejaVu Sans"/>
-              </a:rPr>
-              <a:t>un punto de ruptura en la línea donde está la función main del archivo </a:t>
-            </a:r>
-            <a:endParaRPr b="0" lang="es-MX" sz="2400" spc="-1" strike="noStrike">
-              <a:latin typeface="Arial"/>
-            </a:endParaRPr>
-          </a:p>
-          <a:p>
-            <a:pPr>
-              <a:lnSpc>
-                <a:spcPct val="100000"/>
-              </a:lnSpc>
-            </a:pPr>
-            <a:r>
-              <a:rPr b="0" lang="es-MX" sz="2400" spc="-1" strike="noStrike">
-                <a:solidFill>
-                  <a:srgbClr val="000000"/>
-                </a:solidFill>
-                <a:latin typeface="Calibri"/>
-                <a:ea typeface="DejaVu Sans"/>
-              </a:rPr>
-              <a:t>de código fuente. Se dio clic en el botón play de color rojo. Cuando la </a:t>
-            </a:r>
-            <a:endParaRPr b="0" lang="es-MX" sz="2400" spc="-1" strike="noStrike">
-              <a:latin typeface="Arial"/>
-            </a:endParaRPr>
-          </a:p>
-          <a:p>
-            <a:pPr>
-              <a:lnSpc>
-                <a:spcPct val="100000"/>
-              </a:lnSpc>
-            </a:pPr>
-            <a:r>
-              <a:rPr b="0" lang="es-MX" sz="2400" spc="-1" strike="noStrike">
-                <a:solidFill>
-                  <a:srgbClr val="000000"/>
-                </a:solidFill>
-                <a:latin typeface="Calibri"/>
-                <a:ea typeface="DejaVu Sans"/>
-              </a:rPr>
-              <a:t>ejecución del programa se detuvo al ingresar a la función main, se dio clic </a:t>
-            </a:r>
-            <a:endParaRPr b="0" lang="es-MX" sz="2400" spc="-1" strike="noStrike">
-              <a:latin typeface="Arial"/>
-            </a:endParaRPr>
-          </a:p>
-          <a:p>
-            <a:pPr>
-              <a:lnSpc>
-                <a:spcPct val="100000"/>
-              </a:lnSpc>
-            </a:pPr>
-            <a:r>
-              <a:rPr b="0" lang="es-MX" sz="2400" spc="-1" strike="noStrike">
-                <a:solidFill>
-                  <a:srgbClr val="000000"/>
-                </a:solidFill>
-                <a:latin typeface="Calibri"/>
-                <a:ea typeface="DejaVu Sans"/>
-              </a:rPr>
-              <a:t>en el botón Various info (el que tiene la letra i), y se seleccionó la opción </a:t>
-            </a:r>
-            <a:endParaRPr b="0" lang="es-MX" sz="2400" spc="-1" strike="noStrike">
-              <a:latin typeface="Arial"/>
-            </a:endParaRPr>
-          </a:p>
-          <a:p>
-            <a:pPr>
-              <a:lnSpc>
-                <a:spcPct val="100000"/>
-              </a:lnSpc>
-            </a:pPr>
-            <a:r>
-              <a:rPr b="0" lang="es-MX" sz="2400" spc="-1" strike="noStrike">
-                <a:solidFill>
-                  <a:srgbClr val="000000"/>
-                </a:solidFill>
-                <a:latin typeface="Calibri"/>
-                <a:ea typeface="DejaVu Sans"/>
-              </a:rPr>
-              <a:t>Loaded libraries.</a:t>
-            </a:r>
-            <a:endParaRPr b="0" lang="es-MX" sz="2400" spc="-1" strike="noStrike">
-              <a:latin typeface="Arial"/>
-            </a:endParaRPr>
-          </a:p>
-        </p:txBody>
-      </p:sp>
-      <p:pic>
-        <p:nvPicPr>
-          <p:cNvPr id="319" name="Imagen 5" descr=""/>
-          <p:cNvPicPr/>
-          <p:nvPr/>
-        </p:nvPicPr>
-        <p:blipFill>
-          <a:blip r:embed="rId2"/>
-          <a:stretch/>
-        </p:blipFill>
-        <p:spPr>
-          <a:xfrm>
-            <a:off x="3722760" y="6093720"/>
-            <a:ext cx="5111640" cy="591480"/>
-          </a:xfrm>
-          <a:prstGeom prst="rect">
-            <a:avLst/>
-          </a:prstGeom>
-          <a:ln w="0">
-            <a:noFill/>
-          </a:ln>
-        </p:spPr>
-      </p:pic>
-      <p:pic>
-        <p:nvPicPr>
-          <p:cNvPr id="320" name="Imagen 6" descr=""/>
-          <p:cNvPicPr/>
-          <p:nvPr/>
-        </p:nvPicPr>
-        <p:blipFill>
-          <a:blip r:embed="rId3"/>
-          <a:stretch/>
-        </p:blipFill>
-        <p:spPr>
-          <a:xfrm>
-            <a:off x="8550000" y="2297160"/>
-            <a:ext cx="2211480" cy="855720"/>
+            <a:off x="3982680" y="2763360"/>
+            <a:ext cx="5092560" cy="3830040"/>
           </a:xfrm>
           <a:prstGeom prst="rect">
             <a:avLst/>
@@ -15317,14 +15548,14 @@
       </p:grpSpPr>
       <p:sp>
         <p:nvSpPr>
-          <p:cNvPr id="321" name="CustomShape 1"/>
+          <p:cNvPr id="324" name="CustomShape 1"/>
           <p:cNvSpPr/>
           <p:nvPr/>
         </p:nvSpPr>
         <p:spPr>
           <a:xfrm>
-            <a:off x="360000" y="-244440"/>
-            <a:ext cx="10514160" cy="1324080"/>
+            <a:off x="714960" y="-303120"/>
+            <a:ext cx="10513800" cy="1323720"/>
           </a:xfrm>
           <a:prstGeom prst="rect">
             <a:avLst/>
@@ -15358,7 +15589,7 @@
                 <a:latin typeface="Calibri Light"/>
                 <a:ea typeface="DejaVu Sans"/>
               </a:rPr>
-              <a:t>1.3.2 Depuración</a:t>
+              <a:t>Target Debug y punto de ruptura</a:t>
             </a:r>
             <a:endParaRPr b="0" lang="es-MX" sz="4400" spc="-1" strike="noStrike">
               <a:latin typeface="Arial"/>
@@ -15368,14 +15599,14 @@
       </p:sp>
       <p:sp>
         <p:nvSpPr>
-          <p:cNvPr id="322" name="CustomShape 2"/>
+          <p:cNvPr id="325" name="CustomShape 2"/>
           <p:cNvSpPr/>
           <p:nvPr/>
         </p:nvSpPr>
         <p:spPr>
           <a:xfrm>
-            <a:off x="360000" y="579240"/>
-            <a:ext cx="11657160" cy="1918440"/>
+            <a:off x="629640" y="545400"/>
+            <a:ext cx="10684440" cy="821160"/>
           </a:xfrm>
           <a:prstGeom prst="rect">
             <a:avLst/>
@@ -15409,7 +15640,7 @@
                 <a:latin typeface="Calibri"/>
                 <a:ea typeface="DejaVu Sans"/>
               </a:rPr>
-              <a:t>Véase el documento anexo a esta presentación depuracion.docx para </a:t>
+              <a:t>Se selecciona el target Debug y se coloca un punto de ruptura en la </a:t>
             </a:r>
             <a:endParaRPr b="0" lang="es-MX" sz="2400" spc="-1" strike="noStrike">
               <a:latin typeface="Arial"/>
@@ -15429,67 +15660,7 @@
                 <a:latin typeface="Calibri"/>
                 <a:ea typeface="DejaVu Sans"/>
               </a:rPr>
-              <a:t>una descripción del uso de los comandos básicos del programa GDB para </a:t>
-            </a:r>
-            <a:endParaRPr b="0" lang="es-MX" sz="2400" spc="-1" strike="noStrike">
-              <a:latin typeface="Arial"/>
-            </a:endParaRPr>
-          </a:p>
-          <a:p>
-            <a:pPr>
-              <a:lnSpc>
-                <a:spcPct val="100000"/>
-              </a:lnSpc>
-            </a:pPr>
-            <a:r>
-              <a:rPr b="0" lang="es-MX" sz="2400" spc="-1" strike="noStrike">
-                <a:solidFill>
-                  <a:srgbClr val="000000"/>
-                </a:solidFill>
-                <a:latin typeface="Calibri"/>
-                <a:ea typeface="DejaVu Sans"/>
-              </a:rPr>
-              <a:t>hacer depuración desde la línea de comandos de un sistema operativo </a:t>
-            </a:r>
-            <a:endParaRPr b="0" lang="es-MX" sz="2400" spc="-1" strike="noStrike">
-              <a:latin typeface="Arial"/>
-            </a:endParaRPr>
-          </a:p>
-          <a:p>
-            <a:pPr>
-              <a:lnSpc>
-                <a:spcPct val="100000"/>
-              </a:lnSpc>
-            </a:pPr>
-            <a:r>
-              <a:rPr b="0" lang="es-MX" sz="2400" spc="-1" strike="noStrike">
-                <a:solidFill>
-                  <a:srgbClr val="000000"/>
-                </a:solidFill>
-                <a:latin typeface="Calibri"/>
-                <a:ea typeface="DejaVu Sans"/>
-              </a:rPr>
-              <a:t>GNU-Linux. Por otra parte, en el IDE Codeblocks se muestra a continuación</a:t>
-            </a:r>
-            <a:endParaRPr b="0" lang="es-MX" sz="2400" spc="-1" strike="noStrike">
-              <a:latin typeface="Arial"/>
-            </a:endParaRPr>
-          </a:p>
-          <a:p>
-            <a:pPr>
-              <a:lnSpc>
-                <a:spcPct val="100000"/>
-              </a:lnSpc>
-            </a:pPr>
-            <a:r>
-              <a:rPr b="0" lang="es-MX" sz="2400" spc="-1" strike="noStrike">
-                <a:solidFill>
-                  <a:srgbClr val="000000"/>
-                </a:solidFill>
-                <a:latin typeface="Calibri"/>
-                <a:ea typeface="DejaVu Sans"/>
-              </a:rPr>
-              <a:t>una sesión de depuración para el programa:</a:t>
+              <a:t>línea de código ary[i] = i, como se muestra en la siguiente figura:</a:t>
             </a:r>
             <a:endParaRPr b="0" lang="es-MX" sz="2400" spc="-1" strike="noStrike">
               <a:latin typeface="Arial"/>
@@ -15499,7 +15670,7 @@
       </p:sp>
       <p:pic>
         <p:nvPicPr>
-          <p:cNvPr id="323" name="Imagen 4" descr=""/>
+          <p:cNvPr id="326" name="Imagen 3" descr=""/>
           <p:cNvPicPr/>
           <p:nvPr/>
         </p:nvPicPr>
@@ -15509,8 +15680,8 @@
         </p:blipFill>
         <p:spPr>
           <a:xfrm>
-            <a:off x="3982680" y="2763360"/>
-            <a:ext cx="5092920" cy="3830400"/>
+            <a:off x="8946360" y="4632840"/>
+            <a:ext cx="1750680" cy="1969920"/>
           </a:xfrm>
           <a:prstGeom prst="rect">
             <a:avLst/>
@@ -15520,6 +15691,200 @@
           </a:ln>
         </p:spPr>
       </p:pic>
+      <p:pic>
+        <p:nvPicPr>
+          <p:cNvPr id="327" name="Imagen 4" descr=""/>
+          <p:cNvPicPr/>
+          <p:nvPr/>
+        </p:nvPicPr>
+        <p:blipFill>
+          <a:blip r:embed="rId2"/>
+          <a:stretch/>
+        </p:blipFill>
+        <p:spPr>
+          <a:xfrm>
+            <a:off x="1124640" y="1499400"/>
+            <a:ext cx="6435000" cy="4813920"/>
+          </a:xfrm>
+          <a:prstGeom prst="rect">
+            <a:avLst/>
+          </a:prstGeom>
+          <a:ln w="0">
+            <a:noFill/>
+          </a:ln>
+        </p:spPr>
+      </p:pic>
+      <p:sp>
+        <p:nvSpPr>
+          <p:cNvPr id="328" name="CustomShape 3"/>
+          <p:cNvSpPr/>
+          <p:nvPr/>
+        </p:nvSpPr>
+        <p:spPr>
+          <a:xfrm>
+            <a:off x="7615440" y="1524240"/>
+            <a:ext cx="4413240" cy="2649960"/>
+          </a:xfrm>
+          <a:prstGeom prst="rect">
+            <a:avLst/>
+          </a:prstGeom>
+          <a:noFill/>
+          <a:ln w="0">
+            <a:noFill/>
+          </a:ln>
+        </p:spPr>
+        <p:style>
+          <a:lnRef idx="0"/>
+          <a:fillRef idx="0"/>
+          <a:effectRef idx="0"/>
+          <a:fontRef idx="minor"/>
+        </p:style>
+        <p:txBody>
+          <a:bodyPr wrap="none" lIns="90000" rIns="90000" tIns="45000" bIns="45000">
+            <a:spAutoFit/>
+          </a:bodyPr>
+          <a:p>
+            <a:pPr>
+              <a:lnSpc>
+                <a:spcPct val="100000"/>
+              </a:lnSpc>
+            </a:pPr>
+            <a:r>
+              <a:rPr b="0" lang="es-MX" sz="2400" spc="-1" strike="noStrike">
+                <a:solidFill>
+                  <a:srgbClr val="000000"/>
+                </a:solidFill>
+                <a:latin typeface="Calibri"/>
+                <a:ea typeface="DejaVu Sans"/>
+              </a:rPr>
+              <a:t>Dado que el arreglo que se </a:t>
+            </a:r>
+            <a:endParaRPr b="0" lang="es-MX" sz="2400" spc="-1" strike="noStrike">
+              <a:latin typeface="Arial"/>
+            </a:endParaRPr>
+          </a:p>
+          <a:p>
+            <a:pPr>
+              <a:lnSpc>
+                <a:spcPct val="100000"/>
+              </a:lnSpc>
+            </a:pPr>
+            <a:r>
+              <a:rPr b="0" lang="es-MX" sz="2400" spc="-1" strike="noStrike">
+                <a:solidFill>
+                  <a:srgbClr val="000000"/>
+                </a:solidFill>
+                <a:latin typeface="Calibri"/>
+                <a:ea typeface="DejaVu Sans"/>
+              </a:rPr>
+              <a:t>pasa como argumento al  </a:t>
+            </a:r>
+            <a:endParaRPr b="0" lang="es-MX" sz="2400" spc="-1" strike="noStrike">
+              <a:latin typeface="Arial"/>
+            </a:endParaRPr>
+          </a:p>
+          <a:p>
+            <a:pPr>
+              <a:lnSpc>
+                <a:spcPct val="100000"/>
+              </a:lnSpc>
+            </a:pPr>
+            <a:r>
+              <a:rPr b="0" lang="es-MX" sz="2400" spc="-1" strike="noStrike">
+                <a:solidFill>
+                  <a:srgbClr val="000000"/>
+                </a:solidFill>
+                <a:latin typeface="Calibri"/>
+                <a:ea typeface="DejaVu Sans"/>
+              </a:rPr>
+              <a:t>llamar a la función </a:t>
+            </a:r>
+            <a:endParaRPr b="0" lang="es-MX" sz="2400" spc="-1" strike="noStrike">
+              <a:latin typeface="Arial"/>
+            </a:endParaRPr>
+          </a:p>
+          <a:p>
+            <a:pPr>
+              <a:lnSpc>
+                <a:spcPct val="100000"/>
+              </a:lnSpc>
+            </a:pPr>
+            <a:r>
+              <a:rPr b="0" lang="es-MX" sz="2400" spc="-1" strike="noStrike">
+                <a:solidFill>
+                  <a:srgbClr val="000000"/>
+                </a:solidFill>
+                <a:latin typeface="Calibri"/>
+                <a:ea typeface="DejaVu Sans"/>
+              </a:rPr>
+              <a:t>index_to_the_moon es de </a:t>
+            </a:r>
+            <a:endParaRPr b="0" lang="es-MX" sz="2400" spc="-1" strike="noStrike">
+              <a:latin typeface="Arial"/>
+            </a:endParaRPr>
+          </a:p>
+          <a:p>
+            <a:pPr>
+              <a:lnSpc>
+                <a:spcPct val="100000"/>
+              </a:lnSpc>
+            </a:pPr>
+            <a:r>
+              <a:rPr b="0" lang="es-MX" sz="2400" spc="-1" strike="noStrike">
+                <a:solidFill>
+                  <a:srgbClr val="000000"/>
+                </a:solidFill>
+                <a:latin typeface="Calibri"/>
+                <a:ea typeface="DejaVu Sans"/>
+              </a:rPr>
+              <a:t>tamaño 100, se usó un </a:t>
+            </a:r>
+            <a:endParaRPr b="0" lang="es-MX" sz="2400" spc="-1" strike="noStrike">
+              <a:latin typeface="Arial"/>
+            </a:endParaRPr>
+          </a:p>
+          <a:p>
+            <a:pPr>
+              <a:lnSpc>
+                <a:spcPct val="100000"/>
+              </a:lnSpc>
+            </a:pPr>
+            <a:r>
+              <a:rPr b="0" lang="es-MX" sz="2400" spc="-1" strike="noStrike">
+                <a:solidFill>
+                  <a:srgbClr val="000000"/>
+                </a:solidFill>
+                <a:latin typeface="Calibri"/>
+                <a:ea typeface="DejaVu Sans"/>
+              </a:rPr>
+              <a:t>breakpoint condicional con </a:t>
+            </a:r>
+            <a:endParaRPr b="0" lang="es-MX" sz="2400" spc="-1" strike="noStrike">
+              <a:latin typeface="Arial"/>
+            </a:endParaRPr>
+          </a:p>
+          <a:p>
+            <a:pPr>
+              <a:lnSpc>
+                <a:spcPct val="100000"/>
+              </a:lnSpc>
+            </a:pPr>
+            <a:r>
+              <a:rPr b="0" lang="es-MX" sz="2400" spc="-1" strike="noStrike">
+                <a:solidFill>
+                  <a:srgbClr val="000000"/>
+                </a:solidFill>
+                <a:latin typeface="Calibri"/>
+                <a:ea typeface="DejaVu Sans"/>
+              </a:rPr>
+              <a:t>expresión i  &gt;  99</a:t>
+            </a:r>
+            <a:endParaRPr b="0" lang="es-MX" sz="2400" spc="-1" strike="noStrike">
+              <a:latin typeface="Arial"/>
+            </a:endParaRPr>
+          </a:p>
+        </p:txBody>
+      </p:sp>
     </p:spTree>
   </p:cSld>
   <mc:AlternateContent>
@@ -15552,14 +15917,14 @@
       </p:grpSpPr>
       <p:sp>
         <p:nvSpPr>
-          <p:cNvPr id="324" name="CustomShape 1"/>
+          <p:cNvPr id="329" name="CustomShape 1"/>
           <p:cNvSpPr/>
           <p:nvPr/>
         </p:nvSpPr>
         <p:spPr>
           <a:xfrm>
-            <a:off x="714960" y="-303120"/>
-            <a:ext cx="10514160" cy="1324080"/>
+            <a:off x="337320" y="-312120"/>
+            <a:ext cx="10513800" cy="1323720"/>
           </a:xfrm>
           <a:prstGeom prst="rect">
             <a:avLst/>
@@ -15593,7 +15958,7 @@
                 <a:latin typeface="Calibri Light"/>
                 <a:ea typeface="DejaVu Sans"/>
               </a:rPr>
-              <a:t>Target Debug y punto de ruptura</a:t>
+              <a:t>Se ejecuta el programa usando GDB </a:t>
             </a:r>
             <a:endParaRPr b="0" lang="es-MX" sz="4400" spc="-1" strike="noStrike">
               <a:latin typeface="Arial"/>
@@ -15603,14 +15968,14 @@
       </p:sp>
       <p:sp>
         <p:nvSpPr>
-          <p:cNvPr id="325" name="CustomShape 2"/>
+          <p:cNvPr id="330" name="CustomShape 2"/>
           <p:cNvSpPr/>
           <p:nvPr/>
         </p:nvSpPr>
         <p:spPr>
           <a:xfrm>
-            <a:off x="629640" y="545400"/>
-            <a:ext cx="10684800" cy="821160"/>
+            <a:off x="312840" y="516960"/>
+            <a:ext cx="11146320" cy="439920"/>
           </a:xfrm>
           <a:prstGeom prst="rect">
             <a:avLst/>
@@ -15637,36 +16002,16 @@
               </a:lnSpc>
             </a:pPr>
             <a:r>
-              <a:rPr b="0" lang="es-MX" sz="2400" spc="-1" strike="noStrike">
+              <a:rPr b="0" lang="es-MX" sz="2300" spc="-1" strike="noStrike">
                 <a:solidFill>
                   <a:srgbClr val="000000"/>
                 </a:solidFill>
                 <a:latin typeface="Calibri"/>
                 <a:ea typeface="DejaVu Sans"/>
               </a:rPr>
-              <a:t>Se selecciona el target Debug y se coloca un punto de ruptura en la </a:t>
-            </a:r>
-            <a:endParaRPr b="0" lang="es-MX" sz="2400" spc="-1" strike="noStrike">
-              <a:latin typeface="Arial"/>
-            </a:endParaRPr>
-          </a:p>
-          <a:p>
-            <a:pPr>
-              <a:lnSpc>
-                <a:spcPct val="100000"/>
-              </a:lnSpc>
-            </a:pPr>
-            <a:r>
-              <a:rPr b="0" lang="es-MX" sz="2400" spc="-1" strike="noStrike">
-                <a:solidFill>
-                  <a:srgbClr val="000000"/>
-                </a:solidFill>
-                <a:latin typeface="Calibri"/>
-                <a:ea typeface="DejaVu Sans"/>
-              </a:rPr>
-              <a:t>línea de código ary[i] = i, como se muestra en la siguiente figura:</a:t>
-            </a:r>
-            <a:endParaRPr b="0" lang="es-MX" sz="2400" spc="-1" strike="noStrike">
+              <a:t>El programa se ejecuta en el depurador dando clic en el botón de play rojo</a:t>
+            </a:r>
+            <a:endParaRPr b="0" lang="es-MX" sz="2300" spc="-1" strike="noStrike">
               <a:latin typeface="Arial"/>
             </a:endParaRPr>
           </a:p>
@@ -15674,7 +16019,7 @@
       </p:sp>
       <p:pic>
         <p:nvPicPr>
-          <p:cNvPr id="326" name="Imagen 3" descr=""/>
+          <p:cNvPr id="331" name="Imagen 3" descr=""/>
           <p:cNvPicPr/>
           <p:nvPr/>
         </p:nvPicPr>
@@ -15684,8 +16029,8 @@
         </p:blipFill>
         <p:spPr>
           <a:xfrm>
-            <a:off x="8946360" y="4632840"/>
-            <a:ext cx="1751040" cy="1970280"/>
+            <a:off x="3092760" y="1040040"/>
+            <a:ext cx="5469120" cy="663840"/>
           </a:xfrm>
           <a:prstGeom prst="rect">
             <a:avLst/>
@@ -15695,9 +16040,170 @@
           </a:ln>
         </p:spPr>
       </p:pic>
+      <p:sp>
+        <p:nvSpPr>
+          <p:cNvPr id="332" name="CustomShape 3"/>
+          <p:cNvSpPr/>
+          <p:nvPr/>
+        </p:nvSpPr>
+        <p:spPr>
+          <a:xfrm>
+            <a:off x="186120" y="1880280"/>
+            <a:ext cx="13999320" cy="2267640"/>
+          </a:xfrm>
+          <a:prstGeom prst="rect">
+            <a:avLst/>
+          </a:prstGeom>
+          <a:noFill/>
+          <a:ln w="0">
+            <a:noFill/>
+          </a:ln>
+        </p:spPr>
+        <p:style>
+          <a:lnRef idx="0"/>
+          <a:fillRef idx="0"/>
+          <a:effectRef idx="0"/>
+          <a:fontRef idx="minor"/>
+        </p:style>
+        <p:txBody>
+          <a:bodyPr wrap="none" lIns="90000" rIns="90000" tIns="45000" bIns="45000">
+            <a:spAutoFit/>
+          </a:bodyPr>
+          <a:p>
+            <a:pPr>
+              <a:lnSpc>
+                <a:spcPct val="100000"/>
+              </a:lnSpc>
+            </a:pPr>
+            <a:r>
+              <a:rPr b="0" lang="es-MX" sz="2300" spc="-1" strike="noStrike">
+                <a:solidFill>
+                  <a:srgbClr val="000000"/>
+                </a:solidFill>
+                <a:latin typeface="Calibri"/>
+                <a:ea typeface="DejaVu Sans"/>
+              </a:rPr>
+              <a:t>Como el arreglo intary es de tamaño 100, y en la función index_to_moon se </a:t>
+            </a:r>
+            <a:endParaRPr b="0" lang="es-MX" sz="2300" spc="-1" strike="noStrike">
+              <a:latin typeface="Arial"/>
+            </a:endParaRPr>
+          </a:p>
+          <a:p>
+            <a:pPr>
+              <a:lnSpc>
+                <a:spcPct val="100000"/>
+              </a:lnSpc>
+            </a:pPr>
+            <a:r>
+              <a:rPr b="0" lang="es-MX" sz="2300" spc="-1" strike="noStrike">
+                <a:solidFill>
+                  <a:srgbClr val="000000"/>
+                </a:solidFill>
+                <a:latin typeface="Calibri"/>
+                <a:ea typeface="DejaVu Sans"/>
+              </a:rPr>
+              <a:t>colocó un breakpoint condicional con expresión i &gt; 99, si el programa se detie-</a:t>
+            </a:r>
+            <a:endParaRPr b="0" lang="es-MX" sz="2300" spc="-1" strike="noStrike">
+              <a:latin typeface="Arial"/>
+            </a:endParaRPr>
+          </a:p>
+          <a:p>
+            <a:pPr>
+              <a:lnSpc>
+                <a:spcPct val="100000"/>
+              </a:lnSpc>
+            </a:pPr>
+            <a:r>
+              <a:rPr b="0" lang="es-MX" sz="2300" spc="-1" strike="noStrike">
+                <a:solidFill>
+                  <a:srgbClr val="000000"/>
+                </a:solidFill>
+                <a:latin typeface="Calibri"/>
+                <a:ea typeface="DejaVu Sans"/>
+              </a:rPr>
+              <a:t>ne en ese punto de ruptura, significa que en la función se está tratando de </a:t>
+            </a:r>
+            <a:endParaRPr b="0" lang="es-MX" sz="2300" spc="-1" strike="noStrike">
+              <a:latin typeface="Arial"/>
+            </a:endParaRPr>
+          </a:p>
+          <a:p>
+            <a:pPr>
+              <a:lnSpc>
+                <a:spcPct val="100000"/>
+              </a:lnSpc>
+            </a:pPr>
+            <a:r>
+              <a:rPr b="0" lang="es-MX" sz="2300" spc="-1" strike="noStrike">
+                <a:solidFill>
+                  <a:srgbClr val="000000"/>
+                </a:solidFill>
+                <a:latin typeface="Calibri"/>
+                <a:ea typeface="DejaVu Sans"/>
+              </a:rPr>
+              <a:t>acceder a una localidad de memoría que ya no pertenece al arreglo que se </a:t>
+            </a:r>
+            <a:endParaRPr b="0" lang="es-MX" sz="2300" spc="-1" strike="noStrike">
+              <a:latin typeface="Arial"/>
+            </a:endParaRPr>
+          </a:p>
+          <a:p>
+            <a:pPr>
+              <a:lnSpc>
+                <a:spcPct val="100000"/>
+              </a:lnSpc>
+            </a:pPr>
+            <a:r>
+              <a:rPr b="0" lang="es-MX" sz="2300" spc="-1" strike="noStrike">
+                <a:solidFill>
+                  <a:srgbClr val="000000"/>
+                </a:solidFill>
+                <a:latin typeface="Calibri"/>
+                <a:ea typeface="DejaVu Sans"/>
+              </a:rPr>
+              <a:t>pasó como argumento. Después de eso, se detiene la ejecución del programa </a:t>
+            </a:r>
+            <a:endParaRPr b="0" lang="es-MX" sz="2300" spc="-1" strike="noStrike">
+              <a:latin typeface="Arial"/>
+            </a:endParaRPr>
+          </a:p>
+          <a:p>
+            <a:pPr>
+              <a:lnSpc>
+                <a:spcPct val="100000"/>
+              </a:lnSpc>
+            </a:pPr>
+            <a:r>
+              <a:rPr b="0" lang="es-MX" sz="2300" spc="-1" strike="noStrike">
+                <a:solidFill>
+                  <a:srgbClr val="000000"/>
+                </a:solidFill>
+                <a:latin typeface="Calibri"/>
+                <a:ea typeface="DejaVu Sans"/>
+              </a:rPr>
+              <a:t>(clic en el botón que tiene la equis blanca con fondo rojo).</a:t>
+            </a:r>
+            <a:r>
+              <a:rPr b="0" lang="es-MX" sz="2800" spc="-1" strike="noStrike">
+                <a:solidFill>
+                  <a:srgbClr val="000000"/>
+                </a:solidFill>
+                <a:latin typeface="Calibri"/>
+                <a:ea typeface="DejaVu Sans"/>
+              </a:rPr>
+              <a:t>                                             . </a:t>
+            </a:r>
+            <a:endParaRPr b="0" lang="es-MX" sz="2800" spc="-1" strike="noStrike">
+              <a:latin typeface="Arial"/>
+            </a:endParaRPr>
+          </a:p>
+        </p:txBody>
+      </p:sp>
       <p:pic>
         <p:nvPicPr>
-          <p:cNvPr id="327" name="Imagen 4" descr=""/>
+          <p:cNvPr id="333" name="Imagen 7" descr=""/>
           <p:cNvPicPr/>
           <p:nvPr/>
         </p:nvPicPr>
@@ -15707,8 +16213,8 @@
         </p:blipFill>
         <p:spPr>
           <a:xfrm>
-            <a:off x="1124640" y="1499400"/>
-            <a:ext cx="6435360" cy="4814280"/>
+            <a:off x="3405600" y="4522680"/>
+            <a:ext cx="5518440" cy="600480"/>
           </a:xfrm>
           <a:prstGeom prst="rect">
             <a:avLst/>
@@ -15718,177 +16224,6 @@
           </a:ln>
         </p:spPr>
       </p:pic>
-      <p:sp>
-        <p:nvSpPr>
-          <p:cNvPr id="328" name="CustomShape 3"/>
-          <p:cNvSpPr/>
-          <p:nvPr/>
-        </p:nvSpPr>
-        <p:spPr>
-          <a:xfrm>
-            <a:off x="7615440" y="1524240"/>
-            <a:ext cx="4413600" cy="2649960"/>
-          </a:xfrm>
-          <a:prstGeom prst="rect">
-            <a:avLst/>
-          </a:prstGeom>
-          <a:noFill/>
-          <a:ln w="0">
-            <a:noFill/>
-          </a:ln>
-        </p:spPr>
-        <p:style>
-          <a:lnRef idx="0"/>
-          <a:fillRef idx="0"/>
-          <a:effectRef idx="0"/>
-          <a:fontRef idx="minor"/>
-        </p:style>
-        <p:txBody>
-          <a:bodyPr wrap="none" lIns="90000" rIns="90000" tIns="45000" bIns="45000">
-            <a:spAutoFit/>
-          </a:bodyPr>
-          <a:p>
-            <a:pPr>
-              <a:lnSpc>
-                <a:spcPct val="100000"/>
-              </a:lnSpc>
-            </a:pPr>
-            <a:r>
-              <a:rPr b="0" lang="es-MX" sz="2400" spc="-1" strike="noStrike">
-                <a:solidFill>
-                  <a:srgbClr val="000000"/>
-                </a:solidFill>
-                <a:latin typeface="Calibri"/>
-                <a:ea typeface="DejaVu Sans"/>
-              </a:rPr>
-              <a:t>Dado que el arreglo que se </a:t>
-            </a:r>
-            <a:endParaRPr b="0" lang="es-MX" sz="2400" spc="-1" strike="noStrike">
-              <a:latin typeface="Arial"/>
-            </a:endParaRPr>
-          </a:p>
-          <a:p>
-            <a:pPr>
-              <a:lnSpc>
-                <a:spcPct val="100000"/>
-              </a:lnSpc>
-            </a:pPr>
-            <a:r>
-              <a:rPr b="0" lang="es-MX" sz="2400" spc="-1" strike="noStrike">
-                <a:solidFill>
-                  <a:srgbClr val="000000"/>
-                </a:solidFill>
-                <a:latin typeface="Calibri"/>
-                <a:ea typeface="DejaVu Sans"/>
-              </a:rPr>
-              <a:t>pasa como argumento al  </a:t>
-            </a:r>
-            <a:endParaRPr b="0" lang="es-MX" sz="2400" spc="-1" strike="noStrike">
-              <a:latin typeface="Arial"/>
-            </a:endParaRPr>
-          </a:p>
-          <a:p>
-            <a:pPr>
-              <a:lnSpc>
-                <a:spcPct val="100000"/>
-              </a:lnSpc>
-            </a:pPr>
-            <a:r>
-              <a:rPr b="0" lang="es-MX" sz="2400" spc="-1" strike="noStrike">
-                <a:solidFill>
-                  <a:srgbClr val="000000"/>
-                </a:solidFill>
-                <a:latin typeface="Calibri"/>
-                <a:ea typeface="DejaVu Sans"/>
-              </a:rPr>
-              <a:t>llamar a la función </a:t>
-            </a:r>
-            <a:endParaRPr b="0" lang="es-MX" sz="2400" spc="-1" strike="noStrike">
-              <a:latin typeface="Arial"/>
-            </a:endParaRPr>
-          </a:p>
-          <a:p>
-            <a:pPr>
-              <a:lnSpc>
-                <a:spcPct val="100000"/>
-              </a:lnSpc>
-            </a:pPr>
-            <a:r>
-              <a:rPr b="0" lang="es-MX" sz="2400" spc="-1" strike="noStrike">
-                <a:solidFill>
-                  <a:srgbClr val="000000"/>
-                </a:solidFill>
-                <a:latin typeface="Calibri"/>
-                <a:ea typeface="DejaVu Sans"/>
-              </a:rPr>
-              <a:t>index_to_the_moon es de </a:t>
-            </a:r>
-            <a:endParaRPr b="0" lang="es-MX" sz="2400" spc="-1" strike="noStrike">
-              <a:latin typeface="Arial"/>
-            </a:endParaRPr>
-          </a:p>
-          <a:p>
-            <a:pPr>
-              <a:lnSpc>
-                <a:spcPct val="100000"/>
-              </a:lnSpc>
-            </a:pPr>
-            <a:r>
-              <a:rPr b="0" lang="es-MX" sz="2400" spc="-1" strike="noStrike">
-                <a:solidFill>
-                  <a:srgbClr val="000000"/>
-                </a:solidFill>
-                <a:latin typeface="Calibri"/>
-                <a:ea typeface="DejaVu Sans"/>
-              </a:rPr>
-              <a:t>tamaño 100, se usó un </a:t>
-            </a:r>
-            <a:endParaRPr b="0" lang="es-MX" sz="2400" spc="-1" strike="noStrike">
-              <a:latin typeface="Arial"/>
-            </a:endParaRPr>
-          </a:p>
-          <a:p>
-            <a:pPr>
-              <a:lnSpc>
-                <a:spcPct val="100000"/>
-              </a:lnSpc>
-            </a:pPr>
-            <a:r>
-              <a:rPr b="0" lang="es-MX" sz="2400" spc="-1" strike="noStrike">
-                <a:solidFill>
-                  <a:srgbClr val="000000"/>
-                </a:solidFill>
-                <a:latin typeface="Calibri"/>
-                <a:ea typeface="DejaVu Sans"/>
-              </a:rPr>
-              <a:t>breakpoint condicional con </a:t>
-            </a:r>
-            <a:endParaRPr b="0" lang="es-MX" sz="2400" spc="-1" strike="noStrike">
-              <a:latin typeface="Arial"/>
-            </a:endParaRPr>
-          </a:p>
-          <a:p>
-            <a:pPr>
-              <a:lnSpc>
-                <a:spcPct val="100000"/>
-              </a:lnSpc>
-            </a:pPr>
-            <a:r>
-              <a:rPr b="0" lang="es-MX" sz="2400" spc="-1" strike="noStrike">
-                <a:solidFill>
-                  <a:srgbClr val="000000"/>
-                </a:solidFill>
-                <a:latin typeface="Calibri"/>
-                <a:ea typeface="DejaVu Sans"/>
-              </a:rPr>
-              <a:t>expresión i  &gt;  99</a:t>
-            </a:r>
-            <a:endParaRPr b="0" lang="es-MX" sz="2400" spc="-1" strike="noStrike">
-              <a:latin typeface="Arial"/>
-            </a:endParaRPr>
-          </a:p>
-        </p:txBody>
-      </p:sp>
     </p:spTree>
   </p:cSld>
   <mc:AlternateContent>
@@ -15928,7 +16263,7 @@
         <p:spPr>
           <a:xfrm>
             <a:off x="360000" y="0"/>
-            <a:ext cx="11699280" cy="1324440"/>
+            <a:ext cx="11698920" cy="1324080"/>
           </a:xfrm>
           <a:prstGeom prst="rect">
             <a:avLst/>
@@ -15983,7 +16318,7 @@
         <p:spPr>
           <a:xfrm>
             <a:off x="348120" y="1268280"/>
-            <a:ext cx="11351160" cy="1975320"/>
+            <a:ext cx="11350800" cy="1974960"/>
           </a:xfrm>
           <a:prstGeom prst="rect">
             <a:avLst/>
@@ -16002,7 +16337,7 @@
         <p:spPr>
           <a:xfrm>
             <a:off x="271440" y="3451680"/>
-            <a:ext cx="11304000" cy="1309320"/>
+            <a:ext cx="11303640" cy="1309320"/>
           </a:xfrm>
           <a:prstGeom prst="rect">
             <a:avLst/>
@@ -16154,111 +16489,9 @@
           <a:chExt cx="0" cy="0"/>
         </a:xfrm>
       </p:grpSpPr>
-      <p:sp>
-        <p:nvSpPr>
-          <p:cNvPr id="329" name="CustomShape 1"/>
-          <p:cNvSpPr/>
-          <p:nvPr/>
-        </p:nvSpPr>
-        <p:spPr>
-          <a:xfrm>
-            <a:off x="337320" y="-312120"/>
-            <a:ext cx="10514160" cy="1324080"/>
-          </a:xfrm>
-          <a:prstGeom prst="rect">
-            <a:avLst/>
-          </a:prstGeom>
-          <a:noFill/>
-          <a:ln w="0">
-            <a:noFill/>
-          </a:ln>
-        </p:spPr>
-        <p:style>
-          <a:lnRef idx="0"/>
-          <a:fillRef idx="0"/>
-          <a:effectRef idx="0"/>
-          <a:fontRef idx="minor"/>
-        </p:style>
-        <p:txBody>
-          <a:bodyPr lIns="90000" rIns="90000" tIns="45000" bIns="45000" anchor="ctr">
-            <a:noAutofit/>
-          </a:bodyPr>
-          <a:p>
-            <a:pPr>
-              <a:lnSpc>
-                <a:spcPct val="90000"/>
-              </a:lnSpc>
-            </a:pPr>
-            <a:r>
-              <a:rPr b="0" lang="es-MX" sz="4400" spc="-1" strike="noStrike">
-                <a:solidFill>
-                  <a:srgbClr val="000000"/>
-                </a:solidFill>
-                <a:latin typeface="Calibri Light"/>
-                <a:ea typeface="DejaVu Sans"/>
-              </a:rPr>
-              <a:t>Se ejecuta el programa usando GDB </a:t>
-            </a:r>
-            <a:endParaRPr b="0" lang="es-MX" sz="4400" spc="-1" strike="noStrike">
-              <a:latin typeface="Arial"/>
-            </a:endParaRPr>
-          </a:p>
-        </p:txBody>
-      </p:sp>
-      <p:sp>
-        <p:nvSpPr>
-          <p:cNvPr id="330" name="CustomShape 2"/>
-          <p:cNvSpPr/>
-          <p:nvPr/>
-        </p:nvSpPr>
-        <p:spPr>
-          <a:xfrm>
-            <a:off x="312840" y="516960"/>
-            <a:ext cx="11146680" cy="439920"/>
-          </a:xfrm>
-          <a:prstGeom prst="rect">
-            <a:avLst/>
-          </a:prstGeom>
-          <a:noFill/>
-          <a:ln w="0">
-            <a:noFill/>
-          </a:ln>
-        </p:spPr>
-        <p:style>
-          <a:lnRef idx="0"/>
-          <a:fillRef idx="0"/>
-          <a:effectRef idx="0"/>
-          <a:fontRef idx="minor"/>
-        </p:style>
-        <p:txBody>
-          <a:bodyPr wrap="none" lIns="90000" rIns="90000" tIns="45000" bIns="45000">
-            <a:spAutoFit/>
-          </a:bodyPr>
-          <a:p>
-            <a:pPr>
-              <a:lnSpc>
-                <a:spcPct val="100000"/>
-              </a:lnSpc>
-            </a:pPr>
-            <a:r>
-              <a:rPr b="0" lang="es-MX" sz="2300" spc="-1" strike="noStrike">
-                <a:solidFill>
-                  <a:srgbClr val="000000"/>
-                </a:solidFill>
-                <a:latin typeface="Calibri"/>
-                <a:ea typeface="DejaVu Sans"/>
-              </a:rPr>
-              <a:t>El programa se ejecuta en el depurador dando clic en el botón de play rojo</a:t>
-            </a:r>
-            <a:endParaRPr b="0" lang="es-MX" sz="2300" spc="-1" strike="noStrike">
-              <a:latin typeface="Arial"/>
-            </a:endParaRPr>
-          </a:p>
-        </p:txBody>
-      </p:sp>
       <p:pic>
         <p:nvPicPr>
-          <p:cNvPr id="331" name="Imagen 3" descr=""/>
+          <p:cNvPr id="334" name="Imagen 1" descr=""/>
           <p:cNvPicPr/>
           <p:nvPr/>
         </p:nvPicPr>
@@ -16268,192 +16501,8 @@
         </p:blipFill>
         <p:spPr>
           <a:xfrm>
-            <a:off x="3092760" y="1040040"/>
-            <a:ext cx="5469480" cy="664200"/>
-          </a:xfrm>
-          <a:prstGeom prst="rect">
-            <a:avLst/>
-          </a:prstGeom>
-          <a:ln w="0">
-            <a:noFill/>
-          </a:ln>
-        </p:spPr>
-      </p:pic>
-      <p:sp>
-        <p:nvSpPr>
-          <p:cNvPr id="332" name="CustomShape 3"/>
-          <p:cNvSpPr/>
-          <p:nvPr/>
-        </p:nvSpPr>
-        <p:spPr>
-          <a:xfrm>
-            <a:off x="186120" y="1880280"/>
-            <a:ext cx="13999680" cy="2267640"/>
-          </a:xfrm>
-          <a:prstGeom prst="rect">
-            <a:avLst/>
-          </a:prstGeom>
-          <a:noFill/>
-          <a:ln w="0">
-            <a:noFill/>
-          </a:ln>
-        </p:spPr>
-        <p:style>
-          <a:lnRef idx="0"/>
-          <a:fillRef idx="0"/>
-          <a:effectRef idx="0"/>
-          <a:fontRef idx="minor"/>
-        </p:style>
-        <p:txBody>
-          <a:bodyPr wrap="none" lIns="90000" rIns="90000" tIns="45000" bIns="45000">
-            <a:spAutoFit/>
-          </a:bodyPr>
-          <a:p>
-            <a:pPr>
-              <a:lnSpc>
-                <a:spcPct val="100000"/>
-              </a:lnSpc>
-            </a:pPr>
-            <a:r>
-              <a:rPr b="0" lang="es-MX" sz="2300" spc="-1" strike="noStrike">
-                <a:solidFill>
-                  <a:srgbClr val="000000"/>
-                </a:solidFill>
-                <a:latin typeface="Calibri"/>
-                <a:ea typeface="DejaVu Sans"/>
-              </a:rPr>
-              <a:t>Como el arreglo intary es de tamaño 100, y en la función index_to_moon se </a:t>
-            </a:r>
-            <a:endParaRPr b="0" lang="es-MX" sz="2300" spc="-1" strike="noStrike">
-              <a:latin typeface="Arial"/>
-            </a:endParaRPr>
-          </a:p>
-          <a:p>
-            <a:pPr>
-              <a:lnSpc>
-                <a:spcPct val="100000"/>
-              </a:lnSpc>
-            </a:pPr>
-            <a:r>
-              <a:rPr b="0" lang="es-MX" sz="2300" spc="-1" strike="noStrike">
-                <a:solidFill>
-                  <a:srgbClr val="000000"/>
-                </a:solidFill>
-                <a:latin typeface="Calibri"/>
-                <a:ea typeface="DejaVu Sans"/>
-              </a:rPr>
-              <a:t>colocó un breakpoint condicional con expresión i &gt; 99, si el programa se detie-</a:t>
-            </a:r>
-            <a:endParaRPr b="0" lang="es-MX" sz="2300" spc="-1" strike="noStrike">
-              <a:latin typeface="Arial"/>
-            </a:endParaRPr>
-          </a:p>
-          <a:p>
-            <a:pPr>
-              <a:lnSpc>
-                <a:spcPct val="100000"/>
-              </a:lnSpc>
-            </a:pPr>
-            <a:r>
-              <a:rPr b="0" lang="es-MX" sz="2300" spc="-1" strike="noStrike">
-                <a:solidFill>
-                  <a:srgbClr val="000000"/>
-                </a:solidFill>
-                <a:latin typeface="Calibri"/>
-                <a:ea typeface="DejaVu Sans"/>
-              </a:rPr>
-              <a:t>ne en ese punto de ruptura, significa que en la función se está tratando de </a:t>
-            </a:r>
-            <a:endParaRPr b="0" lang="es-MX" sz="2300" spc="-1" strike="noStrike">
-              <a:latin typeface="Arial"/>
-            </a:endParaRPr>
-          </a:p>
-          <a:p>
-            <a:pPr>
-              <a:lnSpc>
-                <a:spcPct val="100000"/>
-              </a:lnSpc>
-            </a:pPr>
-            <a:r>
-              <a:rPr b="0" lang="es-MX" sz="2300" spc="-1" strike="noStrike">
-                <a:solidFill>
-                  <a:srgbClr val="000000"/>
-                </a:solidFill>
-                <a:latin typeface="Calibri"/>
-                <a:ea typeface="DejaVu Sans"/>
-              </a:rPr>
-              <a:t>acceder a una localidad de memoría que ya no pertenece al arreglo que se </a:t>
-            </a:r>
-            <a:endParaRPr b="0" lang="es-MX" sz="2300" spc="-1" strike="noStrike">
-              <a:latin typeface="Arial"/>
-            </a:endParaRPr>
-          </a:p>
-          <a:p>
-            <a:pPr>
-              <a:lnSpc>
-                <a:spcPct val="100000"/>
-              </a:lnSpc>
-            </a:pPr>
-            <a:r>
-              <a:rPr b="0" lang="es-MX" sz="2300" spc="-1" strike="noStrike">
-                <a:solidFill>
-                  <a:srgbClr val="000000"/>
-                </a:solidFill>
-                <a:latin typeface="Calibri"/>
-                <a:ea typeface="DejaVu Sans"/>
-              </a:rPr>
-              <a:t>pasó como argumento. Después de eso, se detiene la ejecución del programa </a:t>
-            </a:r>
-            <a:endParaRPr b="0" lang="es-MX" sz="2300" spc="-1" strike="noStrike">
-              <a:latin typeface="Arial"/>
-            </a:endParaRPr>
-          </a:p>
-          <a:p>
-            <a:pPr>
-              <a:lnSpc>
-                <a:spcPct val="100000"/>
-              </a:lnSpc>
-            </a:pPr>
-            <a:r>
-              <a:rPr b="0" lang="es-MX" sz="2300" spc="-1" strike="noStrike">
-                <a:solidFill>
-                  <a:srgbClr val="000000"/>
-                </a:solidFill>
-                <a:latin typeface="Calibri"/>
-                <a:ea typeface="DejaVu Sans"/>
-              </a:rPr>
-              <a:t>(clic en el botón que tiene la equis blanca con fondo rojo).</a:t>
-            </a:r>
-            <a:r>
-              <a:rPr b="0" lang="es-MX" sz="2800" spc="-1" strike="noStrike">
-                <a:solidFill>
-                  <a:srgbClr val="000000"/>
-                </a:solidFill>
-                <a:latin typeface="Calibri"/>
-                <a:ea typeface="DejaVu Sans"/>
-              </a:rPr>
-              <a:t>                                             . </a:t>
-            </a:r>
-            <a:endParaRPr b="0" lang="es-MX" sz="2800" spc="-1" strike="noStrike">
-              <a:latin typeface="Arial"/>
-            </a:endParaRPr>
-          </a:p>
-        </p:txBody>
-      </p:sp>
-      <p:pic>
-        <p:nvPicPr>
-          <p:cNvPr id="333" name="Imagen 7" descr=""/>
-          <p:cNvPicPr/>
-          <p:nvPr/>
-        </p:nvPicPr>
-        <p:blipFill>
-          <a:blip r:embed="rId2"/>
-          <a:stretch/>
-        </p:blipFill>
-        <p:spPr>
-          <a:xfrm>
-            <a:off x="3405600" y="4522680"/>
-            <a:ext cx="5518800" cy="600840"/>
+            <a:off x="1800000" y="360000"/>
+            <a:ext cx="8497800" cy="6257160"/>
           </a:xfrm>
           <a:prstGeom prst="rect">
             <a:avLst/>
@@ -16493,9 +16542,140 @@
           <a:chExt cx="0" cy="0"/>
         </a:xfrm>
       </p:grpSpPr>
+      <p:sp>
+        <p:nvSpPr>
+          <p:cNvPr id="335" name="CustomShape 1"/>
+          <p:cNvSpPr/>
+          <p:nvPr/>
+        </p:nvSpPr>
+        <p:spPr>
+          <a:xfrm>
+            <a:off x="396360" y="492480"/>
+            <a:ext cx="11693520" cy="1918440"/>
+          </a:xfrm>
+          <a:prstGeom prst="rect">
+            <a:avLst/>
+          </a:prstGeom>
+          <a:noFill/>
+          <a:ln w="0">
+            <a:noFill/>
+          </a:ln>
+        </p:spPr>
+        <p:style>
+          <a:lnRef idx="0"/>
+          <a:fillRef idx="0"/>
+          <a:effectRef idx="0"/>
+          <a:fontRef idx="minor"/>
+        </p:style>
+        <p:txBody>
+          <a:bodyPr wrap="none" lIns="90000" rIns="90000" tIns="45000" bIns="45000">
+            <a:spAutoFit/>
+          </a:bodyPr>
+          <a:p>
+            <a:pPr>
+              <a:lnSpc>
+                <a:spcPct val="100000"/>
+              </a:lnSpc>
+            </a:pPr>
+            <a:r>
+              <a:rPr b="0" lang="es-MX" sz="2400" spc="-1" strike="noStrike">
+                <a:solidFill>
+                  <a:srgbClr val="000000"/>
+                </a:solidFill>
+                <a:latin typeface="Calibri"/>
+                <a:ea typeface="DejaVu Sans"/>
+              </a:rPr>
+              <a:t>Entonces el problema es uno de los dos siguientes: el arreglo debió ser </a:t>
+            </a:r>
+            <a:endParaRPr b="0" lang="es-MX" sz="2400" spc="-1" strike="noStrike">
+              <a:latin typeface="Arial"/>
+            </a:endParaRPr>
+          </a:p>
+          <a:p>
+            <a:pPr>
+              <a:lnSpc>
+                <a:spcPct val="100000"/>
+              </a:lnSpc>
+            </a:pPr>
+            <a:r>
+              <a:rPr b="0" lang="es-MX" sz="2400" spc="-1" strike="noStrike">
+                <a:solidFill>
+                  <a:srgbClr val="000000"/>
+                </a:solidFill>
+                <a:latin typeface="Calibri"/>
+                <a:ea typeface="DejaVu Sans"/>
+              </a:rPr>
+              <a:t>de un tamaño más grande, o en la función no se debe acceder a ese </a:t>
+            </a:r>
+            <a:endParaRPr b="0" lang="es-MX" sz="2400" spc="-1" strike="noStrike">
+              <a:latin typeface="Arial"/>
+            </a:endParaRPr>
+          </a:p>
+          <a:p>
+            <a:pPr>
+              <a:lnSpc>
+                <a:spcPct val="100000"/>
+              </a:lnSpc>
+            </a:pPr>
+            <a:r>
+              <a:rPr b="0" lang="es-MX" sz="2400" spc="-1" strike="noStrike">
+                <a:solidFill>
+                  <a:srgbClr val="000000"/>
+                </a:solidFill>
+                <a:latin typeface="Calibri"/>
+                <a:ea typeface="DejaVu Sans"/>
+              </a:rPr>
+              <a:t>índice tan elevado. En el segundo caso, la solución consiste en asegurarse </a:t>
+            </a:r>
+            <a:endParaRPr b="0" lang="es-MX" sz="2400" spc="-1" strike="noStrike">
+              <a:latin typeface="Arial"/>
+            </a:endParaRPr>
+          </a:p>
+          <a:p>
+            <a:pPr>
+              <a:lnSpc>
+                <a:spcPct val="100000"/>
+              </a:lnSpc>
+            </a:pPr>
+            <a:r>
+              <a:rPr b="0" lang="es-MX" sz="2400" spc="-1" strike="noStrike">
+                <a:solidFill>
+                  <a:srgbClr val="000000"/>
+                </a:solidFill>
+                <a:latin typeface="Calibri"/>
+                <a:ea typeface="DejaVu Sans"/>
+              </a:rPr>
+              <a:t>de que no se escriba en el arreglo con un índice mayor que el tamaño del </a:t>
+            </a:r>
+            <a:endParaRPr b="0" lang="es-MX" sz="2400" spc="-1" strike="noStrike">
+              <a:latin typeface="Arial"/>
+            </a:endParaRPr>
+          </a:p>
+          <a:p>
+            <a:pPr>
+              <a:lnSpc>
+                <a:spcPct val="100000"/>
+              </a:lnSpc>
+            </a:pPr>
+            <a:r>
+              <a:rPr b="0" lang="es-MX" sz="2400" spc="-1" strike="noStrike">
+                <a:solidFill>
+                  <a:srgbClr val="000000"/>
+                </a:solidFill>
+                <a:latin typeface="Calibri"/>
+                <a:ea typeface="DejaVu Sans"/>
+              </a:rPr>
+              <a:t>arreglo menos 1. Es decir, cambiando</a:t>
+            </a:r>
+            <a:endParaRPr b="0" lang="es-MX" sz="2400" spc="-1" strike="noStrike">
+              <a:latin typeface="Arial"/>
+            </a:endParaRPr>
+          </a:p>
+        </p:txBody>
+      </p:sp>
       <p:pic>
         <p:nvPicPr>
-          <p:cNvPr id="334" name="Imagen 1" descr=""/>
+          <p:cNvPr id="336" name="Imagen 6" descr=""/>
           <p:cNvPicPr/>
           <p:nvPr/>
         </p:nvPicPr>
@@ -16505,8 +16685,8 @@
         </p:blipFill>
         <p:spPr>
           <a:xfrm>
-            <a:off x="1800000" y="360000"/>
-            <a:ext cx="8498160" cy="6257520"/>
+            <a:off x="3586320" y="2739240"/>
+            <a:ext cx="5867640" cy="477000"/>
           </a:xfrm>
           <a:prstGeom prst="rect">
             <a:avLst/>
@@ -16516,6 +16696,191 @@
           </a:ln>
         </p:spPr>
       </p:pic>
+      <p:pic>
+        <p:nvPicPr>
+          <p:cNvPr id="337" name="Imagen 7" descr=""/>
+          <p:cNvPicPr/>
+          <p:nvPr/>
+        </p:nvPicPr>
+        <p:blipFill>
+          <a:blip r:embed="rId2"/>
+          <a:stretch/>
+        </p:blipFill>
+        <p:spPr>
+          <a:xfrm>
+            <a:off x="3587760" y="3741120"/>
+            <a:ext cx="5501880" cy="462960"/>
+          </a:xfrm>
+          <a:prstGeom prst="rect">
+            <a:avLst/>
+          </a:prstGeom>
+          <a:ln w="0">
+            <a:noFill/>
+          </a:ln>
+        </p:spPr>
+      </p:pic>
+      <p:sp>
+        <p:nvSpPr>
+          <p:cNvPr id="338" name="CustomShape 2"/>
+          <p:cNvSpPr/>
+          <p:nvPr/>
+        </p:nvSpPr>
+        <p:spPr>
+          <a:xfrm>
+            <a:off x="773640" y="3218040"/>
+            <a:ext cx="754200" cy="455400"/>
+          </a:xfrm>
+          <a:prstGeom prst="rect">
+            <a:avLst/>
+          </a:prstGeom>
+          <a:noFill/>
+          <a:ln w="0">
+            <a:noFill/>
+          </a:ln>
+        </p:spPr>
+        <p:style>
+          <a:lnRef idx="0"/>
+          <a:fillRef idx="0"/>
+          <a:effectRef idx="0"/>
+          <a:fontRef idx="minor"/>
+        </p:style>
+        <p:txBody>
+          <a:bodyPr lIns="90000" rIns="90000" tIns="45000" bIns="45000">
+            <a:spAutoFit/>
+          </a:bodyPr>
+          <a:p>
+            <a:pPr>
+              <a:lnSpc>
+                <a:spcPct val="100000"/>
+              </a:lnSpc>
+            </a:pPr>
+            <a:r>
+              <a:rPr b="0" lang="es-MX" sz="2400" spc="-1" strike="noStrike">
+                <a:solidFill>
+                  <a:srgbClr val="000000"/>
+                </a:solidFill>
+                <a:latin typeface="Calibri"/>
+                <a:ea typeface="DejaVu Sans"/>
+              </a:rPr>
+              <a:t>por</a:t>
+            </a:r>
+            <a:endParaRPr b="0" lang="es-MX" sz="2400" spc="-1" strike="noStrike">
+              <a:latin typeface="Arial"/>
+            </a:endParaRPr>
+          </a:p>
+        </p:txBody>
+      </p:sp>
+      <p:sp>
+        <p:nvSpPr>
+          <p:cNvPr id="339" name="CustomShape 3"/>
+          <p:cNvSpPr/>
+          <p:nvPr/>
+        </p:nvSpPr>
+        <p:spPr>
+          <a:xfrm>
+            <a:off x="434880" y="4536720"/>
+            <a:ext cx="11521080" cy="1552680"/>
+          </a:xfrm>
+          <a:prstGeom prst="rect">
+            <a:avLst/>
+          </a:prstGeom>
+          <a:noFill/>
+          <a:ln w="0">
+            <a:noFill/>
+          </a:ln>
+        </p:spPr>
+        <p:style>
+          <a:lnRef idx="0"/>
+          <a:fillRef idx="0"/>
+          <a:effectRef idx="0"/>
+          <a:fontRef idx="minor"/>
+        </p:style>
+        <p:txBody>
+          <a:bodyPr wrap="none" lIns="90000" rIns="90000" tIns="45000" bIns="45000">
+            <a:spAutoFit/>
+          </a:bodyPr>
+          <a:p>
+            <a:pPr>
+              <a:lnSpc>
+                <a:spcPct val="100000"/>
+              </a:lnSpc>
+            </a:pPr>
+            <a:r>
+              <a:rPr b="0" lang="es-MX" sz="2400" spc="-1" strike="noStrike">
+                <a:solidFill>
+                  <a:srgbClr val="000000"/>
+                </a:solidFill>
+                <a:latin typeface="Calibri"/>
+                <a:ea typeface="DejaVu Sans"/>
+              </a:rPr>
+              <a:t>Después de hacer este cambio se reconstruye el programa, se ejecuta </a:t>
+            </a:r>
+            <a:endParaRPr b="0" lang="es-MX" sz="2400" spc="-1" strike="noStrike">
+              <a:latin typeface="Arial"/>
+            </a:endParaRPr>
+          </a:p>
+          <a:p>
+            <a:pPr>
+              <a:lnSpc>
+                <a:spcPct val="100000"/>
+              </a:lnSpc>
+            </a:pPr>
+            <a:r>
+              <a:rPr b="0" lang="es-MX" sz="2400" spc="-1" strike="noStrike">
+                <a:solidFill>
+                  <a:srgbClr val="000000"/>
+                </a:solidFill>
+                <a:latin typeface="Calibri"/>
+                <a:ea typeface="DejaVu Sans"/>
+              </a:rPr>
+              <a:t>nuevamente para comprobar que esta vez el programa no se detiene en </a:t>
+            </a:r>
+            <a:endParaRPr b="0" lang="es-MX" sz="2400" spc="-1" strike="noStrike">
+              <a:latin typeface="Arial"/>
+            </a:endParaRPr>
+          </a:p>
+          <a:p>
+            <a:pPr>
+              <a:lnSpc>
+                <a:spcPct val="100000"/>
+              </a:lnSpc>
+            </a:pPr>
+            <a:r>
+              <a:rPr b="0" lang="es-MX" sz="2400" spc="-1" strike="noStrike">
+                <a:solidFill>
+                  <a:srgbClr val="000000"/>
+                </a:solidFill>
+                <a:latin typeface="Calibri"/>
+                <a:ea typeface="DejaVu Sans"/>
+              </a:rPr>
+              <a:t>el punto de ruptura en el que se detuvo antes. En la siguiente diapositiva </a:t>
+            </a:r>
+            <a:endParaRPr b="0" lang="es-MX" sz="2400" spc="-1" strike="noStrike">
+              <a:latin typeface="Arial"/>
+            </a:endParaRPr>
+          </a:p>
+          <a:p>
+            <a:pPr>
+              <a:lnSpc>
+                <a:spcPct val="100000"/>
+              </a:lnSpc>
+            </a:pPr>
+            <a:r>
+              <a:rPr b="0" lang="es-MX" sz="2400" spc="-1" strike="noStrike">
+                <a:solidFill>
+                  <a:srgbClr val="000000"/>
+                </a:solidFill>
+                <a:latin typeface="Calibri"/>
+                <a:ea typeface="DejaVu Sans"/>
+              </a:rPr>
+              <a:t>se muestra una ejecución en el debugger después cambio indicado.</a:t>
+            </a:r>
+            <a:endParaRPr b="0" lang="es-MX" sz="2400" spc="-1" strike="noStrike">
+              <a:latin typeface="Arial"/>
+            </a:endParaRPr>
+          </a:p>
+        </p:txBody>
+      </p:sp>
     </p:spTree>
   </p:cSld>
   <mc:AlternateContent>
@@ -16546,140 +16911,9 @@
           <a:chExt cx="0" cy="0"/>
         </a:xfrm>
       </p:grpSpPr>
-      <p:sp>
-        <p:nvSpPr>
-          <p:cNvPr id="335" name="CustomShape 1"/>
-          <p:cNvSpPr/>
-          <p:nvPr/>
-        </p:nvSpPr>
-        <p:spPr>
-          <a:xfrm>
-            <a:off x="396360" y="492480"/>
-            <a:ext cx="11693880" cy="1918440"/>
-          </a:xfrm>
-          <a:prstGeom prst="rect">
-            <a:avLst/>
-          </a:prstGeom>
-          <a:noFill/>
-          <a:ln w="0">
-            <a:noFill/>
-          </a:ln>
-        </p:spPr>
-        <p:style>
-          <a:lnRef idx="0"/>
-          <a:fillRef idx="0"/>
-          <a:effectRef idx="0"/>
-          <a:fontRef idx="minor"/>
-        </p:style>
-        <p:txBody>
-          <a:bodyPr wrap="none" lIns="90000" rIns="90000" tIns="45000" bIns="45000">
-            <a:spAutoFit/>
-          </a:bodyPr>
-          <a:p>
-            <a:pPr>
-              <a:lnSpc>
-                <a:spcPct val="100000"/>
-              </a:lnSpc>
-            </a:pPr>
-            <a:r>
-              <a:rPr b="0" lang="es-MX" sz="2400" spc="-1" strike="noStrike">
-                <a:solidFill>
-                  <a:srgbClr val="000000"/>
-                </a:solidFill>
-                <a:latin typeface="Calibri"/>
-                <a:ea typeface="DejaVu Sans"/>
-              </a:rPr>
-              <a:t>Entonces el problema es uno de los dos siguientes: el arreglo debió ser </a:t>
-            </a:r>
-            <a:endParaRPr b="0" lang="es-MX" sz="2400" spc="-1" strike="noStrike">
-              <a:latin typeface="Arial"/>
-            </a:endParaRPr>
-          </a:p>
-          <a:p>
-            <a:pPr>
-              <a:lnSpc>
-                <a:spcPct val="100000"/>
-              </a:lnSpc>
-            </a:pPr>
-            <a:r>
-              <a:rPr b="0" lang="es-MX" sz="2400" spc="-1" strike="noStrike">
-                <a:solidFill>
-                  <a:srgbClr val="000000"/>
-                </a:solidFill>
-                <a:latin typeface="Calibri"/>
-                <a:ea typeface="DejaVu Sans"/>
-              </a:rPr>
-              <a:t>de un tamaño más grande, o en la función no se debe acceder a ese </a:t>
-            </a:r>
-            <a:endParaRPr b="0" lang="es-MX" sz="2400" spc="-1" strike="noStrike">
-              <a:latin typeface="Arial"/>
-            </a:endParaRPr>
-          </a:p>
-          <a:p>
-            <a:pPr>
-              <a:lnSpc>
-                <a:spcPct val="100000"/>
-              </a:lnSpc>
-            </a:pPr>
-            <a:r>
-              <a:rPr b="0" lang="es-MX" sz="2400" spc="-1" strike="noStrike">
-                <a:solidFill>
-                  <a:srgbClr val="000000"/>
-                </a:solidFill>
-                <a:latin typeface="Calibri"/>
-                <a:ea typeface="DejaVu Sans"/>
-              </a:rPr>
-              <a:t>índice tan elevado. En el segundo caso, la solución consiste en asegurarse </a:t>
-            </a:r>
-            <a:endParaRPr b="0" lang="es-MX" sz="2400" spc="-1" strike="noStrike">
-              <a:latin typeface="Arial"/>
-            </a:endParaRPr>
-          </a:p>
-          <a:p>
-            <a:pPr>
-              <a:lnSpc>
-                <a:spcPct val="100000"/>
-              </a:lnSpc>
-            </a:pPr>
-            <a:r>
-              <a:rPr b="0" lang="es-MX" sz="2400" spc="-1" strike="noStrike">
-                <a:solidFill>
-                  <a:srgbClr val="000000"/>
-                </a:solidFill>
-                <a:latin typeface="Calibri"/>
-                <a:ea typeface="DejaVu Sans"/>
-              </a:rPr>
-              <a:t>de que no se escriba en el arreglo con un índice mayor que el tamaño del </a:t>
-            </a:r>
-            <a:endParaRPr b="0" lang="es-MX" sz="2400" spc="-1" strike="noStrike">
-              <a:latin typeface="Arial"/>
-            </a:endParaRPr>
-          </a:p>
-          <a:p>
-            <a:pPr>
-              <a:lnSpc>
-                <a:spcPct val="100000"/>
-              </a:lnSpc>
-            </a:pPr>
-            <a:r>
-              <a:rPr b="0" lang="es-MX" sz="2400" spc="-1" strike="noStrike">
-                <a:solidFill>
-                  <a:srgbClr val="000000"/>
-                </a:solidFill>
-                <a:latin typeface="Calibri"/>
-                <a:ea typeface="DejaVu Sans"/>
-              </a:rPr>
-              <a:t>arreglo menos 1. Es decir, cambiando</a:t>
-            </a:r>
-            <a:endParaRPr b="0" lang="es-MX" sz="2400" spc="-1" strike="noStrike">
-              <a:latin typeface="Arial"/>
-            </a:endParaRPr>
-          </a:p>
-        </p:txBody>
-      </p:sp>
       <p:pic>
         <p:nvPicPr>
-          <p:cNvPr id="336" name="Imagen 6" descr=""/>
+          <p:cNvPr id="340" name="Imagen 1" descr=""/>
           <p:cNvPicPr/>
           <p:nvPr/>
         </p:nvPicPr>
@@ -16689,8 +16923,8 @@
         </p:blipFill>
         <p:spPr>
           <a:xfrm>
-            <a:off x="3586320" y="2739240"/>
-            <a:ext cx="5868000" cy="477360"/>
+            <a:off x="1949760" y="196560"/>
+            <a:ext cx="8536680" cy="6448320"/>
           </a:xfrm>
           <a:prstGeom prst="rect">
             <a:avLst/>
@@ -16700,191 +16934,6 @@
           </a:ln>
         </p:spPr>
       </p:pic>
-      <p:pic>
-        <p:nvPicPr>
-          <p:cNvPr id="337" name="Imagen 7" descr=""/>
-          <p:cNvPicPr/>
-          <p:nvPr/>
-        </p:nvPicPr>
-        <p:blipFill>
-          <a:blip r:embed="rId2"/>
-          <a:stretch/>
-        </p:blipFill>
-        <p:spPr>
-          <a:xfrm>
-            <a:off x="3587760" y="3741120"/>
-            <a:ext cx="5502240" cy="463320"/>
-          </a:xfrm>
-          <a:prstGeom prst="rect">
-            <a:avLst/>
-          </a:prstGeom>
-          <a:ln w="0">
-            <a:noFill/>
-          </a:ln>
-        </p:spPr>
-      </p:pic>
-      <p:sp>
-        <p:nvSpPr>
-          <p:cNvPr id="338" name="CustomShape 2"/>
-          <p:cNvSpPr/>
-          <p:nvPr/>
-        </p:nvSpPr>
-        <p:spPr>
-          <a:xfrm>
-            <a:off x="773640" y="3218040"/>
-            <a:ext cx="754560" cy="455400"/>
-          </a:xfrm>
-          <a:prstGeom prst="rect">
-            <a:avLst/>
-          </a:prstGeom>
-          <a:noFill/>
-          <a:ln w="0">
-            <a:noFill/>
-          </a:ln>
-        </p:spPr>
-        <p:style>
-          <a:lnRef idx="0"/>
-          <a:fillRef idx="0"/>
-          <a:effectRef idx="0"/>
-          <a:fontRef idx="minor"/>
-        </p:style>
-        <p:txBody>
-          <a:bodyPr lIns="90000" rIns="90000" tIns="45000" bIns="45000">
-            <a:spAutoFit/>
-          </a:bodyPr>
-          <a:p>
-            <a:pPr>
-              <a:lnSpc>
-                <a:spcPct val="100000"/>
-              </a:lnSpc>
-            </a:pPr>
-            <a:r>
-              <a:rPr b="0" lang="es-MX" sz="2400" spc="-1" strike="noStrike">
-                <a:solidFill>
-                  <a:srgbClr val="000000"/>
-                </a:solidFill>
-                <a:latin typeface="Calibri"/>
-                <a:ea typeface="DejaVu Sans"/>
-              </a:rPr>
-              <a:t>por</a:t>
-            </a:r>
-            <a:endParaRPr b="0" lang="es-MX" sz="2400" spc="-1" strike="noStrike">
-              <a:latin typeface="Arial"/>
-            </a:endParaRPr>
-          </a:p>
-        </p:txBody>
-      </p:sp>
-      <p:sp>
-        <p:nvSpPr>
-          <p:cNvPr id="339" name="CustomShape 3"/>
-          <p:cNvSpPr/>
-          <p:nvPr/>
-        </p:nvSpPr>
-        <p:spPr>
-          <a:xfrm>
-            <a:off x="434880" y="4536720"/>
-            <a:ext cx="11521440" cy="1552680"/>
-          </a:xfrm>
-          <a:prstGeom prst="rect">
-            <a:avLst/>
-          </a:prstGeom>
-          <a:noFill/>
-          <a:ln w="0">
-            <a:noFill/>
-          </a:ln>
-        </p:spPr>
-        <p:style>
-          <a:lnRef idx="0"/>
-          <a:fillRef idx="0"/>
-          <a:effectRef idx="0"/>
-          <a:fontRef idx="minor"/>
-        </p:style>
-        <p:txBody>
-          <a:bodyPr wrap="none" lIns="90000" rIns="90000" tIns="45000" bIns="45000">
-            <a:spAutoFit/>
-          </a:bodyPr>
-          <a:p>
-            <a:pPr>
-              <a:lnSpc>
-                <a:spcPct val="100000"/>
-              </a:lnSpc>
-            </a:pPr>
-            <a:r>
-              <a:rPr b="0" lang="es-MX" sz="2400" spc="-1" strike="noStrike">
-                <a:solidFill>
-                  <a:srgbClr val="000000"/>
-                </a:solidFill>
-                <a:latin typeface="Calibri"/>
-                <a:ea typeface="DejaVu Sans"/>
-              </a:rPr>
-              <a:t>Después de hacer este cambio se reconstruye el programa, se ejecuta </a:t>
-            </a:r>
-            <a:endParaRPr b="0" lang="es-MX" sz="2400" spc="-1" strike="noStrike">
-              <a:latin typeface="Arial"/>
-            </a:endParaRPr>
-          </a:p>
-          <a:p>
-            <a:pPr>
-              <a:lnSpc>
-                <a:spcPct val="100000"/>
-              </a:lnSpc>
-            </a:pPr>
-            <a:r>
-              <a:rPr b="0" lang="es-MX" sz="2400" spc="-1" strike="noStrike">
-                <a:solidFill>
-                  <a:srgbClr val="000000"/>
-                </a:solidFill>
-                <a:latin typeface="Calibri"/>
-                <a:ea typeface="DejaVu Sans"/>
-              </a:rPr>
-              <a:t>nuevamente para comprobar que esta vez el programa no se detiene en </a:t>
-            </a:r>
-            <a:endParaRPr b="0" lang="es-MX" sz="2400" spc="-1" strike="noStrike">
-              <a:latin typeface="Arial"/>
-            </a:endParaRPr>
-          </a:p>
-          <a:p>
-            <a:pPr>
-              <a:lnSpc>
-                <a:spcPct val="100000"/>
-              </a:lnSpc>
-            </a:pPr>
-            <a:r>
-              <a:rPr b="0" lang="es-MX" sz="2400" spc="-1" strike="noStrike">
-                <a:solidFill>
-                  <a:srgbClr val="000000"/>
-                </a:solidFill>
-                <a:latin typeface="Calibri"/>
-                <a:ea typeface="DejaVu Sans"/>
-              </a:rPr>
-              <a:t>el punto de ruptura en el que se detuvo antes. En la siguiente diapositiva </a:t>
-            </a:r>
-            <a:endParaRPr b="0" lang="es-MX" sz="2400" spc="-1" strike="noStrike">
-              <a:latin typeface="Arial"/>
-            </a:endParaRPr>
-          </a:p>
-          <a:p>
-            <a:pPr>
-              <a:lnSpc>
-                <a:spcPct val="100000"/>
-              </a:lnSpc>
-            </a:pPr>
-            <a:r>
-              <a:rPr b="0" lang="es-MX" sz="2400" spc="-1" strike="noStrike">
-                <a:solidFill>
-                  <a:srgbClr val="000000"/>
-                </a:solidFill>
-                <a:latin typeface="Calibri"/>
-                <a:ea typeface="DejaVu Sans"/>
-              </a:rPr>
-              <a:t>se muestra una ejecución en el debugger después cambio indicado.</a:t>
-            </a:r>
-            <a:endParaRPr b="0" lang="es-MX" sz="2400" spc="-1" strike="noStrike">
-              <a:latin typeface="Arial"/>
-            </a:endParaRPr>
-          </a:p>
-        </p:txBody>
-      </p:sp>
     </p:spTree>
   </p:cSld>
   <mc:AlternateContent>
@@ -16915,29 +16964,77 @@
           <a:chExt cx="0" cy="0"/>
         </a:xfrm>
       </p:grpSpPr>
-      <p:pic>
-        <p:nvPicPr>
-          <p:cNvPr id="340" name="Imagen 1" descr=""/>
-          <p:cNvPicPr/>
+      <p:sp>
+        <p:nvSpPr>
+          <p:cNvPr id="341" name="CustomShape 1"/>
+          <p:cNvSpPr/>
           <p:nvPr/>
-        </p:nvPicPr>
-        <p:blipFill>
-          <a:blip r:embed="rId1"/>
-          <a:stretch/>
-        </p:blipFill>
-        <p:spPr>
-          <a:xfrm>
-            <a:off x="1949760" y="196560"/>
-            <a:ext cx="8537040" cy="6448680"/>
-          </a:xfrm>
-          <a:prstGeom prst="rect">
-            <a:avLst/>
-          </a:prstGeom>
+        </p:nvSpPr>
+        <p:spPr>
+          <a:xfrm>
+            <a:off x="363600" y="721080"/>
+            <a:ext cx="11070000" cy="821160"/>
+          </a:xfrm>
+          <a:prstGeom prst="rect">
+            <a:avLst/>
+          </a:prstGeom>
+          <a:noFill/>
           <a:ln w="0">
             <a:noFill/>
           </a:ln>
         </p:spPr>
-      </p:pic>
+        <p:style>
+          <a:lnRef idx="0"/>
+          <a:fillRef idx="0"/>
+          <a:effectRef idx="0"/>
+          <a:fontRef idx="minor"/>
+        </p:style>
+        <p:txBody>
+          <a:bodyPr wrap="none" lIns="90000" rIns="90000" tIns="45000" bIns="45000">
+            <a:spAutoFit/>
+          </a:bodyPr>
+          <a:p>
+            <a:pPr>
+              <a:lnSpc>
+                <a:spcPct val="100000"/>
+              </a:lnSpc>
+            </a:pPr>
+            <a:r>
+              <a:rPr b="0" lang="es-MX" sz="2400" spc="-1" strike="noStrike">
+                <a:solidFill>
+                  <a:srgbClr val="000000"/>
+                </a:solidFill>
+                <a:latin typeface="Calibri"/>
+                <a:ea typeface="DejaVu Sans"/>
+              </a:rPr>
+              <a:t>Como el programa se detiene hasta el segundo punto de ruptura, esto </a:t>
+            </a:r>
+            <a:endParaRPr b="0" lang="es-MX" sz="2400" spc="-1" strike="noStrike">
+              <a:latin typeface="Arial"/>
+            </a:endParaRPr>
+          </a:p>
+          <a:p>
+            <a:pPr>
+              <a:lnSpc>
+                <a:spcPct val="100000"/>
+              </a:lnSpc>
+            </a:pPr>
+            <a:r>
+              <a:rPr b="0" lang="es-MX" sz="2400" spc="-1" strike="noStrike">
+                <a:solidFill>
+                  <a:srgbClr val="000000"/>
+                </a:solidFill>
+                <a:latin typeface="Calibri"/>
+                <a:ea typeface="DejaVu Sans"/>
+              </a:rPr>
+              <a:t>significa que el error que tenía el programa ha sido corregido.</a:t>
+            </a:r>
+            <a:endParaRPr b="0" lang="es-MX" sz="2400" spc="-1" strike="noStrike">
+              <a:latin typeface="Arial"/>
+            </a:endParaRPr>
+          </a:p>
+        </p:txBody>
+      </p:sp>
     </p:spTree>
   </p:cSld>
   <mc:AlternateContent>
@@ -16970,14 +17067,14 @@
       </p:grpSpPr>
       <p:sp>
         <p:nvSpPr>
-          <p:cNvPr id="341" name="CustomShape 1"/>
+          <p:cNvPr id="342" name="CustomShape 1"/>
           <p:cNvSpPr/>
           <p:nvPr/>
         </p:nvSpPr>
         <p:spPr>
           <a:xfrm>
-            <a:off x="363600" y="721080"/>
-            <a:ext cx="11070360" cy="821160"/>
+            <a:off x="502560" y="351360"/>
+            <a:ext cx="10513800" cy="1323720"/>
           </a:xfrm>
           <a:prstGeom prst="rect">
             <a:avLst/>
@@ -16994,6 +17091,57 @@
           <a:fontRef idx="minor"/>
         </p:style>
         <p:txBody>
+          <a:bodyPr lIns="90000" rIns="90000" tIns="45000" bIns="45000" anchor="ctr">
+            <a:noAutofit/>
+          </a:bodyPr>
+          <a:p>
+            <a:pPr>
+              <a:lnSpc>
+                <a:spcPct val="90000"/>
+              </a:lnSpc>
+            </a:pPr>
+            <a:r>
+              <a:rPr b="0" lang="es-MX" sz="4400" spc="-1" strike="noStrike">
+                <a:solidFill>
+                  <a:srgbClr val="000000"/>
+                </a:solidFill>
+                <a:latin typeface="Calibri Light"/>
+                <a:ea typeface="DejaVu Sans"/>
+              </a:rPr>
+              <a:t>1.4 Operadores</a:t>
+            </a:r>
+            <a:endParaRPr b="0" lang="es-MX" sz="4400" spc="-1" strike="noStrike">
+              <a:latin typeface="Arial"/>
+            </a:endParaRPr>
+          </a:p>
+        </p:txBody>
+      </p:sp>
+      <p:sp>
+        <p:nvSpPr>
+          <p:cNvPr id="343" name="CustomShape 2"/>
+          <p:cNvSpPr/>
+          <p:nvPr/>
+        </p:nvSpPr>
+        <p:spPr>
+          <a:xfrm>
+            <a:off x="559080" y="1828800"/>
+            <a:ext cx="10932840" cy="1552680"/>
+          </a:xfrm>
+          <a:prstGeom prst="rect">
+            <a:avLst/>
+          </a:prstGeom>
+          <a:noFill/>
+          <a:ln w="0">
+            <a:noFill/>
+          </a:ln>
+        </p:spPr>
+        <p:style>
+          <a:lnRef idx="0"/>
+          <a:fillRef idx="0"/>
+          <a:effectRef idx="0"/>
+          <a:fontRef idx="minor"/>
+        </p:style>
+        <p:txBody>
           <a:bodyPr wrap="none" lIns="90000" rIns="90000" tIns="45000" bIns="45000">
             <a:spAutoFit/>
           </a:bodyPr>
@@ -17011,7 +17159,7 @@
                 <a:latin typeface="Calibri"/>
                 <a:ea typeface="DejaVu Sans"/>
               </a:rPr>
-              <a:t>Como el programa se detiene hasta el segundo punto de ruptura, esto </a:t>
+              <a:t>Los operadores son caracteres que se utilizan en el lenguaje C para </a:t>
             </a:r>
             <a:endParaRPr b="0" lang="es-MX" sz="2400" spc="-1" strike="noStrike">
               <a:latin typeface="Arial"/>
@@ -17031,7 +17179,47 @@
                 <a:latin typeface="Calibri"/>
                 <a:ea typeface="DejaVu Sans"/>
               </a:rPr>
-              <a:t>significa que el error que tenía el programa ha sido corregido.</a:t>
+              <a:t>indicar que se deben realizar distintos tipos de operaciones con el </a:t>
+            </a:r>
+            <a:endParaRPr b="0" lang="es-MX" sz="2400" spc="-1" strike="noStrike">
+              <a:latin typeface="Arial"/>
+            </a:endParaRPr>
+          </a:p>
+          <a:p>
+            <a:pPr>
+              <a:lnSpc>
+                <a:spcPct val="100000"/>
+              </a:lnSpc>
+            </a:pPr>
+            <a:r>
+              <a:rPr b="0" lang="es-MX" sz="2400" spc="-1" strike="noStrike">
+                <a:solidFill>
+                  <a:srgbClr val="000000"/>
+                </a:solidFill>
+                <a:latin typeface="Calibri"/>
+                <a:ea typeface="DejaVu Sans"/>
+              </a:rPr>
+              <a:t>operando o los operandos que se requieren para realizar la operación </a:t>
+            </a:r>
+            <a:endParaRPr b="0" lang="es-MX" sz="2400" spc="-1" strike="noStrike">
+              <a:latin typeface="Arial"/>
+            </a:endParaRPr>
+          </a:p>
+          <a:p>
+            <a:pPr>
+              <a:lnSpc>
+                <a:spcPct val="100000"/>
+              </a:lnSpc>
+            </a:pPr>
+            <a:r>
+              <a:rPr b="0" lang="es-MX" sz="2400" spc="-1" strike="noStrike">
+                <a:solidFill>
+                  <a:srgbClr val="000000"/>
+                </a:solidFill>
+                <a:latin typeface="Calibri"/>
+                <a:ea typeface="DejaVu Sans"/>
+              </a:rPr>
+              <a:t>indicada por el caracter.</a:t>
             </a:r>
             <a:endParaRPr b="0" lang="es-MX" sz="2400" spc="-1" strike="noStrike">
               <a:latin typeface="Arial"/>
@@ -17071,14 +17259,14 @@
       </p:grpSpPr>
       <p:sp>
         <p:nvSpPr>
-          <p:cNvPr id="342" name="CustomShape 1"/>
+          <p:cNvPr id="344" name="CustomShape 1"/>
           <p:cNvSpPr/>
           <p:nvPr/>
         </p:nvSpPr>
         <p:spPr>
           <a:xfrm>
-            <a:off x="502560" y="351360"/>
-            <a:ext cx="10514160" cy="1324080"/>
+            <a:off x="820440" y="0"/>
+            <a:ext cx="10513800" cy="1323720"/>
           </a:xfrm>
           <a:prstGeom prst="rect">
             <a:avLst/>
@@ -17112,7 +17300,7 @@
                 <a:latin typeface="Calibri Light"/>
                 <a:ea typeface="DejaVu Sans"/>
               </a:rPr>
-              <a:t>1.4 Operadores</a:t>
+              <a:t>Operadores</a:t>
             </a:r>
             <a:endParaRPr b="0" lang="es-MX" sz="4400" spc="-1" strike="noStrike">
               <a:latin typeface="Arial"/>
@@ -17120,117 +17308,29 @@
           </a:p>
         </p:txBody>
       </p:sp>
-      <p:sp>
-        <p:nvSpPr>
-          <p:cNvPr id="343" name="CustomShape 2"/>
-          <p:cNvSpPr/>
+      <p:pic>
+        <p:nvPicPr>
+          <p:cNvPr id="345" name="Imagen 3" descr=""/>
+          <p:cNvPicPr/>
           <p:nvPr/>
-        </p:nvSpPr>
-        <p:spPr>
-          <a:xfrm>
-            <a:off x="559080" y="1828800"/>
-            <a:ext cx="10933200" cy="1552680"/>
-          </a:xfrm>
-          <a:prstGeom prst="rect">
-            <a:avLst/>
-          </a:prstGeom>
-          <a:noFill/>
+        </p:nvPicPr>
+        <p:blipFill>
+          <a:blip r:embed="rId1"/>
+          <a:stretch/>
+        </p:blipFill>
+        <p:spPr>
+          <a:xfrm>
+            <a:off x="2201040" y="880920"/>
+            <a:ext cx="7752960" cy="5816880"/>
+          </a:xfrm>
+          <a:prstGeom prst="rect">
+            <a:avLst/>
+          </a:prstGeom>
           <a:ln w="0">
             <a:noFill/>
           </a:ln>
         </p:spPr>
-        <p:style>
-          <a:lnRef idx="0"/>
-          <a:fillRef idx="0"/>
-          <a:effectRef idx="0"/>
-          <a:fontRef idx="minor"/>
-        </p:style>
-        <p:txBody>
-          <a:bodyPr wrap="none" lIns="90000" rIns="90000" tIns="45000" bIns="45000">
-            <a:spAutoFit/>
-          </a:bodyPr>
-          <a:p>
-            <a:pPr>
-              <a:lnSpc>
-                <a:spcPct val="100000"/>
-              </a:lnSpc>
-            </a:pPr>
-            <a:r>
-              <a:rPr b="0" lang="es-MX" sz="2400" spc="-1" strike="noStrike">
-                <a:solidFill>
-                  <a:srgbClr val="000000"/>
-                </a:solidFill>
-                <a:latin typeface="Calibri"/>
-                <a:ea typeface="DejaVu Sans"/>
-              </a:rPr>
-              <a:t>Los operadores son caracteres que se utilizan en el lenguaje C para </a:t>
-            </a:r>
-            <a:endParaRPr b="0" lang="es-MX" sz="2400" spc="-1" strike="noStrike">
-              <a:latin typeface="Arial"/>
-            </a:endParaRPr>
-          </a:p>
-          <a:p>
-            <a:pPr>
-              <a:lnSpc>
-                <a:spcPct val="100000"/>
-              </a:lnSpc>
-            </a:pPr>
-            <a:r>
-              <a:rPr b="0" lang="es-MX" sz="2400" spc="-1" strike="noStrike">
-                <a:solidFill>
-                  <a:srgbClr val="000000"/>
-                </a:solidFill>
-                <a:latin typeface="Calibri"/>
-                <a:ea typeface="DejaVu Sans"/>
-              </a:rPr>
-              <a:t>indicar que se deben realizar distintos tipos de operaciones con el </a:t>
-            </a:r>
-            <a:endParaRPr b="0" lang="es-MX" sz="2400" spc="-1" strike="noStrike">
-              <a:latin typeface="Arial"/>
-            </a:endParaRPr>
-          </a:p>
-          <a:p>
-            <a:pPr>
-              <a:lnSpc>
-                <a:spcPct val="100000"/>
-              </a:lnSpc>
-            </a:pPr>
-            <a:r>
-              <a:rPr b="0" lang="es-MX" sz="2400" spc="-1" strike="noStrike">
-                <a:solidFill>
-                  <a:srgbClr val="000000"/>
-                </a:solidFill>
-                <a:latin typeface="Calibri"/>
-                <a:ea typeface="DejaVu Sans"/>
-              </a:rPr>
-              <a:t>operando o los operandos que se requieren para realizar la operación </a:t>
-            </a:r>
-            <a:endParaRPr b="0" lang="es-MX" sz="2400" spc="-1" strike="noStrike">
-              <a:latin typeface="Arial"/>
-            </a:endParaRPr>
-          </a:p>
-          <a:p>
-            <a:pPr>
-              <a:lnSpc>
-                <a:spcPct val="100000"/>
-              </a:lnSpc>
-            </a:pPr>
-            <a:r>
-              <a:rPr b="0" lang="es-MX" sz="2400" spc="-1" strike="noStrike">
-                <a:solidFill>
-                  <a:srgbClr val="000000"/>
-                </a:solidFill>
-                <a:latin typeface="Calibri"/>
-                <a:ea typeface="DejaVu Sans"/>
-              </a:rPr>
-              <a:t>indicada por el caracter.</a:t>
-            </a:r>
-            <a:endParaRPr b="0" lang="es-MX" sz="2400" spc="-1" strike="noStrike">
-              <a:latin typeface="Arial"/>
-            </a:endParaRPr>
-          </a:p>
-        </p:txBody>
-      </p:sp>
+      </p:pic>
     </p:spTree>
   </p:cSld>
   <mc:AlternateContent>
@@ -17263,14 +17363,14 @@
       </p:grpSpPr>
       <p:sp>
         <p:nvSpPr>
-          <p:cNvPr id="344" name="CustomShape 1"/>
+          <p:cNvPr id="346" name="CustomShape 1"/>
           <p:cNvSpPr/>
           <p:nvPr/>
         </p:nvSpPr>
         <p:spPr>
           <a:xfrm>
-            <a:off x="820440" y="0"/>
-            <a:ext cx="10514160" cy="1324080"/>
+            <a:off x="873360" y="0"/>
+            <a:ext cx="10513800" cy="1323720"/>
           </a:xfrm>
           <a:prstGeom prst="rect">
             <a:avLst/>
@@ -17304,7 +17404,7 @@
                 <a:latin typeface="Calibri Light"/>
                 <a:ea typeface="DejaVu Sans"/>
               </a:rPr>
-              <a:t>Operadores</a:t>
+              <a:t>Operadores aritméticos</a:t>
             </a:r>
             <a:endParaRPr b="0" lang="es-MX" sz="4400" spc="-1" strike="noStrike">
               <a:latin typeface="Arial"/>
@@ -17314,7 +17414,7 @@
       </p:sp>
       <p:pic>
         <p:nvPicPr>
-          <p:cNvPr id="345" name="Imagen 3" descr=""/>
+          <p:cNvPr id="347" name="Imagen 3" descr=""/>
           <p:cNvPicPr/>
           <p:nvPr/>
         </p:nvPicPr>
@@ -17324,8 +17424,8 @@
         </p:blipFill>
         <p:spPr>
           <a:xfrm>
-            <a:off x="2201040" y="880920"/>
-            <a:ext cx="7753320" cy="5817240"/>
+            <a:off x="2273040" y="908280"/>
+            <a:ext cx="7714440" cy="5815440"/>
           </a:xfrm>
           <a:prstGeom prst="rect">
             <a:avLst/>
@@ -17367,14 +17467,14 @@
       </p:grpSpPr>
       <p:sp>
         <p:nvSpPr>
-          <p:cNvPr id="346" name="CustomShape 1"/>
+          <p:cNvPr id="348" name="CustomShape 1"/>
           <p:cNvSpPr/>
           <p:nvPr/>
         </p:nvSpPr>
         <p:spPr>
           <a:xfrm>
-            <a:off x="873360" y="0"/>
-            <a:ext cx="10514160" cy="1324080"/>
+            <a:off x="645480" y="360000"/>
+            <a:ext cx="10513800" cy="1323720"/>
           </a:xfrm>
           <a:prstGeom prst="rect">
             <a:avLst/>
@@ -17401,16 +17501,16 @@
               </a:lnSpc>
             </a:pPr>
             <a:r>
-              <a:rPr b="0" lang="es-MX" sz="4400" spc="-1" strike="noStrike">
+              <a:rPr b="0" lang="es-MX" sz="4000" spc="-1" strike="noStrike">
                 <a:solidFill>
                   <a:srgbClr val="000000"/>
                 </a:solidFill>
                 <a:latin typeface="Calibri Light"/>
                 <a:ea typeface="DejaVu Sans"/>
               </a:rPr>
-              <a:t>Operadores aritméticos</a:t>
-            </a:r>
-            <a:endParaRPr b="0" lang="es-MX" sz="4400" spc="-1" strike="noStrike">
+              <a:t>Ejemplo 10</a:t>
+            </a:r>
+            <a:endParaRPr b="0" lang="es-MX" sz="4000" spc="-1" strike="noStrike">
               <a:latin typeface="Arial"/>
             </a:endParaRPr>
           </a:p>
@@ -17418,7 +17518,7 @@
       </p:sp>
       <p:pic>
         <p:nvPicPr>
-          <p:cNvPr id="347" name="Imagen 3" descr=""/>
+          <p:cNvPr id="349" name="Imagen 3" descr=""/>
           <p:cNvPicPr/>
           <p:nvPr/>
         </p:nvPicPr>
@@ -17428,8 +17528,8 @@
         </p:blipFill>
         <p:spPr>
           <a:xfrm>
-            <a:off x="2273040" y="908280"/>
-            <a:ext cx="7714800" cy="5815800"/>
+            <a:off x="3707640" y="365040"/>
+            <a:ext cx="8322480" cy="6250320"/>
           </a:xfrm>
           <a:prstGeom prst="rect">
             <a:avLst/>
@@ -17471,14 +17571,14 @@
       </p:grpSpPr>
       <p:sp>
         <p:nvSpPr>
-          <p:cNvPr id="348" name="CustomShape 1"/>
+          <p:cNvPr id="350" name="CustomShape 1"/>
           <p:cNvSpPr/>
           <p:nvPr/>
         </p:nvSpPr>
         <p:spPr>
           <a:xfrm>
-            <a:off x="645480" y="360000"/>
-            <a:ext cx="10514160" cy="1324080"/>
+            <a:off x="677160" y="351720"/>
+            <a:ext cx="10513800" cy="1323720"/>
           </a:xfrm>
           <a:prstGeom prst="rect">
             <a:avLst/>
@@ -17512,7 +17612,7 @@
                 <a:latin typeface="Calibri Light"/>
                 <a:ea typeface="DejaVu Sans"/>
               </a:rPr>
-              <a:t>Ejemplo 10</a:t>
+              <a:t>Ejemplo 11</a:t>
             </a:r>
             <a:endParaRPr b="0" lang="es-MX" sz="4000" spc="-1" strike="noStrike">
               <a:latin typeface="Arial"/>
@@ -17522,7 +17622,7 @@
       </p:sp>
       <p:pic>
         <p:nvPicPr>
-          <p:cNvPr id="349" name="Imagen 3" descr=""/>
+          <p:cNvPr id="351" name="Imagen 3" descr=""/>
           <p:cNvPicPr/>
           <p:nvPr/>
         </p:nvPicPr>
@@ -17532,8 +17632,8 @@
         </p:blipFill>
         <p:spPr>
           <a:xfrm>
-            <a:off x="3707640" y="365040"/>
-            <a:ext cx="8322840" cy="6250680"/>
+            <a:off x="3632400" y="365040"/>
+            <a:ext cx="8433720" cy="6244920"/>
           </a:xfrm>
           <a:prstGeom prst="rect">
             <a:avLst/>
@@ -17575,14 +17675,14 @@
       </p:grpSpPr>
       <p:sp>
         <p:nvSpPr>
-          <p:cNvPr id="350" name="CustomShape 1"/>
+          <p:cNvPr id="352" name="CustomShape 1"/>
           <p:cNvSpPr/>
           <p:nvPr/>
         </p:nvSpPr>
         <p:spPr>
           <a:xfrm>
-            <a:off x="677160" y="351720"/>
-            <a:ext cx="10514160" cy="1324080"/>
+            <a:off x="838080" y="0"/>
+            <a:ext cx="10513800" cy="1323720"/>
           </a:xfrm>
           <a:prstGeom prst="rect">
             <a:avLst/>
@@ -17609,16 +17709,16 @@
               </a:lnSpc>
             </a:pPr>
             <a:r>
-              <a:rPr b="0" lang="es-MX" sz="4000" spc="-1" strike="noStrike">
+              <a:rPr b="0" lang="es-MX" sz="4400" spc="-1" strike="noStrike">
                 <a:solidFill>
                   <a:srgbClr val="000000"/>
                 </a:solidFill>
                 <a:latin typeface="Calibri Light"/>
                 <a:ea typeface="DejaVu Sans"/>
               </a:rPr>
-              <a:t>Ejemplo 11</a:t>
-            </a:r>
-            <a:endParaRPr b="0" lang="es-MX" sz="4000" spc="-1" strike="noStrike">
+              <a:t>Operadores unarios</a:t>
+            </a:r>
+            <a:endParaRPr b="0" lang="es-MX" sz="4400" spc="-1" strike="noStrike">
               <a:latin typeface="Arial"/>
             </a:endParaRPr>
           </a:p>
@@ -17626,7 +17726,7 @@
       </p:sp>
       <p:pic>
         <p:nvPicPr>
-          <p:cNvPr id="351" name="Imagen 3" descr=""/>
+          <p:cNvPr id="353" name="Imagen 3" descr=""/>
           <p:cNvPicPr/>
           <p:nvPr/>
         </p:nvPicPr>
@@ -17636,8 +17736,8 @@
         </p:blipFill>
         <p:spPr>
           <a:xfrm>
-            <a:off x="3632400" y="365040"/>
-            <a:ext cx="8434080" cy="6245280"/>
+            <a:off x="2176200" y="873000"/>
+            <a:ext cx="7838280" cy="5842440"/>
           </a:xfrm>
           <a:prstGeom prst="rect">
             <a:avLst/>
@@ -17686,7 +17786,7 @@
         <p:spPr>
           <a:xfrm>
             <a:off x="838080" y="0"/>
-            <a:ext cx="10514520" cy="1324440"/>
+            <a:ext cx="10514160" cy="1324080"/>
           </a:xfrm>
           <a:prstGeom prst="rect">
             <a:avLst/>
@@ -17737,7 +17837,7 @@
         <p:spPr>
           <a:xfrm>
             <a:off x="803880" y="1385280"/>
-            <a:ext cx="10199160" cy="699480"/>
+            <a:ext cx="10198800" cy="699480"/>
           </a:xfrm>
           <a:prstGeom prst="rect">
             <a:avLst/>
@@ -17808,7 +17908,7 @@
         <p:spPr>
           <a:xfrm>
             <a:off x="3509640" y="5063760"/>
-            <a:ext cx="4648680" cy="394560"/>
+            <a:ext cx="4648320" cy="394560"/>
           </a:xfrm>
           <a:prstGeom prst="rect">
             <a:avLst/>
@@ -17863,7 +17963,7 @@
         <p:spPr>
           <a:xfrm>
             <a:off x="1133640" y="3408840"/>
-            <a:ext cx="9923400" cy="953640"/>
+            <a:ext cx="9923040" cy="953280"/>
           </a:xfrm>
           <a:prstGeom prst="rect">
             <a:avLst/>
@@ -17887,7 +17987,7 @@
         <p:spPr>
           <a:xfrm>
             <a:off x="1133640" y="4278600"/>
-            <a:ext cx="9923400" cy="650880"/>
+            <a:ext cx="9923040" cy="650520"/>
           </a:xfrm>
           <a:prstGeom prst="rect">
             <a:avLst/>
@@ -17910,7 +18010,7 @@
         <p:spPr>
           <a:xfrm>
             <a:off x="849600" y="2160720"/>
-            <a:ext cx="10129680" cy="1031400"/>
+            <a:ext cx="10129320" cy="1031040"/>
           </a:xfrm>
           <a:prstGeom prst="rect">
             <a:avLst/>
@@ -17952,14 +18052,14 @@
       </p:grpSpPr>
       <p:sp>
         <p:nvSpPr>
-          <p:cNvPr id="352" name="CustomShape 1"/>
+          <p:cNvPr id="354" name="CustomShape 1"/>
           <p:cNvSpPr/>
           <p:nvPr/>
         </p:nvSpPr>
         <p:spPr>
           <a:xfrm>
-            <a:off x="838080" y="0"/>
-            <a:ext cx="10514160" cy="1324080"/>
+            <a:off x="650160" y="378360"/>
+            <a:ext cx="10513800" cy="1323720"/>
           </a:xfrm>
           <a:prstGeom prst="rect">
             <a:avLst/>
@@ -17986,16 +18086,16 @@
               </a:lnSpc>
             </a:pPr>
             <a:r>
-              <a:rPr b="0" lang="es-MX" sz="4400" spc="-1" strike="noStrike">
+              <a:rPr b="0" lang="es-MX" sz="4000" spc="-1" strike="noStrike">
                 <a:solidFill>
                   <a:srgbClr val="000000"/>
                 </a:solidFill>
                 <a:latin typeface="Calibri Light"/>
                 <a:ea typeface="DejaVu Sans"/>
               </a:rPr>
-              <a:t>Operadores unarios</a:t>
-            </a:r>
-            <a:endParaRPr b="0" lang="es-MX" sz="4400" spc="-1" strike="noStrike">
+              <a:t>Ejemplo 12</a:t>
+            </a:r>
+            <a:endParaRPr b="0" lang="es-MX" sz="4000" spc="-1" strike="noStrike">
               <a:latin typeface="Arial"/>
             </a:endParaRPr>
           </a:p>
@@ -18003,7 +18103,7 @@
       </p:sp>
       <p:pic>
         <p:nvPicPr>
-          <p:cNvPr id="353" name="Imagen 3" descr=""/>
+          <p:cNvPr id="355" name="Imagen 3" descr=""/>
           <p:cNvPicPr/>
           <p:nvPr/>
         </p:nvPicPr>
@@ -18013,8 +18113,8 @@
         </p:blipFill>
         <p:spPr>
           <a:xfrm>
-            <a:off x="2176200" y="873000"/>
-            <a:ext cx="7838640" cy="5842800"/>
+            <a:off x="3638520" y="365040"/>
+            <a:ext cx="8265240" cy="6175080"/>
           </a:xfrm>
           <a:prstGeom prst="rect">
             <a:avLst/>
@@ -18056,14 +18156,14 @@
       </p:grpSpPr>
       <p:sp>
         <p:nvSpPr>
-          <p:cNvPr id="354" name="CustomShape 1"/>
+          <p:cNvPr id="356" name="CustomShape 1"/>
           <p:cNvSpPr/>
           <p:nvPr/>
         </p:nvSpPr>
         <p:spPr>
           <a:xfrm>
-            <a:off x="650160" y="378360"/>
-            <a:ext cx="10514160" cy="1324080"/>
+            <a:off x="838080" y="0"/>
+            <a:ext cx="10513800" cy="1323720"/>
           </a:xfrm>
           <a:prstGeom prst="rect">
             <a:avLst/>
@@ -18090,16 +18190,16 @@
               </a:lnSpc>
             </a:pPr>
             <a:r>
-              <a:rPr b="0" lang="es-MX" sz="4000" spc="-1" strike="noStrike">
+              <a:rPr b="0" lang="es-MX" sz="4400" spc="-1" strike="noStrike">
                 <a:solidFill>
                   <a:srgbClr val="000000"/>
                 </a:solidFill>
                 <a:latin typeface="Calibri Light"/>
                 <a:ea typeface="DejaVu Sans"/>
               </a:rPr>
-              <a:t>Ejemplo 12</a:t>
-            </a:r>
-            <a:endParaRPr b="0" lang="es-MX" sz="4000" spc="-1" strike="noStrike">
+              <a:t>Lo que C considera verdadero</a:t>
+            </a:r>
+            <a:endParaRPr b="0" lang="es-MX" sz="4400" spc="-1" strike="noStrike">
               <a:latin typeface="Arial"/>
             </a:endParaRPr>
           </a:p>
@@ -18107,7 +18207,7 @@
       </p:sp>
       <p:pic>
         <p:nvPicPr>
-          <p:cNvPr id="355" name="Imagen 3" descr=""/>
+          <p:cNvPr id="357" name="Imagen 3" descr=""/>
           <p:cNvPicPr/>
           <p:nvPr/>
         </p:nvPicPr>
@@ -18117,8 +18217,8 @@
         </p:blipFill>
         <p:spPr>
           <a:xfrm>
-            <a:off x="3638520" y="365040"/>
-            <a:ext cx="8265600" cy="6175440"/>
+            <a:off x="2190600" y="903240"/>
+            <a:ext cx="7809120" cy="5759280"/>
           </a:xfrm>
           <a:prstGeom prst="rect">
             <a:avLst/>
@@ -18160,14 +18260,14 @@
       </p:grpSpPr>
       <p:sp>
         <p:nvSpPr>
-          <p:cNvPr id="356" name="CustomShape 1"/>
+          <p:cNvPr id="358" name="CustomShape 1"/>
           <p:cNvSpPr/>
           <p:nvPr/>
         </p:nvSpPr>
         <p:spPr>
           <a:xfrm>
-            <a:off x="838080" y="0"/>
-            <a:ext cx="10514160" cy="1324080"/>
+            <a:off x="873360" y="0"/>
+            <a:ext cx="10513800" cy="1323720"/>
           </a:xfrm>
           <a:prstGeom prst="rect">
             <a:avLst/>
@@ -18201,7 +18301,7 @@
                 <a:latin typeface="Calibri Light"/>
                 <a:ea typeface="DejaVu Sans"/>
               </a:rPr>
-              <a:t>Lo que C considera verdadero</a:t>
+              <a:t>Operadores de comparación</a:t>
             </a:r>
             <a:endParaRPr b="0" lang="es-MX" sz="4400" spc="-1" strike="noStrike">
               <a:latin typeface="Arial"/>
@@ -18211,7 +18311,7 @@
       </p:sp>
       <p:pic>
         <p:nvPicPr>
-          <p:cNvPr id="357" name="Imagen 3" descr=""/>
+          <p:cNvPr id="359" name="Imagen 3" descr=""/>
           <p:cNvPicPr/>
           <p:nvPr/>
         </p:nvPicPr>
@@ -18221,8 +18321,8 @@
         </p:blipFill>
         <p:spPr>
           <a:xfrm>
-            <a:off x="2190600" y="903240"/>
-            <a:ext cx="7809480" cy="5759640"/>
+            <a:off x="2236320" y="898560"/>
+            <a:ext cx="7787880" cy="5826960"/>
           </a:xfrm>
           <a:prstGeom prst="rect">
             <a:avLst/>
@@ -18264,14 +18364,14 @@
       </p:grpSpPr>
       <p:sp>
         <p:nvSpPr>
-          <p:cNvPr id="358" name="CustomShape 1"/>
+          <p:cNvPr id="360" name="CustomShape 1"/>
           <p:cNvSpPr/>
           <p:nvPr/>
         </p:nvSpPr>
         <p:spPr>
           <a:xfrm>
-            <a:off x="873360" y="0"/>
-            <a:ext cx="10514160" cy="1324080"/>
+            <a:off x="838080" y="0"/>
+            <a:ext cx="10513800" cy="1323720"/>
           </a:xfrm>
           <a:prstGeom prst="rect">
             <a:avLst/>
@@ -18305,7 +18405,7 @@
                 <a:latin typeface="Calibri Light"/>
                 <a:ea typeface="DejaVu Sans"/>
               </a:rPr>
-              <a:t>Operadores de comparación</a:t>
+              <a:t>Operadores lógicos</a:t>
             </a:r>
             <a:endParaRPr b="0" lang="es-MX" sz="4400" spc="-1" strike="noStrike">
               <a:latin typeface="Arial"/>
@@ -18315,7 +18415,7 @@
       </p:sp>
       <p:pic>
         <p:nvPicPr>
-          <p:cNvPr id="359" name="Imagen 3" descr=""/>
+          <p:cNvPr id="361" name="Imagen 3" descr=""/>
           <p:cNvPicPr/>
           <p:nvPr/>
         </p:nvPicPr>
@@ -18325,8 +18425,8 @@
         </p:blipFill>
         <p:spPr>
           <a:xfrm>
-            <a:off x="2236320" y="898560"/>
-            <a:ext cx="7788240" cy="5827320"/>
+            <a:off x="2210040" y="890640"/>
+            <a:ext cx="7770240" cy="5792040"/>
           </a:xfrm>
           <a:prstGeom prst="rect">
             <a:avLst/>
@@ -18368,14 +18468,14 @@
       </p:grpSpPr>
       <p:sp>
         <p:nvSpPr>
-          <p:cNvPr id="360" name="CustomShape 1"/>
+          <p:cNvPr id="362" name="CustomShape 1"/>
           <p:cNvSpPr/>
           <p:nvPr/>
         </p:nvSpPr>
         <p:spPr>
           <a:xfrm>
             <a:off x="838080" y="0"/>
-            <a:ext cx="10514160" cy="1324080"/>
+            <a:ext cx="10513800" cy="1323720"/>
           </a:xfrm>
           <a:prstGeom prst="rect">
             <a:avLst/>
@@ -18402,16 +18502,16 @@
               </a:lnSpc>
             </a:pPr>
             <a:r>
-              <a:rPr b="0" lang="es-MX" sz="4400" spc="-1" strike="noStrike">
+              <a:rPr b="0" lang="es-MX" sz="3200" spc="-1" strike="noStrike">
                 <a:solidFill>
                   <a:srgbClr val="000000"/>
                 </a:solidFill>
                 <a:latin typeface="Calibri Light"/>
                 <a:ea typeface="DejaVu Sans"/>
               </a:rPr>
-              <a:t>Operadores lógicos</a:t>
-            </a:r>
-            <a:endParaRPr b="0" lang="es-MX" sz="4400" spc="-1" strike="noStrike">
+              <a:t>C garantiza acerca de operadores lógicos</a:t>
+            </a:r>
+            <a:endParaRPr b="0" lang="es-MX" sz="3200" spc="-1" strike="noStrike">
               <a:latin typeface="Arial"/>
             </a:endParaRPr>
           </a:p>
@@ -18419,7 +18519,7 @@
       </p:sp>
       <p:pic>
         <p:nvPicPr>
-          <p:cNvPr id="361" name="Imagen 3" descr=""/>
+          <p:cNvPr id="363" name="Imagen 3" descr=""/>
           <p:cNvPicPr/>
           <p:nvPr/>
         </p:nvPicPr>
@@ -18429,8 +18529,8 @@
         </p:blipFill>
         <p:spPr>
           <a:xfrm>
-            <a:off x="2210040" y="890640"/>
-            <a:ext cx="7770600" cy="5792400"/>
+            <a:off x="2268360" y="927360"/>
+            <a:ext cx="7653240" cy="5717880"/>
           </a:xfrm>
           <a:prstGeom prst="rect">
             <a:avLst/>
@@ -18472,14 +18572,14 @@
       </p:grpSpPr>
       <p:sp>
         <p:nvSpPr>
-          <p:cNvPr id="362" name="CustomShape 1"/>
+          <p:cNvPr id="364" name="CustomShape 1"/>
           <p:cNvSpPr/>
           <p:nvPr/>
         </p:nvSpPr>
         <p:spPr>
           <a:xfrm>
             <a:off x="838080" y="0"/>
-            <a:ext cx="10514160" cy="1324080"/>
+            <a:ext cx="10513800" cy="1323720"/>
           </a:xfrm>
           <a:prstGeom prst="rect">
             <a:avLst/>
@@ -18506,16 +18606,16 @@
               </a:lnSpc>
             </a:pPr>
             <a:r>
-              <a:rPr b="0" lang="es-MX" sz="3200" spc="-1" strike="noStrike">
+              <a:rPr b="0" lang="es-MX" sz="4400" spc="-1" strike="noStrike">
                 <a:solidFill>
                   <a:srgbClr val="000000"/>
                 </a:solidFill>
                 <a:latin typeface="Calibri Light"/>
                 <a:ea typeface="DejaVu Sans"/>
               </a:rPr>
-              <a:t>C garantiza acerca de operadores lógicos</a:t>
-            </a:r>
-            <a:endParaRPr b="0" lang="es-MX" sz="3200" spc="-1" strike="noStrike">
+              <a:t>¡Advertencia!</a:t>
+            </a:r>
+            <a:endParaRPr b="0" lang="es-MX" sz="4400" spc="-1" strike="noStrike">
               <a:latin typeface="Arial"/>
             </a:endParaRPr>
           </a:p>
@@ -18523,7 +18623,7 @@
       </p:sp>
       <p:pic>
         <p:nvPicPr>
-          <p:cNvPr id="363" name="Imagen 3" descr=""/>
+          <p:cNvPr id="365" name="Imagen 3" descr=""/>
           <p:cNvPicPr/>
           <p:nvPr/>
         </p:nvPicPr>
@@ -18533,8 +18633,8 @@
         </p:blipFill>
         <p:spPr>
           <a:xfrm>
-            <a:off x="2268360" y="927360"/>
-            <a:ext cx="7653600" cy="5718240"/>
+            <a:off x="2273760" y="927360"/>
+            <a:ext cx="7642440" cy="5661720"/>
           </a:xfrm>
           <a:prstGeom prst="rect">
             <a:avLst/>
@@ -18576,14 +18676,14 @@
       </p:grpSpPr>
       <p:sp>
         <p:nvSpPr>
-          <p:cNvPr id="364" name="CustomShape 1"/>
+          <p:cNvPr id="366" name="CustomShape 1"/>
           <p:cNvSpPr/>
           <p:nvPr/>
         </p:nvSpPr>
         <p:spPr>
           <a:xfrm>
-            <a:off x="838080" y="0"/>
-            <a:ext cx="10514160" cy="1324080"/>
+            <a:off x="803160" y="0"/>
+            <a:ext cx="10513800" cy="1323720"/>
           </a:xfrm>
           <a:prstGeom prst="rect">
             <a:avLst/>
@@ -18617,7 +18717,7 @@
                 <a:latin typeface="Calibri Light"/>
                 <a:ea typeface="DejaVu Sans"/>
               </a:rPr>
-              <a:t>¡Advertencia!</a:t>
+              <a:t>Operadores a nivel de bits</a:t>
             </a:r>
             <a:endParaRPr b="0" lang="es-MX" sz="4400" spc="-1" strike="noStrike">
               <a:latin typeface="Arial"/>
@@ -18627,7 +18727,7 @@
       </p:sp>
       <p:pic>
         <p:nvPicPr>
-          <p:cNvPr id="365" name="Imagen 3" descr=""/>
+          <p:cNvPr id="367" name="Imagen 3" descr=""/>
           <p:cNvPicPr/>
           <p:nvPr/>
         </p:nvPicPr>
@@ -18637,8 +18737,8 @@
         </p:blipFill>
         <p:spPr>
           <a:xfrm>
-            <a:off x="2273760" y="927360"/>
-            <a:ext cx="7642800" cy="5662080"/>
+            <a:off x="2189880" y="880920"/>
+            <a:ext cx="7740000" cy="5782680"/>
           </a:xfrm>
           <a:prstGeom prst="rect">
             <a:avLst/>
@@ -18680,14 +18780,14 @@
       </p:grpSpPr>
       <p:sp>
         <p:nvSpPr>
-          <p:cNvPr id="366" name="CustomShape 1"/>
+          <p:cNvPr id="368" name="CustomShape 1"/>
           <p:cNvSpPr/>
           <p:nvPr/>
         </p:nvSpPr>
         <p:spPr>
           <a:xfrm>
-            <a:off x="803160" y="0"/>
-            <a:ext cx="10514160" cy="1324080"/>
+            <a:off x="855720" y="0"/>
+            <a:ext cx="10513800" cy="1323720"/>
           </a:xfrm>
           <a:prstGeom prst="rect">
             <a:avLst/>
@@ -18721,7 +18821,7 @@
                 <a:latin typeface="Calibri Light"/>
                 <a:ea typeface="DejaVu Sans"/>
               </a:rPr>
-              <a:t>Operadores a nivel de bits</a:t>
+              <a:t>Ejemplo 13</a:t>
             </a:r>
             <a:endParaRPr b="0" lang="es-MX" sz="4400" spc="-1" strike="noStrike">
               <a:latin typeface="Arial"/>
@@ -18731,7 +18831,7 @@
       </p:sp>
       <p:pic>
         <p:nvPicPr>
-          <p:cNvPr id="367" name="Imagen 3" descr=""/>
+          <p:cNvPr id="369" name="Imagen 3" descr=""/>
           <p:cNvPicPr/>
           <p:nvPr/>
         </p:nvPicPr>
@@ -18741,8 +18841,8 @@
         </p:blipFill>
         <p:spPr>
           <a:xfrm>
-            <a:off x="2189880" y="880920"/>
-            <a:ext cx="7740360" cy="5783040"/>
+            <a:off x="2265120" y="895320"/>
+            <a:ext cx="7695000" cy="5733000"/>
           </a:xfrm>
           <a:prstGeom prst="rect">
             <a:avLst/>
@@ -18784,14 +18884,14 @@
       </p:grpSpPr>
       <p:sp>
         <p:nvSpPr>
-          <p:cNvPr id="368" name="CustomShape 1"/>
+          <p:cNvPr id="370" name="CustomShape 1"/>
           <p:cNvSpPr/>
           <p:nvPr/>
         </p:nvSpPr>
         <p:spPr>
           <a:xfrm>
-            <a:off x="855720" y="0"/>
-            <a:ext cx="10514160" cy="1324080"/>
+            <a:off x="838080" y="0"/>
+            <a:ext cx="10513800" cy="1323720"/>
           </a:xfrm>
           <a:prstGeom prst="rect">
             <a:avLst/>
@@ -18825,7 +18925,7 @@
                 <a:latin typeface="Calibri Light"/>
                 <a:ea typeface="DejaVu Sans"/>
               </a:rPr>
-              <a:t>Ejemplo 13</a:t>
+              <a:t>Operador de asignación</a:t>
             </a:r>
             <a:endParaRPr b="0" lang="es-MX" sz="4400" spc="-1" strike="noStrike">
               <a:latin typeface="Arial"/>
@@ -18835,7 +18935,7 @@
       </p:sp>
       <p:pic>
         <p:nvPicPr>
-          <p:cNvPr id="369" name="Imagen 3" descr=""/>
+          <p:cNvPr id="371" name="Imagen 3" descr=""/>
           <p:cNvPicPr/>
           <p:nvPr/>
         </p:nvPicPr>
@@ -18845,8 +18945,8 @@
         </p:blipFill>
         <p:spPr>
           <a:xfrm>
-            <a:off x="2265120" y="895320"/>
-            <a:ext cx="7695360" cy="5733360"/>
+            <a:off x="2145240" y="900000"/>
+            <a:ext cx="7899480" cy="5825520"/>
           </a:xfrm>
           <a:prstGeom prst="rect">
             <a:avLst/>
@@ -18888,14 +18988,14 @@
       </p:grpSpPr>
       <p:sp>
         <p:nvSpPr>
-          <p:cNvPr id="370" name="CustomShape 1"/>
+          <p:cNvPr id="372" name="CustomShape 1"/>
           <p:cNvSpPr/>
           <p:nvPr/>
         </p:nvSpPr>
         <p:spPr>
           <a:xfrm>
-            <a:off x="838080" y="0"/>
-            <a:ext cx="10514160" cy="1324080"/>
+            <a:off x="855720" y="0"/>
+            <a:ext cx="10513800" cy="1323720"/>
           </a:xfrm>
           <a:prstGeom prst="rect">
             <a:avLst/>
@@ -18929,7 +19029,7 @@
                 <a:latin typeface="Calibri Light"/>
                 <a:ea typeface="DejaVu Sans"/>
               </a:rPr>
-              <a:t>Operador de asignación</a:t>
+              <a:t>Advertencia</a:t>
             </a:r>
             <a:endParaRPr b="0" lang="es-MX" sz="4400" spc="-1" strike="noStrike">
               <a:latin typeface="Arial"/>
@@ -18939,7 +19039,7 @@
       </p:sp>
       <p:pic>
         <p:nvPicPr>
-          <p:cNvPr id="371" name="Imagen 3" descr=""/>
+          <p:cNvPr id="373" name="Imagen 3" descr=""/>
           <p:cNvPicPr/>
           <p:nvPr/>
         </p:nvPicPr>
@@ -18949,8 +19049,8 @@
         </p:blipFill>
         <p:spPr>
           <a:xfrm>
-            <a:off x="2145240" y="900000"/>
-            <a:ext cx="7899840" cy="5825880"/>
+            <a:off x="4030200" y="836640"/>
+            <a:ext cx="7849800" cy="5823360"/>
           </a:xfrm>
           <a:prstGeom prst="rect">
             <a:avLst/>
@@ -18960,6 +19060,42 @@
           </a:ln>
         </p:spPr>
       </p:pic>
+      <p:sp>
+        <p:nvSpPr>
+          <p:cNvPr id="374" name="TextShape 2"/>
+          <p:cNvSpPr txBox="1"/>
+          <p:nvPr/>
+        </p:nvSpPr>
+        <p:spPr>
+          <a:xfrm>
+            <a:off x="720000" y="1260000"/>
+            <a:ext cx="3060000" cy="715320"/>
+          </a:xfrm>
+          <a:prstGeom prst="rect">
+            <a:avLst/>
+          </a:prstGeom>
+          <a:noFill/>
+          <a:ln w="0">
+            <a:noFill/>
+          </a:ln>
+        </p:spPr>
+        <p:txBody>
+          <a:bodyPr lIns="90000" rIns="90000" tIns="45000" bIns="45000">
+            <a:noAutofit/>
+          </a:bodyPr>
+          <a:p>
+            <a:r>
+              <a:rPr b="0" lang="es-MX" sz="4400" spc="-1" strike="noStrike">
+                <a:latin typeface="Arial"/>
+              </a:rPr>
+              <a:t>Ejemplo 14</a:t>
+            </a:r>
+            <a:endParaRPr b="0" lang="es-MX" sz="4400" spc="-1" strike="noStrike">
+              <a:latin typeface="Arial"/>
+            </a:endParaRPr>
+          </a:p>
+        </p:txBody>
+      </p:sp>
     </p:spTree>
   </p:cSld>
   <mc:AlternateContent>
@@ -18999,7 +19135,7 @@
         <p:spPr>
           <a:xfrm>
             <a:off x="838080" y="0"/>
-            <a:ext cx="10514520" cy="1324440"/>
+            <a:ext cx="10514160" cy="1324080"/>
           </a:xfrm>
           <a:prstGeom prst="rect">
             <a:avLst/>
@@ -19054,7 +19190,7 @@
         <p:spPr>
           <a:xfrm>
             <a:off x="682200" y="1137600"/>
-            <a:ext cx="10906920" cy="2528640"/>
+            <a:ext cx="10906560" cy="2528280"/>
           </a:xfrm>
           <a:prstGeom prst="rect">
             <a:avLst/>
@@ -19073,7 +19209,7 @@
         <p:spPr>
           <a:xfrm>
             <a:off x="577440" y="3855240"/>
-            <a:ext cx="11157840" cy="1614240"/>
+            <a:ext cx="11157480" cy="1614240"/>
           </a:xfrm>
           <a:prstGeom prst="rect">
             <a:avLst/>
@@ -19227,14 +19363,14 @@
       </p:grpSpPr>
       <p:sp>
         <p:nvSpPr>
-          <p:cNvPr id="372" name="CustomShape 1"/>
+          <p:cNvPr id="375" name="CustomShape 1"/>
           <p:cNvSpPr/>
           <p:nvPr/>
         </p:nvSpPr>
         <p:spPr>
           <a:xfrm>
-            <a:off x="855720" y="0"/>
-            <a:ext cx="10514160" cy="1324080"/>
+            <a:off x="838080" y="0"/>
+            <a:ext cx="10513800" cy="1323720"/>
           </a:xfrm>
           <a:prstGeom prst="rect">
             <a:avLst/>
@@ -19268,7 +19404,7 @@
                 <a:latin typeface="Calibri Light"/>
                 <a:ea typeface="DejaVu Sans"/>
               </a:rPr>
-              <a:t>Advertencia</a:t>
+              <a:t>Otros operadores de asignación</a:t>
             </a:r>
             <a:endParaRPr b="0" lang="es-MX" sz="4400" spc="-1" strike="noStrike">
               <a:latin typeface="Arial"/>
@@ -19278,7 +19414,7 @@
       </p:sp>
       <p:pic>
         <p:nvPicPr>
-          <p:cNvPr id="373" name="Imagen 3" descr=""/>
+          <p:cNvPr id="376" name="Imagen 3" descr=""/>
           <p:cNvPicPr/>
           <p:nvPr/>
         </p:nvPicPr>
@@ -19288,8 +19424,8 @@
         </p:blipFill>
         <p:spPr>
           <a:xfrm>
-            <a:off x="2187720" y="909720"/>
-            <a:ext cx="7850160" cy="5823720"/>
+            <a:off x="2221920" y="905040"/>
+            <a:ext cx="7746480" cy="5757840"/>
           </a:xfrm>
           <a:prstGeom prst="rect">
             <a:avLst/>
@@ -19331,14 +19467,14 @@
       </p:grpSpPr>
       <p:sp>
         <p:nvSpPr>
-          <p:cNvPr id="374" name="CustomShape 1"/>
+          <p:cNvPr id="377" name="CustomShape 1"/>
           <p:cNvSpPr/>
           <p:nvPr/>
         </p:nvSpPr>
         <p:spPr>
           <a:xfrm>
-            <a:off x="838080" y="0"/>
-            <a:ext cx="10514160" cy="1324080"/>
+            <a:off x="803160" y="0"/>
+            <a:ext cx="10513800" cy="1323720"/>
           </a:xfrm>
           <a:prstGeom prst="rect">
             <a:avLst/>
@@ -19365,16 +19501,27 @@
               </a:lnSpc>
             </a:pPr>
             <a:r>
-              <a:rPr b="0" lang="es-MX" sz="4400" spc="-1" strike="noStrike">
+              <a:rPr b="0" lang="es-MX" sz="4000" spc="-1" strike="noStrike">
                 <a:solidFill>
                   <a:srgbClr val="000000"/>
                 </a:solidFill>
                 <a:latin typeface="Calibri Light"/>
                 <a:ea typeface="DejaVu Sans"/>
               </a:rPr>
-              <a:t>Otros operadores de asignación</a:t>
-            </a:r>
-            <a:endParaRPr b="0" lang="es-MX" sz="4400" spc="-1" strike="noStrike">
+              <a:t>Operador sizeof</a:t>
+            </a:r>
+            <a:br/>
+            <a:r>
+              <a:rPr b="0" lang="es-MX" sz="4000" spc="-1" strike="noStrike">
+                <a:solidFill>
+                  <a:srgbClr val="000000"/>
+                </a:solidFill>
+                <a:latin typeface="Calibri Light"/>
+                <a:ea typeface="DejaVu Sans"/>
+              </a:rPr>
+              <a:t>Ejemplo 15</a:t>
+            </a:r>
+            <a:endParaRPr b="0" lang="es-MX" sz="4000" spc="-1" strike="noStrike">
               <a:latin typeface="Arial"/>
             </a:endParaRPr>
           </a:p>
@@ -19382,7 +19529,7 @@
       </p:sp>
       <p:pic>
         <p:nvPicPr>
-          <p:cNvPr id="375" name="Imagen 3" descr=""/>
+          <p:cNvPr id="378" name="Imagen 3" descr=""/>
           <p:cNvPicPr/>
           <p:nvPr/>
         </p:nvPicPr>
@@ -19392,8 +19539,8 @@
         </p:blipFill>
         <p:spPr>
           <a:xfrm>
-            <a:off x="2221920" y="905040"/>
-            <a:ext cx="7746840" cy="5758200"/>
+            <a:off x="3884400" y="580320"/>
+            <a:ext cx="8066880" cy="6029640"/>
           </a:xfrm>
           <a:prstGeom prst="rect">
             <a:avLst/>
@@ -19435,14 +19582,14 @@
       </p:grpSpPr>
       <p:sp>
         <p:nvSpPr>
-          <p:cNvPr id="376" name="CustomShape 1"/>
+          <p:cNvPr id="379" name="CustomShape 1"/>
           <p:cNvSpPr/>
           <p:nvPr/>
         </p:nvSpPr>
         <p:spPr>
           <a:xfrm>
-            <a:off x="803160" y="0"/>
-            <a:ext cx="10514160" cy="1324080"/>
+            <a:off x="855720" y="0"/>
+            <a:ext cx="10513800" cy="1323720"/>
           </a:xfrm>
           <a:prstGeom prst="rect">
             <a:avLst/>
@@ -19469,27 +19616,16 @@
               </a:lnSpc>
             </a:pPr>
             <a:r>
-              <a:rPr b="0" lang="es-MX" sz="4000" spc="-1" strike="noStrike">
+              <a:rPr b="0" lang="es-MX" sz="4400" spc="-1" strike="noStrike">
                 <a:solidFill>
                   <a:srgbClr val="000000"/>
                 </a:solidFill>
                 <a:latin typeface="Calibri Light"/>
                 <a:ea typeface="DejaVu Sans"/>
               </a:rPr>
-              <a:t>Operador sizeof</a:t>
-            </a:r>
-            <a:br/>
-            <a:r>
-              <a:rPr b="0" lang="es-MX" sz="4000" spc="-1" strike="noStrike">
-                <a:solidFill>
-                  <a:srgbClr val="000000"/>
-                </a:solidFill>
-                <a:latin typeface="Calibri Light"/>
-                <a:ea typeface="DejaVu Sans"/>
-              </a:rPr>
-              <a:t>Ejemplo 14</a:t>
-            </a:r>
-            <a:endParaRPr b="0" lang="es-MX" sz="4000" spc="-1" strike="noStrike">
+              <a:t>Operador de expresión condicional</a:t>
+            </a:r>
+            <a:endParaRPr b="0" lang="es-MX" sz="4400" spc="-1" strike="noStrike">
               <a:latin typeface="Arial"/>
             </a:endParaRPr>
           </a:p>
@@ -19497,7 +19633,7 @@
       </p:sp>
       <p:pic>
         <p:nvPicPr>
-          <p:cNvPr id="377" name="Imagen 3" descr=""/>
+          <p:cNvPr id="380" name="Imagen 3" descr=""/>
           <p:cNvPicPr/>
           <p:nvPr/>
         </p:nvPicPr>
@@ -19507,8 +19643,8 @@
         </p:blipFill>
         <p:spPr>
           <a:xfrm>
-            <a:off x="3884400" y="580320"/>
-            <a:ext cx="8067240" cy="6030000"/>
+            <a:off x="2278800" y="992880"/>
+            <a:ext cx="7546680" cy="5617080"/>
           </a:xfrm>
           <a:prstGeom prst="rect">
             <a:avLst/>
@@ -19550,14 +19686,14 @@
       </p:grpSpPr>
       <p:sp>
         <p:nvSpPr>
-          <p:cNvPr id="378" name="CustomShape 1"/>
+          <p:cNvPr id="381" name="CustomShape 1"/>
           <p:cNvSpPr/>
           <p:nvPr/>
         </p:nvSpPr>
         <p:spPr>
           <a:xfrm>
-            <a:off x="855720" y="0"/>
-            <a:ext cx="10514160" cy="1324080"/>
+            <a:off x="838080" y="0"/>
+            <a:ext cx="10513800" cy="1323720"/>
           </a:xfrm>
           <a:prstGeom prst="rect">
             <a:avLst/>
@@ -19591,7 +19727,7 @@
                 <a:latin typeface="Calibri Light"/>
                 <a:ea typeface="DejaVu Sans"/>
               </a:rPr>
-              <a:t>Operador de expresión condicional</a:t>
+              <a:t>Precedencia de operadores</a:t>
             </a:r>
             <a:endParaRPr b="0" lang="es-MX" sz="4400" spc="-1" strike="noStrike">
               <a:latin typeface="Arial"/>
@@ -19601,7 +19737,7 @@
       </p:sp>
       <p:pic>
         <p:nvPicPr>
-          <p:cNvPr id="379" name="Imagen 3" descr=""/>
+          <p:cNvPr id="382" name="Imagen 3" descr=""/>
           <p:cNvPicPr/>
           <p:nvPr/>
         </p:nvPicPr>
@@ -19611,8 +19747,8 @@
         </p:blipFill>
         <p:spPr>
           <a:xfrm>
-            <a:off x="2278800" y="992880"/>
-            <a:ext cx="7547040" cy="5617440"/>
+            <a:off x="2226600" y="927360"/>
+            <a:ext cx="7736760" cy="5780520"/>
           </a:xfrm>
           <a:prstGeom prst="rect">
             <a:avLst/>
@@ -19654,14 +19790,14 @@
       </p:grpSpPr>
       <p:sp>
         <p:nvSpPr>
-          <p:cNvPr id="380" name="CustomShape 1"/>
+          <p:cNvPr id="383" name="CustomShape 1"/>
           <p:cNvSpPr/>
           <p:nvPr/>
         </p:nvSpPr>
         <p:spPr>
           <a:xfrm>
-            <a:off x="838080" y="0"/>
-            <a:ext cx="10514160" cy="1324080"/>
+            <a:off x="855720" y="0"/>
+            <a:ext cx="10513800" cy="1323720"/>
           </a:xfrm>
           <a:prstGeom prst="rect">
             <a:avLst/>
@@ -19695,7 +19831,7 @@
                 <a:latin typeface="Calibri Light"/>
                 <a:ea typeface="DejaVu Sans"/>
               </a:rPr>
-              <a:t>Precedencia de operadores</a:t>
+              <a:t>Asociatividad de operadores</a:t>
             </a:r>
             <a:endParaRPr b="0" lang="es-MX" sz="4400" spc="-1" strike="noStrike">
               <a:latin typeface="Arial"/>
@@ -19705,7 +19841,7 @@
       </p:sp>
       <p:pic>
         <p:nvPicPr>
-          <p:cNvPr id="381" name="Imagen 3" descr=""/>
+          <p:cNvPr id="384" name="Imagen 3" descr=""/>
           <p:cNvPicPr/>
           <p:nvPr/>
         </p:nvPicPr>
@@ -19715,8 +19851,8 @@
         </p:blipFill>
         <p:spPr>
           <a:xfrm>
-            <a:off x="2226600" y="927360"/>
-            <a:ext cx="7737120" cy="5780880"/>
+            <a:off x="2261160" y="935280"/>
+            <a:ext cx="7703280" cy="5744520"/>
           </a:xfrm>
           <a:prstGeom prst="rect">
             <a:avLst/>
@@ -19758,14 +19894,14 @@
       </p:grpSpPr>
       <p:sp>
         <p:nvSpPr>
-          <p:cNvPr id="382" name="CustomShape 1"/>
+          <p:cNvPr id="385" name="CustomShape 1"/>
           <p:cNvSpPr/>
           <p:nvPr/>
         </p:nvSpPr>
         <p:spPr>
           <a:xfrm>
-            <a:off x="855720" y="0"/>
-            <a:ext cx="10514160" cy="1324080"/>
+            <a:off x="803160" y="0"/>
+            <a:ext cx="10513800" cy="1323720"/>
           </a:xfrm>
           <a:prstGeom prst="rect">
             <a:avLst/>
@@ -19799,7 +19935,7 @@
                 <a:latin typeface="Calibri Light"/>
                 <a:ea typeface="DejaVu Sans"/>
               </a:rPr>
-              <a:t>Asociatividad de operadores</a:t>
+              <a:t>Tabla de precedencia/asociatividad</a:t>
             </a:r>
             <a:endParaRPr b="0" lang="es-MX" sz="4400" spc="-1" strike="noStrike">
               <a:latin typeface="Arial"/>
@@ -19809,7 +19945,7 @@
       </p:sp>
       <p:pic>
         <p:nvPicPr>
-          <p:cNvPr id="383" name="Imagen 3" descr=""/>
+          <p:cNvPr id="386" name="Imagen 3" descr=""/>
           <p:cNvPicPr/>
           <p:nvPr/>
         </p:nvPicPr>
@@ -19819,8 +19955,8 @@
         </p:blipFill>
         <p:spPr>
           <a:xfrm>
-            <a:off x="2261160" y="935280"/>
-            <a:ext cx="7703640" cy="5744880"/>
+            <a:off x="2172600" y="871560"/>
+            <a:ext cx="7774560" cy="5742360"/>
           </a:xfrm>
           <a:prstGeom prst="rect">
             <a:avLst/>
@@ -19862,14 +19998,14 @@
       </p:grpSpPr>
       <p:sp>
         <p:nvSpPr>
-          <p:cNvPr id="384" name="CustomShape 1"/>
+          <p:cNvPr id="387" name="CustomShape 1"/>
           <p:cNvSpPr/>
           <p:nvPr/>
         </p:nvSpPr>
         <p:spPr>
           <a:xfrm>
-            <a:off x="803160" y="0"/>
-            <a:ext cx="10514160" cy="1324080"/>
+            <a:off x="464760" y="0"/>
+            <a:ext cx="10513800" cy="1323720"/>
           </a:xfrm>
           <a:prstGeom prst="rect">
             <a:avLst/>
@@ -19896,16 +20032,27 @@
               </a:lnSpc>
             </a:pPr>
             <a:r>
-              <a:rPr b="0" lang="es-MX" sz="4400" spc="-1" strike="noStrike">
+              <a:rPr b="0" lang="es-MX" sz="4000" spc="-1" strike="noStrike">
                 <a:solidFill>
                   <a:srgbClr val="000000"/>
                 </a:solidFill>
                 <a:latin typeface="Calibri Light"/>
                 <a:ea typeface="DejaVu Sans"/>
               </a:rPr>
-              <a:t>Tabla de precedencia/asociatividad</a:t>
-            </a:r>
-            <a:endParaRPr b="0" lang="es-MX" sz="4400" spc="-1" strike="noStrike">
+              <a:t>Repaso</a:t>
+            </a:r>
+            <a:br/>
+            <a:r>
+              <a:rPr b="0" lang="es-MX" sz="4000" spc="-1" strike="noStrike">
+                <a:solidFill>
+                  <a:srgbClr val="000000"/>
+                </a:solidFill>
+                <a:latin typeface="Calibri Light"/>
+                <a:ea typeface="DejaVu Sans"/>
+              </a:rPr>
+              <a:t>Ejemplo 16</a:t>
+            </a:r>
+            <a:endParaRPr b="0" lang="es-MX" sz="4000" spc="-1" strike="noStrike">
               <a:latin typeface="Arial"/>
             </a:endParaRPr>
           </a:p>
@@ -19913,7 +20060,7 @@
       </p:sp>
       <p:pic>
         <p:nvPicPr>
-          <p:cNvPr id="385" name="Imagen 3" descr=""/>
+          <p:cNvPr id="388" name="Imagen 3" descr=""/>
           <p:cNvPicPr/>
           <p:nvPr/>
         </p:nvPicPr>
@@ -19923,8 +20070,8 @@
         </p:blipFill>
         <p:spPr>
           <a:xfrm>
-            <a:off x="2172600" y="871560"/>
-            <a:ext cx="7774920" cy="5742720"/>
+            <a:off x="3473280" y="228600"/>
+            <a:ext cx="8537760" cy="6346080"/>
           </a:xfrm>
           <a:prstGeom prst="rect">
             <a:avLst/>
@@ -19966,14 +20113,14 @@
       </p:grpSpPr>
       <p:sp>
         <p:nvSpPr>
-          <p:cNvPr id="386" name="CustomShape 1"/>
+          <p:cNvPr id="389" name="CustomShape 1"/>
           <p:cNvSpPr/>
           <p:nvPr/>
         </p:nvSpPr>
         <p:spPr>
           <a:xfrm>
-            <a:off x="464760" y="0"/>
-            <a:ext cx="10514160" cy="1324080"/>
+            <a:off x="803160" y="-162360"/>
+            <a:ext cx="10513800" cy="1323720"/>
           </a:xfrm>
           <a:prstGeom prst="rect">
             <a:avLst/>
@@ -20000,55 +20147,380 @@
               </a:lnSpc>
             </a:pPr>
             <a:r>
-              <a:rPr b="0" lang="es-MX" sz="4000" spc="-1" strike="noStrike">
+              <a:rPr b="0" lang="es-MX" sz="4400" spc="-1" strike="noStrike">
                 <a:solidFill>
                   <a:srgbClr val="000000"/>
                 </a:solidFill>
                 <a:latin typeface="Calibri Light"/>
                 <a:ea typeface="DejaVu Sans"/>
               </a:rPr>
-              <a:t>Repaso</a:t>
-            </a:r>
-            <a:br/>
-            <a:r>
-              <a:rPr b="0" lang="es-MX" sz="4000" spc="-1" strike="noStrike">
-                <a:solidFill>
-                  <a:srgbClr val="000000"/>
-                </a:solidFill>
-                <a:latin typeface="Calibri Light"/>
-                <a:ea typeface="DejaVu Sans"/>
-              </a:rPr>
-              <a:t>Ejemplo 15</a:t>
-            </a:r>
-            <a:endParaRPr b="0" lang="es-MX" sz="4000" spc="-1" strike="noStrike">
-              <a:latin typeface="Arial"/>
-            </a:endParaRPr>
-          </a:p>
-        </p:txBody>
-      </p:sp>
-      <p:pic>
-        <p:nvPicPr>
-          <p:cNvPr id="387" name="Imagen 3" descr=""/>
-          <p:cNvPicPr/>
+              <a:t>1.5 Expresiones simples y complejas</a:t>
+            </a:r>
+            <a:endParaRPr b="0" lang="es-MX" sz="4400" spc="-1" strike="noStrike">
+              <a:latin typeface="Arial"/>
+            </a:endParaRPr>
+          </a:p>
+        </p:txBody>
+      </p:sp>
+      <p:sp>
+        <p:nvSpPr>
+          <p:cNvPr id="390" name="CustomShape 2"/>
+          <p:cNvSpPr/>
           <p:nvPr/>
-        </p:nvPicPr>
-        <p:blipFill>
-          <a:blip r:embed="rId1"/>
-          <a:stretch/>
-        </p:blipFill>
-        <p:spPr>
-          <a:xfrm>
-            <a:off x="3473280" y="228600"/>
-            <a:ext cx="8538120" cy="6346440"/>
-          </a:xfrm>
-          <a:prstGeom prst="rect">
-            <a:avLst/>
-          </a:prstGeom>
+        </p:nvSpPr>
+        <p:spPr>
+          <a:xfrm>
+            <a:off x="792000" y="793800"/>
+            <a:ext cx="11262240" cy="4236840"/>
+          </a:xfrm>
+          <a:prstGeom prst="rect">
+            <a:avLst/>
+          </a:prstGeom>
+          <a:noFill/>
           <a:ln w="0">
             <a:noFill/>
           </a:ln>
         </p:spPr>
-      </p:pic>
+        <p:style>
+          <a:lnRef idx="0"/>
+          <a:fillRef idx="0"/>
+          <a:effectRef idx="0"/>
+          <a:fontRef idx="minor"/>
+        </p:style>
+        <p:txBody>
+          <a:bodyPr wrap="none" lIns="90000" rIns="90000" tIns="45000" bIns="45000">
+            <a:spAutoFit/>
+          </a:bodyPr>
+          <a:p>
+            <a:pPr>
+              <a:lnSpc>
+                <a:spcPct val="100000"/>
+              </a:lnSpc>
+            </a:pPr>
+            <a:r>
+              <a:rPr b="0" lang="es-MX" sz="1700" spc="-1" strike="noStrike">
+                <a:solidFill>
+                  <a:srgbClr val="000000"/>
+                </a:solidFill>
+                <a:latin typeface="Calibri"/>
+                <a:ea typeface="DejaVu Sans"/>
+              </a:rPr>
+              <a:t>Las expresiones (Joyanes Aguilar Luis) son combinaciones de constantes, variables, símbolos de </a:t>
+            </a:r>
+            <a:endParaRPr b="0" lang="es-MX" sz="1700" spc="-1" strike="noStrike">
+              <a:latin typeface="Arial"/>
+            </a:endParaRPr>
+          </a:p>
+          <a:p>
+            <a:pPr>
+              <a:lnSpc>
+                <a:spcPct val="100000"/>
+              </a:lnSpc>
+            </a:pPr>
+            <a:r>
+              <a:rPr b="0" lang="es-MX" sz="1700" spc="-1" strike="noStrike">
+                <a:solidFill>
+                  <a:srgbClr val="000000"/>
+                </a:solidFill>
+                <a:latin typeface="Calibri"/>
+                <a:ea typeface="DejaVu Sans"/>
+              </a:rPr>
+              <a:t>operación, paréntesis y nombres de funciones especiales.</a:t>
+            </a:r>
+            <a:endParaRPr b="0" lang="es-MX" sz="1700" spc="-1" strike="noStrike">
+              <a:latin typeface="Arial"/>
+            </a:endParaRPr>
+          </a:p>
+          <a:p>
+            <a:pPr>
+              <a:lnSpc>
+                <a:spcPct val="100000"/>
+              </a:lnSpc>
+            </a:pPr>
+            <a:endParaRPr b="0" lang="es-MX" sz="1700" spc="-1" strike="noStrike">
+              <a:latin typeface="Arial"/>
+            </a:endParaRPr>
+          </a:p>
+          <a:p>
+            <a:pPr>
+              <a:lnSpc>
+                <a:spcPct val="100000"/>
+              </a:lnSpc>
+            </a:pPr>
+            <a:r>
+              <a:rPr b="0" lang="es-MX" sz="1700" spc="-1" strike="noStrike">
+                <a:solidFill>
+                  <a:srgbClr val="000000"/>
+                </a:solidFill>
+                <a:latin typeface="Calibri"/>
+                <a:ea typeface="DejaVu Sans"/>
+              </a:rPr>
+              <a:t>En la bibliografía del curso no aparecen los términos ‘expresiones simples’ y ‘expresiones complejas’. </a:t>
+            </a:r>
+            <a:endParaRPr b="0" lang="es-MX" sz="1700" spc="-1" strike="noStrike">
+              <a:latin typeface="Arial"/>
+            </a:endParaRPr>
+          </a:p>
+          <a:p>
+            <a:pPr>
+              <a:lnSpc>
+                <a:spcPct val="100000"/>
+              </a:lnSpc>
+            </a:pPr>
+            <a:r>
+              <a:rPr b="0" lang="es-MX" sz="1700" spc="-1" strike="noStrike">
+                <a:solidFill>
+                  <a:srgbClr val="000000"/>
+                </a:solidFill>
+                <a:latin typeface="Calibri"/>
+                <a:ea typeface="DejaVu Sans"/>
+              </a:rPr>
+              <a:t>Tales términos solo me ha sido posible encontrarlos en dos páginas web:</a:t>
+            </a:r>
+            <a:endParaRPr b="0" lang="es-MX" sz="1700" spc="-1" strike="noStrike">
+              <a:latin typeface="Arial"/>
+            </a:endParaRPr>
+          </a:p>
+          <a:p>
+            <a:pPr>
+              <a:lnSpc>
+                <a:spcPct val="100000"/>
+              </a:lnSpc>
+            </a:pPr>
+            <a:endParaRPr b="0" lang="es-MX" sz="1700" spc="-1" strike="noStrike">
+              <a:latin typeface="Arial"/>
+            </a:endParaRPr>
+          </a:p>
+          <a:p>
+            <a:pPr>
+              <a:lnSpc>
+                <a:spcPct val="100000"/>
+              </a:lnSpc>
+            </a:pPr>
+            <a:r>
+              <a:rPr b="0" lang="es-MX" sz="1700" spc="-1" strike="noStrike" u="sng">
+                <a:solidFill>
+                  <a:srgbClr val="0563c1"/>
+                </a:solidFill>
+                <a:uFillTx/>
+                <a:latin typeface="Calibri"/>
+                <a:ea typeface="DejaVu Sans"/>
+                <a:hlinkClick r:id="rId1"/>
+              </a:rPr>
+              <a:t>https://newsandstory.com/story/s7mszmn/Expressions-and-its-uses-in-C-program-module-11-</a:t>
+            </a:r>
+            <a:r>
+              <a:rPr b="0" lang="es-MX" sz="1700" spc="-1" strike="noStrike" u="sng">
+                <a:solidFill>
+                  <a:srgbClr val="0563c1"/>
+                </a:solidFill>
+                <a:uFillTx/>
+                <a:latin typeface="Calibri"/>
+                <a:ea typeface="DejaVu Sans"/>
+                <a:hlinkClick r:id="rId2"/>
+              </a:rPr>
+              <a:t>/</a:t>
+            </a:r>
+            <a:endParaRPr b="0" lang="es-MX" sz="1700" spc="-1" strike="noStrike">
+              <a:latin typeface="Arial"/>
+            </a:endParaRPr>
+          </a:p>
+          <a:p>
+            <a:pPr>
+              <a:lnSpc>
+                <a:spcPct val="100000"/>
+              </a:lnSpc>
+            </a:pPr>
+            <a:r>
+              <a:rPr b="0" lang="es-MX" sz="1700" spc="-1" strike="noStrike">
+                <a:solidFill>
+                  <a:srgbClr val="000000"/>
+                </a:solidFill>
+                <a:latin typeface="Calibri"/>
+                <a:ea typeface="DejaVu Sans"/>
+              </a:rPr>
+              <a:t>“</a:t>
+            </a:r>
+            <a:r>
+              <a:rPr b="0" lang="es-MX" sz="1700" spc="-1" strike="noStrike">
+                <a:solidFill>
+                  <a:srgbClr val="000000"/>
+                </a:solidFill>
+                <a:latin typeface="Calibri"/>
+                <a:ea typeface="DejaVu Sans"/>
+              </a:rPr>
+              <a:t>An expression is a sequence of operators and operands that reduces to a single value. Expressions </a:t>
+            </a:r>
+            <a:endParaRPr b="0" lang="es-MX" sz="1700" spc="-1" strike="noStrike">
+              <a:latin typeface="Arial"/>
+            </a:endParaRPr>
+          </a:p>
+          <a:p>
+            <a:pPr>
+              <a:lnSpc>
+                <a:spcPct val="100000"/>
+              </a:lnSpc>
+            </a:pPr>
+            <a:r>
+              <a:rPr b="0" lang="es-MX" sz="1700" spc="-1" strike="noStrike">
+                <a:solidFill>
+                  <a:srgbClr val="000000"/>
+                </a:solidFill>
+                <a:latin typeface="Calibri"/>
+                <a:ea typeface="DejaVu Sans"/>
+              </a:rPr>
+              <a:t>can be simple or complex. An operator is a syntactical token that requires an action be taken.  An </a:t>
+            </a:r>
+            <a:endParaRPr b="0" lang="es-MX" sz="1700" spc="-1" strike="noStrike">
+              <a:latin typeface="Arial"/>
+            </a:endParaRPr>
+          </a:p>
+          <a:p>
+            <a:pPr>
+              <a:lnSpc>
+                <a:spcPct val="100000"/>
+              </a:lnSpc>
+            </a:pPr>
+            <a:r>
+              <a:rPr b="0" lang="es-MX" sz="1700" spc="-1" strike="noStrike">
+                <a:solidFill>
+                  <a:srgbClr val="000000"/>
+                </a:solidFill>
+                <a:latin typeface="Calibri"/>
+                <a:ea typeface="DejaVu Sans"/>
+              </a:rPr>
+              <a:t>operand is an object on which an operation is performed. A simple expression contains only one </a:t>
+            </a:r>
+            <a:endParaRPr b="0" lang="es-MX" sz="1700" spc="-1" strike="noStrike">
+              <a:latin typeface="Arial"/>
+            </a:endParaRPr>
+          </a:p>
+          <a:p>
+            <a:pPr>
+              <a:lnSpc>
+                <a:spcPct val="100000"/>
+              </a:lnSpc>
+            </a:pPr>
+            <a:r>
+              <a:rPr b="0" lang="es-MX" sz="1700" spc="-1" strike="noStrike">
+                <a:solidFill>
+                  <a:srgbClr val="000000"/>
+                </a:solidFill>
+                <a:latin typeface="Calibri"/>
+                <a:ea typeface="DejaVu Sans"/>
+              </a:rPr>
+              <a:t>operator. Eg. 2+3 is a simple expression whose value is 5.”</a:t>
+            </a:r>
+            <a:endParaRPr b="0" lang="es-MX" sz="1700" spc="-1" strike="noStrike">
+              <a:latin typeface="Arial"/>
+            </a:endParaRPr>
+          </a:p>
+          <a:p>
+            <a:pPr>
+              <a:lnSpc>
+                <a:spcPct val="100000"/>
+              </a:lnSpc>
+            </a:pPr>
+            <a:endParaRPr b="0" lang="es-MX" sz="1700" spc="-1" strike="noStrike">
+              <a:latin typeface="Arial"/>
+            </a:endParaRPr>
+          </a:p>
+          <a:p>
+            <a:pPr>
+              <a:lnSpc>
+                <a:spcPct val="100000"/>
+              </a:lnSpc>
+            </a:pPr>
+            <a:r>
+              <a:rPr b="0" lang="es-MX" sz="1700" spc="-1" strike="noStrike" u="sng">
+                <a:solidFill>
+                  <a:srgbClr val="0563c1"/>
+                </a:solidFill>
+                <a:uFillTx/>
+                <a:latin typeface="Calibri"/>
+                <a:ea typeface="DejaVu Sans"/>
+                <a:hlinkClick r:id="rId3"/>
+              </a:rPr>
+              <a:t>https://quizlet.com/188164793/computer-science-chapter-3-flash-cards</a:t>
+            </a:r>
+            <a:r>
+              <a:rPr b="0" lang="es-MX" sz="1700" spc="-1" strike="noStrike" u="sng">
+                <a:solidFill>
+                  <a:srgbClr val="0563c1"/>
+                </a:solidFill>
+                <a:uFillTx/>
+                <a:latin typeface="Calibri"/>
+                <a:ea typeface="DejaVu Sans"/>
+                <a:hlinkClick r:id="rId4"/>
+              </a:rPr>
+              <a:t>/</a:t>
+            </a:r>
+            <a:endParaRPr b="0" lang="es-MX" sz="1700" spc="-1" strike="noStrike">
+              <a:latin typeface="Arial"/>
+            </a:endParaRPr>
+          </a:p>
+          <a:p>
+            <a:pPr>
+              <a:lnSpc>
+                <a:spcPct val="100000"/>
+              </a:lnSpc>
+            </a:pPr>
+            <a:r>
+              <a:rPr b="0" lang="es-MX" sz="1700" spc="-1" strike="noStrike">
+                <a:solidFill>
+                  <a:srgbClr val="000000"/>
+                </a:solidFill>
+                <a:latin typeface="Calibri"/>
+                <a:ea typeface="DejaVu Sans"/>
+              </a:rPr>
+              <a:t>“</a:t>
+            </a:r>
+            <a:r>
+              <a:rPr b="0" lang="es-MX" sz="1700" spc="-1" strike="noStrike">
+                <a:solidFill>
+                  <a:srgbClr val="000000"/>
+                </a:solidFill>
+                <a:latin typeface="Calibri"/>
+                <a:ea typeface="DejaVu Sans"/>
+              </a:rPr>
+              <a:t>Simple Expression. contains only one operator. Complex Expression. contains more than one </a:t>
+            </a:r>
+            <a:endParaRPr b="0" lang="es-MX" sz="1700" spc="-1" strike="noStrike">
+              <a:latin typeface="Arial"/>
+            </a:endParaRPr>
+          </a:p>
+          <a:p>
+            <a:pPr>
+              <a:lnSpc>
+                <a:spcPct val="100000"/>
+              </a:lnSpc>
+            </a:pPr>
+            <a:r>
+              <a:rPr b="0" lang="es-MX" sz="1700" spc="-1" strike="noStrike">
+                <a:solidFill>
+                  <a:srgbClr val="000000"/>
+                </a:solidFill>
+                <a:latin typeface="Calibri"/>
+                <a:ea typeface="DejaVu Sans"/>
+              </a:rPr>
+              <a:t>operator”</a:t>
+            </a:r>
+            <a:endParaRPr b="0" lang="es-MX" sz="1700" spc="-1" strike="noStrike">
+              <a:latin typeface="Arial"/>
+            </a:endParaRPr>
+          </a:p>
+          <a:p>
+            <a:pPr>
+              <a:lnSpc>
+                <a:spcPct val="100000"/>
+              </a:lnSpc>
+            </a:pPr>
+            <a:endParaRPr b="0" lang="es-MX" sz="1700" spc="-1" strike="noStrike">
+              <a:latin typeface="Arial"/>
+            </a:endParaRPr>
+          </a:p>
+        </p:txBody>
+      </p:sp>
     </p:spTree>
   </p:cSld>
   <mc:AlternateContent>
@@ -20081,14 +20553,14 @@
       </p:grpSpPr>
       <p:sp>
         <p:nvSpPr>
-          <p:cNvPr id="388" name="CustomShape 1"/>
+          <p:cNvPr id="391" name="CustomShape 1"/>
           <p:cNvSpPr/>
           <p:nvPr/>
         </p:nvSpPr>
         <p:spPr>
           <a:xfrm>
-            <a:off x="803160" y="-162360"/>
-            <a:ext cx="10514160" cy="1324080"/>
+            <a:off x="838080" y="365040"/>
+            <a:ext cx="10513800" cy="1323720"/>
           </a:xfrm>
           <a:prstGeom prst="rect">
             <a:avLst/>
@@ -20122,7 +20594,7 @@
                 <a:latin typeface="Calibri Light"/>
                 <a:ea typeface="DejaVu Sans"/>
               </a:rPr>
-              <a:t>1.5 Expresiones simples y complejas</a:t>
+              <a:t>REFERENCIAS</a:t>
             </a:r>
             <a:endParaRPr b="0" lang="es-MX" sz="4400" spc="-1" strike="noStrike">
               <a:latin typeface="Arial"/>
@@ -20132,14 +20604,14 @@
       </p:sp>
       <p:sp>
         <p:nvSpPr>
-          <p:cNvPr id="389" name="CustomShape 2"/>
+          <p:cNvPr id="392" name="CustomShape 2"/>
           <p:cNvSpPr/>
           <p:nvPr/>
         </p:nvSpPr>
         <p:spPr>
           <a:xfrm>
-            <a:off x="792000" y="793800"/>
-            <a:ext cx="11262240" cy="4236840"/>
+            <a:off x="838080" y="1825560"/>
+            <a:ext cx="10513800" cy="4349520"/>
           </a:xfrm>
           <a:prstGeom prst="rect">
             <a:avLst/>
@@ -20156,451 +20628,11 @@
           <a:fontRef idx="minor"/>
         </p:style>
         <p:txBody>
-          <a:bodyPr wrap="none" lIns="90000" rIns="90000" tIns="45000" bIns="45000">
-            <a:spAutoFit/>
-          </a:bodyPr>
-          <a:p>
-            <a:pPr>
-              <a:lnSpc>
-                <a:spcPct val="100000"/>
-              </a:lnSpc>
-            </a:pPr>
-            <a:r>
-              <a:rPr b="0" lang="es-MX" sz="1700" spc="-1" strike="noStrike">
-                <a:solidFill>
-                  <a:srgbClr val="000000"/>
-                </a:solidFill>
-                <a:latin typeface="Calibri"/>
-                <a:ea typeface="DejaVu Sans"/>
-              </a:rPr>
-              <a:t>Las expresiones (Joyanes Aguilar Luis) son combinaciones de constantes, variables, símbolos de </a:t>
-            </a:r>
-            <a:endParaRPr b="0" lang="es-MX" sz="1700" spc="-1" strike="noStrike">
-              <a:latin typeface="Arial"/>
-            </a:endParaRPr>
-          </a:p>
-          <a:p>
-            <a:pPr>
-              <a:lnSpc>
-                <a:spcPct val="100000"/>
-              </a:lnSpc>
-            </a:pPr>
-            <a:r>
-              <a:rPr b="0" lang="es-MX" sz="1700" spc="-1" strike="noStrike">
-                <a:solidFill>
-                  <a:srgbClr val="000000"/>
-                </a:solidFill>
-                <a:latin typeface="Calibri"/>
-                <a:ea typeface="DejaVu Sans"/>
-              </a:rPr>
-              <a:t>operación, paréntesis y nombres de funciones especiales.</a:t>
-            </a:r>
-            <a:endParaRPr b="0" lang="es-MX" sz="1700" spc="-1" strike="noStrike">
-              <a:latin typeface="Arial"/>
-            </a:endParaRPr>
-          </a:p>
-          <a:p>
-            <a:pPr>
-              <a:lnSpc>
-                <a:spcPct val="100000"/>
-              </a:lnSpc>
-            </a:pPr>
-            <a:endParaRPr b="0" lang="es-MX" sz="1700" spc="-1" strike="noStrike">
-              <a:latin typeface="Arial"/>
-            </a:endParaRPr>
-          </a:p>
-          <a:p>
-            <a:pPr>
-              <a:lnSpc>
-                <a:spcPct val="100000"/>
-              </a:lnSpc>
-            </a:pPr>
-            <a:r>
-              <a:rPr b="0" lang="es-MX" sz="1700" spc="-1" strike="noStrike">
-                <a:solidFill>
-                  <a:srgbClr val="000000"/>
-                </a:solidFill>
-                <a:latin typeface="Calibri"/>
-                <a:ea typeface="DejaVu Sans"/>
-              </a:rPr>
-              <a:t>En la bibliografía del curso no aparecen los términos ‘expresiones simples’ y ‘expresiones complejas’. </a:t>
-            </a:r>
-            <a:endParaRPr b="0" lang="es-MX" sz="1700" spc="-1" strike="noStrike">
-              <a:latin typeface="Arial"/>
-            </a:endParaRPr>
-          </a:p>
-          <a:p>
-            <a:pPr>
-              <a:lnSpc>
-                <a:spcPct val="100000"/>
-              </a:lnSpc>
-            </a:pPr>
-            <a:r>
-              <a:rPr b="0" lang="es-MX" sz="1700" spc="-1" strike="noStrike">
-                <a:solidFill>
-                  <a:srgbClr val="000000"/>
-                </a:solidFill>
-                <a:latin typeface="Calibri"/>
-                <a:ea typeface="DejaVu Sans"/>
-              </a:rPr>
-              <a:t>Tales términos solo me ha sido posible encontrarlos en dos páginas web:</a:t>
-            </a:r>
-            <a:endParaRPr b="0" lang="es-MX" sz="1700" spc="-1" strike="noStrike">
-              <a:latin typeface="Arial"/>
-            </a:endParaRPr>
-          </a:p>
-          <a:p>
-            <a:pPr>
-              <a:lnSpc>
-                <a:spcPct val="100000"/>
-              </a:lnSpc>
-            </a:pPr>
-            <a:endParaRPr b="0" lang="es-MX" sz="1700" spc="-1" strike="noStrike">
-              <a:latin typeface="Arial"/>
-            </a:endParaRPr>
-          </a:p>
-          <a:p>
-            <a:pPr>
-              <a:lnSpc>
-                <a:spcPct val="100000"/>
-              </a:lnSpc>
-            </a:pPr>
-            <a:r>
-              <a:rPr b="0" lang="es-MX" sz="1700" spc="-1" strike="noStrike" u="sng">
-                <a:solidFill>
-                  <a:srgbClr val="0563c1"/>
-                </a:solidFill>
-                <a:uFillTx/>
-                <a:latin typeface="Calibri"/>
-                <a:ea typeface="DejaVu Sans"/>
-                <a:hlinkClick r:id="rId1"/>
-              </a:rPr>
-              <a:t>https://newsandstory.com/story/s7mszmn/Expressions-and-its-uses-in-C-program-module-11-</a:t>
-            </a:r>
-            <a:r>
-              <a:rPr b="0" lang="es-MX" sz="1700" spc="-1" strike="noStrike" u="sng">
-                <a:solidFill>
-                  <a:srgbClr val="0563c1"/>
-                </a:solidFill>
-                <a:uFillTx/>
-                <a:latin typeface="Calibri"/>
-                <a:ea typeface="DejaVu Sans"/>
-                <a:hlinkClick r:id="rId2"/>
-              </a:rPr>
-              <a:t>/</a:t>
-            </a:r>
-            <a:endParaRPr b="0" lang="es-MX" sz="1700" spc="-1" strike="noStrike">
-              <a:latin typeface="Arial"/>
-            </a:endParaRPr>
-          </a:p>
-          <a:p>
-            <a:pPr>
-              <a:lnSpc>
-                <a:spcPct val="100000"/>
-              </a:lnSpc>
-            </a:pPr>
-            <a:r>
-              <a:rPr b="0" lang="es-MX" sz="1700" spc="-1" strike="noStrike">
-                <a:solidFill>
-                  <a:srgbClr val="000000"/>
-                </a:solidFill>
-                <a:latin typeface="Calibri"/>
-                <a:ea typeface="DejaVu Sans"/>
-              </a:rPr>
-              <a:t>“</a:t>
-            </a:r>
-            <a:r>
-              <a:rPr b="0" lang="es-MX" sz="1700" spc="-1" strike="noStrike">
-                <a:solidFill>
-                  <a:srgbClr val="000000"/>
-                </a:solidFill>
-                <a:latin typeface="Calibri"/>
-                <a:ea typeface="DejaVu Sans"/>
-              </a:rPr>
-              <a:t>An expression is a sequence of operators and operands that reduces to a single value. Expressions </a:t>
-            </a:r>
-            <a:endParaRPr b="0" lang="es-MX" sz="1700" spc="-1" strike="noStrike">
-              <a:latin typeface="Arial"/>
-            </a:endParaRPr>
-          </a:p>
-          <a:p>
-            <a:pPr>
-              <a:lnSpc>
-                <a:spcPct val="100000"/>
-              </a:lnSpc>
-            </a:pPr>
-            <a:r>
-              <a:rPr b="0" lang="es-MX" sz="1700" spc="-1" strike="noStrike">
-                <a:solidFill>
-                  <a:srgbClr val="000000"/>
-                </a:solidFill>
-                <a:latin typeface="Calibri"/>
-                <a:ea typeface="DejaVu Sans"/>
-              </a:rPr>
-              <a:t>can be simple or complex. An operator is a syntactical token that requires an action be taken.  An </a:t>
-            </a:r>
-            <a:endParaRPr b="0" lang="es-MX" sz="1700" spc="-1" strike="noStrike">
-              <a:latin typeface="Arial"/>
-            </a:endParaRPr>
-          </a:p>
-          <a:p>
-            <a:pPr>
-              <a:lnSpc>
-                <a:spcPct val="100000"/>
-              </a:lnSpc>
-            </a:pPr>
-            <a:r>
-              <a:rPr b="0" lang="es-MX" sz="1700" spc="-1" strike="noStrike">
-                <a:solidFill>
-                  <a:srgbClr val="000000"/>
-                </a:solidFill>
-                <a:latin typeface="Calibri"/>
-                <a:ea typeface="DejaVu Sans"/>
-              </a:rPr>
-              <a:t>operand is an object on which an operation is performed. A simple expression contains only one </a:t>
-            </a:r>
-            <a:endParaRPr b="0" lang="es-MX" sz="1700" spc="-1" strike="noStrike">
-              <a:latin typeface="Arial"/>
-            </a:endParaRPr>
-          </a:p>
-          <a:p>
-            <a:pPr>
-              <a:lnSpc>
-                <a:spcPct val="100000"/>
-              </a:lnSpc>
-            </a:pPr>
-            <a:r>
-              <a:rPr b="0" lang="es-MX" sz="1700" spc="-1" strike="noStrike">
-                <a:solidFill>
-                  <a:srgbClr val="000000"/>
-                </a:solidFill>
-                <a:latin typeface="Calibri"/>
-                <a:ea typeface="DejaVu Sans"/>
-              </a:rPr>
-              <a:t>operator. Eg. 2+3 is a simple expression whose value is 5.”</a:t>
-            </a:r>
-            <a:endParaRPr b="0" lang="es-MX" sz="1700" spc="-1" strike="noStrike">
-              <a:latin typeface="Arial"/>
-            </a:endParaRPr>
-          </a:p>
-          <a:p>
-            <a:pPr>
-              <a:lnSpc>
-                <a:spcPct val="100000"/>
-              </a:lnSpc>
-            </a:pPr>
-            <a:endParaRPr b="0" lang="es-MX" sz="1700" spc="-1" strike="noStrike">
-              <a:latin typeface="Arial"/>
-            </a:endParaRPr>
-          </a:p>
-          <a:p>
-            <a:pPr>
-              <a:lnSpc>
-                <a:spcPct val="100000"/>
-              </a:lnSpc>
-            </a:pPr>
-            <a:r>
-              <a:rPr b="0" lang="es-MX" sz="1700" spc="-1" strike="noStrike" u="sng">
-                <a:solidFill>
-                  <a:srgbClr val="0563c1"/>
-                </a:solidFill>
-                <a:uFillTx/>
-                <a:latin typeface="Calibri"/>
-                <a:ea typeface="DejaVu Sans"/>
-                <a:hlinkClick r:id="rId3"/>
-              </a:rPr>
-              <a:t>https://quizlet.com/188164793/computer-science-chapter-3-flash-cards</a:t>
-            </a:r>
-            <a:r>
-              <a:rPr b="0" lang="es-MX" sz="1700" spc="-1" strike="noStrike" u="sng">
-                <a:solidFill>
-                  <a:srgbClr val="0563c1"/>
-                </a:solidFill>
-                <a:uFillTx/>
-                <a:latin typeface="Calibri"/>
-                <a:ea typeface="DejaVu Sans"/>
-                <a:hlinkClick r:id="rId4"/>
-              </a:rPr>
-              <a:t>/</a:t>
-            </a:r>
-            <a:endParaRPr b="0" lang="es-MX" sz="1700" spc="-1" strike="noStrike">
-              <a:latin typeface="Arial"/>
-            </a:endParaRPr>
-          </a:p>
-          <a:p>
-            <a:pPr>
-              <a:lnSpc>
-                <a:spcPct val="100000"/>
-              </a:lnSpc>
-            </a:pPr>
-            <a:r>
-              <a:rPr b="0" lang="es-MX" sz="1700" spc="-1" strike="noStrike">
-                <a:solidFill>
-                  <a:srgbClr val="000000"/>
-                </a:solidFill>
-                <a:latin typeface="Calibri"/>
-                <a:ea typeface="DejaVu Sans"/>
-              </a:rPr>
-              <a:t>“</a:t>
-            </a:r>
-            <a:r>
-              <a:rPr b="0" lang="es-MX" sz="1700" spc="-1" strike="noStrike">
-                <a:solidFill>
-                  <a:srgbClr val="000000"/>
-                </a:solidFill>
-                <a:latin typeface="Calibri"/>
-                <a:ea typeface="DejaVu Sans"/>
-              </a:rPr>
-              <a:t>Simple Expression. contains only one operator. Complex Expression. contains more than one </a:t>
-            </a:r>
-            <a:endParaRPr b="0" lang="es-MX" sz="1700" spc="-1" strike="noStrike">
-              <a:latin typeface="Arial"/>
-            </a:endParaRPr>
-          </a:p>
-          <a:p>
-            <a:pPr>
-              <a:lnSpc>
-                <a:spcPct val="100000"/>
-              </a:lnSpc>
-            </a:pPr>
-            <a:r>
-              <a:rPr b="0" lang="es-MX" sz="1700" spc="-1" strike="noStrike">
-                <a:solidFill>
-                  <a:srgbClr val="000000"/>
-                </a:solidFill>
-                <a:latin typeface="Calibri"/>
-                <a:ea typeface="DejaVu Sans"/>
-              </a:rPr>
-              <a:t>operator”</a:t>
-            </a:r>
-            <a:endParaRPr b="0" lang="es-MX" sz="1700" spc="-1" strike="noStrike">
-              <a:latin typeface="Arial"/>
-            </a:endParaRPr>
-          </a:p>
-          <a:p>
-            <a:pPr>
-              <a:lnSpc>
-                <a:spcPct val="100000"/>
-              </a:lnSpc>
-            </a:pPr>
-            <a:endParaRPr b="0" lang="es-MX" sz="1700" spc="-1" strike="noStrike">
-              <a:latin typeface="Arial"/>
-            </a:endParaRPr>
-          </a:p>
-        </p:txBody>
-      </p:sp>
-    </p:spTree>
-  </p:cSld>
-  <mc:AlternateContent>
-    <mc:Choice Requires="p14">
-      <p:transition spd="slow" p14:dur="2000"/>
-    </mc:Choice>
-    <mc:Fallback>
-      <p:transition spd="slow"/>
-    </mc:Fallback>
-  </mc:AlternateContent>
-</p:sld>
-</file>
-
-<file path=ppt/slides/slide79.xml><?xml version="1.0" encoding="utf-8"?>
-<p:sld xmlns:a="http://schemas.openxmlformats.org/drawingml/2006/main" xmlns:p="http://schemas.openxmlformats.org/presentationml/2006/main" xmlns:r="http://schemas.openxmlformats.org/officeDocument/2006/relationships" xmlns:p14="http://schemas.microsoft.com/office/powerpoint/2010/main" xmlns:p15="http://schemas.microsoft.com/office/powerpoint/2012/main" xmlns:mc="http://schemas.openxmlformats.org/markup-compatibility/2006">
-  <p:cSld>
-    <p:spTree>
-      <p:nvGrpSpPr>
-        <p:cNvPr id="1" name=""/>
-        <p:cNvGrpSpPr/>
-        <p:nvPr/>
-      </p:nvGrpSpPr>
-      <p:grpSpPr>
-        <a:xfrm>
-          <a:off x="0" y="0"/>
-          <a:ext cx="0" cy="0"/>
-          <a:chOff x="0" y="0"/>
-          <a:chExt cx="0" cy="0"/>
-        </a:xfrm>
-      </p:grpSpPr>
-      <p:sp>
-        <p:nvSpPr>
-          <p:cNvPr id="390" name="CustomShape 1"/>
-          <p:cNvSpPr/>
-          <p:nvPr/>
-        </p:nvSpPr>
-        <p:spPr>
-          <a:xfrm>
-            <a:off x="838080" y="365040"/>
-            <a:ext cx="10514160" cy="1324080"/>
-          </a:xfrm>
-          <a:prstGeom prst="rect">
-            <a:avLst/>
-          </a:prstGeom>
-          <a:noFill/>
-          <a:ln w="0">
-            <a:noFill/>
-          </a:ln>
-        </p:spPr>
-        <p:style>
-          <a:lnRef idx="0"/>
-          <a:fillRef idx="0"/>
-          <a:effectRef idx="0"/>
-          <a:fontRef idx="minor"/>
-        </p:style>
-        <p:txBody>
-          <a:bodyPr lIns="90000" rIns="90000" tIns="45000" bIns="45000" anchor="ctr">
-            <a:noAutofit/>
-          </a:bodyPr>
-          <a:p>
-            <a:pPr>
-              <a:lnSpc>
-                <a:spcPct val="90000"/>
-              </a:lnSpc>
-            </a:pPr>
-            <a:r>
-              <a:rPr b="0" lang="es-MX" sz="4400" spc="-1" strike="noStrike">
-                <a:solidFill>
-                  <a:srgbClr val="000000"/>
-                </a:solidFill>
-                <a:latin typeface="Calibri Light"/>
-                <a:ea typeface="DejaVu Sans"/>
-              </a:rPr>
-              <a:t>REFERENCIAS</a:t>
-            </a:r>
-            <a:endParaRPr b="0" lang="es-MX" sz="4400" spc="-1" strike="noStrike">
-              <a:latin typeface="Arial"/>
-            </a:endParaRPr>
-          </a:p>
-        </p:txBody>
-      </p:sp>
-      <p:sp>
-        <p:nvSpPr>
-          <p:cNvPr id="391" name="CustomShape 2"/>
-          <p:cNvSpPr/>
-          <p:nvPr/>
-        </p:nvSpPr>
-        <p:spPr>
-          <a:xfrm>
-            <a:off x="838080" y="1825560"/>
-            <a:ext cx="10514160" cy="4349880"/>
-          </a:xfrm>
-          <a:prstGeom prst="rect">
-            <a:avLst/>
-          </a:prstGeom>
-          <a:noFill/>
-          <a:ln w="0">
-            <a:noFill/>
-          </a:ln>
-        </p:spPr>
-        <p:style>
-          <a:lnRef idx="0"/>
-          <a:fillRef idx="0"/>
-          <a:effectRef idx="0"/>
-          <a:fontRef idx="minor"/>
-        </p:style>
-        <p:txBody>
           <a:bodyPr lIns="90000" rIns="90000" tIns="45000" bIns="45000">
             <a:noAutofit/>
           </a:bodyPr>
           <a:p>
-            <a:pPr marL="228600" indent="-227160">
+            <a:pPr marL="228600" indent="-226800">
               <a:lnSpc>
                 <a:spcPct val="90000"/>
               </a:lnSpc>
@@ -20662,7 +20694,7 @@
             </a:endParaRPr>
           </a:p>
           <a:p>
-            <a:pPr marL="228600" indent="-227160">
+            <a:pPr marL="228600" indent="-226800">
               <a:lnSpc>
                 <a:spcPct val="90000"/>
               </a:lnSpc>
@@ -20690,7 +20722,7 @@
             </a:endParaRPr>
           </a:p>
           <a:p>
-            <a:pPr marL="228600" indent="-227160">
+            <a:pPr marL="228600" indent="-226800">
               <a:lnSpc>
                 <a:spcPct val="90000"/>
               </a:lnSpc>
@@ -20718,7 +20750,7 @@
             </a:endParaRPr>
           </a:p>
           <a:p>
-            <a:pPr marL="228600" indent="-227160">
+            <a:pPr marL="228600" indent="-226800">
               <a:lnSpc>
                 <a:spcPct val="90000"/>
               </a:lnSpc>
@@ -20786,7 +20818,7 @@
         <p:spPr>
           <a:xfrm>
             <a:off x="714960" y="0"/>
-            <a:ext cx="10514160" cy="1324080"/>
+            <a:ext cx="10513800" cy="1323720"/>
           </a:xfrm>
           <a:prstGeom prst="rect">
             <a:avLst/>
@@ -20841,7 +20873,7 @@
         <p:spPr>
           <a:xfrm>
             <a:off x="3772440" y="936720"/>
-            <a:ext cx="7747200" cy="5684760"/>
+            <a:ext cx="7746840" cy="5684400"/>
           </a:xfrm>
           <a:prstGeom prst="rect">
             <a:avLst/>
@@ -20860,7 +20892,7 @@
         <p:spPr>
           <a:xfrm>
             <a:off x="685800" y="936720"/>
-            <a:ext cx="10514160" cy="1324080"/>
+            <a:ext cx="10513800" cy="1323720"/>
           </a:xfrm>
           <a:prstGeom prst="rect">
             <a:avLst/>
@@ -20941,7 +20973,7 @@
         <p:spPr>
           <a:xfrm>
             <a:off x="838440" y="360"/>
-            <a:ext cx="10514520" cy="898920"/>
+            <a:ext cx="10514160" cy="898560"/>
           </a:xfrm>
           <a:prstGeom prst="rect">
             <a:avLst/>
@@ -20997,7 +21029,7 @@
         <p:spPr>
           <a:xfrm>
             <a:off x="1816200" y="779040"/>
-            <a:ext cx="8676720" cy="1920240"/>
+            <a:ext cx="8676360" cy="1919880"/>
           </a:xfrm>
           <a:prstGeom prst="rect">
             <a:avLst/>
@@ -21020,7 +21052,7 @@
         <p:spPr>
           <a:xfrm>
             <a:off x="1615680" y="2160000"/>
-            <a:ext cx="3063600" cy="399240"/>
+            <a:ext cx="3063240" cy="398880"/>
           </a:xfrm>
           <a:prstGeom prst="rect">
             <a:avLst/>
@@ -21043,7 +21075,7 @@
         <p:spPr>
           <a:xfrm>
             <a:off x="720000" y="2749680"/>
-            <a:ext cx="10773000" cy="864000"/>
+            <a:ext cx="10772640" cy="863640"/>
           </a:xfrm>
           <a:prstGeom prst="rect">
             <a:avLst/>
@@ -21066,7 +21098,7 @@
         <p:spPr>
           <a:xfrm>
             <a:off x="720000" y="4695840"/>
-            <a:ext cx="3155760" cy="883440"/>
+            <a:ext cx="3155400" cy="883080"/>
           </a:xfrm>
           <a:prstGeom prst="rect">
             <a:avLst/>
@@ -21089,7 +21121,7 @@
         <p:spPr>
           <a:xfrm>
             <a:off x="720000" y="3646080"/>
-            <a:ext cx="2339280" cy="316800"/>
+            <a:ext cx="2338920" cy="316440"/>
           </a:xfrm>
           <a:prstGeom prst="rect">
             <a:avLst/>
@@ -21112,7 +21144,7 @@
         <p:spPr>
           <a:xfrm>
             <a:off x="720000" y="3986280"/>
-            <a:ext cx="10799280" cy="658440"/>
+            <a:ext cx="10798920" cy="658080"/>
           </a:xfrm>
           <a:prstGeom prst="rect">
             <a:avLst/>
@@ -21131,7 +21163,7 @@
         <p:spPr>
           <a:xfrm>
             <a:off x="4140000" y="4680000"/>
-            <a:ext cx="7379280" cy="1625400"/>
+            <a:ext cx="7378920" cy="1625040"/>
           </a:xfrm>
           <a:prstGeom prst="rect">
             <a:avLst/>

--- a/U1_Introduccion_a_la_programacion/Unidad_01_Introduccion_a_la_programacion_2.pptx
+++ b/U1_Introduccion_a_la_programacion/Unidad_01_Introduccion_a_la_programacion_2.pptx
@@ -86,7 +86,6 @@
     <p:sldId id="330" r:id="rId81"/>
     <p:sldId id="331" r:id="rId82"/>
     <p:sldId id="332" r:id="rId83"/>
-    <p:sldId id="333" r:id="rId84"/>
   </p:sldIdLst>
   <p:sldSz cx="12192000" cy="6858000"/>
   <p:notesSz cx="7772400" cy="10058400"/>
@@ -7192,13 +7191,7 @@
               <a:rPr b="0" lang="es-MX" sz="4400" spc="-1" strike="noStrike">
                 <a:latin typeface="Arial"/>
               </a:rPr>
-              <a:t>Pulse para editar el formato del texto de </a:t>
-            </a:r>
-            <a:r>
-              <a:rPr b="0" lang="es-MX" sz="4400" spc="-1" strike="noStrike">
-                <a:latin typeface="Arial"/>
-              </a:rPr>
-              <a:t>título</a:t>
+              <a:t>Pulse para editar el formato del texto de título</a:t>
             </a:r>
             <a:endParaRPr b="0" lang="es-MX" sz="4400" spc="-1" strike="noStrike">
               <a:latin typeface="Arial"/>
@@ -7458,13 +7451,7 @@
               <a:rPr b="0" lang="es-MX" sz="4400" spc="-1" strike="noStrike">
                 <a:latin typeface="Arial"/>
               </a:rPr>
-              <a:t>Pulse para editar el formato del texto de </a:t>
-            </a:r>
-            <a:r>
-              <a:rPr b="0" lang="es-MX" sz="4400" spc="-1" strike="noStrike">
-                <a:latin typeface="Arial"/>
-              </a:rPr>
-              <a:t>título</a:t>
+              <a:t>Pulse para editar el formato del texto de título</a:t>
             </a:r>
             <a:endParaRPr b="0" lang="es-MX" sz="4400" spc="-1" strike="noStrike">
               <a:latin typeface="Arial"/>
@@ -8216,7 +8203,7 @@
         <p:spPr>
           <a:xfrm>
             <a:off x="1523880" y="1122480"/>
-            <a:ext cx="9142200" cy="2385720"/>
+            <a:ext cx="9141480" cy="2385000"/>
           </a:xfrm>
           <a:prstGeom prst="rect">
             <a:avLst/>
@@ -8267,7 +8254,7 @@
         <p:spPr>
           <a:xfrm>
             <a:off x="1523880" y="3602160"/>
-            <a:ext cx="9142200" cy="1653840"/>
+            <a:ext cx="9141480" cy="1653120"/>
           </a:xfrm>
           <a:prstGeom prst="rect">
             <a:avLst/>
@@ -8380,7 +8367,7 @@
         <p:spPr>
           <a:xfrm>
             <a:off x="838080" y="365040"/>
-            <a:ext cx="10513800" cy="1323720"/>
+            <a:ext cx="10513080" cy="1323000"/>
           </a:xfrm>
           <a:prstGeom prst="rect">
             <a:avLst/>
@@ -8446,7 +8433,7 @@
         <p:spPr>
           <a:xfrm>
             <a:off x="618120" y="2234520"/>
-            <a:ext cx="10954080" cy="2792880"/>
+            <a:ext cx="10953360" cy="2792160"/>
           </a:xfrm>
           <a:prstGeom prst="rect">
             <a:avLst/>
@@ -8495,7 +8482,7 @@
         <p:spPr>
           <a:xfrm>
             <a:off x="645480" y="360000"/>
-            <a:ext cx="10513800" cy="1323720"/>
+            <a:ext cx="10513080" cy="1323000"/>
           </a:xfrm>
           <a:prstGeom prst="rect">
             <a:avLst/>
@@ -8550,7 +8537,7 @@
         <p:spPr>
           <a:xfrm>
             <a:off x="3337560" y="178560"/>
-            <a:ext cx="8596440" cy="6501960"/>
+            <a:ext cx="8595720" cy="6501240"/>
           </a:xfrm>
           <a:prstGeom prst="rect">
             <a:avLst/>
@@ -8599,7 +8586,7 @@
         <p:spPr>
           <a:xfrm>
             <a:off x="757800" y="29520"/>
-            <a:ext cx="10513800" cy="1323720"/>
+            <a:ext cx="10513080" cy="1323000"/>
           </a:xfrm>
           <a:prstGeom prst="rect">
             <a:avLst/>
@@ -8655,7 +8642,7 @@
         <p:spPr>
           <a:xfrm>
             <a:off x="900000" y="2244600"/>
-            <a:ext cx="10699560" cy="3936960"/>
+            <a:ext cx="10698840" cy="3936240"/>
           </a:xfrm>
           <a:prstGeom prst="rect">
             <a:avLst/>
@@ -8674,7 +8661,7 @@
         <p:spPr>
           <a:xfrm>
             <a:off x="685440" y="1480320"/>
-            <a:ext cx="10439280" cy="656280"/>
+            <a:ext cx="10438560" cy="655560"/>
           </a:xfrm>
           <a:prstGeom prst="rect">
             <a:avLst/>
@@ -8755,7 +8742,7 @@
         <p:spPr>
           <a:xfrm>
             <a:off x="838080" y="0"/>
-            <a:ext cx="10513800" cy="1323720"/>
+            <a:ext cx="10513080" cy="1323000"/>
           </a:xfrm>
           <a:prstGeom prst="rect">
             <a:avLst/>
@@ -8811,7 +8798,7 @@
         <p:spPr>
           <a:xfrm>
             <a:off x="838080" y="970200"/>
-            <a:ext cx="10395720" cy="1911960"/>
+            <a:ext cx="10395000" cy="1911240"/>
           </a:xfrm>
           <a:prstGeom prst="rect">
             <a:avLst/>
@@ -8860,7 +8847,7 @@
         <p:spPr>
           <a:xfrm>
             <a:off x="838080" y="0"/>
-            <a:ext cx="10513800" cy="1323720"/>
+            <a:ext cx="10513080" cy="1323000"/>
           </a:xfrm>
           <a:prstGeom prst="rect">
             <a:avLst/>
@@ -8910,13 +8897,13 @@
         </p:nvPicPr>
         <p:blipFill>
           <a:blip r:embed="rId1"/>
-          <a:srcRect l="0" t="0" r="0" b="38767"/>
+          <a:srcRect l="0" t="0" r="0" b="38751"/>
           <a:stretch/>
         </p:blipFill>
         <p:spPr>
           <a:xfrm>
             <a:off x="892080" y="998640"/>
-            <a:ext cx="10405800" cy="3395520"/>
+            <a:ext cx="10405080" cy="3394800"/>
           </a:xfrm>
           <a:prstGeom prst="rect">
             <a:avLst/>
@@ -8934,13 +8921,13 @@
         </p:nvPicPr>
         <p:blipFill>
           <a:blip r:embed="rId2"/>
-          <a:srcRect l="-337" t="73074" r="337" b="-308"/>
+          <a:srcRect l="-337" t="73058" r="337" b="-308"/>
           <a:stretch/>
         </p:blipFill>
         <p:spPr>
           <a:xfrm>
             <a:off x="1040040" y="4638600"/>
-            <a:ext cx="10405800" cy="1510560"/>
+            <a:ext cx="10405080" cy="1509840"/>
           </a:xfrm>
           <a:prstGeom prst="rect">
             <a:avLst/>
@@ -8989,7 +8976,7 @@
         <p:spPr>
           <a:xfrm>
             <a:off x="838080" y="0"/>
-            <a:ext cx="10513800" cy="1323720"/>
+            <a:ext cx="10513080" cy="1323000"/>
           </a:xfrm>
           <a:prstGeom prst="rect">
             <a:avLst/>
@@ -9044,7 +9031,7 @@
         <p:spPr>
           <a:xfrm>
             <a:off x="434160" y="1085040"/>
-            <a:ext cx="11322000" cy="1111320"/>
+            <a:ext cx="11321280" cy="1110600"/>
           </a:xfrm>
           <a:prstGeom prst="rect">
             <a:avLst/>
@@ -9067,7 +9054,7 @@
         <p:spPr>
           <a:xfrm>
             <a:off x="1571400" y="2198160"/>
-            <a:ext cx="9041400" cy="4534920"/>
+            <a:ext cx="9040680" cy="4534200"/>
           </a:xfrm>
           <a:prstGeom prst="rect">
             <a:avLst/>
@@ -9116,7 +9103,7 @@
         <p:spPr>
           <a:xfrm>
             <a:off x="838080" y="0"/>
-            <a:ext cx="10513800" cy="1323720"/>
+            <a:ext cx="10513080" cy="1323000"/>
           </a:xfrm>
           <a:prstGeom prst="rect">
             <a:avLst/>
@@ -9171,7 +9158,7 @@
         <p:spPr>
           <a:xfrm>
             <a:off x="477720" y="1124280"/>
-            <a:ext cx="11234880" cy="1423800"/>
+            <a:ext cx="11234160" cy="1423080"/>
           </a:xfrm>
           <a:prstGeom prst="rect">
             <a:avLst/>
@@ -9195,7 +9182,7 @@
         <p:spPr>
           <a:xfrm>
             <a:off x="1231920" y="2549880"/>
-            <a:ext cx="9726120" cy="1351080"/>
+            <a:ext cx="9725400" cy="1350360"/>
           </a:xfrm>
           <a:prstGeom prst="rect">
             <a:avLst/>
@@ -9218,7 +9205,7 @@
         <p:spPr>
           <a:xfrm>
             <a:off x="477720" y="3902760"/>
-            <a:ext cx="11148120" cy="2795400"/>
+            <a:ext cx="11147400" cy="2794680"/>
           </a:xfrm>
           <a:prstGeom prst="rect">
             <a:avLst/>
@@ -9267,7 +9254,7 @@
         <p:spPr>
           <a:xfrm>
             <a:off x="838080" y="0"/>
-            <a:ext cx="10513800" cy="1323720"/>
+            <a:ext cx="10513080" cy="1323000"/>
           </a:xfrm>
           <a:prstGeom prst="rect">
             <a:avLst/>
@@ -9322,7 +9309,7 @@
         <p:spPr>
           <a:xfrm>
             <a:off x="714240" y="1325520"/>
-            <a:ext cx="10761840" cy="1724760"/>
+            <a:ext cx="10761120" cy="1724040"/>
           </a:xfrm>
           <a:prstGeom prst="rect">
             <a:avLst/>
@@ -9346,7 +9333,7 @@
         <p:spPr>
           <a:xfrm>
             <a:off x="623520" y="4505760"/>
-            <a:ext cx="10671840" cy="492120"/>
+            <a:ext cx="10671120" cy="491400"/>
           </a:xfrm>
           <a:prstGeom prst="rect">
             <a:avLst/>
@@ -9365,7 +9352,7 @@
         <p:spPr>
           <a:xfrm>
             <a:off x="612720" y="3240000"/>
-            <a:ext cx="10906560" cy="1222920"/>
+            <a:ext cx="10905840" cy="1222200"/>
           </a:xfrm>
           <a:prstGeom prst="rect">
             <a:avLst/>
@@ -9446,7 +9433,7 @@
         <p:spPr>
           <a:xfrm>
             <a:off x="838080" y="365040"/>
-            <a:ext cx="10513800" cy="1323720"/>
+            <a:ext cx="10513080" cy="1323000"/>
           </a:xfrm>
           <a:prstGeom prst="rect">
             <a:avLst/>
@@ -9598,7 +9585,7 @@
         <p:spPr>
           <a:xfrm>
             <a:off x="838080" y="0"/>
-            <a:ext cx="10513800" cy="1323720"/>
+            <a:ext cx="10513080" cy="1323000"/>
           </a:xfrm>
           <a:prstGeom prst="rect">
             <a:avLst/>
@@ -9653,7 +9640,7 @@
         <p:spPr>
           <a:xfrm>
             <a:off x="2218320" y="838440"/>
-            <a:ext cx="7753320" cy="5803920"/>
+            <a:ext cx="7752600" cy="5803200"/>
           </a:xfrm>
           <a:prstGeom prst="rect">
             <a:avLst/>
@@ -9702,7 +9689,7 @@
         <p:spPr>
           <a:xfrm>
             <a:off x="180000" y="180000"/>
-            <a:ext cx="10514160" cy="729360"/>
+            <a:ext cx="10513440" cy="728640"/>
           </a:xfrm>
           <a:prstGeom prst="rect">
             <a:avLst/>
@@ -10005,7 +9992,7 @@
         <p:spPr>
           <a:xfrm>
             <a:off x="838080" y="365040"/>
-            <a:ext cx="10513800" cy="1323720"/>
+            <a:ext cx="10513080" cy="1323000"/>
           </a:xfrm>
           <a:prstGeom prst="rect">
             <a:avLst/>
@@ -10060,7 +10047,7 @@
         <p:spPr>
           <a:xfrm>
             <a:off x="3458880" y="224280"/>
-            <a:ext cx="8448840" cy="6297480"/>
+            <a:ext cx="8448120" cy="6296760"/>
           </a:xfrm>
           <a:prstGeom prst="rect">
             <a:avLst/>
@@ -10109,7 +10096,7 @@
         <p:spPr>
           <a:xfrm>
             <a:off x="438120" y="365040"/>
-            <a:ext cx="10631880" cy="1323720"/>
+            <a:ext cx="10631160" cy="1323000"/>
           </a:xfrm>
           <a:prstGeom prst="rect">
             <a:avLst/>
@@ -10164,7 +10151,7 @@
         <p:spPr>
           <a:xfrm>
             <a:off x="3238560" y="140760"/>
-            <a:ext cx="8691840" cy="6486840"/>
+            <a:ext cx="8691120" cy="6486120"/>
           </a:xfrm>
           <a:prstGeom prst="rect">
             <a:avLst/>
@@ -10213,7 +10200,7 @@
         <p:spPr>
           <a:xfrm>
             <a:off x="578880" y="267480"/>
-            <a:ext cx="10513800" cy="1323720"/>
+            <a:ext cx="10513080" cy="1323000"/>
           </a:xfrm>
           <a:prstGeom prst="rect">
             <a:avLst/>
@@ -10268,7 +10255,7 @@
         <p:spPr>
           <a:xfrm>
             <a:off x="3318480" y="315720"/>
-            <a:ext cx="8444160" cy="6294240"/>
+            <a:ext cx="8443440" cy="6293520"/>
           </a:xfrm>
           <a:prstGeom prst="rect">
             <a:avLst/>
@@ -10317,7 +10304,7 @@
         <p:spPr>
           <a:xfrm>
             <a:off x="820440" y="0"/>
-            <a:ext cx="10513800" cy="1323720"/>
+            <a:ext cx="10513080" cy="1323000"/>
           </a:xfrm>
           <a:prstGeom prst="rect">
             <a:avLst/>
@@ -10372,7 +10359,7 @@
         <p:spPr>
           <a:xfrm>
             <a:off x="2637720" y="819720"/>
-            <a:ext cx="8001000" cy="6036480"/>
+            <a:ext cx="8000280" cy="6035760"/>
           </a:xfrm>
           <a:prstGeom prst="rect">
             <a:avLst/>
@@ -10421,7 +10408,7 @@
         <p:spPr>
           <a:xfrm>
             <a:off x="540000" y="360000"/>
-            <a:ext cx="10513800" cy="1323720"/>
+            <a:ext cx="10513080" cy="1323000"/>
           </a:xfrm>
           <a:prstGeom prst="rect">
             <a:avLst/>
@@ -10476,7 +10463,7 @@
         <p:spPr>
           <a:xfrm>
             <a:off x="3345480" y="228600"/>
-            <a:ext cx="8522280" cy="6399000"/>
+            <a:ext cx="8521560" cy="6398280"/>
           </a:xfrm>
           <a:prstGeom prst="rect">
             <a:avLst/>
@@ -10525,7 +10512,7 @@
         <p:spPr>
           <a:xfrm>
             <a:off x="838080" y="0"/>
-            <a:ext cx="10513800" cy="1323720"/>
+            <a:ext cx="10513080" cy="1323000"/>
           </a:xfrm>
           <a:prstGeom prst="rect">
             <a:avLst/>
@@ -10591,7 +10578,7 @@
         <p:spPr>
           <a:xfrm>
             <a:off x="1125360" y="1325520"/>
-            <a:ext cx="9646200" cy="5520960"/>
+            <a:ext cx="9645480" cy="5520240"/>
           </a:xfrm>
           <a:prstGeom prst="rect">
             <a:avLst/>
@@ -10640,7 +10627,7 @@
         <p:spPr>
           <a:xfrm>
             <a:off x="838080" y="13320"/>
-            <a:ext cx="10513800" cy="1323720"/>
+            <a:ext cx="10513080" cy="1323000"/>
           </a:xfrm>
           <a:prstGeom prst="rect">
             <a:avLst/>
@@ -10691,7 +10678,7 @@
         <p:spPr>
           <a:xfrm>
             <a:off x="900000" y="1338480"/>
-            <a:ext cx="5618880" cy="5204520"/>
+            <a:ext cx="5618160" cy="5204520"/>
           </a:xfrm>
           <a:prstGeom prst="rect">
             <a:avLst/>
@@ -11312,7 +11299,7 @@
         <p:spPr>
           <a:xfrm>
             <a:off x="753840" y="696600"/>
-            <a:ext cx="10477440" cy="2433960"/>
+            <a:ext cx="10476720" cy="2433960"/>
           </a:xfrm>
           <a:prstGeom prst="rect">
             <a:avLst/>
@@ -11653,7 +11640,7 @@
         <p:spPr>
           <a:xfrm>
             <a:off x="838080" y="207000"/>
-            <a:ext cx="10513800" cy="1323720"/>
+            <a:ext cx="10513080" cy="1323000"/>
           </a:xfrm>
           <a:prstGeom prst="rect">
             <a:avLst/>
@@ -11730,7 +11717,7 @@
         <p:spPr>
           <a:xfrm>
             <a:off x="344520" y="1655640"/>
-            <a:ext cx="11500920" cy="2248920"/>
+            <a:ext cx="11500200" cy="2248200"/>
           </a:xfrm>
           <a:prstGeom prst="rect">
             <a:avLst/>
@@ -11753,7 +11740,7 @@
         <p:spPr>
           <a:xfrm>
             <a:off x="1008360" y="3906360"/>
-            <a:ext cx="10173240" cy="2475000"/>
+            <a:ext cx="10172520" cy="2474280"/>
           </a:xfrm>
           <a:prstGeom prst="rect">
             <a:avLst/>
@@ -11802,7 +11789,7 @@
         <p:spPr>
           <a:xfrm>
             <a:off x="838080" y="365040"/>
-            <a:ext cx="10513800" cy="1323720"/>
+            <a:ext cx="10513080" cy="1323000"/>
           </a:xfrm>
           <a:prstGeom prst="rect">
             <a:avLst/>
@@ -11857,7 +11844,7 @@
         <p:spPr>
           <a:xfrm>
             <a:off x="544680" y="1690560"/>
-            <a:ext cx="11333880" cy="3547800"/>
+            <a:ext cx="11333160" cy="3547080"/>
           </a:xfrm>
           <a:prstGeom prst="rect">
             <a:avLst/>
@@ -11906,7 +11893,7 @@
         <p:spPr>
           <a:xfrm>
             <a:off x="832320" y="0"/>
-            <a:ext cx="10514160" cy="1126440"/>
+            <a:ext cx="10513440" cy="1125720"/>
           </a:xfrm>
           <a:prstGeom prst="rect">
             <a:avLst/>
@@ -11956,13 +11943,13 @@
         </p:nvPicPr>
         <p:blipFill>
           <a:blip r:embed="rId1"/>
-          <a:srcRect l="0" t="0" r="0" b="55402"/>
+          <a:srcRect l="0" t="0" r="0" b="55377"/>
           <a:stretch/>
         </p:blipFill>
         <p:spPr>
           <a:xfrm>
             <a:off x="832320" y="1043640"/>
-            <a:ext cx="10273680" cy="1982880"/>
+            <a:ext cx="10272960" cy="1982160"/>
           </a:xfrm>
           <a:prstGeom prst="rect">
             <a:avLst/>
@@ -11981,7 +11968,7 @@
         <p:spPr>
           <a:xfrm>
             <a:off x="805320" y="3982320"/>
-            <a:ext cx="1828800" cy="1004400"/>
+            <a:ext cx="1828440" cy="1004400"/>
           </a:xfrm>
           <a:prstGeom prst="rect">
             <a:avLst/>
@@ -12082,7 +12069,7 @@
         <p:spPr>
           <a:xfrm>
             <a:off x="708480" y="3223080"/>
-            <a:ext cx="10537200" cy="699480"/>
+            <a:ext cx="10536840" cy="699480"/>
           </a:xfrm>
           <a:prstGeom prst="rect">
             <a:avLst/>
@@ -12153,7 +12140,7 @@
         <p:spPr>
           <a:xfrm>
             <a:off x="720000" y="4880520"/>
-            <a:ext cx="10438920" cy="699480"/>
+            <a:ext cx="10438200" cy="699480"/>
           </a:xfrm>
           <a:prstGeom prst="rect">
             <a:avLst/>
@@ -12204,7 +12191,7 @@
         <p:spPr>
           <a:xfrm>
             <a:off x="875160" y="5603040"/>
-            <a:ext cx="4416840" cy="1004400"/>
+            <a:ext cx="4416480" cy="1004400"/>
           </a:xfrm>
           <a:prstGeom prst="rect">
             <a:avLst/>
@@ -12335,7 +12322,7 @@
         <p:spPr>
           <a:xfrm>
             <a:off x="838080" y="365040"/>
-            <a:ext cx="10513800" cy="1323720"/>
+            <a:ext cx="10513080" cy="1323000"/>
           </a:xfrm>
           <a:prstGeom prst="rect">
             <a:avLst/>
@@ -12390,7 +12377,7 @@
         <p:spPr>
           <a:xfrm>
             <a:off x="0" y="1494720"/>
-            <a:ext cx="11864880" cy="4605480"/>
+            <a:ext cx="11864160" cy="4604760"/>
           </a:xfrm>
           <a:prstGeom prst="rect">
             <a:avLst/>
@@ -12439,7 +12426,7 @@
         <p:spPr>
           <a:xfrm>
             <a:off x="838080" y="-175680"/>
-            <a:ext cx="10513800" cy="1323720"/>
+            <a:ext cx="10513080" cy="1323000"/>
           </a:xfrm>
           <a:prstGeom prst="rect">
             <a:avLst/>
@@ -12494,7 +12481,7 @@
         <p:spPr>
           <a:xfrm>
             <a:off x="446040" y="984600"/>
-            <a:ext cx="11298240" cy="4798800"/>
+            <a:ext cx="11297520" cy="4798080"/>
           </a:xfrm>
           <a:prstGeom prst="rect">
             <a:avLst/>
@@ -12543,7 +12530,7 @@
         <p:spPr>
           <a:xfrm>
             <a:off x="820440" y="0"/>
-            <a:ext cx="10513800" cy="1323720"/>
+            <a:ext cx="10513080" cy="1323000"/>
           </a:xfrm>
           <a:prstGeom prst="rect">
             <a:avLst/>
@@ -12598,7 +12585,7 @@
         <p:spPr>
           <a:xfrm>
             <a:off x="486360" y="1022400"/>
-            <a:ext cx="11182680" cy="2967120"/>
+            <a:ext cx="11181960" cy="2966400"/>
           </a:xfrm>
           <a:prstGeom prst="rect">
             <a:avLst/>
@@ -12622,7 +12609,7 @@
         <p:spPr>
           <a:xfrm>
             <a:off x="486360" y="3787920"/>
-            <a:ext cx="11012760" cy="1151640"/>
+            <a:ext cx="11012040" cy="1150920"/>
           </a:xfrm>
           <a:prstGeom prst="rect">
             <a:avLst/>
@@ -12671,7 +12658,7 @@
         <p:spPr>
           <a:xfrm>
             <a:off x="838080" y="0"/>
-            <a:ext cx="10513800" cy="1323720"/>
+            <a:ext cx="10513080" cy="1323000"/>
           </a:xfrm>
           <a:prstGeom prst="rect">
             <a:avLst/>
@@ -12726,7 +12713,7 @@
         <p:spPr>
           <a:xfrm>
             <a:off x="2751480" y="914400"/>
-            <a:ext cx="7779960" cy="5848920"/>
+            <a:ext cx="7779240" cy="5848200"/>
           </a:xfrm>
           <a:prstGeom prst="rect">
             <a:avLst/>
@@ -12775,7 +12762,7 @@
         <p:spPr>
           <a:xfrm>
             <a:off x="878040" y="0"/>
-            <a:ext cx="10513800" cy="1323720"/>
+            <a:ext cx="10513080" cy="1323000"/>
           </a:xfrm>
           <a:prstGeom prst="rect">
             <a:avLst/>
@@ -12830,7 +12817,7 @@
         <p:spPr>
           <a:xfrm>
             <a:off x="986760" y="1178280"/>
-            <a:ext cx="10296360" cy="4534920"/>
+            <a:ext cx="10295640" cy="4534200"/>
           </a:xfrm>
           <a:prstGeom prst="rect">
             <a:avLst/>
@@ -12879,7 +12866,7 @@
         <p:spPr>
           <a:xfrm>
             <a:off x="820440" y="-355680"/>
-            <a:ext cx="10513800" cy="1323720"/>
+            <a:ext cx="10513080" cy="1323000"/>
           </a:xfrm>
           <a:prstGeom prst="rect">
             <a:avLst/>
@@ -12934,7 +12921,7 @@
         <p:spPr>
           <a:xfrm>
             <a:off x="518760" y="492480"/>
-            <a:ext cx="11117880" cy="1849320"/>
+            <a:ext cx="11117160" cy="1848600"/>
           </a:xfrm>
           <a:prstGeom prst="rect">
             <a:avLst/>
@@ -12957,7 +12944,7 @@
         <p:spPr>
           <a:xfrm>
             <a:off x="4402080" y="2343600"/>
-            <a:ext cx="3350880" cy="4132080"/>
+            <a:ext cx="3350160" cy="4131360"/>
           </a:xfrm>
           <a:prstGeom prst="rect">
             <a:avLst/>
@@ -13006,7 +12993,7 @@
         <p:spPr>
           <a:xfrm>
             <a:off x="838080" y="-285480"/>
-            <a:ext cx="10513800" cy="1323720"/>
+            <a:ext cx="10513080" cy="1323000"/>
           </a:xfrm>
           <a:prstGeom prst="rect">
             <a:avLst/>
@@ -13061,7 +13048,7 @@
         <p:spPr>
           <a:xfrm>
             <a:off x="594360" y="615600"/>
-            <a:ext cx="11001240" cy="2161080"/>
+            <a:ext cx="11000520" cy="2160360"/>
           </a:xfrm>
           <a:prstGeom prst="rect">
             <a:avLst/>
@@ -13261,7 +13248,7 @@
         <p:spPr>
           <a:xfrm>
             <a:off x="838080" y="-250200"/>
-            <a:ext cx="10513800" cy="1323720"/>
+            <a:ext cx="10513080" cy="1323000"/>
           </a:xfrm>
           <a:prstGeom prst="rect">
             <a:avLst/>
@@ -13316,7 +13303,7 @@
         <p:spPr>
           <a:xfrm>
             <a:off x="1137600" y="756000"/>
-            <a:ext cx="8672400" cy="4359240"/>
+            <a:ext cx="8671680" cy="4358520"/>
           </a:xfrm>
           <a:prstGeom prst="rect">
             <a:avLst/>
@@ -13365,7 +13352,7 @@
         <p:spPr>
           <a:xfrm>
             <a:off x="376920" y="378360"/>
-            <a:ext cx="10513800" cy="1323720"/>
+            <a:ext cx="10513080" cy="1323000"/>
           </a:xfrm>
           <a:prstGeom prst="rect">
             <a:avLst/>
@@ -13420,7 +13407,7 @@
         <p:spPr>
           <a:xfrm>
             <a:off x="3197160" y="175680"/>
-            <a:ext cx="8794440" cy="6504480"/>
+            <a:ext cx="8793720" cy="6503760"/>
           </a:xfrm>
           <a:prstGeom prst="rect">
             <a:avLst/>
@@ -13469,7 +13456,7 @@
         <p:spPr>
           <a:xfrm>
             <a:off x="636840" y="365040"/>
-            <a:ext cx="10513800" cy="1323720"/>
+            <a:ext cx="10513080" cy="1323000"/>
           </a:xfrm>
           <a:prstGeom prst="rect">
             <a:avLst/>
@@ -13524,7 +13511,7 @@
         <p:spPr>
           <a:xfrm>
             <a:off x="3361320" y="240840"/>
-            <a:ext cx="8541720" cy="6370920"/>
+            <a:ext cx="8541000" cy="6370200"/>
           </a:xfrm>
           <a:prstGeom prst="rect">
             <a:avLst/>
@@ -13573,7 +13560,7 @@
         <p:spPr>
           <a:xfrm>
             <a:off x="392400" y="-13320"/>
-            <a:ext cx="10514160" cy="1078920"/>
+            <a:ext cx="10513440" cy="1078200"/>
           </a:xfrm>
           <a:prstGeom prst="rect">
             <a:avLst/>
@@ -13679,7 +13666,7 @@
         <p:spPr>
           <a:xfrm>
             <a:off x="360000" y="1743120"/>
-            <a:ext cx="9957240" cy="1315800"/>
+            <a:ext cx="9956520" cy="1315080"/>
           </a:xfrm>
           <a:prstGeom prst="rect">
             <a:avLst/>
@@ -13698,7 +13685,7 @@
         <p:spPr>
           <a:xfrm>
             <a:off x="452160" y="3298320"/>
-            <a:ext cx="11398320" cy="2224080"/>
+            <a:ext cx="11397960" cy="2224080"/>
           </a:xfrm>
           <a:prstGeom prst="rect">
             <a:avLst/>
@@ -13939,7 +13926,7 @@
         <p:spPr>
           <a:xfrm>
             <a:off x="838080" y="-2520"/>
-            <a:ext cx="9420480" cy="1081440"/>
+            <a:ext cx="9419760" cy="1080720"/>
           </a:xfrm>
           <a:prstGeom prst="rect">
             <a:avLst/>
@@ -14000,7 +13987,7 @@
         <p:spPr>
           <a:xfrm>
             <a:off x="838080" y="1825560"/>
-            <a:ext cx="10513800" cy="4349520"/>
+            <a:ext cx="10513080" cy="4348800"/>
           </a:xfrm>
           <a:prstGeom prst="rect">
             <a:avLst/>
@@ -14030,7 +14017,7 @@
         <p:spPr>
           <a:xfrm>
             <a:off x="600120" y="3856320"/>
-            <a:ext cx="9254880" cy="2773800"/>
+            <a:ext cx="9254160" cy="2773080"/>
           </a:xfrm>
           <a:prstGeom prst="rect">
             <a:avLst/>
@@ -14054,7 +14041,7 @@
         <p:spPr>
           <a:xfrm>
             <a:off x="600120" y="1080000"/>
-            <a:ext cx="8840520" cy="2774520"/>
+            <a:ext cx="8839800" cy="2773800"/>
           </a:xfrm>
           <a:prstGeom prst="rect">
             <a:avLst/>
@@ -14077,7 +14064,7 @@
         <p:spPr>
           <a:xfrm>
             <a:off x="5976360" y="4601160"/>
-            <a:ext cx="5613840" cy="2163960"/>
+            <a:ext cx="5613120" cy="2163240"/>
           </a:xfrm>
           <a:prstGeom prst="rect">
             <a:avLst/>
@@ -14126,7 +14113,7 @@
         <p:spPr>
           <a:xfrm>
             <a:off x="838080" y="0"/>
-            <a:ext cx="10513800" cy="1323720"/>
+            <a:ext cx="10513080" cy="1323000"/>
           </a:xfrm>
           <a:prstGeom prst="rect">
             <a:avLst/>
@@ -14181,7 +14168,7 @@
         <p:spPr>
           <a:xfrm>
             <a:off x="2637720" y="874440"/>
-            <a:ext cx="7929000" cy="5856120"/>
+            <a:ext cx="7928280" cy="5855400"/>
           </a:xfrm>
           <a:prstGeom prst="rect">
             <a:avLst/>
@@ -14230,7 +14217,7 @@
         <p:spPr>
           <a:xfrm>
             <a:off x="540000" y="365040"/>
-            <a:ext cx="10513800" cy="1323720"/>
+            <a:ext cx="10513080" cy="1323000"/>
           </a:xfrm>
           <a:prstGeom prst="rect">
             <a:avLst/>
@@ -14285,7 +14272,7 @@
         <p:spPr>
           <a:xfrm>
             <a:off x="3395160" y="207000"/>
-            <a:ext cx="8638920" cy="6385680"/>
+            <a:ext cx="8638200" cy="6384960"/>
           </a:xfrm>
           <a:prstGeom prst="rect">
             <a:avLst/>
@@ -14334,7 +14321,7 @@
         <p:spPr>
           <a:xfrm>
             <a:off x="838080" y="0"/>
-            <a:ext cx="10513800" cy="1323720"/>
+            <a:ext cx="10513080" cy="1323000"/>
           </a:xfrm>
           <a:prstGeom prst="rect">
             <a:avLst/>
@@ -14389,7 +14376,7 @@
         <p:spPr>
           <a:xfrm>
             <a:off x="838080" y="1325520"/>
-            <a:ext cx="10513800" cy="4947840"/>
+            <a:ext cx="10513080" cy="4947120"/>
           </a:xfrm>
           <a:prstGeom prst="rect">
             <a:avLst/>
@@ -14438,7 +14425,7 @@
         <p:spPr>
           <a:xfrm>
             <a:off x="838080" y="0"/>
-            <a:ext cx="10513800" cy="1323720"/>
+            <a:ext cx="10513080" cy="1323000"/>
           </a:xfrm>
           <a:prstGeom prst="rect">
             <a:avLst/>
@@ -14564,7 +14551,7 @@
         <p:spPr>
           <a:xfrm>
             <a:off x="3325320" y="2279520"/>
-            <a:ext cx="5540040" cy="4458960"/>
+            <a:ext cx="5539320" cy="4458240"/>
           </a:xfrm>
           <a:prstGeom prst="rect">
             <a:avLst/>
@@ -14612,8 +14599,8 @@
         </p:nvSpPr>
         <p:spPr>
           <a:xfrm>
-            <a:off x="253440" y="1143000"/>
-            <a:ext cx="11265120" cy="4113000"/>
+            <a:off x="253080" y="1143000"/>
+            <a:ext cx="11266200" cy="4113000"/>
           </a:xfrm>
           <a:prstGeom prst="rect">
             <a:avLst/>
@@ -14687,7 +14674,7 @@
                 <a:latin typeface="Calibri"/>
                 <a:ea typeface="DejaVu Sans"/>
               </a:rPr>
-              <a:t>mingw32-gcc.exe -Wall -O2  -c C:\Users\LMC\2021\ProjectDebugme\debugme.c -o </a:t>
+              <a:t>gcc -Wall -include include/generated/autoconf.h -g -c /path/to/file/debugme.c -o </a:t>
             </a:r>
             <a:endParaRPr b="0" lang="es-MX" sz="1800" spc="-1" strike="noStrike">
               <a:latin typeface="Arial"/>
@@ -14707,7 +14694,7 @@
                 <a:latin typeface="Calibri"/>
                 <a:ea typeface="DejaVu Sans"/>
               </a:rPr>
-              <a:t>obj\09_Debugme\debugme.o</a:t>
+              <a:t>obj/Debug/debugme.o</a:t>
             </a:r>
             <a:endParaRPr b="0" lang="es-MX" sz="1800" spc="-1" strike="noStrike">
               <a:latin typeface="Arial"/>
@@ -14797,7 +14784,7 @@
                 <a:latin typeface="Calibri"/>
                 <a:ea typeface="DejaVu Sans"/>
               </a:rPr>
-              <a:t>mingw32-g++.exe  -o bin\Release\ProjectDebugme.exe obj\09_Debugme\debugme.o  -s</a:t>
+              <a:t>gcc  -o bin/Debug/00PracticaTestingKconfig obj/Debug/debugme.o</a:t>
             </a:r>
             <a:endParaRPr b="0" lang="es-MX" sz="1800" spc="-1" strike="noStrike">
               <a:latin typeface="Arial"/>
@@ -14868,7 +14855,7 @@
         <p:spPr>
           <a:xfrm>
             <a:off x="4340520" y="5838120"/>
-            <a:ext cx="3699360" cy="631080"/>
+            <a:ext cx="3698640" cy="630360"/>
           </a:xfrm>
           <a:prstGeom prst="rect">
             <a:avLst/>
@@ -14967,8 +14954,8 @@
         </p:nvSpPr>
         <p:spPr>
           <a:xfrm>
-            <a:off x="820440" y="0"/>
-            <a:ext cx="10513800" cy="1323720"/>
+            <a:off x="286560" y="0"/>
+            <a:ext cx="10513080" cy="963000"/>
           </a:xfrm>
           <a:prstGeom prst="rect">
             <a:avLst/>
@@ -15018,8 +15005,8 @@
         </p:nvSpPr>
         <p:spPr>
           <a:xfrm>
-            <a:off x="521280" y="1063800"/>
-            <a:ext cx="9889200" cy="455400"/>
+            <a:off x="360000" y="860400"/>
+            <a:ext cx="8707680" cy="455400"/>
           </a:xfrm>
           <a:prstGeom prst="rect">
             <a:avLst/>
@@ -15053,7 +15040,7 @@
                 <a:latin typeface="Calibri"/>
                 <a:ea typeface="DejaVu Sans"/>
               </a:rPr>
-              <a:t>Durante su ejecución, el programa usa las siguiente bibliotecas</a:t>
+              <a:t>Bibliotecas cargadas durante la ejecución del programa</a:t>
             </a:r>
             <a:endParaRPr b="0" lang="es-MX" sz="2400" spc="-1" strike="noStrike">
               <a:latin typeface="Arial"/>
@@ -15073,8 +15060,8 @@
         </p:blipFill>
         <p:spPr>
           <a:xfrm>
-            <a:off x="965160" y="1587240"/>
-            <a:ext cx="5513040" cy="1827000"/>
+            <a:off x="360000" y="4500000"/>
+            <a:ext cx="5512320" cy="1826280"/>
           </a:xfrm>
           <a:prstGeom prst="rect">
             <a:avLst/>
@@ -15092,8 +15079,8 @@
         </p:nvSpPr>
         <p:spPr>
           <a:xfrm>
-            <a:off x="470160" y="3416040"/>
-            <a:ext cx="11646360" cy="2284200"/>
+            <a:off x="459720" y="1315800"/>
+            <a:ext cx="10960200" cy="2284200"/>
           </a:xfrm>
           <a:prstGeom prst="rect">
             <a:avLst/>
@@ -15127,7 +15114,7 @@
                 <a:latin typeface="Calibri"/>
                 <a:ea typeface="DejaVu Sans"/>
               </a:rPr>
-              <a:t>Para obtener esta información se seleccionó el target Debug, se colocó </a:t>
+              <a:t>Seleccione el target Debug, coloque un punto de ruptura en la línea</a:t>
             </a:r>
             <a:endParaRPr b="0" lang="es-MX" sz="2400" spc="-1" strike="noStrike">
               <a:latin typeface="Arial"/>
@@ -15147,7 +15134,7 @@
                 <a:latin typeface="Calibri"/>
                 <a:ea typeface="DejaVu Sans"/>
               </a:rPr>
-              <a:t>un punto de ruptura en la línea donde está la función main del archivo </a:t>
+              <a:t>donde está la función main del archivo de código fuente. Dé clic en el </a:t>
             </a:r>
             <a:endParaRPr b="0" lang="es-MX" sz="2400" spc="-1" strike="noStrike">
               <a:latin typeface="Arial"/>
@@ -15167,7 +15154,7 @@
                 <a:latin typeface="Calibri"/>
                 <a:ea typeface="DejaVu Sans"/>
               </a:rPr>
-              <a:t>de código fuente. Se dio clic en el botón play de color rojo. Cuando la </a:t>
+              <a:t>botón play de color rojo. La ejecución del programa se detendrá justo</a:t>
             </a:r>
             <a:endParaRPr b="0" lang="es-MX" sz="2400" spc="-1" strike="noStrike">
               <a:latin typeface="Arial"/>
@@ -15187,7 +15174,7 @@
                 <a:latin typeface="Calibri"/>
                 <a:ea typeface="DejaVu Sans"/>
               </a:rPr>
-              <a:t>ejecución del programa se detuvo al ingresar a la función main, se dio clic </a:t>
+              <a:t>antes de empezar a ejecutar la función main; dé clic en el botón </a:t>
             </a:r>
             <a:endParaRPr b="0" lang="es-MX" sz="2400" spc="-1" strike="noStrike">
               <a:latin typeface="Arial"/>
@@ -15207,7 +15194,7 @@
                 <a:latin typeface="Calibri"/>
                 <a:ea typeface="DejaVu Sans"/>
               </a:rPr>
-              <a:t>en el botón Various info (el que tiene la letra i), y se seleccionó la opción </a:t>
+              <a:t>Various info (el que tiene la letra i      ), y seleccione la opción Loaded </a:t>
             </a:r>
             <a:endParaRPr b="0" lang="es-MX" sz="2400" spc="-1" strike="noStrike">
               <a:latin typeface="Arial"/>
@@ -15227,7 +15214,7 @@
                 <a:latin typeface="Calibri"/>
                 <a:ea typeface="DejaVu Sans"/>
               </a:rPr>
-              <a:t>Loaded libraries.</a:t>
+              <a:t>libraries.</a:t>
             </a:r>
             <a:endParaRPr b="0" lang="es-MX" sz="2400" spc="-1" strike="noStrike">
               <a:latin typeface="Arial"/>
@@ -15247,8 +15234,8 @@
         </p:blipFill>
         <p:spPr>
           <a:xfrm>
-            <a:off x="3722760" y="6093720"/>
-            <a:ext cx="5111280" cy="591120"/>
+            <a:off x="2880000" y="3729240"/>
+            <a:ext cx="5110560" cy="590400"/>
           </a:xfrm>
           <a:prstGeom prst="rect">
             <a:avLst/>
@@ -15270,8 +15257,54 @@
         </p:blipFill>
         <p:spPr>
           <a:xfrm>
-            <a:off x="8550000" y="2297160"/>
-            <a:ext cx="2211120" cy="855360"/>
+            <a:off x="360000" y="3600000"/>
+            <a:ext cx="2210400" cy="854640"/>
+          </a:xfrm>
+          <a:prstGeom prst="rect">
+            <a:avLst/>
+          </a:prstGeom>
+          <a:ln w="0">
+            <a:noFill/>
+          </a:ln>
+        </p:spPr>
+      </p:pic>
+      <p:pic>
+        <p:nvPicPr>
+          <p:cNvPr id="321" name="" descr=""/>
+          <p:cNvPicPr/>
+          <p:nvPr/>
+        </p:nvPicPr>
+        <p:blipFill>
+          <a:blip r:embed="rId4"/>
+          <a:stretch/>
+        </p:blipFill>
+        <p:spPr>
+          <a:xfrm>
+            <a:off x="5940000" y="4521600"/>
+            <a:ext cx="5939640" cy="1058040"/>
+          </a:xfrm>
+          <a:prstGeom prst="rect">
+            <a:avLst/>
+          </a:prstGeom>
+          <a:ln w="0">
+            <a:noFill/>
+          </a:ln>
+        </p:spPr>
+      </p:pic>
+      <p:pic>
+        <p:nvPicPr>
+          <p:cNvPr id="322" name="" descr=""/>
+          <p:cNvPicPr/>
+          <p:nvPr/>
+        </p:nvPicPr>
+        <p:blipFill>
+          <a:blip r:embed="rId5"/>
+          <a:stretch/>
+        </p:blipFill>
+        <p:spPr>
+          <a:xfrm>
+            <a:off x="5760000" y="2880000"/>
+            <a:ext cx="294480" cy="351360"/>
           </a:xfrm>
           <a:prstGeom prst="rect">
             <a:avLst/>
@@ -15313,14 +15346,14 @@
       </p:grpSpPr>
       <p:sp>
         <p:nvSpPr>
-          <p:cNvPr id="321" name="CustomShape 1"/>
+          <p:cNvPr id="323" name="CustomShape 1"/>
           <p:cNvSpPr/>
           <p:nvPr/>
         </p:nvSpPr>
         <p:spPr>
           <a:xfrm>
             <a:off x="360000" y="-244440"/>
-            <a:ext cx="10513800" cy="1323720"/>
+            <a:ext cx="10513080" cy="1323000"/>
           </a:xfrm>
           <a:prstGeom prst="rect">
             <a:avLst/>
@@ -15364,7 +15397,7 @@
       </p:sp>
       <p:sp>
         <p:nvSpPr>
-          <p:cNvPr id="322" name="CustomShape 2"/>
+          <p:cNvPr id="324" name="CustomShape 2"/>
           <p:cNvSpPr/>
           <p:nvPr/>
         </p:nvSpPr>
@@ -15495,7 +15528,7 @@
       </p:sp>
       <p:pic>
         <p:nvPicPr>
-          <p:cNvPr id="323" name="Imagen 4" descr=""/>
+          <p:cNvPr id="325" name="Imagen 4" descr=""/>
           <p:cNvPicPr/>
           <p:nvPr/>
         </p:nvPicPr>
@@ -15505,8 +15538,8 @@
         </p:blipFill>
         <p:spPr>
           <a:xfrm>
-            <a:off x="3982680" y="2763360"/>
-            <a:ext cx="5092560" cy="3830040"/>
+            <a:off x="487800" y="2650320"/>
+            <a:ext cx="5091840" cy="3829320"/>
           </a:xfrm>
           <a:prstGeom prst="rect">
             <a:avLst/>
@@ -15548,14 +15581,14 @@
       </p:grpSpPr>
       <p:sp>
         <p:nvSpPr>
-          <p:cNvPr id="324" name="CustomShape 1"/>
+          <p:cNvPr id="326" name="CustomShape 1"/>
           <p:cNvSpPr/>
           <p:nvPr/>
         </p:nvSpPr>
         <p:spPr>
           <a:xfrm>
             <a:off x="714960" y="-303120"/>
-            <a:ext cx="10513800" cy="1323720"/>
+            <a:ext cx="10513080" cy="1323000"/>
           </a:xfrm>
           <a:prstGeom prst="rect">
             <a:avLst/>
@@ -15599,14 +15632,14 @@
       </p:sp>
       <p:sp>
         <p:nvSpPr>
-          <p:cNvPr id="325" name="CustomShape 2"/>
+          <p:cNvPr id="327" name="CustomShape 2"/>
           <p:cNvSpPr/>
           <p:nvPr/>
         </p:nvSpPr>
         <p:spPr>
           <a:xfrm>
-            <a:off x="629640" y="545400"/>
-            <a:ext cx="10684440" cy="821160"/>
+            <a:off x="339840" y="545400"/>
+            <a:ext cx="11263320" cy="1553040"/>
           </a:xfrm>
           <a:prstGeom prst="rect">
             <a:avLst/>
@@ -15660,7 +15693,47 @@
                 <a:latin typeface="Calibri"/>
                 <a:ea typeface="DejaVu Sans"/>
               </a:rPr>
-              <a:t>línea de código ary[i] = i, como se muestra en la siguiente figura:</a:t>
+              <a:t>línea de código ary[i] = i, como se muestra en la siguiente figura. </a:t>
+            </a:r>
+            <a:endParaRPr b="0" lang="es-MX" sz="2400" spc="-1" strike="noStrike">
+              <a:latin typeface="Arial"/>
+            </a:endParaRPr>
+          </a:p>
+          <a:p>
+            <a:pPr>
+              <a:lnSpc>
+                <a:spcPct val="100000"/>
+              </a:lnSpc>
+            </a:pPr>
+            <a:r>
+              <a:rPr b="0" lang="es-MX" sz="2400" spc="-1" strike="noStrike">
+                <a:solidFill>
+                  <a:srgbClr val="000000"/>
+                </a:solidFill>
+                <a:latin typeface="Calibri"/>
+                <a:ea typeface="DejaVu Sans"/>
+              </a:rPr>
+              <a:t>Dado que el arreglo que se pasa como argumento al llamar a la función </a:t>
+            </a:r>
+            <a:endParaRPr b="0" lang="es-MX" sz="2400" spc="-1" strike="noStrike">
+              <a:latin typeface="Arial"/>
+            </a:endParaRPr>
+          </a:p>
+          <a:p>
+            <a:pPr>
+              <a:lnSpc>
+                <a:spcPct val="100000"/>
+              </a:lnSpc>
+            </a:pPr>
+            <a:r>
+              <a:rPr b="0" lang="es-MX" sz="2400" spc="-1" strike="noStrike">
+                <a:solidFill>
+                  <a:srgbClr val="000000"/>
+                </a:solidFill>
+                <a:latin typeface="Calibri"/>
+                <a:ea typeface="DejaVu Sans"/>
+              </a:rPr>
+              <a:t>index_to_the_moon es de taaño 100, se usó un breakpoint condicional</a:t>
             </a:r>
             <a:endParaRPr b="0" lang="es-MX" sz="2400" spc="-1" strike="noStrike">
               <a:latin typeface="Arial"/>
@@ -15670,7 +15743,7 @@
       </p:sp>
       <p:pic>
         <p:nvPicPr>
-          <p:cNvPr id="326" name="Imagen 3" descr=""/>
+          <p:cNvPr id="328" name="Imagen 3" descr=""/>
           <p:cNvPicPr/>
           <p:nvPr/>
         </p:nvPicPr>
@@ -15680,8 +15753,8 @@
         </p:blipFill>
         <p:spPr>
           <a:xfrm>
-            <a:off x="8946360" y="4632840"/>
-            <a:ext cx="1750680" cy="1969920"/>
+            <a:off x="7740000" y="4320000"/>
+            <a:ext cx="1749960" cy="1969200"/>
           </a:xfrm>
           <a:prstGeom prst="rect">
             <a:avLst/>
@@ -15693,7 +15766,7 @@
       </p:pic>
       <p:pic>
         <p:nvPicPr>
-          <p:cNvPr id="327" name="Imagen 4" descr=""/>
+          <p:cNvPr id="329" name="Imagen 4" descr=""/>
           <p:cNvPicPr/>
           <p:nvPr/>
         </p:nvPicPr>
@@ -15703,8 +15776,8 @@
         </p:blipFill>
         <p:spPr>
           <a:xfrm>
-            <a:off x="1124640" y="1499400"/>
-            <a:ext cx="6435000" cy="4813920"/>
+            <a:off x="250560" y="2236320"/>
+            <a:ext cx="5894280" cy="4409280"/>
           </a:xfrm>
           <a:prstGeom prst="rect">
             <a:avLst/>
@@ -15716,14 +15789,14 @@
       </p:pic>
       <p:sp>
         <p:nvSpPr>
-          <p:cNvPr id="328" name="CustomShape 3"/>
+          <p:cNvPr id="330" name="CustomShape 3"/>
           <p:cNvSpPr/>
           <p:nvPr/>
         </p:nvSpPr>
         <p:spPr>
           <a:xfrm>
-            <a:off x="7615440" y="1524240"/>
-            <a:ext cx="4413240" cy="2649960"/>
+            <a:off x="6549120" y="2160000"/>
+            <a:ext cx="5348520" cy="1918440"/>
           </a:xfrm>
           <a:prstGeom prst="rect">
             <a:avLst/>
@@ -15757,7 +15830,7 @@
                 <a:latin typeface="Calibri"/>
                 <a:ea typeface="DejaVu Sans"/>
               </a:rPr>
-              <a:t>Dado que el arreglo que se </a:t>
+              <a:t>Con expresión i &gt; 99  </a:t>
             </a:r>
             <a:endParaRPr b="0" lang="es-MX" sz="2400" spc="-1" strike="noStrike">
               <a:latin typeface="Arial"/>
@@ -15777,7 +15850,7 @@
                 <a:latin typeface="Calibri"/>
                 <a:ea typeface="DejaVu Sans"/>
               </a:rPr>
-              <a:t>pasa como argumento al  </a:t>
+              <a:t>(Se da cloc sobre el breakpoint, </a:t>
             </a:r>
             <a:endParaRPr b="0" lang="es-MX" sz="2400" spc="-1" strike="noStrike">
               <a:latin typeface="Arial"/>
@@ -15797,7 +15870,7 @@
                 <a:latin typeface="Calibri"/>
                 <a:ea typeface="DejaVu Sans"/>
               </a:rPr>
-              <a:t>llamar a la función </a:t>
+              <a:t>y se selecciona “Edit breakpoint”,</a:t>
             </a:r>
             <a:endParaRPr b="0" lang="es-MX" sz="2400" spc="-1" strike="noStrike">
               <a:latin typeface="Arial"/>
@@ -15817,7 +15890,7 @@
                 <a:latin typeface="Calibri"/>
                 <a:ea typeface="DejaVu Sans"/>
               </a:rPr>
-              <a:t>index_to_the_moon es de </a:t>
+              <a:t>Se selecciona el checkbox “Break</a:t>
             </a:r>
             <a:endParaRPr b="0" lang="es-MX" sz="2400" spc="-1" strike="noStrike">
               <a:latin typeface="Arial"/>
@@ -15837,54 +15910,37 @@
                 <a:latin typeface="Calibri"/>
                 <a:ea typeface="DejaVu Sans"/>
               </a:rPr>
-              <a:t>tamaño 100, se usó un </a:t>
+              <a:t>When expression is true:”)</a:t>
             </a:r>
             <a:endParaRPr b="0" lang="es-MX" sz="2400" spc="-1" strike="noStrike">
               <a:latin typeface="Arial"/>
             </a:endParaRPr>
           </a:p>
-          <a:p>
-            <a:pPr>
-              <a:lnSpc>
-                <a:spcPct val="100000"/>
-              </a:lnSpc>
-            </a:pPr>
-            <a:r>
-              <a:rPr b="0" lang="es-MX" sz="2400" spc="-1" strike="noStrike">
-                <a:solidFill>
-                  <a:srgbClr val="000000"/>
-                </a:solidFill>
-                <a:latin typeface="Calibri"/>
-                <a:ea typeface="DejaVu Sans"/>
-              </a:rPr>
-              <a:t>breakpoint condicional con </a:t>
-            </a:r>
-            <a:endParaRPr b="0" lang="es-MX" sz="2400" spc="-1" strike="noStrike">
-              <a:latin typeface="Arial"/>
-            </a:endParaRPr>
-          </a:p>
-          <a:p>
-            <a:pPr>
-              <a:lnSpc>
-                <a:spcPct val="100000"/>
-              </a:lnSpc>
-            </a:pPr>
-            <a:r>
-              <a:rPr b="0" lang="es-MX" sz="2400" spc="-1" strike="noStrike">
-                <a:solidFill>
-                  <a:srgbClr val="000000"/>
-                </a:solidFill>
-                <a:latin typeface="Calibri"/>
-                <a:ea typeface="DejaVu Sans"/>
-              </a:rPr>
-              <a:t>expresión i  &gt;  99</a:t>
-            </a:r>
-            <a:endParaRPr b="0" lang="es-MX" sz="2400" spc="-1" strike="noStrike">
-              <a:latin typeface="Arial"/>
-            </a:endParaRPr>
-          </a:p>
-        </p:txBody>
-      </p:sp>
+        </p:txBody>
+      </p:sp>
+      <p:pic>
+        <p:nvPicPr>
+          <p:cNvPr id="331" name="" descr=""/>
+          <p:cNvPicPr/>
+          <p:nvPr/>
+        </p:nvPicPr>
+        <p:blipFill>
+          <a:blip r:embed="rId3"/>
+          <a:stretch/>
+        </p:blipFill>
+        <p:spPr>
+          <a:xfrm>
+            <a:off x="9655200" y="4320000"/>
+            <a:ext cx="2071800" cy="1979640"/>
+          </a:xfrm>
+          <a:prstGeom prst="rect">
+            <a:avLst/>
+          </a:prstGeom>
+          <a:ln w="0">
+            <a:noFill/>
+          </a:ln>
+        </p:spPr>
+      </p:pic>
     </p:spTree>
   </p:cSld>
   <mc:AlternateContent>
@@ -15917,14 +15973,14 @@
       </p:grpSpPr>
       <p:sp>
         <p:nvSpPr>
-          <p:cNvPr id="329" name="CustomShape 1"/>
+          <p:cNvPr id="332" name="CustomShape 1"/>
           <p:cNvSpPr/>
           <p:nvPr/>
         </p:nvSpPr>
         <p:spPr>
           <a:xfrm>
             <a:off x="337320" y="-312120"/>
-            <a:ext cx="10513800" cy="1323720"/>
+            <a:ext cx="10513080" cy="1323000"/>
           </a:xfrm>
           <a:prstGeom prst="rect">
             <a:avLst/>
@@ -15968,14 +16024,14 @@
       </p:sp>
       <p:sp>
         <p:nvSpPr>
-          <p:cNvPr id="330" name="CustomShape 2"/>
+          <p:cNvPr id="333" name="CustomShape 2"/>
           <p:cNvSpPr/>
           <p:nvPr/>
         </p:nvSpPr>
         <p:spPr>
           <a:xfrm>
-            <a:off x="312840" y="516960"/>
-            <a:ext cx="11146320" cy="439920"/>
+            <a:off x="363240" y="505080"/>
+            <a:ext cx="9716400" cy="394560"/>
           </a:xfrm>
           <a:prstGeom prst="rect">
             <a:avLst/>
@@ -16002,7 +16058,7 @@
               </a:lnSpc>
             </a:pPr>
             <a:r>
-              <a:rPr b="0" lang="es-MX" sz="2300" spc="-1" strike="noStrike">
+              <a:rPr b="0" lang="es-MX" sz="2000" spc="-1" strike="noStrike">
                 <a:solidFill>
                   <a:srgbClr val="000000"/>
                 </a:solidFill>
@@ -16011,7 +16067,7 @@
               </a:rPr>
               <a:t>El programa se ejecuta en el depurador dando clic en el botón de play rojo</a:t>
             </a:r>
-            <a:endParaRPr b="0" lang="es-MX" sz="2300" spc="-1" strike="noStrike">
+            <a:endParaRPr b="0" lang="es-MX" sz="2000" spc="-1" strike="noStrike">
               <a:latin typeface="Arial"/>
             </a:endParaRPr>
           </a:p>
@@ -16019,7 +16075,7 @@
       </p:sp>
       <p:pic>
         <p:nvPicPr>
-          <p:cNvPr id="331" name="Imagen 3" descr=""/>
+          <p:cNvPr id="334" name="Imagen 3" descr=""/>
           <p:cNvPicPr/>
           <p:nvPr/>
         </p:nvPicPr>
@@ -16029,8 +16085,8 @@
         </p:blipFill>
         <p:spPr>
           <a:xfrm>
-            <a:off x="3092760" y="1040040"/>
-            <a:ext cx="5469120" cy="663840"/>
+            <a:off x="3092760" y="905760"/>
+            <a:ext cx="5006880" cy="606960"/>
           </a:xfrm>
           <a:prstGeom prst="rect">
             <a:avLst/>
@@ -16042,14 +16098,14 @@
       </p:pic>
       <p:sp>
         <p:nvSpPr>
-          <p:cNvPr id="332" name="CustomShape 3"/>
+          <p:cNvPr id="335" name="CustomShape 3"/>
           <p:cNvSpPr/>
           <p:nvPr/>
         </p:nvSpPr>
         <p:spPr>
           <a:xfrm>
-            <a:off x="186120" y="1880280"/>
-            <a:ext cx="13999320" cy="2267640"/>
+            <a:off x="360000" y="1502280"/>
+            <a:ext cx="11139840" cy="1919160"/>
           </a:xfrm>
           <a:prstGeom prst="rect">
             <a:avLst/>
@@ -16076,16 +16132,16 @@
               </a:lnSpc>
             </a:pPr>
             <a:r>
-              <a:rPr b="0" lang="es-MX" sz="2300" spc="-1" strike="noStrike">
+              <a:rPr b="0" lang="es-MX" sz="2000" spc="-1" strike="noStrike">
                 <a:solidFill>
                   <a:srgbClr val="000000"/>
                 </a:solidFill>
                 <a:latin typeface="Calibri"/>
                 <a:ea typeface="DejaVu Sans"/>
               </a:rPr>
-              <a:t>Como el arreglo intary es de tamaño 100, y en la función index_to_moon se </a:t>
-            </a:r>
-            <a:endParaRPr b="0" lang="es-MX" sz="2300" spc="-1" strike="noStrike">
+              <a:t>Como el arreglo intary es de tamaño 100, y en la función index_to_moon se colocó un</a:t>
+            </a:r>
+            <a:endParaRPr b="0" lang="es-MX" sz="2000" spc="-1" strike="noStrike">
               <a:latin typeface="Arial"/>
             </a:endParaRPr>
           </a:p>
@@ -16096,16 +16152,16 @@
               </a:lnSpc>
             </a:pPr>
             <a:r>
-              <a:rPr b="0" lang="es-MX" sz="2300" spc="-1" strike="noStrike">
+              <a:rPr b="0" lang="es-MX" sz="2000" spc="-1" strike="noStrike">
                 <a:solidFill>
                   <a:srgbClr val="000000"/>
                 </a:solidFill>
                 <a:latin typeface="Calibri"/>
                 <a:ea typeface="DejaVu Sans"/>
               </a:rPr>
-              <a:t>colocó un breakpoint condicional con expresión i &gt; 99, si el programa se detie-</a:t>
-            </a:r>
-            <a:endParaRPr b="0" lang="es-MX" sz="2300" spc="-1" strike="noStrike">
+              <a:t>breakpoint condicional con expresión i &gt; 99, si el programa se detiene en ese punto </a:t>
+            </a:r>
+            <a:endParaRPr b="0" lang="es-MX" sz="2000" spc="-1" strike="noStrike">
               <a:latin typeface="Arial"/>
             </a:endParaRPr>
           </a:p>
@@ -16116,16 +16172,16 @@
               </a:lnSpc>
             </a:pPr>
             <a:r>
-              <a:rPr b="0" lang="es-MX" sz="2300" spc="-1" strike="noStrike">
+              <a:rPr b="0" lang="es-MX" sz="2000" spc="-1" strike="noStrike">
                 <a:solidFill>
                   <a:srgbClr val="000000"/>
                 </a:solidFill>
                 <a:latin typeface="Calibri"/>
                 <a:ea typeface="DejaVu Sans"/>
               </a:rPr>
-              <a:t>ne en ese punto de ruptura, significa que en la función se está tratando de </a:t>
-            </a:r>
-            <a:endParaRPr b="0" lang="es-MX" sz="2300" spc="-1" strike="noStrike">
+              <a:t>de ruptura, significa que en la función se está tratando de acceder a una localidad de</a:t>
+            </a:r>
+            <a:endParaRPr b="0" lang="es-MX" sz="2000" spc="-1" strike="noStrike">
               <a:latin typeface="Arial"/>
             </a:endParaRPr>
           </a:p>
@@ -16136,16 +16192,16 @@
               </a:lnSpc>
             </a:pPr>
             <a:r>
-              <a:rPr b="0" lang="es-MX" sz="2300" spc="-1" strike="noStrike">
+              <a:rPr b="0" lang="es-MX" sz="2000" spc="-1" strike="noStrike">
                 <a:solidFill>
                   <a:srgbClr val="000000"/>
                 </a:solidFill>
                 <a:latin typeface="Calibri"/>
                 <a:ea typeface="DejaVu Sans"/>
               </a:rPr>
-              <a:t>acceder a una localidad de memoría que ya no pertenece al arreglo que se </a:t>
-            </a:r>
-            <a:endParaRPr b="0" lang="es-MX" sz="2300" spc="-1" strike="noStrike">
+              <a:t>memoria que ya no pertenece al arreglo que se pasó como argumento. Después de </a:t>
+            </a:r>
+            <a:endParaRPr b="0" lang="es-MX" sz="2000" spc="-1" strike="noStrike">
               <a:latin typeface="Arial"/>
             </a:endParaRPr>
           </a:p>
@@ -16156,16 +16212,16 @@
               </a:lnSpc>
             </a:pPr>
             <a:r>
-              <a:rPr b="0" lang="es-MX" sz="2300" spc="-1" strike="noStrike">
+              <a:rPr b="0" lang="es-MX" sz="2000" spc="-1" strike="noStrike">
                 <a:solidFill>
                   <a:srgbClr val="000000"/>
                 </a:solidFill>
                 <a:latin typeface="Calibri"/>
                 <a:ea typeface="DejaVu Sans"/>
               </a:rPr>
-              <a:t>pasó como argumento. Después de eso, se detiene la ejecución del programa </a:t>
-            </a:r>
-            <a:endParaRPr b="0" lang="es-MX" sz="2300" spc="-1" strike="noStrike">
+              <a:t>eso, se detiene la ejecución del programa (clic en el botón que tiene la equis blanca </a:t>
+            </a:r>
+            <a:endParaRPr b="0" lang="es-MX" sz="2000" spc="-1" strike="noStrike">
               <a:latin typeface="Arial"/>
             </a:endParaRPr>
           </a:p>
@@ -16176,26 +16232,16 @@
               </a:lnSpc>
             </a:pPr>
             <a:r>
-              <a:rPr b="0" lang="es-MX" sz="2300" spc="-1" strike="noStrike">
+              <a:rPr b="0" lang="es-MX" sz="2000" spc="-1" strike="noStrike">
                 <a:solidFill>
                   <a:srgbClr val="000000"/>
                 </a:solidFill>
                 <a:latin typeface="Calibri"/>
                 <a:ea typeface="DejaVu Sans"/>
               </a:rPr>
-              <a:t>(clic en el botón que tiene la equis blanca con fondo rojo).</a:t>
-            </a:r>
-            <a:r>
-              <a:rPr b="0" lang="es-MX" sz="2800" spc="-1" strike="noStrike">
-                <a:solidFill>
-                  <a:srgbClr val="000000"/>
-                </a:solidFill>
-                <a:latin typeface="Calibri"/>
-                <a:ea typeface="DejaVu Sans"/>
-              </a:rPr>
-              <a:t>                                             . </a:t>
-            </a:r>
-            <a:endParaRPr b="0" lang="es-MX" sz="2800" spc="-1" strike="noStrike">
+              <a:t>con fondo rojo).</a:t>
+            </a:r>
+            <a:endParaRPr b="0" lang="es-MX" sz="2000" spc="-1" strike="noStrike">
               <a:latin typeface="Arial"/>
             </a:endParaRPr>
           </a:p>
@@ -16203,7 +16249,7 @@
       </p:sp>
       <p:pic>
         <p:nvPicPr>
-          <p:cNvPr id="333" name="Imagen 7" descr=""/>
+          <p:cNvPr id="336" name="Imagen 7" descr=""/>
           <p:cNvPicPr/>
           <p:nvPr/>
         </p:nvPicPr>
@@ -16213,8 +16259,32 @@
         </p:blipFill>
         <p:spPr>
           <a:xfrm>
-            <a:off x="3405600" y="4522680"/>
-            <a:ext cx="5518440" cy="600480"/>
+            <a:off x="6480000" y="3569040"/>
+            <a:ext cx="4679640" cy="508680"/>
+          </a:xfrm>
+          <a:prstGeom prst="rect">
+            <a:avLst/>
+          </a:prstGeom>
+          <a:ln w="0">
+            <a:noFill/>
+          </a:ln>
+        </p:spPr>
+      </p:pic>
+      <p:pic>
+        <p:nvPicPr>
+          <p:cNvPr id="337" name="Imagen 1_0" descr=""/>
+          <p:cNvPicPr/>
+          <p:nvPr/>
+        </p:nvPicPr>
+        <p:blipFill>
+          <a:blip r:embed="rId3"/>
+          <a:srcRect l="0" t="14491" r="0" b="0"/>
+          <a:stretch/>
+        </p:blipFill>
+        <p:spPr>
+          <a:xfrm>
+            <a:off x="432000" y="3592080"/>
+            <a:ext cx="4888800" cy="3077640"/>
           </a:xfrm>
           <a:prstGeom prst="rect">
             <a:avLst/>
@@ -16263,7 +16333,7 @@
         <p:spPr>
           <a:xfrm>
             <a:off x="360000" y="0"/>
-            <a:ext cx="11698920" cy="1324080"/>
+            <a:ext cx="11698200" cy="1323360"/>
           </a:xfrm>
           <a:prstGeom prst="rect">
             <a:avLst/>
@@ -16318,7 +16388,7 @@
         <p:spPr>
           <a:xfrm>
             <a:off x="348120" y="1268280"/>
-            <a:ext cx="11350800" cy="1974960"/>
+            <a:ext cx="11350080" cy="1974240"/>
           </a:xfrm>
           <a:prstGeom prst="rect">
             <a:avLst/>
@@ -16337,7 +16407,7 @@
         <p:spPr>
           <a:xfrm>
             <a:off x="271440" y="3451680"/>
-            <a:ext cx="11303640" cy="1309320"/>
+            <a:ext cx="11303280" cy="1309320"/>
           </a:xfrm>
           <a:prstGeom prst="rect">
             <a:avLst/>
@@ -16489,9 +16559,140 @@
           <a:chExt cx="0" cy="0"/>
         </a:xfrm>
       </p:grpSpPr>
+      <p:sp>
+        <p:nvSpPr>
+          <p:cNvPr id="338" name="CustomShape 1"/>
+          <p:cNvSpPr/>
+          <p:nvPr/>
+        </p:nvSpPr>
+        <p:spPr>
+          <a:xfrm>
+            <a:off x="396360" y="492480"/>
+            <a:ext cx="11693520" cy="1918440"/>
+          </a:xfrm>
+          <a:prstGeom prst="rect">
+            <a:avLst/>
+          </a:prstGeom>
+          <a:noFill/>
+          <a:ln w="0">
+            <a:noFill/>
+          </a:ln>
+        </p:spPr>
+        <p:style>
+          <a:lnRef idx="0"/>
+          <a:fillRef idx="0"/>
+          <a:effectRef idx="0"/>
+          <a:fontRef idx="minor"/>
+        </p:style>
+        <p:txBody>
+          <a:bodyPr wrap="none" lIns="90000" rIns="90000" tIns="45000" bIns="45000">
+            <a:spAutoFit/>
+          </a:bodyPr>
+          <a:p>
+            <a:pPr>
+              <a:lnSpc>
+                <a:spcPct val="100000"/>
+              </a:lnSpc>
+            </a:pPr>
+            <a:r>
+              <a:rPr b="0" lang="es-MX" sz="2400" spc="-1" strike="noStrike">
+                <a:solidFill>
+                  <a:srgbClr val="000000"/>
+                </a:solidFill>
+                <a:latin typeface="Calibri"/>
+                <a:ea typeface="DejaVu Sans"/>
+              </a:rPr>
+              <a:t>Entonces el problema es uno de los dos siguientes: el arreglo debió ser </a:t>
+            </a:r>
+            <a:endParaRPr b="0" lang="es-MX" sz="2400" spc="-1" strike="noStrike">
+              <a:latin typeface="Arial"/>
+            </a:endParaRPr>
+          </a:p>
+          <a:p>
+            <a:pPr>
+              <a:lnSpc>
+                <a:spcPct val="100000"/>
+              </a:lnSpc>
+            </a:pPr>
+            <a:r>
+              <a:rPr b="0" lang="es-MX" sz="2400" spc="-1" strike="noStrike">
+                <a:solidFill>
+                  <a:srgbClr val="000000"/>
+                </a:solidFill>
+                <a:latin typeface="Calibri"/>
+                <a:ea typeface="DejaVu Sans"/>
+              </a:rPr>
+              <a:t>de un tamaño más grande, o en la función no se debe acceder a ese </a:t>
+            </a:r>
+            <a:endParaRPr b="0" lang="es-MX" sz="2400" spc="-1" strike="noStrike">
+              <a:latin typeface="Arial"/>
+            </a:endParaRPr>
+          </a:p>
+          <a:p>
+            <a:pPr>
+              <a:lnSpc>
+                <a:spcPct val="100000"/>
+              </a:lnSpc>
+            </a:pPr>
+            <a:r>
+              <a:rPr b="0" lang="es-MX" sz="2400" spc="-1" strike="noStrike">
+                <a:solidFill>
+                  <a:srgbClr val="000000"/>
+                </a:solidFill>
+                <a:latin typeface="Calibri"/>
+                <a:ea typeface="DejaVu Sans"/>
+              </a:rPr>
+              <a:t>índice tan elevado. En el segundo caso, la solución consiste en asegurarse </a:t>
+            </a:r>
+            <a:endParaRPr b="0" lang="es-MX" sz="2400" spc="-1" strike="noStrike">
+              <a:latin typeface="Arial"/>
+            </a:endParaRPr>
+          </a:p>
+          <a:p>
+            <a:pPr>
+              <a:lnSpc>
+                <a:spcPct val="100000"/>
+              </a:lnSpc>
+            </a:pPr>
+            <a:r>
+              <a:rPr b="0" lang="es-MX" sz="2400" spc="-1" strike="noStrike">
+                <a:solidFill>
+                  <a:srgbClr val="000000"/>
+                </a:solidFill>
+                <a:latin typeface="Calibri"/>
+                <a:ea typeface="DejaVu Sans"/>
+              </a:rPr>
+              <a:t>de que no se escriba en el arreglo con un índice mayor que el tamaño del </a:t>
+            </a:r>
+            <a:endParaRPr b="0" lang="es-MX" sz="2400" spc="-1" strike="noStrike">
+              <a:latin typeface="Arial"/>
+            </a:endParaRPr>
+          </a:p>
+          <a:p>
+            <a:pPr>
+              <a:lnSpc>
+                <a:spcPct val="100000"/>
+              </a:lnSpc>
+            </a:pPr>
+            <a:r>
+              <a:rPr b="0" lang="es-MX" sz="2400" spc="-1" strike="noStrike">
+                <a:solidFill>
+                  <a:srgbClr val="000000"/>
+                </a:solidFill>
+                <a:latin typeface="Calibri"/>
+                <a:ea typeface="DejaVu Sans"/>
+              </a:rPr>
+              <a:t>arreglo menos 1. Es decir, cambiando</a:t>
+            </a:r>
+            <a:endParaRPr b="0" lang="es-MX" sz="2400" spc="-1" strike="noStrike">
+              <a:latin typeface="Arial"/>
+            </a:endParaRPr>
+          </a:p>
+        </p:txBody>
+      </p:sp>
       <p:pic>
         <p:nvPicPr>
-          <p:cNvPr id="334" name="Imagen 1" descr=""/>
+          <p:cNvPr id="339" name="Imagen 6" descr=""/>
           <p:cNvPicPr/>
           <p:nvPr/>
         </p:nvPicPr>
@@ -16501,8 +16702,8 @@
         </p:blipFill>
         <p:spPr>
           <a:xfrm>
-            <a:off x="1800000" y="360000"/>
-            <a:ext cx="8497800" cy="6257160"/>
+            <a:off x="3586320" y="2739240"/>
+            <a:ext cx="5866920" cy="476280"/>
           </a:xfrm>
           <a:prstGeom prst="rect">
             <a:avLst/>
@@ -16512,6 +16713,191 @@
           </a:ln>
         </p:spPr>
       </p:pic>
+      <p:pic>
+        <p:nvPicPr>
+          <p:cNvPr id="340" name="Imagen 7" descr=""/>
+          <p:cNvPicPr/>
+          <p:nvPr/>
+        </p:nvPicPr>
+        <p:blipFill>
+          <a:blip r:embed="rId2"/>
+          <a:stretch/>
+        </p:blipFill>
+        <p:spPr>
+          <a:xfrm>
+            <a:off x="3587760" y="3741120"/>
+            <a:ext cx="5501160" cy="462240"/>
+          </a:xfrm>
+          <a:prstGeom prst="rect">
+            <a:avLst/>
+          </a:prstGeom>
+          <a:ln w="0">
+            <a:noFill/>
+          </a:ln>
+        </p:spPr>
+      </p:pic>
+      <p:sp>
+        <p:nvSpPr>
+          <p:cNvPr id="341" name="CustomShape 2"/>
+          <p:cNvSpPr/>
+          <p:nvPr/>
+        </p:nvSpPr>
+        <p:spPr>
+          <a:xfrm>
+            <a:off x="773640" y="3218040"/>
+            <a:ext cx="753480" cy="455400"/>
+          </a:xfrm>
+          <a:prstGeom prst="rect">
+            <a:avLst/>
+          </a:prstGeom>
+          <a:noFill/>
+          <a:ln w="0">
+            <a:noFill/>
+          </a:ln>
+        </p:spPr>
+        <p:style>
+          <a:lnRef idx="0"/>
+          <a:fillRef idx="0"/>
+          <a:effectRef idx="0"/>
+          <a:fontRef idx="minor"/>
+        </p:style>
+        <p:txBody>
+          <a:bodyPr lIns="90000" rIns="90000" tIns="45000" bIns="45000">
+            <a:spAutoFit/>
+          </a:bodyPr>
+          <a:p>
+            <a:pPr>
+              <a:lnSpc>
+                <a:spcPct val="100000"/>
+              </a:lnSpc>
+            </a:pPr>
+            <a:r>
+              <a:rPr b="0" lang="es-MX" sz="2400" spc="-1" strike="noStrike">
+                <a:solidFill>
+                  <a:srgbClr val="000000"/>
+                </a:solidFill>
+                <a:latin typeface="Calibri"/>
+                <a:ea typeface="DejaVu Sans"/>
+              </a:rPr>
+              <a:t>por</a:t>
+            </a:r>
+            <a:endParaRPr b="0" lang="es-MX" sz="2400" spc="-1" strike="noStrike">
+              <a:latin typeface="Arial"/>
+            </a:endParaRPr>
+          </a:p>
+        </p:txBody>
+      </p:sp>
+      <p:sp>
+        <p:nvSpPr>
+          <p:cNvPr id="342" name="CustomShape 3"/>
+          <p:cNvSpPr/>
+          <p:nvPr/>
+        </p:nvSpPr>
+        <p:spPr>
+          <a:xfrm>
+            <a:off x="434880" y="4536720"/>
+            <a:ext cx="11521080" cy="1552680"/>
+          </a:xfrm>
+          <a:prstGeom prst="rect">
+            <a:avLst/>
+          </a:prstGeom>
+          <a:noFill/>
+          <a:ln w="0">
+            <a:noFill/>
+          </a:ln>
+        </p:spPr>
+        <p:style>
+          <a:lnRef idx="0"/>
+          <a:fillRef idx="0"/>
+          <a:effectRef idx="0"/>
+          <a:fontRef idx="minor"/>
+        </p:style>
+        <p:txBody>
+          <a:bodyPr wrap="none" lIns="90000" rIns="90000" tIns="45000" bIns="45000">
+            <a:spAutoFit/>
+          </a:bodyPr>
+          <a:p>
+            <a:pPr>
+              <a:lnSpc>
+                <a:spcPct val="100000"/>
+              </a:lnSpc>
+            </a:pPr>
+            <a:r>
+              <a:rPr b="0" lang="es-MX" sz="2400" spc="-1" strike="noStrike">
+                <a:solidFill>
+                  <a:srgbClr val="000000"/>
+                </a:solidFill>
+                <a:latin typeface="Calibri"/>
+                <a:ea typeface="DejaVu Sans"/>
+              </a:rPr>
+              <a:t>Después de hacer este cambio se reconstruye el programa, se ejecuta </a:t>
+            </a:r>
+            <a:endParaRPr b="0" lang="es-MX" sz="2400" spc="-1" strike="noStrike">
+              <a:latin typeface="Arial"/>
+            </a:endParaRPr>
+          </a:p>
+          <a:p>
+            <a:pPr>
+              <a:lnSpc>
+                <a:spcPct val="100000"/>
+              </a:lnSpc>
+            </a:pPr>
+            <a:r>
+              <a:rPr b="0" lang="es-MX" sz="2400" spc="-1" strike="noStrike">
+                <a:solidFill>
+                  <a:srgbClr val="000000"/>
+                </a:solidFill>
+                <a:latin typeface="Calibri"/>
+                <a:ea typeface="DejaVu Sans"/>
+              </a:rPr>
+              <a:t>nuevamente para comprobar que esta vez el programa no se detiene en </a:t>
+            </a:r>
+            <a:endParaRPr b="0" lang="es-MX" sz="2400" spc="-1" strike="noStrike">
+              <a:latin typeface="Arial"/>
+            </a:endParaRPr>
+          </a:p>
+          <a:p>
+            <a:pPr>
+              <a:lnSpc>
+                <a:spcPct val="100000"/>
+              </a:lnSpc>
+            </a:pPr>
+            <a:r>
+              <a:rPr b="0" lang="es-MX" sz="2400" spc="-1" strike="noStrike">
+                <a:solidFill>
+                  <a:srgbClr val="000000"/>
+                </a:solidFill>
+                <a:latin typeface="Calibri"/>
+                <a:ea typeface="DejaVu Sans"/>
+              </a:rPr>
+              <a:t>el punto de ruptura en el que se detuvo antes. En la siguiente diapositiva </a:t>
+            </a:r>
+            <a:endParaRPr b="0" lang="es-MX" sz="2400" spc="-1" strike="noStrike">
+              <a:latin typeface="Arial"/>
+            </a:endParaRPr>
+          </a:p>
+          <a:p>
+            <a:pPr>
+              <a:lnSpc>
+                <a:spcPct val="100000"/>
+              </a:lnSpc>
+            </a:pPr>
+            <a:r>
+              <a:rPr b="0" lang="es-MX" sz="2400" spc="-1" strike="noStrike">
+                <a:solidFill>
+                  <a:srgbClr val="000000"/>
+                </a:solidFill>
+                <a:latin typeface="Calibri"/>
+                <a:ea typeface="DejaVu Sans"/>
+              </a:rPr>
+              <a:t>se muestra una ejecución en el debugger después cambio indicado.</a:t>
+            </a:r>
+            <a:endParaRPr b="0" lang="es-MX" sz="2400" spc="-1" strike="noStrike">
+              <a:latin typeface="Arial"/>
+            </a:endParaRPr>
+          </a:p>
+        </p:txBody>
+      </p:sp>
     </p:spTree>
   </p:cSld>
   <mc:AlternateContent>
@@ -16542,140 +16928,9 @@
           <a:chExt cx="0" cy="0"/>
         </a:xfrm>
       </p:grpSpPr>
-      <p:sp>
-        <p:nvSpPr>
-          <p:cNvPr id="335" name="CustomShape 1"/>
-          <p:cNvSpPr/>
-          <p:nvPr/>
-        </p:nvSpPr>
-        <p:spPr>
-          <a:xfrm>
-            <a:off x="396360" y="492480"/>
-            <a:ext cx="11693520" cy="1918440"/>
-          </a:xfrm>
-          <a:prstGeom prst="rect">
-            <a:avLst/>
-          </a:prstGeom>
-          <a:noFill/>
-          <a:ln w="0">
-            <a:noFill/>
-          </a:ln>
-        </p:spPr>
-        <p:style>
-          <a:lnRef idx="0"/>
-          <a:fillRef idx="0"/>
-          <a:effectRef idx="0"/>
-          <a:fontRef idx="minor"/>
-        </p:style>
-        <p:txBody>
-          <a:bodyPr wrap="none" lIns="90000" rIns="90000" tIns="45000" bIns="45000">
-            <a:spAutoFit/>
-          </a:bodyPr>
-          <a:p>
-            <a:pPr>
-              <a:lnSpc>
-                <a:spcPct val="100000"/>
-              </a:lnSpc>
-            </a:pPr>
-            <a:r>
-              <a:rPr b="0" lang="es-MX" sz="2400" spc="-1" strike="noStrike">
-                <a:solidFill>
-                  <a:srgbClr val="000000"/>
-                </a:solidFill>
-                <a:latin typeface="Calibri"/>
-                <a:ea typeface="DejaVu Sans"/>
-              </a:rPr>
-              <a:t>Entonces el problema es uno de los dos siguientes: el arreglo debió ser </a:t>
-            </a:r>
-            <a:endParaRPr b="0" lang="es-MX" sz="2400" spc="-1" strike="noStrike">
-              <a:latin typeface="Arial"/>
-            </a:endParaRPr>
-          </a:p>
-          <a:p>
-            <a:pPr>
-              <a:lnSpc>
-                <a:spcPct val="100000"/>
-              </a:lnSpc>
-            </a:pPr>
-            <a:r>
-              <a:rPr b="0" lang="es-MX" sz="2400" spc="-1" strike="noStrike">
-                <a:solidFill>
-                  <a:srgbClr val="000000"/>
-                </a:solidFill>
-                <a:latin typeface="Calibri"/>
-                <a:ea typeface="DejaVu Sans"/>
-              </a:rPr>
-              <a:t>de un tamaño más grande, o en la función no se debe acceder a ese </a:t>
-            </a:r>
-            <a:endParaRPr b="0" lang="es-MX" sz="2400" spc="-1" strike="noStrike">
-              <a:latin typeface="Arial"/>
-            </a:endParaRPr>
-          </a:p>
-          <a:p>
-            <a:pPr>
-              <a:lnSpc>
-                <a:spcPct val="100000"/>
-              </a:lnSpc>
-            </a:pPr>
-            <a:r>
-              <a:rPr b="0" lang="es-MX" sz="2400" spc="-1" strike="noStrike">
-                <a:solidFill>
-                  <a:srgbClr val="000000"/>
-                </a:solidFill>
-                <a:latin typeface="Calibri"/>
-                <a:ea typeface="DejaVu Sans"/>
-              </a:rPr>
-              <a:t>índice tan elevado. En el segundo caso, la solución consiste en asegurarse </a:t>
-            </a:r>
-            <a:endParaRPr b="0" lang="es-MX" sz="2400" spc="-1" strike="noStrike">
-              <a:latin typeface="Arial"/>
-            </a:endParaRPr>
-          </a:p>
-          <a:p>
-            <a:pPr>
-              <a:lnSpc>
-                <a:spcPct val="100000"/>
-              </a:lnSpc>
-            </a:pPr>
-            <a:r>
-              <a:rPr b="0" lang="es-MX" sz="2400" spc="-1" strike="noStrike">
-                <a:solidFill>
-                  <a:srgbClr val="000000"/>
-                </a:solidFill>
-                <a:latin typeface="Calibri"/>
-                <a:ea typeface="DejaVu Sans"/>
-              </a:rPr>
-              <a:t>de que no se escriba en el arreglo con un índice mayor que el tamaño del </a:t>
-            </a:r>
-            <a:endParaRPr b="0" lang="es-MX" sz="2400" spc="-1" strike="noStrike">
-              <a:latin typeface="Arial"/>
-            </a:endParaRPr>
-          </a:p>
-          <a:p>
-            <a:pPr>
-              <a:lnSpc>
-                <a:spcPct val="100000"/>
-              </a:lnSpc>
-            </a:pPr>
-            <a:r>
-              <a:rPr b="0" lang="es-MX" sz="2400" spc="-1" strike="noStrike">
-                <a:solidFill>
-                  <a:srgbClr val="000000"/>
-                </a:solidFill>
-                <a:latin typeface="Calibri"/>
-                <a:ea typeface="DejaVu Sans"/>
-              </a:rPr>
-              <a:t>arreglo menos 1. Es decir, cambiando</a:t>
-            </a:r>
-            <a:endParaRPr b="0" lang="es-MX" sz="2400" spc="-1" strike="noStrike">
-              <a:latin typeface="Arial"/>
-            </a:endParaRPr>
-          </a:p>
-        </p:txBody>
-      </p:sp>
       <p:pic>
         <p:nvPicPr>
-          <p:cNvPr id="336" name="Imagen 6" descr=""/>
+          <p:cNvPr id="343" name="Imagen 1" descr=""/>
           <p:cNvPicPr/>
           <p:nvPr/>
         </p:nvPicPr>
@@ -16685,8 +16940,8 @@
         </p:blipFill>
         <p:spPr>
           <a:xfrm>
-            <a:off x="3586320" y="2739240"/>
-            <a:ext cx="5867640" cy="477000"/>
+            <a:off x="1949760" y="196560"/>
+            <a:ext cx="8535960" cy="6447600"/>
           </a:xfrm>
           <a:prstGeom prst="rect">
             <a:avLst/>
@@ -16696,191 +16951,6 @@
           </a:ln>
         </p:spPr>
       </p:pic>
-      <p:pic>
-        <p:nvPicPr>
-          <p:cNvPr id="337" name="Imagen 7" descr=""/>
-          <p:cNvPicPr/>
-          <p:nvPr/>
-        </p:nvPicPr>
-        <p:blipFill>
-          <a:blip r:embed="rId2"/>
-          <a:stretch/>
-        </p:blipFill>
-        <p:spPr>
-          <a:xfrm>
-            <a:off x="3587760" y="3741120"/>
-            <a:ext cx="5501880" cy="462960"/>
-          </a:xfrm>
-          <a:prstGeom prst="rect">
-            <a:avLst/>
-          </a:prstGeom>
-          <a:ln w="0">
-            <a:noFill/>
-          </a:ln>
-        </p:spPr>
-      </p:pic>
-      <p:sp>
-        <p:nvSpPr>
-          <p:cNvPr id="338" name="CustomShape 2"/>
-          <p:cNvSpPr/>
-          <p:nvPr/>
-        </p:nvSpPr>
-        <p:spPr>
-          <a:xfrm>
-            <a:off x="773640" y="3218040"/>
-            <a:ext cx="754200" cy="455400"/>
-          </a:xfrm>
-          <a:prstGeom prst="rect">
-            <a:avLst/>
-          </a:prstGeom>
-          <a:noFill/>
-          <a:ln w="0">
-            <a:noFill/>
-          </a:ln>
-        </p:spPr>
-        <p:style>
-          <a:lnRef idx="0"/>
-          <a:fillRef idx="0"/>
-          <a:effectRef idx="0"/>
-          <a:fontRef idx="minor"/>
-        </p:style>
-        <p:txBody>
-          <a:bodyPr lIns="90000" rIns="90000" tIns="45000" bIns="45000">
-            <a:spAutoFit/>
-          </a:bodyPr>
-          <a:p>
-            <a:pPr>
-              <a:lnSpc>
-                <a:spcPct val="100000"/>
-              </a:lnSpc>
-            </a:pPr>
-            <a:r>
-              <a:rPr b="0" lang="es-MX" sz="2400" spc="-1" strike="noStrike">
-                <a:solidFill>
-                  <a:srgbClr val="000000"/>
-                </a:solidFill>
-                <a:latin typeface="Calibri"/>
-                <a:ea typeface="DejaVu Sans"/>
-              </a:rPr>
-              <a:t>por</a:t>
-            </a:r>
-            <a:endParaRPr b="0" lang="es-MX" sz="2400" spc="-1" strike="noStrike">
-              <a:latin typeface="Arial"/>
-            </a:endParaRPr>
-          </a:p>
-        </p:txBody>
-      </p:sp>
-      <p:sp>
-        <p:nvSpPr>
-          <p:cNvPr id="339" name="CustomShape 3"/>
-          <p:cNvSpPr/>
-          <p:nvPr/>
-        </p:nvSpPr>
-        <p:spPr>
-          <a:xfrm>
-            <a:off x="434880" y="4536720"/>
-            <a:ext cx="11521080" cy="1552680"/>
-          </a:xfrm>
-          <a:prstGeom prst="rect">
-            <a:avLst/>
-          </a:prstGeom>
-          <a:noFill/>
-          <a:ln w="0">
-            <a:noFill/>
-          </a:ln>
-        </p:spPr>
-        <p:style>
-          <a:lnRef idx="0"/>
-          <a:fillRef idx="0"/>
-          <a:effectRef idx="0"/>
-          <a:fontRef idx="minor"/>
-        </p:style>
-        <p:txBody>
-          <a:bodyPr wrap="none" lIns="90000" rIns="90000" tIns="45000" bIns="45000">
-            <a:spAutoFit/>
-          </a:bodyPr>
-          <a:p>
-            <a:pPr>
-              <a:lnSpc>
-                <a:spcPct val="100000"/>
-              </a:lnSpc>
-            </a:pPr>
-            <a:r>
-              <a:rPr b="0" lang="es-MX" sz="2400" spc="-1" strike="noStrike">
-                <a:solidFill>
-                  <a:srgbClr val="000000"/>
-                </a:solidFill>
-                <a:latin typeface="Calibri"/>
-                <a:ea typeface="DejaVu Sans"/>
-              </a:rPr>
-              <a:t>Después de hacer este cambio se reconstruye el programa, se ejecuta </a:t>
-            </a:r>
-            <a:endParaRPr b="0" lang="es-MX" sz="2400" spc="-1" strike="noStrike">
-              <a:latin typeface="Arial"/>
-            </a:endParaRPr>
-          </a:p>
-          <a:p>
-            <a:pPr>
-              <a:lnSpc>
-                <a:spcPct val="100000"/>
-              </a:lnSpc>
-            </a:pPr>
-            <a:r>
-              <a:rPr b="0" lang="es-MX" sz="2400" spc="-1" strike="noStrike">
-                <a:solidFill>
-                  <a:srgbClr val="000000"/>
-                </a:solidFill>
-                <a:latin typeface="Calibri"/>
-                <a:ea typeface="DejaVu Sans"/>
-              </a:rPr>
-              <a:t>nuevamente para comprobar que esta vez el programa no se detiene en </a:t>
-            </a:r>
-            <a:endParaRPr b="0" lang="es-MX" sz="2400" spc="-1" strike="noStrike">
-              <a:latin typeface="Arial"/>
-            </a:endParaRPr>
-          </a:p>
-          <a:p>
-            <a:pPr>
-              <a:lnSpc>
-                <a:spcPct val="100000"/>
-              </a:lnSpc>
-            </a:pPr>
-            <a:r>
-              <a:rPr b="0" lang="es-MX" sz="2400" spc="-1" strike="noStrike">
-                <a:solidFill>
-                  <a:srgbClr val="000000"/>
-                </a:solidFill>
-                <a:latin typeface="Calibri"/>
-                <a:ea typeface="DejaVu Sans"/>
-              </a:rPr>
-              <a:t>el punto de ruptura en el que se detuvo antes. En la siguiente diapositiva </a:t>
-            </a:r>
-            <a:endParaRPr b="0" lang="es-MX" sz="2400" spc="-1" strike="noStrike">
-              <a:latin typeface="Arial"/>
-            </a:endParaRPr>
-          </a:p>
-          <a:p>
-            <a:pPr>
-              <a:lnSpc>
-                <a:spcPct val="100000"/>
-              </a:lnSpc>
-            </a:pPr>
-            <a:r>
-              <a:rPr b="0" lang="es-MX" sz="2400" spc="-1" strike="noStrike">
-                <a:solidFill>
-                  <a:srgbClr val="000000"/>
-                </a:solidFill>
-                <a:latin typeface="Calibri"/>
-                <a:ea typeface="DejaVu Sans"/>
-              </a:rPr>
-              <a:t>se muestra una ejecución en el debugger después cambio indicado.</a:t>
-            </a:r>
-            <a:endParaRPr b="0" lang="es-MX" sz="2400" spc="-1" strike="noStrike">
-              <a:latin typeface="Arial"/>
-            </a:endParaRPr>
-          </a:p>
-        </p:txBody>
-      </p:sp>
     </p:spTree>
   </p:cSld>
   <mc:AlternateContent>
@@ -16911,29 +16981,77 @@
           <a:chExt cx="0" cy="0"/>
         </a:xfrm>
       </p:grpSpPr>
-      <p:pic>
-        <p:nvPicPr>
-          <p:cNvPr id="340" name="Imagen 1" descr=""/>
-          <p:cNvPicPr/>
+      <p:sp>
+        <p:nvSpPr>
+          <p:cNvPr id="344" name="CustomShape 1"/>
+          <p:cNvSpPr/>
           <p:nvPr/>
-        </p:nvPicPr>
-        <p:blipFill>
-          <a:blip r:embed="rId1"/>
-          <a:stretch/>
-        </p:blipFill>
-        <p:spPr>
-          <a:xfrm>
-            <a:off x="1949760" y="196560"/>
-            <a:ext cx="8536680" cy="6448320"/>
-          </a:xfrm>
-          <a:prstGeom prst="rect">
-            <a:avLst/>
-          </a:prstGeom>
+        </p:nvSpPr>
+        <p:spPr>
+          <a:xfrm>
+            <a:off x="363600" y="721080"/>
+            <a:ext cx="11070000" cy="821160"/>
+          </a:xfrm>
+          <a:prstGeom prst="rect">
+            <a:avLst/>
+          </a:prstGeom>
+          <a:noFill/>
           <a:ln w="0">
             <a:noFill/>
           </a:ln>
         </p:spPr>
-      </p:pic>
+        <p:style>
+          <a:lnRef idx="0"/>
+          <a:fillRef idx="0"/>
+          <a:effectRef idx="0"/>
+          <a:fontRef idx="minor"/>
+        </p:style>
+        <p:txBody>
+          <a:bodyPr wrap="none" lIns="90000" rIns="90000" tIns="45000" bIns="45000">
+            <a:spAutoFit/>
+          </a:bodyPr>
+          <a:p>
+            <a:pPr>
+              <a:lnSpc>
+                <a:spcPct val="100000"/>
+              </a:lnSpc>
+            </a:pPr>
+            <a:r>
+              <a:rPr b="0" lang="es-MX" sz="2400" spc="-1" strike="noStrike">
+                <a:solidFill>
+                  <a:srgbClr val="000000"/>
+                </a:solidFill>
+                <a:latin typeface="Calibri"/>
+                <a:ea typeface="DejaVu Sans"/>
+              </a:rPr>
+              <a:t>Como el programa se detiene hasta el segundo punto de ruptura, esto </a:t>
+            </a:r>
+            <a:endParaRPr b="0" lang="es-MX" sz="2400" spc="-1" strike="noStrike">
+              <a:latin typeface="Arial"/>
+            </a:endParaRPr>
+          </a:p>
+          <a:p>
+            <a:pPr>
+              <a:lnSpc>
+                <a:spcPct val="100000"/>
+              </a:lnSpc>
+            </a:pPr>
+            <a:r>
+              <a:rPr b="0" lang="es-MX" sz="2400" spc="-1" strike="noStrike">
+                <a:solidFill>
+                  <a:srgbClr val="000000"/>
+                </a:solidFill>
+                <a:latin typeface="Calibri"/>
+                <a:ea typeface="DejaVu Sans"/>
+              </a:rPr>
+              <a:t>significa que el error que tenía el programa ha sido corregido.</a:t>
+            </a:r>
+            <a:endParaRPr b="0" lang="es-MX" sz="2400" spc="-1" strike="noStrike">
+              <a:latin typeface="Arial"/>
+            </a:endParaRPr>
+          </a:p>
+        </p:txBody>
+      </p:sp>
     </p:spTree>
   </p:cSld>
   <mc:AlternateContent>
@@ -16966,14 +17084,14 @@
       </p:grpSpPr>
       <p:sp>
         <p:nvSpPr>
-          <p:cNvPr id="341" name="CustomShape 1"/>
+          <p:cNvPr id="345" name="CustomShape 1"/>
           <p:cNvSpPr/>
           <p:nvPr/>
         </p:nvSpPr>
         <p:spPr>
           <a:xfrm>
-            <a:off x="363600" y="721080"/>
-            <a:ext cx="11070000" cy="821160"/>
+            <a:off x="502560" y="351360"/>
+            <a:ext cx="10513080" cy="1323000"/>
           </a:xfrm>
           <a:prstGeom prst="rect">
             <a:avLst/>
@@ -16990,6 +17108,57 @@
           <a:fontRef idx="minor"/>
         </p:style>
         <p:txBody>
+          <a:bodyPr lIns="90000" rIns="90000" tIns="45000" bIns="45000" anchor="ctr">
+            <a:noAutofit/>
+          </a:bodyPr>
+          <a:p>
+            <a:pPr>
+              <a:lnSpc>
+                <a:spcPct val="90000"/>
+              </a:lnSpc>
+            </a:pPr>
+            <a:r>
+              <a:rPr b="0" lang="es-MX" sz="4400" spc="-1" strike="noStrike">
+                <a:solidFill>
+                  <a:srgbClr val="000000"/>
+                </a:solidFill>
+                <a:latin typeface="Calibri Light"/>
+                <a:ea typeface="DejaVu Sans"/>
+              </a:rPr>
+              <a:t>1.4 Operadores</a:t>
+            </a:r>
+            <a:endParaRPr b="0" lang="es-MX" sz="4400" spc="-1" strike="noStrike">
+              <a:latin typeface="Arial"/>
+            </a:endParaRPr>
+          </a:p>
+        </p:txBody>
+      </p:sp>
+      <p:sp>
+        <p:nvSpPr>
+          <p:cNvPr id="346" name="CustomShape 2"/>
+          <p:cNvSpPr/>
+          <p:nvPr/>
+        </p:nvSpPr>
+        <p:spPr>
+          <a:xfrm>
+            <a:off x="559080" y="1828800"/>
+            <a:ext cx="10932840" cy="1552680"/>
+          </a:xfrm>
+          <a:prstGeom prst="rect">
+            <a:avLst/>
+          </a:prstGeom>
+          <a:noFill/>
+          <a:ln w="0">
+            <a:noFill/>
+          </a:ln>
+        </p:spPr>
+        <p:style>
+          <a:lnRef idx="0"/>
+          <a:fillRef idx="0"/>
+          <a:effectRef idx="0"/>
+          <a:fontRef idx="minor"/>
+        </p:style>
+        <p:txBody>
           <a:bodyPr wrap="none" lIns="90000" rIns="90000" tIns="45000" bIns="45000">
             <a:spAutoFit/>
           </a:bodyPr>
@@ -17007,7 +17176,7 @@
                 <a:latin typeface="Calibri"/>
                 <a:ea typeface="DejaVu Sans"/>
               </a:rPr>
-              <a:t>Como el programa se detiene hasta el segundo punto de ruptura, esto </a:t>
+              <a:t>Los operadores son caracteres que se utilizan en el lenguaje C para </a:t>
             </a:r>
             <a:endParaRPr b="0" lang="es-MX" sz="2400" spc="-1" strike="noStrike">
               <a:latin typeface="Arial"/>
@@ -17027,7 +17196,47 @@
                 <a:latin typeface="Calibri"/>
                 <a:ea typeface="DejaVu Sans"/>
               </a:rPr>
-              <a:t>significa que el error que tenía el programa ha sido corregido.</a:t>
+              <a:t>indicar que se deben realizar distintos tipos de operaciones con el </a:t>
+            </a:r>
+            <a:endParaRPr b="0" lang="es-MX" sz="2400" spc="-1" strike="noStrike">
+              <a:latin typeface="Arial"/>
+            </a:endParaRPr>
+          </a:p>
+          <a:p>
+            <a:pPr>
+              <a:lnSpc>
+                <a:spcPct val="100000"/>
+              </a:lnSpc>
+            </a:pPr>
+            <a:r>
+              <a:rPr b="0" lang="es-MX" sz="2400" spc="-1" strike="noStrike">
+                <a:solidFill>
+                  <a:srgbClr val="000000"/>
+                </a:solidFill>
+                <a:latin typeface="Calibri"/>
+                <a:ea typeface="DejaVu Sans"/>
+              </a:rPr>
+              <a:t>operando o los operandos que se requieren para realizar la operación </a:t>
+            </a:r>
+            <a:endParaRPr b="0" lang="es-MX" sz="2400" spc="-1" strike="noStrike">
+              <a:latin typeface="Arial"/>
+            </a:endParaRPr>
+          </a:p>
+          <a:p>
+            <a:pPr>
+              <a:lnSpc>
+                <a:spcPct val="100000"/>
+              </a:lnSpc>
+            </a:pPr>
+            <a:r>
+              <a:rPr b="0" lang="es-MX" sz="2400" spc="-1" strike="noStrike">
+                <a:solidFill>
+                  <a:srgbClr val="000000"/>
+                </a:solidFill>
+                <a:latin typeface="Calibri"/>
+                <a:ea typeface="DejaVu Sans"/>
+              </a:rPr>
+              <a:t>indicada por el caracter.</a:t>
             </a:r>
             <a:endParaRPr b="0" lang="es-MX" sz="2400" spc="-1" strike="noStrike">
               <a:latin typeface="Arial"/>
@@ -17067,14 +17276,14 @@
       </p:grpSpPr>
       <p:sp>
         <p:nvSpPr>
-          <p:cNvPr id="342" name="CustomShape 1"/>
+          <p:cNvPr id="347" name="CustomShape 1"/>
           <p:cNvSpPr/>
           <p:nvPr/>
         </p:nvSpPr>
         <p:spPr>
           <a:xfrm>
-            <a:off x="502560" y="351360"/>
-            <a:ext cx="10513800" cy="1323720"/>
+            <a:off x="820440" y="0"/>
+            <a:ext cx="10513080" cy="1323000"/>
           </a:xfrm>
           <a:prstGeom prst="rect">
             <a:avLst/>
@@ -17108,7 +17317,7 @@
                 <a:latin typeface="Calibri Light"/>
                 <a:ea typeface="DejaVu Sans"/>
               </a:rPr>
-              <a:t>1.4 Operadores</a:t>
+              <a:t>Operadores</a:t>
             </a:r>
             <a:endParaRPr b="0" lang="es-MX" sz="4400" spc="-1" strike="noStrike">
               <a:latin typeface="Arial"/>
@@ -17116,117 +17325,29 @@
           </a:p>
         </p:txBody>
       </p:sp>
-      <p:sp>
-        <p:nvSpPr>
-          <p:cNvPr id="343" name="CustomShape 2"/>
-          <p:cNvSpPr/>
+      <p:pic>
+        <p:nvPicPr>
+          <p:cNvPr id="348" name="Imagen 3" descr=""/>
+          <p:cNvPicPr/>
           <p:nvPr/>
-        </p:nvSpPr>
-        <p:spPr>
-          <a:xfrm>
-            <a:off x="559080" y="1828800"/>
-            <a:ext cx="10932840" cy="1552680"/>
-          </a:xfrm>
-          <a:prstGeom prst="rect">
-            <a:avLst/>
-          </a:prstGeom>
-          <a:noFill/>
+        </p:nvPicPr>
+        <p:blipFill>
+          <a:blip r:embed="rId1"/>
+          <a:stretch/>
+        </p:blipFill>
+        <p:spPr>
+          <a:xfrm>
+            <a:off x="2201040" y="880920"/>
+            <a:ext cx="7752240" cy="5816160"/>
+          </a:xfrm>
+          <a:prstGeom prst="rect">
+            <a:avLst/>
+          </a:prstGeom>
           <a:ln w="0">
             <a:noFill/>
           </a:ln>
         </p:spPr>
-        <p:style>
-          <a:lnRef idx="0"/>
-          <a:fillRef idx="0"/>
-          <a:effectRef idx="0"/>
-          <a:fontRef idx="minor"/>
-        </p:style>
-        <p:txBody>
-          <a:bodyPr wrap="none" lIns="90000" rIns="90000" tIns="45000" bIns="45000">
-            <a:spAutoFit/>
-          </a:bodyPr>
-          <a:p>
-            <a:pPr>
-              <a:lnSpc>
-                <a:spcPct val="100000"/>
-              </a:lnSpc>
-            </a:pPr>
-            <a:r>
-              <a:rPr b="0" lang="es-MX" sz="2400" spc="-1" strike="noStrike">
-                <a:solidFill>
-                  <a:srgbClr val="000000"/>
-                </a:solidFill>
-                <a:latin typeface="Calibri"/>
-                <a:ea typeface="DejaVu Sans"/>
-              </a:rPr>
-              <a:t>Los operadores son caracteres que se utilizan en el lenguaje C para </a:t>
-            </a:r>
-            <a:endParaRPr b="0" lang="es-MX" sz="2400" spc="-1" strike="noStrike">
-              <a:latin typeface="Arial"/>
-            </a:endParaRPr>
-          </a:p>
-          <a:p>
-            <a:pPr>
-              <a:lnSpc>
-                <a:spcPct val="100000"/>
-              </a:lnSpc>
-            </a:pPr>
-            <a:r>
-              <a:rPr b="0" lang="es-MX" sz="2400" spc="-1" strike="noStrike">
-                <a:solidFill>
-                  <a:srgbClr val="000000"/>
-                </a:solidFill>
-                <a:latin typeface="Calibri"/>
-                <a:ea typeface="DejaVu Sans"/>
-              </a:rPr>
-              <a:t>indicar que se deben realizar distintos tipos de operaciones con el </a:t>
-            </a:r>
-            <a:endParaRPr b="0" lang="es-MX" sz="2400" spc="-1" strike="noStrike">
-              <a:latin typeface="Arial"/>
-            </a:endParaRPr>
-          </a:p>
-          <a:p>
-            <a:pPr>
-              <a:lnSpc>
-                <a:spcPct val="100000"/>
-              </a:lnSpc>
-            </a:pPr>
-            <a:r>
-              <a:rPr b="0" lang="es-MX" sz="2400" spc="-1" strike="noStrike">
-                <a:solidFill>
-                  <a:srgbClr val="000000"/>
-                </a:solidFill>
-                <a:latin typeface="Calibri"/>
-                <a:ea typeface="DejaVu Sans"/>
-              </a:rPr>
-              <a:t>operando o los operandos que se requieren para realizar la operación </a:t>
-            </a:r>
-            <a:endParaRPr b="0" lang="es-MX" sz="2400" spc="-1" strike="noStrike">
-              <a:latin typeface="Arial"/>
-            </a:endParaRPr>
-          </a:p>
-          <a:p>
-            <a:pPr>
-              <a:lnSpc>
-                <a:spcPct val="100000"/>
-              </a:lnSpc>
-            </a:pPr>
-            <a:r>
-              <a:rPr b="0" lang="es-MX" sz="2400" spc="-1" strike="noStrike">
-                <a:solidFill>
-                  <a:srgbClr val="000000"/>
-                </a:solidFill>
-                <a:latin typeface="Calibri"/>
-                <a:ea typeface="DejaVu Sans"/>
-              </a:rPr>
-              <a:t>indicada por el caracter.</a:t>
-            </a:r>
-            <a:endParaRPr b="0" lang="es-MX" sz="2400" spc="-1" strike="noStrike">
-              <a:latin typeface="Arial"/>
-            </a:endParaRPr>
-          </a:p>
-        </p:txBody>
-      </p:sp>
+      </p:pic>
     </p:spTree>
   </p:cSld>
   <mc:AlternateContent>
@@ -17259,14 +17380,14 @@
       </p:grpSpPr>
       <p:sp>
         <p:nvSpPr>
-          <p:cNvPr id="344" name="CustomShape 1"/>
+          <p:cNvPr id="349" name="CustomShape 1"/>
           <p:cNvSpPr/>
           <p:nvPr/>
         </p:nvSpPr>
         <p:spPr>
           <a:xfrm>
-            <a:off x="820440" y="0"/>
-            <a:ext cx="10513800" cy="1323720"/>
+            <a:off x="873360" y="0"/>
+            <a:ext cx="10513080" cy="1323000"/>
           </a:xfrm>
           <a:prstGeom prst="rect">
             <a:avLst/>
@@ -17300,7 +17421,7 @@
                 <a:latin typeface="Calibri Light"/>
                 <a:ea typeface="DejaVu Sans"/>
               </a:rPr>
-              <a:t>Operadores</a:t>
+              <a:t>Operadores aritméticos</a:t>
             </a:r>
             <a:endParaRPr b="0" lang="es-MX" sz="4400" spc="-1" strike="noStrike">
               <a:latin typeface="Arial"/>
@@ -17310,7 +17431,7 @@
       </p:sp>
       <p:pic>
         <p:nvPicPr>
-          <p:cNvPr id="345" name="Imagen 3" descr=""/>
+          <p:cNvPr id="350" name="Imagen 3" descr=""/>
           <p:cNvPicPr/>
           <p:nvPr/>
         </p:nvPicPr>
@@ -17320,8 +17441,8 @@
         </p:blipFill>
         <p:spPr>
           <a:xfrm>
-            <a:off x="2201040" y="880920"/>
-            <a:ext cx="7752960" cy="5816880"/>
+            <a:off x="2273040" y="908280"/>
+            <a:ext cx="7713720" cy="5814720"/>
           </a:xfrm>
           <a:prstGeom prst="rect">
             <a:avLst/>
@@ -17363,14 +17484,14 @@
       </p:grpSpPr>
       <p:sp>
         <p:nvSpPr>
-          <p:cNvPr id="346" name="CustomShape 1"/>
+          <p:cNvPr id="351" name="CustomShape 1"/>
           <p:cNvSpPr/>
           <p:nvPr/>
         </p:nvSpPr>
         <p:spPr>
           <a:xfrm>
-            <a:off x="873360" y="0"/>
-            <a:ext cx="10513800" cy="1323720"/>
+            <a:off x="645480" y="360000"/>
+            <a:ext cx="10513080" cy="1323000"/>
           </a:xfrm>
           <a:prstGeom prst="rect">
             <a:avLst/>
@@ -17397,16 +17518,16 @@
               </a:lnSpc>
             </a:pPr>
             <a:r>
-              <a:rPr b="0" lang="es-MX" sz="4400" spc="-1" strike="noStrike">
+              <a:rPr b="0" lang="es-MX" sz="4000" spc="-1" strike="noStrike">
                 <a:solidFill>
                   <a:srgbClr val="000000"/>
                 </a:solidFill>
                 <a:latin typeface="Calibri Light"/>
                 <a:ea typeface="DejaVu Sans"/>
               </a:rPr>
-              <a:t>Operadores aritméticos</a:t>
-            </a:r>
-            <a:endParaRPr b="0" lang="es-MX" sz="4400" spc="-1" strike="noStrike">
+              <a:t>Ejemplo 10</a:t>
+            </a:r>
+            <a:endParaRPr b="0" lang="es-MX" sz="4000" spc="-1" strike="noStrike">
               <a:latin typeface="Arial"/>
             </a:endParaRPr>
           </a:p>
@@ -17414,7 +17535,7 @@
       </p:sp>
       <p:pic>
         <p:nvPicPr>
-          <p:cNvPr id="347" name="Imagen 3" descr=""/>
+          <p:cNvPr id="352" name="Imagen 3" descr=""/>
           <p:cNvPicPr/>
           <p:nvPr/>
         </p:nvPicPr>
@@ -17424,8 +17545,8 @@
         </p:blipFill>
         <p:spPr>
           <a:xfrm>
-            <a:off x="2273040" y="908280"/>
-            <a:ext cx="7714440" cy="5815440"/>
+            <a:off x="3707640" y="365040"/>
+            <a:ext cx="8321760" cy="6249600"/>
           </a:xfrm>
           <a:prstGeom prst="rect">
             <a:avLst/>
@@ -17467,14 +17588,14 @@
       </p:grpSpPr>
       <p:sp>
         <p:nvSpPr>
-          <p:cNvPr id="348" name="CustomShape 1"/>
+          <p:cNvPr id="353" name="CustomShape 1"/>
           <p:cNvSpPr/>
           <p:nvPr/>
         </p:nvSpPr>
         <p:spPr>
           <a:xfrm>
-            <a:off x="645480" y="360000"/>
-            <a:ext cx="10513800" cy="1323720"/>
+            <a:off x="677160" y="351720"/>
+            <a:ext cx="10513080" cy="1323000"/>
           </a:xfrm>
           <a:prstGeom prst="rect">
             <a:avLst/>
@@ -17508,7 +17629,7 @@
                 <a:latin typeface="Calibri Light"/>
                 <a:ea typeface="DejaVu Sans"/>
               </a:rPr>
-              <a:t>Ejemplo 10</a:t>
+              <a:t>Ejemplo 11</a:t>
             </a:r>
             <a:endParaRPr b="0" lang="es-MX" sz="4000" spc="-1" strike="noStrike">
               <a:latin typeface="Arial"/>
@@ -17518,7 +17639,7 @@
       </p:sp>
       <p:pic>
         <p:nvPicPr>
-          <p:cNvPr id="349" name="Imagen 3" descr=""/>
+          <p:cNvPr id="354" name="Imagen 3" descr=""/>
           <p:cNvPicPr/>
           <p:nvPr/>
         </p:nvPicPr>
@@ -17528,8 +17649,8 @@
         </p:blipFill>
         <p:spPr>
           <a:xfrm>
-            <a:off x="3707640" y="365040"/>
-            <a:ext cx="8322480" cy="6250320"/>
+            <a:off x="3632400" y="365040"/>
+            <a:ext cx="8433000" cy="6244200"/>
           </a:xfrm>
           <a:prstGeom prst="rect">
             <a:avLst/>
@@ -17571,14 +17692,14 @@
       </p:grpSpPr>
       <p:sp>
         <p:nvSpPr>
-          <p:cNvPr id="350" name="CustomShape 1"/>
+          <p:cNvPr id="355" name="CustomShape 1"/>
           <p:cNvSpPr/>
           <p:nvPr/>
         </p:nvSpPr>
         <p:spPr>
           <a:xfrm>
-            <a:off x="677160" y="351720"/>
-            <a:ext cx="10513800" cy="1323720"/>
+            <a:off x="838080" y="0"/>
+            <a:ext cx="10513080" cy="1323000"/>
           </a:xfrm>
           <a:prstGeom prst="rect">
             <a:avLst/>
@@ -17605,16 +17726,16 @@
               </a:lnSpc>
             </a:pPr>
             <a:r>
-              <a:rPr b="0" lang="es-MX" sz="4000" spc="-1" strike="noStrike">
+              <a:rPr b="0" lang="es-MX" sz="4400" spc="-1" strike="noStrike">
                 <a:solidFill>
                   <a:srgbClr val="000000"/>
                 </a:solidFill>
                 <a:latin typeface="Calibri Light"/>
                 <a:ea typeface="DejaVu Sans"/>
               </a:rPr>
-              <a:t>Ejemplo 11</a:t>
-            </a:r>
-            <a:endParaRPr b="0" lang="es-MX" sz="4000" spc="-1" strike="noStrike">
+              <a:t>Operadores unarios</a:t>
+            </a:r>
+            <a:endParaRPr b="0" lang="es-MX" sz="4400" spc="-1" strike="noStrike">
               <a:latin typeface="Arial"/>
             </a:endParaRPr>
           </a:p>
@@ -17622,7 +17743,7 @@
       </p:sp>
       <p:pic>
         <p:nvPicPr>
-          <p:cNvPr id="351" name="Imagen 3" descr=""/>
+          <p:cNvPr id="356" name="Imagen 3" descr=""/>
           <p:cNvPicPr/>
           <p:nvPr/>
         </p:nvPicPr>
@@ -17632,8 +17753,8 @@
         </p:blipFill>
         <p:spPr>
           <a:xfrm>
-            <a:off x="3632400" y="365040"/>
-            <a:ext cx="8433720" cy="6244920"/>
+            <a:off x="2176200" y="873000"/>
+            <a:ext cx="7837560" cy="5841720"/>
           </a:xfrm>
           <a:prstGeom prst="rect">
             <a:avLst/>
@@ -17675,14 +17796,14 @@
       </p:grpSpPr>
       <p:sp>
         <p:nvSpPr>
-          <p:cNvPr id="352" name="CustomShape 1"/>
+          <p:cNvPr id="357" name="CustomShape 1"/>
           <p:cNvSpPr/>
           <p:nvPr/>
         </p:nvSpPr>
         <p:spPr>
           <a:xfrm>
-            <a:off x="838080" y="0"/>
-            <a:ext cx="10513800" cy="1323720"/>
+            <a:off x="650160" y="378360"/>
+            <a:ext cx="10513080" cy="1323000"/>
           </a:xfrm>
           <a:prstGeom prst="rect">
             <a:avLst/>
@@ -17709,16 +17830,16 @@
               </a:lnSpc>
             </a:pPr>
             <a:r>
-              <a:rPr b="0" lang="es-MX" sz="4400" spc="-1" strike="noStrike">
+              <a:rPr b="0" lang="es-MX" sz="4000" spc="-1" strike="noStrike">
                 <a:solidFill>
                   <a:srgbClr val="000000"/>
                 </a:solidFill>
                 <a:latin typeface="Calibri Light"/>
                 <a:ea typeface="DejaVu Sans"/>
               </a:rPr>
-              <a:t>Operadores unarios</a:t>
-            </a:r>
-            <a:endParaRPr b="0" lang="es-MX" sz="4400" spc="-1" strike="noStrike">
+              <a:t>Ejemplo 12</a:t>
+            </a:r>
+            <a:endParaRPr b="0" lang="es-MX" sz="4000" spc="-1" strike="noStrike">
               <a:latin typeface="Arial"/>
             </a:endParaRPr>
           </a:p>
@@ -17726,7 +17847,7 @@
       </p:sp>
       <p:pic>
         <p:nvPicPr>
-          <p:cNvPr id="353" name="Imagen 3" descr=""/>
+          <p:cNvPr id="358" name="Imagen 3" descr=""/>
           <p:cNvPicPr/>
           <p:nvPr/>
         </p:nvPicPr>
@@ -17736,8 +17857,8 @@
         </p:blipFill>
         <p:spPr>
           <a:xfrm>
-            <a:off x="2176200" y="873000"/>
-            <a:ext cx="7838280" cy="5842440"/>
+            <a:off x="3638520" y="365040"/>
+            <a:ext cx="8264520" cy="6174360"/>
           </a:xfrm>
           <a:prstGeom prst="rect">
             <a:avLst/>
@@ -17786,7 +17907,7 @@
         <p:spPr>
           <a:xfrm>
             <a:off x="838080" y="0"/>
-            <a:ext cx="10514160" cy="1324080"/>
+            <a:ext cx="10513440" cy="1323360"/>
           </a:xfrm>
           <a:prstGeom prst="rect">
             <a:avLst/>
@@ -17837,7 +17958,7 @@
         <p:spPr>
           <a:xfrm>
             <a:off x="803880" y="1385280"/>
-            <a:ext cx="10198800" cy="699480"/>
+            <a:ext cx="10198440" cy="699480"/>
           </a:xfrm>
           <a:prstGeom prst="rect">
             <a:avLst/>
@@ -17908,7 +18029,7 @@
         <p:spPr>
           <a:xfrm>
             <a:off x="3509640" y="5063760"/>
-            <a:ext cx="4648320" cy="394560"/>
+            <a:ext cx="4647960" cy="394560"/>
           </a:xfrm>
           <a:prstGeom prst="rect">
             <a:avLst/>
@@ -17963,7 +18084,7 @@
         <p:spPr>
           <a:xfrm>
             <a:off x="1133640" y="3408840"/>
-            <a:ext cx="9923040" cy="953280"/>
+            <a:ext cx="9922320" cy="952560"/>
           </a:xfrm>
           <a:prstGeom prst="rect">
             <a:avLst/>
@@ -17987,7 +18108,7 @@
         <p:spPr>
           <a:xfrm>
             <a:off x="1133640" y="4278600"/>
-            <a:ext cx="9923040" cy="650520"/>
+            <a:ext cx="9922320" cy="649800"/>
           </a:xfrm>
           <a:prstGeom prst="rect">
             <a:avLst/>
@@ -18010,7 +18131,7 @@
         <p:spPr>
           <a:xfrm>
             <a:off x="849600" y="2160720"/>
-            <a:ext cx="10129320" cy="1031040"/>
+            <a:ext cx="10128600" cy="1030320"/>
           </a:xfrm>
           <a:prstGeom prst="rect">
             <a:avLst/>
@@ -18052,14 +18173,14 @@
       </p:grpSpPr>
       <p:sp>
         <p:nvSpPr>
-          <p:cNvPr id="354" name="CustomShape 1"/>
+          <p:cNvPr id="359" name="CustomShape 1"/>
           <p:cNvSpPr/>
           <p:nvPr/>
         </p:nvSpPr>
         <p:spPr>
           <a:xfrm>
-            <a:off x="650160" y="378360"/>
-            <a:ext cx="10513800" cy="1323720"/>
+            <a:off x="838080" y="0"/>
+            <a:ext cx="10513080" cy="1323000"/>
           </a:xfrm>
           <a:prstGeom prst="rect">
             <a:avLst/>
@@ -18086,16 +18207,16 @@
               </a:lnSpc>
             </a:pPr>
             <a:r>
-              <a:rPr b="0" lang="es-MX" sz="4000" spc="-1" strike="noStrike">
+              <a:rPr b="0" lang="es-MX" sz="4400" spc="-1" strike="noStrike">
                 <a:solidFill>
                   <a:srgbClr val="000000"/>
                 </a:solidFill>
                 <a:latin typeface="Calibri Light"/>
                 <a:ea typeface="DejaVu Sans"/>
               </a:rPr>
-              <a:t>Ejemplo 12</a:t>
-            </a:r>
-            <a:endParaRPr b="0" lang="es-MX" sz="4000" spc="-1" strike="noStrike">
+              <a:t>Lo que C considera verdadero</a:t>
+            </a:r>
+            <a:endParaRPr b="0" lang="es-MX" sz="4400" spc="-1" strike="noStrike">
               <a:latin typeface="Arial"/>
             </a:endParaRPr>
           </a:p>
@@ -18103,7 +18224,7 @@
       </p:sp>
       <p:pic>
         <p:nvPicPr>
-          <p:cNvPr id="355" name="Imagen 3" descr=""/>
+          <p:cNvPr id="360" name="Imagen 3" descr=""/>
           <p:cNvPicPr/>
           <p:nvPr/>
         </p:nvPicPr>
@@ -18113,8 +18234,8 @@
         </p:blipFill>
         <p:spPr>
           <a:xfrm>
-            <a:off x="3638520" y="365040"/>
-            <a:ext cx="8265240" cy="6175080"/>
+            <a:off x="2190600" y="903240"/>
+            <a:ext cx="7808400" cy="5758560"/>
           </a:xfrm>
           <a:prstGeom prst="rect">
             <a:avLst/>
@@ -18156,14 +18277,14 @@
       </p:grpSpPr>
       <p:sp>
         <p:nvSpPr>
-          <p:cNvPr id="356" name="CustomShape 1"/>
+          <p:cNvPr id="361" name="CustomShape 1"/>
           <p:cNvSpPr/>
           <p:nvPr/>
         </p:nvSpPr>
         <p:spPr>
           <a:xfrm>
-            <a:off x="838080" y="0"/>
-            <a:ext cx="10513800" cy="1323720"/>
+            <a:off x="873360" y="0"/>
+            <a:ext cx="10513080" cy="1323000"/>
           </a:xfrm>
           <a:prstGeom prst="rect">
             <a:avLst/>
@@ -18197,7 +18318,7 @@
                 <a:latin typeface="Calibri Light"/>
                 <a:ea typeface="DejaVu Sans"/>
               </a:rPr>
-              <a:t>Lo que C considera verdadero</a:t>
+              <a:t>Operadores de comparación</a:t>
             </a:r>
             <a:endParaRPr b="0" lang="es-MX" sz="4400" spc="-1" strike="noStrike">
               <a:latin typeface="Arial"/>
@@ -18207,7 +18328,7 @@
       </p:sp>
       <p:pic>
         <p:nvPicPr>
-          <p:cNvPr id="357" name="Imagen 3" descr=""/>
+          <p:cNvPr id="362" name="Imagen 3" descr=""/>
           <p:cNvPicPr/>
           <p:nvPr/>
         </p:nvPicPr>
@@ -18217,8 +18338,8 @@
         </p:blipFill>
         <p:spPr>
           <a:xfrm>
-            <a:off x="2190600" y="903240"/>
-            <a:ext cx="7809120" cy="5759280"/>
+            <a:off x="2236320" y="898560"/>
+            <a:ext cx="7787160" cy="5826240"/>
           </a:xfrm>
           <a:prstGeom prst="rect">
             <a:avLst/>
@@ -18260,14 +18381,14 @@
       </p:grpSpPr>
       <p:sp>
         <p:nvSpPr>
-          <p:cNvPr id="358" name="CustomShape 1"/>
+          <p:cNvPr id="363" name="CustomShape 1"/>
           <p:cNvSpPr/>
           <p:nvPr/>
         </p:nvSpPr>
         <p:spPr>
           <a:xfrm>
-            <a:off x="873360" y="0"/>
-            <a:ext cx="10513800" cy="1323720"/>
+            <a:off x="838080" y="0"/>
+            <a:ext cx="10513080" cy="1323000"/>
           </a:xfrm>
           <a:prstGeom prst="rect">
             <a:avLst/>
@@ -18301,7 +18422,7 @@
                 <a:latin typeface="Calibri Light"/>
                 <a:ea typeface="DejaVu Sans"/>
               </a:rPr>
-              <a:t>Operadores de comparación</a:t>
+              <a:t>Operadores lógicos</a:t>
             </a:r>
             <a:endParaRPr b="0" lang="es-MX" sz="4400" spc="-1" strike="noStrike">
               <a:latin typeface="Arial"/>
@@ -18311,7 +18432,7 @@
       </p:sp>
       <p:pic>
         <p:nvPicPr>
-          <p:cNvPr id="359" name="Imagen 3" descr=""/>
+          <p:cNvPr id="364" name="Imagen 3" descr=""/>
           <p:cNvPicPr/>
           <p:nvPr/>
         </p:nvPicPr>
@@ -18321,8 +18442,8 @@
         </p:blipFill>
         <p:spPr>
           <a:xfrm>
-            <a:off x="2236320" y="898560"/>
-            <a:ext cx="7787880" cy="5826960"/>
+            <a:off x="2210040" y="890640"/>
+            <a:ext cx="7769520" cy="5791320"/>
           </a:xfrm>
           <a:prstGeom prst="rect">
             <a:avLst/>
@@ -18364,14 +18485,14 @@
       </p:grpSpPr>
       <p:sp>
         <p:nvSpPr>
-          <p:cNvPr id="360" name="CustomShape 1"/>
+          <p:cNvPr id="365" name="CustomShape 1"/>
           <p:cNvSpPr/>
           <p:nvPr/>
         </p:nvSpPr>
         <p:spPr>
           <a:xfrm>
             <a:off x="838080" y="0"/>
-            <a:ext cx="10513800" cy="1323720"/>
+            <a:ext cx="10513080" cy="1323000"/>
           </a:xfrm>
           <a:prstGeom prst="rect">
             <a:avLst/>
@@ -18398,16 +18519,16 @@
               </a:lnSpc>
             </a:pPr>
             <a:r>
-              <a:rPr b="0" lang="es-MX" sz="4400" spc="-1" strike="noStrike">
+              <a:rPr b="0" lang="es-MX" sz="3200" spc="-1" strike="noStrike">
                 <a:solidFill>
                   <a:srgbClr val="000000"/>
                 </a:solidFill>
                 <a:latin typeface="Calibri Light"/>
                 <a:ea typeface="DejaVu Sans"/>
               </a:rPr>
-              <a:t>Operadores lógicos</a:t>
-            </a:r>
-            <a:endParaRPr b="0" lang="es-MX" sz="4400" spc="-1" strike="noStrike">
+              <a:t>C garantiza acerca de operadores lógicos</a:t>
+            </a:r>
+            <a:endParaRPr b="0" lang="es-MX" sz="3200" spc="-1" strike="noStrike">
               <a:latin typeface="Arial"/>
             </a:endParaRPr>
           </a:p>
@@ -18415,7 +18536,7 @@
       </p:sp>
       <p:pic>
         <p:nvPicPr>
-          <p:cNvPr id="361" name="Imagen 3" descr=""/>
+          <p:cNvPr id="366" name="Imagen 3" descr=""/>
           <p:cNvPicPr/>
           <p:nvPr/>
         </p:nvPicPr>
@@ -18425,8 +18546,8 @@
         </p:blipFill>
         <p:spPr>
           <a:xfrm>
-            <a:off x="2210040" y="890640"/>
-            <a:ext cx="7770240" cy="5792040"/>
+            <a:off x="2268360" y="927360"/>
+            <a:ext cx="7652520" cy="5717160"/>
           </a:xfrm>
           <a:prstGeom prst="rect">
             <a:avLst/>
@@ -18468,14 +18589,14 @@
       </p:grpSpPr>
       <p:sp>
         <p:nvSpPr>
-          <p:cNvPr id="362" name="CustomShape 1"/>
+          <p:cNvPr id="367" name="CustomShape 1"/>
           <p:cNvSpPr/>
           <p:nvPr/>
         </p:nvSpPr>
         <p:spPr>
           <a:xfrm>
             <a:off x="838080" y="0"/>
-            <a:ext cx="10513800" cy="1323720"/>
+            <a:ext cx="10513080" cy="1323000"/>
           </a:xfrm>
           <a:prstGeom prst="rect">
             <a:avLst/>
@@ -18502,16 +18623,16 @@
               </a:lnSpc>
             </a:pPr>
             <a:r>
-              <a:rPr b="0" lang="es-MX" sz="3200" spc="-1" strike="noStrike">
+              <a:rPr b="0" lang="es-MX" sz="4400" spc="-1" strike="noStrike">
                 <a:solidFill>
                   <a:srgbClr val="000000"/>
                 </a:solidFill>
                 <a:latin typeface="Calibri Light"/>
                 <a:ea typeface="DejaVu Sans"/>
               </a:rPr>
-              <a:t>C garantiza acerca de operadores lógicos</a:t>
-            </a:r>
-            <a:endParaRPr b="0" lang="es-MX" sz="3200" spc="-1" strike="noStrike">
+              <a:t>¡Advertencia!</a:t>
+            </a:r>
+            <a:endParaRPr b="0" lang="es-MX" sz="4400" spc="-1" strike="noStrike">
               <a:latin typeface="Arial"/>
             </a:endParaRPr>
           </a:p>
@@ -18519,7 +18640,7 @@
       </p:sp>
       <p:pic>
         <p:nvPicPr>
-          <p:cNvPr id="363" name="Imagen 3" descr=""/>
+          <p:cNvPr id="368" name="Imagen 3" descr=""/>
           <p:cNvPicPr/>
           <p:nvPr/>
         </p:nvPicPr>
@@ -18529,8 +18650,8 @@
         </p:blipFill>
         <p:spPr>
           <a:xfrm>
-            <a:off x="2268360" y="927360"/>
-            <a:ext cx="7653240" cy="5717880"/>
+            <a:off x="2273760" y="927360"/>
+            <a:ext cx="7641720" cy="5661000"/>
           </a:xfrm>
           <a:prstGeom prst="rect">
             <a:avLst/>
@@ -18572,14 +18693,14 @@
       </p:grpSpPr>
       <p:sp>
         <p:nvSpPr>
-          <p:cNvPr id="364" name="CustomShape 1"/>
+          <p:cNvPr id="369" name="CustomShape 1"/>
           <p:cNvSpPr/>
           <p:nvPr/>
         </p:nvSpPr>
         <p:spPr>
           <a:xfrm>
-            <a:off x="838080" y="0"/>
-            <a:ext cx="10513800" cy="1323720"/>
+            <a:off x="803160" y="0"/>
+            <a:ext cx="10513080" cy="1323000"/>
           </a:xfrm>
           <a:prstGeom prst="rect">
             <a:avLst/>
@@ -18613,7 +18734,7 @@
                 <a:latin typeface="Calibri Light"/>
                 <a:ea typeface="DejaVu Sans"/>
               </a:rPr>
-              <a:t>¡Advertencia!</a:t>
+              <a:t>Operadores a nivel de bits</a:t>
             </a:r>
             <a:endParaRPr b="0" lang="es-MX" sz="4400" spc="-1" strike="noStrike">
               <a:latin typeface="Arial"/>
@@ -18623,7 +18744,7 @@
       </p:sp>
       <p:pic>
         <p:nvPicPr>
-          <p:cNvPr id="365" name="Imagen 3" descr=""/>
+          <p:cNvPr id="370" name="Imagen 3" descr=""/>
           <p:cNvPicPr/>
           <p:nvPr/>
         </p:nvPicPr>
@@ -18633,8 +18754,8 @@
         </p:blipFill>
         <p:spPr>
           <a:xfrm>
-            <a:off x="2273760" y="927360"/>
-            <a:ext cx="7642440" cy="5661720"/>
+            <a:off x="2189880" y="880920"/>
+            <a:ext cx="7739280" cy="5781960"/>
           </a:xfrm>
           <a:prstGeom prst="rect">
             <a:avLst/>
@@ -18676,14 +18797,14 @@
       </p:grpSpPr>
       <p:sp>
         <p:nvSpPr>
-          <p:cNvPr id="366" name="CustomShape 1"/>
+          <p:cNvPr id="371" name="CustomShape 1"/>
           <p:cNvSpPr/>
           <p:nvPr/>
         </p:nvSpPr>
         <p:spPr>
           <a:xfrm>
-            <a:off x="803160" y="0"/>
-            <a:ext cx="10513800" cy="1323720"/>
+            <a:off x="855720" y="0"/>
+            <a:ext cx="10513080" cy="1323000"/>
           </a:xfrm>
           <a:prstGeom prst="rect">
             <a:avLst/>
@@ -18717,7 +18838,7 @@
                 <a:latin typeface="Calibri Light"/>
                 <a:ea typeface="DejaVu Sans"/>
               </a:rPr>
-              <a:t>Operadores a nivel de bits</a:t>
+              <a:t>Ejemplo 13</a:t>
             </a:r>
             <a:endParaRPr b="0" lang="es-MX" sz="4400" spc="-1" strike="noStrike">
               <a:latin typeface="Arial"/>
@@ -18727,7 +18848,7 @@
       </p:sp>
       <p:pic>
         <p:nvPicPr>
-          <p:cNvPr id="367" name="Imagen 3" descr=""/>
+          <p:cNvPr id="372" name="Imagen 3" descr=""/>
           <p:cNvPicPr/>
           <p:nvPr/>
         </p:nvPicPr>
@@ -18737,8 +18858,8 @@
         </p:blipFill>
         <p:spPr>
           <a:xfrm>
-            <a:off x="2189880" y="880920"/>
-            <a:ext cx="7740000" cy="5782680"/>
+            <a:off x="2265120" y="895320"/>
+            <a:ext cx="7694280" cy="5732280"/>
           </a:xfrm>
           <a:prstGeom prst="rect">
             <a:avLst/>
@@ -18780,14 +18901,14 @@
       </p:grpSpPr>
       <p:sp>
         <p:nvSpPr>
-          <p:cNvPr id="368" name="CustomShape 1"/>
+          <p:cNvPr id="373" name="CustomShape 1"/>
           <p:cNvSpPr/>
           <p:nvPr/>
         </p:nvSpPr>
         <p:spPr>
           <a:xfrm>
-            <a:off x="855720" y="0"/>
-            <a:ext cx="10513800" cy="1323720"/>
+            <a:off x="838080" y="0"/>
+            <a:ext cx="10513080" cy="1323000"/>
           </a:xfrm>
           <a:prstGeom prst="rect">
             <a:avLst/>
@@ -18821,7 +18942,7 @@
                 <a:latin typeface="Calibri Light"/>
                 <a:ea typeface="DejaVu Sans"/>
               </a:rPr>
-              <a:t>Ejemplo 13</a:t>
+              <a:t>Operador de asignación</a:t>
             </a:r>
             <a:endParaRPr b="0" lang="es-MX" sz="4400" spc="-1" strike="noStrike">
               <a:latin typeface="Arial"/>
@@ -18831,7 +18952,7 @@
       </p:sp>
       <p:pic>
         <p:nvPicPr>
-          <p:cNvPr id="369" name="Imagen 3" descr=""/>
+          <p:cNvPr id="374" name="Imagen 3" descr=""/>
           <p:cNvPicPr/>
           <p:nvPr/>
         </p:nvPicPr>
@@ -18841,8 +18962,8 @@
         </p:blipFill>
         <p:spPr>
           <a:xfrm>
-            <a:off x="2265120" y="895320"/>
-            <a:ext cx="7695000" cy="5733000"/>
+            <a:off x="2145240" y="900000"/>
+            <a:ext cx="7898760" cy="5824800"/>
           </a:xfrm>
           <a:prstGeom prst="rect">
             <a:avLst/>
@@ -18884,14 +19005,14 @@
       </p:grpSpPr>
       <p:sp>
         <p:nvSpPr>
-          <p:cNvPr id="370" name="CustomShape 1"/>
+          <p:cNvPr id="375" name="CustomShape 1"/>
           <p:cNvSpPr/>
           <p:nvPr/>
         </p:nvSpPr>
         <p:spPr>
           <a:xfrm>
-            <a:off x="838080" y="0"/>
-            <a:ext cx="10513800" cy="1323720"/>
+            <a:off x="855720" y="0"/>
+            <a:ext cx="10513080" cy="1323000"/>
           </a:xfrm>
           <a:prstGeom prst="rect">
             <a:avLst/>
@@ -18925,7 +19046,7 @@
                 <a:latin typeface="Calibri Light"/>
                 <a:ea typeface="DejaVu Sans"/>
               </a:rPr>
-              <a:t>Operador de asignación</a:t>
+              <a:t>Advertencia</a:t>
             </a:r>
             <a:endParaRPr b="0" lang="es-MX" sz="4400" spc="-1" strike="noStrike">
               <a:latin typeface="Arial"/>
@@ -18935,7 +19056,7 @@
       </p:sp>
       <p:pic>
         <p:nvPicPr>
-          <p:cNvPr id="371" name="Imagen 3" descr=""/>
+          <p:cNvPr id="376" name="Imagen 3" descr=""/>
           <p:cNvPicPr/>
           <p:nvPr/>
         </p:nvPicPr>
@@ -18945,8 +19066,8 @@
         </p:blipFill>
         <p:spPr>
           <a:xfrm>
-            <a:off x="2145240" y="900000"/>
-            <a:ext cx="7899480" cy="5825520"/>
+            <a:off x="4030200" y="836640"/>
+            <a:ext cx="7849080" cy="5822640"/>
           </a:xfrm>
           <a:prstGeom prst="rect">
             <a:avLst/>
@@ -18956,6 +19077,57 @@
           </a:ln>
         </p:spPr>
       </p:pic>
+      <p:sp>
+        <p:nvSpPr>
+          <p:cNvPr id="377" name="CustomShape 2"/>
+          <p:cNvSpPr/>
+          <p:nvPr/>
+        </p:nvSpPr>
+        <p:spPr>
+          <a:xfrm>
+            <a:off x="720000" y="1260000"/>
+            <a:ext cx="3059280" cy="714600"/>
+          </a:xfrm>
+          <a:prstGeom prst="rect">
+            <a:avLst/>
+          </a:prstGeom>
+          <a:noFill/>
+          <a:ln w="0">
+            <a:noFill/>
+          </a:ln>
+        </p:spPr>
+        <p:style>
+          <a:lnRef idx="0"/>
+          <a:fillRef idx="0"/>
+          <a:effectRef idx="0"/>
+          <a:fontRef idx="minor"/>
+        </p:style>
+        <p:txBody>
+          <a:bodyPr lIns="90000" rIns="90000" tIns="45000" bIns="45000">
+            <a:noAutofit/>
+          </a:bodyPr>
+          <a:p>
+            <a:pPr>
+              <a:lnSpc>
+                <a:spcPct val="100000"/>
+              </a:lnSpc>
+            </a:pPr>
+            <a:r>
+              <a:rPr b="0" lang="es-MX" sz="4400" spc="-1" strike="noStrike">
+                <a:solidFill>
+                  <a:srgbClr val="000000"/>
+                </a:solidFill>
+                <a:latin typeface="Arial"/>
+                <a:ea typeface="DejaVu Sans"/>
+              </a:rPr>
+              <a:t>Ejemplo 14</a:t>
+            </a:r>
+            <a:endParaRPr b="0" lang="es-MX" sz="4400" spc="-1" strike="noStrike">
+              <a:latin typeface="Arial"/>
+            </a:endParaRPr>
+          </a:p>
+        </p:txBody>
+      </p:sp>
     </p:spTree>
   </p:cSld>
   <mc:AlternateContent>
@@ -18988,14 +19160,14 @@
       </p:grpSpPr>
       <p:sp>
         <p:nvSpPr>
-          <p:cNvPr id="372" name="CustomShape 1"/>
+          <p:cNvPr id="378" name="CustomShape 1"/>
           <p:cNvSpPr/>
           <p:nvPr/>
         </p:nvSpPr>
         <p:spPr>
           <a:xfrm>
-            <a:off x="855720" y="0"/>
-            <a:ext cx="10513800" cy="1323720"/>
+            <a:off x="838080" y="0"/>
+            <a:ext cx="10513080" cy="1323000"/>
           </a:xfrm>
           <a:prstGeom prst="rect">
             <a:avLst/>
@@ -19029,7 +19201,7 @@
                 <a:latin typeface="Calibri Light"/>
                 <a:ea typeface="DejaVu Sans"/>
               </a:rPr>
-              <a:t>Advertencia</a:t>
+              <a:t>Otros operadores de asignación</a:t>
             </a:r>
             <a:endParaRPr b="0" lang="es-MX" sz="4400" spc="-1" strike="noStrike">
               <a:latin typeface="Arial"/>
@@ -19039,7 +19211,7 @@
       </p:sp>
       <p:pic>
         <p:nvPicPr>
-          <p:cNvPr id="373" name="Imagen 3" descr=""/>
+          <p:cNvPr id="379" name="Imagen 3" descr=""/>
           <p:cNvPicPr/>
           <p:nvPr/>
         </p:nvPicPr>
@@ -19049,8 +19221,8 @@
         </p:blipFill>
         <p:spPr>
           <a:xfrm>
-            <a:off x="4030200" y="836640"/>
-            <a:ext cx="7849800" cy="5823360"/>
+            <a:off x="2221920" y="905040"/>
+            <a:ext cx="7745760" cy="5757120"/>
           </a:xfrm>
           <a:prstGeom prst="rect">
             <a:avLst/>
@@ -19060,42 +19232,6 @@
           </a:ln>
         </p:spPr>
       </p:pic>
-      <p:sp>
-        <p:nvSpPr>
-          <p:cNvPr id="374" name="TextShape 2"/>
-          <p:cNvSpPr txBox="1"/>
-          <p:nvPr/>
-        </p:nvSpPr>
-        <p:spPr>
-          <a:xfrm>
-            <a:off x="720000" y="1260000"/>
-            <a:ext cx="3060000" cy="715320"/>
-          </a:xfrm>
-          <a:prstGeom prst="rect">
-            <a:avLst/>
-          </a:prstGeom>
-          <a:noFill/>
-          <a:ln w="0">
-            <a:noFill/>
-          </a:ln>
-        </p:spPr>
-        <p:txBody>
-          <a:bodyPr lIns="90000" rIns="90000" tIns="45000" bIns="45000">
-            <a:noAutofit/>
-          </a:bodyPr>
-          <a:p>
-            <a:r>
-              <a:rPr b="0" lang="es-MX" sz="4400" spc="-1" strike="noStrike">
-                <a:latin typeface="Arial"/>
-              </a:rPr>
-              <a:t>Ejemplo 14</a:t>
-            </a:r>
-            <a:endParaRPr b="0" lang="es-MX" sz="4400" spc="-1" strike="noStrike">
-              <a:latin typeface="Arial"/>
-            </a:endParaRPr>
-          </a:p>
-        </p:txBody>
-      </p:sp>
     </p:spTree>
   </p:cSld>
   <mc:AlternateContent>
@@ -19135,7 +19271,7 @@
         <p:spPr>
           <a:xfrm>
             <a:off x="838080" y="0"/>
-            <a:ext cx="10514160" cy="1324080"/>
+            <a:ext cx="10513440" cy="1323360"/>
           </a:xfrm>
           <a:prstGeom prst="rect">
             <a:avLst/>
@@ -19190,7 +19326,7 @@
         <p:spPr>
           <a:xfrm>
             <a:off x="682200" y="1137600"/>
-            <a:ext cx="10906560" cy="2528280"/>
+            <a:ext cx="10905840" cy="2527560"/>
           </a:xfrm>
           <a:prstGeom prst="rect">
             <a:avLst/>
@@ -19209,7 +19345,7 @@
         <p:spPr>
           <a:xfrm>
             <a:off x="577440" y="3855240"/>
-            <a:ext cx="11157480" cy="1614240"/>
+            <a:ext cx="11157120" cy="1614240"/>
           </a:xfrm>
           <a:prstGeom prst="rect">
             <a:avLst/>
@@ -19363,14 +19499,14 @@
       </p:grpSpPr>
       <p:sp>
         <p:nvSpPr>
-          <p:cNvPr id="375" name="CustomShape 1"/>
+          <p:cNvPr id="380" name="CustomShape 1"/>
           <p:cNvSpPr/>
           <p:nvPr/>
         </p:nvSpPr>
         <p:spPr>
           <a:xfrm>
-            <a:off x="838080" y="0"/>
-            <a:ext cx="10513800" cy="1323720"/>
+            <a:off x="803160" y="0"/>
+            <a:ext cx="10513080" cy="1323000"/>
           </a:xfrm>
           <a:prstGeom prst="rect">
             <a:avLst/>
@@ -19397,16 +19533,27 @@
               </a:lnSpc>
             </a:pPr>
             <a:r>
-              <a:rPr b="0" lang="es-MX" sz="4400" spc="-1" strike="noStrike">
+              <a:rPr b="0" lang="es-MX" sz="4000" spc="-1" strike="noStrike">
                 <a:solidFill>
                   <a:srgbClr val="000000"/>
                 </a:solidFill>
                 <a:latin typeface="Calibri Light"/>
                 <a:ea typeface="DejaVu Sans"/>
               </a:rPr>
-              <a:t>Otros operadores de asignación</a:t>
-            </a:r>
-            <a:endParaRPr b="0" lang="es-MX" sz="4400" spc="-1" strike="noStrike">
+              <a:t>Operador sizeof</a:t>
+            </a:r>
+            <a:br/>
+            <a:r>
+              <a:rPr b="0" lang="es-MX" sz="4000" spc="-1" strike="noStrike">
+                <a:solidFill>
+                  <a:srgbClr val="000000"/>
+                </a:solidFill>
+                <a:latin typeface="Calibri Light"/>
+                <a:ea typeface="DejaVu Sans"/>
+              </a:rPr>
+              <a:t>Ejemplo 15</a:t>
+            </a:r>
+            <a:endParaRPr b="0" lang="es-MX" sz="4000" spc="-1" strike="noStrike">
               <a:latin typeface="Arial"/>
             </a:endParaRPr>
           </a:p>
@@ -19414,7 +19561,7 @@
       </p:sp>
       <p:pic>
         <p:nvPicPr>
-          <p:cNvPr id="376" name="Imagen 3" descr=""/>
+          <p:cNvPr id="381" name="Imagen 3" descr=""/>
           <p:cNvPicPr/>
           <p:nvPr/>
         </p:nvPicPr>
@@ -19424,8 +19571,8 @@
         </p:blipFill>
         <p:spPr>
           <a:xfrm>
-            <a:off x="2221920" y="905040"/>
-            <a:ext cx="7746480" cy="5757840"/>
+            <a:off x="3884400" y="580320"/>
+            <a:ext cx="8066160" cy="6028920"/>
           </a:xfrm>
           <a:prstGeom prst="rect">
             <a:avLst/>
@@ -19467,14 +19614,14 @@
       </p:grpSpPr>
       <p:sp>
         <p:nvSpPr>
-          <p:cNvPr id="377" name="CustomShape 1"/>
+          <p:cNvPr id="382" name="CustomShape 1"/>
           <p:cNvSpPr/>
           <p:nvPr/>
         </p:nvSpPr>
         <p:spPr>
           <a:xfrm>
-            <a:off x="803160" y="0"/>
-            <a:ext cx="10513800" cy="1323720"/>
+            <a:off x="855720" y="0"/>
+            <a:ext cx="10513080" cy="1323000"/>
           </a:xfrm>
           <a:prstGeom prst="rect">
             <a:avLst/>
@@ -19501,27 +19648,16 @@
               </a:lnSpc>
             </a:pPr>
             <a:r>
-              <a:rPr b="0" lang="es-MX" sz="4000" spc="-1" strike="noStrike">
+              <a:rPr b="0" lang="es-MX" sz="4400" spc="-1" strike="noStrike">
                 <a:solidFill>
                   <a:srgbClr val="000000"/>
                 </a:solidFill>
                 <a:latin typeface="Calibri Light"/>
                 <a:ea typeface="DejaVu Sans"/>
               </a:rPr>
-              <a:t>Operador sizeof</a:t>
-            </a:r>
-            <a:br/>
-            <a:r>
-              <a:rPr b="0" lang="es-MX" sz="4000" spc="-1" strike="noStrike">
-                <a:solidFill>
-                  <a:srgbClr val="000000"/>
-                </a:solidFill>
-                <a:latin typeface="Calibri Light"/>
-                <a:ea typeface="DejaVu Sans"/>
-              </a:rPr>
-              <a:t>Ejemplo 15</a:t>
-            </a:r>
-            <a:endParaRPr b="0" lang="es-MX" sz="4000" spc="-1" strike="noStrike">
+              <a:t>Operador de expresión condicional</a:t>
+            </a:r>
+            <a:endParaRPr b="0" lang="es-MX" sz="4400" spc="-1" strike="noStrike">
               <a:latin typeface="Arial"/>
             </a:endParaRPr>
           </a:p>
@@ -19529,7 +19665,7 @@
       </p:sp>
       <p:pic>
         <p:nvPicPr>
-          <p:cNvPr id="378" name="Imagen 3" descr=""/>
+          <p:cNvPr id="383" name="Imagen 3" descr=""/>
           <p:cNvPicPr/>
           <p:nvPr/>
         </p:nvPicPr>
@@ -19539,8 +19675,8 @@
         </p:blipFill>
         <p:spPr>
           <a:xfrm>
-            <a:off x="3884400" y="580320"/>
-            <a:ext cx="8066880" cy="6029640"/>
+            <a:off x="2278800" y="992880"/>
+            <a:ext cx="7545960" cy="5616360"/>
           </a:xfrm>
           <a:prstGeom prst="rect">
             <a:avLst/>
@@ -19582,14 +19718,14 @@
       </p:grpSpPr>
       <p:sp>
         <p:nvSpPr>
-          <p:cNvPr id="379" name="CustomShape 1"/>
+          <p:cNvPr id="384" name="CustomShape 1"/>
           <p:cNvSpPr/>
           <p:nvPr/>
         </p:nvSpPr>
         <p:spPr>
           <a:xfrm>
-            <a:off x="855720" y="0"/>
-            <a:ext cx="10513800" cy="1323720"/>
+            <a:off x="838080" y="0"/>
+            <a:ext cx="10513080" cy="1323000"/>
           </a:xfrm>
           <a:prstGeom prst="rect">
             <a:avLst/>
@@ -19623,7 +19759,7 @@
                 <a:latin typeface="Calibri Light"/>
                 <a:ea typeface="DejaVu Sans"/>
               </a:rPr>
-              <a:t>Operador de expresión condicional</a:t>
+              <a:t>Precedencia de operadores</a:t>
             </a:r>
             <a:endParaRPr b="0" lang="es-MX" sz="4400" spc="-1" strike="noStrike">
               <a:latin typeface="Arial"/>
@@ -19633,7 +19769,7 @@
       </p:sp>
       <p:pic>
         <p:nvPicPr>
-          <p:cNvPr id="380" name="Imagen 3" descr=""/>
+          <p:cNvPr id="385" name="Imagen 3" descr=""/>
           <p:cNvPicPr/>
           <p:nvPr/>
         </p:nvPicPr>
@@ -19643,8 +19779,8 @@
         </p:blipFill>
         <p:spPr>
           <a:xfrm>
-            <a:off x="2278800" y="992880"/>
-            <a:ext cx="7546680" cy="5617080"/>
+            <a:off x="2226600" y="927360"/>
+            <a:ext cx="7736040" cy="5779800"/>
           </a:xfrm>
           <a:prstGeom prst="rect">
             <a:avLst/>
@@ -19686,14 +19822,14 @@
       </p:grpSpPr>
       <p:sp>
         <p:nvSpPr>
-          <p:cNvPr id="381" name="CustomShape 1"/>
+          <p:cNvPr id="386" name="CustomShape 1"/>
           <p:cNvSpPr/>
           <p:nvPr/>
         </p:nvSpPr>
         <p:spPr>
           <a:xfrm>
-            <a:off x="838080" y="0"/>
-            <a:ext cx="10513800" cy="1323720"/>
+            <a:off x="855720" y="0"/>
+            <a:ext cx="10513080" cy="1323000"/>
           </a:xfrm>
           <a:prstGeom prst="rect">
             <a:avLst/>
@@ -19727,7 +19863,7 @@
                 <a:latin typeface="Calibri Light"/>
                 <a:ea typeface="DejaVu Sans"/>
               </a:rPr>
-              <a:t>Precedencia de operadores</a:t>
+              <a:t>Asociatividad de operadores</a:t>
             </a:r>
             <a:endParaRPr b="0" lang="es-MX" sz="4400" spc="-1" strike="noStrike">
               <a:latin typeface="Arial"/>
@@ -19737,7 +19873,7 @@
       </p:sp>
       <p:pic>
         <p:nvPicPr>
-          <p:cNvPr id="382" name="Imagen 3" descr=""/>
+          <p:cNvPr id="387" name="Imagen 3" descr=""/>
           <p:cNvPicPr/>
           <p:nvPr/>
         </p:nvPicPr>
@@ -19747,8 +19883,8 @@
         </p:blipFill>
         <p:spPr>
           <a:xfrm>
-            <a:off x="2226600" y="927360"/>
-            <a:ext cx="7736760" cy="5780520"/>
+            <a:off x="2261160" y="935280"/>
+            <a:ext cx="7702560" cy="5743800"/>
           </a:xfrm>
           <a:prstGeom prst="rect">
             <a:avLst/>
@@ -19790,14 +19926,14 @@
       </p:grpSpPr>
       <p:sp>
         <p:nvSpPr>
-          <p:cNvPr id="383" name="CustomShape 1"/>
+          <p:cNvPr id="388" name="CustomShape 1"/>
           <p:cNvSpPr/>
           <p:nvPr/>
         </p:nvSpPr>
         <p:spPr>
           <a:xfrm>
-            <a:off x="855720" y="0"/>
-            <a:ext cx="10513800" cy="1323720"/>
+            <a:off x="803160" y="0"/>
+            <a:ext cx="10513080" cy="1323000"/>
           </a:xfrm>
           <a:prstGeom prst="rect">
             <a:avLst/>
@@ -19831,7 +19967,7 @@
                 <a:latin typeface="Calibri Light"/>
                 <a:ea typeface="DejaVu Sans"/>
               </a:rPr>
-              <a:t>Asociatividad de operadores</a:t>
+              <a:t>Tabla de precedencia/asociatividad</a:t>
             </a:r>
             <a:endParaRPr b="0" lang="es-MX" sz="4400" spc="-1" strike="noStrike">
               <a:latin typeface="Arial"/>
@@ -19841,7 +19977,7 @@
       </p:sp>
       <p:pic>
         <p:nvPicPr>
-          <p:cNvPr id="384" name="Imagen 3" descr=""/>
+          <p:cNvPr id="389" name="Imagen 3" descr=""/>
           <p:cNvPicPr/>
           <p:nvPr/>
         </p:nvPicPr>
@@ -19851,8 +19987,8 @@
         </p:blipFill>
         <p:spPr>
           <a:xfrm>
-            <a:off x="2261160" y="935280"/>
-            <a:ext cx="7703280" cy="5744520"/>
+            <a:off x="2172600" y="871560"/>
+            <a:ext cx="7773840" cy="5741640"/>
           </a:xfrm>
           <a:prstGeom prst="rect">
             <a:avLst/>
@@ -19894,14 +20030,14 @@
       </p:grpSpPr>
       <p:sp>
         <p:nvSpPr>
-          <p:cNvPr id="385" name="CustomShape 1"/>
+          <p:cNvPr id="390" name="CustomShape 1"/>
           <p:cNvSpPr/>
           <p:nvPr/>
         </p:nvSpPr>
         <p:spPr>
           <a:xfrm>
-            <a:off x="803160" y="0"/>
-            <a:ext cx="10513800" cy="1323720"/>
+            <a:off x="464760" y="0"/>
+            <a:ext cx="10513080" cy="1323000"/>
           </a:xfrm>
           <a:prstGeom prst="rect">
             <a:avLst/>
@@ -19928,16 +20064,27 @@
               </a:lnSpc>
             </a:pPr>
             <a:r>
-              <a:rPr b="0" lang="es-MX" sz="4400" spc="-1" strike="noStrike">
+              <a:rPr b="0" lang="es-MX" sz="4000" spc="-1" strike="noStrike">
                 <a:solidFill>
                   <a:srgbClr val="000000"/>
                 </a:solidFill>
                 <a:latin typeface="Calibri Light"/>
                 <a:ea typeface="DejaVu Sans"/>
               </a:rPr>
-              <a:t>Tabla de precedencia/asociatividad</a:t>
-            </a:r>
-            <a:endParaRPr b="0" lang="es-MX" sz="4400" spc="-1" strike="noStrike">
+              <a:t>Repaso</a:t>
+            </a:r>
+            <a:br/>
+            <a:r>
+              <a:rPr b="0" lang="es-MX" sz="4000" spc="-1" strike="noStrike">
+                <a:solidFill>
+                  <a:srgbClr val="000000"/>
+                </a:solidFill>
+                <a:latin typeface="Calibri Light"/>
+                <a:ea typeface="DejaVu Sans"/>
+              </a:rPr>
+              <a:t>Ejemplo 16</a:t>
+            </a:r>
+            <a:endParaRPr b="0" lang="es-MX" sz="4000" spc="-1" strike="noStrike">
               <a:latin typeface="Arial"/>
             </a:endParaRPr>
           </a:p>
@@ -19945,7 +20092,7 @@
       </p:sp>
       <p:pic>
         <p:nvPicPr>
-          <p:cNvPr id="386" name="Imagen 3" descr=""/>
+          <p:cNvPr id="391" name="Imagen 3" descr=""/>
           <p:cNvPicPr/>
           <p:nvPr/>
         </p:nvPicPr>
@@ -19955,8 +20102,8 @@
         </p:blipFill>
         <p:spPr>
           <a:xfrm>
-            <a:off x="2172600" y="871560"/>
-            <a:ext cx="7774560" cy="5742360"/>
+            <a:off x="3473280" y="228600"/>
+            <a:ext cx="8537040" cy="6345360"/>
           </a:xfrm>
           <a:prstGeom prst="rect">
             <a:avLst/>
@@ -19998,14 +20145,14 @@
       </p:grpSpPr>
       <p:sp>
         <p:nvSpPr>
-          <p:cNvPr id="387" name="CustomShape 1"/>
+          <p:cNvPr id="392" name="CustomShape 1"/>
           <p:cNvSpPr/>
           <p:nvPr/>
         </p:nvSpPr>
         <p:spPr>
           <a:xfrm>
-            <a:off x="464760" y="0"/>
-            <a:ext cx="10513800" cy="1323720"/>
+            <a:off x="803160" y="-162360"/>
+            <a:ext cx="10513080" cy="1323000"/>
           </a:xfrm>
           <a:prstGeom prst="rect">
             <a:avLst/>
@@ -20032,55 +20179,380 @@
               </a:lnSpc>
             </a:pPr>
             <a:r>
-              <a:rPr b="0" lang="es-MX" sz="4000" spc="-1" strike="noStrike">
+              <a:rPr b="0" lang="es-MX" sz="4400" spc="-1" strike="noStrike">
                 <a:solidFill>
                   <a:srgbClr val="000000"/>
                 </a:solidFill>
                 <a:latin typeface="Calibri Light"/>
                 <a:ea typeface="DejaVu Sans"/>
               </a:rPr>
-              <a:t>Repaso</a:t>
-            </a:r>
-            <a:br/>
-            <a:r>
-              <a:rPr b="0" lang="es-MX" sz="4000" spc="-1" strike="noStrike">
-                <a:solidFill>
-                  <a:srgbClr val="000000"/>
-                </a:solidFill>
-                <a:latin typeface="Calibri Light"/>
-                <a:ea typeface="DejaVu Sans"/>
-              </a:rPr>
-              <a:t>Ejemplo 16</a:t>
-            </a:r>
-            <a:endParaRPr b="0" lang="es-MX" sz="4000" spc="-1" strike="noStrike">
-              <a:latin typeface="Arial"/>
-            </a:endParaRPr>
-          </a:p>
-        </p:txBody>
-      </p:sp>
-      <p:pic>
-        <p:nvPicPr>
-          <p:cNvPr id="388" name="Imagen 3" descr=""/>
-          <p:cNvPicPr/>
+              <a:t>1.5 Expresiones simples y complejas</a:t>
+            </a:r>
+            <a:endParaRPr b="0" lang="es-MX" sz="4400" spc="-1" strike="noStrike">
+              <a:latin typeface="Arial"/>
+            </a:endParaRPr>
+          </a:p>
+        </p:txBody>
+      </p:sp>
+      <p:sp>
+        <p:nvSpPr>
+          <p:cNvPr id="393" name="CustomShape 2"/>
+          <p:cNvSpPr/>
           <p:nvPr/>
-        </p:nvPicPr>
-        <p:blipFill>
-          <a:blip r:embed="rId1"/>
-          <a:stretch/>
-        </p:blipFill>
-        <p:spPr>
-          <a:xfrm>
-            <a:off x="3473280" y="228600"/>
-            <a:ext cx="8537760" cy="6346080"/>
-          </a:xfrm>
-          <a:prstGeom prst="rect">
-            <a:avLst/>
-          </a:prstGeom>
+        </p:nvSpPr>
+        <p:spPr>
+          <a:xfrm>
+            <a:off x="792000" y="793800"/>
+            <a:ext cx="11262240" cy="4236840"/>
+          </a:xfrm>
+          <a:prstGeom prst="rect">
+            <a:avLst/>
+          </a:prstGeom>
+          <a:noFill/>
           <a:ln w="0">
             <a:noFill/>
           </a:ln>
         </p:spPr>
-      </p:pic>
+        <p:style>
+          <a:lnRef idx="0"/>
+          <a:fillRef idx="0"/>
+          <a:effectRef idx="0"/>
+          <a:fontRef idx="minor"/>
+        </p:style>
+        <p:txBody>
+          <a:bodyPr wrap="none" lIns="90000" rIns="90000" tIns="45000" bIns="45000">
+            <a:spAutoFit/>
+          </a:bodyPr>
+          <a:p>
+            <a:pPr>
+              <a:lnSpc>
+                <a:spcPct val="100000"/>
+              </a:lnSpc>
+            </a:pPr>
+            <a:r>
+              <a:rPr b="0" lang="es-MX" sz="1700" spc="-1" strike="noStrike">
+                <a:solidFill>
+                  <a:srgbClr val="000000"/>
+                </a:solidFill>
+                <a:latin typeface="Calibri"/>
+                <a:ea typeface="DejaVu Sans"/>
+              </a:rPr>
+              <a:t>Las expresiones (Joyanes Aguilar Luis) son combinaciones de constantes, variables, símbolos de </a:t>
+            </a:r>
+            <a:endParaRPr b="0" lang="es-MX" sz="1700" spc="-1" strike="noStrike">
+              <a:latin typeface="Arial"/>
+            </a:endParaRPr>
+          </a:p>
+          <a:p>
+            <a:pPr>
+              <a:lnSpc>
+                <a:spcPct val="100000"/>
+              </a:lnSpc>
+            </a:pPr>
+            <a:r>
+              <a:rPr b="0" lang="es-MX" sz="1700" spc="-1" strike="noStrike">
+                <a:solidFill>
+                  <a:srgbClr val="000000"/>
+                </a:solidFill>
+                <a:latin typeface="Calibri"/>
+                <a:ea typeface="DejaVu Sans"/>
+              </a:rPr>
+              <a:t>operación, paréntesis y nombres de funciones especiales.</a:t>
+            </a:r>
+            <a:endParaRPr b="0" lang="es-MX" sz="1700" spc="-1" strike="noStrike">
+              <a:latin typeface="Arial"/>
+            </a:endParaRPr>
+          </a:p>
+          <a:p>
+            <a:pPr>
+              <a:lnSpc>
+                <a:spcPct val="100000"/>
+              </a:lnSpc>
+            </a:pPr>
+            <a:endParaRPr b="0" lang="es-MX" sz="1700" spc="-1" strike="noStrike">
+              <a:latin typeface="Arial"/>
+            </a:endParaRPr>
+          </a:p>
+          <a:p>
+            <a:pPr>
+              <a:lnSpc>
+                <a:spcPct val="100000"/>
+              </a:lnSpc>
+            </a:pPr>
+            <a:r>
+              <a:rPr b="0" lang="es-MX" sz="1700" spc="-1" strike="noStrike">
+                <a:solidFill>
+                  <a:srgbClr val="000000"/>
+                </a:solidFill>
+                <a:latin typeface="Calibri"/>
+                <a:ea typeface="DejaVu Sans"/>
+              </a:rPr>
+              <a:t>En la bibliografía del curso no aparecen los términos ‘expresiones simples’ y ‘expresiones complejas’. </a:t>
+            </a:r>
+            <a:endParaRPr b="0" lang="es-MX" sz="1700" spc="-1" strike="noStrike">
+              <a:latin typeface="Arial"/>
+            </a:endParaRPr>
+          </a:p>
+          <a:p>
+            <a:pPr>
+              <a:lnSpc>
+                <a:spcPct val="100000"/>
+              </a:lnSpc>
+            </a:pPr>
+            <a:r>
+              <a:rPr b="0" lang="es-MX" sz="1700" spc="-1" strike="noStrike">
+                <a:solidFill>
+                  <a:srgbClr val="000000"/>
+                </a:solidFill>
+                <a:latin typeface="Calibri"/>
+                <a:ea typeface="DejaVu Sans"/>
+              </a:rPr>
+              <a:t>Tales términos solo me ha sido posible encontrarlos en dos páginas web:</a:t>
+            </a:r>
+            <a:endParaRPr b="0" lang="es-MX" sz="1700" spc="-1" strike="noStrike">
+              <a:latin typeface="Arial"/>
+            </a:endParaRPr>
+          </a:p>
+          <a:p>
+            <a:pPr>
+              <a:lnSpc>
+                <a:spcPct val="100000"/>
+              </a:lnSpc>
+            </a:pPr>
+            <a:endParaRPr b="0" lang="es-MX" sz="1700" spc="-1" strike="noStrike">
+              <a:latin typeface="Arial"/>
+            </a:endParaRPr>
+          </a:p>
+          <a:p>
+            <a:pPr>
+              <a:lnSpc>
+                <a:spcPct val="100000"/>
+              </a:lnSpc>
+            </a:pPr>
+            <a:r>
+              <a:rPr b="0" lang="es-MX" sz="1700" spc="-1" strike="noStrike" u="sng">
+                <a:solidFill>
+                  <a:srgbClr val="0563c1"/>
+                </a:solidFill>
+                <a:uFillTx/>
+                <a:latin typeface="Calibri"/>
+                <a:ea typeface="DejaVu Sans"/>
+                <a:hlinkClick r:id="rId1"/>
+              </a:rPr>
+              <a:t>https://newsandstory.com/story/s7mszmn/Expressions-and-its-uses-in-C-program-module-11-</a:t>
+            </a:r>
+            <a:r>
+              <a:rPr b="0" lang="es-MX" sz="1700" spc="-1" strike="noStrike" u="sng">
+                <a:solidFill>
+                  <a:srgbClr val="0563c1"/>
+                </a:solidFill>
+                <a:uFillTx/>
+                <a:latin typeface="Calibri"/>
+                <a:ea typeface="DejaVu Sans"/>
+                <a:hlinkClick r:id="rId2"/>
+              </a:rPr>
+              <a:t>/</a:t>
+            </a:r>
+            <a:endParaRPr b="0" lang="es-MX" sz="1700" spc="-1" strike="noStrike">
+              <a:latin typeface="Arial"/>
+            </a:endParaRPr>
+          </a:p>
+          <a:p>
+            <a:pPr>
+              <a:lnSpc>
+                <a:spcPct val="100000"/>
+              </a:lnSpc>
+            </a:pPr>
+            <a:r>
+              <a:rPr b="0" lang="es-MX" sz="1700" spc="-1" strike="noStrike">
+                <a:solidFill>
+                  <a:srgbClr val="000000"/>
+                </a:solidFill>
+                <a:latin typeface="Calibri"/>
+                <a:ea typeface="DejaVu Sans"/>
+              </a:rPr>
+              <a:t>“</a:t>
+            </a:r>
+            <a:r>
+              <a:rPr b="0" lang="es-MX" sz="1700" spc="-1" strike="noStrike">
+                <a:solidFill>
+                  <a:srgbClr val="000000"/>
+                </a:solidFill>
+                <a:latin typeface="Calibri"/>
+                <a:ea typeface="DejaVu Sans"/>
+              </a:rPr>
+              <a:t>An expression is a sequence of operators and operands that reduces to a single value. Expressions </a:t>
+            </a:r>
+            <a:endParaRPr b="0" lang="es-MX" sz="1700" spc="-1" strike="noStrike">
+              <a:latin typeface="Arial"/>
+            </a:endParaRPr>
+          </a:p>
+          <a:p>
+            <a:pPr>
+              <a:lnSpc>
+                <a:spcPct val="100000"/>
+              </a:lnSpc>
+            </a:pPr>
+            <a:r>
+              <a:rPr b="0" lang="es-MX" sz="1700" spc="-1" strike="noStrike">
+                <a:solidFill>
+                  <a:srgbClr val="000000"/>
+                </a:solidFill>
+                <a:latin typeface="Calibri"/>
+                <a:ea typeface="DejaVu Sans"/>
+              </a:rPr>
+              <a:t>can be simple or complex. An operator is a syntactical token that requires an action be taken.  An </a:t>
+            </a:r>
+            <a:endParaRPr b="0" lang="es-MX" sz="1700" spc="-1" strike="noStrike">
+              <a:latin typeface="Arial"/>
+            </a:endParaRPr>
+          </a:p>
+          <a:p>
+            <a:pPr>
+              <a:lnSpc>
+                <a:spcPct val="100000"/>
+              </a:lnSpc>
+            </a:pPr>
+            <a:r>
+              <a:rPr b="0" lang="es-MX" sz="1700" spc="-1" strike="noStrike">
+                <a:solidFill>
+                  <a:srgbClr val="000000"/>
+                </a:solidFill>
+                <a:latin typeface="Calibri"/>
+                <a:ea typeface="DejaVu Sans"/>
+              </a:rPr>
+              <a:t>operand is an object on which an operation is performed. A simple expression contains only one </a:t>
+            </a:r>
+            <a:endParaRPr b="0" lang="es-MX" sz="1700" spc="-1" strike="noStrike">
+              <a:latin typeface="Arial"/>
+            </a:endParaRPr>
+          </a:p>
+          <a:p>
+            <a:pPr>
+              <a:lnSpc>
+                <a:spcPct val="100000"/>
+              </a:lnSpc>
+            </a:pPr>
+            <a:r>
+              <a:rPr b="0" lang="es-MX" sz="1700" spc="-1" strike="noStrike">
+                <a:solidFill>
+                  <a:srgbClr val="000000"/>
+                </a:solidFill>
+                <a:latin typeface="Calibri"/>
+                <a:ea typeface="DejaVu Sans"/>
+              </a:rPr>
+              <a:t>operator. Eg. 2+3 is a simple expression whose value is 5.”</a:t>
+            </a:r>
+            <a:endParaRPr b="0" lang="es-MX" sz="1700" spc="-1" strike="noStrike">
+              <a:latin typeface="Arial"/>
+            </a:endParaRPr>
+          </a:p>
+          <a:p>
+            <a:pPr>
+              <a:lnSpc>
+                <a:spcPct val="100000"/>
+              </a:lnSpc>
+            </a:pPr>
+            <a:endParaRPr b="0" lang="es-MX" sz="1700" spc="-1" strike="noStrike">
+              <a:latin typeface="Arial"/>
+            </a:endParaRPr>
+          </a:p>
+          <a:p>
+            <a:pPr>
+              <a:lnSpc>
+                <a:spcPct val="100000"/>
+              </a:lnSpc>
+            </a:pPr>
+            <a:r>
+              <a:rPr b="0" lang="es-MX" sz="1700" spc="-1" strike="noStrike" u="sng">
+                <a:solidFill>
+                  <a:srgbClr val="0563c1"/>
+                </a:solidFill>
+                <a:uFillTx/>
+                <a:latin typeface="Calibri"/>
+                <a:ea typeface="DejaVu Sans"/>
+                <a:hlinkClick r:id="rId3"/>
+              </a:rPr>
+              <a:t>https://quizlet.com/188164793/computer-science-chapter-3-flash-cards</a:t>
+            </a:r>
+            <a:r>
+              <a:rPr b="0" lang="es-MX" sz="1700" spc="-1" strike="noStrike" u="sng">
+                <a:solidFill>
+                  <a:srgbClr val="0563c1"/>
+                </a:solidFill>
+                <a:uFillTx/>
+                <a:latin typeface="Calibri"/>
+                <a:ea typeface="DejaVu Sans"/>
+                <a:hlinkClick r:id="rId4"/>
+              </a:rPr>
+              <a:t>/</a:t>
+            </a:r>
+            <a:endParaRPr b="0" lang="es-MX" sz="1700" spc="-1" strike="noStrike">
+              <a:latin typeface="Arial"/>
+            </a:endParaRPr>
+          </a:p>
+          <a:p>
+            <a:pPr>
+              <a:lnSpc>
+                <a:spcPct val="100000"/>
+              </a:lnSpc>
+            </a:pPr>
+            <a:r>
+              <a:rPr b="0" lang="es-MX" sz="1700" spc="-1" strike="noStrike">
+                <a:solidFill>
+                  <a:srgbClr val="000000"/>
+                </a:solidFill>
+                <a:latin typeface="Calibri"/>
+                <a:ea typeface="DejaVu Sans"/>
+              </a:rPr>
+              <a:t>“</a:t>
+            </a:r>
+            <a:r>
+              <a:rPr b="0" lang="es-MX" sz="1700" spc="-1" strike="noStrike">
+                <a:solidFill>
+                  <a:srgbClr val="000000"/>
+                </a:solidFill>
+                <a:latin typeface="Calibri"/>
+                <a:ea typeface="DejaVu Sans"/>
+              </a:rPr>
+              <a:t>Simple Expression. contains only one operator. Complex Expression. contains more than one </a:t>
+            </a:r>
+            <a:endParaRPr b="0" lang="es-MX" sz="1700" spc="-1" strike="noStrike">
+              <a:latin typeface="Arial"/>
+            </a:endParaRPr>
+          </a:p>
+          <a:p>
+            <a:pPr>
+              <a:lnSpc>
+                <a:spcPct val="100000"/>
+              </a:lnSpc>
+            </a:pPr>
+            <a:r>
+              <a:rPr b="0" lang="es-MX" sz="1700" spc="-1" strike="noStrike">
+                <a:solidFill>
+                  <a:srgbClr val="000000"/>
+                </a:solidFill>
+                <a:latin typeface="Calibri"/>
+                <a:ea typeface="DejaVu Sans"/>
+              </a:rPr>
+              <a:t>operator”</a:t>
+            </a:r>
+            <a:endParaRPr b="0" lang="es-MX" sz="1700" spc="-1" strike="noStrike">
+              <a:latin typeface="Arial"/>
+            </a:endParaRPr>
+          </a:p>
+          <a:p>
+            <a:pPr>
+              <a:lnSpc>
+                <a:spcPct val="100000"/>
+              </a:lnSpc>
+            </a:pPr>
+            <a:endParaRPr b="0" lang="es-MX" sz="1700" spc="-1" strike="noStrike">
+              <a:latin typeface="Arial"/>
+            </a:endParaRPr>
+          </a:p>
+        </p:txBody>
+      </p:sp>
     </p:spTree>
   </p:cSld>
   <mc:AlternateContent>
@@ -20113,14 +20585,14 @@
       </p:grpSpPr>
       <p:sp>
         <p:nvSpPr>
-          <p:cNvPr id="389" name="CustomShape 1"/>
+          <p:cNvPr id="394" name="CustomShape 1"/>
           <p:cNvSpPr/>
           <p:nvPr/>
         </p:nvSpPr>
         <p:spPr>
           <a:xfrm>
-            <a:off x="803160" y="-162360"/>
-            <a:ext cx="10513800" cy="1323720"/>
+            <a:off x="838080" y="365040"/>
+            <a:ext cx="10513080" cy="1323000"/>
           </a:xfrm>
           <a:prstGeom prst="rect">
             <a:avLst/>
@@ -20154,7 +20626,7 @@
                 <a:latin typeface="Calibri Light"/>
                 <a:ea typeface="DejaVu Sans"/>
               </a:rPr>
-              <a:t>1.5 Expresiones simples y complejas</a:t>
+              <a:t>REFERENCIAS</a:t>
             </a:r>
             <a:endParaRPr b="0" lang="es-MX" sz="4400" spc="-1" strike="noStrike">
               <a:latin typeface="Arial"/>
@@ -20164,14 +20636,14 @@
       </p:sp>
       <p:sp>
         <p:nvSpPr>
-          <p:cNvPr id="390" name="CustomShape 2"/>
+          <p:cNvPr id="395" name="CustomShape 2"/>
           <p:cNvSpPr/>
           <p:nvPr/>
         </p:nvSpPr>
         <p:spPr>
           <a:xfrm>
-            <a:off x="792000" y="793800"/>
-            <a:ext cx="11262240" cy="4236840"/>
+            <a:off x="838080" y="1825560"/>
+            <a:ext cx="10513080" cy="4348800"/>
           </a:xfrm>
           <a:prstGeom prst="rect">
             <a:avLst/>
@@ -20188,451 +20660,11 @@
           <a:fontRef idx="minor"/>
         </p:style>
         <p:txBody>
-          <a:bodyPr wrap="none" lIns="90000" rIns="90000" tIns="45000" bIns="45000">
-            <a:spAutoFit/>
-          </a:bodyPr>
-          <a:p>
-            <a:pPr>
-              <a:lnSpc>
-                <a:spcPct val="100000"/>
-              </a:lnSpc>
-            </a:pPr>
-            <a:r>
-              <a:rPr b="0" lang="es-MX" sz="1700" spc="-1" strike="noStrike">
-                <a:solidFill>
-                  <a:srgbClr val="000000"/>
-                </a:solidFill>
-                <a:latin typeface="Calibri"/>
-                <a:ea typeface="DejaVu Sans"/>
-              </a:rPr>
-              <a:t>Las expresiones (Joyanes Aguilar Luis) son combinaciones de constantes, variables, símbolos de </a:t>
-            </a:r>
-            <a:endParaRPr b="0" lang="es-MX" sz="1700" spc="-1" strike="noStrike">
-              <a:latin typeface="Arial"/>
-            </a:endParaRPr>
-          </a:p>
-          <a:p>
-            <a:pPr>
-              <a:lnSpc>
-                <a:spcPct val="100000"/>
-              </a:lnSpc>
-            </a:pPr>
-            <a:r>
-              <a:rPr b="0" lang="es-MX" sz="1700" spc="-1" strike="noStrike">
-                <a:solidFill>
-                  <a:srgbClr val="000000"/>
-                </a:solidFill>
-                <a:latin typeface="Calibri"/>
-                <a:ea typeface="DejaVu Sans"/>
-              </a:rPr>
-              <a:t>operación, paréntesis y nombres de funciones especiales.</a:t>
-            </a:r>
-            <a:endParaRPr b="0" lang="es-MX" sz="1700" spc="-1" strike="noStrike">
-              <a:latin typeface="Arial"/>
-            </a:endParaRPr>
-          </a:p>
-          <a:p>
-            <a:pPr>
-              <a:lnSpc>
-                <a:spcPct val="100000"/>
-              </a:lnSpc>
-            </a:pPr>
-            <a:endParaRPr b="0" lang="es-MX" sz="1700" spc="-1" strike="noStrike">
-              <a:latin typeface="Arial"/>
-            </a:endParaRPr>
-          </a:p>
-          <a:p>
-            <a:pPr>
-              <a:lnSpc>
-                <a:spcPct val="100000"/>
-              </a:lnSpc>
-            </a:pPr>
-            <a:r>
-              <a:rPr b="0" lang="es-MX" sz="1700" spc="-1" strike="noStrike">
-                <a:solidFill>
-                  <a:srgbClr val="000000"/>
-                </a:solidFill>
-                <a:latin typeface="Calibri"/>
-                <a:ea typeface="DejaVu Sans"/>
-              </a:rPr>
-              <a:t>En la bibliografía del curso no aparecen los términos ‘expresiones simples’ y ‘expresiones complejas’. </a:t>
-            </a:r>
-            <a:endParaRPr b="0" lang="es-MX" sz="1700" spc="-1" strike="noStrike">
-              <a:latin typeface="Arial"/>
-            </a:endParaRPr>
-          </a:p>
-          <a:p>
-            <a:pPr>
-              <a:lnSpc>
-                <a:spcPct val="100000"/>
-              </a:lnSpc>
-            </a:pPr>
-            <a:r>
-              <a:rPr b="0" lang="es-MX" sz="1700" spc="-1" strike="noStrike">
-                <a:solidFill>
-                  <a:srgbClr val="000000"/>
-                </a:solidFill>
-                <a:latin typeface="Calibri"/>
-                <a:ea typeface="DejaVu Sans"/>
-              </a:rPr>
-              <a:t>Tales términos solo me ha sido posible encontrarlos en dos páginas web:</a:t>
-            </a:r>
-            <a:endParaRPr b="0" lang="es-MX" sz="1700" spc="-1" strike="noStrike">
-              <a:latin typeface="Arial"/>
-            </a:endParaRPr>
-          </a:p>
-          <a:p>
-            <a:pPr>
-              <a:lnSpc>
-                <a:spcPct val="100000"/>
-              </a:lnSpc>
-            </a:pPr>
-            <a:endParaRPr b="0" lang="es-MX" sz="1700" spc="-1" strike="noStrike">
-              <a:latin typeface="Arial"/>
-            </a:endParaRPr>
-          </a:p>
-          <a:p>
-            <a:pPr>
-              <a:lnSpc>
-                <a:spcPct val="100000"/>
-              </a:lnSpc>
-            </a:pPr>
-            <a:r>
-              <a:rPr b="0" lang="es-MX" sz="1700" spc="-1" strike="noStrike" u="sng">
-                <a:solidFill>
-                  <a:srgbClr val="0563c1"/>
-                </a:solidFill>
-                <a:uFillTx/>
-                <a:latin typeface="Calibri"/>
-                <a:ea typeface="DejaVu Sans"/>
-                <a:hlinkClick r:id="rId1"/>
-              </a:rPr>
-              <a:t>https://newsandstory.com/story/s7mszmn/Expressions-and-its-uses-in-C-program-module-11-</a:t>
-            </a:r>
-            <a:r>
-              <a:rPr b="0" lang="es-MX" sz="1700" spc="-1" strike="noStrike" u="sng">
-                <a:solidFill>
-                  <a:srgbClr val="0563c1"/>
-                </a:solidFill>
-                <a:uFillTx/>
-                <a:latin typeface="Calibri"/>
-                <a:ea typeface="DejaVu Sans"/>
-                <a:hlinkClick r:id="rId2"/>
-              </a:rPr>
-              <a:t>/</a:t>
-            </a:r>
-            <a:endParaRPr b="0" lang="es-MX" sz="1700" spc="-1" strike="noStrike">
-              <a:latin typeface="Arial"/>
-            </a:endParaRPr>
-          </a:p>
-          <a:p>
-            <a:pPr>
-              <a:lnSpc>
-                <a:spcPct val="100000"/>
-              </a:lnSpc>
-            </a:pPr>
-            <a:r>
-              <a:rPr b="0" lang="es-MX" sz="1700" spc="-1" strike="noStrike">
-                <a:solidFill>
-                  <a:srgbClr val="000000"/>
-                </a:solidFill>
-                <a:latin typeface="Calibri"/>
-                <a:ea typeface="DejaVu Sans"/>
-              </a:rPr>
-              <a:t>“</a:t>
-            </a:r>
-            <a:r>
-              <a:rPr b="0" lang="es-MX" sz="1700" spc="-1" strike="noStrike">
-                <a:solidFill>
-                  <a:srgbClr val="000000"/>
-                </a:solidFill>
-                <a:latin typeface="Calibri"/>
-                <a:ea typeface="DejaVu Sans"/>
-              </a:rPr>
-              <a:t>An expression is a sequence of operators and operands that reduces to a single value. Expressions </a:t>
-            </a:r>
-            <a:endParaRPr b="0" lang="es-MX" sz="1700" spc="-1" strike="noStrike">
-              <a:latin typeface="Arial"/>
-            </a:endParaRPr>
-          </a:p>
-          <a:p>
-            <a:pPr>
-              <a:lnSpc>
-                <a:spcPct val="100000"/>
-              </a:lnSpc>
-            </a:pPr>
-            <a:r>
-              <a:rPr b="0" lang="es-MX" sz="1700" spc="-1" strike="noStrike">
-                <a:solidFill>
-                  <a:srgbClr val="000000"/>
-                </a:solidFill>
-                <a:latin typeface="Calibri"/>
-                <a:ea typeface="DejaVu Sans"/>
-              </a:rPr>
-              <a:t>can be simple or complex. An operator is a syntactical token that requires an action be taken.  An </a:t>
-            </a:r>
-            <a:endParaRPr b="0" lang="es-MX" sz="1700" spc="-1" strike="noStrike">
-              <a:latin typeface="Arial"/>
-            </a:endParaRPr>
-          </a:p>
-          <a:p>
-            <a:pPr>
-              <a:lnSpc>
-                <a:spcPct val="100000"/>
-              </a:lnSpc>
-            </a:pPr>
-            <a:r>
-              <a:rPr b="0" lang="es-MX" sz="1700" spc="-1" strike="noStrike">
-                <a:solidFill>
-                  <a:srgbClr val="000000"/>
-                </a:solidFill>
-                <a:latin typeface="Calibri"/>
-                <a:ea typeface="DejaVu Sans"/>
-              </a:rPr>
-              <a:t>operand is an object on which an operation is performed. A simple expression contains only one </a:t>
-            </a:r>
-            <a:endParaRPr b="0" lang="es-MX" sz="1700" spc="-1" strike="noStrike">
-              <a:latin typeface="Arial"/>
-            </a:endParaRPr>
-          </a:p>
-          <a:p>
-            <a:pPr>
-              <a:lnSpc>
-                <a:spcPct val="100000"/>
-              </a:lnSpc>
-            </a:pPr>
-            <a:r>
-              <a:rPr b="0" lang="es-MX" sz="1700" spc="-1" strike="noStrike">
-                <a:solidFill>
-                  <a:srgbClr val="000000"/>
-                </a:solidFill>
-                <a:latin typeface="Calibri"/>
-                <a:ea typeface="DejaVu Sans"/>
-              </a:rPr>
-              <a:t>operator. Eg. 2+3 is a simple expression whose value is 5.”</a:t>
-            </a:r>
-            <a:endParaRPr b="0" lang="es-MX" sz="1700" spc="-1" strike="noStrike">
-              <a:latin typeface="Arial"/>
-            </a:endParaRPr>
-          </a:p>
-          <a:p>
-            <a:pPr>
-              <a:lnSpc>
-                <a:spcPct val="100000"/>
-              </a:lnSpc>
-            </a:pPr>
-            <a:endParaRPr b="0" lang="es-MX" sz="1700" spc="-1" strike="noStrike">
-              <a:latin typeface="Arial"/>
-            </a:endParaRPr>
-          </a:p>
-          <a:p>
-            <a:pPr>
-              <a:lnSpc>
-                <a:spcPct val="100000"/>
-              </a:lnSpc>
-            </a:pPr>
-            <a:r>
-              <a:rPr b="0" lang="es-MX" sz="1700" spc="-1" strike="noStrike" u="sng">
-                <a:solidFill>
-                  <a:srgbClr val="0563c1"/>
-                </a:solidFill>
-                <a:uFillTx/>
-                <a:latin typeface="Calibri"/>
-                <a:ea typeface="DejaVu Sans"/>
-                <a:hlinkClick r:id="rId3"/>
-              </a:rPr>
-              <a:t>https://quizlet.com/188164793/computer-science-chapter-3-flash-cards</a:t>
-            </a:r>
-            <a:r>
-              <a:rPr b="0" lang="es-MX" sz="1700" spc="-1" strike="noStrike" u="sng">
-                <a:solidFill>
-                  <a:srgbClr val="0563c1"/>
-                </a:solidFill>
-                <a:uFillTx/>
-                <a:latin typeface="Calibri"/>
-                <a:ea typeface="DejaVu Sans"/>
-                <a:hlinkClick r:id="rId4"/>
-              </a:rPr>
-              <a:t>/</a:t>
-            </a:r>
-            <a:endParaRPr b="0" lang="es-MX" sz="1700" spc="-1" strike="noStrike">
-              <a:latin typeface="Arial"/>
-            </a:endParaRPr>
-          </a:p>
-          <a:p>
-            <a:pPr>
-              <a:lnSpc>
-                <a:spcPct val="100000"/>
-              </a:lnSpc>
-            </a:pPr>
-            <a:r>
-              <a:rPr b="0" lang="es-MX" sz="1700" spc="-1" strike="noStrike">
-                <a:solidFill>
-                  <a:srgbClr val="000000"/>
-                </a:solidFill>
-                <a:latin typeface="Calibri"/>
-                <a:ea typeface="DejaVu Sans"/>
-              </a:rPr>
-              <a:t>“</a:t>
-            </a:r>
-            <a:r>
-              <a:rPr b="0" lang="es-MX" sz="1700" spc="-1" strike="noStrike">
-                <a:solidFill>
-                  <a:srgbClr val="000000"/>
-                </a:solidFill>
-                <a:latin typeface="Calibri"/>
-                <a:ea typeface="DejaVu Sans"/>
-              </a:rPr>
-              <a:t>Simple Expression. contains only one operator. Complex Expression. contains more than one </a:t>
-            </a:r>
-            <a:endParaRPr b="0" lang="es-MX" sz="1700" spc="-1" strike="noStrike">
-              <a:latin typeface="Arial"/>
-            </a:endParaRPr>
-          </a:p>
-          <a:p>
-            <a:pPr>
-              <a:lnSpc>
-                <a:spcPct val="100000"/>
-              </a:lnSpc>
-            </a:pPr>
-            <a:r>
-              <a:rPr b="0" lang="es-MX" sz="1700" spc="-1" strike="noStrike">
-                <a:solidFill>
-                  <a:srgbClr val="000000"/>
-                </a:solidFill>
-                <a:latin typeface="Calibri"/>
-                <a:ea typeface="DejaVu Sans"/>
-              </a:rPr>
-              <a:t>operator”</a:t>
-            </a:r>
-            <a:endParaRPr b="0" lang="es-MX" sz="1700" spc="-1" strike="noStrike">
-              <a:latin typeface="Arial"/>
-            </a:endParaRPr>
-          </a:p>
-          <a:p>
-            <a:pPr>
-              <a:lnSpc>
-                <a:spcPct val="100000"/>
-              </a:lnSpc>
-            </a:pPr>
-            <a:endParaRPr b="0" lang="es-MX" sz="1700" spc="-1" strike="noStrike">
-              <a:latin typeface="Arial"/>
-            </a:endParaRPr>
-          </a:p>
-        </p:txBody>
-      </p:sp>
-    </p:spTree>
-  </p:cSld>
-  <mc:AlternateContent>
-    <mc:Choice Requires="p14">
-      <p:transition spd="slow" p14:dur="2000"/>
-    </mc:Choice>
-    <mc:Fallback>
-      <p:transition spd="slow"/>
-    </mc:Fallback>
-  </mc:AlternateContent>
-</p:sld>
-</file>
-
-<file path=ppt/slides/slide78.xml><?xml version="1.0" encoding="utf-8"?>
-<p:sld xmlns:a="http://schemas.openxmlformats.org/drawingml/2006/main" xmlns:p="http://schemas.openxmlformats.org/presentationml/2006/main" xmlns:r="http://schemas.openxmlformats.org/officeDocument/2006/relationships" xmlns:p14="http://schemas.microsoft.com/office/powerpoint/2010/main" xmlns:p15="http://schemas.microsoft.com/office/powerpoint/2012/main" xmlns:mc="http://schemas.openxmlformats.org/markup-compatibility/2006">
-  <p:cSld>
-    <p:spTree>
-      <p:nvGrpSpPr>
-        <p:cNvPr id="1" name=""/>
-        <p:cNvGrpSpPr/>
-        <p:nvPr/>
-      </p:nvGrpSpPr>
-      <p:grpSpPr>
-        <a:xfrm>
-          <a:off x="0" y="0"/>
-          <a:ext cx="0" cy="0"/>
-          <a:chOff x="0" y="0"/>
-          <a:chExt cx="0" cy="0"/>
-        </a:xfrm>
-      </p:grpSpPr>
-      <p:sp>
-        <p:nvSpPr>
-          <p:cNvPr id="391" name="CustomShape 1"/>
-          <p:cNvSpPr/>
-          <p:nvPr/>
-        </p:nvSpPr>
-        <p:spPr>
-          <a:xfrm>
-            <a:off x="838080" y="365040"/>
-            <a:ext cx="10513800" cy="1323720"/>
-          </a:xfrm>
-          <a:prstGeom prst="rect">
-            <a:avLst/>
-          </a:prstGeom>
-          <a:noFill/>
-          <a:ln w="0">
-            <a:noFill/>
-          </a:ln>
-        </p:spPr>
-        <p:style>
-          <a:lnRef idx="0"/>
-          <a:fillRef idx="0"/>
-          <a:effectRef idx="0"/>
-          <a:fontRef idx="minor"/>
-        </p:style>
-        <p:txBody>
-          <a:bodyPr lIns="90000" rIns="90000" tIns="45000" bIns="45000" anchor="ctr">
-            <a:noAutofit/>
-          </a:bodyPr>
-          <a:p>
-            <a:pPr>
-              <a:lnSpc>
-                <a:spcPct val="90000"/>
-              </a:lnSpc>
-            </a:pPr>
-            <a:r>
-              <a:rPr b="0" lang="es-MX" sz="4400" spc="-1" strike="noStrike">
-                <a:solidFill>
-                  <a:srgbClr val="000000"/>
-                </a:solidFill>
-                <a:latin typeface="Calibri Light"/>
-                <a:ea typeface="DejaVu Sans"/>
-              </a:rPr>
-              <a:t>REFERENCIAS</a:t>
-            </a:r>
-            <a:endParaRPr b="0" lang="es-MX" sz="4400" spc="-1" strike="noStrike">
-              <a:latin typeface="Arial"/>
-            </a:endParaRPr>
-          </a:p>
-        </p:txBody>
-      </p:sp>
-      <p:sp>
-        <p:nvSpPr>
-          <p:cNvPr id="392" name="CustomShape 2"/>
-          <p:cNvSpPr/>
-          <p:nvPr/>
-        </p:nvSpPr>
-        <p:spPr>
-          <a:xfrm>
-            <a:off x="838080" y="1825560"/>
-            <a:ext cx="10513800" cy="4349520"/>
-          </a:xfrm>
-          <a:prstGeom prst="rect">
-            <a:avLst/>
-          </a:prstGeom>
-          <a:noFill/>
-          <a:ln w="0">
-            <a:noFill/>
-          </a:ln>
-        </p:spPr>
-        <p:style>
-          <a:lnRef idx="0"/>
-          <a:fillRef idx="0"/>
-          <a:effectRef idx="0"/>
-          <a:fontRef idx="minor"/>
-        </p:style>
-        <p:txBody>
           <a:bodyPr lIns="90000" rIns="90000" tIns="45000" bIns="45000">
             <a:noAutofit/>
           </a:bodyPr>
           <a:p>
-            <a:pPr marL="228600" indent="-226800">
+            <a:pPr marL="228600" indent="-226080">
               <a:lnSpc>
                 <a:spcPct val="90000"/>
               </a:lnSpc>
@@ -20694,7 +20726,7 @@
             </a:endParaRPr>
           </a:p>
           <a:p>
-            <a:pPr marL="228600" indent="-226800">
+            <a:pPr marL="228600" indent="-226080">
               <a:lnSpc>
                 <a:spcPct val="90000"/>
               </a:lnSpc>
@@ -20722,7 +20754,7 @@
             </a:endParaRPr>
           </a:p>
           <a:p>
-            <a:pPr marL="228600" indent="-226800">
+            <a:pPr marL="228600" indent="-226080">
               <a:lnSpc>
                 <a:spcPct val="90000"/>
               </a:lnSpc>
@@ -20750,7 +20782,7 @@
             </a:endParaRPr>
           </a:p>
           <a:p>
-            <a:pPr marL="228600" indent="-226800">
+            <a:pPr marL="228600" indent="-226080">
               <a:lnSpc>
                 <a:spcPct val="90000"/>
               </a:lnSpc>
@@ -20818,7 +20850,7 @@
         <p:spPr>
           <a:xfrm>
             <a:off x="714960" y="0"/>
-            <a:ext cx="10513800" cy="1323720"/>
+            <a:ext cx="10513080" cy="1323000"/>
           </a:xfrm>
           <a:prstGeom prst="rect">
             <a:avLst/>
@@ -20873,7 +20905,7 @@
         <p:spPr>
           <a:xfrm>
             <a:off x="3772440" y="936720"/>
-            <a:ext cx="7746840" cy="5684400"/>
+            <a:ext cx="7746120" cy="5683680"/>
           </a:xfrm>
           <a:prstGeom prst="rect">
             <a:avLst/>
@@ -20892,7 +20924,7 @@
         <p:spPr>
           <a:xfrm>
             <a:off x="685800" y="936720"/>
-            <a:ext cx="10513800" cy="1323720"/>
+            <a:ext cx="10513080" cy="1323000"/>
           </a:xfrm>
           <a:prstGeom prst="rect">
             <a:avLst/>
@@ -20973,7 +21005,7 @@
         <p:spPr>
           <a:xfrm>
             <a:off x="838440" y="360"/>
-            <a:ext cx="10514160" cy="898560"/>
+            <a:ext cx="10513440" cy="897840"/>
           </a:xfrm>
           <a:prstGeom prst="rect">
             <a:avLst/>
@@ -21029,7 +21061,7 @@
         <p:spPr>
           <a:xfrm>
             <a:off x="1816200" y="779040"/>
-            <a:ext cx="8676360" cy="1919880"/>
+            <a:ext cx="8675640" cy="1919160"/>
           </a:xfrm>
           <a:prstGeom prst="rect">
             <a:avLst/>
@@ -21052,7 +21084,7 @@
         <p:spPr>
           <a:xfrm>
             <a:off x="1615680" y="2160000"/>
-            <a:ext cx="3063240" cy="398880"/>
+            <a:ext cx="3062520" cy="398160"/>
           </a:xfrm>
           <a:prstGeom prst="rect">
             <a:avLst/>
@@ -21075,7 +21107,7 @@
         <p:spPr>
           <a:xfrm>
             <a:off x="720000" y="2749680"/>
-            <a:ext cx="10772640" cy="863640"/>
+            <a:ext cx="10771920" cy="862920"/>
           </a:xfrm>
           <a:prstGeom prst="rect">
             <a:avLst/>
@@ -21098,7 +21130,7 @@
         <p:spPr>
           <a:xfrm>
             <a:off x="720000" y="4695840"/>
-            <a:ext cx="3155400" cy="883080"/>
+            <a:ext cx="3154680" cy="882360"/>
           </a:xfrm>
           <a:prstGeom prst="rect">
             <a:avLst/>
@@ -21121,7 +21153,7 @@
         <p:spPr>
           <a:xfrm>
             <a:off x="720000" y="3646080"/>
-            <a:ext cx="2338920" cy="316440"/>
+            <a:ext cx="2338200" cy="315720"/>
           </a:xfrm>
           <a:prstGeom prst="rect">
             <a:avLst/>
@@ -21144,7 +21176,7 @@
         <p:spPr>
           <a:xfrm>
             <a:off x="720000" y="3986280"/>
-            <a:ext cx="10798920" cy="658080"/>
+            <a:ext cx="10798200" cy="657360"/>
           </a:xfrm>
           <a:prstGeom prst="rect">
             <a:avLst/>
@@ -21163,7 +21195,7 @@
         <p:spPr>
           <a:xfrm>
             <a:off x="4140000" y="4680000"/>
-            <a:ext cx="7378920" cy="1625040"/>
+            <a:ext cx="7378200" cy="1624320"/>
           </a:xfrm>
           <a:prstGeom prst="rect">
             <a:avLst/>

--- a/U1_Introduccion_a_la_programacion/Unidad_01_Introduccion_a_la_programacion_2.pptx
+++ b/U1_Introduccion_a_la_programacion/Unidad_01_Introduccion_a_la_programacion_2.pptx
@@ -85,7 +85,6 @@
     <p:sldId id="329" r:id="rId80"/>
     <p:sldId id="330" r:id="rId81"/>
     <p:sldId id="331" r:id="rId82"/>
-    <p:sldId id="332" r:id="rId83"/>
   </p:sldIdLst>
   <p:sldSz cx="12192000" cy="6858000"/>
   <p:notesSz cx="7772400" cy="10058400"/>
@@ -6925,13 +6924,7 @@
               <a:rPr b="0" lang="es-MX" sz="4400" spc="-1" strike="noStrike">
                 <a:latin typeface="Arial"/>
               </a:rPr>
-              <a:t>Pulse para editar el formato del texto de </a:t>
-            </a:r>
-            <a:r>
-              <a:rPr b="0" lang="es-MX" sz="4400" spc="-1" strike="noStrike">
-                <a:latin typeface="Arial"/>
-              </a:rPr>
-              <a:t>título</a:t>
+              <a:t>Pulse para editar el formato del texto de título</a:t>
             </a:r>
             <a:endParaRPr b="0" lang="es-MX" sz="4400" spc="-1" strike="noStrike">
               <a:latin typeface="Arial"/>
@@ -8203,7 +8196,7 @@
         <p:spPr>
           <a:xfrm>
             <a:off x="1523880" y="1122480"/>
-            <a:ext cx="9141480" cy="2385000"/>
+            <a:ext cx="9140400" cy="2383920"/>
           </a:xfrm>
           <a:prstGeom prst="rect">
             <a:avLst/>
@@ -8237,7 +8230,7 @@
                 <a:latin typeface="Calibri Light"/>
                 <a:ea typeface="DejaVu Sans"/>
               </a:rPr>
-              <a:t>Unidad 01 Introducción a la programación</a:t>
+              <a:t>Unidad 01 Introducción a la Programación</a:t>
             </a:r>
             <a:endParaRPr b="0" lang="es-MX" sz="6000" spc="-1" strike="noStrike">
               <a:latin typeface="Arial"/>
@@ -8254,7 +8247,7 @@
         <p:spPr>
           <a:xfrm>
             <a:off x="1523880" y="3602160"/>
-            <a:ext cx="9141480" cy="1653120"/>
+            <a:ext cx="9140400" cy="1652040"/>
           </a:xfrm>
           <a:prstGeom prst="rect">
             <a:avLst/>
@@ -8360,14 +8353,14 @@
       </p:grpSpPr>
       <p:sp>
         <p:nvSpPr>
-          <p:cNvPr id="228" name="CustomShape 1"/>
+          <p:cNvPr id="227" name="CustomShape 1"/>
           <p:cNvSpPr/>
           <p:nvPr/>
         </p:nvSpPr>
         <p:spPr>
           <a:xfrm>
             <a:off x="838080" y="365040"/>
-            <a:ext cx="10513080" cy="1323000"/>
+            <a:ext cx="10512000" cy="1321920"/>
           </a:xfrm>
           <a:prstGeom prst="rect">
             <a:avLst/>
@@ -8422,7 +8415,7 @@
       </p:sp>
       <p:pic>
         <p:nvPicPr>
-          <p:cNvPr id="229" name="Imagen 4" descr=""/>
+          <p:cNvPr id="228" name="Imagen 4" descr=""/>
           <p:cNvPicPr/>
           <p:nvPr/>
         </p:nvPicPr>
@@ -8433,7 +8426,7 @@
         <p:spPr>
           <a:xfrm>
             <a:off x="618120" y="2234520"/>
-            <a:ext cx="10953360" cy="2792160"/>
+            <a:ext cx="10952280" cy="2791080"/>
           </a:xfrm>
           <a:prstGeom prst="rect">
             <a:avLst/>
@@ -8475,14 +8468,14 @@
       </p:grpSpPr>
       <p:sp>
         <p:nvSpPr>
-          <p:cNvPr id="230" name="CustomShape 1"/>
+          <p:cNvPr id="229" name="CustomShape 1"/>
           <p:cNvSpPr/>
           <p:nvPr/>
         </p:nvSpPr>
         <p:spPr>
           <a:xfrm>
             <a:off x="645480" y="360000"/>
-            <a:ext cx="10513080" cy="1323000"/>
+            <a:ext cx="10512000" cy="1321920"/>
           </a:xfrm>
           <a:prstGeom prst="rect">
             <a:avLst/>
@@ -8526,7 +8519,7 @@
       </p:sp>
       <p:pic>
         <p:nvPicPr>
-          <p:cNvPr id="231" name="Imagen 3" descr=""/>
+          <p:cNvPr id="230" name="Imagen 3" descr=""/>
           <p:cNvPicPr/>
           <p:nvPr/>
         </p:nvPicPr>
@@ -8537,7 +8530,7 @@
         <p:spPr>
           <a:xfrm>
             <a:off x="3337560" y="178560"/>
-            <a:ext cx="8595720" cy="6501240"/>
+            <a:ext cx="8594640" cy="6500160"/>
           </a:xfrm>
           <a:prstGeom prst="rect">
             <a:avLst/>
@@ -8579,14 +8572,14 @@
       </p:grpSpPr>
       <p:sp>
         <p:nvSpPr>
-          <p:cNvPr id="232" name="CustomShape 1"/>
+          <p:cNvPr id="231" name="CustomShape 1"/>
           <p:cNvSpPr/>
           <p:nvPr/>
         </p:nvSpPr>
         <p:spPr>
           <a:xfrm>
             <a:off x="757800" y="29520"/>
-            <a:ext cx="10513080" cy="1323000"/>
+            <a:ext cx="10512000" cy="1321920"/>
           </a:xfrm>
           <a:prstGeom prst="rect">
             <a:avLst/>
@@ -8630,7 +8623,7 @@
       </p:sp>
       <p:pic>
         <p:nvPicPr>
-          <p:cNvPr id="233" name="Imagen 3" descr=""/>
+          <p:cNvPr id="232" name="Imagen 3" descr=""/>
           <p:cNvPicPr/>
           <p:nvPr/>
         </p:nvPicPr>
@@ -8642,7 +8635,7 @@
         <p:spPr>
           <a:xfrm>
             <a:off x="900000" y="2244600"/>
-            <a:ext cx="10698840" cy="3936240"/>
+            <a:ext cx="10697760" cy="3935160"/>
           </a:xfrm>
           <a:prstGeom prst="rect">
             <a:avLst/>
@@ -8654,14 +8647,14 @@
       </p:pic>
       <p:sp>
         <p:nvSpPr>
-          <p:cNvPr id="234" name="CustomShape 2"/>
+          <p:cNvPr id="233" name="CustomShape 2"/>
           <p:cNvSpPr/>
           <p:nvPr/>
         </p:nvSpPr>
         <p:spPr>
           <a:xfrm>
             <a:off x="685440" y="1480320"/>
-            <a:ext cx="10438560" cy="655560"/>
+            <a:ext cx="10437480" cy="654480"/>
           </a:xfrm>
           <a:prstGeom prst="rect">
             <a:avLst/>
@@ -8735,14 +8728,14 @@
       </p:grpSpPr>
       <p:sp>
         <p:nvSpPr>
-          <p:cNvPr id="235" name="CustomShape 1"/>
+          <p:cNvPr id="234" name="CustomShape 1"/>
           <p:cNvSpPr/>
           <p:nvPr/>
         </p:nvSpPr>
         <p:spPr>
           <a:xfrm>
             <a:off x="838080" y="0"/>
-            <a:ext cx="10513080" cy="1323000"/>
+            <a:ext cx="10512000" cy="1321920"/>
           </a:xfrm>
           <a:prstGeom prst="rect">
             <a:avLst/>
@@ -8786,7 +8779,7 @@
       </p:sp>
       <p:pic>
         <p:nvPicPr>
-          <p:cNvPr id="236" name="Imagen 3" descr=""/>
+          <p:cNvPr id="235" name="Imagen 3" descr=""/>
           <p:cNvPicPr/>
           <p:nvPr/>
         </p:nvPicPr>
@@ -8798,7 +8791,7 @@
         <p:spPr>
           <a:xfrm>
             <a:off x="838080" y="970200"/>
-            <a:ext cx="10395000" cy="1911240"/>
+            <a:ext cx="10393920" cy="1910160"/>
           </a:xfrm>
           <a:prstGeom prst="rect">
             <a:avLst/>
@@ -8840,14 +8833,14 @@
       </p:grpSpPr>
       <p:sp>
         <p:nvSpPr>
-          <p:cNvPr id="237" name="CustomShape 1"/>
+          <p:cNvPr id="236" name="CustomShape 1"/>
           <p:cNvSpPr/>
           <p:nvPr/>
         </p:nvSpPr>
         <p:spPr>
           <a:xfrm>
             <a:off x="838080" y="0"/>
-            <a:ext cx="10513080" cy="1323000"/>
+            <a:ext cx="10512000" cy="1321920"/>
           </a:xfrm>
           <a:prstGeom prst="rect">
             <a:avLst/>
@@ -8891,19 +8884,19 @@
       </p:sp>
       <p:pic>
         <p:nvPicPr>
-          <p:cNvPr id="238" name="Imagen 3" descr=""/>
+          <p:cNvPr id="237" name="Imagen 3" descr=""/>
           <p:cNvPicPr/>
           <p:nvPr/>
         </p:nvPicPr>
         <p:blipFill>
           <a:blip r:embed="rId1"/>
-          <a:srcRect l="0" t="0" r="0" b="38751"/>
+          <a:srcRect l="0" t="0" r="0" b="38743"/>
           <a:stretch/>
         </p:blipFill>
         <p:spPr>
           <a:xfrm>
             <a:off x="892080" y="998640"/>
-            <a:ext cx="10405080" cy="3394800"/>
+            <a:ext cx="10404000" cy="3393720"/>
           </a:xfrm>
           <a:prstGeom prst="rect">
             <a:avLst/>
@@ -8915,19 +8908,19 @@
       </p:pic>
       <p:pic>
         <p:nvPicPr>
-          <p:cNvPr id="239" name="Imagen 4" descr=""/>
+          <p:cNvPr id="238" name="Imagen 4" descr=""/>
           <p:cNvPicPr/>
           <p:nvPr/>
         </p:nvPicPr>
         <p:blipFill>
           <a:blip r:embed="rId2"/>
-          <a:srcRect l="-337" t="73058" r="337" b="-308"/>
+          <a:srcRect l="-337" t="73066" r="337" b="-308"/>
           <a:stretch/>
         </p:blipFill>
         <p:spPr>
           <a:xfrm>
             <a:off x="1040040" y="4638600"/>
-            <a:ext cx="10405080" cy="1509840"/>
+            <a:ext cx="10404000" cy="1508760"/>
           </a:xfrm>
           <a:prstGeom prst="rect">
             <a:avLst/>
@@ -8969,14 +8962,14 @@
       </p:grpSpPr>
       <p:sp>
         <p:nvSpPr>
-          <p:cNvPr id="240" name="CustomShape 1"/>
+          <p:cNvPr id="239" name="CustomShape 1"/>
           <p:cNvSpPr/>
           <p:nvPr/>
         </p:nvSpPr>
         <p:spPr>
           <a:xfrm>
             <a:off x="838080" y="0"/>
-            <a:ext cx="10513080" cy="1323000"/>
+            <a:ext cx="10512000" cy="1321920"/>
           </a:xfrm>
           <a:prstGeom prst="rect">
             <a:avLst/>
@@ -9020,7 +9013,7 @@
       </p:sp>
       <p:pic>
         <p:nvPicPr>
-          <p:cNvPr id="241" name="Imagen 3" descr=""/>
+          <p:cNvPr id="240" name="Imagen 3" descr=""/>
           <p:cNvPicPr/>
           <p:nvPr/>
         </p:nvPicPr>
@@ -9031,7 +9024,7 @@
         <p:spPr>
           <a:xfrm>
             <a:off x="434160" y="1085040"/>
-            <a:ext cx="11321280" cy="1110600"/>
+            <a:ext cx="11320200" cy="1109520"/>
           </a:xfrm>
           <a:prstGeom prst="rect">
             <a:avLst/>
@@ -9043,7 +9036,7 @@
       </p:pic>
       <p:pic>
         <p:nvPicPr>
-          <p:cNvPr id="242" name="Imagen 4" descr=""/>
+          <p:cNvPr id="241" name="Imagen 4" descr=""/>
           <p:cNvPicPr/>
           <p:nvPr/>
         </p:nvPicPr>
@@ -9054,7 +9047,7 @@
         <p:spPr>
           <a:xfrm>
             <a:off x="1571400" y="2198160"/>
-            <a:ext cx="9040680" cy="4534200"/>
+            <a:ext cx="9039600" cy="4533120"/>
           </a:xfrm>
           <a:prstGeom prst="rect">
             <a:avLst/>
@@ -9096,14 +9089,14 @@
       </p:grpSpPr>
       <p:sp>
         <p:nvSpPr>
-          <p:cNvPr id="243" name="CustomShape 1"/>
+          <p:cNvPr id="242" name="CustomShape 1"/>
           <p:cNvSpPr/>
           <p:nvPr/>
         </p:nvSpPr>
         <p:spPr>
           <a:xfrm>
             <a:off x="838080" y="0"/>
-            <a:ext cx="10513080" cy="1323000"/>
+            <a:ext cx="10512000" cy="1321920"/>
           </a:xfrm>
           <a:prstGeom prst="rect">
             <a:avLst/>
@@ -9147,7 +9140,7 @@
       </p:sp>
       <p:pic>
         <p:nvPicPr>
-          <p:cNvPr id="244" name="Imagen 3" descr=""/>
+          <p:cNvPr id="243" name="Imagen 3" descr=""/>
           <p:cNvPicPr/>
           <p:nvPr/>
         </p:nvPicPr>
@@ -9158,7 +9151,7 @@
         <p:spPr>
           <a:xfrm>
             <a:off x="477720" y="1124280"/>
-            <a:ext cx="11234160" cy="1423080"/>
+            <a:ext cx="11233080" cy="1422000"/>
           </a:xfrm>
           <a:prstGeom prst="rect">
             <a:avLst/>
@@ -9170,7 +9163,7 @@
       </p:pic>
       <p:pic>
         <p:nvPicPr>
-          <p:cNvPr id="245" name="Imagen 4" descr=""/>
+          <p:cNvPr id="244" name="Imagen 4" descr=""/>
           <p:cNvPicPr/>
           <p:nvPr/>
         </p:nvPicPr>
@@ -9182,7 +9175,7 @@
         <p:spPr>
           <a:xfrm>
             <a:off x="1231920" y="2549880"/>
-            <a:ext cx="9725400" cy="1350360"/>
+            <a:ext cx="9724320" cy="1349280"/>
           </a:xfrm>
           <a:prstGeom prst="rect">
             <a:avLst/>
@@ -9194,7 +9187,7 @@
       </p:pic>
       <p:pic>
         <p:nvPicPr>
-          <p:cNvPr id="246" name="Imagen 5" descr=""/>
+          <p:cNvPr id="245" name="Imagen 5" descr=""/>
           <p:cNvPicPr/>
           <p:nvPr/>
         </p:nvPicPr>
@@ -9205,7 +9198,7 @@
         <p:spPr>
           <a:xfrm>
             <a:off x="477720" y="3902760"/>
-            <a:ext cx="11147400" cy="2794680"/>
+            <a:ext cx="11146320" cy="2793600"/>
           </a:xfrm>
           <a:prstGeom prst="rect">
             <a:avLst/>
@@ -9247,14 +9240,14 @@
       </p:grpSpPr>
       <p:sp>
         <p:nvSpPr>
-          <p:cNvPr id="247" name="CustomShape 1"/>
+          <p:cNvPr id="246" name="CustomShape 1"/>
           <p:cNvSpPr/>
           <p:nvPr/>
         </p:nvSpPr>
         <p:spPr>
           <a:xfrm>
             <a:off x="838080" y="0"/>
-            <a:ext cx="10513080" cy="1323000"/>
+            <a:ext cx="10512000" cy="1321920"/>
           </a:xfrm>
           <a:prstGeom prst="rect">
             <a:avLst/>
@@ -9298,7 +9291,7 @@
       </p:sp>
       <p:pic>
         <p:nvPicPr>
-          <p:cNvPr id="248" name="Imagen 3" descr=""/>
+          <p:cNvPr id="247" name="Imagen 3" descr=""/>
           <p:cNvPicPr/>
           <p:nvPr/>
         </p:nvPicPr>
@@ -9309,7 +9302,7 @@
         <p:spPr>
           <a:xfrm>
             <a:off x="714240" y="1325520"/>
-            <a:ext cx="10761120" cy="1724040"/>
+            <a:ext cx="10760040" cy="1722960"/>
           </a:xfrm>
           <a:prstGeom prst="rect">
             <a:avLst/>
@@ -9321,19 +9314,19 @@
       </p:pic>
       <p:pic>
         <p:nvPicPr>
-          <p:cNvPr id="249" name="Imagen 4" descr=""/>
+          <p:cNvPr id="248" name="Imagen 4" descr=""/>
           <p:cNvPicPr/>
           <p:nvPr/>
         </p:nvPicPr>
         <p:blipFill>
           <a:blip r:embed="rId2"/>
-          <a:srcRect l="0" t="69607" r="0" b="0"/>
+          <a:srcRect l="0" t="69651" r="0" b="0"/>
           <a:stretch/>
         </p:blipFill>
         <p:spPr>
           <a:xfrm>
             <a:off x="623520" y="4505760"/>
-            <a:ext cx="10671120" cy="491400"/>
+            <a:ext cx="10670040" cy="490320"/>
           </a:xfrm>
           <a:prstGeom prst="rect">
             <a:avLst/>
@@ -9345,14 +9338,14 @@
       </p:pic>
       <p:sp>
         <p:nvSpPr>
-          <p:cNvPr id="250" name="CustomShape 2"/>
+          <p:cNvPr id="249" name="CustomShape 2"/>
           <p:cNvSpPr/>
           <p:nvPr/>
         </p:nvSpPr>
         <p:spPr>
           <a:xfrm>
             <a:off x="612720" y="3240000"/>
-            <a:ext cx="10905840" cy="1222200"/>
+            <a:ext cx="10904760" cy="1221120"/>
           </a:xfrm>
           <a:prstGeom prst="rect">
             <a:avLst/>
@@ -9426,14 +9419,14 @@
       </p:grpSpPr>
       <p:sp>
         <p:nvSpPr>
-          <p:cNvPr id="251" name="CustomShape 1"/>
+          <p:cNvPr id="250" name="CustomShape 1"/>
           <p:cNvSpPr/>
           <p:nvPr/>
         </p:nvSpPr>
         <p:spPr>
           <a:xfrm>
             <a:off x="838080" y="365040"/>
-            <a:ext cx="10513080" cy="1323000"/>
+            <a:ext cx="10512000" cy="1321920"/>
           </a:xfrm>
           <a:prstGeom prst="rect">
             <a:avLst/>
@@ -9477,7 +9470,7 @@
       </p:sp>
       <p:sp>
         <p:nvSpPr>
-          <p:cNvPr id="252" name="CustomShape 2"/>
+          <p:cNvPr id="251" name="CustomShape 2"/>
           <p:cNvSpPr/>
           <p:nvPr/>
         </p:nvSpPr>
@@ -9578,14 +9571,14 @@
       </p:grpSpPr>
       <p:sp>
         <p:nvSpPr>
-          <p:cNvPr id="253" name="CustomShape 1"/>
+          <p:cNvPr id="252" name="CustomShape 1"/>
           <p:cNvSpPr/>
           <p:nvPr/>
         </p:nvSpPr>
         <p:spPr>
           <a:xfrm>
             <a:off x="838080" y="0"/>
-            <a:ext cx="10513080" cy="1323000"/>
+            <a:ext cx="10512000" cy="1321920"/>
           </a:xfrm>
           <a:prstGeom prst="rect">
             <a:avLst/>
@@ -9629,7 +9622,7 @@
       </p:sp>
       <p:pic>
         <p:nvPicPr>
-          <p:cNvPr id="254" name="Imagen 3" descr=""/>
+          <p:cNvPr id="253" name="Imagen 3" descr=""/>
           <p:cNvPicPr/>
           <p:nvPr/>
         </p:nvPicPr>
@@ -9640,7 +9633,7 @@
         <p:spPr>
           <a:xfrm>
             <a:off x="2218320" y="838440"/>
-            <a:ext cx="7752600" cy="5803200"/>
+            <a:ext cx="7751520" cy="5802120"/>
           </a:xfrm>
           <a:prstGeom prst="rect">
             <a:avLst/>
@@ -9689,7 +9682,7 @@
         <p:spPr>
           <a:xfrm>
             <a:off x="180000" y="180000"/>
-            <a:ext cx="10513440" cy="728640"/>
+            <a:ext cx="10512360" cy="727560"/>
           </a:xfrm>
           <a:prstGeom prst="rect">
             <a:avLst/>
@@ -9985,14 +9978,14 @@
       </p:grpSpPr>
       <p:sp>
         <p:nvSpPr>
-          <p:cNvPr id="255" name="CustomShape 1"/>
+          <p:cNvPr id="254" name="CustomShape 1"/>
           <p:cNvSpPr/>
           <p:nvPr/>
         </p:nvSpPr>
         <p:spPr>
           <a:xfrm>
             <a:off x="838080" y="365040"/>
-            <a:ext cx="10513080" cy="1323000"/>
+            <a:ext cx="10512000" cy="1321920"/>
           </a:xfrm>
           <a:prstGeom prst="rect">
             <a:avLst/>
@@ -10036,7 +10029,7 @@
       </p:sp>
       <p:pic>
         <p:nvPicPr>
-          <p:cNvPr id="256" name="Imagen 3" descr=""/>
+          <p:cNvPr id="255" name="Imagen 3" descr=""/>
           <p:cNvPicPr/>
           <p:nvPr/>
         </p:nvPicPr>
@@ -10047,7 +10040,7 @@
         <p:spPr>
           <a:xfrm>
             <a:off x="3458880" y="224280"/>
-            <a:ext cx="8448120" cy="6296760"/>
+            <a:ext cx="8447040" cy="6295680"/>
           </a:xfrm>
           <a:prstGeom prst="rect">
             <a:avLst/>
@@ -10089,14 +10082,14 @@
       </p:grpSpPr>
       <p:sp>
         <p:nvSpPr>
-          <p:cNvPr id="257" name="CustomShape 1"/>
+          <p:cNvPr id="256" name="CustomShape 1"/>
           <p:cNvSpPr/>
           <p:nvPr/>
         </p:nvSpPr>
         <p:spPr>
           <a:xfrm>
             <a:off x="438120" y="365040"/>
-            <a:ext cx="10631160" cy="1323000"/>
+            <a:ext cx="10630080" cy="1321920"/>
           </a:xfrm>
           <a:prstGeom prst="rect">
             <a:avLst/>
@@ -10140,7 +10133,7 @@
       </p:sp>
       <p:pic>
         <p:nvPicPr>
-          <p:cNvPr id="258" name="Imagen 3" descr=""/>
+          <p:cNvPr id="257" name="Imagen 3" descr=""/>
           <p:cNvPicPr/>
           <p:nvPr/>
         </p:nvPicPr>
@@ -10151,7 +10144,7 @@
         <p:spPr>
           <a:xfrm>
             <a:off x="3238560" y="140760"/>
-            <a:ext cx="8691120" cy="6486120"/>
+            <a:ext cx="8690040" cy="6485040"/>
           </a:xfrm>
           <a:prstGeom prst="rect">
             <a:avLst/>
@@ -10193,14 +10186,14 @@
       </p:grpSpPr>
       <p:sp>
         <p:nvSpPr>
-          <p:cNvPr id="259" name="CustomShape 1"/>
+          <p:cNvPr id="258" name="CustomShape 1"/>
           <p:cNvSpPr/>
           <p:nvPr/>
         </p:nvSpPr>
         <p:spPr>
           <a:xfrm>
             <a:off x="578880" y="267480"/>
-            <a:ext cx="10513080" cy="1323000"/>
+            <a:ext cx="10512000" cy="1321920"/>
           </a:xfrm>
           <a:prstGeom prst="rect">
             <a:avLst/>
@@ -10244,7 +10237,7 @@
       </p:sp>
       <p:pic>
         <p:nvPicPr>
-          <p:cNvPr id="260" name="Imagen 3" descr=""/>
+          <p:cNvPr id="259" name="Imagen 3" descr=""/>
           <p:cNvPicPr/>
           <p:nvPr/>
         </p:nvPicPr>
@@ -10255,7 +10248,7 @@
         <p:spPr>
           <a:xfrm>
             <a:off x="3318480" y="315720"/>
-            <a:ext cx="8443440" cy="6293520"/>
+            <a:ext cx="8442360" cy="6292440"/>
           </a:xfrm>
           <a:prstGeom prst="rect">
             <a:avLst/>
@@ -10297,14 +10290,14 @@
       </p:grpSpPr>
       <p:sp>
         <p:nvSpPr>
-          <p:cNvPr id="261" name="CustomShape 1"/>
+          <p:cNvPr id="260" name="CustomShape 1"/>
           <p:cNvSpPr/>
           <p:nvPr/>
         </p:nvSpPr>
         <p:spPr>
           <a:xfrm>
             <a:off x="820440" y="0"/>
-            <a:ext cx="10513080" cy="1323000"/>
+            <a:ext cx="10512000" cy="1321920"/>
           </a:xfrm>
           <a:prstGeom prst="rect">
             <a:avLst/>
@@ -10348,7 +10341,7 @@
       </p:sp>
       <p:pic>
         <p:nvPicPr>
-          <p:cNvPr id="262" name="Imagen 3" descr=""/>
+          <p:cNvPr id="261" name="Imagen 3" descr=""/>
           <p:cNvPicPr/>
           <p:nvPr/>
         </p:nvPicPr>
@@ -10359,7 +10352,7 @@
         <p:spPr>
           <a:xfrm>
             <a:off x="2637720" y="819720"/>
-            <a:ext cx="8000280" cy="6035760"/>
+            <a:ext cx="7999200" cy="6034680"/>
           </a:xfrm>
           <a:prstGeom prst="rect">
             <a:avLst/>
@@ -10401,14 +10394,14 @@
       </p:grpSpPr>
       <p:sp>
         <p:nvSpPr>
-          <p:cNvPr id="263" name="CustomShape 1"/>
+          <p:cNvPr id="262" name="CustomShape 1"/>
           <p:cNvSpPr/>
           <p:nvPr/>
         </p:nvSpPr>
         <p:spPr>
           <a:xfrm>
             <a:off x="540000" y="360000"/>
-            <a:ext cx="10513080" cy="1323000"/>
+            <a:ext cx="10512000" cy="1321920"/>
           </a:xfrm>
           <a:prstGeom prst="rect">
             <a:avLst/>
@@ -10452,7 +10445,7 @@
       </p:sp>
       <p:pic>
         <p:nvPicPr>
-          <p:cNvPr id="264" name="Imagen 3" descr=""/>
+          <p:cNvPr id="263" name="Imagen 3" descr=""/>
           <p:cNvPicPr/>
           <p:nvPr/>
         </p:nvPicPr>
@@ -10463,7 +10456,7 @@
         <p:spPr>
           <a:xfrm>
             <a:off x="3345480" y="228600"/>
-            <a:ext cx="8521560" cy="6398280"/>
+            <a:ext cx="8520480" cy="6397200"/>
           </a:xfrm>
           <a:prstGeom prst="rect">
             <a:avLst/>
@@ -10505,14 +10498,14 @@
       </p:grpSpPr>
       <p:sp>
         <p:nvSpPr>
-          <p:cNvPr id="265" name="CustomShape 1"/>
+          <p:cNvPr id="264" name="CustomShape 1"/>
           <p:cNvSpPr/>
           <p:nvPr/>
         </p:nvSpPr>
         <p:spPr>
           <a:xfrm>
             <a:off x="838080" y="0"/>
-            <a:ext cx="10513080" cy="1323000"/>
+            <a:ext cx="10512000" cy="1321920"/>
           </a:xfrm>
           <a:prstGeom prst="rect">
             <a:avLst/>
@@ -10567,7 +10560,7 @@
       </p:sp>
       <p:pic>
         <p:nvPicPr>
-          <p:cNvPr id="266" name="Imagen 3" descr=""/>
+          <p:cNvPr id="265" name="Imagen 3" descr=""/>
           <p:cNvPicPr/>
           <p:nvPr/>
         </p:nvPicPr>
@@ -10578,7 +10571,7 @@
         <p:spPr>
           <a:xfrm>
             <a:off x="1125360" y="1325520"/>
-            <a:ext cx="9645480" cy="5520240"/>
+            <a:ext cx="9644400" cy="5519160"/>
           </a:xfrm>
           <a:prstGeom prst="rect">
             <a:avLst/>
@@ -10620,14 +10613,14 @@
       </p:grpSpPr>
       <p:sp>
         <p:nvSpPr>
-          <p:cNvPr id="267" name="CustomShape 1"/>
+          <p:cNvPr id="266" name="CustomShape 1"/>
           <p:cNvSpPr/>
           <p:nvPr/>
         </p:nvSpPr>
         <p:spPr>
           <a:xfrm>
             <a:off x="838080" y="13320"/>
-            <a:ext cx="10513080" cy="1323000"/>
+            <a:ext cx="10512000" cy="1321920"/>
           </a:xfrm>
           <a:prstGeom prst="rect">
             <a:avLst/>
@@ -10671,14 +10664,14 @@
       </p:sp>
       <p:sp>
         <p:nvSpPr>
-          <p:cNvPr id="268" name="CustomShape 2"/>
+          <p:cNvPr id="267" name="CustomShape 2"/>
           <p:cNvSpPr/>
           <p:nvPr/>
         </p:nvSpPr>
         <p:spPr>
           <a:xfrm>
             <a:off x="900000" y="1338480"/>
-            <a:ext cx="5618160" cy="5204520"/>
+            <a:ext cx="5617080" cy="5204520"/>
           </a:xfrm>
           <a:prstGeom prst="rect">
             <a:avLst/>
@@ -11292,14 +11285,14 @@
       </p:grpSpPr>
       <p:sp>
         <p:nvSpPr>
-          <p:cNvPr id="269" name="CustomShape 1"/>
+          <p:cNvPr id="268" name="CustomShape 1"/>
           <p:cNvSpPr/>
           <p:nvPr/>
         </p:nvSpPr>
         <p:spPr>
           <a:xfrm>
             <a:off x="753840" y="696600"/>
-            <a:ext cx="10476720" cy="2433960"/>
+            <a:ext cx="10475640" cy="2433960"/>
           </a:xfrm>
           <a:prstGeom prst="rect">
             <a:avLst/>
@@ -11633,14 +11626,14 @@
       </p:grpSpPr>
       <p:sp>
         <p:nvSpPr>
-          <p:cNvPr id="270" name="CustomShape 1"/>
+          <p:cNvPr id="269" name="CustomShape 1"/>
           <p:cNvSpPr/>
           <p:nvPr/>
         </p:nvSpPr>
         <p:spPr>
           <a:xfrm>
             <a:off x="838080" y="207000"/>
-            <a:ext cx="10513080" cy="1323000"/>
+            <a:ext cx="10512000" cy="1321920"/>
           </a:xfrm>
           <a:prstGeom prst="rect">
             <a:avLst/>
@@ -11706,7 +11699,7 @@
       </p:sp>
       <p:pic>
         <p:nvPicPr>
-          <p:cNvPr id="271" name="Imagen 3" descr=""/>
+          <p:cNvPr id="270" name="Imagen 3" descr=""/>
           <p:cNvPicPr/>
           <p:nvPr/>
         </p:nvPicPr>
@@ -11717,7 +11710,7 @@
         <p:spPr>
           <a:xfrm>
             <a:off x="344520" y="1655640"/>
-            <a:ext cx="11500200" cy="2248200"/>
+            <a:ext cx="11499120" cy="2247120"/>
           </a:xfrm>
           <a:prstGeom prst="rect">
             <a:avLst/>
@@ -11729,7 +11722,7 @@
       </p:pic>
       <p:pic>
         <p:nvPicPr>
-          <p:cNvPr id="272" name="Imagen 4" descr=""/>
+          <p:cNvPr id="271" name="Imagen 4" descr=""/>
           <p:cNvPicPr/>
           <p:nvPr/>
         </p:nvPicPr>
@@ -11740,7 +11733,7 @@
         <p:spPr>
           <a:xfrm>
             <a:off x="1008360" y="3906360"/>
-            <a:ext cx="10172520" cy="2474280"/>
+            <a:ext cx="10171440" cy="2473200"/>
           </a:xfrm>
           <a:prstGeom prst="rect">
             <a:avLst/>
@@ -11782,14 +11775,14 @@
       </p:grpSpPr>
       <p:sp>
         <p:nvSpPr>
-          <p:cNvPr id="273" name="CustomShape 1"/>
+          <p:cNvPr id="272" name="CustomShape 1"/>
           <p:cNvSpPr/>
           <p:nvPr/>
         </p:nvSpPr>
         <p:spPr>
           <a:xfrm>
             <a:off x="838080" y="365040"/>
-            <a:ext cx="10513080" cy="1323000"/>
+            <a:ext cx="10512000" cy="1321920"/>
           </a:xfrm>
           <a:prstGeom prst="rect">
             <a:avLst/>
@@ -11833,7 +11826,7 @@
       </p:sp>
       <p:pic>
         <p:nvPicPr>
-          <p:cNvPr id="274" name="Imagen 3" descr=""/>
+          <p:cNvPr id="273" name="Imagen 3" descr=""/>
           <p:cNvPicPr/>
           <p:nvPr/>
         </p:nvPicPr>
@@ -11844,7 +11837,7 @@
         <p:spPr>
           <a:xfrm>
             <a:off x="544680" y="1690560"/>
-            <a:ext cx="11333160" cy="3547080"/>
+            <a:ext cx="11332080" cy="3546000"/>
           </a:xfrm>
           <a:prstGeom prst="rect">
             <a:avLst/>
@@ -11893,7 +11886,7 @@
         <p:spPr>
           <a:xfrm>
             <a:off x="832320" y="0"/>
-            <a:ext cx="10513440" cy="1125720"/>
+            <a:ext cx="10512360" cy="1124640"/>
           </a:xfrm>
           <a:prstGeom prst="rect">
             <a:avLst/>
@@ -11943,13 +11936,13 @@
         </p:nvPicPr>
         <p:blipFill>
           <a:blip r:embed="rId1"/>
-          <a:srcRect l="0" t="0" r="0" b="55377"/>
+          <a:srcRect l="0" t="0" r="0" b="55390"/>
           <a:stretch/>
         </p:blipFill>
         <p:spPr>
           <a:xfrm>
             <a:off x="832320" y="1043640"/>
-            <a:ext cx="10272960" cy="1982160"/>
+            <a:ext cx="10271880" cy="1981080"/>
           </a:xfrm>
           <a:prstGeom prst="rect">
             <a:avLst/>
@@ -12140,7 +12133,7 @@
         <p:spPr>
           <a:xfrm>
             <a:off x="720000" y="4880520"/>
-            <a:ext cx="10438200" cy="699480"/>
+            <a:ext cx="10437120" cy="699480"/>
           </a:xfrm>
           <a:prstGeom prst="rect">
             <a:avLst/>
@@ -12315,14 +12308,14 @@
       </p:grpSpPr>
       <p:sp>
         <p:nvSpPr>
-          <p:cNvPr id="275" name="CustomShape 1"/>
+          <p:cNvPr id="274" name="CustomShape 1"/>
           <p:cNvSpPr/>
           <p:nvPr/>
         </p:nvSpPr>
         <p:spPr>
           <a:xfrm>
             <a:off x="838080" y="365040"/>
-            <a:ext cx="10513080" cy="1323000"/>
+            <a:ext cx="10512000" cy="1321920"/>
           </a:xfrm>
           <a:prstGeom prst="rect">
             <a:avLst/>
@@ -12366,7 +12359,7 @@
       </p:sp>
       <p:pic>
         <p:nvPicPr>
-          <p:cNvPr id="276" name="Imagen 3" descr=""/>
+          <p:cNvPr id="275" name="Imagen 3" descr=""/>
           <p:cNvPicPr/>
           <p:nvPr/>
         </p:nvPicPr>
@@ -12377,7 +12370,7 @@
         <p:spPr>
           <a:xfrm>
             <a:off x="0" y="1494720"/>
-            <a:ext cx="11864160" cy="4604760"/>
+            <a:ext cx="11863080" cy="4603680"/>
           </a:xfrm>
           <a:prstGeom prst="rect">
             <a:avLst/>
@@ -12419,14 +12412,14 @@
       </p:grpSpPr>
       <p:sp>
         <p:nvSpPr>
-          <p:cNvPr id="277" name="CustomShape 1"/>
+          <p:cNvPr id="276" name="CustomShape 1"/>
           <p:cNvSpPr/>
           <p:nvPr/>
         </p:nvSpPr>
         <p:spPr>
           <a:xfrm>
             <a:off x="838080" y="-175680"/>
-            <a:ext cx="10513080" cy="1323000"/>
+            <a:ext cx="10512000" cy="1321920"/>
           </a:xfrm>
           <a:prstGeom prst="rect">
             <a:avLst/>
@@ -12470,7 +12463,7 @@
       </p:sp>
       <p:pic>
         <p:nvPicPr>
-          <p:cNvPr id="278" name="Imagen 3" descr=""/>
+          <p:cNvPr id="277" name="Imagen 3" descr=""/>
           <p:cNvPicPr/>
           <p:nvPr/>
         </p:nvPicPr>
@@ -12481,7 +12474,7 @@
         <p:spPr>
           <a:xfrm>
             <a:off x="446040" y="984600"/>
-            <a:ext cx="11297520" cy="4798080"/>
+            <a:ext cx="11296440" cy="4797000"/>
           </a:xfrm>
           <a:prstGeom prst="rect">
             <a:avLst/>
@@ -12523,14 +12516,14 @@
       </p:grpSpPr>
       <p:sp>
         <p:nvSpPr>
-          <p:cNvPr id="279" name="CustomShape 1"/>
+          <p:cNvPr id="278" name="CustomShape 1"/>
           <p:cNvSpPr/>
           <p:nvPr/>
         </p:nvSpPr>
         <p:spPr>
           <a:xfrm>
             <a:off x="820440" y="0"/>
-            <a:ext cx="10513080" cy="1323000"/>
+            <a:ext cx="10512000" cy="1321920"/>
           </a:xfrm>
           <a:prstGeom prst="rect">
             <a:avLst/>
@@ -12574,7 +12567,7 @@
       </p:sp>
       <p:pic>
         <p:nvPicPr>
-          <p:cNvPr id="280" name="Imagen 3" descr=""/>
+          <p:cNvPr id="279" name="Imagen 3" descr=""/>
           <p:cNvPicPr/>
           <p:nvPr/>
         </p:nvPicPr>
@@ -12585,7 +12578,7 @@
         <p:spPr>
           <a:xfrm>
             <a:off x="486360" y="1022400"/>
-            <a:ext cx="11181960" cy="2966400"/>
+            <a:ext cx="11180880" cy="2965320"/>
           </a:xfrm>
           <a:prstGeom prst="rect">
             <a:avLst/>
@@ -12597,7 +12590,7 @@
       </p:pic>
       <p:pic>
         <p:nvPicPr>
-          <p:cNvPr id="281" name="Imagen 4" descr=""/>
+          <p:cNvPr id="280" name="Imagen 4" descr=""/>
           <p:cNvPicPr/>
           <p:nvPr/>
         </p:nvPicPr>
@@ -12609,7 +12602,7 @@
         <p:spPr>
           <a:xfrm>
             <a:off x="486360" y="3787920"/>
-            <a:ext cx="11012040" cy="1150920"/>
+            <a:ext cx="11010960" cy="1149840"/>
           </a:xfrm>
           <a:prstGeom prst="rect">
             <a:avLst/>
@@ -12651,14 +12644,14 @@
       </p:grpSpPr>
       <p:sp>
         <p:nvSpPr>
-          <p:cNvPr id="282" name="CustomShape 1"/>
+          <p:cNvPr id="281" name="CustomShape 1"/>
           <p:cNvSpPr/>
           <p:nvPr/>
         </p:nvSpPr>
         <p:spPr>
           <a:xfrm>
             <a:off x="838080" y="0"/>
-            <a:ext cx="10513080" cy="1323000"/>
+            <a:ext cx="10512000" cy="1321920"/>
           </a:xfrm>
           <a:prstGeom prst="rect">
             <a:avLst/>
@@ -12702,7 +12695,7 @@
       </p:sp>
       <p:pic>
         <p:nvPicPr>
-          <p:cNvPr id="283" name="Imagen 3" descr=""/>
+          <p:cNvPr id="282" name="Imagen 3" descr=""/>
           <p:cNvPicPr/>
           <p:nvPr/>
         </p:nvPicPr>
@@ -12713,7 +12706,7 @@
         <p:spPr>
           <a:xfrm>
             <a:off x="2751480" y="914400"/>
-            <a:ext cx="7779240" cy="5848200"/>
+            <a:ext cx="7778160" cy="5847120"/>
           </a:xfrm>
           <a:prstGeom prst="rect">
             <a:avLst/>
@@ -12755,14 +12748,14 @@
       </p:grpSpPr>
       <p:sp>
         <p:nvSpPr>
-          <p:cNvPr id="284" name="CustomShape 1"/>
+          <p:cNvPr id="283" name="CustomShape 1"/>
           <p:cNvSpPr/>
           <p:nvPr/>
         </p:nvSpPr>
         <p:spPr>
           <a:xfrm>
             <a:off x="878040" y="0"/>
-            <a:ext cx="10513080" cy="1323000"/>
+            <a:ext cx="10512000" cy="1321920"/>
           </a:xfrm>
           <a:prstGeom prst="rect">
             <a:avLst/>
@@ -12806,7 +12799,7 @@
       </p:sp>
       <p:pic>
         <p:nvPicPr>
-          <p:cNvPr id="285" name="Imagen 3" descr=""/>
+          <p:cNvPr id="284" name="Imagen 3" descr=""/>
           <p:cNvPicPr/>
           <p:nvPr/>
         </p:nvPicPr>
@@ -12817,7 +12810,7 @@
         <p:spPr>
           <a:xfrm>
             <a:off x="986760" y="1178280"/>
-            <a:ext cx="10295640" cy="4534200"/>
+            <a:ext cx="10294560" cy="4533120"/>
           </a:xfrm>
           <a:prstGeom prst="rect">
             <a:avLst/>
@@ -12859,14 +12852,14 @@
       </p:grpSpPr>
       <p:sp>
         <p:nvSpPr>
-          <p:cNvPr id="286" name="CustomShape 1"/>
+          <p:cNvPr id="285" name="CustomShape 1"/>
           <p:cNvSpPr/>
           <p:nvPr/>
         </p:nvSpPr>
         <p:spPr>
           <a:xfrm>
             <a:off x="820440" y="-355680"/>
-            <a:ext cx="10513080" cy="1323000"/>
+            <a:ext cx="10512000" cy="1321920"/>
           </a:xfrm>
           <a:prstGeom prst="rect">
             <a:avLst/>
@@ -12910,7 +12903,7 @@
       </p:sp>
       <p:pic>
         <p:nvPicPr>
-          <p:cNvPr id="287" name="Imagen 3" descr=""/>
+          <p:cNvPr id="286" name="Imagen 3" descr=""/>
           <p:cNvPicPr/>
           <p:nvPr/>
         </p:nvPicPr>
@@ -12921,7 +12914,7 @@
         <p:spPr>
           <a:xfrm>
             <a:off x="518760" y="492480"/>
-            <a:ext cx="11117160" cy="1848600"/>
+            <a:ext cx="11116080" cy="1847520"/>
           </a:xfrm>
           <a:prstGeom prst="rect">
             <a:avLst/>
@@ -12933,7 +12926,7 @@
       </p:pic>
       <p:pic>
         <p:nvPicPr>
-          <p:cNvPr id="288" name="Imagen 4" descr=""/>
+          <p:cNvPr id="287" name="Imagen 4" descr=""/>
           <p:cNvPicPr/>
           <p:nvPr/>
         </p:nvPicPr>
@@ -12944,7 +12937,7 @@
         <p:spPr>
           <a:xfrm>
             <a:off x="4402080" y="2343600"/>
-            <a:ext cx="3350160" cy="4131360"/>
+            <a:ext cx="3349080" cy="4130280"/>
           </a:xfrm>
           <a:prstGeom prst="rect">
             <a:avLst/>
@@ -12986,14 +12979,14 @@
       </p:grpSpPr>
       <p:sp>
         <p:nvSpPr>
-          <p:cNvPr id="289" name="CustomShape 1"/>
+          <p:cNvPr id="288" name="CustomShape 1"/>
           <p:cNvSpPr/>
           <p:nvPr/>
         </p:nvSpPr>
         <p:spPr>
           <a:xfrm>
             <a:off x="838080" y="-285480"/>
-            <a:ext cx="10513080" cy="1323000"/>
+            <a:ext cx="10512000" cy="1321920"/>
           </a:xfrm>
           <a:prstGeom prst="rect">
             <a:avLst/>
@@ -13037,7 +13030,7 @@
       </p:sp>
       <p:pic>
         <p:nvPicPr>
-          <p:cNvPr id="290" name="Imagen 3" descr=""/>
+          <p:cNvPr id="289" name="Imagen 3" descr=""/>
           <p:cNvPicPr/>
           <p:nvPr/>
         </p:nvPicPr>
@@ -13048,7 +13041,7 @@
         <p:spPr>
           <a:xfrm>
             <a:off x="594360" y="615600"/>
-            <a:ext cx="11000520" cy="2160360"/>
+            <a:ext cx="10999440" cy="2159280"/>
           </a:xfrm>
           <a:prstGeom prst="rect">
             <a:avLst/>
@@ -13060,7 +13053,7 @@
       </p:pic>
       <p:sp>
         <p:nvSpPr>
-          <p:cNvPr id="291" name="CustomShape 2"/>
+          <p:cNvPr id="290" name="CustomShape 2"/>
           <p:cNvSpPr/>
           <p:nvPr/>
         </p:nvSpPr>
@@ -13241,14 +13234,14 @@
       </p:grpSpPr>
       <p:sp>
         <p:nvSpPr>
-          <p:cNvPr id="292" name="CustomShape 1"/>
+          <p:cNvPr id="291" name="CustomShape 1"/>
           <p:cNvSpPr/>
           <p:nvPr/>
         </p:nvSpPr>
         <p:spPr>
           <a:xfrm>
             <a:off x="838080" y="-250200"/>
-            <a:ext cx="10513080" cy="1323000"/>
+            <a:ext cx="10512000" cy="1321920"/>
           </a:xfrm>
           <a:prstGeom prst="rect">
             <a:avLst/>
@@ -13292,7 +13285,7 @@
       </p:sp>
       <p:pic>
         <p:nvPicPr>
-          <p:cNvPr id="293" name="Imagen 3" descr=""/>
+          <p:cNvPr id="292" name="Imagen 3" descr=""/>
           <p:cNvPicPr/>
           <p:nvPr/>
         </p:nvPicPr>
@@ -13303,7 +13296,7 @@
         <p:spPr>
           <a:xfrm>
             <a:off x="1137600" y="756000"/>
-            <a:ext cx="8671680" cy="4358520"/>
+            <a:ext cx="8670600" cy="4357440"/>
           </a:xfrm>
           <a:prstGeom prst="rect">
             <a:avLst/>
@@ -13345,14 +13338,14 @@
       </p:grpSpPr>
       <p:sp>
         <p:nvSpPr>
-          <p:cNvPr id="294" name="CustomShape 1"/>
+          <p:cNvPr id="293" name="CustomShape 1"/>
           <p:cNvSpPr/>
           <p:nvPr/>
         </p:nvSpPr>
         <p:spPr>
           <a:xfrm>
             <a:off x="376920" y="378360"/>
-            <a:ext cx="10513080" cy="1323000"/>
+            <a:ext cx="10512000" cy="1321920"/>
           </a:xfrm>
           <a:prstGeom prst="rect">
             <a:avLst/>
@@ -13396,7 +13389,7 @@
       </p:sp>
       <p:pic>
         <p:nvPicPr>
-          <p:cNvPr id="295" name="Imagen 3_3" descr=""/>
+          <p:cNvPr id="294" name="Imagen 3_3" descr=""/>
           <p:cNvPicPr/>
           <p:nvPr/>
         </p:nvPicPr>
@@ -13407,7 +13400,7 @@
         <p:spPr>
           <a:xfrm>
             <a:off x="3197160" y="175680"/>
-            <a:ext cx="8793720" cy="6503760"/>
+            <a:ext cx="8792640" cy="6502680"/>
           </a:xfrm>
           <a:prstGeom prst="rect">
             <a:avLst/>
@@ -13449,14 +13442,14 @@
       </p:grpSpPr>
       <p:sp>
         <p:nvSpPr>
-          <p:cNvPr id="296" name="CustomShape 1"/>
+          <p:cNvPr id="295" name="CustomShape 1"/>
           <p:cNvSpPr/>
           <p:nvPr/>
         </p:nvSpPr>
         <p:spPr>
           <a:xfrm>
             <a:off x="636840" y="365040"/>
-            <a:ext cx="10513080" cy="1323000"/>
+            <a:ext cx="10512000" cy="1321920"/>
           </a:xfrm>
           <a:prstGeom prst="rect">
             <a:avLst/>
@@ -13500,7 +13493,7 @@
       </p:sp>
       <p:pic>
         <p:nvPicPr>
-          <p:cNvPr id="297" name="Imagen 3" descr=""/>
+          <p:cNvPr id="296" name="Imagen 3" descr=""/>
           <p:cNvPicPr/>
           <p:nvPr/>
         </p:nvPicPr>
@@ -13511,7 +13504,7 @@
         <p:spPr>
           <a:xfrm>
             <a:off x="3361320" y="240840"/>
-            <a:ext cx="8541000" cy="6370200"/>
+            <a:ext cx="8539920" cy="6369120"/>
           </a:xfrm>
           <a:prstGeom prst="rect">
             <a:avLst/>
@@ -13560,7 +13553,7 @@
         <p:spPr>
           <a:xfrm>
             <a:off x="392400" y="-13320"/>
-            <a:ext cx="10513440" cy="1078200"/>
+            <a:ext cx="10512360" cy="1077120"/>
           </a:xfrm>
           <a:prstGeom prst="rect">
             <a:avLst/>
@@ -13666,7 +13659,7 @@
         <p:spPr>
           <a:xfrm>
             <a:off x="360000" y="1743120"/>
-            <a:ext cx="9956520" cy="1315080"/>
+            <a:ext cx="9955440" cy="1314000"/>
           </a:xfrm>
           <a:prstGeom prst="rect">
             <a:avLst/>
@@ -13919,14 +13912,14 @@
       </p:grpSpPr>
       <p:sp>
         <p:nvSpPr>
-          <p:cNvPr id="298" name="CustomShape 1"/>
+          <p:cNvPr id="297" name="CustomShape 1"/>
           <p:cNvSpPr/>
           <p:nvPr/>
         </p:nvSpPr>
         <p:spPr>
           <a:xfrm>
             <a:off x="838080" y="-2520"/>
-            <a:ext cx="9419760" cy="1080720"/>
+            <a:ext cx="9418680" cy="1079640"/>
           </a:xfrm>
           <a:prstGeom prst="rect">
             <a:avLst/>
@@ -13980,14 +13973,14 @@
       </p:sp>
       <p:sp>
         <p:nvSpPr>
-          <p:cNvPr id="299" name="CustomShape 2"/>
+          <p:cNvPr id="298" name="CustomShape 2"/>
           <p:cNvSpPr/>
           <p:nvPr/>
         </p:nvSpPr>
         <p:spPr>
           <a:xfrm>
             <a:off x="838080" y="1825560"/>
-            <a:ext cx="10513080" cy="4348800"/>
+            <a:ext cx="10512000" cy="4347720"/>
           </a:xfrm>
           <a:prstGeom prst="rect">
             <a:avLst/>
@@ -14006,7 +13999,7 @@
       </p:sp>
       <p:pic>
         <p:nvPicPr>
-          <p:cNvPr id="300" name="Imagen 4" descr=""/>
+          <p:cNvPr id="299" name="Imagen 4" descr=""/>
           <p:cNvPicPr/>
           <p:nvPr/>
         </p:nvPicPr>
@@ -14017,7 +14010,7 @@
         <p:spPr>
           <a:xfrm>
             <a:off x="600120" y="3856320"/>
-            <a:ext cx="9254160" cy="2773080"/>
+            <a:ext cx="9253080" cy="2772000"/>
           </a:xfrm>
           <a:prstGeom prst="rect">
             <a:avLst/>
@@ -14029,7 +14022,7 @@
       </p:pic>
       <p:pic>
         <p:nvPicPr>
-          <p:cNvPr id="301" name="Imagen 5" descr=""/>
+          <p:cNvPr id="300" name="Imagen 5" descr=""/>
           <p:cNvPicPr/>
           <p:nvPr/>
         </p:nvPicPr>
@@ -14041,7 +14034,7 @@
         <p:spPr>
           <a:xfrm>
             <a:off x="600120" y="1080000"/>
-            <a:ext cx="8839800" cy="2773800"/>
+            <a:ext cx="8838720" cy="2772720"/>
           </a:xfrm>
           <a:prstGeom prst="rect">
             <a:avLst/>
@@ -14053,7 +14046,7 @@
       </p:pic>
       <p:pic>
         <p:nvPicPr>
-          <p:cNvPr id="302" name="Imagen 6" descr=""/>
+          <p:cNvPr id="301" name="Imagen 6" descr=""/>
           <p:cNvPicPr/>
           <p:nvPr/>
         </p:nvPicPr>
@@ -14064,7 +14057,7 @@
         <p:spPr>
           <a:xfrm>
             <a:off x="5976360" y="4601160"/>
-            <a:ext cx="5613120" cy="2163240"/>
+            <a:ext cx="5612040" cy="2162160"/>
           </a:xfrm>
           <a:prstGeom prst="rect">
             <a:avLst/>
@@ -14106,14 +14099,14 @@
       </p:grpSpPr>
       <p:sp>
         <p:nvSpPr>
-          <p:cNvPr id="303" name="CustomShape 1"/>
+          <p:cNvPr id="302" name="CustomShape 1"/>
           <p:cNvSpPr/>
           <p:nvPr/>
         </p:nvSpPr>
         <p:spPr>
           <a:xfrm>
             <a:off x="838080" y="0"/>
-            <a:ext cx="10513080" cy="1323000"/>
+            <a:ext cx="10512000" cy="1321920"/>
           </a:xfrm>
           <a:prstGeom prst="rect">
             <a:avLst/>
@@ -14157,7 +14150,7 @@
       </p:sp>
       <p:pic>
         <p:nvPicPr>
-          <p:cNvPr id="304" name="Imagen 3" descr=""/>
+          <p:cNvPr id="303" name="Imagen 3" descr=""/>
           <p:cNvPicPr/>
           <p:nvPr/>
         </p:nvPicPr>
@@ -14168,7 +14161,7 @@
         <p:spPr>
           <a:xfrm>
             <a:off x="2637720" y="874440"/>
-            <a:ext cx="7928280" cy="5855400"/>
+            <a:ext cx="7927200" cy="5854320"/>
           </a:xfrm>
           <a:prstGeom prst="rect">
             <a:avLst/>
@@ -14210,14 +14203,14 @@
       </p:grpSpPr>
       <p:sp>
         <p:nvSpPr>
-          <p:cNvPr id="305" name="CustomShape 1"/>
+          <p:cNvPr id="304" name="CustomShape 1"/>
           <p:cNvSpPr/>
           <p:nvPr/>
         </p:nvSpPr>
         <p:spPr>
           <a:xfrm>
             <a:off x="540000" y="365040"/>
-            <a:ext cx="10513080" cy="1323000"/>
+            <a:ext cx="10512000" cy="1321920"/>
           </a:xfrm>
           <a:prstGeom prst="rect">
             <a:avLst/>
@@ -14261,7 +14254,7 @@
       </p:sp>
       <p:pic>
         <p:nvPicPr>
-          <p:cNvPr id="306" name="Imagen 3" descr=""/>
+          <p:cNvPr id="305" name="Imagen 3" descr=""/>
           <p:cNvPicPr/>
           <p:nvPr/>
         </p:nvPicPr>
@@ -14272,7 +14265,7 @@
         <p:spPr>
           <a:xfrm>
             <a:off x="3395160" y="207000"/>
-            <a:ext cx="8638200" cy="6384960"/>
+            <a:ext cx="8637120" cy="6383880"/>
           </a:xfrm>
           <a:prstGeom prst="rect">
             <a:avLst/>
@@ -14314,14 +14307,14 @@
       </p:grpSpPr>
       <p:sp>
         <p:nvSpPr>
-          <p:cNvPr id="307" name="CustomShape 1"/>
+          <p:cNvPr id="306" name="CustomShape 1"/>
           <p:cNvSpPr/>
           <p:nvPr/>
         </p:nvSpPr>
         <p:spPr>
           <a:xfrm>
             <a:off x="838080" y="0"/>
-            <a:ext cx="10513080" cy="1323000"/>
+            <a:ext cx="10512000" cy="1321920"/>
           </a:xfrm>
           <a:prstGeom prst="rect">
             <a:avLst/>
@@ -14355,9 +14348,80 @@
                 <a:latin typeface="Calibri Light"/>
                 <a:ea typeface="DejaVu Sans"/>
               </a:rPr>
-              <a:t>Ejercicios</a:t>
+              <a:t>1.3 Creación de código fuente, objeto y ejecutable</a:t>
             </a:r>
             <a:endParaRPr b="0" lang="es-MX" sz="4400" spc="-1" strike="noStrike">
+              <a:latin typeface="Arial"/>
+            </a:endParaRPr>
+          </a:p>
+        </p:txBody>
+      </p:sp>
+      <p:sp>
+        <p:nvSpPr>
+          <p:cNvPr id="307" name="CustomShape 2"/>
+          <p:cNvSpPr/>
+          <p:nvPr/>
+        </p:nvSpPr>
+        <p:spPr>
+          <a:xfrm>
+            <a:off x="789480" y="1325520"/>
+            <a:ext cx="10340280" cy="942840"/>
+          </a:xfrm>
+          <a:prstGeom prst="rect">
+            <a:avLst/>
+          </a:prstGeom>
+          <a:noFill/>
+          <a:ln w="0">
+            <a:noFill/>
+          </a:ln>
+        </p:spPr>
+        <p:style>
+          <a:lnRef idx="0"/>
+          <a:fillRef idx="0"/>
+          <a:effectRef idx="0"/>
+          <a:fontRef idx="minor"/>
+        </p:style>
+        <p:txBody>
+          <a:bodyPr wrap="none" lIns="90000" rIns="90000" tIns="45000" bIns="45000">
+            <a:spAutoFit/>
+          </a:bodyPr>
+          <a:p>
+            <a:pPr>
+              <a:lnSpc>
+                <a:spcPct val="100000"/>
+              </a:lnSpc>
+            </a:pPr>
+            <a:r>
+              <a:rPr b="0" lang="es-MX" sz="2800" spc="-1" strike="noStrike">
+                <a:solidFill>
+                  <a:srgbClr val="000000"/>
+                </a:solidFill>
+                <a:latin typeface="Calibri"/>
+                <a:ea typeface="DejaVu Sans"/>
+              </a:rPr>
+              <a:t>1.3.1 Ejecución de un programa</a:t>
+            </a:r>
+            <a:endParaRPr b="0" lang="es-MX" sz="2800" spc="-1" strike="noStrike">
+              <a:latin typeface="Arial"/>
+            </a:endParaRPr>
+          </a:p>
+          <a:p>
+            <a:pPr>
+              <a:lnSpc>
+                <a:spcPct val="100000"/>
+              </a:lnSpc>
+            </a:pPr>
+            <a:r>
+              <a:rPr b="0" lang="es-MX" sz="2800" spc="-1" strike="noStrike">
+                <a:solidFill>
+                  <a:srgbClr val="000000"/>
+                </a:solidFill>
+                <a:latin typeface="Calibri"/>
+                <a:ea typeface="DejaVu Sans"/>
+              </a:rPr>
+              <a:t>Después de crear el código fuente con un editor de texto</a:t>
+            </a:r>
+            <a:endParaRPr b="0" lang="es-MX" sz="2800" spc="-1" strike="noStrike">
               <a:latin typeface="Arial"/>
             </a:endParaRPr>
           </a:p>
@@ -14375,8 +14439,8 @@
         </p:blipFill>
         <p:spPr>
           <a:xfrm>
-            <a:off x="838080" y="1325520"/>
-            <a:ext cx="10513080" cy="4947120"/>
+            <a:off x="3325320" y="2279520"/>
+            <a:ext cx="5538240" cy="4457160"/>
           </a:xfrm>
           <a:prstGeom prst="rect">
             <a:avLst/>
@@ -14424,8 +14488,8 @@
         </p:nvSpPr>
         <p:spPr>
           <a:xfrm>
-            <a:off x="838080" y="0"/>
-            <a:ext cx="10513080" cy="1323000"/>
+            <a:off x="253080" y="1143000"/>
+            <a:ext cx="11265120" cy="4113000"/>
           </a:xfrm>
           <a:prstGeom prst="rect">
             <a:avLst/>
@@ -14442,57 +14506,6 @@
           <a:fontRef idx="minor"/>
         </p:style>
         <p:txBody>
-          <a:bodyPr lIns="90000" rIns="90000" tIns="45000" bIns="45000" anchor="ctr">
-            <a:noAutofit/>
-          </a:bodyPr>
-          <a:p>
-            <a:pPr>
-              <a:lnSpc>
-                <a:spcPct val="90000"/>
-              </a:lnSpc>
-            </a:pPr>
-            <a:r>
-              <a:rPr b="0" lang="es-MX" sz="4400" spc="-1" strike="noStrike">
-                <a:solidFill>
-                  <a:srgbClr val="000000"/>
-                </a:solidFill>
-                <a:latin typeface="Calibri Light"/>
-                <a:ea typeface="DejaVu Sans"/>
-              </a:rPr>
-              <a:t>1.3 Creación de código fuente, objeto y ejecutable</a:t>
-            </a:r>
-            <a:endParaRPr b="0" lang="es-MX" sz="4400" spc="-1" strike="noStrike">
-              <a:latin typeface="Arial"/>
-            </a:endParaRPr>
-          </a:p>
-        </p:txBody>
-      </p:sp>
-      <p:sp>
-        <p:nvSpPr>
-          <p:cNvPr id="310" name="CustomShape 2"/>
-          <p:cNvSpPr/>
-          <p:nvPr/>
-        </p:nvSpPr>
-        <p:spPr>
-          <a:xfrm>
-            <a:off x="789480" y="1325520"/>
-            <a:ext cx="10340280" cy="942840"/>
-          </a:xfrm>
-          <a:prstGeom prst="rect">
-            <a:avLst/>
-          </a:prstGeom>
-          <a:noFill/>
-          <a:ln w="0">
-            <a:noFill/>
-          </a:ln>
-        </p:spPr>
-        <p:style>
-          <a:lnRef idx="0"/>
-          <a:fillRef idx="0"/>
-          <a:effectRef idx="0"/>
-          <a:fontRef idx="minor"/>
-        </p:style>
-        <p:txBody>
           <a:bodyPr wrap="none" lIns="90000" rIns="90000" tIns="45000" bIns="45000">
             <a:spAutoFit/>
           </a:bodyPr>
@@ -14503,16 +14516,16 @@
               </a:lnSpc>
             </a:pPr>
             <a:r>
-              <a:rPr b="0" lang="es-MX" sz="2800" spc="-1" strike="noStrike">
+              <a:rPr b="0" lang="es-MX" sz="2400" spc="-1" strike="noStrike">
                 <a:solidFill>
                   <a:srgbClr val="000000"/>
                 </a:solidFill>
                 <a:latin typeface="Calibri"/>
                 <a:ea typeface="DejaVu Sans"/>
               </a:rPr>
-              <a:t>1.3.1 Ejecución de un programa</a:t>
-            </a:r>
-            <a:endParaRPr b="0" lang="es-MX" sz="2800" spc="-1" strike="noStrike">
+              <a:t>El archivo objeto correspondiente se crea, en el caso del compilador  </a:t>
+            </a:r>
+            <a:endParaRPr b="0" lang="es-MX" sz="2400" spc="-1" strike="noStrike">
               <a:latin typeface="Arial"/>
             </a:endParaRPr>
           </a:p>
@@ -14523,16 +14536,196 @@
               </a:lnSpc>
             </a:pPr>
             <a:r>
-              <a:rPr b="0" lang="es-MX" sz="2800" spc="-1" strike="noStrike">
+              <a:rPr b="0" lang="es-MX" sz="2400" spc="-1" strike="noStrike">
                 <a:solidFill>
                   <a:srgbClr val="000000"/>
                 </a:solidFill>
                 <a:latin typeface="Calibri"/>
                 <a:ea typeface="DejaVu Sans"/>
               </a:rPr>
-              <a:t>Después de crear el código fuente con un editor de texto</a:t>
-            </a:r>
-            <a:endParaRPr b="0" lang="es-MX" sz="2800" spc="-1" strike="noStrike">
+              <a:t>mingw32-gcc.exe, con el comando:</a:t>
+            </a:r>
+            <a:endParaRPr b="0" lang="es-MX" sz="2400" spc="-1" strike="noStrike">
+              <a:latin typeface="Arial"/>
+            </a:endParaRPr>
+          </a:p>
+          <a:p>
+            <a:pPr>
+              <a:lnSpc>
+                <a:spcPct val="100000"/>
+              </a:lnSpc>
+            </a:pPr>
+            <a:r>
+              <a:rPr b="0" lang="es-MX" sz="1800" spc="-1" strike="noStrike">
+                <a:solidFill>
+                  <a:srgbClr val="000000"/>
+                </a:solidFill>
+                <a:latin typeface="Calibri"/>
+                <a:ea typeface="DejaVu Sans"/>
+              </a:rPr>
+              <a:t>gcc -Wall -include include/generated/autoconf.h -g -c /path/to/file/debugme.c -o </a:t>
+            </a:r>
+            <a:endParaRPr b="0" lang="es-MX" sz="1800" spc="-1" strike="noStrike">
+              <a:latin typeface="Arial"/>
+            </a:endParaRPr>
+          </a:p>
+          <a:p>
+            <a:pPr>
+              <a:lnSpc>
+                <a:spcPct val="100000"/>
+              </a:lnSpc>
+            </a:pPr>
+            <a:r>
+              <a:rPr b="0" lang="es-MX" sz="1800" spc="-1" strike="noStrike">
+                <a:solidFill>
+                  <a:srgbClr val="000000"/>
+                </a:solidFill>
+                <a:latin typeface="Calibri"/>
+                <a:ea typeface="DejaVu Sans"/>
+              </a:rPr>
+              <a:t>obj/Debug/debugme.o</a:t>
+            </a:r>
+            <a:endParaRPr b="0" lang="es-MX" sz="1800" spc="-1" strike="noStrike">
+              <a:latin typeface="Arial"/>
+            </a:endParaRPr>
+          </a:p>
+          <a:p>
+            <a:pPr>
+              <a:lnSpc>
+                <a:spcPct val="100000"/>
+              </a:lnSpc>
+            </a:pPr>
+            <a:r>
+              <a:rPr b="0" lang="es-MX" sz="2400" spc="-1" strike="noStrike">
+                <a:solidFill>
+                  <a:srgbClr val="000000"/>
+                </a:solidFill>
+                <a:latin typeface="Calibri"/>
+                <a:ea typeface="DejaVu Sans"/>
+              </a:rPr>
+              <a:t>que el IDE Codeblocks ejecuta por nosotros.</a:t>
+            </a:r>
+            <a:endParaRPr b="0" lang="es-MX" sz="2400" spc="-1" strike="noStrike">
+              <a:latin typeface="Arial"/>
+            </a:endParaRPr>
+          </a:p>
+          <a:p>
+            <a:pPr>
+              <a:lnSpc>
+                <a:spcPct val="100000"/>
+              </a:lnSpc>
+            </a:pPr>
+            <a:endParaRPr b="0" lang="es-MX" sz="2400" spc="-1" strike="noStrike">
+              <a:latin typeface="Arial"/>
+            </a:endParaRPr>
+          </a:p>
+          <a:p>
+            <a:pPr>
+              <a:lnSpc>
+                <a:spcPct val="100000"/>
+              </a:lnSpc>
+            </a:pPr>
+            <a:r>
+              <a:rPr b="0" lang="es-MX" sz="2400" spc="-1" strike="noStrike">
+                <a:solidFill>
+                  <a:srgbClr val="000000"/>
+                </a:solidFill>
+                <a:latin typeface="Calibri"/>
+                <a:ea typeface="DejaVu Sans"/>
+              </a:rPr>
+              <a:t>Después del comando anterior, el entorno de desarrollo crea un archivo </a:t>
+            </a:r>
+            <a:endParaRPr b="0" lang="es-MX" sz="2400" spc="-1" strike="noStrike">
+              <a:latin typeface="Arial"/>
+            </a:endParaRPr>
+          </a:p>
+          <a:p>
+            <a:pPr>
+              <a:lnSpc>
+                <a:spcPct val="100000"/>
+              </a:lnSpc>
+            </a:pPr>
+            <a:r>
+              <a:rPr b="0" lang="es-MX" sz="2400" spc="-1" strike="noStrike">
+                <a:solidFill>
+                  <a:srgbClr val="000000"/>
+                </a:solidFill>
+                <a:latin typeface="Calibri"/>
+                <a:ea typeface="DejaVu Sans"/>
+              </a:rPr>
+              <a:t>ejecutable, ejecutando por nosotros el siguiente comando:</a:t>
+            </a:r>
+            <a:endParaRPr b="0" lang="es-MX" sz="2400" spc="-1" strike="noStrike">
+              <a:latin typeface="Arial"/>
+            </a:endParaRPr>
+          </a:p>
+          <a:p>
+            <a:pPr>
+              <a:lnSpc>
+                <a:spcPct val="100000"/>
+              </a:lnSpc>
+            </a:pPr>
+            <a:r>
+              <a:rPr b="0" lang="es-MX" sz="1800" spc="-1" strike="noStrike">
+                <a:solidFill>
+                  <a:srgbClr val="000000"/>
+                </a:solidFill>
+                <a:latin typeface="Calibri"/>
+                <a:ea typeface="DejaVu Sans"/>
+              </a:rPr>
+              <a:t>gcc  -o bin/Debug/00PracticaTestingKconfig obj/Debug/debugme.o</a:t>
+            </a:r>
+            <a:endParaRPr b="0" lang="es-MX" sz="1800" spc="-1" strike="noStrike">
+              <a:latin typeface="Arial"/>
+            </a:endParaRPr>
+          </a:p>
+          <a:p>
+            <a:pPr>
+              <a:lnSpc>
+                <a:spcPct val="100000"/>
+              </a:lnSpc>
+            </a:pPr>
+            <a:endParaRPr b="0" lang="es-MX" sz="1800" spc="-1" strike="noStrike">
+              <a:latin typeface="Arial"/>
+            </a:endParaRPr>
+          </a:p>
+          <a:p>
+            <a:pPr>
+              <a:lnSpc>
+                <a:spcPct val="100000"/>
+              </a:lnSpc>
+            </a:pPr>
+            <a:r>
+              <a:rPr b="0" lang="es-MX" sz="2400" spc="-1" strike="noStrike">
+                <a:solidFill>
+                  <a:srgbClr val="000000"/>
+                </a:solidFill>
+                <a:latin typeface="Calibri"/>
+                <a:ea typeface="DejaVu Sans"/>
+              </a:rPr>
+              <a:t>En el entorno Codeblocks, la ejecución se realiza dando clic en el botón </a:t>
+            </a:r>
+            <a:endParaRPr b="0" lang="es-MX" sz="2400" spc="-1" strike="noStrike">
+              <a:latin typeface="Arial"/>
+            </a:endParaRPr>
+          </a:p>
+          <a:p>
+            <a:pPr>
+              <a:lnSpc>
+                <a:spcPct val="100000"/>
+              </a:lnSpc>
+            </a:pPr>
+            <a:r>
+              <a:rPr b="0" lang="es-MX" sz="2400" spc="-1" strike="noStrike">
+                <a:solidFill>
+                  <a:srgbClr val="000000"/>
+                </a:solidFill>
+                <a:latin typeface="Calibri"/>
+                <a:ea typeface="DejaVu Sans"/>
+              </a:rPr>
+              <a:t>de play (icono de triángulo verde) que se muestra a continuación.</a:t>
+            </a:r>
+            <a:endParaRPr b="0" lang="es-MX" sz="2400" spc="-1" strike="noStrike">
               <a:latin typeface="Arial"/>
             </a:endParaRPr>
           </a:p>
@@ -14540,7 +14733,7 @@
       </p:sp>
       <p:pic>
         <p:nvPicPr>
-          <p:cNvPr id="311" name="Imagen 3" descr=""/>
+          <p:cNvPr id="310" name="Imagen 2" descr=""/>
           <p:cNvPicPr/>
           <p:nvPr/>
         </p:nvPicPr>
@@ -14550,8 +14743,8 @@
         </p:blipFill>
         <p:spPr>
           <a:xfrm>
-            <a:off x="3325320" y="2279520"/>
-            <a:ext cx="5539320" cy="4458240"/>
+            <a:off x="4340520" y="5838120"/>
+            <a:ext cx="3697560" cy="629280"/>
           </a:xfrm>
           <a:prstGeom prst="rect">
             <a:avLst/>
@@ -14561,6 +14754,57 @@
           </a:ln>
         </p:spPr>
       </p:pic>
+      <p:sp>
+        <p:nvSpPr>
+          <p:cNvPr id="311" name="CustomShape 2"/>
+          <p:cNvSpPr/>
+          <p:nvPr/>
+        </p:nvSpPr>
+        <p:spPr>
+          <a:xfrm>
+            <a:off x="201960" y="448920"/>
+            <a:ext cx="7110720" cy="516240"/>
+          </a:xfrm>
+          <a:prstGeom prst="rect">
+            <a:avLst/>
+          </a:prstGeom>
+          <a:noFill/>
+          <a:ln w="0">
+            <a:noFill/>
+          </a:ln>
+        </p:spPr>
+        <p:style>
+          <a:lnRef idx="0"/>
+          <a:fillRef idx="0"/>
+          <a:effectRef idx="0"/>
+          <a:fontRef idx="minor"/>
+        </p:style>
+        <p:txBody>
+          <a:bodyPr wrap="none" lIns="90000" rIns="90000" tIns="45000" bIns="45000">
+            <a:spAutoFit/>
+          </a:bodyPr>
+          <a:p>
+            <a:pPr>
+              <a:lnSpc>
+                <a:spcPct val="100000"/>
+              </a:lnSpc>
+            </a:pPr>
+            <a:r>
+              <a:rPr b="0" lang="es-MX" sz="2800" spc="-1" strike="noStrike">
+                <a:solidFill>
+                  <a:srgbClr val="000000"/>
+                </a:solidFill>
+                <a:latin typeface="Calibri"/>
+                <a:ea typeface="DejaVu Sans"/>
+              </a:rPr>
+              <a:t>Creación de código objeto y ejecutable</a:t>
+            </a:r>
+            <a:endParaRPr b="0" lang="es-MX" sz="2800" spc="-1" strike="noStrike">
+              <a:latin typeface="Arial"/>
+            </a:endParaRPr>
+          </a:p>
+        </p:txBody>
+      </p:sp>
     </p:spTree>
   </p:cSld>
   <mc:AlternateContent>
@@ -14599,8 +14843,8 @@
         </p:nvSpPr>
         <p:spPr>
           <a:xfrm>
-            <a:off x="253080" y="1143000"/>
-            <a:ext cx="11266200" cy="4113000"/>
+            <a:off x="286560" y="0"/>
+            <a:ext cx="10512000" cy="961920"/>
           </a:xfrm>
           <a:prstGeom prst="rect">
             <a:avLst/>
@@ -14617,6 +14861,57 @@
           <a:fontRef idx="minor"/>
         </p:style>
         <p:txBody>
+          <a:bodyPr lIns="90000" rIns="90000" tIns="45000" bIns="45000" anchor="ctr">
+            <a:noAutofit/>
+          </a:bodyPr>
+          <a:p>
+            <a:pPr>
+              <a:lnSpc>
+                <a:spcPct val="90000"/>
+              </a:lnSpc>
+            </a:pPr>
+            <a:r>
+              <a:rPr b="0" lang="es-MX" sz="4400" spc="-1" strike="noStrike">
+                <a:solidFill>
+                  <a:srgbClr val="000000"/>
+                </a:solidFill>
+                <a:latin typeface="Calibri Light"/>
+                <a:ea typeface="DejaVu Sans"/>
+              </a:rPr>
+              <a:t>Programa en ejecución</a:t>
+            </a:r>
+            <a:endParaRPr b="0" lang="es-MX" sz="4400" spc="-1" strike="noStrike">
+              <a:latin typeface="Arial"/>
+            </a:endParaRPr>
+          </a:p>
+        </p:txBody>
+      </p:sp>
+      <p:sp>
+        <p:nvSpPr>
+          <p:cNvPr id="313" name="CustomShape 2"/>
+          <p:cNvSpPr/>
+          <p:nvPr/>
+        </p:nvSpPr>
+        <p:spPr>
+          <a:xfrm>
+            <a:off x="360000" y="860400"/>
+            <a:ext cx="8706600" cy="455400"/>
+          </a:xfrm>
+          <a:prstGeom prst="rect">
+            <a:avLst/>
+          </a:prstGeom>
+          <a:noFill/>
+          <a:ln w="0">
+            <a:noFill/>
+          </a:ln>
+        </p:spPr>
+        <p:style>
+          <a:lnRef idx="0"/>
+          <a:fillRef idx="0"/>
+          <a:effectRef idx="0"/>
+          <a:fontRef idx="minor"/>
+        </p:style>
+        <p:txBody>
           <a:bodyPr wrap="none" lIns="90000" rIns="90000" tIns="45000" bIns="45000">
             <a:spAutoFit/>
           </a:bodyPr>
@@ -14634,207 +14929,7 @@
                 <a:latin typeface="Calibri"/>
                 <a:ea typeface="DejaVu Sans"/>
               </a:rPr>
-              <a:t>El archivo objeto correspondiente se crea, en el caso del compilador  </a:t>
-            </a:r>
-            <a:endParaRPr b="0" lang="es-MX" sz="2400" spc="-1" strike="noStrike">
-              <a:latin typeface="Arial"/>
-            </a:endParaRPr>
-          </a:p>
-          <a:p>
-            <a:pPr>
-              <a:lnSpc>
-                <a:spcPct val="100000"/>
-              </a:lnSpc>
-            </a:pPr>
-            <a:r>
-              <a:rPr b="0" lang="es-MX" sz="2400" spc="-1" strike="noStrike">
-                <a:solidFill>
-                  <a:srgbClr val="000000"/>
-                </a:solidFill>
-                <a:latin typeface="Calibri"/>
-                <a:ea typeface="DejaVu Sans"/>
-              </a:rPr>
-              <a:t>mingw32-gcc.exe, con el comando:</a:t>
-            </a:r>
-            <a:endParaRPr b="0" lang="es-MX" sz="2400" spc="-1" strike="noStrike">
-              <a:latin typeface="Arial"/>
-            </a:endParaRPr>
-          </a:p>
-          <a:p>
-            <a:pPr>
-              <a:lnSpc>
-                <a:spcPct val="100000"/>
-              </a:lnSpc>
-            </a:pPr>
-            <a:r>
-              <a:rPr b="0" lang="es-MX" sz="1800" spc="-1" strike="noStrike">
-                <a:solidFill>
-                  <a:srgbClr val="000000"/>
-                </a:solidFill>
-                <a:latin typeface="Calibri"/>
-                <a:ea typeface="DejaVu Sans"/>
-              </a:rPr>
-              <a:t>gcc -Wall -include include/generated/autoconf.h -g -c /path/to/file/debugme.c -o </a:t>
-            </a:r>
-            <a:endParaRPr b="0" lang="es-MX" sz="1800" spc="-1" strike="noStrike">
-              <a:latin typeface="Arial"/>
-            </a:endParaRPr>
-          </a:p>
-          <a:p>
-            <a:pPr>
-              <a:lnSpc>
-                <a:spcPct val="100000"/>
-              </a:lnSpc>
-            </a:pPr>
-            <a:r>
-              <a:rPr b="0" lang="es-MX" sz="1800" spc="-1" strike="noStrike">
-                <a:solidFill>
-                  <a:srgbClr val="000000"/>
-                </a:solidFill>
-                <a:latin typeface="Calibri"/>
-                <a:ea typeface="DejaVu Sans"/>
-              </a:rPr>
-              <a:t>obj/Debug/debugme.o</a:t>
-            </a:r>
-            <a:endParaRPr b="0" lang="es-MX" sz="1800" spc="-1" strike="noStrike">
-              <a:latin typeface="Arial"/>
-            </a:endParaRPr>
-          </a:p>
-          <a:p>
-            <a:pPr>
-              <a:lnSpc>
-                <a:spcPct val="100000"/>
-              </a:lnSpc>
-            </a:pPr>
-            <a:r>
-              <a:rPr b="0" lang="es-MX" sz="2400" spc="-1" strike="noStrike">
-                <a:solidFill>
-                  <a:srgbClr val="000000"/>
-                </a:solidFill>
-                <a:latin typeface="Calibri"/>
-                <a:ea typeface="DejaVu Sans"/>
-              </a:rPr>
-              <a:t>que el IDE Codeblocks ejecuta por nosotros.</a:t>
-            </a:r>
-            <a:endParaRPr b="0" lang="es-MX" sz="2400" spc="-1" strike="noStrike">
-              <a:latin typeface="Arial"/>
-            </a:endParaRPr>
-          </a:p>
-          <a:p>
-            <a:pPr>
-              <a:lnSpc>
-                <a:spcPct val="100000"/>
-              </a:lnSpc>
-            </a:pPr>
-            <a:endParaRPr b="0" lang="es-MX" sz="2400" spc="-1" strike="noStrike">
-              <a:latin typeface="Arial"/>
-            </a:endParaRPr>
-          </a:p>
-          <a:p>
-            <a:pPr>
-              <a:lnSpc>
-                <a:spcPct val="100000"/>
-              </a:lnSpc>
-            </a:pPr>
-            <a:r>
-              <a:rPr b="0" lang="es-MX" sz="2400" spc="-1" strike="noStrike">
-                <a:solidFill>
-                  <a:srgbClr val="000000"/>
-                </a:solidFill>
-                <a:latin typeface="Calibri"/>
-                <a:ea typeface="DejaVu Sans"/>
-              </a:rPr>
-              <a:t>Después del comando anterior, el entorno de desarrollo crea un archivo </a:t>
-            </a:r>
-            <a:endParaRPr b="0" lang="es-MX" sz="2400" spc="-1" strike="noStrike">
-              <a:latin typeface="Arial"/>
-            </a:endParaRPr>
-          </a:p>
-          <a:p>
-            <a:pPr>
-              <a:lnSpc>
-                <a:spcPct val="100000"/>
-              </a:lnSpc>
-            </a:pPr>
-            <a:r>
-              <a:rPr b="0" lang="es-MX" sz="2400" spc="-1" strike="noStrike">
-                <a:solidFill>
-                  <a:srgbClr val="000000"/>
-                </a:solidFill>
-                <a:latin typeface="Calibri"/>
-                <a:ea typeface="DejaVu Sans"/>
-              </a:rPr>
-              <a:t>ejecutable, ejecutando por nosotros el siguiente comando:</a:t>
-            </a:r>
-            <a:endParaRPr b="0" lang="es-MX" sz="2400" spc="-1" strike="noStrike">
-              <a:latin typeface="Arial"/>
-            </a:endParaRPr>
-          </a:p>
-          <a:p>
-            <a:pPr>
-              <a:lnSpc>
-                <a:spcPct val="100000"/>
-              </a:lnSpc>
-            </a:pPr>
-            <a:r>
-              <a:rPr b="0" lang="es-MX" sz="1800" spc="-1" strike="noStrike">
-                <a:solidFill>
-                  <a:srgbClr val="000000"/>
-                </a:solidFill>
-                <a:latin typeface="Calibri"/>
-                <a:ea typeface="DejaVu Sans"/>
-              </a:rPr>
-              <a:t>gcc  -o bin/Debug/00PracticaTestingKconfig obj/Debug/debugme.o</a:t>
-            </a:r>
-            <a:endParaRPr b="0" lang="es-MX" sz="1800" spc="-1" strike="noStrike">
-              <a:latin typeface="Arial"/>
-            </a:endParaRPr>
-          </a:p>
-          <a:p>
-            <a:pPr>
-              <a:lnSpc>
-                <a:spcPct val="100000"/>
-              </a:lnSpc>
-            </a:pPr>
-            <a:endParaRPr b="0" lang="es-MX" sz="1800" spc="-1" strike="noStrike">
-              <a:latin typeface="Arial"/>
-            </a:endParaRPr>
-          </a:p>
-          <a:p>
-            <a:pPr>
-              <a:lnSpc>
-                <a:spcPct val="100000"/>
-              </a:lnSpc>
-            </a:pPr>
-            <a:r>
-              <a:rPr b="0" lang="es-MX" sz="2400" spc="-1" strike="noStrike">
-                <a:solidFill>
-                  <a:srgbClr val="000000"/>
-                </a:solidFill>
-                <a:latin typeface="Calibri"/>
-                <a:ea typeface="DejaVu Sans"/>
-              </a:rPr>
-              <a:t>En el entorno Codeblocks, la ejecución se realiza dando clic en el botón </a:t>
-            </a:r>
-            <a:endParaRPr b="0" lang="es-MX" sz="2400" spc="-1" strike="noStrike">
-              <a:latin typeface="Arial"/>
-            </a:endParaRPr>
-          </a:p>
-          <a:p>
-            <a:pPr>
-              <a:lnSpc>
-                <a:spcPct val="100000"/>
-              </a:lnSpc>
-            </a:pPr>
-            <a:r>
-              <a:rPr b="0" lang="es-MX" sz="2400" spc="-1" strike="noStrike">
-                <a:solidFill>
-                  <a:srgbClr val="000000"/>
-                </a:solidFill>
-                <a:latin typeface="Calibri"/>
-                <a:ea typeface="DejaVu Sans"/>
-              </a:rPr>
-              <a:t>de play (icono de triángulo verde) que se muestra a continuación.</a:t>
+              <a:t>Bibliotecas cargadas durante la ejecución del programa</a:t>
             </a:r>
             <a:endParaRPr b="0" lang="es-MX" sz="2400" spc="-1" strike="noStrike">
               <a:latin typeface="Arial"/>
@@ -14844,7 +14939,7 @@
       </p:sp>
       <p:pic>
         <p:nvPicPr>
-          <p:cNvPr id="313" name="Imagen 2" descr=""/>
+          <p:cNvPr id="314" name="Imagen 3" descr=""/>
           <p:cNvPicPr/>
           <p:nvPr/>
         </p:nvPicPr>
@@ -14854,8 +14949,8 @@
         </p:blipFill>
         <p:spPr>
           <a:xfrm>
-            <a:off x="4340520" y="5838120"/>
-            <a:ext cx="3698640" cy="630360"/>
+            <a:off x="360000" y="4500000"/>
+            <a:ext cx="5511240" cy="1825200"/>
           </a:xfrm>
           <a:prstGeom prst="rect">
             <a:avLst/>
@@ -14867,14 +14962,14 @@
       </p:pic>
       <p:sp>
         <p:nvSpPr>
-          <p:cNvPr id="314" name="CustomShape 2"/>
+          <p:cNvPr id="315" name="CustomShape 3"/>
           <p:cNvSpPr/>
           <p:nvPr/>
         </p:nvSpPr>
         <p:spPr>
           <a:xfrm>
-            <a:off x="201960" y="448920"/>
-            <a:ext cx="7110720" cy="516240"/>
+            <a:off x="459720" y="1315800"/>
+            <a:ext cx="10959120" cy="2284200"/>
           </a:xfrm>
           <a:prstGeom prst="rect">
             <a:avLst/>
@@ -14901,21 +14996,213 @@
               </a:lnSpc>
             </a:pPr>
             <a:r>
-              <a:rPr b="0" lang="es-MX" sz="2800" spc="-1" strike="noStrike">
+              <a:rPr b="0" lang="es-MX" sz="2400" spc="-1" strike="noStrike">
                 <a:solidFill>
                   <a:srgbClr val="000000"/>
                 </a:solidFill>
                 <a:latin typeface="Calibri"/>
                 <a:ea typeface="DejaVu Sans"/>
               </a:rPr>
-              <a:t>Creación de código objeto y ejecutable</a:t>
-            </a:r>
-            <a:endParaRPr b="0" lang="es-MX" sz="2800" spc="-1" strike="noStrike">
-              <a:latin typeface="Arial"/>
-            </a:endParaRPr>
-          </a:p>
-        </p:txBody>
-      </p:sp>
+              <a:t>Seleccione el target Debug, coloque un punto de ruptura en la línea</a:t>
+            </a:r>
+            <a:endParaRPr b="0" lang="es-MX" sz="2400" spc="-1" strike="noStrike">
+              <a:latin typeface="Arial"/>
+            </a:endParaRPr>
+          </a:p>
+          <a:p>
+            <a:pPr>
+              <a:lnSpc>
+                <a:spcPct val="100000"/>
+              </a:lnSpc>
+            </a:pPr>
+            <a:r>
+              <a:rPr b="0" lang="es-MX" sz="2400" spc="-1" strike="noStrike">
+                <a:solidFill>
+                  <a:srgbClr val="000000"/>
+                </a:solidFill>
+                <a:latin typeface="Calibri"/>
+                <a:ea typeface="DejaVu Sans"/>
+              </a:rPr>
+              <a:t>donde está la función main del archivo de código fuente. Dé clic en el </a:t>
+            </a:r>
+            <a:endParaRPr b="0" lang="es-MX" sz="2400" spc="-1" strike="noStrike">
+              <a:latin typeface="Arial"/>
+            </a:endParaRPr>
+          </a:p>
+          <a:p>
+            <a:pPr>
+              <a:lnSpc>
+                <a:spcPct val="100000"/>
+              </a:lnSpc>
+            </a:pPr>
+            <a:r>
+              <a:rPr b="0" lang="es-MX" sz="2400" spc="-1" strike="noStrike">
+                <a:solidFill>
+                  <a:srgbClr val="000000"/>
+                </a:solidFill>
+                <a:latin typeface="Calibri"/>
+                <a:ea typeface="DejaVu Sans"/>
+              </a:rPr>
+              <a:t>botón play de color rojo. La ejecución del programa se detendrá justo</a:t>
+            </a:r>
+            <a:endParaRPr b="0" lang="es-MX" sz="2400" spc="-1" strike="noStrike">
+              <a:latin typeface="Arial"/>
+            </a:endParaRPr>
+          </a:p>
+          <a:p>
+            <a:pPr>
+              <a:lnSpc>
+                <a:spcPct val="100000"/>
+              </a:lnSpc>
+            </a:pPr>
+            <a:r>
+              <a:rPr b="0" lang="es-MX" sz="2400" spc="-1" strike="noStrike">
+                <a:solidFill>
+                  <a:srgbClr val="000000"/>
+                </a:solidFill>
+                <a:latin typeface="Calibri"/>
+                <a:ea typeface="DejaVu Sans"/>
+              </a:rPr>
+              <a:t>antes de empezar a ejecutar la función main; dé clic en el botón </a:t>
+            </a:r>
+            <a:endParaRPr b="0" lang="es-MX" sz="2400" spc="-1" strike="noStrike">
+              <a:latin typeface="Arial"/>
+            </a:endParaRPr>
+          </a:p>
+          <a:p>
+            <a:pPr>
+              <a:lnSpc>
+                <a:spcPct val="100000"/>
+              </a:lnSpc>
+            </a:pPr>
+            <a:r>
+              <a:rPr b="0" lang="es-MX" sz="2400" spc="-1" strike="noStrike">
+                <a:solidFill>
+                  <a:srgbClr val="000000"/>
+                </a:solidFill>
+                <a:latin typeface="Calibri"/>
+                <a:ea typeface="DejaVu Sans"/>
+              </a:rPr>
+              <a:t>Various info (el que tiene la letra i      ), y seleccione la opción Loaded </a:t>
+            </a:r>
+            <a:endParaRPr b="0" lang="es-MX" sz="2400" spc="-1" strike="noStrike">
+              <a:latin typeface="Arial"/>
+            </a:endParaRPr>
+          </a:p>
+          <a:p>
+            <a:pPr>
+              <a:lnSpc>
+                <a:spcPct val="100000"/>
+              </a:lnSpc>
+            </a:pPr>
+            <a:r>
+              <a:rPr b="0" lang="es-MX" sz="2400" spc="-1" strike="noStrike">
+                <a:solidFill>
+                  <a:srgbClr val="000000"/>
+                </a:solidFill>
+                <a:latin typeface="Calibri"/>
+                <a:ea typeface="DejaVu Sans"/>
+              </a:rPr>
+              <a:t>libraries.</a:t>
+            </a:r>
+            <a:endParaRPr b="0" lang="es-MX" sz="2400" spc="-1" strike="noStrike">
+              <a:latin typeface="Arial"/>
+            </a:endParaRPr>
+          </a:p>
+        </p:txBody>
+      </p:sp>
+      <p:pic>
+        <p:nvPicPr>
+          <p:cNvPr id="316" name="Imagen 5" descr=""/>
+          <p:cNvPicPr/>
+          <p:nvPr/>
+        </p:nvPicPr>
+        <p:blipFill>
+          <a:blip r:embed="rId2"/>
+          <a:stretch/>
+        </p:blipFill>
+        <p:spPr>
+          <a:xfrm>
+            <a:off x="2880000" y="3729240"/>
+            <a:ext cx="5109480" cy="589320"/>
+          </a:xfrm>
+          <a:prstGeom prst="rect">
+            <a:avLst/>
+          </a:prstGeom>
+          <a:ln w="0">
+            <a:noFill/>
+          </a:ln>
+        </p:spPr>
+      </p:pic>
+      <p:pic>
+        <p:nvPicPr>
+          <p:cNvPr id="317" name="Imagen 6" descr=""/>
+          <p:cNvPicPr/>
+          <p:nvPr/>
+        </p:nvPicPr>
+        <p:blipFill>
+          <a:blip r:embed="rId3"/>
+          <a:stretch/>
+        </p:blipFill>
+        <p:spPr>
+          <a:xfrm>
+            <a:off x="360000" y="3600000"/>
+            <a:ext cx="2209320" cy="853560"/>
+          </a:xfrm>
+          <a:prstGeom prst="rect">
+            <a:avLst/>
+          </a:prstGeom>
+          <a:ln w="0">
+            <a:noFill/>
+          </a:ln>
+        </p:spPr>
+      </p:pic>
+      <p:pic>
+        <p:nvPicPr>
+          <p:cNvPr id="318" name="" descr=""/>
+          <p:cNvPicPr/>
+          <p:nvPr/>
+        </p:nvPicPr>
+        <p:blipFill>
+          <a:blip r:embed="rId4"/>
+          <a:stretch/>
+        </p:blipFill>
+        <p:spPr>
+          <a:xfrm>
+            <a:off x="5940000" y="4521600"/>
+            <a:ext cx="5938560" cy="1056960"/>
+          </a:xfrm>
+          <a:prstGeom prst="rect">
+            <a:avLst/>
+          </a:prstGeom>
+          <a:ln w="0">
+            <a:noFill/>
+          </a:ln>
+        </p:spPr>
+      </p:pic>
+      <p:pic>
+        <p:nvPicPr>
+          <p:cNvPr id="319" name="" descr=""/>
+          <p:cNvPicPr/>
+          <p:nvPr/>
+        </p:nvPicPr>
+        <p:blipFill>
+          <a:blip r:embed="rId5"/>
+          <a:stretch/>
+        </p:blipFill>
+        <p:spPr>
+          <a:xfrm>
+            <a:off x="5760000" y="2880000"/>
+            <a:ext cx="293400" cy="350280"/>
+          </a:xfrm>
+          <a:prstGeom prst="rect">
+            <a:avLst/>
+          </a:prstGeom>
+          <a:ln w="0">
+            <a:noFill/>
+          </a:ln>
+        </p:spPr>
+      </p:pic>
     </p:spTree>
   </p:cSld>
   <mc:AlternateContent>
@@ -14948,14 +15235,14 @@
       </p:grpSpPr>
       <p:sp>
         <p:nvSpPr>
-          <p:cNvPr id="315" name="CustomShape 1"/>
+          <p:cNvPr id="320" name="CustomShape 1"/>
           <p:cNvSpPr/>
           <p:nvPr/>
         </p:nvSpPr>
         <p:spPr>
           <a:xfrm>
-            <a:off x="286560" y="0"/>
-            <a:ext cx="10513080" cy="963000"/>
+            <a:off x="360000" y="-244440"/>
+            <a:ext cx="10512000" cy="1321920"/>
           </a:xfrm>
           <a:prstGeom prst="rect">
             <a:avLst/>
@@ -14989,7 +15276,7 @@
                 <a:latin typeface="Calibri Light"/>
                 <a:ea typeface="DejaVu Sans"/>
               </a:rPr>
-              <a:t>Programa en ejecución</a:t>
+              <a:t>1.3.2 Depuración</a:t>
             </a:r>
             <a:endParaRPr b="0" lang="es-MX" sz="4400" spc="-1" strike="noStrike">
               <a:latin typeface="Arial"/>
@@ -14999,14 +15286,14 @@
       </p:sp>
       <p:sp>
         <p:nvSpPr>
-          <p:cNvPr id="316" name="CustomShape 2"/>
+          <p:cNvPr id="321" name="CustomShape 2"/>
           <p:cNvSpPr/>
           <p:nvPr/>
         </p:nvSpPr>
         <p:spPr>
           <a:xfrm>
-            <a:off x="360000" y="860400"/>
-            <a:ext cx="8707680" cy="455400"/>
+            <a:off x="360000" y="579240"/>
+            <a:ext cx="11656800" cy="1918440"/>
           </a:xfrm>
           <a:prstGeom prst="rect">
             <a:avLst/>
@@ -15040,7 +15327,87 @@
                 <a:latin typeface="Calibri"/>
                 <a:ea typeface="DejaVu Sans"/>
               </a:rPr>
-              <a:t>Bibliotecas cargadas durante la ejecución del programa</a:t>
+              <a:t>Véase el documento anexo a esta presentación depuracion.docx para </a:t>
+            </a:r>
+            <a:endParaRPr b="0" lang="es-MX" sz="2400" spc="-1" strike="noStrike">
+              <a:latin typeface="Arial"/>
+            </a:endParaRPr>
+          </a:p>
+          <a:p>
+            <a:pPr>
+              <a:lnSpc>
+                <a:spcPct val="100000"/>
+              </a:lnSpc>
+            </a:pPr>
+            <a:r>
+              <a:rPr b="0" lang="es-MX" sz="2400" spc="-1" strike="noStrike">
+                <a:solidFill>
+                  <a:srgbClr val="000000"/>
+                </a:solidFill>
+                <a:latin typeface="Calibri"/>
+                <a:ea typeface="DejaVu Sans"/>
+              </a:rPr>
+              <a:t>una descripción del uso de los comandos básicos del programa GDB para </a:t>
+            </a:r>
+            <a:endParaRPr b="0" lang="es-MX" sz="2400" spc="-1" strike="noStrike">
+              <a:latin typeface="Arial"/>
+            </a:endParaRPr>
+          </a:p>
+          <a:p>
+            <a:pPr>
+              <a:lnSpc>
+                <a:spcPct val="100000"/>
+              </a:lnSpc>
+            </a:pPr>
+            <a:r>
+              <a:rPr b="0" lang="es-MX" sz="2400" spc="-1" strike="noStrike">
+                <a:solidFill>
+                  <a:srgbClr val="000000"/>
+                </a:solidFill>
+                <a:latin typeface="Calibri"/>
+                <a:ea typeface="DejaVu Sans"/>
+              </a:rPr>
+              <a:t>hacer depuración desde la línea de comandos de un sistema operativo </a:t>
+            </a:r>
+            <a:endParaRPr b="0" lang="es-MX" sz="2400" spc="-1" strike="noStrike">
+              <a:latin typeface="Arial"/>
+            </a:endParaRPr>
+          </a:p>
+          <a:p>
+            <a:pPr>
+              <a:lnSpc>
+                <a:spcPct val="100000"/>
+              </a:lnSpc>
+            </a:pPr>
+            <a:r>
+              <a:rPr b="0" lang="es-MX" sz="2400" spc="-1" strike="noStrike">
+                <a:solidFill>
+                  <a:srgbClr val="000000"/>
+                </a:solidFill>
+                <a:latin typeface="Calibri"/>
+                <a:ea typeface="DejaVu Sans"/>
+              </a:rPr>
+              <a:t>GNU-Linux. Por otra parte, en el IDE Codeblocks se muestra a continuación</a:t>
+            </a:r>
+            <a:endParaRPr b="0" lang="es-MX" sz="2400" spc="-1" strike="noStrike">
+              <a:latin typeface="Arial"/>
+            </a:endParaRPr>
+          </a:p>
+          <a:p>
+            <a:pPr>
+              <a:lnSpc>
+                <a:spcPct val="100000"/>
+              </a:lnSpc>
+            </a:pPr>
+            <a:r>
+              <a:rPr b="0" lang="es-MX" sz="2400" spc="-1" strike="noStrike">
+                <a:solidFill>
+                  <a:srgbClr val="000000"/>
+                </a:solidFill>
+                <a:latin typeface="Calibri"/>
+                <a:ea typeface="DejaVu Sans"/>
+              </a:rPr>
+              <a:t>una sesión de depuración para el programa:</a:t>
             </a:r>
             <a:endParaRPr b="0" lang="es-MX" sz="2400" spc="-1" strike="noStrike">
               <a:latin typeface="Arial"/>
@@ -15050,7 +15417,7 @@
       </p:sp>
       <p:pic>
         <p:nvPicPr>
-          <p:cNvPr id="317" name="Imagen 3" descr=""/>
+          <p:cNvPr id="322" name="Imagen 4" descr=""/>
           <p:cNvPicPr/>
           <p:nvPr/>
         </p:nvPicPr>
@@ -15060,251 +15427,8 @@
         </p:blipFill>
         <p:spPr>
           <a:xfrm>
-            <a:off x="360000" y="4500000"/>
-            <a:ext cx="5512320" cy="1826280"/>
-          </a:xfrm>
-          <a:prstGeom prst="rect">
-            <a:avLst/>
-          </a:prstGeom>
-          <a:ln w="0">
-            <a:noFill/>
-          </a:ln>
-        </p:spPr>
-      </p:pic>
-      <p:sp>
-        <p:nvSpPr>
-          <p:cNvPr id="318" name="CustomShape 3"/>
-          <p:cNvSpPr/>
-          <p:nvPr/>
-        </p:nvSpPr>
-        <p:spPr>
-          <a:xfrm>
-            <a:off x="459720" y="1315800"/>
-            <a:ext cx="10960200" cy="2284200"/>
-          </a:xfrm>
-          <a:prstGeom prst="rect">
-            <a:avLst/>
-          </a:prstGeom>
-          <a:noFill/>
-          <a:ln w="0">
-            <a:noFill/>
-          </a:ln>
-        </p:spPr>
-        <p:style>
-          <a:lnRef idx="0"/>
-          <a:fillRef idx="0"/>
-          <a:effectRef idx="0"/>
-          <a:fontRef idx="minor"/>
-        </p:style>
-        <p:txBody>
-          <a:bodyPr wrap="none" lIns="90000" rIns="90000" tIns="45000" bIns="45000">
-            <a:spAutoFit/>
-          </a:bodyPr>
-          <a:p>
-            <a:pPr>
-              <a:lnSpc>
-                <a:spcPct val="100000"/>
-              </a:lnSpc>
-            </a:pPr>
-            <a:r>
-              <a:rPr b="0" lang="es-MX" sz="2400" spc="-1" strike="noStrike">
-                <a:solidFill>
-                  <a:srgbClr val="000000"/>
-                </a:solidFill>
-                <a:latin typeface="Calibri"/>
-                <a:ea typeface="DejaVu Sans"/>
-              </a:rPr>
-              <a:t>Seleccione el target Debug, coloque un punto de ruptura en la línea</a:t>
-            </a:r>
-            <a:endParaRPr b="0" lang="es-MX" sz="2400" spc="-1" strike="noStrike">
-              <a:latin typeface="Arial"/>
-            </a:endParaRPr>
-          </a:p>
-          <a:p>
-            <a:pPr>
-              <a:lnSpc>
-                <a:spcPct val="100000"/>
-              </a:lnSpc>
-            </a:pPr>
-            <a:r>
-              <a:rPr b="0" lang="es-MX" sz="2400" spc="-1" strike="noStrike">
-                <a:solidFill>
-                  <a:srgbClr val="000000"/>
-                </a:solidFill>
-                <a:latin typeface="Calibri"/>
-                <a:ea typeface="DejaVu Sans"/>
-              </a:rPr>
-              <a:t>donde está la función main del archivo de código fuente. Dé clic en el </a:t>
-            </a:r>
-            <a:endParaRPr b="0" lang="es-MX" sz="2400" spc="-1" strike="noStrike">
-              <a:latin typeface="Arial"/>
-            </a:endParaRPr>
-          </a:p>
-          <a:p>
-            <a:pPr>
-              <a:lnSpc>
-                <a:spcPct val="100000"/>
-              </a:lnSpc>
-            </a:pPr>
-            <a:r>
-              <a:rPr b="0" lang="es-MX" sz="2400" spc="-1" strike="noStrike">
-                <a:solidFill>
-                  <a:srgbClr val="000000"/>
-                </a:solidFill>
-                <a:latin typeface="Calibri"/>
-                <a:ea typeface="DejaVu Sans"/>
-              </a:rPr>
-              <a:t>botón play de color rojo. La ejecución del programa se detendrá justo</a:t>
-            </a:r>
-            <a:endParaRPr b="0" lang="es-MX" sz="2400" spc="-1" strike="noStrike">
-              <a:latin typeface="Arial"/>
-            </a:endParaRPr>
-          </a:p>
-          <a:p>
-            <a:pPr>
-              <a:lnSpc>
-                <a:spcPct val="100000"/>
-              </a:lnSpc>
-            </a:pPr>
-            <a:r>
-              <a:rPr b="0" lang="es-MX" sz="2400" spc="-1" strike="noStrike">
-                <a:solidFill>
-                  <a:srgbClr val="000000"/>
-                </a:solidFill>
-                <a:latin typeface="Calibri"/>
-                <a:ea typeface="DejaVu Sans"/>
-              </a:rPr>
-              <a:t>antes de empezar a ejecutar la función main; dé clic en el botón </a:t>
-            </a:r>
-            <a:endParaRPr b="0" lang="es-MX" sz="2400" spc="-1" strike="noStrike">
-              <a:latin typeface="Arial"/>
-            </a:endParaRPr>
-          </a:p>
-          <a:p>
-            <a:pPr>
-              <a:lnSpc>
-                <a:spcPct val="100000"/>
-              </a:lnSpc>
-            </a:pPr>
-            <a:r>
-              <a:rPr b="0" lang="es-MX" sz="2400" spc="-1" strike="noStrike">
-                <a:solidFill>
-                  <a:srgbClr val="000000"/>
-                </a:solidFill>
-                <a:latin typeface="Calibri"/>
-                <a:ea typeface="DejaVu Sans"/>
-              </a:rPr>
-              <a:t>Various info (el que tiene la letra i      ), y seleccione la opción Loaded </a:t>
-            </a:r>
-            <a:endParaRPr b="0" lang="es-MX" sz="2400" spc="-1" strike="noStrike">
-              <a:latin typeface="Arial"/>
-            </a:endParaRPr>
-          </a:p>
-          <a:p>
-            <a:pPr>
-              <a:lnSpc>
-                <a:spcPct val="100000"/>
-              </a:lnSpc>
-            </a:pPr>
-            <a:r>
-              <a:rPr b="0" lang="es-MX" sz="2400" spc="-1" strike="noStrike">
-                <a:solidFill>
-                  <a:srgbClr val="000000"/>
-                </a:solidFill>
-                <a:latin typeface="Calibri"/>
-                <a:ea typeface="DejaVu Sans"/>
-              </a:rPr>
-              <a:t>libraries.</a:t>
-            </a:r>
-            <a:endParaRPr b="0" lang="es-MX" sz="2400" spc="-1" strike="noStrike">
-              <a:latin typeface="Arial"/>
-            </a:endParaRPr>
-          </a:p>
-        </p:txBody>
-      </p:sp>
-      <p:pic>
-        <p:nvPicPr>
-          <p:cNvPr id="319" name="Imagen 5" descr=""/>
-          <p:cNvPicPr/>
-          <p:nvPr/>
-        </p:nvPicPr>
-        <p:blipFill>
-          <a:blip r:embed="rId2"/>
-          <a:stretch/>
-        </p:blipFill>
-        <p:spPr>
-          <a:xfrm>
-            <a:off x="2880000" y="3729240"/>
-            <a:ext cx="5110560" cy="590400"/>
-          </a:xfrm>
-          <a:prstGeom prst="rect">
-            <a:avLst/>
-          </a:prstGeom>
-          <a:ln w="0">
-            <a:noFill/>
-          </a:ln>
-        </p:spPr>
-      </p:pic>
-      <p:pic>
-        <p:nvPicPr>
-          <p:cNvPr id="320" name="Imagen 6" descr=""/>
-          <p:cNvPicPr/>
-          <p:nvPr/>
-        </p:nvPicPr>
-        <p:blipFill>
-          <a:blip r:embed="rId3"/>
-          <a:stretch/>
-        </p:blipFill>
-        <p:spPr>
-          <a:xfrm>
-            <a:off x="360000" y="3600000"/>
-            <a:ext cx="2210400" cy="854640"/>
-          </a:xfrm>
-          <a:prstGeom prst="rect">
-            <a:avLst/>
-          </a:prstGeom>
-          <a:ln w="0">
-            <a:noFill/>
-          </a:ln>
-        </p:spPr>
-      </p:pic>
-      <p:pic>
-        <p:nvPicPr>
-          <p:cNvPr id="321" name="" descr=""/>
-          <p:cNvPicPr/>
-          <p:nvPr/>
-        </p:nvPicPr>
-        <p:blipFill>
-          <a:blip r:embed="rId4"/>
-          <a:stretch/>
-        </p:blipFill>
-        <p:spPr>
-          <a:xfrm>
-            <a:off x="5940000" y="4521600"/>
-            <a:ext cx="5939640" cy="1058040"/>
-          </a:xfrm>
-          <a:prstGeom prst="rect">
-            <a:avLst/>
-          </a:prstGeom>
-          <a:ln w="0">
-            <a:noFill/>
-          </a:ln>
-        </p:spPr>
-      </p:pic>
-      <p:pic>
-        <p:nvPicPr>
-          <p:cNvPr id="322" name="" descr=""/>
-          <p:cNvPicPr/>
-          <p:nvPr/>
-        </p:nvPicPr>
-        <p:blipFill>
-          <a:blip r:embed="rId5"/>
-          <a:stretch/>
-        </p:blipFill>
-        <p:spPr>
-          <a:xfrm>
-            <a:off x="5760000" y="2880000"/>
-            <a:ext cx="294480" cy="351360"/>
+            <a:off x="487800" y="2650320"/>
+            <a:ext cx="5090760" cy="3828240"/>
           </a:xfrm>
           <a:prstGeom prst="rect">
             <a:avLst/>
@@ -15352,8 +15476,8 @@
         </p:nvSpPr>
         <p:spPr>
           <a:xfrm>
-            <a:off x="360000" y="-244440"/>
-            <a:ext cx="10513080" cy="1323000"/>
+            <a:off x="714960" y="-303120"/>
+            <a:ext cx="10512000" cy="1321920"/>
           </a:xfrm>
           <a:prstGeom prst="rect">
             <a:avLst/>
@@ -15387,7 +15511,7 @@
                 <a:latin typeface="Calibri Light"/>
                 <a:ea typeface="DejaVu Sans"/>
               </a:rPr>
-              <a:t>1.3.2 Depuración</a:t>
+              <a:t>Target Debug y punto de ruptura</a:t>
             </a:r>
             <a:endParaRPr b="0" lang="es-MX" sz="4400" spc="-1" strike="noStrike">
               <a:latin typeface="Arial"/>
@@ -15403,8 +15527,8 @@
         </p:nvSpPr>
         <p:spPr>
           <a:xfrm>
-            <a:off x="360000" y="579240"/>
-            <a:ext cx="11656800" cy="1918440"/>
+            <a:off x="339840" y="545400"/>
+            <a:ext cx="11262240" cy="1552680"/>
           </a:xfrm>
           <a:prstGeom prst="rect">
             <a:avLst/>
@@ -15438,7 +15562,7 @@
                 <a:latin typeface="Calibri"/>
                 <a:ea typeface="DejaVu Sans"/>
               </a:rPr>
-              <a:t>Véase el documento anexo a esta presentación depuracion.docx para </a:t>
+              <a:t>Se selecciona el target Debug y se coloca un punto de ruptura en la </a:t>
             </a:r>
             <a:endParaRPr b="0" lang="es-MX" sz="2400" spc="-1" strike="noStrike">
               <a:latin typeface="Arial"/>
@@ -15458,7 +15582,7 @@
                 <a:latin typeface="Calibri"/>
                 <a:ea typeface="DejaVu Sans"/>
               </a:rPr>
-              <a:t>una descripción del uso de los comandos básicos del programa GDB para </a:t>
+              <a:t>línea de código ary[i] = i, como se muestra en la siguiente figura. </a:t>
             </a:r>
             <a:endParaRPr b="0" lang="es-MX" sz="2400" spc="-1" strike="noStrike">
               <a:latin typeface="Arial"/>
@@ -15478,7 +15602,7 @@
                 <a:latin typeface="Calibri"/>
                 <a:ea typeface="DejaVu Sans"/>
               </a:rPr>
-              <a:t>hacer depuración desde la línea de comandos de un sistema operativo </a:t>
+              <a:t>Dado que el arreglo que se pasa como argumento al llamar a la función </a:t>
             </a:r>
             <a:endParaRPr b="0" lang="es-MX" sz="2400" spc="-1" strike="noStrike">
               <a:latin typeface="Arial"/>
@@ -15498,27 +15622,7 @@
                 <a:latin typeface="Calibri"/>
                 <a:ea typeface="DejaVu Sans"/>
               </a:rPr>
-              <a:t>GNU-Linux. Por otra parte, en el IDE Codeblocks se muestra a continuación</a:t>
-            </a:r>
-            <a:endParaRPr b="0" lang="es-MX" sz="2400" spc="-1" strike="noStrike">
-              <a:latin typeface="Arial"/>
-            </a:endParaRPr>
-          </a:p>
-          <a:p>
-            <a:pPr>
-              <a:lnSpc>
-                <a:spcPct val="100000"/>
-              </a:lnSpc>
-            </a:pPr>
-            <a:r>
-              <a:rPr b="0" lang="es-MX" sz="2400" spc="-1" strike="noStrike">
-                <a:solidFill>
-                  <a:srgbClr val="000000"/>
-                </a:solidFill>
-                <a:latin typeface="Calibri"/>
-                <a:ea typeface="DejaVu Sans"/>
-              </a:rPr>
-              <a:t>una sesión de depuración para el programa:</a:t>
+              <a:t>index_to_the_moon es de taaño 100, se usó un breakpoint condicional</a:t>
             </a:r>
             <a:endParaRPr b="0" lang="es-MX" sz="2400" spc="-1" strike="noStrike">
               <a:latin typeface="Arial"/>
@@ -15528,7 +15632,7 @@
       </p:sp>
       <p:pic>
         <p:nvPicPr>
-          <p:cNvPr id="325" name="Imagen 4" descr=""/>
+          <p:cNvPr id="325" name="Imagen 3" descr=""/>
           <p:cNvPicPr/>
           <p:nvPr/>
         </p:nvPicPr>
@@ -15538,8 +15642,185 @@
         </p:blipFill>
         <p:spPr>
           <a:xfrm>
-            <a:off x="487800" y="2650320"/>
-            <a:ext cx="5091840" cy="3829320"/>
+            <a:off x="7740000" y="4320000"/>
+            <a:ext cx="1748880" cy="1968120"/>
+          </a:xfrm>
+          <a:prstGeom prst="rect">
+            <a:avLst/>
+          </a:prstGeom>
+          <a:ln w="0">
+            <a:noFill/>
+          </a:ln>
+        </p:spPr>
+      </p:pic>
+      <p:pic>
+        <p:nvPicPr>
+          <p:cNvPr id="326" name="Imagen 4" descr=""/>
+          <p:cNvPicPr/>
+          <p:nvPr/>
+        </p:nvPicPr>
+        <p:blipFill>
+          <a:blip r:embed="rId2"/>
+          <a:stretch/>
+        </p:blipFill>
+        <p:spPr>
+          <a:xfrm>
+            <a:off x="250560" y="2236320"/>
+            <a:ext cx="5893200" cy="4408200"/>
+          </a:xfrm>
+          <a:prstGeom prst="rect">
+            <a:avLst/>
+          </a:prstGeom>
+          <a:ln w="0">
+            <a:noFill/>
+          </a:ln>
+        </p:spPr>
+      </p:pic>
+      <p:sp>
+        <p:nvSpPr>
+          <p:cNvPr id="327" name="CustomShape 3"/>
+          <p:cNvSpPr/>
+          <p:nvPr/>
+        </p:nvSpPr>
+        <p:spPr>
+          <a:xfrm>
+            <a:off x="6549120" y="2160000"/>
+            <a:ext cx="5347440" cy="1918440"/>
+          </a:xfrm>
+          <a:prstGeom prst="rect">
+            <a:avLst/>
+          </a:prstGeom>
+          <a:noFill/>
+          <a:ln w="0">
+            <a:noFill/>
+          </a:ln>
+        </p:spPr>
+        <p:style>
+          <a:lnRef idx="0"/>
+          <a:fillRef idx="0"/>
+          <a:effectRef idx="0"/>
+          <a:fontRef idx="minor"/>
+        </p:style>
+        <p:txBody>
+          <a:bodyPr wrap="none" lIns="90000" rIns="90000" tIns="45000" bIns="45000">
+            <a:spAutoFit/>
+          </a:bodyPr>
+          <a:p>
+            <a:pPr>
+              <a:lnSpc>
+                <a:spcPct val="100000"/>
+              </a:lnSpc>
+            </a:pPr>
+            <a:r>
+              <a:rPr b="0" lang="es-MX" sz="2400" spc="-1" strike="noStrike">
+                <a:solidFill>
+                  <a:srgbClr val="000000"/>
+                </a:solidFill>
+                <a:latin typeface="Calibri"/>
+                <a:ea typeface="DejaVu Sans"/>
+              </a:rPr>
+              <a:t>Con expresión i &gt; 99  </a:t>
+            </a:r>
+            <a:endParaRPr b="0" lang="es-MX" sz="2400" spc="-1" strike="noStrike">
+              <a:latin typeface="Arial"/>
+            </a:endParaRPr>
+          </a:p>
+          <a:p>
+            <a:pPr>
+              <a:lnSpc>
+                <a:spcPct val="100000"/>
+              </a:lnSpc>
+            </a:pPr>
+            <a:r>
+              <a:rPr b="0" lang="es-MX" sz="2400" spc="-1" strike="noStrike">
+                <a:solidFill>
+                  <a:srgbClr val="000000"/>
+                </a:solidFill>
+                <a:latin typeface="Calibri"/>
+                <a:ea typeface="DejaVu Sans"/>
+              </a:rPr>
+              <a:t>(Se da cloc sobre el breakpoint, </a:t>
+            </a:r>
+            <a:endParaRPr b="0" lang="es-MX" sz="2400" spc="-1" strike="noStrike">
+              <a:latin typeface="Arial"/>
+            </a:endParaRPr>
+          </a:p>
+          <a:p>
+            <a:pPr>
+              <a:lnSpc>
+                <a:spcPct val="100000"/>
+              </a:lnSpc>
+            </a:pPr>
+            <a:r>
+              <a:rPr b="0" lang="es-MX" sz="2400" spc="-1" strike="noStrike">
+                <a:solidFill>
+                  <a:srgbClr val="000000"/>
+                </a:solidFill>
+                <a:latin typeface="Calibri"/>
+                <a:ea typeface="DejaVu Sans"/>
+              </a:rPr>
+              <a:t>y se selecciona “Edit breakpoint”,</a:t>
+            </a:r>
+            <a:endParaRPr b="0" lang="es-MX" sz="2400" spc="-1" strike="noStrike">
+              <a:latin typeface="Arial"/>
+            </a:endParaRPr>
+          </a:p>
+          <a:p>
+            <a:pPr>
+              <a:lnSpc>
+                <a:spcPct val="100000"/>
+              </a:lnSpc>
+            </a:pPr>
+            <a:r>
+              <a:rPr b="0" lang="es-MX" sz="2400" spc="-1" strike="noStrike">
+                <a:solidFill>
+                  <a:srgbClr val="000000"/>
+                </a:solidFill>
+                <a:latin typeface="Calibri"/>
+                <a:ea typeface="DejaVu Sans"/>
+              </a:rPr>
+              <a:t>Se selecciona el checkbox “Break</a:t>
+            </a:r>
+            <a:endParaRPr b="0" lang="es-MX" sz="2400" spc="-1" strike="noStrike">
+              <a:latin typeface="Arial"/>
+            </a:endParaRPr>
+          </a:p>
+          <a:p>
+            <a:pPr>
+              <a:lnSpc>
+                <a:spcPct val="100000"/>
+              </a:lnSpc>
+            </a:pPr>
+            <a:r>
+              <a:rPr b="0" lang="es-MX" sz="2400" spc="-1" strike="noStrike">
+                <a:solidFill>
+                  <a:srgbClr val="000000"/>
+                </a:solidFill>
+                <a:latin typeface="Calibri"/>
+                <a:ea typeface="DejaVu Sans"/>
+              </a:rPr>
+              <a:t>When expression is true:”)</a:t>
+            </a:r>
+            <a:endParaRPr b="0" lang="es-MX" sz="2400" spc="-1" strike="noStrike">
+              <a:latin typeface="Arial"/>
+            </a:endParaRPr>
+          </a:p>
+        </p:txBody>
+      </p:sp>
+      <p:pic>
+        <p:nvPicPr>
+          <p:cNvPr id="328" name="" descr=""/>
+          <p:cNvPicPr/>
+          <p:nvPr/>
+        </p:nvPicPr>
+        <p:blipFill>
+          <a:blip r:embed="rId3"/>
+          <a:stretch/>
+        </p:blipFill>
+        <p:spPr>
+          <a:xfrm>
+            <a:off x="9655200" y="4320000"/>
+            <a:ext cx="2070720" cy="1978560"/>
           </a:xfrm>
           <a:prstGeom prst="rect">
             <a:avLst/>
@@ -15581,14 +15862,14 @@
       </p:grpSpPr>
       <p:sp>
         <p:nvSpPr>
-          <p:cNvPr id="326" name="CustomShape 1"/>
+          <p:cNvPr id="329" name="CustomShape 1"/>
           <p:cNvSpPr/>
           <p:nvPr/>
         </p:nvSpPr>
         <p:spPr>
           <a:xfrm>
-            <a:off x="714960" y="-303120"/>
-            <a:ext cx="10513080" cy="1323000"/>
+            <a:off x="337320" y="-312120"/>
+            <a:ext cx="10512000" cy="1321920"/>
           </a:xfrm>
           <a:prstGeom prst="rect">
             <a:avLst/>
@@ -15622,7 +15903,7 @@
                 <a:latin typeface="Calibri Light"/>
                 <a:ea typeface="DejaVu Sans"/>
               </a:rPr>
-              <a:t>Target Debug y punto de ruptura</a:t>
+              <a:t>Se ejecuta el programa usando GDB </a:t>
             </a:r>
             <a:endParaRPr b="0" lang="es-MX" sz="4400" spc="-1" strike="noStrike">
               <a:latin typeface="Arial"/>
@@ -15632,14 +15913,14 @@
       </p:sp>
       <p:sp>
         <p:nvSpPr>
-          <p:cNvPr id="327" name="CustomShape 2"/>
+          <p:cNvPr id="330" name="CustomShape 2"/>
           <p:cNvSpPr/>
           <p:nvPr/>
         </p:nvSpPr>
         <p:spPr>
           <a:xfrm>
-            <a:off x="339840" y="545400"/>
-            <a:ext cx="11263320" cy="1553040"/>
+            <a:off x="363240" y="505080"/>
+            <a:ext cx="9715320" cy="394560"/>
           </a:xfrm>
           <a:prstGeom prst="rect">
             <a:avLst/>
@@ -15666,76 +15947,16 @@
               </a:lnSpc>
             </a:pPr>
             <a:r>
-              <a:rPr b="0" lang="es-MX" sz="2400" spc="-1" strike="noStrike">
+              <a:rPr b="0" lang="es-MX" sz="2000" spc="-1" strike="noStrike">
                 <a:solidFill>
                   <a:srgbClr val="000000"/>
                 </a:solidFill>
                 <a:latin typeface="Calibri"/>
                 <a:ea typeface="DejaVu Sans"/>
               </a:rPr>
-              <a:t>Se selecciona el target Debug y se coloca un punto de ruptura en la </a:t>
-            </a:r>
-            <a:endParaRPr b="0" lang="es-MX" sz="2400" spc="-1" strike="noStrike">
-              <a:latin typeface="Arial"/>
-            </a:endParaRPr>
-          </a:p>
-          <a:p>
-            <a:pPr>
-              <a:lnSpc>
-                <a:spcPct val="100000"/>
-              </a:lnSpc>
-            </a:pPr>
-            <a:r>
-              <a:rPr b="0" lang="es-MX" sz="2400" spc="-1" strike="noStrike">
-                <a:solidFill>
-                  <a:srgbClr val="000000"/>
-                </a:solidFill>
-                <a:latin typeface="Calibri"/>
-                <a:ea typeface="DejaVu Sans"/>
-              </a:rPr>
-              <a:t>línea de código ary[i] = i, como se muestra en la siguiente figura. </a:t>
-            </a:r>
-            <a:endParaRPr b="0" lang="es-MX" sz="2400" spc="-1" strike="noStrike">
-              <a:latin typeface="Arial"/>
-            </a:endParaRPr>
-          </a:p>
-          <a:p>
-            <a:pPr>
-              <a:lnSpc>
-                <a:spcPct val="100000"/>
-              </a:lnSpc>
-            </a:pPr>
-            <a:r>
-              <a:rPr b="0" lang="es-MX" sz="2400" spc="-1" strike="noStrike">
-                <a:solidFill>
-                  <a:srgbClr val="000000"/>
-                </a:solidFill>
-                <a:latin typeface="Calibri"/>
-                <a:ea typeface="DejaVu Sans"/>
-              </a:rPr>
-              <a:t>Dado que el arreglo que se pasa como argumento al llamar a la función </a:t>
-            </a:r>
-            <a:endParaRPr b="0" lang="es-MX" sz="2400" spc="-1" strike="noStrike">
-              <a:latin typeface="Arial"/>
-            </a:endParaRPr>
-          </a:p>
-          <a:p>
-            <a:pPr>
-              <a:lnSpc>
-                <a:spcPct val="100000"/>
-              </a:lnSpc>
-            </a:pPr>
-            <a:r>
-              <a:rPr b="0" lang="es-MX" sz="2400" spc="-1" strike="noStrike">
-                <a:solidFill>
-                  <a:srgbClr val="000000"/>
-                </a:solidFill>
-                <a:latin typeface="Calibri"/>
-                <a:ea typeface="DejaVu Sans"/>
-              </a:rPr>
-              <a:t>index_to_the_moon es de taaño 100, se usó un breakpoint condicional</a:t>
-            </a:r>
-            <a:endParaRPr b="0" lang="es-MX" sz="2400" spc="-1" strike="noStrike">
+              <a:t>El programa se ejecuta en el depurador dando clic en el botón de play rojo</a:t>
+            </a:r>
+            <a:endParaRPr b="0" lang="es-MX" sz="2000" spc="-1" strike="noStrike">
               <a:latin typeface="Arial"/>
             </a:endParaRPr>
           </a:p>
@@ -15743,7 +15964,7 @@
       </p:sp>
       <p:pic>
         <p:nvPicPr>
-          <p:cNvPr id="328" name="Imagen 3" descr=""/>
+          <p:cNvPr id="331" name="Imagen 3" descr=""/>
           <p:cNvPicPr/>
           <p:nvPr/>
         </p:nvPicPr>
@@ -15753,8 +15974,8 @@
         </p:blipFill>
         <p:spPr>
           <a:xfrm>
-            <a:off x="7740000" y="4320000"/>
-            <a:ext cx="1749960" cy="1969200"/>
+            <a:off x="3092760" y="905760"/>
+            <a:ext cx="5005800" cy="605880"/>
           </a:xfrm>
           <a:prstGeom prst="rect">
             <a:avLst/>
@@ -15764,9 +15985,160 @@
           </a:ln>
         </p:spPr>
       </p:pic>
+      <p:sp>
+        <p:nvSpPr>
+          <p:cNvPr id="332" name="CustomShape 3"/>
+          <p:cNvSpPr/>
+          <p:nvPr/>
+        </p:nvSpPr>
+        <p:spPr>
+          <a:xfrm>
+            <a:off x="360000" y="1502280"/>
+            <a:ext cx="11138760" cy="1919160"/>
+          </a:xfrm>
+          <a:prstGeom prst="rect">
+            <a:avLst/>
+          </a:prstGeom>
+          <a:noFill/>
+          <a:ln w="0">
+            <a:noFill/>
+          </a:ln>
+        </p:spPr>
+        <p:style>
+          <a:lnRef idx="0"/>
+          <a:fillRef idx="0"/>
+          <a:effectRef idx="0"/>
+          <a:fontRef idx="minor"/>
+        </p:style>
+        <p:txBody>
+          <a:bodyPr wrap="none" lIns="90000" rIns="90000" tIns="45000" bIns="45000">
+            <a:spAutoFit/>
+          </a:bodyPr>
+          <a:p>
+            <a:pPr>
+              <a:lnSpc>
+                <a:spcPct val="100000"/>
+              </a:lnSpc>
+            </a:pPr>
+            <a:r>
+              <a:rPr b="0" lang="es-MX" sz="2000" spc="-1" strike="noStrike">
+                <a:solidFill>
+                  <a:srgbClr val="000000"/>
+                </a:solidFill>
+                <a:latin typeface="Calibri"/>
+                <a:ea typeface="DejaVu Sans"/>
+              </a:rPr>
+              <a:t>Como el arreglo intary es de tamaño 100, y en la función index_to_moon se colocó un</a:t>
+            </a:r>
+            <a:endParaRPr b="0" lang="es-MX" sz="2000" spc="-1" strike="noStrike">
+              <a:latin typeface="Arial"/>
+            </a:endParaRPr>
+          </a:p>
+          <a:p>
+            <a:pPr>
+              <a:lnSpc>
+                <a:spcPct val="100000"/>
+              </a:lnSpc>
+            </a:pPr>
+            <a:r>
+              <a:rPr b="0" lang="es-MX" sz="2000" spc="-1" strike="noStrike">
+                <a:solidFill>
+                  <a:srgbClr val="000000"/>
+                </a:solidFill>
+                <a:latin typeface="Calibri"/>
+                <a:ea typeface="DejaVu Sans"/>
+              </a:rPr>
+              <a:t>breakpoint condicional con expresión i &gt; 99, si el programa se detiene en ese punto </a:t>
+            </a:r>
+            <a:endParaRPr b="0" lang="es-MX" sz="2000" spc="-1" strike="noStrike">
+              <a:latin typeface="Arial"/>
+            </a:endParaRPr>
+          </a:p>
+          <a:p>
+            <a:pPr>
+              <a:lnSpc>
+                <a:spcPct val="100000"/>
+              </a:lnSpc>
+            </a:pPr>
+            <a:r>
+              <a:rPr b="0" lang="es-MX" sz="2000" spc="-1" strike="noStrike">
+                <a:solidFill>
+                  <a:srgbClr val="000000"/>
+                </a:solidFill>
+                <a:latin typeface="Calibri"/>
+                <a:ea typeface="DejaVu Sans"/>
+              </a:rPr>
+              <a:t>de ruptura, significa que en la función se está tratando de acceder a una localidad de</a:t>
+            </a:r>
+            <a:endParaRPr b="0" lang="es-MX" sz="2000" spc="-1" strike="noStrike">
+              <a:latin typeface="Arial"/>
+            </a:endParaRPr>
+          </a:p>
+          <a:p>
+            <a:pPr>
+              <a:lnSpc>
+                <a:spcPct val="100000"/>
+              </a:lnSpc>
+            </a:pPr>
+            <a:r>
+              <a:rPr b="0" lang="es-MX" sz="2000" spc="-1" strike="noStrike">
+                <a:solidFill>
+                  <a:srgbClr val="000000"/>
+                </a:solidFill>
+                <a:latin typeface="Calibri"/>
+                <a:ea typeface="DejaVu Sans"/>
+              </a:rPr>
+              <a:t>memoria que ya no pertenece al arreglo que se pasó como argumento. Después de </a:t>
+            </a:r>
+            <a:endParaRPr b="0" lang="es-MX" sz="2000" spc="-1" strike="noStrike">
+              <a:latin typeface="Arial"/>
+            </a:endParaRPr>
+          </a:p>
+          <a:p>
+            <a:pPr>
+              <a:lnSpc>
+                <a:spcPct val="100000"/>
+              </a:lnSpc>
+            </a:pPr>
+            <a:r>
+              <a:rPr b="0" lang="es-MX" sz="2000" spc="-1" strike="noStrike">
+                <a:solidFill>
+                  <a:srgbClr val="000000"/>
+                </a:solidFill>
+                <a:latin typeface="Calibri"/>
+                <a:ea typeface="DejaVu Sans"/>
+              </a:rPr>
+              <a:t>eso, se detiene la ejecución del programa (clic en el botón que tiene la equis blanca </a:t>
+            </a:r>
+            <a:endParaRPr b="0" lang="es-MX" sz="2000" spc="-1" strike="noStrike">
+              <a:latin typeface="Arial"/>
+            </a:endParaRPr>
+          </a:p>
+          <a:p>
+            <a:pPr>
+              <a:lnSpc>
+                <a:spcPct val="100000"/>
+              </a:lnSpc>
+            </a:pPr>
+            <a:r>
+              <a:rPr b="0" lang="es-MX" sz="2000" spc="-1" strike="noStrike">
+                <a:solidFill>
+                  <a:srgbClr val="000000"/>
+                </a:solidFill>
+                <a:latin typeface="Calibri"/>
+                <a:ea typeface="DejaVu Sans"/>
+              </a:rPr>
+              <a:t>con fondo rojo).</a:t>
+            </a:r>
+            <a:endParaRPr b="0" lang="es-MX" sz="2000" spc="-1" strike="noStrike">
+              <a:latin typeface="Arial"/>
+            </a:endParaRPr>
+          </a:p>
+        </p:txBody>
+      </p:sp>
       <p:pic>
         <p:nvPicPr>
-          <p:cNvPr id="329" name="Imagen 4" descr=""/>
+          <p:cNvPr id="333" name="Imagen 7" descr=""/>
           <p:cNvPicPr/>
           <p:nvPr/>
         </p:nvPicPr>
@@ -15776,8 +16148,8 @@
         </p:blipFill>
         <p:spPr>
           <a:xfrm>
-            <a:off x="250560" y="2236320"/>
-            <a:ext cx="5894280" cy="4409280"/>
+            <a:off x="6480000" y="3569040"/>
+            <a:ext cx="4678560" cy="507600"/>
           </a:xfrm>
           <a:prstGeom prst="rect">
             <a:avLst/>
@@ -15787,151 +16159,21 @@
           </a:ln>
         </p:spPr>
       </p:pic>
-      <p:sp>
-        <p:nvSpPr>
-          <p:cNvPr id="330" name="CustomShape 3"/>
-          <p:cNvSpPr/>
-          <p:nvPr/>
-        </p:nvSpPr>
-        <p:spPr>
-          <a:xfrm>
-            <a:off x="6549120" y="2160000"/>
-            <a:ext cx="5348520" cy="1918440"/>
-          </a:xfrm>
-          <a:prstGeom prst="rect">
-            <a:avLst/>
-          </a:prstGeom>
-          <a:noFill/>
-          <a:ln w="0">
-            <a:noFill/>
-          </a:ln>
-        </p:spPr>
-        <p:style>
-          <a:lnRef idx="0"/>
-          <a:fillRef idx="0"/>
-          <a:effectRef idx="0"/>
-          <a:fontRef idx="minor"/>
-        </p:style>
-        <p:txBody>
-          <a:bodyPr wrap="none" lIns="90000" rIns="90000" tIns="45000" bIns="45000">
-            <a:spAutoFit/>
-          </a:bodyPr>
-          <a:p>
-            <a:pPr>
-              <a:lnSpc>
-                <a:spcPct val="100000"/>
-              </a:lnSpc>
-            </a:pPr>
-            <a:r>
-              <a:rPr b="0" lang="es-MX" sz="2400" spc="-1" strike="noStrike">
-                <a:solidFill>
-                  <a:srgbClr val="000000"/>
-                </a:solidFill>
-                <a:latin typeface="Calibri"/>
-                <a:ea typeface="DejaVu Sans"/>
-              </a:rPr>
-              <a:t>Con expresión i &gt; 99  </a:t>
-            </a:r>
-            <a:endParaRPr b="0" lang="es-MX" sz="2400" spc="-1" strike="noStrike">
-              <a:latin typeface="Arial"/>
-            </a:endParaRPr>
-          </a:p>
-          <a:p>
-            <a:pPr>
-              <a:lnSpc>
-                <a:spcPct val="100000"/>
-              </a:lnSpc>
-            </a:pPr>
-            <a:r>
-              <a:rPr b="0" lang="es-MX" sz="2400" spc="-1" strike="noStrike">
-                <a:solidFill>
-                  <a:srgbClr val="000000"/>
-                </a:solidFill>
-                <a:latin typeface="Calibri"/>
-                <a:ea typeface="DejaVu Sans"/>
-              </a:rPr>
-              <a:t>(Se da cloc sobre el breakpoint, </a:t>
-            </a:r>
-            <a:endParaRPr b="0" lang="es-MX" sz="2400" spc="-1" strike="noStrike">
-              <a:latin typeface="Arial"/>
-            </a:endParaRPr>
-          </a:p>
-          <a:p>
-            <a:pPr>
-              <a:lnSpc>
-                <a:spcPct val="100000"/>
-              </a:lnSpc>
-            </a:pPr>
-            <a:r>
-              <a:rPr b="0" lang="es-MX" sz="2400" spc="-1" strike="noStrike">
-                <a:solidFill>
-                  <a:srgbClr val="000000"/>
-                </a:solidFill>
-                <a:latin typeface="Calibri"/>
-                <a:ea typeface="DejaVu Sans"/>
-              </a:rPr>
-              <a:t>y se selecciona “Edit breakpoint”,</a:t>
-            </a:r>
-            <a:endParaRPr b="0" lang="es-MX" sz="2400" spc="-1" strike="noStrike">
-              <a:latin typeface="Arial"/>
-            </a:endParaRPr>
-          </a:p>
-          <a:p>
-            <a:pPr>
-              <a:lnSpc>
-                <a:spcPct val="100000"/>
-              </a:lnSpc>
-            </a:pPr>
-            <a:r>
-              <a:rPr b="0" lang="es-MX" sz="2400" spc="-1" strike="noStrike">
-                <a:solidFill>
-                  <a:srgbClr val="000000"/>
-                </a:solidFill>
-                <a:latin typeface="Calibri"/>
-                <a:ea typeface="DejaVu Sans"/>
-              </a:rPr>
-              <a:t>Se selecciona el checkbox “Break</a:t>
-            </a:r>
-            <a:endParaRPr b="0" lang="es-MX" sz="2400" spc="-1" strike="noStrike">
-              <a:latin typeface="Arial"/>
-            </a:endParaRPr>
-          </a:p>
-          <a:p>
-            <a:pPr>
-              <a:lnSpc>
-                <a:spcPct val="100000"/>
-              </a:lnSpc>
-            </a:pPr>
-            <a:r>
-              <a:rPr b="0" lang="es-MX" sz="2400" spc="-1" strike="noStrike">
-                <a:solidFill>
-                  <a:srgbClr val="000000"/>
-                </a:solidFill>
-                <a:latin typeface="Calibri"/>
-                <a:ea typeface="DejaVu Sans"/>
-              </a:rPr>
-              <a:t>When expression is true:”)</a:t>
-            </a:r>
-            <a:endParaRPr b="0" lang="es-MX" sz="2400" spc="-1" strike="noStrike">
-              <a:latin typeface="Arial"/>
-            </a:endParaRPr>
-          </a:p>
-        </p:txBody>
-      </p:sp>
       <p:pic>
         <p:nvPicPr>
-          <p:cNvPr id="331" name="" descr=""/>
+          <p:cNvPr id="334" name="Imagen 1_0" descr=""/>
           <p:cNvPicPr/>
           <p:nvPr/>
         </p:nvPicPr>
         <p:blipFill>
           <a:blip r:embed="rId3"/>
+          <a:srcRect l="0" t="14491" r="0" b="0"/>
           <a:stretch/>
         </p:blipFill>
         <p:spPr>
           <a:xfrm>
-            <a:off x="9655200" y="4320000"/>
-            <a:ext cx="2071800" cy="1979640"/>
+            <a:off x="432000" y="3592080"/>
+            <a:ext cx="4887720" cy="3076560"/>
           </a:xfrm>
           <a:prstGeom prst="rect">
             <a:avLst/>
@@ -15973,14 +16215,14 @@
       </p:grpSpPr>
       <p:sp>
         <p:nvSpPr>
-          <p:cNvPr id="332" name="CustomShape 1"/>
+          <p:cNvPr id="335" name="CustomShape 1"/>
           <p:cNvSpPr/>
           <p:nvPr/>
         </p:nvSpPr>
         <p:spPr>
           <a:xfrm>
-            <a:off x="337320" y="-312120"/>
-            <a:ext cx="10513080" cy="1323000"/>
+            <a:off x="396360" y="492480"/>
+            <a:ext cx="11693520" cy="1918440"/>
           </a:xfrm>
           <a:prstGeom prst="rect">
             <a:avLst/>
@@ -15997,57 +16239,6 @@
           <a:fontRef idx="minor"/>
         </p:style>
         <p:txBody>
-          <a:bodyPr lIns="90000" rIns="90000" tIns="45000" bIns="45000" anchor="ctr">
-            <a:noAutofit/>
-          </a:bodyPr>
-          <a:p>
-            <a:pPr>
-              <a:lnSpc>
-                <a:spcPct val="90000"/>
-              </a:lnSpc>
-            </a:pPr>
-            <a:r>
-              <a:rPr b="0" lang="es-MX" sz="4400" spc="-1" strike="noStrike">
-                <a:solidFill>
-                  <a:srgbClr val="000000"/>
-                </a:solidFill>
-                <a:latin typeface="Calibri Light"/>
-                <a:ea typeface="DejaVu Sans"/>
-              </a:rPr>
-              <a:t>Se ejecuta el programa usando GDB </a:t>
-            </a:r>
-            <a:endParaRPr b="0" lang="es-MX" sz="4400" spc="-1" strike="noStrike">
-              <a:latin typeface="Arial"/>
-            </a:endParaRPr>
-          </a:p>
-        </p:txBody>
-      </p:sp>
-      <p:sp>
-        <p:nvSpPr>
-          <p:cNvPr id="333" name="CustomShape 2"/>
-          <p:cNvSpPr/>
-          <p:nvPr/>
-        </p:nvSpPr>
-        <p:spPr>
-          <a:xfrm>
-            <a:off x="363240" y="505080"/>
-            <a:ext cx="9716400" cy="394560"/>
-          </a:xfrm>
-          <a:prstGeom prst="rect">
-            <a:avLst/>
-          </a:prstGeom>
-          <a:noFill/>
-          <a:ln w="0">
-            <a:noFill/>
-          </a:ln>
-        </p:spPr>
-        <p:style>
-          <a:lnRef idx="0"/>
-          <a:fillRef idx="0"/>
-          <a:effectRef idx="0"/>
-          <a:fontRef idx="minor"/>
-        </p:style>
-        <p:txBody>
           <a:bodyPr wrap="none" lIns="90000" rIns="90000" tIns="45000" bIns="45000">
             <a:spAutoFit/>
           </a:bodyPr>
@@ -16058,16 +16249,96 @@
               </a:lnSpc>
             </a:pPr>
             <a:r>
-              <a:rPr b="0" lang="es-MX" sz="2000" spc="-1" strike="noStrike">
+              <a:rPr b="0" lang="es-MX" sz="2400" spc="-1" strike="noStrike">
                 <a:solidFill>
                   <a:srgbClr val="000000"/>
                 </a:solidFill>
                 <a:latin typeface="Calibri"/>
                 <a:ea typeface="DejaVu Sans"/>
               </a:rPr>
-              <a:t>El programa se ejecuta en el depurador dando clic en el botón de play rojo</a:t>
-            </a:r>
-            <a:endParaRPr b="0" lang="es-MX" sz="2000" spc="-1" strike="noStrike">
+              <a:t>Entonces el problema es uno de los dos siguientes: el arreglo debió ser </a:t>
+            </a:r>
+            <a:endParaRPr b="0" lang="es-MX" sz="2400" spc="-1" strike="noStrike">
+              <a:latin typeface="Arial"/>
+            </a:endParaRPr>
+          </a:p>
+          <a:p>
+            <a:pPr>
+              <a:lnSpc>
+                <a:spcPct val="100000"/>
+              </a:lnSpc>
+            </a:pPr>
+            <a:r>
+              <a:rPr b="0" lang="es-MX" sz="2400" spc="-1" strike="noStrike">
+                <a:solidFill>
+                  <a:srgbClr val="000000"/>
+                </a:solidFill>
+                <a:latin typeface="Calibri"/>
+                <a:ea typeface="DejaVu Sans"/>
+              </a:rPr>
+              <a:t>de un tamaño más grande, o en la función no se debe acceder a ese </a:t>
+            </a:r>
+            <a:endParaRPr b="0" lang="es-MX" sz="2400" spc="-1" strike="noStrike">
+              <a:latin typeface="Arial"/>
+            </a:endParaRPr>
+          </a:p>
+          <a:p>
+            <a:pPr>
+              <a:lnSpc>
+                <a:spcPct val="100000"/>
+              </a:lnSpc>
+            </a:pPr>
+            <a:r>
+              <a:rPr b="0" lang="es-MX" sz="2400" spc="-1" strike="noStrike">
+                <a:solidFill>
+                  <a:srgbClr val="000000"/>
+                </a:solidFill>
+                <a:latin typeface="Calibri"/>
+                <a:ea typeface="DejaVu Sans"/>
+              </a:rPr>
+              <a:t>índice tan elevado. En el segundo caso, la solución consiste en asegurarse </a:t>
+            </a:r>
+            <a:endParaRPr b="0" lang="es-MX" sz="2400" spc="-1" strike="noStrike">
+              <a:latin typeface="Arial"/>
+            </a:endParaRPr>
+          </a:p>
+          <a:p>
+            <a:pPr>
+              <a:lnSpc>
+                <a:spcPct val="100000"/>
+              </a:lnSpc>
+            </a:pPr>
+            <a:r>
+              <a:rPr b="0" lang="es-MX" sz="2400" spc="-1" strike="noStrike">
+                <a:solidFill>
+                  <a:srgbClr val="000000"/>
+                </a:solidFill>
+                <a:latin typeface="Calibri"/>
+                <a:ea typeface="DejaVu Sans"/>
+              </a:rPr>
+              <a:t>de que no se escriba en el arreglo con un índice mayor que el tamaño del </a:t>
+            </a:r>
+            <a:endParaRPr b="0" lang="es-MX" sz="2400" spc="-1" strike="noStrike">
+              <a:latin typeface="Arial"/>
+            </a:endParaRPr>
+          </a:p>
+          <a:p>
+            <a:pPr>
+              <a:lnSpc>
+                <a:spcPct val="100000"/>
+              </a:lnSpc>
+            </a:pPr>
+            <a:r>
+              <a:rPr b="0" lang="es-MX" sz="2400" spc="-1" strike="noStrike">
+                <a:solidFill>
+                  <a:srgbClr val="000000"/>
+                </a:solidFill>
+                <a:latin typeface="Calibri"/>
+                <a:ea typeface="DejaVu Sans"/>
+              </a:rPr>
+              <a:t>arreglo menos 1. Es decir, cambiando</a:t>
+            </a:r>
+            <a:endParaRPr b="0" lang="es-MX" sz="2400" spc="-1" strike="noStrike">
               <a:latin typeface="Arial"/>
             </a:endParaRPr>
           </a:p>
@@ -16075,7 +16346,7 @@
       </p:sp>
       <p:pic>
         <p:nvPicPr>
-          <p:cNvPr id="334" name="Imagen 3" descr=""/>
+          <p:cNvPr id="336" name="Imagen 6" descr=""/>
           <p:cNvPicPr/>
           <p:nvPr/>
         </p:nvPicPr>
@@ -16085,8 +16356,8 @@
         </p:blipFill>
         <p:spPr>
           <a:xfrm>
-            <a:off x="3092760" y="905760"/>
-            <a:ext cx="5006880" cy="606960"/>
+            <a:off x="3586320" y="2739240"/>
+            <a:ext cx="5865840" cy="475200"/>
           </a:xfrm>
           <a:prstGeom prst="rect">
             <a:avLst/>
@@ -16096,160 +16367,9 @@
           </a:ln>
         </p:spPr>
       </p:pic>
-      <p:sp>
-        <p:nvSpPr>
-          <p:cNvPr id="335" name="CustomShape 3"/>
-          <p:cNvSpPr/>
-          <p:nvPr/>
-        </p:nvSpPr>
-        <p:spPr>
-          <a:xfrm>
-            <a:off x="360000" y="1502280"/>
-            <a:ext cx="11139840" cy="1919160"/>
-          </a:xfrm>
-          <a:prstGeom prst="rect">
-            <a:avLst/>
-          </a:prstGeom>
-          <a:noFill/>
-          <a:ln w="0">
-            <a:noFill/>
-          </a:ln>
-        </p:spPr>
-        <p:style>
-          <a:lnRef idx="0"/>
-          <a:fillRef idx="0"/>
-          <a:effectRef idx="0"/>
-          <a:fontRef idx="minor"/>
-        </p:style>
-        <p:txBody>
-          <a:bodyPr wrap="none" lIns="90000" rIns="90000" tIns="45000" bIns="45000">
-            <a:spAutoFit/>
-          </a:bodyPr>
-          <a:p>
-            <a:pPr>
-              <a:lnSpc>
-                <a:spcPct val="100000"/>
-              </a:lnSpc>
-            </a:pPr>
-            <a:r>
-              <a:rPr b="0" lang="es-MX" sz="2000" spc="-1" strike="noStrike">
-                <a:solidFill>
-                  <a:srgbClr val="000000"/>
-                </a:solidFill>
-                <a:latin typeface="Calibri"/>
-                <a:ea typeface="DejaVu Sans"/>
-              </a:rPr>
-              <a:t>Como el arreglo intary es de tamaño 100, y en la función index_to_moon se colocó un</a:t>
-            </a:r>
-            <a:endParaRPr b="0" lang="es-MX" sz="2000" spc="-1" strike="noStrike">
-              <a:latin typeface="Arial"/>
-            </a:endParaRPr>
-          </a:p>
-          <a:p>
-            <a:pPr>
-              <a:lnSpc>
-                <a:spcPct val="100000"/>
-              </a:lnSpc>
-            </a:pPr>
-            <a:r>
-              <a:rPr b="0" lang="es-MX" sz="2000" spc="-1" strike="noStrike">
-                <a:solidFill>
-                  <a:srgbClr val="000000"/>
-                </a:solidFill>
-                <a:latin typeface="Calibri"/>
-                <a:ea typeface="DejaVu Sans"/>
-              </a:rPr>
-              <a:t>breakpoint condicional con expresión i &gt; 99, si el programa se detiene en ese punto </a:t>
-            </a:r>
-            <a:endParaRPr b="0" lang="es-MX" sz="2000" spc="-1" strike="noStrike">
-              <a:latin typeface="Arial"/>
-            </a:endParaRPr>
-          </a:p>
-          <a:p>
-            <a:pPr>
-              <a:lnSpc>
-                <a:spcPct val="100000"/>
-              </a:lnSpc>
-            </a:pPr>
-            <a:r>
-              <a:rPr b="0" lang="es-MX" sz="2000" spc="-1" strike="noStrike">
-                <a:solidFill>
-                  <a:srgbClr val="000000"/>
-                </a:solidFill>
-                <a:latin typeface="Calibri"/>
-                <a:ea typeface="DejaVu Sans"/>
-              </a:rPr>
-              <a:t>de ruptura, significa que en la función se está tratando de acceder a una localidad de</a:t>
-            </a:r>
-            <a:endParaRPr b="0" lang="es-MX" sz="2000" spc="-1" strike="noStrike">
-              <a:latin typeface="Arial"/>
-            </a:endParaRPr>
-          </a:p>
-          <a:p>
-            <a:pPr>
-              <a:lnSpc>
-                <a:spcPct val="100000"/>
-              </a:lnSpc>
-            </a:pPr>
-            <a:r>
-              <a:rPr b="0" lang="es-MX" sz="2000" spc="-1" strike="noStrike">
-                <a:solidFill>
-                  <a:srgbClr val="000000"/>
-                </a:solidFill>
-                <a:latin typeface="Calibri"/>
-                <a:ea typeface="DejaVu Sans"/>
-              </a:rPr>
-              <a:t>memoria que ya no pertenece al arreglo que se pasó como argumento. Después de </a:t>
-            </a:r>
-            <a:endParaRPr b="0" lang="es-MX" sz="2000" spc="-1" strike="noStrike">
-              <a:latin typeface="Arial"/>
-            </a:endParaRPr>
-          </a:p>
-          <a:p>
-            <a:pPr>
-              <a:lnSpc>
-                <a:spcPct val="100000"/>
-              </a:lnSpc>
-            </a:pPr>
-            <a:r>
-              <a:rPr b="0" lang="es-MX" sz="2000" spc="-1" strike="noStrike">
-                <a:solidFill>
-                  <a:srgbClr val="000000"/>
-                </a:solidFill>
-                <a:latin typeface="Calibri"/>
-                <a:ea typeface="DejaVu Sans"/>
-              </a:rPr>
-              <a:t>eso, se detiene la ejecución del programa (clic en el botón que tiene la equis blanca </a:t>
-            </a:r>
-            <a:endParaRPr b="0" lang="es-MX" sz="2000" spc="-1" strike="noStrike">
-              <a:latin typeface="Arial"/>
-            </a:endParaRPr>
-          </a:p>
-          <a:p>
-            <a:pPr>
-              <a:lnSpc>
-                <a:spcPct val="100000"/>
-              </a:lnSpc>
-            </a:pPr>
-            <a:r>
-              <a:rPr b="0" lang="es-MX" sz="2000" spc="-1" strike="noStrike">
-                <a:solidFill>
-                  <a:srgbClr val="000000"/>
-                </a:solidFill>
-                <a:latin typeface="Calibri"/>
-                <a:ea typeface="DejaVu Sans"/>
-              </a:rPr>
-              <a:t>con fondo rojo).</a:t>
-            </a:r>
-            <a:endParaRPr b="0" lang="es-MX" sz="2000" spc="-1" strike="noStrike">
-              <a:latin typeface="Arial"/>
-            </a:endParaRPr>
-          </a:p>
-        </p:txBody>
-      </p:sp>
       <p:pic>
         <p:nvPicPr>
-          <p:cNvPr id="336" name="Imagen 7" descr=""/>
+          <p:cNvPr id="337" name="Imagen 7" descr=""/>
           <p:cNvPicPr/>
           <p:nvPr/>
         </p:nvPicPr>
@@ -16259,8 +16379,8 @@
         </p:blipFill>
         <p:spPr>
           <a:xfrm>
-            <a:off x="6480000" y="3569040"/>
-            <a:ext cx="4679640" cy="508680"/>
+            <a:off x="3587760" y="3741120"/>
+            <a:ext cx="5500080" cy="461160"/>
           </a:xfrm>
           <a:prstGeom prst="rect">
             <a:avLst/>
@@ -16270,30 +16390,168 @@
           </a:ln>
         </p:spPr>
       </p:pic>
-      <p:pic>
-        <p:nvPicPr>
-          <p:cNvPr id="337" name="Imagen 1_0" descr=""/>
-          <p:cNvPicPr/>
+      <p:sp>
+        <p:nvSpPr>
+          <p:cNvPr id="338" name="CustomShape 2"/>
+          <p:cNvSpPr/>
           <p:nvPr/>
-        </p:nvPicPr>
-        <p:blipFill>
-          <a:blip r:embed="rId3"/>
-          <a:srcRect l="0" t="14491" r="0" b="0"/>
-          <a:stretch/>
-        </p:blipFill>
-        <p:spPr>
-          <a:xfrm>
-            <a:off x="432000" y="3592080"/>
-            <a:ext cx="4888800" cy="3077640"/>
-          </a:xfrm>
-          <a:prstGeom prst="rect">
-            <a:avLst/>
-          </a:prstGeom>
+        </p:nvSpPr>
+        <p:spPr>
+          <a:xfrm>
+            <a:off x="773640" y="3218040"/>
+            <a:ext cx="752400" cy="455400"/>
+          </a:xfrm>
+          <a:prstGeom prst="rect">
+            <a:avLst/>
+          </a:prstGeom>
+          <a:noFill/>
           <a:ln w="0">
             <a:noFill/>
           </a:ln>
         </p:spPr>
-      </p:pic>
+        <p:style>
+          <a:lnRef idx="0"/>
+          <a:fillRef idx="0"/>
+          <a:effectRef idx="0"/>
+          <a:fontRef idx="minor"/>
+        </p:style>
+        <p:txBody>
+          <a:bodyPr lIns="90000" rIns="90000" tIns="45000" bIns="45000">
+            <a:spAutoFit/>
+          </a:bodyPr>
+          <a:p>
+            <a:pPr>
+              <a:lnSpc>
+                <a:spcPct val="100000"/>
+              </a:lnSpc>
+            </a:pPr>
+            <a:r>
+              <a:rPr b="0" lang="es-MX" sz="2400" spc="-1" strike="noStrike">
+                <a:solidFill>
+                  <a:srgbClr val="000000"/>
+                </a:solidFill>
+                <a:latin typeface="Calibri"/>
+                <a:ea typeface="DejaVu Sans"/>
+              </a:rPr>
+              <a:t>por</a:t>
+            </a:r>
+            <a:endParaRPr b="0" lang="es-MX" sz="2400" spc="-1" strike="noStrike">
+              <a:latin typeface="Arial"/>
+            </a:endParaRPr>
+          </a:p>
+        </p:txBody>
+      </p:sp>
+      <p:sp>
+        <p:nvSpPr>
+          <p:cNvPr id="339" name="CustomShape 3"/>
+          <p:cNvSpPr/>
+          <p:nvPr/>
+        </p:nvSpPr>
+        <p:spPr>
+          <a:xfrm>
+            <a:off x="434880" y="4536720"/>
+            <a:ext cx="11521080" cy="1552680"/>
+          </a:xfrm>
+          <a:prstGeom prst="rect">
+            <a:avLst/>
+          </a:prstGeom>
+          <a:noFill/>
+          <a:ln w="0">
+            <a:noFill/>
+          </a:ln>
+        </p:spPr>
+        <p:style>
+          <a:lnRef idx="0"/>
+          <a:fillRef idx="0"/>
+          <a:effectRef idx="0"/>
+          <a:fontRef idx="minor"/>
+        </p:style>
+        <p:txBody>
+          <a:bodyPr wrap="none" lIns="90000" rIns="90000" tIns="45000" bIns="45000">
+            <a:spAutoFit/>
+          </a:bodyPr>
+          <a:p>
+            <a:pPr>
+              <a:lnSpc>
+                <a:spcPct val="100000"/>
+              </a:lnSpc>
+            </a:pPr>
+            <a:r>
+              <a:rPr b="0" lang="es-MX" sz="2400" spc="-1" strike="noStrike">
+                <a:solidFill>
+                  <a:srgbClr val="000000"/>
+                </a:solidFill>
+                <a:latin typeface="Calibri"/>
+                <a:ea typeface="DejaVu Sans"/>
+              </a:rPr>
+              <a:t>Después de hacer este cambio se reconstruye el programa, se ejecuta </a:t>
+            </a:r>
+            <a:endParaRPr b="0" lang="es-MX" sz="2400" spc="-1" strike="noStrike">
+              <a:latin typeface="Arial"/>
+            </a:endParaRPr>
+          </a:p>
+          <a:p>
+            <a:pPr>
+              <a:lnSpc>
+                <a:spcPct val="100000"/>
+              </a:lnSpc>
+            </a:pPr>
+            <a:r>
+              <a:rPr b="0" lang="es-MX" sz="2400" spc="-1" strike="noStrike">
+                <a:solidFill>
+                  <a:srgbClr val="000000"/>
+                </a:solidFill>
+                <a:latin typeface="Calibri"/>
+                <a:ea typeface="DejaVu Sans"/>
+              </a:rPr>
+              <a:t>nuevamente para comprobar que esta vez el programa no se detiene en </a:t>
+            </a:r>
+            <a:endParaRPr b="0" lang="es-MX" sz="2400" spc="-1" strike="noStrike">
+              <a:latin typeface="Arial"/>
+            </a:endParaRPr>
+          </a:p>
+          <a:p>
+            <a:pPr>
+              <a:lnSpc>
+                <a:spcPct val="100000"/>
+              </a:lnSpc>
+            </a:pPr>
+            <a:r>
+              <a:rPr b="0" lang="es-MX" sz="2400" spc="-1" strike="noStrike">
+                <a:solidFill>
+                  <a:srgbClr val="000000"/>
+                </a:solidFill>
+                <a:latin typeface="Calibri"/>
+                <a:ea typeface="DejaVu Sans"/>
+              </a:rPr>
+              <a:t>el punto de ruptura en el que se detuvo antes. En la siguiente diapositiva </a:t>
+            </a:r>
+            <a:endParaRPr b="0" lang="es-MX" sz="2400" spc="-1" strike="noStrike">
+              <a:latin typeface="Arial"/>
+            </a:endParaRPr>
+          </a:p>
+          <a:p>
+            <a:pPr>
+              <a:lnSpc>
+                <a:spcPct val="100000"/>
+              </a:lnSpc>
+            </a:pPr>
+            <a:r>
+              <a:rPr b="0" lang="es-MX" sz="2400" spc="-1" strike="noStrike">
+                <a:solidFill>
+                  <a:srgbClr val="000000"/>
+                </a:solidFill>
+                <a:latin typeface="Calibri"/>
+                <a:ea typeface="DejaVu Sans"/>
+              </a:rPr>
+              <a:t>se muestra una ejecución en el debugger después cambio indicado.</a:t>
+            </a:r>
+            <a:endParaRPr b="0" lang="es-MX" sz="2400" spc="-1" strike="noStrike">
+              <a:latin typeface="Arial"/>
+            </a:endParaRPr>
+          </a:p>
+        </p:txBody>
+      </p:sp>
     </p:spTree>
   </p:cSld>
   <mc:AlternateContent>
@@ -16333,7 +16591,7 @@
         <p:spPr>
           <a:xfrm>
             <a:off x="360000" y="0"/>
-            <a:ext cx="11698200" cy="1323360"/>
+            <a:ext cx="11697120" cy="1322280"/>
           </a:xfrm>
           <a:prstGeom prst="rect">
             <a:avLst/>
@@ -16375,39 +16633,16 @@
           </a:p>
         </p:txBody>
       </p:sp>
-      <p:pic>
-        <p:nvPicPr>
-          <p:cNvPr id="206" name="Imagen 6_1" descr=""/>
-          <p:cNvPicPr/>
-          <p:nvPr/>
-        </p:nvPicPr>
-        <p:blipFill>
-          <a:blip r:embed="rId1"/>
-          <a:stretch/>
-        </p:blipFill>
-        <p:spPr>
-          <a:xfrm>
-            <a:off x="348120" y="1268280"/>
-            <a:ext cx="11350080" cy="1974240"/>
-          </a:xfrm>
-          <a:prstGeom prst="rect">
-            <a:avLst/>
-          </a:prstGeom>
-          <a:ln w="0">
-            <a:noFill/>
-          </a:ln>
-        </p:spPr>
-      </p:pic>
-      <p:sp>
-        <p:nvSpPr>
-          <p:cNvPr id="207" name="CustomShape 2"/>
+      <p:sp>
+        <p:nvSpPr>
+          <p:cNvPr id="206" name="CustomShape 2"/>
           <p:cNvSpPr/>
           <p:nvPr/>
         </p:nvSpPr>
         <p:spPr>
           <a:xfrm>
-            <a:off x="271440" y="3451680"/>
-            <a:ext cx="11303280" cy="1309320"/>
+            <a:off x="392400" y="1429200"/>
+            <a:ext cx="11304000" cy="3138840"/>
           </a:xfrm>
           <a:prstGeom prst="rect">
             <a:avLst/>
@@ -16427,6 +16662,126 @@
           <a:bodyPr wrap="none" lIns="90000" rIns="90000" tIns="45000" bIns="45000">
             <a:spAutoFit/>
           </a:bodyPr>
+          <a:p>
+            <a:pPr>
+              <a:lnSpc>
+                <a:spcPct val="100000"/>
+              </a:lnSpc>
+            </a:pPr>
+            <a:r>
+              <a:rPr b="1" lang="es-MX" sz="2000" spc="-1" strike="noStrike">
+                <a:solidFill>
+                  <a:srgbClr val="000000"/>
+                </a:solidFill>
+                <a:latin typeface="Calibri"/>
+                <a:ea typeface="DejaVu Sans"/>
+              </a:rPr>
+              <a:t>Identificadores</a:t>
+            </a:r>
+            <a:endParaRPr b="0" lang="es-MX" sz="2000" spc="-1" strike="noStrike">
+              <a:latin typeface="Arial"/>
+            </a:endParaRPr>
+          </a:p>
+          <a:p>
+            <a:pPr>
+              <a:lnSpc>
+                <a:spcPct val="100000"/>
+              </a:lnSpc>
+            </a:pPr>
+            <a:r>
+              <a:rPr b="0" lang="es-MX" sz="2000" spc="-1" strike="noStrike">
+                <a:solidFill>
+                  <a:srgbClr val="000000"/>
+                </a:solidFill>
+                <a:latin typeface="Calibri"/>
+                <a:ea typeface="DejaVu Sans"/>
+              </a:rPr>
+              <a:t>Los datos a procesar por una computadora, ya sean simples o estructurados, deben </a:t>
+            </a:r>
+            <a:endParaRPr b="0" lang="es-MX" sz="2000" spc="-1" strike="noStrike">
+              <a:latin typeface="Arial"/>
+            </a:endParaRPr>
+          </a:p>
+          <a:p>
+            <a:pPr>
+              <a:lnSpc>
+                <a:spcPct val="100000"/>
+              </a:lnSpc>
+            </a:pPr>
+            <a:r>
+              <a:rPr b="0" lang="es-MX" sz="2000" spc="-1" strike="noStrike">
+                <a:solidFill>
+                  <a:srgbClr val="000000"/>
+                </a:solidFill>
+                <a:latin typeface="Calibri"/>
+                <a:ea typeface="DejaVu Sans"/>
+              </a:rPr>
+              <a:t>almacenarse en casillas o celdas de memoria para su posterior utilización. Estas </a:t>
+            </a:r>
+            <a:endParaRPr b="0" lang="es-MX" sz="2000" spc="-1" strike="noStrike">
+              <a:latin typeface="Arial"/>
+            </a:endParaRPr>
+          </a:p>
+          <a:p>
+            <a:pPr>
+              <a:lnSpc>
+                <a:spcPct val="100000"/>
+              </a:lnSpc>
+            </a:pPr>
+            <a:r>
+              <a:rPr b="0" lang="es-MX" sz="2000" spc="-1" strike="noStrike">
+                <a:solidFill>
+                  <a:srgbClr val="000000"/>
+                </a:solidFill>
+                <a:latin typeface="Calibri"/>
+                <a:ea typeface="DejaVu Sans"/>
+              </a:rPr>
+              <a:t>casillas o celdas de memoria (constantes o variables) tienen un nombre que permite </a:t>
+            </a:r>
+            <a:endParaRPr b="0" lang="es-MX" sz="2000" spc="-1" strike="noStrike">
+              <a:latin typeface="Arial"/>
+            </a:endParaRPr>
+          </a:p>
+          <a:p>
+            <a:pPr>
+              <a:lnSpc>
+                <a:spcPct val="100000"/>
+              </a:lnSpc>
+            </a:pPr>
+            <a:r>
+              <a:rPr b="0" lang="es-MX" sz="2000" spc="-1" strike="noStrike">
+                <a:solidFill>
+                  <a:srgbClr val="000000"/>
+                </a:solidFill>
+                <a:latin typeface="Calibri"/>
+                <a:ea typeface="DejaVu Sans"/>
+              </a:rPr>
+              <a:t>su identificación.</a:t>
+            </a:r>
+            <a:endParaRPr b="0" lang="es-MX" sz="2000" spc="-1" strike="noStrike">
+              <a:latin typeface="Arial"/>
+            </a:endParaRPr>
+          </a:p>
+          <a:p>
+            <a:pPr>
+              <a:lnSpc>
+                <a:spcPct val="100000"/>
+              </a:lnSpc>
+            </a:pPr>
+            <a:r>
+              <a:rPr b="0" lang="es-MX" sz="2000" spc="-1" strike="noStrike">
+                <a:solidFill>
+                  <a:srgbClr val="000000"/>
+                </a:solidFill>
+                <a:latin typeface="Calibri"/>
+                <a:ea typeface="DejaVu Sans"/>
+              </a:rPr>
+              <a:t> </a:t>
+            </a:r>
+            <a:endParaRPr b="0" lang="es-MX" sz="2000" spc="-1" strike="noStrike">
+              <a:latin typeface="Arial"/>
+            </a:endParaRPr>
+          </a:p>
           <a:p>
             <a:pPr>
               <a:lnSpc>
@@ -16559,140 +16914,9 @@
           <a:chExt cx="0" cy="0"/>
         </a:xfrm>
       </p:grpSpPr>
-      <p:sp>
-        <p:nvSpPr>
-          <p:cNvPr id="338" name="CustomShape 1"/>
-          <p:cNvSpPr/>
-          <p:nvPr/>
-        </p:nvSpPr>
-        <p:spPr>
-          <a:xfrm>
-            <a:off x="396360" y="492480"/>
-            <a:ext cx="11693520" cy="1918440"/>
-          </a:xfrm>
-          <a:prstGeom prst="rect">
-            <a:avLst/>
-          </a:prstGeom>
-          <a:noFill/>
-          <a:ln w="0">
-            <a:noFill/>
-          </a:ln>
-        </p:spPr>
-        <p:style>
-          <a:lnRef idx="0"/>
-          <a:fillRef idx="0"/>
-          <a:effectRef idx="0"/>
-          <a:fontRef idx="minor"/>
-        </p:style>
-        <p:txBody>
-          <a:bodyPr wrap="none" lIns="90000" rIns="90000" tIns="45000" bIns="45000">
-            <a:spAutoFit/>
-          </a:bodyPr>
-          <a:p>
-            <a:pPr>
-              <a:lnSpc>
-                <a:spcPct val="100000"/>
-              </a:lnSpc>
-            </a:pPr>
-            <a:r>
-              <a:rPr b="0" lang="es-MX" sz="2400" spc="-1" strike="noStrike">
-                <a:solidFill>
-                  <a:srgbClr val="000000"/>
-                </a:solidFill>
-                <a:latin typeface="Calibri"/>
-                <a:ea typeface="DejaVu Sans"/>
-              </a:rPr>
-              <a:t>Entonces el problema es uno de los dos siguientes: el arreglo debió ser </a:t>
-            </a:r>
-            <a:endParaRPr b="0" lang="es-MX" sz="2400" spc="-1" strike="noStrike">
-              <a:latin typeface="Arial"/>
-            </a:endParaRPr>
-          </a:p>
-          <a:p>
-            <a:pPr>
-              <a:lnSpc>
-                <a:spcPct val="100000"/>
-              </a:lnSpc>
-            </a:pPr>
-            <a:r>
-              <a:rPr b="0" lang="es-MX" sz="2400" spc="-1" strike="noStrike">
-                <a:solidFill>
-                  <a:srgbClr val="000000"/>
-                </a:solidFill>
-                <a:latin typeface="Calibri"/>
-                <a:ea typeface="DejaVu Sans"/>
-              </a:rPr>
-              <a:t>de un tamaño más grande, o en la función no se debe acceder a ese </a:t>
-            </a:r>
-            <a:endParaRPr b="0" lang="es-MX" sz="2400" spc="-1" strike="noStrike">
-              <a:latin typeface="Arial"/>
-            </a:endParaRPr>
-          </a:p>
-          <a:p>
-            <a:pPr>
-              <a:lnSpc>
-                <a:spcPct val="100000"/>
-              </a:lnSpc>
-            </a:pPr>
-            <a:r>
-              <a:rPr b="0" lang="es-MX" sz="2400" spc="-1" strike="noStrike">
-                <a:solidFill>
-                  <a:srgbClr val="000000"/>
-                </a:solidFill>
-                <a:latin typeface="Calibri"/>
-                <a:ea typeface="DejaVu Sans"/>
-              </a:rPr>
-              <a:t>índice tan elevado. En el segundo caso, la solución consiste en asegurarse </a:t>
-            </a:r>
-            <a:endParaRPr b="0" lang="es-MX" sz="2400" spc="-1" strike="noStrike">
-              <a:latin typeface="Arial"/>
-            </a:endParaRPr>
-          </a:p>
-          <a:p>
-            <a:pPr>
-              <a:lnSpc>
-                <a:spcPct val="100000"/>
-              </a:lnSpc>
-            </a:pPr>
-            <a:r>
-              <a:rPr b="0" lang="es-MX" sz="2400" spc="-1" strike="noStrike">
-                <a:solidFill>
-                  <a:srgbClr val="000000"/>
-                </a:solidFill>
-                <a:latin typeface="Calibri"/>
-                <a:ea typeface="DejaVu Sans"/>
-              </a:rPr>
-              <a:t>de que no se escriba en el arreglo con un índice mayor que el tamaño del </a:t>
-            </a:r>
-            <a:endParaRPr b="0" lang="es-MX" sz="2400" spc="-1" strike="noStrike">
-              <a:latin typeface="Arial"/>
-            </a:endParaRPr>
-          </a:p>
-          <a:p>
-            <a:pPr>
-              <a:lnSpc>
-                <a:spcPct val="100000"/>
-              </a:lnSpc>
-            </a:pPr>
-            <a:r>
-              <a:rPr b="0" lang="es-MX" sz="2400" spc="-1" strike="noStrike">
-                <a:solidFill>
-                  <a:srgbClr val="000000"/>
-                </a:solidFill>
-                <a:latin typeface="Calibri"/>
-                <a:ea typeface="DejaVu Sans"/>
-              </a:rPr>
-              <a:t>arreglo menos 1. Es decir, cambiando</a:t>
-            </a:r>
-            <a:endParaRPr b="0" lang="es-MX" sz="2400" spc="-1" strike="noStrike">
-              <a:latin typeface="Arial"/>
-            </a:endParaRPr>
-          </a:p>
-        </p:txBody>
-      </p:sp>
       <p:pic>
         <p:nvPicPr>
-          <p:cNvPr id="339" name="Imagen 6" descr=""/>
+          <p:cNvPr id="340" name="Imagen 1" descr=""/>
           <p:cNvPicPr/>
           <p:nvPr/>
         </p:nvPicPr>
@@ -16702,8 +16926,8 @@
         </p:blipFill>
         <p:spPr>
           <a:xfrm>
-            <a:off x="3586320" y="2739240"/>
-            <a:ext cx="5866920" cy="476280"/>
+            <a:off x="1949760" y="196560"/>
+            <a:ext cx="8534880" cy="6446520"/>
           </a:xfrm>
           <a:prstGeom prst="rect">
             <a:avLst/>
@@ -16713,191 +16937,6 @@
           </a:ln>
         </p:spPr>
       </p:pic>
-      <p:pic>
-        <p:nvPicPr>
-          <p:cNvPr id="340" name="Imagen 7" descr=""/>
-          <p:cNvPicPr/>
-          <p:nvPr/>
-        </p:nvPicPr>
-        <p:blipFill>
-          <a:blip r:embed="rId2"/>
-          <a:stretch/>
-        </p:blipFill>
-        <p:spPr>
-          <a:xfrm>
-            <a:off x="3587760" y="3741120"/>
-            <a:ext cx="5501160" cy="462240"/>
-          </a:xfrm>
-          <a:prstGeom prst="rect">
-            <a:avLst/>
-          </a:prstGeom>
-          <a:ln w="0">
-            <a:noFill/>
-          </a:ln>
-        </p:spPr>
-      </p:pic>
-      <p:sp>
-        <p:nvSpPr>
-          <p:cNvPr id="341" name="CustomShape 2"/>
-          <p:cNvSpPr/>
-          <p:nvPr/>
-        </p:nvSpPr>
-        <p:spPr>
-          <a:xfrm>
-            <a:off x="773640" y="3218040"/>
-            <a:ext cx="753480" cy="455400"/>
-          </a:xfrm>
-          <a:prstGeom prst="rect">
-            <a:avLst/>
-          </a:prstGeom>
-          <a:noFill/>
-          <a:ln w="0">
-            <a:noFill/>
-          </a:ln>
-        </p:spPr>
-        <p:style>
-          <a:lnRef idx="0"/>
-          <a:fillRef idx="0"/>
-          <a:effectRef idx="0"/>
-          <a:fontRef idx="minor"/>
-        </p:style>
-        <p:txBody>
-          <a:bodyPr lIns="90000" rIns="90000" tIns="45000" bIns="45000">
-            <a:spAutoFit/>
-          </a:bodyPr>
-          <a:p>
-            <a:pPr>
-              <a:lnSpc>
-                <a:spcPct val="100000"/>
-              </a:lnSpc>
-            </a:pPr>
-            <a:r>
-              <a:rPr b="0" lang="es-MX" sz="2400" spc="-1" strike="noStrike">
-                <a:solidFill>
-                  <a:srgbClr val="000000"/>
-                </a:solidFill>
-                <a:latin typeface="Calibri"/>
-                <a:ea typeface="DejaVu Sans"/>
-              </a:rPr>
-              <a:t>por</a:t>
-            </a:r>
-            <a:endParaRPr b="0" lang="es-MX" sz="2400" spc="-1" strike="noStrike">
-              <a:latin typeface="Arial"/>
-            </a:endParaRPr>
-          </a:p>
-        </p:txBody>
-      </p:sp>
-      <p:sp>
-        <p:nvSpPr>
-          <p:cNvPr id="342" name="CustomShape 3"/>
-          <p:cNvSpPr/>
-          <p:nvPr/>
-        </p:nvSpPr>
-        <p:spPr>
-          <a:xfrm>
-            <a:off x="434880" y="4536720"/>
-            <a:ext cx="11521080" cy="1552680"/>
-          </a:xfrm>
-          <a:prstGeom prst="rect">
-            <a:avLst/>
-          </a:prstGeom>
-          <a:noFill/>
-          <a:ln w="0">
-            <a:noFill/>
-          </a:ln>
-        </p:spPr>
-        <p:style>
-          <a:lnRef idx="0"/>
-          <a:fillRef idx="0"/>
-          <a:effectRef idx="0"/>
-          <a:fontRef idx="minor"/>
-        </p:style>
-        <p:txBody>
-          <a:bodyPr wrap="none" lIns="90000" rIns="90000" tIns="45000" bIns="45000">
-            <a:spAutoFit/>
-          </a:bodyPr>
-          <a:p>
-            <a:pPr>
-              <a:lnSpc>
-                <a:spcPct val="100000"/>
-              </a:lnSpc>
-            </a:pPr>
-            <a:r>
-              <a:rPr b="0" lang="es-MX" sz="2400" spc="-1" strike="noStrike">
-                <a:solidFill>
-                  <a:srgbClr val="000000"/>
-                </a:solidFill>
-                <a:latin typeface="Calibri"/>
-                <a:ea typeface="DejaVu Sans"/>
-              </a:rPr>
-              <a:t>Después de hacer este cambio se reconstruye el programa, se ejecuta </a:t>
-            </a:r>
-            <a:endParaRPr b="0" lang="es-MX" sz="2400" spc="-1" strike="noStrike">
-              <a:latin typeface="Arial"/>
-            </a:endParaRPr>
-          </a:p>
-          <a:p>
-            <a:pPr>
-              <a:lnSpc>
-                <a:spcPct val="100000"/>
-              </a:lnSpc>
-            </a:pPr>
-            <a:r>
-              <a:rPr b="0" lang="es-MX" sz="2400" spc="-1" strike="noStrike">
-                <a:solidFill>
-                  <a:srgbClr val="000000"/>
-                </a:solidFill>
-                <a:latin typeface="Calibri"/>
-                <a:ea typeface="DejaVu Sans"/>
-              </a:rPr>
-              <a:t>nuevamente para comprobar que esta vez el programa no se detiene en </a:t>
-            </a:r>
-            <a:endParaRPr b="0" lang="es-MX" sz="2400" spc="-1" strike="noStrike">
-              <a:latin typeface="Arial"/>
-            </a:endParaRPr>
-          </a:p>
-          <a:p>
-            <a:pPr>
-              <a:lnSpc>
-                <a:spcPct val="100000"/>
-              </a:lnSpc>
-            </a:pPr>
-            <a:r>
-              <a:rPr b="0" lang="es-MX" sz="2400" spc="-1" strike="noStrike">
-                <a:solidFill>
-                  <a:srgbClr val="000000"/>
-                </a:solidFill>
-                <a:latin typeface="Calibri"/>
-                <a:ea typeface="DejaVu Sans"/>
-              </a:rPr>
-              <a:t>el punto de ruptura en el que se detuvo antes. En la siguiente diapositiva </a:t>
-            </a:r>
-            <a:endParaRPr b="0" lang="es-MX" sz="2400" spc="-1" strike="noStrike">
-              <a:latin typeface="Arial"/>
-            </a:endParaRPr>
-          </a:p>
-          <a:p>
-            <a:pPr>
-              <a:lnSpc>
-                <a:spcPct val="100000"/>
-              </a:lnSpc>
-            </a:pPr>
-            <a:r>
-              <a:rPr b="0" lang="es-MX" sz="2400" spc="-1" strike="noStrike">
-                <a:solidFill>
-                  <a:srgbClr val="000000"/>
-                </a:solidFill>
-                <a:latin typeface="Calibri"/>
-                <a:ea typeface="DejaVu Sans"/>
-              </a:rPr>
-              <a:t>se muestra una ejecución en el debugger después cambio indicado.</a:t>
-            </a:r>
-            <a:endParaRPr b="0" lang="es-MX" sz="2400" spc="-1" strike="noStrike">
-              <a:latin typeface="Arial"/>
-            </a:endParaRPr>
-          </a:p>
-        </p:txBody>
-      </p:sp>
     </p:spTree>
   </p:cSld>
   <mc:AlternateContent>
@@ -16928,29 +16967,77 @@
           <a:chExt cx="0" cy="0"/>
         </a:xfrm>
       </p:grpSpPr>
-      <p:pic>
-        <p:nvPicPr>
-          <p:cNvPr id="343" name="Imagen 1" descr=""/>
-          <p:cNvPicPr/>
+      <p:sp>
+        <p:nvSpPr>
+          <p:cNvPr id="341" name="CustomShape 1"/>
+          <p:cNvSpPr/>
           <p:nvPr/>
-        </p:nvPicPr>
-        <p:blipFill>
-          <a:blip r:embed="rId1"/>
-          <a:stretch/>
-        </p:blipFill>
-        <p:spPr>
-          <a:xfrm>
-            <a:off x="1949760" y="196560"/>
-            <a:ext cx="8535960" cy="6447600"/>
-          </a:xfrm>
-          <a:prstGeom prst="rect">
-            <a:avLst/>
-          </a:prstGeom>
+        </p:nvSpPr>
+        <p:spPr>
+          <a:xfrm>
+            <a:off x="363600" y="721080"/>
+            <a:ext cx="11070000" cy="821160"/>
+          </a:xfrm>
+          <a:prstGeom prst="rect">
+            <a:avLst/>
+          </a:prstGeom>
+          <a:noFill/>
           <a:ln w="0">
             <a:noFill/>
           </a:ln>
         </p:spPr>
-      </p:pic>
+        <p:style>
+          <a:lnRef idx="0"/>
+          <a:fillRef idx="0"/>
+          <a:effectRef idx="0"/>
+          <a:fontRef idx="minor"/>
+        </p:style>
+        <p:txBody>
+          <a:bodyPr wrap="none" lIns="90000" rIns="90000" tIns="45000" bIns="45000">
+            <a:spAutoFit/>
+          </a:bodyPr>
+          <a:p>
+            <a:pPr>
+              <a:lnSpc>
+                <a:spcPct val="100000"/>
+              </a:lnSpc>
+            </a:pPr>
+            <a:r>
+              <a:rPr b="0" lang="es-MX" sz="2400" spc="-1" strike="noStrike">
+                <a:solidFill>
+                  <a:srgbClr val="000000"/>
+                </a:solidFill>
+                <a:latin typeface="Calibri"/>
+                <a:ea typeface="DejaVu Sans"/>
+              </a:rPr>
+              <a:t>Como el programa se detiene hasta el segundo punto de ruptura, esto </a:t>
+            </a:r>
+            <a:endParaRPr b="0" lang="es-MX" sz="2400" spc="-1" strike="noStrike">
+              <a:latin typeface="Arial"/>
+            </a:endParaRPr>
+          </a:p>
+          <a:p>
+            <a:pPr>
+              <a:lnSpc>
+                <a:spcPct val="100000"/>
+              </a:lnSpc>
+            </a:pPr>
+            <a:r>
+              <a:rPr b="0" lang="es-MX" sz="2400" spc="-1" strike="noStrike">
+                <a:solidFill>
+                  <a:srgbClr val="000000"/>
+                </a:solidFill>
+                <a:latin typeface="Calibri"/>
+                <a:ea typeface="DejaVu Sans"/>
+              </a:rPr>
+              <a:t>significa que el error que tenía el programa ha sido corregido.</a:t>
+            </a:r>
+            <a:endParaRPr b="0" lang="es-MX" sz="2400" spc="-1" strike="noStrike">
+              <a:latin typeface="Arial"/>
+            </a:endParaRPr>
+          </a:p>
+        </p:txBody>
+      </p:sp>
     </p:spTree>
   </p:cSld>
   <mc:AlternateContent>
@@ -16983,14 +17070,14 @@
       </p:grpSpPr>
       <p:sp>
         <p:nvSpPr>
-          <p:cNvPr id="344" name="CustomShape 1"/>
+          <p:cNvPr id="342" name="CustomShape 1"/>
           <p:cNvSpPr/>
           <p:nvPr/>
         </p:nvSpPr>
         <p:spPr>
           <a:xfrm>
-            <a:off x="363600" y="721080"/>
-            <a:ext cx="11070000" cy="821160"/>
+            <a:off x="502560" y="351360"/>
+            <a:ext cx="10512000" cy="1321920"/>
           </a:xfrm>
           <a:prstGeom prst="rect">
             <a:avLst/>
@@ -17007,6 +17094,57 @@
           <a:fontRef idx="minor"/>
         </p:style>
         <p:txBody>
+          <a:bodyPr lIns="90000" rIns="90000" tIns="45000" bIns="45000" anchor="ctr">
+            <a:noAutofit/>
+          </a:bodyPr>
+          <a:p>
+            <a:pPr>
+              <a:lnSpc>
+                <a:spcPct val="90000"/>
+              </a:lnSpc>
+            </a:pPr>
+            <a:r>
+              <a:rPr b="0" lang="es-MX" sz="4400" spc="-1" strike="noStrike">
+                <a:solidFill>
+                  <a:srgbClr val="000000"/>
+                </a:solidFill>
+                <a:latin typeface="Calibri Light"/>
+                <a:ea typeface="DejaVu Sans"/>
+              </a:rPr>
+              <a:t>1.4 Operadores</a:t>
+            </a:r>
+            <a:endParaRPr b="0" lang="es-MX" sz="4400" spc="-1" strike="noStrike">
+              <a:latin typeface="Arial"/>
+            </a:endParaRPr>
+          </a:p>
+        </p:txBody>
+      </p:sp>
+      <p:sp>
+        <p:nvSpPr>
+          <p:cNvPr id="343" name="CustomShape 2"/>
+          <p:cNvSpPr/>
+          <p:nvPr/>
+        </p:nvSpPr>
+        <p:spPr>
+          <a:xfrm>
+            <a:off x="559080" y="1828800"/>
+            <a:ext cx="10932840" cy="1552680"/>
+          </a:xfrm>
+          <a:prstGeom prst="rect">
+            <a:avLst/>
+          </a:prstGeom>
+          <a:noFill/>
+          <a:ln w="0">
+            <a:noFill/>
+          </a:ln>
+        </p:spPr>
+        <p:style>
+          <a:lnRef idx="0"/>
+          <a:fillRef idx="0"/>
+          <a:effectRef idx="0"/>
+          <a:fontRef idx="minor"/>
+        </p:style>
+        <p:txBody>
           <a:bodyPr wrap="none" lIns="90000" rIns="90000" tIns="45000" bIns="45000">
             <a:spAutoFit/>
           </a:bodyPr>
@@ -17024,7 +17162,7 @@
                 <a:latin typeface="Calibri"/>
                 <a:ea typeface="DejaVu Sans"/>
               </a:rPr>
-              <a:t>Como el programa se detiene hasta el segundo punto de ruptura, esto </a:t>
+              <a:t>Los operadores son caracteres que se utilizan en el lenguaje C para </a:t>
             </a:r>
             <a:endParaRPr b="0" lang="es-MX" sz="2400" spc="-1" strike="noStrike">
               <a:latin typeface="Arial"/>
@@ -17044,7 +17182,47 @@
                 <a:latin typeface="Calibri"/>
                 <a:ea typeface="DejaVu Sans"/>
               </a:rPr>
-              <a:t>significa que el error que tenía el programa ha sido corregido.</a:t>
+              <a:t>indicar que se deben realizar distintos tipos de operaciones con el </a:t>
+            </a:r>
+            <a:endParaRPr b="0" lang="es-MX" sz="2400" spc="-1" strike="noStrike">
+              <a:latin typeface="Arial"/>
+            </a:endParaRPr>
+          </a:p>
+          <a:p>
+            <a:pPr>
+              <a:lnSpc>
+                <a:spcPct val="100000"/>
+              </a:lnSpc>
+            </a:pPr>
+            <a:r>
+              <a:rPr b="0" lang="es-MX" sz="2400" spc="-1" strike="noStrike">
+                <a:solidFill>
+                  <a:srgbClr val="000000"/>
+                </a:solidFill>
+                <a:latin typeface="Calibri"/>
+                <a:ea typeface="DejaVu Sans"/>
+              </a:rPr>
+              <a:t>operando o los operandos que se requieren para realizar la operación </a:t>
+            </a:r>
+            <a:endParaRPr b="0" lang="es-MX" sz="2400" spc="-1" strike="noStrike">
+              <a:latin typeface="Arial"/>
+            </a:endParaRPr>
+          </a:p>
+          <a:p>
+            <a:pPr>
+              <a:lnSpc>
+                <a:spcPct val="100000"/>
+              </a:lnSpc>
+            </a:pPr>
+            <a:r>
+              <a:rPr b="0" lang="es-MX" sz="2400" spc="-1" strike="noStrike">
+                <a:solidFill>
+                  <a:srgbClr val="000000"/>
+                </a:solidFill>
+                <a:latin typeface="Calibri"/>
+                <a:ea typeface="DejaVu Sans"/>
+              </a:rPr>
+              <a:t>indicada por el caracter.</a:t>
             </a:r>
             <a:endParaRPr b="0" lang="es-MX" sz="2400" spc="-1" strike="noStrike">
               <a:latin typeface="Arial"/>
@@ -17084,14 +17262,14 @@
       </p:grpSpPr>
       <p:sp>
         <p:nvSpPr>
-          <p:cNvPr id="345" name="CustomShape 1"/>
+          <p:cNvPr id="344" name="CustomShape 1"/>
           <p:cNvSpPr/>
           <p:nvPr/>
         </p:nvSpPr>
         <p:spPr>
           <a:xfrm>
-            <a:off x="502560" y="351360"/>
-            <a:ext cx="10513080" cy="1323000"/>
+            <a:off x="820440" y="0"/>
+            <a:ext cx="10512000" cy="1321920"/>
           </a:xfrm>
           <a:prstGeom prst="rect">
             <a:avLst/>
@@ -17125,7 +17303,7 @@
                 <a:latin typeface="Calibri Light"/>
                 <a:ea typeface="DejaVu Sans"/>
               </a:rPr>
-              <a:t>1.4 Operadores</a:t>
+              <a:t>Operadores</a:t>
             </a:r>
             <a:endParaRPr b="0" lang="es-MX" sz="4400" spc="-1" strike="noStrike">
               <a:latin typeface="Arial"/>
@@ -17133,117 +17311,29 @@
           </a:p>
         </p:txBody>
       </p:sp>
-      <p:sp>
-        <p:nvSpPr>
-          <p:cNvPr id="346" name="CustomShape 2"/>
-          <p:cNvSpPr/>
+      <p:pic>
+        <p:nvPicPr>
+          <p:cNvPr id="345" name="Imagen 3" descr=""/>
+          <p:cNvPicPr/>
           <p:nvPr/>
-        </p:nvSpPr>
-        <p:spPr>
-          <a:xfrm>
-            <a:off x="559080" y="1828800"/>
-            <a:ext cx="10932840" cy="1552680"/>
-          </a:xfrm>
-          <a:prstGeom prst="rect">
-            <a:avLst/>
-          </a:prstGeom>
-          <a:noFill/>
+        </p:nvPicPr>
+        <p:blipFill>
+          <a:blip r:embed="rId1"/>
+          <a:stretch/>
+        </p:blipFill>
+        <p:spPr>
+          <a:xfrm>
+            <a:off x="2201040" y="880920"/>
+            <a:ext cx="7751160" cy="5815080"/>
+          </a:xfrm>
+          <a:prstGeom prst="rect">
+            <a:avLst/>
+          </a:prstGeom>
           <a:ln w="0">
             <a:noFill/>
           </a:ln>
         </p:spPr>
-        <p:style>
-          <a:lnRef idx="0"/>
-          <a:fillRef idx="0"/>
-          <a:effectRef idx="0"/>
-          <a:fontRef idx="minor"/>
-        </p:style>
-        <p:txBody>
-          <a:bodyPr wrap="none" lIns="90000" rIns="90000" tIns="45000" bIns="45000">
-            <a:spAutoFit/>
-          </a:bodyPr>
-          <a:p>
-            <a:pPr>
-              <a:lnSpc>
-                <a:spcPct val="100000"/>
-              </a:lnSpc>
-            </a:pPr>
-            <a:r>
-              <a:rPr b="0" lang="es-MX" sz="2400" spc="-1" strike="noStrike">
-                <a:solidFill>
-                  <a:srgbClr val="000000"/>
-                </a:solidFill>
-                <a:latin typeface="Calibri"/>
-                <a:ea typeface="DejaVu Sans"/>
-              </a:rPr>
-              <a:t>Los operadores son caracteres que se utilizan en el lenguaje C para </a:t>
-            </a:r>
-            <a:endParaRPr b="0" lang="es-MX" sz="2400" spc="-1" strike="noStrike">
-              <a:latin typeface="Arial"/>
-            </a:endParaRPr>
-          </a:p>
-          <a:p>
-            <a:pPr>
-              <a:lnSpc>
-                <a:spcPct val="100000"/>
-              </a:lnSpc>
-            </a:pPr>
-            <a:r>
-              <a:rPr b="0" lang="es-MX" sz="2400" spc="-1" strike="noStrike">
-                <a:solidFill>
-                  <a:srgbClr val="000000"/>
-                </a:solidFill>
-                <a:latin typeface="Calibri"/>
-                <a:ea typeface="DejaVu Sans"/>
-              </a:rPr>
-              <a:t>indicar que se deben realizar distintos tipos de operaciones con el </a:t>
-            </a:r>
-            <a:endParaRPr b="0" lang="es-MX" sz="2400" spc="-1" strike="noStrike">
-              <a:latin typeface="Arial"/>
-            </a:endParaRPr>
-          </a:p>
-          <a:p>
-            <a:pPr>
-              <a:lnSpc>
-                <a:spcPct val="100000"/>
-              </a:lnSpc>
-            </a:pPr>
-            <a:r>
-              <a:rPr b="0" lang="es-MX" sz="2400" spc="-1" strike="noStrike">
-                <a:solidFill>
-                  <a:srgbClr val="000000"/>
-                </a:solidFill>
-                <a:latin typeface="Calibri"/>
-                <a:ea typeface="DejaVu Sans"/>
-              </a:rPr>
-              <a:t>operando o los operandos que se requieren para realizar la operación </a:t>
-            </a:r>
-            <a:endParaRPr b="0" lang="es-MX" sz="2400" spc="-1" strike="noStrike">
-              <a:latin typeface="Arial"/>
-            </a:endParaRPr>
-          </a:p>
-          <a:p>
-            <a:pPr>
-              <a:lnSpc>
-                <a:spcPct val="100000"/>
-              </a:lnSpc>
-            </a:pPr>
-            <a:r>
-              <a:rPr b="0" lang="es-MX" sz="2400" spc="-1" strike="noStrike">
-                <a:solidFill>
-                  <a:srgbClr val="000000"/>
-                </a:solidFill>
-                <a:latin typeface="Calibri"/>
-                <a:ea typeface="DejaVu Sans"/>
-              </a:rPr>
-              <a:t>indicada por el caracter.</a:t>
-            </a:r>
-            <a:endParaRPr b="0" lang="es-MX" sz="2400" spc="-1" strike="noStrike">
-              <a:latin typeface="Arial"/>
-            </a:endParaRPr>
-          </a:p>
-        </p:txBody>
-      </p:sp>
+      </p:pic>
     </p:spTree>
   </p:cSld>
   <mc:AlternateContent>
@@ -17276,14 +17366,14 @@
       </p:grpSpPr>
       <p:sp>
         <p:nvSpPr>
-          <p:cNvPr id="347" name="CustomShape 1"/>
+          <p:cNvPr id="346" name="CustomShape 1"/>
           <p:cNvSpPr/>
           <p:nvPr/>
         </p:nvSpPr>
         <p:spPr>
           <a:xfrm>
-            <a:off x="820440" y="0"/>
-            <a:ext cx="10513080" cy="1323000"/>
+            <a:off x="873360" y="0"/>
+            <a:ext cx="10512000" cy="1321920"/>
           </a:xfrm>
           <a:prstGeom prst="rect">
             <a:avLst/>
@@ -17317,7 +17407,7 @@
                 <a:latin typeface="Calibri Light"/>
                 <a:ea typeface="DejaVu Sans"/>
               </a:rPr>
-              <a:t>Operadores</a:t>
+              <a:t>Operadores aritméticos</a:t>
             </a:r>
             <a:endParaRPr b="0" lang="es-MX" sz="4400" spc="-1" strike="noStrike">
               <a:latin typeface="Arial"/>
@@ -17327,7 +17417,7 @@
       </p:sp>
       <p:pic>
         <p:nvPicPr>
-          <p:cNvPr id="348" name="Imagen 3" descr=""/>
+          <p:cNvPr id="347" name="Imagen 3" descr=""/>
           <p:cNvPicPr/>
           <p:nvPr/>
         </p:nvPicPr>
@@ -17337,8 +17427,8 @@
         </p:blipFill>
         <p:spPr>
           <a:xfrm>
-            <a:off x="2201040" y="880920"/>
-            <a:ext cx="7752240" cy="5816160"/>
+            <a:off x="2273040" y="908280"/>
+            <a:ext cx="7712640" cy="5813640"/>
           </a:xfrm>
           <a:prstGeom prst="rect">
             <a:avLst/>
@@ -17380,14 +17470,14 @@
       </p:grpSpPr>
       <p:sp>
         <p:nvSpPr>
-          <p:cNvPr id="349" name="CustomShape 1"/>
+          <p:cNvPr id="348" name="CustomShape 1"/>
           <p:cNvSpPr/>
           <p:nvPr/>
         </p:nvSpPr>
         <p:spPr>
           <a:xfrm>
-            <a:off x="873360" y="0"/>
-            <a:ext cx="10513080" cy="1323000"/>
+            <a:off x="645480" y="360000"/>
+            <a:ext cx="10512000" cy="1321920"/>
           </a:xfrm>
           <a:prstGeom prst="rect">
             <a:avLst/>
@@ -17414,16 +17504,16 @@
               </a:lnSpc>
             </a:pPr>
             <a:r>
-              <a:rPr b="0" lang="es-MX" sz="4400" spc="-1" strike="noStrike">
+              <a:rPr b="0" lang="es-MX" sz="4000" spc="-1" strike="noStrike">
                 <a:solidFill>
                   <a:srgbClr val="000000"/>
                 </a:solidFill>
                 <a:latin typeface="Calibri Light"/>
                 <a:ea typeface="DejaVu Sans"/>
               </a:rPr>
-              <a:t>Operadores aritméticos</a:t>
-            </a:r>
-            <a:endParaRPr b="0" lang="es-MX" sz="4400" spc="-1" strike="noStrike">
+              <a:t>Ejemplo 10</a:t>
+            </a:r>
+            <a:endParaRPr b="0" lang="es-MX" sz="4000" spc="-1" strike="noStrike">
               <a:latin typeface="Arial"/>
             </a:endParaRPr>
           </a:p>
@@ -17431,7 +17521,7 @@
       </p:sp>
       <p:pic>
         <p:nvPicPr>
-          <p:cNvPr id="350" name="Imagen 3" descr=""/>
+          <p:cNvPr id="349" name="Imagen 3" descr=""/>
           <p:cNvPicPr/>
           <p:nvPr/>
         </p:nvPicPr>
@@ -17441,8 +17531,8 @@
         </p:blipFill>
         <p:spPr>
           <a:xfrm>
-            <a:off x="2273040" y="908280"/>
-            <a:ext cx="7713720" cy="5814720"/>
+            <a:off x="3707640" y="365040"/>
+            <a:ext cx="8320680" cy="6248520"/>
           </a:xfrm>
           <a:prstGeom prst="rect">
             <a:avLst/>
@@ -17484,14 +17574,14 @@
       </p:grpSpPr>
       <p:sp>
         <p:nvSpPr>
-          <p:cNvPr id="351" name="CustomShape 1"/>
+          <p:cNvPr id="350" name="CustomShape 1"/>
           <p:cNvSpPr/>
           <p:nvPr/>
         </p:nvSpPr>
         <p:spPr>
           <a:xfrm>
-            <a:off x="645480" y="360000"/>
-            <a:ext cx="10513080" cy="1323000"/>
+            <a:off x="677160" y="351720"/>
+            <a:ext cx="10512000" cy="1321920"/>
           </a:xfrm>
           <a:prstGeom prst="rect">
             <a:avLst/>
@@ -17525,7 +17615,7 @@
                 <a:latin typeface="Calibri Light"/>
                 <a:ea typeface="DejaVu Sans"/>
               </a:rPr>
-              <a:t>Ejemplo 10</a:t>
+              <a:t>Ejemplo 11</a:t>
             </a:r>
             <a:endParaRPr b="0" lang="es-MX" sz="4000" spc="-1" strike="noStrike">
               <a:latin typeface="Arial"/>
@@ -17535,7 +17625,7 @@
       </p:sp>
       <p:pic>
         <p:nvPicPr>
-          <p:cNvPr id="352" name="Imagen 3" descr=""/>
+          <p:cNvPr id="351" name="Imagen 3" descr=""/>
           <p:cNvPicPr/>
           <p:nvPr/>
         </p:nvPicPr>
@@ -17545,8 +17635,8 @@
         </p:blipFill>
         <p:spPr>
           <a:xfrm>
-            <a:off x="3707640" y="365040"/>
-            <a:ext cx="8321760" cy="6249600"/>
+            <a:off x="3632400" y="365040"/>
+            <a:ext cx="8431920" cy="6243120"/>
           </a:xfrm>
           <a:prstGeom prst="rect">
             <a:avLst/>
@@ -17588,14 +17678,14 @@
       </p:grpSpPr>
       <p:sp>
         <p:nvSpPr>
-          <p:cNvPr id="353" name="CustomShape 1"/>
+          <p:cNvPr id="352" name="CustomShape 1"/>
           <p:cNvSpPr/>
           <p:nvPr/>
         </p:nvSpPr>
         <p:spPr>
           <a:xfrm>
-            <a:off x="677160" y="351720"/>
-            <a:ext cx="10513080" cy="1323000"/>
+            <a:off x="838080" y="0"/>
+            <a:ext cx="10512000" cy="1321920"/>
           </a:xfrm>
           <a:prstGeom prst="rect">
             <a:avLst/>
@@ -17622,16 +17712,16 @@
               </a:lnSpc>
             </a:pPr>
             <a:r>
-              <a:rPr b="0" lang="es-MX" sz="4000" spc="-1" strike="noStrike">
+              <a:rPr b="0" lang="es-MX" sz="4400" spc="-1" strike="noStrike">
                 <a:solidFill>
                   <a:srgbClr val="000000"/>
                 </a:solidFill>
                 <a:latin typeface="Calibri Light"/>
                 <a:ea typeface="DejaVu Sans"/>
               </a:rPr>
-              <a:t>Ejemplo 11</a:t>
-            </a:r>
-            <a:endParaRPr b="0" lang="es-MX" sz="4000" spc="-1" strike="noStrike">
+              <a:t>Operadores unarios</a:t>
+            </a:r>
+            <a:endParaRPr b="0" lang="es-MX" sz="4400" spc="-1" strike="noStrike">
               <a:latin typeface="Arial"/>
             </a:endParaRPr>
           </a:p>
@@ -17639,7 +17729,7 @@
       </p:sp>
       <p:pic>
         <p:nvPicPr>
-          <p:cNvPr id="354" name="Imagen 3" descr=""/>
+          <p:cNvPr id="353" name="Imagen 3" descr=""/>
           <p:cNvPicPr/>
           <p:nvPr/>
         </p:nvPicPr>
@@ -17649,8 +17739,8 @@
         </p:blipFill>
         <p:spPr>
           <a:xfrm>
-            <a:off x="3632400" y="365040"/>
-            <a:ext cx="8433000" cy="6244200"/>
+            <a:off x="2176200" y="873000"/>
+            <a:ext cx="7836480" cy="5840640"/>
           </a:xfrm>
           <a:prstGeom prst="rect">
             <a:avLst/>
@@ -17692,14 +17782,14 @@
       </p:grpSpPr>
       <p:sp>
         <p:nvSpPr>
-          <p:cNvPr id="355" name="CustomShape 1"/>
+          <p:cNvPr id="354" name="CustomShape 1"/>
           <p:cNvSpPr/>
           <p:nvPr/>
         </p:nvSpPr>
         <p:spPr>
           <a:xfrm>
-            <a:off x="838080" y="0"/>
-            <a:ext cx="10513080" cy="1323000"/>
+            <a:off x="650160" y="378360"/>
+            <a:ext cx="10512000" cy="1321920"/>
           </a:xfrm>
           <a:prstGeom prst="rect">
             <a:avLst/>
@@ -17726,16 +17816,16 @@
               </a:lnSpc>
             </a:pPr>
             <a:r>
-              <a:rPr b="0" lang="es-MX" sz="4400" spc="-1" strike="noStrike">
+              <a:rPr b="0" lang="es-MX" sz="4000" spc="-1" strike="noStrike">
                 <a:solidFill>
                   <a:srgbClr val="000000"/>
                 </a:solidFill>
                 <a:latin typeface="Calibri Light"/>
                 <a:ea typeface="DejaVu Sans"/>
               </a:rPr>
-              <a:t>Operadores unarios</a:t>
-            </a:r>
-            <a:endParaRPr b="0" lang="es-MX" sz="4400" spc="-1" strike="noStrike">
+              <a:t>Ejemplo 12</a:t>
+            </a:r>
+            <a:endParaRPr b="0" lang="es-MX" sz="4000" spc="-1" strike="noStrike">
               <a:latin typeface="Arial"/>
             </a:endParaRPr>
           </a:p>
@@ -17743,7 +17833,7 @@
       </p:sp>
       <p:pic>
         <p:nvPicPr>
-          <p:cNvPr id="356" name="Imagen 3" descr=""/>
+          <p:cNvPr id="355" name="Imagen 3" descr=""/>
           <p:cNvPicPr/>
           <p:nvPr/>
         </p:nvPicPr>
@@ -17753,8 +17843,8 @@
         </p:blipFill>
         <p:spPr>
           <a:xfrm>
-            <a:off x="2176200" y="873000"/>
-            <a:ext cx="7837560" cy="5841720"/>
+            <a:off x="3638520" y="365040"/>
+            <a:ext cx="8263440" cy="6173280"/>
           </a:xfrm>
           <a:prstGeom prst="rect">
             <a:avLst/>
@@ -17796,14 +17886,14 @@
       </p:grpSpPr>
       <p:sp>
         <p:nvSpPr>
-          <p:cNvPr id="357" name="CustomShape 1"/>
+          <p:cNvPr id="356" name="CustomShape 1"/>
           <p:cNvSpPr/>
           <p:nvPr/>
         </p:nvSpPr>
         <p:spPr>
           <a:xfrm>
-            <a:off x="650160" y="378360"/>
-            <a:ext cx="10513080" cy="1323000"/>
+            <a:off x="838080" y="0"/>
+            <a:ext cx="10512000" cy="1321920"/>
           </a:xfrm>
           <a:prstGeom prst="rect">
             <a:avLst/>
@@ -17830,16 +17920,16 @@
               </a:lnSpc>
             </a:pPr>
             <a:r>
-              <a:rPr b="0" lang="es-MX" sz="4000" spc="-1" strike="noStrike">
+              <a:rPr b="0" lang="es-MX" sz="4400" spc="-1" strike="noStrike">
                 <a:solidFill>
                   <a:srgbClr val="000000"/>
                 </a:solidFill>
                 <a:latin typeface="Calibri Light"/>
                 <a:ea typeface="DejaVu Sans"/>
               </a:rPr>
-              <a:t>Ejemplo 12</a:t>
-            </a:r>
-            <a:endParaRPr b="0" lang="es-MX" sz="4000" spc="-1" strike="noStrike">
+              <a:t>Lo que C considera verdadero</a:t>
+            </a:r>
+            <a:endParaRPr b="0" lang="es-MX" sz="4400" spc="-1" strike="noStrike">
               <a:latin typeface="Arial"/>
             </a:endParaRPr>
           </a:p>
@@ -17847,7 +17937,7 @@
       </p:sp>
       <p:pic>
         <p:nvPicPr>
-          <p:cNvPr id="358" name="Imagen 3" descr=""/>
+          <p:cNvPr id="357" name="Imagen 3" descr=""/>
           <p:cNvPicPr/>
           <p:nvPr/>
         </p:nvPicPr>
@@ -17857,8 +17947,8 @@
         </p:blipFill>
         <p:spPr>
           <a:xfrm>
-            <a:off x="3638520" y="365040"/>
-            <a:ext cx="8264520" cy="6174360"/>
+            <a:off x="2190600" y="903240"/>
+            <a:ext cx="7807320" cy="5757480"/>
           </a:xfrm>
           <a:prstGeom prst="rect">
             <a:avLst/>
@@ -17900,14 +17990,14 @@
       </p:grpSpPr>
       <p:sp>
         <p:nvSpPr>
-          <p:cNvPr id="208" name="CustomShape 1"/>
+          <p:cNvPr id="207" name="CustomShape 1"/>
           <p:cNvSpPr/>
           <p:nvPr/>
         </p:nvSpPr>
         <p:spPr>
           <a:xfrm>
             <a:off x="838080" y="0"/>
-            <a:ext cx="10513440" cy="1323360"/>
+            <a:ext cx="10512360" cy="1322280"/>
           </a:xfrm>
           <a:prstGeom prst="rect">
             <a:avLst/>
@@ -17951,7 +18041,7 @@
       </p:sp>
       <p:sp>
         <p:nvSpPr>
-          <p:cNvPr id="209" name="CustomShape 2"/>
+          <p:cNvPr id="208" name="CustomShape 2"/>
           <p:cNvSpPr/>
           <p:nvPr/>
         </p:nvSpPr>
@@ -18022,7 +18112,7 @@
       </p:sp>
       <p:sp>
         <p:nvSpPr>
-          <p:cNvPr id="210" name="CustomShape 3"/>
+          <p:cNvPr id="209" name="CustomShape 3"/>
           <p:cNvSpPr/>
           <p:nvPr/>
         </p:nvSpPr>
@@ -18073,7 +18163,7 @@
       </p:sp>
       <p:pic>
         <p:nvPicPr>
-          <p:cNvPr id="211" name="Imagen 2_1" descr=""/>
+          <p:cNvPr id="210" name="Imagen 2_1" descr=""/>
           <p:cNvPicPr/>
           <p:nvPr/>
         </p:nvPicPr>
@@ -18084,7 +18174,7 @@
         <p:spPr>
           <a:xfrm>
             <a:off x="1133640" y="3408840"/>
-            <a:ext cx="9922320" cy="952560"/>
+            <a:ext cx="9921240" cy="951480"/>
           </a:xfrm>
           <a:prstGeom prst="rect">
             <a:avLst/>
@@ -18096,7 +18186,7 @@
       </p:pic>
       <p:pic>
         <p:nvPicPr>
-          <p:cNvPr id="212" name="Imagen 6_2" descr=""/>
+          <p:cNvPr id="211" name="Imagen 6_2" descr=""/>
           <p:cNvPicPr/>
           <p:nvPr/>
         </p:nvPicPr>
@@ -18108,7 +18198,7 @@
         <p:spPr>
           <a:xfrm>
             <a:off x="1133640" y="4278600"/>
-            <a:ext cx="9922320" cy="649800"/>
+            <a:ext cx="9921240" cy="648720"/>
           </a:xfrm>
           <a:prstGeom prst="rect">
             <a:avLst/>
@@ -18120,7 +18210,7 @@
       </p:pic>
       <p:pic>
         <p:nvPicPr>
-          <p:cNvPr id="213" name="Imagen 4_2" descr=""/>
+          <p:cNvPr id="212" name="Imagen 4_2" descr=""/>
           <p:cNvPicPr/>
           <p:nvPr/>
         </p:nvPicPr>
@@ -18131,7 +18221,7 @@
         <p:spPr>
           <a:xfrm>
             <a:off x="849600" y="2160720"/>
-            <a:ext cx="10128600" cy="1030320"/>
+            <a:ext cx="10127520" cy="1029240"/>
           </a:xfrm>
           <a:prstGeom prst="rect">
             <a:avLst/>
@@ -18173,14 +18263,14 @@
       </p:grpSpPr>
       <p:sp>
         <p:nvSpPr>
-          <p:cNvPr id="359" name="CustomShape 1"/>
+          <p:cNvPr id="358" name="CustomShape 1"/>
           <p:cNvSpPr/>
           <p:nvPr/>
         </p:nvSpPr>
         <p:spPr>
           <a:xfrm>
-            <a:off x="838080" y="0"/>
-            <a:ext cx="10513080" cy="1323000"/>
+            <a:off x="873360" y="0"/>
+            <a:ext cx="10512000" cy="1321920"/>
           </a:xfrm>
           <a:prstGeom prst="rect">
             <a:avLst/>
@@ -18214,7 +18304,7 @@
                 <a:latin typeface="Calibri Light"/>
                 <a:ea typeface="DejaVu Sans"/>
               </a:rPr>
-              <a:t>Lo que C considera verdadero</a:t>
+              <a:t>Operadores de comparación</a:t>
             </a:r>
             <a:endParaRPr b="0" lang="es-MX" sz="4400" spc="-1" strike="noStrike">
               <a:latin typeface="Arial"/>
@@ -18224,7 +18314,7 @@
       </p:sp>
       <p:pic>
         <p:nvPicPr>
-          <p:cNvPr id="360" name="Imagen 3" descr=""/>
+          <p:cNvPr id="359" name="Imagen 3" descr=""/>
           <p:cNvPicPr/>
           <p:nvPr/>
         </p:nvPicPr>
@@ -18234,8 +18324,8 @@
         </p:blipFill>
         <p:spPr>
           <a:xfrm>
-            <a:off x="2190600" y="903240"/>
-            <a:ext cx="7808400" cy="5758560"/>
+            <a:off x="2236320" y="898560"/>
+            <a:ext cx="7786080" cy="5825160"/>
           </a:xfrm>
           <a:prstGeom prst="rect">
             <a:avLst/>
@@ -18277,14 +18367,14 @@
       </p:grpSpPr>
       <p:sp>
         <p:nvSpPr>
-          <p:cNvPr id="361" name="CustomShape 1"/>
+          <p:cNvPr id="360" name="CustomShape 1"/>
           <p:cNvSpPr/>
           <p:nvPr/>
         </p:nvSpPr>
         <p:spPr>
           <a:xfrm>
-            <a:off x="873360" y="0"/>
-            <a:ext cx="10513080" cy="1323000"/>
+            <a:off x="838080" y="0"/>
+            <a:ext cx="10512000" cy="1321920"/>
           </a:xfrm>
           <a:prstGeom prst="rect">
             <a:avLst/>
@@ -18318,7 +18408,7 @@
                 <a:latin typeface="Calibri Light"/>
                 <a:ea typeface="DejaVu Sans"/>
               </a:rPr>
-              <a:t>Operadores de comparación</a:t>
+              <a:t>Operadores lógicos</a:t>
             </a:r>
             <a:endParaRPr b="0" lang="es-MX" sz="4400" spc="-1" strike="noStrike">
               <a:latin typeface="Arial"/>
@@ -18328,7 +18418,7 @@
       </p:sp>
       <p:pic>
         <p:nvPicPr>
-          <p:cNvPr id="362" name="Imagen 3" descr=""/>
+          <p:cNvPr id="361" name="Imagen 3" descr=""/>
           <p:cNvPicPr/>
           <p:nvPr/>
         </p:nvPicPr>
@@ -18338,8 +18428,8 @@
         </p:blipFill>
         <p:spPr>
           <a:xfrm>
-            <a:off x="2236320" y="898560"/>
-            <a:ext cx="7787160" cy="5826240"/>
+            <a:off x="2210040" y="890640"/>
+            <a:ext cx="7768440" cy="5790240"/>
           </a:xfrm>
           <a:prstGeom prst="rect">
             <a:avLst/>
@@ -18381,14 +18471,14 @@
       </p:grpSpPr>
       <p:sp>
         <p:nvSpPr>
-          <p:cNvPr id="363" name="CustomShape 1"/>
+          <p:cNvPr id="362" name="CustomShape 1"/>
           <p:cNvSpPr/>
           <p:nvPr/>
         </p:nvSpPr>
         <p:spPr>
           <a:xfrm>
             <a:off x="838080" y="0"/>
-            <a:ext cx="10513080" cy="1323000"/>
+            <a:ext cx="10512000" cy="1321920"/>
           </a:xfrm>
           <a:prstGeom prst="rect">
             <a:avLst/>
@@ -18415,16 +18505,16 @@
               </a:lnSpc>
             </a:pPr>
             <a:r>
-              <a:rPr b="0" lang="es-MX" sz="4400" spc="-1" strike="noStrike">
+              <a:rPr b="0" lang="es-MX" sz="3200" spc="-1" strike="noStrike">
                 <a:solidFill>
                   <a:srgbClr val="000000"/>
                 </a:solidFill>
                 <a:latin typeface="Calibri Light"/>
                 <a:ea typeface="DejaVu Sans"/>
               </a:rPr>
-              <a:t>Operadores lógicos</a:t>
-            </a:r>
-            <a:endParaRPr b="0" lang="es-MX" sz="4400" spc="-1" strike="noStrike">
+              <a:t>C garantiza acerca de operadores lógicos</a:t>
+            </a:r>
+            <a:endParaRPr b="0" lang="es-MX" sz="3200" spc="-1" strike="noStrike">
               <a:latin typeface="Arial"/>
             </a:endParaRPr>
           </a:p>
@@ -18432,7 +18522,7 @@
       </p:sp>
       <p:pic>
         <p:nvPicPr>
-          <p:cNvPr id="364" name="Imagen 3" descr=""/>
+          <p:cNvPr id="363" name="Imagen 3" descr=""/>
           <p:cNvPicPr/>
           <p:nvPr/>
         </p:nvPicPr>
@@ -18442,8 +18532,8 @@
         </p:blipFill>
         <p:spPr>
           <a:xfrm>
-            <a:off x="2210040" y="890640"/>
-            <a:ext cx="7769520" cy="5791320"/>
+            <a:off x="2268360" y="927360"/>
+            <a:ext cx="7651440" cy="5716080"/>
           </a:xfrm>
           <a:prstGeom prst="rect">
             <a:avLst/>
@@ -18485,14 +18575,14 @@
       </p:grpSpPr>
       <p:sp>
         <p:nvSpPr>
-          <p:cNvPr id="365" name="CustomShape 1"/>
+          <p:cNvPr id="364" name="CustomShape 1"/>
           <p:cNvSpPr/>
           <p:nvPr/>
         </p:nvSpPr>
         <p:spPr>
           <a:xfrm>
             <a:off x="838080" y="0"/>
-            <a:ext cx="10513080" cy="1323000"/>
+            <a:ext cx="10512000" cy="1321920"/>
           </a:xfrm>
           <a:prstGeom prst="rect">
             <a:avLst/>
@@ -18519,16 +18609,16 @@
               </a:lnSpc>
             </a:pPr>
             <a:r>
-              <a:rPr b="0" lang="es-MX" sz="3200" spc="-1" strike="noStrike">
+              <a:rPr b="0" lang="es-MX" sz="4400" spc="-1" strike="noStrike">
                 <a:solidFill>
                   <a:srgbClr val="000000"/>
                 </a:solidFill>
                 <a:latin typeface="Calibri Light"/>
                 <a:ea typeface="DejaVu Sans"/>
               </a:rPr>
-              <a:t>C garantiza acerca de operadores lógicos</a:t>
-            </a:r>
-            <a:endParaRPr b="0" lang="es-MX" sz="3200" spc="-1" strike="noStrike">
+              <a:t>¡Advertencia!</a:t>
+            </a:r>
+            <a:endParaRPr b="0" lang="es-MX" sz="4400" spc="-1" strike="noStrike">
               <a:latin typeface="Arial"/>
             </a:endParaRPr>
           </a:p>
@@ -18536,7 +18626,7 @@
       </p:sp>
       <p:pic>
         <p:nvPicPr>
-          <p:cNvPr id="366" name="Imagen 3" descr=""/>
+          <p:cNvPr id="365" name="Imagen 3" descr=""/>
           <p:cNvPicPr/>
           <p:nvPr/>
         </p:nvPicPr>
@@ -18546,8 +18636,8 @@
         </p:blipFill>
         <p:spPr>
           <a:xfrm>
-            <a:off x="2268360" y="927360"/>
-            <a:ext cx="7652520" cy="5717160"/>
+            <a:off x="2273760" y="927360"/>
+            <a:ext cx="7640640" cy="5659920"/>
           </a:xfrm>
           <a:prstGeom prst="rect">
             <a:avLst/>
@@ -18589,14 +18679,14 @@
       </p:grpSpPr>
       <p:sp>
         <p:nvSpPr>
-          <p:cNvPr id="367" name="CustomShape 1"/>
+          <p:cNvPr id="366" name="CustomShape 1"/>
           <p:cNvSpPr/>
           <p:nvPr/>
         </p:nvSpPr>
         <p:spPr>
           <a:xfrm>
-            <a:off x="838080" y="0"/>
-            <a:ext cx="10513080" cy="1323000"/>
+            <a:off x="803160" y="0"/>
+            <a:ext cx="10512000" cy="1321920"/>
           </a:xfrm>
           <a:prstGeom prst="rect">
             <a:avLst/>
@@ -18630,7 +18720,7 @@
                 <a:latin typeface="Calibri Light"/>
                 <a:ea typeface="DejaVu Sans"/>
               </a:rPr>
-              <a:t>¡Advertencia!</a:t>
+              <a:t>Operadores a nivel de bits</a:t>
             </a:r>
             <a:endParaRPr b="0" lang="es-MX" sz="4400" spc="-1" strike="noStrike">
               <a:latin typeface="Arial"/>
@@ -18640,7 +18730,7 @@
       </p:sp>
       <p:pic>
         <p:nvPicPr>
-          <p:cNvPr id="368" name="Imagen 3" descr=""/>
+          <p:cNvPr id="367" name="Imagen 3" descr=""/>
           <p:cNvPicPr/>
           <p:nvPr/>
         </p:nvPicPr>
@@ -18650,8 +18740,8 @@
         </p:blipFill>
         <p:spPr>
           <a:xfrm>
-            <a:off x="2273760" y="927360"/>
-            <a:ext cx="7641720" cy="5661000"/>
+            <a:off x="2189880" y="880920"/>
+            <a:ext cx="7738200" cy="5780880"/>
           </a:xfrm>
           <a:prstGeom prst="rect">
             <a:avLst/>
@@ -18693,14 +18783,14 @@
       </p:grpSpPr>
       <p:sp>
         <p:nvSpPr>
-          <p:cNvPr id="369" name="CustomShape 1"/>
+          <p:cNvPr id="368" name="CustomShape 1"/>
           <p:cNvSpPr/>
           <p:nvPr/>
         </p:nvSpPr>
         <p:spPr>
           <a:xfrm>
-            <a:off x="803160" y="0"/>
-            <a:ext cx="10513080" cy="1323000"/>
+            <a:off x="855720" y="0"/>
+            <a:ext cx="10512000" cy="1321920"/>
           </a:xfrm>
           <a:prstGeom prst="rect">
             <a:avLst/>
@@ -18734,7 +18824,7 @@
                 <a:latin typeface="Calibri Light"/>
                 <a:ea typeface="DejaVu Sans"/>
               </a:rPr>
-              <a:t>Operadores a nivel de bits</a:t>
+              <a:t>Ejemplo 13</a:t>
             </a:r>
             <a:endParaRPr b="0" lang="es-MX" sz="4400" spc="-1" strike="noStrike">
               <a:latin typeface="Arial"/>
@@ -18744,7 +18834,7 @@
       </p:sp>
       <p:pic>
         <p:nvPicPr>
-          <p:cNvPr id="370" name="Imagen 3" descr=""/>
+          <p:cNvPr id="369" name="Imagen 3" descr=""/>
           <p:cNvPicPr/>
           <p:nvPr/>
         </p:nvPicPr>
@@ -18754,8 +18844,8 @@
         </p:blipFill>
         <p:spPr>
           <a:xfrm>
-            <a:off x="2189880" y="880920"/>
-            <a:ext cx="7739280" cy="5781960"/>
+            <a:off x="2265120" y="895320"/>
+            <a:ext cx="7693200" cy="5731200"/>
           </a:xfrm>
           <a:prstGeom prst="rect">
             <a:avLst/>
@@ -18797,14 +18887,14 @@
       </p:grpSpPr>
       <p:sp>
         <p:nvSpPr>
-          <p:cNvPr id="371" name="CustomShape 1"/>
+          <p:cNvPr id="370" name="CustomShape 1"/>
           <p:cNvSpPr/>
           <p:nvPr/>
         </p:nvSpPr>
         <p:spPr>
           <a:xfrm>
-            <a:off x="855720" y="0"/>
-            <a:ext cx="10513080" cy="1323000"/>
+            <a:off x="838080" y="0"/>
+            <a:ext cx="10512000" cy="1321920"/>
           </a:xfrm>
           <a:prstGeom prst="rect">
             <a:avLst/>
@@ -18838,7 +18928,7 @@
                 <a:latin typeface="Calibri Light"/>
                 <a:ea typeface="DejaVu Sans"/>
               </a:rPr>
-              <a:t>Ejemplo 13</a:t>
+              <a:t>Operador de asignación</a:t>
             </a:r>
             <a:endParaRPr b="0" lang="es-MX" sz="4400" spc="-1" strike="noStrike">
               <a:latin typeface="Arial"/>
@@ -18848,7 +18938,7 @@
       </p:sp>
       <p:pic>
         <p:nvPicPr>
-          <p:cNvPr id="372" name="Imagen 3" descr=""/>
+          <p:cNvPr id="371" name="Imagen 3" descr=""/>
           <p:cNvPicPr/>
           <p:nvPr/>
         </p:nvPicPr>
@@ -18858,8 +18948,8 @@
         </p:blipFill>
         <p:spPr>
           <a:xfrm>
-            <a:off x="2265120" y="895320"/>
-            <a:ext cx="7694280" cy="5732280"/>
+            <a:off x="2145240" y="900000"/>
+            <a:ext cx="7897680" cy="5823720"/>
           </a:xfrm>
           <a:prstGeom prst="rect">
             <a:avLst/>
@@ -18901,14 +18991,14 @@
       </p:grpSpPr>
       <p:sp>
         <p:nvSpPr>
-          <p:cNvPr id="373" name="CustomShape 1"/>
+          <p:cNvPr id="372" name="CustomShape 1"/>
           <p:cNvSpPr/>
           <p:nvPr/>
         </p:nvSpPr>
         <p:spPr>
           <a:xfrm>
-            <a:off x="838080" y="0"/>
-            <a:ext cx="10513080" cy="1323000"/>
+            <a:off x="855720" y="0"/>
+            <a:ext cx="10512000" cy="1321920"/>
           </a:xfrm>
           <a:prstGeom prst="rect">
             <a:avLst/>
@@ -18942,7 +19032,7 @@
                 <a:latin typeface="Calibri Light"/>
                 <a:ea typeface="DejaVu Sans"/>
               </a:rPr>
-              <a:t>Operador de asignación</a:t>
+              <a:t>Advertencia</a:t>
             </a:r>
             <a:endParaRPr b="0" lang="es-MX" sz="4400" spc="-1" strike="noStrike">
               <a:latin typeface="Arial"/>
@@ -18952,7 +19042,7 @@
       </p:sp>
       <p:pic>
         <p:nvPicPr>
-          <p:cNvPr id="374" name="Imagen 3" descr=""/>
+          <p:cNvPr id="373" name="Imagen 3" descr=""/>
           <p:cNvPicPr/>
           <p:nvPr/>
         </p:nvPicPr>
@@ -18962,8 +19052,8 @@
         </p:blipFill>
         <p:spPr>
           <a:xfrm>
-            <a:off x="2145240" y="900000"/>
-            <a:ext cx="7898760" cy="5824800"/>
+            <a:off x="4030200" y="836640"/>
+            <a:ext cx="7848000" cy="5821560"/>
           </a:xfrm>
           <a:prstGeom prst="rect">
             <a:avLst/>
@@ -18973,6 +19063,57 @@
           </a:ln>
         </p:spPr>
       </p:pic>
+      <p:sp>
+        <p:nvSpPr>
+          <p:cNvPr id="374" name="CustomShape 2"/>
+          <p:cNvSpPr/>
+          <p:nvPr/>
+        </p:nvSpPr>
+        <p:spPr>
+          <a:xfrm>
+            <a:off x="720000" y="1260000"/>
+            <a:ext cx="3058200" cy="713520"/>
+          </a:xfrm>
+          <a:prstGeom prst="rect">
+            <a:avLst/>
+          </a:prstGeom>
+          <a:noFill/>
+          <a:ln w="0">
+            <a:noFill/>
+          </a:ln>
+        </p:spPr>
+        <p:style>
+          <a:lnRef idx="0"/>
+          <a:fillRef idx="0"/>
+          <a:effectRef idx="0"/>
+          <a:fontRef idx="minor"/>
+        </p:style>
+        <p:txBody>
+          <a:bodyPr lIns="90000" rIns="90000" tIns="45000" bIns="45000">
+            <a:noAutofit/>
+          </a:bodyPr>
+          <a:p>
+            <a:pPr>
+              <a:lnSpc>
+                <a:spcPct val="100000"/>
+              </a:lnSpc>
+            </a:pPr>
+            <a:r>
+              <a:rPr b="0" lang="es-MX" sz="4400" spc="-1" strike="noStrike">
+                <a:solidFill>
+                  <a:srgbClr val="000000"/>
+                </a:solidFill>
+                <a:latin typeface="Arial"/>
+                <a:ea typeface="DejaVu Sans"/>
+              </a:rPr>
+              <a:t>Ejemplo 14</a:t>
+            </a:r>
+            <a:endParaRPr b="0" lang="es-MX" sz="4400" spc="-1" strike="noStrike">
+              <a:latin typeface="Arial"/>
+            </a:endParaRPr>
+          </a:p>
+        </p:txBody>
+      </p:sp>
     </p:spTree>
   </p:cSld>
   <mc:AlternateContent>
@@ -19011,8 +19152,8 @@
         </p:nvSpPr>
         <p:spPr>
           <a:xfrm>
-            <a:off x="855720" y="0"/>
-            <a:ext cx="10513080" cy="1323000"/>
+            <a:off x="838080" y="0"/>
+            <a:ext cx="10512000" cy="1321920"/>
           </a:xfrm>
           <a:prstGeom prst="rect">
             <a:avLst/>
@@ -19046,7 +19187,7 @@
                 <a:latin typeface="Calibri Light"/>
                 <a:ea typeface="DejaVu Sans"/>
               </a:rPr>
-              <a:t>Advertencia</a:t>
+              <a:t>Otros operadores de asignación</a:t>
             </a:r>
             <a:endParaRPr b="0" lang="es-MX" sz="4400" spc="-1" strike="noStrike">
               <a:latin typeface="Arial"/>
@@ -19066,8 +19207,8 @@
         </p:blipFill>
         <p:spPr>
           <a:xfrm>
-            <a:off x="4030200" y="836640"/>
-            <a:ext cx="7849080" cy="5822640"/>
+            <a:off x="2221920" y="905040"/>
+            <a:ext cx="7744680" cy="5756040"/>
           </a:xfrm>
           <a:prstGeom prst="rect">
             <a:avLst/>
@@ -19077,57 +19218,6 @@
           </a:ln>
         </p:spPr>
       </p:pic>
-      <p:sp>
-        <p:nvSpPr>
-          <p:cNvPr id="377" name="CustomShape 2"/>
-          <p:cNvSpPr/>
-          <p:nvPr/>
-        </p:nvSpPr>
-        <p:spPr>
-          <a:xfrm>
-            <a:off x="720000" y="1260000"/>
-            <a:ext cx="3059280" cy="714600"/>
-          </a:xfrm>
-          <a:prstGeom prst="rect">
-            <a:avLst/>
-          </a:prstGeom>
-          <a:noFill/>
-          <a:ln w="0">
-            <a:noFill/>
-          </a:ln>
-        </p:spPr>
-        <p:style>
-          <a:lnRef idx="0"/>
-          <a:fillRef idx="0"/>
-          <a:effectRef idx="0"/>
-          <a:fontRef idx="minor"/>
-        </p:style>
-        <p:txBody>
-          <a:bodyPr lIns="90000" rIns="90000" tIns="45000" bIns="45000">
-            <a:noAutofit/>
-          </a:bodyPr>
-          <a:p>
-            <a:pPr>
-              <a:lnSpc>
-                <a:spcPct val="100000"/>
-              </a:lnSpc>
-            </a:pPr>
-            <a:r>
-              <a:rPr b="0" lang="es-MX" sz="4400" spc="-1" strike="noStrike">
-                <a:solidFill>
-                  <a:srgbClr val="000000"/>
-                </a:solidFill>
-                <a:latin typeface="Arial"/>
-                <a:ea typeface="DejaVu Sans"/>
-              </a:rPr>
-              <a:t>Ejemplo 14</a:t>
-            </a:r>
-            <a:endParaRPr b="0" lang="es-MX" sz="4400" spc="-1" strike="noStrike">
-              <a:latin typeface="Arial"/>
-            </a:endParaRPr>
-          </a:p>
-        </p:txBody>
-      </p:sp>
     </p:spTree>
   </p:cSld>
   <mc:AlternateContent>
@@ -19160,14 +19250,14 @@
       </p:grpSpPr>
       <p:sp>
         <p:nvSpPr>
-          <p:cNvPr id="378" name="CustomShape 1"/>
+          <p:cNvPr id="377" name="CustomShape 1"/>
           <p:cNvSpPr/>
           <p:nvPr/>
         </p:nvSpPr>
         <p:spPr>
           <a:xfrm>
-            <a:off x="838080" y="0"/>
-            <a:ext cx="10513080" cy="1323000"/>
+            <a:off x="803160" y="0"/>
+            <a:ext cx="10512000" cy="1321920"/>
           </a:xfrm>
           <a:prstGeom prst="rect">
             <a:avLst/>
@@ -19194,16 +19284,27 @@
               </a:lnSpc>
             </a:pPr>
             <a:r>
-              <a:rPr b="0" lang="es-MX" sz="4400" spc="-1" strike="noStrike">
+              <a:rPr b="0" lang="es-MX" sz="4000" spc="-1" strike="noStrike">
                 <a:solidFill>
                   <a:srgbClr val="000000"/>
                 </a:solidFill>
                 <a:latin typeface="Calibri Light"/>
                 <a:ea typeface="DejaVu Sans"/>
               </a:rPr>
-              <a:t>Otros operadores de asignación</a:t>
-            </a:r>
-            <a:endParaRPr b="0" lang="es-MX" sz="4400" spc="-1" strike="noStrike">
+              <a:t>Operador sizeof</a:t>
+            </a:r>
+            <a:br/>
+            <a:r>
+              <a:rPr b="0" lang="es-MX" sz="4000" spc="-1" strike="noStrike">
+                <a:solidFill>
+                  <a:srgbClr val="000000"/>
+                </a:solidFill>
+                <a:latin typeface="Calibri Light"/>
+                <a:ea typeface="DejaVu Sans"/>
+              </a:rPr>
+              <a:t>Ejemplo 15</a:t>
+            </a:r>
+            <a:endParaRPr b="0" lang="es-MX" sz="4000" spc="-1" strike="noStrike">
               <a:latin typeface="Arial"/>
             </a:endParaRPr>
           </a:p>
@@ -19211,7 +19312,7 @@
       </p:sp>
       <p:pic>
         <p:nvPicPr>
-          <p:cNvPr id="379" name="Imagen 3" descr=""/>
+          <p:cNvPr id="378" name="Imagen 3" descr=""/>
           <p:cNvPicPr/>
           <p:nvPr/>
         </p:nvPicPr>
@@ -19221,8 +19322,8 @@
         </p:blipFill>
         <p:spPr>
           <a:xfrm>
-            <a:off x="2221920" y="905040"/>
-            <a:ext cx="7745760" cy="5757120"/>
+            <a:off x="3884400" y="580320"/>
+            <a:ext cx="8065080" cy="6027840"/>
           </a:xfrm>
           <a:prstGeom prst="rect">
             <a:avLst/>
@@ -19264,14 +19365,14 @@
       </p:grpSpPr>
       <p:sp>
         <p:nvSpPr>
-          <p:cNvPr id="214" name="CustomShape 1"/>
+          <p:cNvPr id="213" name="CustomShape 1"/>
           <p:cNvSpPr/>
           <p:nvPr/>
         </p:nvSpPr>
         <p:spPr>
           <a:xfrm>
             <a:off x="838080" y="0"/>
-            <a:ext cx="10513440" cy="1323360"/>
+            <a:ext cx="10512360" cy="1322280"/>
           </a:xfrm>
           <a:prstGeom prst="rect">
             <a:avLst/>
@@ -19315,7 +19416,7 @@
       </p:sp>
       <p:pic>
         <p:nvPicPr>
-          <p:cNvPr id="215" name="Imagen 3_2" descr=""/>
+          <p:cNvPr id="214" name="Imagen 3_2" descr=""/>
           <p:cNvPicPr/>
           <p:nvPr/>
         </p:nvPicPr>
@@ -19326,7 +19427,7 @@
         <p:spPr>
           <a:xfrm>
             <a:off x="682200" y="1137600"/>
-            <a:ext cx="10905840" cy="2527560"/>
+            <a:ext cx="10904760" cy="2526480"/>
           </a:xfrm>
           <a:prstGeom prst="rect">
             <a:avLst/>
@@ -19338,7 +19439,7 @@
       </p:pic>
       <p:sp>
         <p:nvSpPr>
-          <p:cNvPr id="216" name="CustomShape 2"/>
+          <p:cNvPr id="215" name="CustomShape 2"/>
           <p:cNvSpPr/>
           <p:nvPr/>
         </p:nvSpPr>
@@ -19499,14 +19600,14 @@
       </p:grpSpPr>
       <p:sp>
         <p:nvSpPr>
-          <p:cNvPr id="380" name="CustomShape 1"/>
+          <p:cNvPr id="379" name="CustomShape 1"/>
           <p:cNvSpPr/>
           <p:nvPr/>
         </p:nvSpPr>
         <p:spPr>
           <a:xfrm>
-            <a:off x="803160" y="0"/>
-            <a:ext cx="10513080" cy="1323000"/>
+            <a:off x="855720" y="0"/>
+            <a:ext cx="10512000" cy="1321920"/>
           </a:xfrm>
           <a:prstGeom prst="rect">
             <a:avLst/>
@@ -19533,27 +19634,16 @@
               </a:lnSpc>
             </a:pPr>
             <a:r>
-              <a:rPr b="0" lang="es-MX" sz="4000" spc="-1" strike="noStrike">
+              <a:rPr b="0" lang="es-MX" sz="4400" spc="-1" strike="noStrike">
                 <a:solidFill>
                   <a:srgbClr val="000000"/>
                 </a:solidFill>
                 <a:latin typeface="Calibri Light"/>
                 <a:ea typeface="DejaVu Sans"/>
               </a:rPr>
-              <a:t>Operador sizeof</a:t>
-            </a:r>
-            <a:br/>
-            <a:r>
-              <a:rPr b="0" lang="es-MX" sz="4000" spc="-1" strike="noStrike">
-                <a:solidFill>
-                  <a:srgbClr val="000000"/>
-                </a:solidFill>
-                <a:latin typeface="Calibri Light"/>
-                <a:ea typeface="DejaVu Sans"/>
-              </a:rPr>
-              <a:t>Ejemplo 15</a:t>
-            </a:r>
-            <a:endParaRPr b="0" lang="es-MX" sz="4000" spc="-1" strike="noStrike">
+              <a:t>Operador de expresión condicional</a:t>
+            </a:r>
+            <a:endParaRPr b="0" lang="es-MX" sz="4400" spc="-1" strike="noStrike">
               <a:latin typeface="Arial"/>
             </a:endParaRPr>
           </a:p>
@@ -19561,7 +19651,7 @@
       </p:sp>
       <p:pic>
         <p:nvPicPr>
-          <p:cNvPr id="381" name="Imagen 3" descr=""/>
+          <p:cNvPr id="380" name="Imagen 3" descr=""/>
           <p:cNvPicPr/>
           <p:nvPr/>
         </p:nvPicPr>
@@ -19571,8 +19661,8 @@
         </p:blipFill>
         <p:spPr>
           <a:xfrm>
-            <a:off x="3884400" y="580320"/>
-            <a:ext cx="8066160" cy="6028920"/>
+            <a:off x="2278800" y="992880"/>
+            <a:ext cx="7544880" cy="5615280"/>
           </a:xfrm>
           <a:prstGeom prst="rect">
             <a:avLst/>
@@ -19614,14 +19704,14 @@
       </p:grpSpPr>
       <p:sp>
         <p:nvSpPr>
-          <p:cNvPr id="382" name="CustomShape 1"/>
+          <p:cNvPr id="381" name="CustomShape 1"/>
           <p:cNvSpPr/>
           <p:nvPr/>
         </p:nvSpPr>
         <p:spPr>
           <a:xfrm>
-            <a:off x="855720" y="0"/>
-            <a:ext cx="10513080" cy="1323000"/>
+            <a:off x="838080" y="0"/>
+            <a:ext cx="10512000" cy="1321920"/>
           </a:xfrm>
           <a:prstGeom prst="rect">
             <a:avLst/>
@@ -19655,7 +19745,7 @@
                 <a:latin typeface="Calibri Light"/>
                 <a:ea typeface="DejaVu Sans"/>
               </a:rPr>
-              <a:t>Operador de expresión condicional</a:t>
+              <a:t>Precedencia de operadores</a:t>
             </a:r>
             <a:endParaRPr b="0" lang="es-MX" sz="4400" spc="-1" strike="noStrike">
               <a:latin typeface="Arial"/>
@@ -19665,7 +19755,7 @@
       </p:sp>
       <p:pic>
         <p:nvPicPr>
-          <p:cNvPr id="383" name="Imagen 3" descr=""/>
+          <p:cNvPr id="382" name="Imagen 3" descr=""/>
           <p:cNvPicPr/>
           <p:nvPr/>
         </p:nvPicPr>
@@ -19675,8 +19765,8 @@
         </p:blipFill>
         <p:spPr>
           <a:xfrm>
-            <a:off x="2278800" y="992880"/>
-            <a:ext cx="7545960" cy="5616360"/>
+            <a:off x="2226600" y="927360"/>
+            <a:ext cx="7734960" cy="5778720"/>
           </a:xfrm>
           <a:prstGeom prst="rect">
             <a:avLst/>
@@ -19718,14 +19808,14 @@
       </p:grpSpPr>
       <p:sp>
         <p:nvSpPr>
-          <p:cNvPr id="384" name="CustomShape 1"/>
+          <p:cNvPr id="383" name="CustomShape 1"/>
           <p:cNvSpPr/>
           <p:nvPr/>
         </p:nvSpPr>
         <p:spPr>
           <a:xfrm>
-            <a:off x="838080" y="0"/>
-            <a:ext cx="10513080" cy="1323000"/>
+            <a:off x="855720" y="0"/>
+            <a:ext cx="10512000" cy="1321920"/>
           </a:xfrm>
           <a:prstGeom prst="rect">
             <a:avLst/>
@@ -19759,7 +19849,7 @@
                 <a:latin typeface="Calibri Light"/>
                 <a:ea typeface="DejaVu Sans"/>
               </a:rPr>
-              <a:t>Precedencia de operadores</a:t>
+              <a:t>Asociatividad de operadores</a:t>
             </a:r>
             <a:endParaRPr b="0" lang="es-MX" sz="4400" spc="-1" strike="noStrike">
               <a:latin typeface="Arial"/>
@@ -19769,7 +19859,7 @@
       </p:sp>
       <p:pic>
         <p:nvPicPr>
-          <p:cNvPr id="385" name="Imagen 3" descr=""/>
+          <p:cNvPr id="384" name="Imagen 3" descr=""/>
           <p:cNvPicPr/>
           <p:nvPr/>
         </p:nvPicPr>
@@ -19779,8 +19869,8 @@
         </p:blipFill>
         <p:spPr>
           <a:xfrm>
-            <a:off x="2226600" y="927360"/>
-            <a:ext cx="7736040" cy="5779800"/>
+            <a:off x="2261160" y="935280"/>
+            <a:ext cx="7701480" cy="5742720"/>
           </a:xfrm>
           <a:prstGeom prst="rect">
             <a:avLst/>
@@ -19822,14 +19912,14 @@
       </p:grpSpPr>
       <p:sp>
         <p:nvSpPr>
-          <p:cNvPr id="386" name="CustomShape 1"/>
+          <p:cNvPr id="385" name="CustomShape 1"/>
           <p:cNvSpPr/>
           <p:nvPr/>
         </p:nvSpPr>
         <p:spPr>
           <a:xfrm>
-            <a:off x="855720" y="0"/>
-            <a:ext cx="10513080" cy="1323000"/>
+            <a:off x="803160" y="0"/>
+            <a:ext cx="10512000" cy="1321920"/>
           </a:xfrm>
           <a:prstGeom prst="rect">
             <a:avLst/>
@@ -19863,7 +19953,7 @@
                 <a:latin typeface="Calibri Light"/>
                 <a:ea typeface="DejaVu Sans"/>
               </a:rPr>
-              <a:t>Asociatividad de operadores</a:t>
+              <a:t>Tabla de precedencia/asociatividad</a:t>
             </a:r>
             <a:endParaRPr b="0" lang="es-MX" sz="4400" spc="-1" strike="noStrike">
               <a:latin typeface="Arial"/>
@@ -19873,7 +19963,7 @@
       </p:sp>
       <p:pic>
         <p:nvPicPr>
-          <p:cNvPr id="387" name="Imagen 3" descr=""/>
+          <p:cNvPr id="386" name="Imagen 3" descr=""/>
           <p:cNvPicPr/>
           <p:nvPr/>
         </p:nvPicPr>
@@ -19883,8 +19973,8 @@
         </p:blipFill>
         <p:spPr>
           <a:xfrm>
-            <a:off x="2261160" y="935280"/>
-            <a:ext cx="7702560" cy="5743800"/>
+            <a:off x="2172600" y="871560"/>
+            <a:ext cx="7772760" cy="5740560"/>
           </a:xfrm>
           <a:prstGeom prst="rect">
             <a:avLst/>
@@ -19926,14 +20016,14 @@
       </p:grpSpPr>
       <p:sp>
         <p:nvSpPr>
-          <p:cNvPr id="388" name="CustomShape 1"/>
+          <p:cNvPr id="387" name="CustomShape 1"/>
           <p:cNvSpPr/>
           <p:nvPr/>
         </p:nvSpPr>
         <p:spPr>
           <a:xfrm>
-            <a:off x="803160" y="0"/>
-            <a:ext cx="10513080" cy="1323000"/>
+            <a:off x="464760" y="0"/>
+            <a:ext cx="10512000" cy="1321920"/>
           </a:xfrm>
           <a:prstGeom prst="rect">
             <a:avLst/>
@@ -19960,16 +20050,27 @@
               </a:lnSpc>
             </a:pPr>
             <a:r>
-              <a:rPr b="0" lang="es-MX" sz="4400" spc="-1" strike="noStrike">
+              <a:rPr b="0" lang="es-MX" sz="4000" spc="-1" strike="noStrike">
                 <a:solidFill>
                   <a:srgbClr val="000000"/>
                 </a:solidFill>
                 <a:latin typeface="Calibri Light"/>
                 <a:ea typeface="DejaVu Sans"/>
               </a:rPr>
-              <a:t>Tabla de precedencia/asociatividad</a:t>
-            </a:r>
-            <a:endParaRPr b="0" lang="es-MX" sz="4400" spc="-1" strike="noStrike">
+              <a:t>Repaso</a:t>
+            </a:r>
+            <a:br/>
+            <a:r>
+              <a:rPr b="0" lang="es-MX" sz="4000" spc="-1" strike="noStrike">
+                <a:solidFill>
+                  <a:srgbClr val="000000"/>
+                </a:solidFill>
+                <a:latin typeface="Calibri Light"/>
+                <a:ea typeface="DejaVu Sans"/>
+              </a:rPr>
+              <a:t>Ejemplo 16</a:t>
+            </a:r>
+            <a:endParaRPr b="0" lang="es-MX" sz="4000" spc="-1" strike="noStrike">
               <a:latin typeface="Arial"/>
             </a:endParaRPr>
           </a:p>
@@ -19977,7 +20078,7 @@
       </p:sp>
       <p:pic>
         <p:nvPicPr>
-          <p:cNvPr id="389" name="Imagen 3" descr=""/>
+          <p:cNvPr id="388" name="Imagen 3" descr=""/>
           <p:cNvPicPr/>
           <p:nvPr/>
         </p:nvPicPr>
@@ -19987,8 +20088,8 @@
         </p:blipFill>
         <p:spPr>
           <a:xfrm>
-            <a:off x="2172600" y="871560"/>
-            <a:ext cx="7773840" cy="5741640"/>
+            <a:off x="3473280" y="228600"/>
+            <a:ext cx="8535960" cy="6344280"/>
           </a:xfrm>
           <a:prstGeom prst="rect">
             <a:avLst/>
@@ -20030,14 +20131,14 @@
       </p:grpSpPr>
       <p:sp>
         <p:nvSpPr>
-          <p:cNvPr id="390" name="CustomShape 1"/>
+          <p:cNvPr id="389" name="CustomShape 1"/>
           <p:cNvSpPr/>
           <p:nvPr/>
         </p:nvSpPr>
         <p:spPr>
           <a:xfrm>
-            <a:off x="464760" y="0"/>
-            <a:ext cx="10513080" cy="1323000"/>
+            <a:off x="803160" y="-162360"/>
+            <a:ext cx="10512000" cy="1321920"/>
           </a:xfrm>
           <a:prstGeom prst="rect">
             <a:avLst/>
@@ -20064,55 +20165,380 @@
               </a:lnSpc>
             </a:pPr>
             <a:r>
-              <a:rPr b="0" lang="es-MX" sz="4000" spc="-1" strike="noStrike">
+              <a:rPr b="0" lang="es-MX" sz="4400" spc="-1" strike="noStrike">
                 <a:solidFill>
                   <a:srgbClr val="000000"/>
                 </a:solidFill>
                 <a:latin typeface="Calibri Light"/>
                 <a:ea typeface="DejaVu Sans"/>
               </a:rPr>
-              <a:t>Repaso</a:t>
-            </a:r>
-            <a:br/>
-            <a:r>
-              <a:rPr b="0" lang="es-MX" sz="4000" spc="-1" strike="noStrike">
-                <a:solidFill>
-                  <a:srgbClr val="000000"/>
-                </a:solidFill>
-                <a:latin typeface="Calibri Light"/>
-                <a:ea typeface="DejaVu Sans"/>
-              </a:rPr>
-              <a:t>Ejemplo 16</a:t>
-            </a:r>
-            <a:endParaRPr b="0" lang="es-MX" sz="4000" spc="-1" strike="noStrike">
-              <a:latin typeface="Arial"/>
-            </a:endParaRPr>
-          </a:p>
-        </p:txBody>
-      </p:sp>
-      <p:pic>
-        <p:nvPicPr>
-          <p:cNvPr id="391" name="Imagen 3" descr=""/>
-          <p:cNvPicPr/>
+              <a:t>1.5 Expresiones simples y complejas</a:t>
+            </a:r>
+            <a:endParaRPr b="0" lang="es-MX" sz="4400" spc="-1" strike="noStrike">
+              <a:latin typeface="Arial"/>
+            </a:endParaRPr>
+          </a:p>
+        </p:txBody>
+      </p:sp>
+      <p:sp>
+        <p:nvSpPr>
+          <p:cNvPr id="390" name="CustomShape 2"/>
+          <p:cNvSpPr/>
           <p:nvPr/>
-        </p:nvPicPr>
-        <p:blipFill>
-          <a:blip r:embed="rId1"/>
-          <a:stretch/>
-        </p:blipFill>
-        <p:spPr>
-          <a:xfrm>
-            <a:off x="3473280" y="228600"/>
-            <a:ext cx="8537040" cy="6345360"/>
-          </a:xfrm>
-          <a:prstGeom prst="rect">
-            <a:avLst/>
-          </a:prstGeom>
+        </p:nvSpPr>
+        <p:spPr>
+          <a:xfrm>
+            <a:off x="792000" y="793800"/>
+            <a:ext cx="11262240" cy="4236840"/>
+          </a:xfrm>
+          <a:prstGeom prst="rect">
+            <a:avLst/>
+          </a:prstGeom>
+          <a:noFill/>
           <a:ln w="0">
             <a:noFill/>
           </a:ln>
         </p:spPr>
-      </p:pic>
+        <p:style>
+          <a:lnRef idx="0"/>
+          <a:fillRef idx="0"/>
+          <a:effectRef idx="0"/>
+          <a:fontRef idx="minor"/>
+        </p:style>
+        <p:txBody>
+          <a:bodyPr wrap="none" lIns="90000" rIns="90000" tIns="45000" bIns="45000">
+            <a:spAutoFit/>
+          </a:bodyPr>
+          <a:p>
+            <a:pPr>
+              <a:lnSpc>
+                <a:spcPct val="100000"/>
+              </a:lnSpc>
+            </a:pPr>
+            <a:r>
+              <a:rPr b="0" lang="es-MX" sz="1700" spc="-1" strike="noStrike">
+                <a:solidFill>
+                  <a:srgbClr val="000000"/>
+                </a:solidFill>
+                <a:latin typeface="Calibri"/>
+                <a:ea typeface="DejaVu Sans"/>
+              </a:rPr>
+              <a:t>Las expresiones (Joyanes Aguilar Luis) son combinaciones de constantes, variables, símbolos de </a:t>
+            </a:r>
+            <a:endParaRPr b="0" lang="es-MX" sz="1700" spc="-1" strike="noStrike">
+              <a:latin typeface="Arial"/>
+            </a:endParaRPr>
+          </a:p>
+          <a:p>
+            <a:pPr>
+              <a:lnSpc>
+                <a:spcPct val="100000"/>
+              </a:lnSpc>
+            </a:pPr>
+            <a:r>
+              <a:rPr b="0" lang="es-MX" sz="1700" spc="-1" strike="noStrike">
+                <a:solidFill>
+                  <a:srgbClr val="000000"/>
+                </a:solidFill>
+                <a:latin typeface="Calibri"/>
+                <a:ea typeface="DejaVu Sans"/>
+              </a:rPr>
+              <a:t>operación, paréntesis y nombres de funciones especiales.</a:t>
+            </a:r>
+            <a:endParaRPr b="0" lang="es-MX" sz="1700" spc="-1" strike="noStrike">
+              <a:latin typeface="Arial"/>
+            </a:endParaRPr>
+          </a:p>
+          <a:p>
+            <a:pPr>
+              <a:lnSpc>
+                <a:spcPct val="100000"/>
+              </a:lnSpc>
+            </a:pPr>
+            <a:endParaRPr b="0" lang="es-MX" sz="1700" spc="-1" strike="noStrike">
+              <a:latin typeface="Arial"/>
+            </a:endParaRPr>
+          </a:p>
+          <a:p>
+            <a:pPr>
+              <a:lnSpc>
+                <a:spcPct val="100000"/>
+              </a:lnSpc>
+            </a:pPr>
+            <a:r>
+              <a:rPr b="0" lang="es-MX" sz="1700" spc="-1" strike="noStrike">
+                <a:solidFill>
+                  <a:srgbClr val="000000"/>
+                </a:solidFill>
+                <a:latin typeface="Calibri"/>
+                <a:ea typeface="DejaVu Sans"/>
+              </a:rPr>
+              <a:t>En la bibliografía del curso no aparecen los términos ‘expresiones simples’ y ‘expresiones complejas’. </a:t>
+            </a:r>
+            <a:endParaRPr b="0" lang="es-MX" sz="1700" spc="-1" strike="noStrike">
+              <a:latin typeface="Arial"/>
+            </a:endParaRPr>
+          </a:p>
+          <a:p>
+            <a:pPr>
+              <a:lnSpc>
+                <a:spcPct val="100000"/>
+              </a:lnSpc>
+            </a:pPr>
+            <a:r>
+              <a:rPr b="0" lang="es-MX" sz="1700" spc="-1" strike="noStrike">
+                <a:solidFill>
+                  <a:srgbClr val="000000"/>
+                </a:solidFill>
+                <a:latin typeface="Calibri"/>
+                <a:ea typeface="DejaVu Sans"/>
+              </a:rPr>
+              <a:t>Tales términos solo me ha sido posible encontrarlos en dos páginas web:</a:t>
+            </a:r>
+            <a:endParaRPr b="0" lang="es-MX" sz="1700" spc="-1" strike="noStrike">
+              <a:latin typeface="Arial"/>
+            </a:endParaRPr>
+          </a:p>
+          <a:p>
+            <a:pPr>
+              <a:lnSpc>
+                <a:spcPct val="100000"/>
+              </a:lnSpc>
+            </a:pPr>
+            <a:endParaRPr b="0" lang="es-MX" sz="1700" spc="-1" strike="noStrike">
+              <a:latin typeface="Arial"/>
+            </a:endParaRPr>
+          </a:p>
+          <a:p>
+            <a:pPr>
+              <a:lnSpc>
+                <a:spcPct val="100000"/>
+              </a:lnSpc>
+            </a:pPr>
+            <a:r>
+              <a:rPr b="0" lang="es-MX" sz="1700" spc="-1" strike="noStrike" u="sng">
+                <a:solidFill>
+                  <a:srgbClr val="0563c1"/>
+                </a:solidFill>
+                <a:uFillTx/>
+                <a:latin typeface="Calibri"/>
+                <a:ea typeface="DejaVu Sans"/>
+                <a:hlinkClick r:id="rId1"/>
+              </a:rPr>
+              <a:t>https://newsandstory.com/story/s7mszmn/Expressions-and-its-uses-in-C-program-module-11-</a:t>
+            </a:r>
+            <a:r>
+              <a:rPr b="0" lang="es-MX" sz="1700" spc="-1" strike="noStrike" u="sng">
+                <a:solidFill>
+                  <a:srgbClr val="0563c1"/>
+                </a:solidFill>
+                <a:uFillTx/>
+                <a:latin typeface="Calibri"/>
+                <a:ea typeface="DejaVu Sans"/>
+                <a:hlinkClick r:id="rId2"/>
+              </a:rPr>
+              <a:t>/</a:t>
+            </a:r>
+            <a:endParaRPr b="0" lang="es-MX" sz="1700" spc="-1" strike="noStrike">
+              <a:latin typeface="Arial"/>
+            </a:endParaRPr>
+          </a:p>
+          <a:p>
+            <a:pPr>
+              <a:lnSpc>
+                <a:spcPct val="100000"/>
+              </a:lnSpc>
+            </a:pPr>
+            <a:r>
+              <a:rPr b="0" lang="es-MX" sz="1700" spc="-1" strike="noStrike">
+                <a:solidFill>
+                  <a:srgbClr val="000000"/>
+                </a:solidFill>
+                <a:latin typeface="Calibri"/>
+                <a:ea typeface="DejaVu Sans"/>
+              </a:rPr>
+              <a:t>“</a:t>
+            </a:r>
+            <a:r>
+              <a:rPr b="0" lang="es-MX" sz="1700" spc="-1" strike="noStrike">
+                <a:solidFill>
+                  <a:srgbClr val="000000"/>
+                </a:solidFill>
+                <a:latin typeface="Calibri"/>
+                <a:ea typeface="DejaVu Sans"/>
+              </a:rPr>
+              <a:t>An expression is a sequence of operators and operands that reduces to a single value. Expressions </a:t>
+            </a:r>
+            <a:endParaRPr b="0" lang="es-MX" sz="1700" spc="-1" strike="noStrike">
+              <a:latin typeface="Arial"/>
+            </a:endParaRPr>
+          </a:p>
+          <a:p>
+            <a:pPr>
+              <a:lnSpc>
+                <a:spcPct val="100000"/>
+              </a:lnSpc>
+            </a:pPr>
+            <a:r>
+              <a:rPr b="0" lang="es-MX" sz="1700" spc="-1" strike="noStrike">
+                <a:solidFill>
+                  <a:srgbClr val="000000"/>
+                </a:solidFill>
+                <a:latin typeface="Calibri"/>
+                <a:ea typeface="DejaVu Sans"/>
+              </a:rPr>
+              <a:t>can be simple or complex. An operator is a syntactical token that requires an action be taken.  An </a:t>
+            </a:r>
+            <a:endParaRPr b="0" lang="es-MX" sz="1700" spc="-1" strike="noStrike">
+              <a:latin typeface="Arial"/>
+            </a:endParaRPr>
+          </a:p>
+          <a:p>
+            <a:pPr>
+              <a:lnSpc>
+                <a:spcPct val="100000"/>
+              </a:lnSpc>
+            </a:pPr>
+            <a:r>
+              <a:rPr b="0" lang="es-MX" sz="1700" spc="-1" strike="noStrike">
+                <a:solidFill>
+                  <a:srgbClr val="000000"/>
+                </a:solidFill>
+                <a:latin typeface="Calibri"/>
+                <a:ea typeface="DejaVu Sans"/>
+              </a:rPr>
+              <a:t>operand is an object on which an operation is performed. A simple expression contains only one </a:t>
+            </a:r>
+            <a:endParaRPr b="0" lang="es-MX" sz="1700" spc="-1" strike="noStrike">
+              <a:latin typeface="Arial"/>
+            </a:endParaRPr>
+          </a:p>
+          <a:p>
+            <a:pPr>
+              <a:lnSpc>
+                <a:spcPct val="100000"/>
+              </a:lnSpc>
+            </a:pPr>
+            <a:r>
+              <a:rPr b="0" lang="es-MX" sz="1700" spc="-1" strike="noStrike">
+                <a:solidFill>
+                  <a:srgbClr val="000000"/>
+                </a:solidFill>
+                <a:latin typeface="Calibri"/>
+                <a:ea typeface="DejaVu Sans"/>
+              </a:rPr>
+              <a:t>operator. Eg. 2+3 is a simple expression whose value is 5.”</a:t>
+            </a:r>
+            <a:endParaRPr b="0" lang="es-MX" sz="1700" spc="-1" strike="noStrike">
+              <a:latin typeface="Arial"/>
+            </a:endParaRPr>
+          </a:p>
+          <a:p>
+            <a:pPr>
+              <a:lnSpc>
+                <a:spcPct val="100000"/>
+              </a:lnSpc>
+            </a:pPr>
+            <a:endParaRPr b="0" lang="es-MX" sz="1700" spc="-1" strike="noStrike">
+              <a:latin typeface="Arial"/>
+            </a:endParaRPr>
+          </a:p>
+          <a:p>
+            <a:pPr>
+              <a:lnSpc>
+                <a:spcPct val="100000"/>
+              </a:lnSpc>
+            </a:pPr>
+            <a:r>
+              <a:rPr b="0" lang="es-MX" sz="1700" spc="-1" strike="noStrike" u="sng">
+                <a:solidFill>
+                  <a:srgbClr val="0563c1"/>
+                </a:solidFill>
+                <a:uFillTx/>
+                <a:latin typeface="Calibri"/>
+                <a:ea typeface="DejaVu Sans"/>
+                <a:hlinkClick r:id="rId3"/>
+              </a:rPr>
+              <a:t>https://quizlet.com/188164793/computer-science-chapter-3-flash-cards</a:t>
+            </a:r>
+            <a:r>
+              <a:rPr b="0" lang="es-MX" sz="1700" spc="-1" strike="noStrike" u="sng">
+                <a:solidFill>
+                  <a:srgbClr val="0563c1"/>
+                </a:solidFill>
+                <a:uFillTx/>
+                <a:latin typeface="Calibri"/>
+                <a:ea typeface="DejaVu Sans"/>
+                <a:hlinkClick r:id="rId4"/>
+              </a:rPr>
+              <a:t>/</a:t>
+            </a:r>
+            <a:endParaRPr b="0" lang="es-MX" sz="1700" spc="-1" strike="noStrike">
+              <a:latin typeface="Arial"/>
+            </a:endParaRPr>
+          </a:p>
+          <a:p>
+            <a:pPr>
+              <a:lnSpc>
+                <a:spcPct val="100000"/>
+              </a:lnSpc>
+            </a:pPr>
+            <a:r>
+              <a:rPr b="0" lang="es-MX" sz="1700" spc="-1" strike="noStrike">
+                <a:solidFill>
+                  <a:srgbClr val="000000"/>
+                </a:solidFill>
+                <a:latin typeface="Calibri"/>
+                <a:ea typeface="DejaVu Sans"/>
+              </a:rPr>
+              <a:t>“</a:t>
+            </a:r>
+            <a:r>
+              <a:rPr b="0" lang="es-MX" sz="1700" spc="-1" strike="noStrike">
+                <a:solidFill>
+                  <a:srgbClr val="000000"/>
+                </a:solidFill>
+                <a:latin typeface="Calibri"/>
+                <a:ea typeface="DejaVu Sans"/>
+              </a:rPr>
+              <a:t>Simple Expression. contains only one operator. Complex Expression. contains more than one </a:t>
+            </a:r>
+            <a:endParaRPr b="0" lang="es-MX" sz="1700" spc="-1" strike="noStrike">
+              <a:latin typeface="Arial"/>
+            </a:endParaRPr>
+          </a:p>
+          <a:p>
+            <a:pPr>
+              <a:lnSpc>
+                <a:spcPct val="100000"/>
+              </a:lnSpc>
+            </a:pPr>
+            <a:r>
+              <a:rPr b="0" lang="es-MX" sz="1700" spc="-1" strike="noStrike">
+                <a:solidFill>
+                  <a:srgbClr val="000000"/>
+                </a:solidFill>
+                <a:latin typeface="Calibri"/>
+                <a:ea typeface="DejaVu Sans"/>
+              </a:rPr>
+              <a:t>operator”</a:t>
+            </a:r>
+            <a:endParaRPr b="0" lang="es-MX" sz="1700" spc="-1" strike="noStrike">
+              <a:latin typeface="Arial"/>
+            </a:endParaRPr>
+          </a:p>
+          <a:p>
+            <a:pPr>
+              <a:lnSpc>
+                <a:spcPct val="100000"/>
+              </a:lnSpc>
+            </a:pPr>
+            <a:endParaRPr b="0" lang="es-MX" sz="1700" spc="-1" strike="noStrike">
+              <a:latin typeface="Arial"/>
+            </a:endParaRPr>
+          </a:p>
+        </p:txBody>
+      </p:sp>
     </p:spTree>
   </p:cSld>
   <mc:AlternateContent>
@@ -20145,14 +20571,14 @@
       </p:grpSpPr>
       <p:sp>
         <p:nvSpPr>
-          <p:cNvPr id="392" name="CustomShape 1"/>
+          <p:cNvPr id="391" name="CustomShape 1"/>
           <p:cNvSpPr/>
           <p:nvPr/>
         </p:nvSpPr>
         <p:spPr>
           <a:xfrm>
-            <a:off x="803160" y="-162360"/>
-            <a:ext cx="10513080" cy="1323000"/>
+            <a:off x="838080" y="365040"/>
+            <a:ext cx="10512000" cy="1321920"/>
           </a:xfrm>
           <a:prstGeom prst="rect">
             <a:avLst/>
@@ -20186,7 +20612,7 @@
                 <a:latin typeface="Calibri Light"/>
                 <a:ea typeface="DejaVu Sans"/>
               </a:rPr>
-              <a:t>1.5 Expresiones simples y complejas</a:t>
+              <a:t>REFERENCIAS</a:t>
             </a:r>
             <a:endParaRPr b="0" lang="es-MX" sz="4400" spc="-1" strike="noStrike">
               <a:latin typeface="Arial"/>
@@ -20196,14 +20622,14 @@
       </p:sp>
       <p:sp>
         <p:nvSpPr>
-          <p:cNvPr id="393" name="CustomShape 2"/>
+          <p:cNvPr id="392" name="CustomShape 2"/>
           <p:cNvSpPr/>
           <p:nvPr/>
         </p:nvSpPr>
         <p:spPr>
           <a:xfrm>
-            <a:off x="792000" y="793800"/>
-            <a:ext cx="11262240" cy="4236840"/>
+            <a:off x="838080" y="1825560"/>
+            <a:ext cx="10512000" cy="4347720"/>
           </a:xfrm>
           <a:prstGeom prst="rect">
             <a:avLst/>
@@ -20220,451 +20646,11 @@
           <a:fontRef idx="minor"/>
         </p:style>
         <p:txBody>
-          <a:bodyPr wrap="none" lIns="90000" rIns="90000" tIns="45000" bIns="45000">
-            <a:spAutoFit/>
-          </a:bodyPr>
-          <a:p>
-            <a:pPr>
-              <a:lnSpc>
-                <a:spcPct val="100000"/>
-              </a:lnSpc>
-            </a:pPr>
-            <a:r>
-              <a:rPr b="0" lang="es-MX" sz="1700" spc="-1" strike="noStrike">
-                <a:solidFill>
-                  <a:srgbClr val="000000"/>
-                </a:solidFill>
-                <a:latin typeface="Calibri"/>
-                <a:ea typeface="DejaVu Sans"/>
-              </a:rPr>
-              <a:t>Las expresiones (Joyanes Aguilar Luis) son combinaciones de constantes, variables, símbolos de </a:t>
-            </a:r>
-            <a:endParaRPr b="0" lang="es-MX" sz="1700" spc="-1" strike="noStrike">
-              <a:latin typeface="Arial"/>
-            </a:endParaRPr>
-          </a:p>
-          <a:p>
-            <a:pPr>
-              <a:lnSpc>
-                <a:spcPct val="100000"/>
-              </a:lnSpc>
-            </a:pPr>
-            <a:r>
-              <a:rPr b="0" lang="es-MX" sz="1700" spc="-1" strike="noStrike">
-                <a:solidFill>
-                  <a:srgbClr val="000000"/>
-                </a:solidFill>
-                <a:latin typeface="Calibri"/>
-                <a:ea typeface="DejaVu Sans"/>
-              </a:rPr>
-              <a:t>operación, paréntesis y nombres de funciones especiales.</a:t>
-            </a:r>
-            <a:endParaRPr b="0" lang="es-MX" sz="1700" spc="-1" strike="noStrike">
-              <a:latin typeface="Arial"/>
-            </a:endParaRPr>
-          </a:p>
-          <a:p>
-            <a:pPr>
-              <a:lnSpc>
-                <a:spcPct val="100000"/>
-              </a:lnSpc>
-            </a:pPr>
-            <a:endParaRPr b="0" lang="es-MX" sz="1700" spc="-1" strike="noStrike">
-              <a:latin typeface="Arial"/>
-            </a:endParaRPr>
-          </a:p>
-          <a:p>
-            <a:pPr>
-              <a:lnSpc>
-                <a:spcPct val="100000"/>
-              </a:lnSpc>
-            </a:pPr>
-            <a:r>
-              <a:rPr b="0" lang="es-MX" sz="1700" spc="-1" strike="noStrike">
-                <a:solidFill>
-                  <a:srgbClr val="000000"/>
-                </a:solidFill>
-                <a:latin typeface="Calibri"/>
-                <a:ea typeface="DejaVu Sans"/>
-              </a:rPr>
-              <a:t>En la bibliografía del curso no aparecen los términos ‘expresiones simples’ y ‘expresiones complejas’. </a:t>
-            </a:r>
-            <a:endParaRPr b="0" lang="es-MX" sz="1700" spc="-1" strike="noStrike">
-              <a:latin typeface="Arial"/>
-            </a:endParaRPr>
-          </a:p>
-          <a:p>
-            <a:pPr>
-              <a:lnSpc>
-                <a:spcPct val="100000"/>
-              </a:lnSpc>
-            </a:pPr>
-            <a:r>
-              <a:rPr b="0" lang="es-MX" sz="1700" spc="-1" strike="noStrike">
-                <a:solidFill>
-                  <a:srgbClr val="000000"/>
-                </a:solidFill>
-                <a:latin typeface="Calibri"/>
-                <a:ea typeface="DejaVu Sans"/>
-              </a:rPr>
-              <a:t>Tales términos solo me ha sido posible encontrarlos en dos páginas web:</a:t>
-            </a:r>
-            <a:endParaRPr b="0" lang="es-MX" sz="1700" spc="-1" strike="noStrike">
-              <a:latin typeface="Arial"/>
-            </a:endParaRPr>
-          </a:p>
-          <a:p>
-            <a:pPr>
-              <a:lnSpc>
-                <a:spcPct val="100000"/>
-              </a:lnSpc>
-            </a:pPr>
-            <a:endParaRPr b="0" lang="es-MX" sz="1700" spc="-1" strike="noStrike">
-              <a:latin typeface="Arial"/>
-            </a:endParaRPr>
-          </a:p>
-          <a:p>
-            <a:pPr>
-              <a:lnSpc>
-                <a:spcPct val="100000"/>
-              </a:lnSpc>
-            </a:pPr>
-            <a:r>
-              <a:rPr b="0" lang="es-MX" sz="1700" spc="-1" strike="noStrike" u="sng">
-                <a:solidFill>
-                  <a:srgbClr val="0563c1"/>
-                </a:solidFill>
-                <a:uFillTx/>
-                <a:latin typeface="Calibri"/>
-                <a:ea typeface="DejaVu Sans"/>
-                <a:hlinkClick r:id="rId1"/>
-              </a:rPr>
-              <a:t>https://newsandstory.com/story/s7mszmn/Expressions-and-its-uses-in-C-program-module-11-</a:t>
-            </a:r>
-            <a:r>
-              <a:rPr b="0" lang="es-MX" sz="1700" spc="-1" strike="noStrike" u="sng">
-                <a:solidFill>
-                  <a:srgbClr val="0563c1"/>
-                </a:solidFill>
-                <a:uFillTx/>
-                <a:latin typeface="Calibri"/>
-                <a:ea typeface="DejaVu Sans"/>
-                <a:hlinkClick r:id="rId2"/>
-              </a:rPr>
-              <a:t>/</a:t>
-            </a:r>
-            <a:endParaRPr b="0" lang="es-MX" sz="1700" spc="-1" strike="noStrike">
-              <a:latin typeface="Arial"/>
-            </a:endParaRPr>
-          </a:p>
-          <a:p>
-            <a:pPr>
-              <a:lnSpc>
-                <a:spcPct val="100000"/>
-              </a:lnSpc>
-            </a:pPr>
-            <a:r>
-              <a:rPr b="0" lang="es-MX" sz="1700" spc="-1" strike="noStrike">
-                <a:solidFill>
-                  <a:srgbClr val="000000"/>
-                </a:solidFill>
-                <a:latin typeface="Calibri"/>
-                <a:ea typeface="DejaVu Sans"/>
-              </a:rPr>
-              <a:t>“</a:t>
-            </a:r>
-            <a:r>
-              <a:rPr b="0" lang="es-MX" sz="1700" spc="-1" strike="noStrike">
-                <a:solidFill>
-                  <a:srgbClr val="000000"/>
-                </a:solidFill>
-                <a:latin typeface="Calibri"/>
-                <a:ea typeface="DejaVu Sans"/>
-              </a:rPr>
-              <a:t>An expression is a sequence of operators and operands that reduces to a single value. Expressions </a:t>
-            </a:r>
-            <a:endParaRPr b="0" lang="es-MX" sz="1700" spc="-1" strike="noStrike">
-              <a:latin typeface="Arial"/>
-            </a:endParaRPr>
-          </a:p>
-          <a:p>
-            <a:pPr>
-              <a:lnSpc>
-                <a:spcPct val="100000"/>
-              </a:lnSpc>
-            </a:pPr>
-            <a:r>
-              <a:rPr b="0" lang="es-MX" sz="1700" spc="-1" strike="noStrike">
-                <a:solidFill>
-                  <a:srgbClr val="000000"/>
-                </a:solidFill>
-                <a:latin typeface="Calibri"/>
-                <a:ea typeface="DejaVu Sans"/>
-              </a:rPr>
-              <a:t>can be simple or complex. An operator is a syntactical token that requires an action be taken.  An </a:t>
-            </a:r>
-            <a:endParaRPr b="0" lang="es-MX" sz="1700" spc="-1" strike="noStrike">
-              <a:latin typeface="Arial"/>
-            </a:endParaRPr>
-          </a:p>
-          <a:p>
-            <a:pPr>
-              <a:lnSpc>
-                <a:spcPct val="100000"/>
-              </a:lnSpc>
-            </a:pPr>
-            <a:r>
-              <a:rPr b="0" lang="es-MX" sz="1700" spc="-1" strike="noStrike">
-                <a:solidFill>
-                  <a:srgbClr val="000000"/>
-                </a:solidFill>
-                <a:latin typeface="Calibri"/>
-                <a:ea typeface="DejaVu Sans"/>
-              </a:rPr>
-              <a:t>operand is an object on which an operation is performed. A simple expression contains only one </a:t>
-            </a:r>
-            <a:endParaRPr b="0" lang="es-MX" sz="1700" spc="-1" strike="noStrike">
-              <a:latin typeface="Arial"/>
-            </a:endParaRPr>
-          </a:p>
-          <a:p>
-            <a:pPr>
-              <a:lnSpc>
-                <a:spcPct val="100000"/>
-              </a:lnSpc>
-            </a:pPr>
-            <a:r>
-              <a:rPr b="0" lang="es-MX" sz="1700" spc="-1" strike="noStrike">
-                <a:solidFill>
-                  <a:srgbClr val="000000"/>
-                </a:solidFill>
-                <a:latin typeface="Calibri"/>
-                <a:ea typeface="DejaVu Sans"/>
-              </a:rPr>
-              <a:t>operator. Eg. 2+3 is a simple expression whose value is 5.”</a:t>
-            </a:r>
-            <a:endParaRPr b="0" lang="es-MX" sz="1700" spc="-1" strike="noStrike">
-              <a:latin typeface="Arial"/>
-            </a:endParaRPr>
-          </a:p>
-          <a:p>
-            <a:pPr>
-              <a:lnSpc>
-                <a:spcPct val="100000"/>
-              </a:lnSpc>
-            </a:pPr>
-            <a:endParaRPr b="0" lang="es-MX" sz="1700" spc="-1" strike="noStrike">
-              <a:latin typeface="Arial"/>
-            </a:endParaRPr>
-          </a:p>
-          <a:p>
-            <a:pPr>
-              <a:lnSpc>
-                <a:spcPct val="100000"/>
-              </a:lnSpc>
-            </a:pPr>
-            <a:r>
-              <a:rPr b="0" lang="es-MX" sz="1700" spc="-1" strike="noStrike" u="sng">
-                <a:solidFill>
-                  <a:srgbClr val="0563c1"/>
-                </a:solidFill>
-                <a:uFillTx/>
-                <a:latin typeface="Calibri"/>
-                <a:ea typeface="DejaVu Sans"/>
-                <a:hlinkClick r:id="rId3"/>
-              </a:rPr>
-              <a:t>https://quizlet.com/188164793/computer-science-chapter-3-flash-cards</a:t>
-            </a:r>
-            <a:r>
-              <a:rPr b="0" lang="es-MX" sz="1700" spc="-1" strike="noStrike" u="sng">
-                <a:solidFill>
-                  <a:srgbClr val="0563c1"/>
-                </a:solidFill>
-                <a:uFillTx/>
-                <a:latin typeface="Calibri"/>
-                <a:ea typeface="DejaVu Sans"/>
-                <a:hlinkClick r:id="rId4"/>
-              </a:rPr>
-              <a:t>/</a:t>
-            </a:r>
-            <a:endParaRPr b="0" lang="es-MX" sz="1700" spc="-1" strike="noStrike">
-              <a:latin typeface="Arial"/>
-            </a:endParaRPr>
-          </a:p>
-          <a:p>
-            <a:pPr>
-              <a:lnSpc>
-                <a:spcPct val="100000"/>
-              </a:lnSpc>
-            </a:pPr>
-            <a:r>
-              <a:rPr b="0" lang="es-MX" sz="1700" spc="-1" strike="noStrike">
-                <a:solidFill>
-                  <a:srgbClr val="000000"/>
-                </a:solidFill>
-                <a:latin typeface="Calibri"/>
-                <a:ea typeface="DejaVu Sans"/>
-              </a:rPr>
-              <a:t>“</a:t>
-            </a:r>
-            <a:r>
-              <a:rPr b="0" lang="es-MX" sz="1700" spc="-1" strike="noStrike">
-                <a:solidFill>
-                  <a:srgbClr val="000000"/>
-                </a:solidFill>
-                <a:latin typeface="Calibri"/>
-                <a:ea typeface="DejaVu Sans"/>
-              </a:rPr>
-              <a:t>Simple Expression. contains only one operator. Complex Expression. contains more than one </a:t>
-            </a:r>
-            <a:endParaRPr b="0" lang="es-MX" sz="1700" spc="-1" strike="noStrike">
-              <a:latin typeface="Arial"/>
-            </a:endParaRPr>
-          </a:p>
-          <a:p>
-            <a:pPr>
-              <a:lnSpc>
-                <a:spcPct val="100000"/>
-              </a:lnSpc>
-            </a:pPr>
-            <a:r>
-              <a:rPr b="0" lang="es-MX" sz="1700" spc="-1" strike="noStrike">
-                <a:solidFill>
-                  <a:srgbClr val="000000"/>
-                </a:solidFill>
-                <a:latin typeface="Calibri"/>
-                <a:ea typeface="DejaVu Sans"/>
-              </a:rPr>
-              <a:t>operator”</a:t>
-            </a:r>
-            <a:endParaRPr b="0" lang="es-MX" sz="1700" spc="-1" strike="noStrike">
-              <a:latin typeface="Arial"/>
-            </a:endParaRPr>
-          </a:p>
-          <a:p>
-            <a:pPr>
-              <a:lnSpc>
-                <a:spcPct val="100000"/>
-              </a:lnSpc>
-            </a:pPr>
-            <a:endParaRPr b="0" lang="es-MX" sz="1700" spc="-1" strike="noStrike">
-              <a:latin typeface="Arial"/>
-            </a:endParaRPr>
-          </a:p>
-        </p:txBody>
-      </p:sp>
-    </p:spTree>
-  </p:cSld>
-  <mc:AlternateContent>
-    <mc:Choice Requires="p14">
-      <p:transition spd="slow" p14:dur="2000"/>
-    </mc:Choice>
-    <mc:Fallback>
-      <p:transition spd="slow"/>
-    </mc:Fallback>
-  </mc:AlternateContent>
-</p:sld>
-</file>
-
-<file path=ppt/slides/slide77.xml><?xml version="1.0" encoding="utf-8"?>
-<p:sld xmlns:a="http://schemas.openxmlformats.org/drawingml/2006/main" xmlns:p="http://schemas.openxmlformats.org/presentationml/2006/main" xmlns:r="http://schemas.openxmlformats.org/officeDocument/2006/relationships" xmlns:p14="http://schemas.microsoft.com/office/powerpoint/2010/main" xmlns:p15="http://schemas.microsoft.com/office/powerpoint/2012/main" xmlns:mc="http://schemas.openxmlformats.org/markup-compatibility/2006">
-  <p:cSld>
-    <p:spTree>
-      <p:nvGrpSpPr>
-        <p:cNvPr id="1" name=""/>
-        <p:cNvGrpSpPr/>
-        <p:nvPr/>
-      </p:nvGrpSpPr>
-      <p:grpSpPr>
-        <a:xfrm>
-          <a:off x="0" y="0"/>
-          <a:ext cx="0" cy="0"/>
-          <a:chOff x="0" y="0"/>
-          <a:chExt cx="0" cy="0"/>
-        </a:xfrm>
-      </p:grpSpPr>
-      <p:sp>
-        <p:nvSpPr>
-          <p:cNvPr id="394" name="CustomShape 1"/>
-          <p:cNvSpPr/>
-          <p:nvPr/>
-        </p:nvSpPr>
-        <p:spPr>
-          <a:xfrm>
-            <a:off x="838080" y="365040"/>
-            <a:ext cx="10513080" cy="1323000"/>
-          </a:xfrm>
-          <a:prstGeom prst="rect">
-            <a:avLst/>
-          </a:prstGeom>
-          <a:noFill/>
-          <a:ln w="0">
-            <a:noFill/>
-          </a:ln>
-        </p:spPr>
-        <p:style>
-          <a:lnRef idx="0"/>
-          <a:fillRef idx="0"/>
-          <a:effectRef idx="0"/>
-          <a:fontRef idx="minor"/>
-        </p:style>
-        <p:txBody>
-          <a:bodyPr lIns="90000" rIns="90000" tIns="45000" bIns="45000" anchor="ctr">
-            <a:noAutofit/>
-          </a:bodyPr>
-          <a:p>
-            <a:pPr>
-              <a:lnSpc>
-                <a:spcPct val="90000"/>
-              </a:lnSpc>
-            </a:pPr>
-            <a:r>
-              <a:rPr b="0" lang="es-MX" sz="4400" spc="-1" strike="noStrike">
-                <a:solidFill>
-                  <a:srgbClr val="000000"/>
-                </a:solidFill>
-                <a:latin typeface="Calibri Light"/>
-                <a:ea typeface="DejaVu Sans"/>
-              </a:rPr>
-              <a:t>REFERENCIAS</a:t>
-            </a:r>
-            <a:endParaRPr b="0" lang="es-MX" sz="4400" spc="-1" strike="noStrike">
-              <a:latin typeface="Arial"/>
-            </a:endParaRPr>
-          </a:p>
-        </p:txBody>
-      </p:sp>
-      <p:sp>
-        <p:nvSpPr>
-          <p:cNvPr id="395" name="CustomShape 2"/>
-          <p:cNvSpPr/>
-          <p:nvPr/>
-        </p:nvSpPr>
-        <p:spPr>
-          <a:xfrm>
-            <a:off x="838080" y="1825560"/>
-            <a:ext cx="10513080" cy="4348800"/>
-          </a:xfrm>
-          <a:prstGeom prst="rect">
-            <a:avLst/>
-          </a:prstGeom>
-          <a:noFill/>
-          <a:ln w="0">
-            <a:noFill/>
-          </a:ln>
-        </p:spPr>
-        <p:style>
-          <a:lnRef idx="0"/>
-          <a:fillRef idx="0"/>
-          <a:effectRef idx="0"/>
-          <a:fontRef idx="minor"/>
-        </p:style>
-        <p:txBody>
           <a:bodyPr lIns="90000" rIns="90000" tIns="45000" bIns="45000">
             <a:noAutofit/>
           </a:bodyPr>
           <a:p>
-            <a:pPr marL="228600" indent="-226080">
+            <a:pPr marL="228600" indent="-225000">
               <a:lnSpc>
                 <a:spcPct val="90000"/>
               </a:lnSpc>
@@ -20726,7 +20712,7 @@
             </a:endParaRPr>
           </a:p>
           <a:p>
-            <a:pPr marL="228600" indent="-226080">
+            <a:pPr marL="228600" indent="-225000">
               <a:lnSpc>
                 <a:spcPct val="90000"/>
               </a:lnSpc>
@@ -20754,7 +20740,7 @@
             </a:endParaRPr>
           </a:p>
           <a:p>
-            <a:pPr marL="228600" indent="-226080">
+            <a:pPr marL="228600" indent="-225000">
               <a:lnSpc>
                 <a:spcPct val="90000"/>
               </a:lnSpc>
@@ -20782,7 +20768,7 @@
             </a:endParaRPr>
           </a:p>
           <a:p>
-            <a:pPr marL="228600" indent="-226080">
+            <a:pPr marL="228600" indent="-225000">
               <a:lnSpc>
                 <a:spcPct val="90000"/>
               </a:lnSpc>
@@ -20843,14 +20829,14 @@
       </p:grpSpPr>
       <p:sp>
         <p:nvSpPr>
-          <p:cNvPr id="217" name="CustomShape 1"/>
+          <p:cNvPr id="216" name="CustomShape 1"/>
           <p:cNvSpPr/>
           <p:nvPr/>
         </p:nvSpPr>
         <p:spPr>
           <a:xfrm>
             <a:off x="714960" y="0"/>
-            <a:ext cx="10513080" cy="1323000"/>
+            <a:ext cx="10512000" cy="1321920"/>
           </a:xfrm>
           <a:prstGeom prst="rect">
             <a:avLst/>
@@ -20894,7 +20880,7 @@
       </p:sp>
       <p:pic>
         <p:nvPicPr>
-          <p:cNvPr id="218" name="Imagen 3" descr=""/>
+          <p:cNvPr id="217" name="Imagen 3" descr=""/>
           <p:cNvPicPr/>
           <p:nvPr/>
         </p:nvPicPr>
@@ -20905,7 +20891,7 @@
         <p:spPr>
           <a:xfrm>
             <a:off x="3772440" y="936720"/>
-            <a:ext cx="7746120" cy="5683680"/>
+            <a:ext cx="7745040" cy="5682600"/>
           </a:xfrm>
           <a:prstGeom prst="rect">
             <a:avLst/>
@@ -20917,14 +20903,14 @@
       </p:pic>
       <p:sp>
         <p:nvSpPr>
-          <p:cNvPr id="219" name="CustomShape 2"/>
+          <p:cNvPr id="218" name="CustomShape 2"/>
           <p:cNvSpPr/>
           <p:nvPr/>
         </p:nvSpPr>
         <p:spPr>
           <a:xfrm>
             <a:off x="685800" y="936720"/>
-            <a:ext cx="10513080" cy="1323000"/>
+            <a:ext cx="10512000" cy="1321920"/>
           </a:xfrm>
           <a:prstGeom prst="rect">
             <a:avLst/>
@@ -20998,14 +20984,14 @@
       </p:grpSpPr>
       <p:sp>
         <p:nvSpPr>
-          <p:cNvPr id="220" name="CustomShape 1"/>
+          <p:cNvPr id="219" name="CustomShape 1"/>
           <p:cNvSpPr/>
           <p:nvPr/>
         </p:nvSpPr>
         <p:spPr>
           <a:xfrm>
             <a:off x="838440" y="360"/>
-            <a:ext cx="10513440" cy="897840"/>
+            <a:ext cx="10512360" cy="896760"/>
           </a:xfrm>
           <a:prstGeom prst="rect">
             <a:avLst/>
@@ -21049,7 +21035,7 @@
       </p:sp>
       <p:pic>
         <p:nvPicPr>
-          <p:cNvPr id="221" name="Imagen 3_0" descr=""/>
+          <p:cNvPr id="220" name="Imagen 3_0" descr=""/>
           <p:cNvPicPr/>
           <p:nvPr/>
         </p:nvPicPr>
@@ -21061,7 +21047,30 @@
         <p:spPr>
           <a:xfrm>
             <a:off x="1816200" y="779040"/>
-            <a:ext cx="8675640" cy="1919160"/>
+            <a:ext cx="8674560" cy="1918080"/>
+          </a:xfrm>
+          <a:prstGeom prst="rect">
+            <a:avLst/>
+          </a:prstGeom>
+          <a:ln w="0">
+            <a:noFill/>
+          </a:ln>
+        </p:spPr>
+      </p:pic>
+      <p:pic>
+        <p:nvPicPr>
+          <p:cNvPr id="221" name="" descr=""/>
+          <p:cNvPicPr/>
+          <p:nvPr/>
+        </p:nvPicPr>
+        <p:blipFill>
+          <a:blip r:embed="rId2"/>
+          <a:stretch/>
+        </p:blipFill>
+        <p:spPr>
+          <a:xfrm>
+            <a:off x="1615680" y="2160000"/>
+            <a:ext cx="3061440" cy="397080"/>
           </a:xfrm>
           <a:prstGeom prst="rect">
             <a:avLst/>
@@ -21078,13 +21087,13 @@
           <p:nvPr/>
         </p:nvPicPr>
         <p:blipFill>
-          <a:blip r:embed="rId2"/>
+          <a:blip r:embed="rId3"/>
           <a:stretch/>
         </p:blipFill>
         <p:spPr>
           <a:xfrm>
-            <a:off x="1615680" y="2160000"/>
-            <a:ext cx="3062520" cy="398160"/>
+            <a:off x="720000" y="2749680"/>
+            <a:ext cx="10770840" cy="861840"/>
           </a:xfrm>
           <a:prstGeom prst="rect">
             <a:avLst/>
@@ -21101,13 +21110,13 @@
           <p:nvPr/>
         </p:nvPicPr>
         <p:blipFill>
-          <a:blip r:embed="rId3"/>
+          <a:blip r:embed="rId4"/>
           <a:stretch/>
         </p:blipFill>
         <p:spPr>
           <a:xfrm>
-            <a:off x="720000" y="2749680"/>
-            <a:ext cx="10771920" cy="862920"/>
+            <a:off x="720000" y="4695840"/>
+            <a:ext cx="3153600" cy="881280"/>
           </a:xfrm>
           <a:prstGeom prst="rect">
             <a:avLst/>
@@ -21124,13 +21133,13 @@
           <p:nvPr/>
         </p:nvPicPr>
         <p:blipFill>
-          <a:blip r:embed="rId4"/>
+          <a:blip r:embed="rId5"/>
           <a:stretch/>
         </p:blipFill>
         <p:spPr>
           <a:xfrm>
-            <a:off x="720000" y="4695840"/>
-            <a:ext cx="3154680" cy="882360"/>
+            <a:off x="720000" y="3646080"/>
+            <a:ext cx="2337120" cy="314640"/>
           </a:xfrm>
           <a:prstGeom prst="rect">
             <a:avLst/>
@@ -21147,13 +21156,13 @@
           <p:nvPr/>
         </p:nvPicPr>
         <p:blipFill>
-          <a:blip r:embed="rId5"/>
+          <a:blip r:embed="rId6"/>
           <a:stretch/>
         </p:blipFill>
         <p:spPr>
           <a:xfrm>
-            <a:off x="720000" y="3646080"/>
-            <a:ext cx="2338200" cy="315720"/>
+            <a:off x="720000" y="3986280"/>
+            <a:ext cx="10797120" cy="656280"/>
           </a:xfrm>
           <a:prstGeom prst="rect">
             <a:avLst/>
@@ -21163,39 +21172,16 @@
           </a:ln>
         </p:spPr>
       </p:pic>
-      <p:pic>
-        <p:nvPicPr>
-          <p:cNvPr id="226" name="" descr=""/>
-          <p:cNvPicPr/>
-          <p:nvPr/>
-        </p:nvPicPr>
-        <p:blipFill>
-          <a:blip r:embed="rId6"/>
-          <a:stretch/>
-        </p:blipFill>
-        <p:spPr>
-          <a:xfrm>
-            <a:off x="720000" y="3986280"/>
-            <a:ext cx="10798200" cy="657360"/>
-          </a:xfrm>
-          <a:prstGeom prst="rect">
-            <a:avLst/>
-          </a:prstGeom>
-          <a:ln w="0">
-            <a:noFill/>
-          </a:ln>
-        </p:spPr>
-      </p:pic>
-      <p:sp>
-        <p:nvSpPr>
-          <p:cNvPr id="227" name="CustomShape 2"/>
+      <p:sp>
+        <p:nvSpPr>
+          <p:cNvPr id="226" name="CustomShape 2"/>
           <p:cNvSpPr/>
           <p:nvPr/>
         </p:nvSpPr>
         <p:spPr>
           <a:xfrm>
             <a:off x="4140000" y="4680000"/>
-            <a:ext cx="7378200" cy="1624320"/>
+            <a:ext cx="7377120" cy="1623240"/>
           </a:xfrm>
           <a:prstGeom prst="rect">
             <a:avLst/>
